--- a/Doc/ProjectPresentation1.pptx
+++ b/Doc/ProjectPresentation1.pptx
@@ -1034,6 +1034,13 @@
         </dgm:presLayoutVars>
       </dgm:prSet>
       <dgm:spPr/>
+      <dgm:t>
+        <a:bodyPr/>
+        <a:lstStyle/>
+        <a:p>
+          <a:endParaRPr lang="th-TH"/>
+        </a:p>
+      </dgm:t>
     </dgm:pt>
     <dgm:pt modelId="{9CF2904A-95E3-426D-A0E7-D36C77D650C8}" type="pres">
       <dgm:prSet presAssocID="{7622D27D-1418-454B-8843-814A956FD9D1}" presName="ellipse" presStyleLbl="trBgShp" presStyleIdx="0" presStyleCnt="1" custScaleX="108721" custScaleY="124000" custLinFactNeighborY="-10265"/>
@@ -1109,15 +1116,15 @@
     </dgm:pt>
   </dgm:ptLst>
   <dgm:cxnLst>
+    <dgm:cxn modelId="{1EC9FBEF-BD93-48BC-BB0C-E3D2D3DE23F2}" srcId="{7622D27D-1418-454B-8843-814A956FD9D1}" destId="{95DC65B9-BC1A-4760-A531-1FC856889EB4}" srcOrd="3" destOrd="0" parTransId="{A8B784AB-1A2C-4088-A443-824CDCB3F757}" sibTransId="{67741F9B-B633-44EF-99A4-44D843F45A36}"/>
     <dgm:cxn modelId="{6265AE14-D555-4E97-B629-B39B867113A5}" type="presOf" srcId="{DC903487-BB82-4DFC-B625-BF85C817133E}" destId="{2D2081E2-93B7-4D82-B3DD-84A7043B4E30}" srcOrd="0" destOrd="0" presId="urn:microsoft.com/office/officeart/2005/8/layout/funnel1"/>
+    <dgm:cxn modelId="{BCAE8D34-2DF0-4DF2-80F1-3CA31A184F70}" type="presOf" srcId="{B16CC3DF-6F09-447E-9CAB-0F26C694BF33}" destId="{C67984F5-77EA-43A6-9D02-299A9C887AB4}" srcOrd="0" destOrd="0" presId="urn:microsoft.com/office/officeart/2005/8/layout/funnel1"/>
     <dgm:cxn modelId="{26A19BB3-2B5D-4A8B-9F43-CD9DC2115091}" type="presOf" srcId="{7622D27D-1418-454B-8843-814A956FD9D1}" destId="{7BD4EBA1-C18C-43A4-B814-C8137E3BBEB1}" srcOrd="0" destOrd="0" presId="urn:microsoft.com/office/officeart/2005/8/layout/funnel1"/>
+    <dgm:cxn modelId="{C87A493C-5A32-4F48-B471-F15B3B632119}" srcId="{7622D27D-1418-454B-8843-814A956FD9D1}" destId="{B16CC3DF-6F09-447E-9CAB-0F26C694BF33}" srcOrd="0" destOrd="0" parTransId="{A2B03C21-AD22-4A41-B91A-EDBBF4A9E303}" sibTransId="{5B0884FF-B6FC-4D9E-826D-A274B44DC1C5}"/>
+    <dgm:cxn modelId="{2114F41E-B164-4555-8679-582A2790C4D7}" srcId="{7622D27D-1418-454B-8843-814A956FD9D1}" destId="{76944704-A16E-40A3-8D28-45750423D4AB}" srcOrd="1" destOrd="0" parTransId="{4C9ED8B0-9A97-497C-B9E1-739F3EF399DD}" sibTransId="{EDA11C35-0ABC-482C-B1A8-EDECC8460B99}"/>
     <dgm:cxn modelId="{0147FC70-517A-49A2-A64B-D42D84E7CA6E}" type="presOf" srcId="{76944704-A16E-40A3-8D28-45750423D4AB}" destId="{7A545E6C-0F8C-4132-B331-B7ECFC12E3A6}" srcOrd="0" destOrd="0" presId="urn:microsoft.com/office/officeart/2005/8/layout/funnel1"/>
     <dgm:cxn modelId="{C32F4944-87AD-440A-8446-BA7FDD34A189}" type="presOf" srcId="{95DC65B9-BC1A-4760-A531-1FC856889EB4}" destId="{AED0CA65-6A91-4F55-B1D5-2C93C67A216C}" srcOrd="0" destOrd="0" presId="urn:microsoft.com/office/officeart/2005/8/layout/funnel1"/>
-    <dgm:cxn modelId="{1EC9FBEF-BD93-48BC-BB0C-E3D2D3DE23F2}" srcId="{7622D27D-1418-454B-8843-814A956FD9D1}" destId="{95DC65B9-BC1A-4760-A531-1FC856889EB4}" srcOrd="3" destOrd="0" parTransId="{A8B784AB-1A2C-4088-A443-824CDCB3F757}" sibTransId="{67741F9B-B633-44EF-99A4-44D843F45A36}"/>
     <dgm:cxn modelId="{0BFA8BCD-64BD-4EFF-B899-C8719F8A0E55}" srcId="{7622D27D-1418-454B-8843-814A956FD9D1}" destId="{DC903487-BB82-4DFC-B625-BF85C817133E}" srcOrd="2" destOrd="0" parTransId="{FBB9706C-C441-4FAF-B21F-13CB8C42005C}" sibTransId="{3A0450F4-50FE-4FA7-B739-C1195D3FA9A7}"/>
-    <dgm:cxn modelId="{C87A493C-5A32-4F48-B471-F15B3B632119}" srcId="{7622D27D-1418-454B-8843-814A956FD9D1}" destId="{B16CC3DF-6F09-447E-9CAB-0F26C694BF33}" srcOrd="0" destOrd="0" parTransId="{A2B03C21-AD22-4A41-B91A-EDBBF4A9E303}" sibTransId="{5B0884FF-B6FC-4D9E-826D-A274B44DC1C5}"/>
-    <dgm:cxn modelId="{2114F41E-B164-4555-8679-582A2790C4D7}" srcId="{7622D27D-1418-454B-8843-814A956FD9D1}" destId="{76944704-A16E-40A3-8D28-45750423D4AB}" srcOrd="1" destOrd="0" parTransId="{4C9ED8B0-9A97-497C-B9E1-739F3EF399DD}" sibTransId="{EDA11C35-0ABC-482C-B1A8-EDECC8460B99}"/>
-    <dgm:cxn modelId="{BCAE8D34-2DF0-4DF2-80F1-3CA31A184F70}" type="presOf" srcId="{B16CC3DF-6F09-447E-9CAB-0F26C694BF33}" destId="{C67984F5-77EA-43A6-9D02-299A9C887AB4}" srcOrd="0" destOrd="0" presId="urn:microsoft.com/office/officeart/2005/8/layout/funnel1"/>
     <dgm:cxn modelId="{4C8EBBD5-3527-4D0E-A55C-9D5FC5B226C0}" type="presParOf" srcId="{7BD4EBA1-C18C-43A4-B814-C8137E3BBEB1}" destId="{9CF2904A-95E3-426D-A0E7-D36C77D650C8}" srcOrd="0" destOrd="0" presId="urn:microsoft.com/office/officeart/2005/8/layout/funnel1"/>
     <dgm:cxn modelId="{F73DA345-643B-4594-82F9-9CD6AB01601B}" type="presParOf" srcId="{7BD4EBA1-C18C-43A4-B814-C8137E3BBEB1}" destId="{EA5B7450-7D1F-4252-A574-1CAA4E07FC8D}" srcOrd="1" destOrd="0" presId="urn:microsoft.com/office/officeart/2005/8/layout/funnel1"/>
     <dgm:cxn modelId="{9D6A8A07-0890-4B25-BE1D-C677BDE37E75}" type="presParOf" srcId="{7BD4EBA1-C18C-43A4-B814-C8137E3BBEB1}" destId="{AED0CA65-6A91-4F55-B1D5-2C93C67A216C}" srcOrd="2" destOrd="0" presId="urn:microsoft.com/office/officeart/2005/8/layout/funnel1"/>
@@ -1130,14 +1137,14 @@
   <dgm:whole/>
   <dgm:extLst>
     <a:ext uri="http://schemas.microsoft.com/office/drawing/2008/diagram">
-      <dsp:dataModelExt xmlns:dsp="http://schemas.microsoft.com/office/drawing/2008/diagram" relId="rId6" minVer="http://schemas.openxmlformats.org/drawingml/2006/diagram"/>
+      <dsp:dataModelExt xmlns:dsp="http://schemas.microsoft.com/office/drawing/2008/diagram" xmlns="" relId="rId6" minVer="http://schemas.openxmlformats.org/drawingml/2006/diagram"/>
     </a:ext>
   </dgm:extLst>
 </dgm:dataModel>
 </file>
 
 <file path=ppt/diagrams/drawing1.xml><?xml version="1.0" encoding="utf-8"?>
-<dsp:drawing xmlns:dgm="http://schemas.openxmlformats.org/drawingml/2006/diagram" xmlns:dsp="http://schemas.microsoft.com/office/drawing/2008/diagram" xmlns:a="http://schemas.openxmlformats.org/drawingml/2006/main">
+<dsp:drawing xmlns:dgm="http://schemas.openxmlformats.org/drawingml/2006/diagram" xmlns:a="http://schemas.openxmlformats.org/drawingml/2006/main" xmlns:dsp="http://schemas.microsoft.com/office/drawing/2008/diagram">
   <dsp:spTree>
     <dsp:nvGrpSpPr>
       <dsp:cNvPr id="0" name=""/>
@@ -1366,8 +1373,8 @@
         </a:p>
       </dsp:txBody>
       <dsp:txXfrm>
-        <a:off x="2249630" y="1794832"/>
-        <a:ext cx="806202" cy="806202"/>
+        <a:off x="2082660" y="1627862"/>
+        <a:ext cx="1140142" cy="1140142"/>
       </dsp:txXfrm>
     </dsp:sp>
     <dsp:sp modelId="{7A545E6C-0F8C-4132-B331-B7ECFC12E3A6}">
@@ -1443,8 +1450,8 @@
         </a:p>
       </dsp:txBody>
       <dsp:txXfrm>
-        <a:off x="1309729" y="420976"/>
-        <a:ext cx="1345343" cy="1296792"/>
+        <a:off x="1031100" y="152401"/>
+        <a:ext cx="1902601" cy="1833942"/>
       </dsp:txXfrm>
     </dsp:sp>
     <dsp:sp modelId="{C67984F5-77EA-43A6-9D02-299A9C887AB4}">
@@ -1520,8 +1527,8 @@
         </a:p>
       </dsp:txBody>
       <dsp:txXfrm>
-        <a:off x="2915433" y="528018"/>
-        <a:ext cx="1088277" cy="1077788"/>
+        <a:off x="2690044" y="304801"/>
+        <a:ext cx="1539055" cy="1524222"/>
       </dsp:txXfrm>
     </dsp:sp>
     <dsp:sp modelId="{C135540B-42C5-49CB-93AC-CD61871322B3}">
@@ -3010,6 +3017,7 @@
           <a:p>
             <a:fld id="{8529C4BC-B2A5-4433-83F8-57753B4C3B20}" type="datetimeFigureOut">
               <a:rPr lang="en-US" smtClean="0"/>
+              <a:pPr/>
               <a:t>8/23/2011</a:t>
             </a:fld>
             <a:endParaRPr lang="en-US"/>
@@ -3169,6 +3177,7 @@
           <a:p>
             <a:fld id="{DADD876A-1B49-49DD-8F2D-83CBD6209C57}" type="slidenum">
               <a:rPr lang="en-US" smtClean="0"/>
+              <a:pPr/>
               <a:t>‹#›</a:t>
             </a:fld>
             <a:endParaRPr lang="en-US"/>
@@ -3178,7 +3187,7 @@
     </p:spTree>
     <p:extLst>
       <p:ext uri="{BB962C8B-B14F-4D97-AF65-F5344CB8AC3E}">
-        <p14:creationId xmlns:p14="http://schemas.microsoft.com/office/powerpoint/2010/main" val="1972029052"/>
+        <p14:creationId xmlns:p14="http://schemas.microsoft.com/office/powerpoint/2010/main" xmlns="" val="1972029052"/>
       </p:ext>
     </p:extLst>
   </p:cSld>
@@ -3343,6 +3352,7 @@
           <a:p>
             <a:fld id="{DADD876A-1B49-49DD-8F2D-83CBD6209C57}" type="slidenum">
               <a:rPr lang="en-US" smtClean="0"/>
+              <a:pPr/>
               <a:t>4</a:t>
             </a:fld>
             <a:endParaRPr lang="en-US"/>
@@ -3352,7 +3362,7 @@
     </p:spTree>
     <p:extLst>
       <p:ext uri="{BB962C8B-B14F-4D97-AF65-F5344CB8AC3E}">
-        <p14:creationId xmlns:p14="http://schemas.microsoft.com/office/powerpoint/2010/main" val="3222338183"/>
+        <p14:creationId xmlns:p14="http://schemas.microsoft.com/office/powerpoint/2010/main" xmlns="" val="3222338183"/>
       </p:ext>
     </p:extLst>
   </p:cSld>
@@ -3427,6 +3437,7 @@
           <a:p>
             <a:fld id="{DADD876A-1B49-49DD-8F2D-83CBD6209C57}" type="slidenum">
               <a:rPr lang="en-US" smtClean="0"/>
+              <a:pPr/>
               <a:t>5</a:t>
             </a:fld>
             <a:endParaRPr lang="en-US"/>
@@ -3436,7 +3447,7 @@
     </p:spTree>
     <p:extLst>
       <p:ext uri="{BB962C8B-B14F-4D97-AF65-F5344CB8AC3E}">
-        <p14:creationId xmlns:p14="http://schemas.microsoft.com/office/powerpoint/2010/main" val="3222338183"/>
+        <p14:creationId xmlns:p14="http://schemas.microsoft.com/office/powerpoint/2010/main" xmlns="" val="3222338183"/>
       </p:ext>
     </p:extLst>
   </p:cSld>
@@ -3627,6 +3638,7 @@
           <a:p>
             <a:fld id="{A623BE0C-B4FE-411C-B00F-FCA6A312E010}" type="datetimeFigureOut">
               <a:rPr lang="en-US" smtClean="0"/>
+              <a:pPr/>
               <a:t>8/23/2011</a:t>
             </a:fld>
             <a:endParaRPr lang="en-US"/>
@@ -3669,6 +3681,7 @@
           <a:p>
             <a:fld id="{5685757F-D3FC-4732-92F9-251EF6B3B90C}" type="slidenum">
               <a:rPr lang="en-US" smtClean="0"/>
+              <a:pPr/>
               <a:t>‹#›</a:t>
             </a:fld>
             <a:endParaRPr lang="en-US"/>
@@ -3678,7 +3691,7 @@
     </p:spTree>
     <p:extLst>
       <p:ext uri="{BB962C8B-B14F-4D97-AF65-F5344CB8AC3E}">
-        <p14:creationId xmlns:p14="http://schemas.microsoft.com/office/powerpoint/2010/main" val="323588753"/>
+        <p14:creationId xmlns:p14="http://schemas.microsoft.com/office/powerpoint/2010/main" xmlns="" val="323588753"/>
       </p:ext>
     </p:extLst>
   </p:cSld>
@@ -3797,6 +3810,7 @@
           <a:p>
             <a:fld id="{A623BE0C-B4FE-411C-B00F-FCA6A312E010}" type="datetimeFigureOut">
               <a:rPr lang="en-US" smtClean="0"/>
+              <a:pPr/>
               <a:t>8/23/2011</a:t>
             </a:fld>
             <a:endParaRPr lang="en-US"/>
@@ -3839,6 +3853,7 @@
           <a:p>
             <a:fld id="{5685757F-D3FC-4732-92F9-251EF6B3B90C}" type="slidenum">
               <a:rPr lang="en-US" smtClean="0"/>
+              <a:pPr/>
               <a:t>‹#›</a:t>
             </a:fld>
             <a:endParaRPr lang="en-US"/>
@@ -3848,7 +3863,7 @@
     </p:spTree>
     <p:extLst>
       <p:ext uri="{BB962C8B-B14F-4D97-AF65-F5344CB8AC3E}">
-        <p14:creationId xmlns:p14="http://schemas.microsoft.com/office/powerpoint/2010/main" val="2921916018"/>
+        <p14:creationId xmlns:p14="http://schemas.microsoft.com/office/powerpoint/2010/main" xmlns="" val="2921916018"/>
       </p:ext>
     </p:extLst>
   </p:cSld>
@@ -3977,6 +3992,7 @@
           <a:p>
             <a:fld id="{A623BE0C-B4FE-411C-B00F-FCA6A312E010}" type="datetimeFigureOut">
               <a:rPr lang="en-US" smtClean="0"/>
+              <a:pPr/>
               <a:t>8/23/2011</a:t>
             </a:fld>
             <a:endParaRPr lang="en-US"/>
@@ -4019,6 +4035,7 @@
           <a:p>
             <a:fld id="{5685757F-D3FC-4732-92F9-251EF6B3B90C}" type="slidenum">
               <a:rPr lang="en-US" smtClean="0"/>
+              <a:pPr/>
               <a:t>‹#›</a:t>
             </a:fld>
             <a:endParaRPr lang="en-US"/>
@@ -4028,7 +4045,7 @@
     </p:spTree>
     <p:extLst>
       <p:ext uri="{BB962C8B-B14F-4D97-AF65-F5344CB8AC3E}">
-        <p14:creationId xmlns:p14="http://schemas.microsoft.com/office/powerpoint/2010/main" val="3760154480"/>
+        <p14:creationId xmlns:p14="http://schemas.microsoft.com/office/powerpoint/2010/main" xmlns="" val="3760154480"/>
       </p:ext>
     </p:extLst>
   </p:cSld>
@@ -4147,6 +4164,7 @@
           <a:p>
             <a:fld id="{A623BE0C-B4FE-411C-B00F-FCA6A312E010}" type="datetimeFigureOut">
               <a:rPr lang="en-US" smtClean="0"/>
+              <a:pPr/>
               <a:t>8/23/2011</a:t>
             </a:fld>
             <a:endParaRPr lang="en-US"/>
@@ -4189,6 +4207,7 @@
           <a:p>
             <a:fld id="{5685757F-D3FC-4732-92F9-251EF6B3B90C}" type="slidenum">
               <a:rPr lang="en-US" smtClean="0"/>
+              <a:pPr/>
               <a:t>‹#›</a:t>
             </a:fld>
             <a:endParaRPr lang="en-US"/>
@@ -4198,7 +4217,7 @@
     </p:spTree>
     <p:extLst>
       <p:ext uri="{BB962C8B-B14F-4D97-AF65-F5344CB8AC3E}">
-        <p14:creationId xmlns:p14="http://schemas.microsoft.com/office/powerpoint/2010/main" val="2253544174"/>
+        <p14:creationId xmlns:p14="http://schemas.microsoft.com/office/powerpoint/2010/main" xmlns="" val="2253544174"/>
       </p:ext>
     </p:extLst>
   </p:cSld>
@@ -4393,6 +4412,7 @@
           <a:p>
             <a:fld id="{A623BE0C-B4FE-411C-B00F-FCA6A312E010}" type="datetimeFigureOut">
               <a:rPr lang="en-US" smtClean="0"/>
+              <a:pPr/>
               <a:t>8/23/2011</a:t>
             </a:fld>
             <a:endParaRPr lang="en-US"/>
@@ -4435,6 +4455,7 @@
           <a:p>
             <a:fld id="{5685757F-D3FC-4732-92F9-251EF6B3B90C}" type="slidenum">
               <a:rPr lang="en-US" smtClean="0"/>
+              <a:pPr/>
               <a:t>‹#›</a:t>
             </a:fld>
             <a:endParaRPr lang="en-US"/>
@@ -4444,7 +4465,7 @@
     </p:spTree>
     <p:extLst>
       <p:ext uri="{BB962C8B-B14F-4D97-AF65-F5344CB8AC3E}">
-        <p14:creationId xmlns:p14="http://schemas.microsoft.com/office/powerpoint/2010/main" val="2280461358"/>
+        <p14:creationId xmlns:p14="http://schemas.microsoft.com/office/powerpoint/2010/main" xmlns="" val="2280461358"/>
       </p:ext>
     </p:extLst>
   </p:cSld>
@@ -4681,6 +4702,7 @@
           <a:p>
             <a:fld id="{A623BE0C-B4FE-411C-B00F-FCA6A312E010}" type="datetimeFigureOut">
               <a:rPr lang="en-US" smtClean="0"/>
+              <a:pPr/>
               <a:t>8/23/2011</a:t>
             </a:fld>
             <a:endParaRPr lang="en-US"/>
@@ -4723,6 +4745,7 @@
           <a:p>
             <a:fld id="{5685757F-D3FC-4732-92F9-251EF6B3B90C}" type="slidenum">
               <a:rPr lang="en-US" smtClean="0"/>
+              <a:pPr/>
               <a:t>‹#›</a:t>
             </a:fld>
             <a:endParaRPr lang="en-US"/>
@@ -4732,7 +4755,7 @@
     </p:spTree>
     <p:extLst>
       <p:ext uri="{BB962C8B-B14F-4D97-AF65-F5344CB8AC3E}">
-        <p14:creationId xmlns:p14="http://schemas.microsoft.com/office/powerpoint/2010/main" val="2314838259"/>
+        <p14:creationId xmlns:p14="http://schemas.microsoft.com/office/powerpoint/2010/main" xmlns="" val="2314838259"/>
       </p:ext>
     </p:extLst>
   </p:cSld>
@@ -5103,6 +5126,7 @@
           <a:p>
             <a:fld id="{A623BE0C-B4FE-411C-B00F-FCA6A312E010}" type="datetimeFigureOut">
               <a:rPr lang="en-US" smtClean="0"/>
+              <a:pPr/>
               <a:t>8/23/2011</a:t>
             </a:fld>
             <a:endParaRPr lang="en-US"/>
@@ -5145,6 +5169,7 @@
           <a:p>
             <a:fld id="{5685757F-D3FC-4732-92F9-251EF6B3B90C}" type="slidenum">
               <a:rPr lang="en-US" smtClean="0"/>
+              <a:pPr/>
               <a:t>‹#›</a:t>
             </a:fld>
             <a:endParaRPr lang="en-US"/>
@@ -5154,7 +5179,7 @@
     </p:spTree>
     <p:extLst>
       <p:ext uri="{BB962C8B-B14F-4D97-AF65-F5344CB8AC3E}">
-        <p14:creationId xmlns:p14="http://schemas.microsoft.com/office/powerpoint/2010/main" val="825642813"/>
+        <p14:creationId xmlns:p14="http://schemas.microsoft.com/office/powerpoint/2010/main" xmlns="" val="825642813"/>
       </p:ext>
     </p:extLst>
   </p:cSld>
@@ -5221,6 +5246,7 @@
           <a:p>
             <a:fld id="{A623BE0C-B4FE-411C-B00F-FCA6A312E010}" type="datetimeFigureOut">
               <a:rPr lang="en-US" smtClean="0"/>
+              <a:pPr/>
               <a:t>8/23/2011</a:t>
             </a:fld>
             <a:endParaRPr lang="en-US"/>
@@ -5263,6 +5289,7 @@
           <a:p>
             <a:fld id="{5685757F-D3FC-4732-92F9-251EF6B3B90C}" type="slidenum">
               <a:rPr lang="en-US" smtClean="0"/>
+              <a:pPr/>
               <a:t>‹#›</a:t>
             </a:fld>
             <a:endParaRPr lang="en-US"/>
@@ -5272,7 +5299,7 @@
     </p:spTree>
     <p:extLst>
       <p:ext uri="{BB962C8B-B14F-4D97-AF65-F5344CB8AC3E}">
-        <p14:creationId xmlns:p14="http://schemas.microsoft.com/office/powerpoint/2010/main" val="2594057694"/>
+        <p14:creationId xmlns:p14="http://schemas.microsoft.com/office/powerpoint/2010/main" xmlns="" val="2594057694"/>
       </p:ext>
     </p:extLst>
   </p:cSld>
@@ -5316,6 +5343,7 @@
           <a:p>
             <a:fld id="{A623BE0C-B4FE-411C-B00F-FCA6A312E010}" type="datetimeFigureOut">
               <a:rPr lang="en-US" smtClean="0"/>
+              <a:pPr/>
               <a:t>8/23/2011</a:t>
             </a:fld>
             <a:endParaRPr lang="en-US"/>
@@ -5358,6 +5386,7 @@
           <a:p>
             <a:fld id="{5685757F-D3FC-4732-92F9-251EF6B3B90C}" type="slidenum">
               <a:rPr lang="en-US" smtClean="0"/>
+              <a:pPr/>
               <a:t>‹#›</a:t>
             </a:fld>
             <a:endParaRPr lang="en-US"/>
@@ -5367,7 +5396,7 @@
     </p:spTree>
     <p:extLst>
       <p:ext uri="{BB962C8B-B14F-4D97-AF65-F5344CB8AC3E}">
-        <p14:creationId xmlns:p14="http://schemas.microsoft.com/office/powerpoint/2010/main" val="3349367938"/>
+        <p14:creationId xmlns:p14="http://schemas.microsoft.com/office/powerpoint/2010/main" xmlns="" val="3349367938"/>
       </p:ext>
     </p:extLst>
   </p:cSld>
@@ -5593,6 +5622,7 @@
           <a:p>
             <a:fld id="{A623BE0C-B4FE-411C-B00F-FCA6A312E010}" type="datetimeFigureOut">
               <a:rPr lang="en-US" smtClean="0"/>
+              <a:pPr/>
               <a:t>8/23/2011</a:t>
             </a:fld>
             <a:endParaRPr lang="en-US"/>
@@ -5635,6 +5665,7 @@
           <a:p>
             <a:fld id="{5685757F-D3FC-4732-92F9-251EF6B3B90C}" type="slidenum">
               <a:rPr lang="en-US" smtClean="0"/>
+              <a:pPr/>
               <a:t>‹#›</a:t>
             </a:fld>
             <a:endParaRPr lang="en-US"/>
@@ -5644,7 +5675,7 @@
     </p:spTree>
     <p:extLst>
       <p:ext uri="{BB962C8B-B14F-4D97-AF65-F5344CB8AC3E}">
-        <p14:creationId xmlns:p14="http://schemas.microsoft.com/office/powerpoint/2010/main" val="2003841279"/>
+        <p14:creationId xmlns:p14="http://schemas.microsoft.com/office/powerpoint/2010/main" xmlns="" val="2003841279"/>
       </p:ext>
     </p:extLst>
   </p:cSld>
@@ -5846,6 +5877,7 @@
           <a:p>
             <a:fld id="{A623BE0C-B4FE-411C-B00F-FCA6A312E010}" type="datetimeFigureOut">
               <a:rPr lang="en-US" smtClean="0"/>
+              <a:pPr/>
               <a:t>8/23/2011</a:t>
             </a:fld>
             <a:endParaRPr lang="en-US"/>
@@ -5888,6 +5920,7 @@
           <a:p>
             <a:fld id="{5685757F-D3FC-4732-92F9-251EF6B3B90C}" type="slidenum">
               <a:rPr lang="en-US" smtClean="0"/>
+              <a:pPr/>
               <a:t>‹#›</a:t>
             </a:fld>
             <a:endParaRPr lang="en-US"/>
@@ -5897,7 +5930,7 @@
     </p:spTree>
     <p:extLst>
       <p:ext uri="{BB962C8B-B14F-4D97-AF65-F5344CB8AC3E}">
-        <p14:creationId xmlns:p14="http://schemas.microsoft.com/office/powerpoint/2010/main" val="2630436295"/>
+        <p14:creationId xmlns:p14="http://schemas.microsoft.com/office/powerpoint/2010/main" xmlns="" val="2630436295"/>
       </p:ext>
     </p:extLst>
   </p:cSld>
@@ -6080,6 +6113,7 @@
           <a:p>
             <a:fld id="{A623BE0C-B4FE-411C-B00F-FCA6A312E010}" type="datetimeFigureOut">
               <a:rPr lang="en-US" smtClean="0"/>
+              <a:pPr/>
               <a:t>8/23/2011</a:t>
             </a:fld>
             <a:endParaRPr lang="en-US"/>
@@ -6158,6 +6192,7 @@
           <a:p>
             <a:fld id="{5685757F-D3FC-4732-92F9-251EF6B3B90C}" type="slidenum">
               <a:rPr lang="en-US" smtClean="0"/>
+              <a:pPr/>
               <a:t>‹#›</a:t>
             </a:fld>
             <a:endParaRPr lang="en-US"/>
@@ -6167,7 +6202,7 @@
     </p:spTree>
     <p:extLst>
       <p:ext uri="{BB962C8B-B14F-4D97-AF65-F5344CB8AC3E}">
-        <p14:creationId xmlns:p14="http://schemas.microsoft.com/office/powerpoint/2010/main" val="775339368"/>
+        <p14:creationId xmlns:p14="http://schemas.microsoft.com/office/powerpoint/2010/main" xmlns="" val="775339368"/>
       </p:ext>
     </p:extLst>
   </p:cSld>
@@ -6444,7 +6479,7 @@
     <p:bg>
       <p:bgPr>
         <a:blipFill dpi="0" rotWithShape="1">
-          <a:blip r:embed="rId2">
+          <a:blip r:embed="rId2" cstate="print">
             <a:lum/>
           </a:blip>
           <a:srcRect/>
@@ -6575,7 +6610,7 @@
     </p:spTree>
     <p:extLst>
       <p:ext uri="{BB962C8B-B14F-4D97-AF65-F5344CB8AC3E}">
-        <p14:creationId xmlns:p14="http://schemas.microsoft.com/office/powerpoint/2010/main" val="3765382340"/>
+        <p14:creationId xmlns:p14="http://schemas.microsoft.com/office/powerpoint/2010/main" xmlns="" val="3765382340"/>
       </p:ext>
     </p:extLst>
   </p:cSld>
@@ -6647,6 +6682,10 @@
           <a:bodyPr/>
           <a:lstStyle/>
           <a:p>
+            <a:r>
+              <a:rPr lang="en-US" smtClean="0"/>
+              <a:t>Hello world</a:t>
+            </a:r>
             <a:endParaRPr lang="en-US" dirty="0"/>
           </a:p>
         </p:txBody>
@@ -6654,7 +6693,7 @@
     </p:spTree>
     <p:extLst>
       <p:ext uri="{BB962C8B-B14F-4D97-AF65-F5344CB8AC3E}">
-        <p14:creationId xmlns:p14="http://schemas.microsoft.com/office/powerpoint/2010/main" val="96058202"/>
+        <p14:creationId xmlns:p14="http://schemas.microsoft.com/office/powerpoint/2010/main" xmlns="" val="96058202"/>
       </p:ext>
     </p:extLst>
   </p:cSld>
@@ -6723,7 +6762,7 @@
             <p:ph idx="1"/>
             <p:extLst>
               <p:ext uri="{D42A27DB-BD31-4B8C-83A1-F6EECF244321}">
-                <p14:modId xmlns:p14="http://schemas.microsoft.com/office/powerpoint/2010/main" val="2714443008"/>
+                <p14:modId xmlns:p14="http://schemas.microsoft.com/office/powerpoint/2010/main" xmlns="" val="2714443008"/>
               </p:ext>
             </p:extLst>
           </p:nvPr>
@@ -6747,10 +6786,10 @@
           <p:nvPr/>
         </p:nvPicPr>
         <p:blipFill>
-          <a:blip r:embed="rId7">
+          <a:blip r:embed="rId7" cstate="print">
             <a:extLst>
               <a:ext uri="{28A0092B-C50C-407E-A947-70E740481C1C}">
-                <a14:useLocalDpi xmlns:a14="http://schemas.microsoft.com/office/drawing/2010/main" val="0"/>
+                <a14:useLocalDpi xmlns:a14="http://schemas.microsoft.com/office/drawing/2010/main" xmlns="" val="0"/>
               </a:ext>
             </a:extLst>
           </a:blip>
@@ -6777,10 +6816,10 @@
           <p:nvPr/>
         </p:nvPicPr>
         <p:blipFill>
-          <a:blip r:embed="rId8">
+          <a:blip r:embed="rId8" cstate="print">
             <a:extLst>
               <a:ext uri="{28A0092B-C50C-407E-A947-70E740481C1C}">
-                <a14:useLocalDpi xmlns:a14="http://schemas.microsoft.com/office/drawing/2010/main" val="0"/>
+                <a14:useLocalDpi xmlns:a14="http://schemas.microsoft.com/office/drawing/2010/main" xmlns="" val="0"/>
               </a:ext>
             </a:extLst>
           </a:blip>
@@ -6800,7 +6839,7 @@
           <a:noFill/>
           <a:extLst>
             <a:ext uri="{909E8E84-426E-40DD-AFC4-6F175D3DCCD1}">
-              <a14:hiddenFill xmlns:a14="http://schemas.microsoft.com/office/drawing/2010/main">
+              <a14:hiddenFill xmlns:a14="http://schemas.microsoft.com/office/drawing/2010/main" xmlns="">
                 <a:solidFill>
                   <a:srgbClr val="FFFFFF"/>
                 </a:solidFill>
@@ -6845,7 +6884,7 @@
     </p:spTree>
     <p:extLst>
       <p:ext uri="{BB962C8B-B14F-4D97-AF65-F5344CB8AC3E}">
-        <p14:creationId xmlns:p14="http://schemas.microsoft.com/office/powerpoint/2010/main" val="1015130875"/>
+        <p14:creationId xmlns:p14="http://schemas.microsoft.com/office/powerpoint/2010/main" xmlns="" val="1015130875"/>
       </p:ext>
     </p:extLst>
   </p:cSld>
@@ -6899,7 +6938,7 @@
           <a:blip r:embed="rId3" cstate="print">
             <a:extLst>
               <a:ext uri="{28A0092B-C50C-407E-A947-70E740481C1C}">
-                <a14:useLocalDpi xmlns:a14="http://schemas.microsoft.com/office/drawing/2010/main" val="0"/>
+                <a14:useLocalDpi xmlns:a14="http://schemas.microsoft.com/office/drawing/2010/main" xmlns="" val="0"/>
               </a:ext>
             </a:extLst>
           </a:blip>
@@ -6919,7 +6958,7 @@
           </a:ln>
           <a:extLst>
             <a:ext uri="{53640926-AAD7-44D8-BBD7-CCE9431645EC}">
-              <a14:shadowObscured xmlns:a14="http://schemas.microsoft.com/office/drawing/2010/main"/>
+              <a14:shadowObscured xmlns:a14="http://schemas.microsoft.com/office/drawing/2010/main" xmlns=""/>
             </a:ext>
           </a:extLst>
         </p:spPr>
@@ -7096,7 +7135,7 @@
     </p:spTree>
     <p:extLst>
       <p:ext uri="{BB962C8B-B14F-4D97-AF65-F5344CB8AC3E}">
-        <p14:creationId xmlns:p14="http://schemas.microsoft.com/office/powerpoint/2010/main" val="315046874"/>
+        <p14:creationId xmlns:p14="http://schemas.microsoft.com/office/powerpoint/2010/main" xmlns="" val="315046874"/>
       </p:ext>
     </p:extLst>
   </p:cSld>
@@ -7265,7 +7304,7 @@
           <a:blip r:embed="rId3" cstate="print">
             <a:extLst>
               <a:ext uri="{28A0092B-C50C-407E-A947-70E740481C1C}">
-                <a14:useLocalDpi xmlns:a14="http://schemas.microsoft.com/office/drawing/2010/main" val="0"/>
+                <a14:useLocalDpi xmlns:a14="http://schemas.microsoft.com/office/drawing/2010/main" xmlns="" val="0"/>
               </a:ext>
             </a:extLst>
           </a:blip>
@@ -7285,7 +7324,7 @@
           </a:ln>
           <a:extLst>
             <a:ext uri="{53640926-AAD7-44D8-BBD7-CCE9431645EC}">
-              <a14:shadowObscured xmlns:a14="http://schemas.microsoft.com/office/drawing/2010/main"/>
+              <a14:shadowObscured xmlns:a14="http://schemas.microsoft.com/office/drawing/2010/main" xmlns=""/>
             </a:ext>
           </a:extLst>
         </p:spPr>
@@ -7483,7 +7522,7 @@
     </p:spTree>
     <p:extLst>
       <p:ext uri="{BB962C8B-B14F-4D97-AF65-F5344CB8AC3E}">
-        <p14:creationId xmlns:p14="http://schemas.microsoft.com/office/powerpoint/2010/main" val="1498823684"/>
+        <p14:creationId xmlns:p14="http://schemas.microsoft.com/office/powerpoint/2010/main" xmlns="" val="1498823684"/>
       </p:ext>
     </p:extLst>
   </p:cSld>
@@ -7688,7 +7727,7 @@
           <a:blip r:embed="rId2" cstate="print">
             <a:extLst>
               <a:ext uri="{28A0092B-C50C-407E-A947-70E740481C1C}">
-                <a14:useLocalDpi xmlns:a14="http://schemas.microsoft.com/office/drawing/2010/main" val="0"/>
+                <a14:useLocalDpi xmlns:a14="http://schemas.microsoft.com/office/drawing/2010/main" xmlns="" val="0"/>
               </a:ext>
             </a:extLst>
           </a:blip>
@@ -7708,7 +7747,7 @@
           </a:ln>
           <a:extLst>
             <a:ext uri="{53640926-AAD7-44D8-BBD7-CCE9431645EC}">
-              <a14:shadowObscured xmlns:a14="http://schemas.microsoft.com/office/drawing/2010/main"/>
+              <a14:shadowObscured xmlns:a14="http://schemas.microsoft.com/office/drawing/2010/main" xmlns=""/>
             </a:ext>
           </a:extLst>
         </p:spPr>
@@ -7890,7 +7929,7 @@
     </p:spTree>
     <p:extLst>
       <p:ext uri="{BB962C8B-B14F-4D97-AF65-F5344CB8AC3E}">
-        <p14:creationId xmlns:p14="http://schemas.microsoft.com/office/powerpoint/2010/main" val="819896303"/>
+        <p14:creationId xmlns:p14="http://schemas.microsoft.com/office/powerpoint/2010/main" xmlns="" val="819896303"/>
       </p:ext>
     </p:extLst>
   </p:cSld>
@@ -8095,7 +8134,7 @@
           <a:blip r:embed="rId2" cstate="print">
             <a:extLst>
               <a:ext uri="{28A0092B-C50C-407E-A947-70E740481C1C}">
-                <a14:useLocalDpi xmlns:a14="http://schemas.microsoft.com/office/drawing/2010/main" val="0"/>
+                <a14:useLocalDpi xmlns:a14="http://schemas.microsoft.com/office/drawing/2010/main" xmlns="" val="0"/>
               </a:ext>
             </a:extLst>
           </a:blip>
@@ -8115,7 +8154,7 @@
           </a:ln>
           <a:extLst>
             <a:ext uri="{53640926-AAD7-44D8-BBD7-CCE9431645EC}">
-              <a14:shadowObscured xmlns:a14="http://schemas.microsoft.com/office/drawing/2010/main"/>
+              <a14:shadowObscured xmlns:a14="http://schemas.microsoft.com/office/drawing/2010/main" xmlns=""/>
             </a:ext>
           </a:extLst>
         </p:spPr>
@@ -8306,7 +8345,7 @@
     </p:spTree>
     <p:extLst>
       <p:ext uri="{BB962C8B-B14F-4D97-AF65-F5344CB8AC3E}">
-        <p14:creationId xmlns:p14="http://schemas.microsoft.com/office/powerpoint/2010/main" val="785686850"/>
+        <p14:creationId xmlns:p14="http://schemas.microsoft.com/office/powerpoint/2010/main" xmlns="" val="785686850"/>
       </p:ext>
     </p:extLst>
   </p:cSld>
@@ -8529,7 +8568,7 @@
           <a:blip r:embed="rId2" cstate="print">
             <a:extLst>
               <a:ext uri="{28A0092B-C50C-407E-A947-70E740481C1C}">
-                <a14:useLocalDpi xmlns:a14="http://schemas.microsoft.com/office/drawing/2010/main" val="0"/>
+                <a14:useLocalDpi xmlns:a14="http://schemas.microsoft.com/office/drawing/2010/main" xmlns="" val="0"/>
               </a:ext>
             </a:extLst>
           </a:blip>
@@ -8549,7 +8588,7 @@
           </a:ln>
           <a:extLst>
             <a:ext uri="{53640926-AAD7-44D8-BBD7-CCE9431645EC}">
-              <a14:shadowObscured xmlns:a14="http://schemas.microsoft.com/office/drawing/2010/main"/>
+              <a14:shadowObscured xmlns:a14="http://schemas.microsoft.com/office/drawing/2010/main" xmlns=""/>
             </a:ext>
           </a:extLst>
         </p:spPr>
@@ -8691,7 +8730,7 @@
             <a:blip r:embed="rId3" cstate="print">
               <a:extLst>
                 <a:ext uri="{28A0092B-C50C-407E-A947-70E740481C1C}">
-                  <a14:useLocalDpi xmlns:a14="http://schemas.microsoft.com/office/drawing/2010/main" val="0"/>
+                  <a14:useLocalDpi xmlns:a14="http://schemas.microsoft.com/office/drawing/2010/main" xmlns="" val="0"/>
                 </a:ext>
               </a:extLst>
             </a:blip>
@@ -9558,7 +9597,7 @@
     </p:spTree>
     <p:extLst>
       <p:ext uri="{BB962C8B-B14F-4D97-AF65-F5344CB8AC3E}">
-        <p14:creationId xmlns:p14="http://schemas.microsoft.com/office/powerpoint/2010/main" val="215749748"/>
+        <p14:creationId xmlns:p14="http://schemas.microsoft.com/office/powerpoint/2010/main" xmlns="" val="215749748"/>
       </p:ext>
     </p:extLst>
   </p:cSld>

--- a/Doc/ProjectPresentation1.pptx
+++ b/Doc/ProjectPresentation1.pptx
@@ -5,17 +5,20 @@
     <p:sldMasterId id="2147483648" r:id="rId1"/>
   </p:sldMasterIdLst>
   <p:notesMasterIdLst>
-    <p:notesMasterId r:id="rId10"/>
+    <p:notesMasterId r:id="rId13"/>
   </p:notesMasterIdLst>
   <p:sldIdLst>
     <p:sldId id="256" r:id="rId2"/>
     <p:sldId id="257" r:id="rId3"/>
-    <p:sldId id="258" r:id="rId4"/>
-    <p:sldId id="260" r:id="rId5"/>
-    <p:sldId id="262" r:id="rId6"/>
-    <p:sldId id="261" r:id="rId7"/>
-    <p:sldId id="263" r:id="rId8"/>
-    <p:sldId id="264" r:id="rId9"/>
+    <p:sldId id="265" r:id="rId4"/>
+    <p:sldId id="266" r:id="rId5"/>
+    <p:sldId id="267" r:id="rId6"/>
+    <p:sldId id="258" r:id="rId7"/>
+    <p:sldId id="260" r:id="rId8"/>
+    <p:sldId id="262" r:id="rId9"/>
+    <p:sldId id="261" r:id="rId10"/>
+    <p:sldId id="263" r:id="rId11"/>
+    <p:sldId id="264" r:id="rId12"/>
   </p:sldIdLst>
   <p:sldSz cx="9144000" cy="6858000" type="screen4x3"/>
   <p:notesSz cx="6858000" cy="9144000"/>
@@ -1043,7 +1046,7 @@
       </dgm:t>
     </dgm:pt>
     <dgm:pt modelId="{9CF2904A-95E3-426D-A0E7-D36C77D650C8}" type="pres">
-      <dgm:prSet presAssocID="{7622D27D-1418-454B-8843-814A956FD9D1}" presName="ellipse" presStyleLbl="trBgShp" presStyleIdx="0" presStyleCnt="1" custScaleX="108721" custScaleY="124000" custLinFactNeighborY="-10265"/>
+      <dgm:prSet presAssocID="{7622D27D-1418-454B-8843-814A956FD9D1}" presName="ellipse" presStyleLbl="trBgShp" presStyleIdx="0" presStyleCnt="1" custScaleX="108721" custScaleY="124000" custLinFactNeighborX="1595" custLinFactNeighborY="-10265"/>
       <dgm:spPr/>
     </dgm:pt>
     <dgm:pt modelId="{EA5B7450-7D1F-4252-A574-1CAA4E07FC8D}" type="pres">
@@ -1116,15 +1119,15 @@
     </dgm:pt>
   </dgm:ptLst>
   <dgm:cxnLst>
-    <dgm:cxn modelId="{1EC9FBEF-BD93-48BC-BB0C-E3D2D3DE23F2}" srcId="{7622D27D-1418-454B-8843-814A956FD9D1}" destId="{95DC65B9-BC1A-4760-A531-1FC856889EB4}" srcOrd="3" destOrd="0" parTransId="{A8B784AB-1A2C-4088-A443-824CDCB3F757}" sibTransId="{67741F9B-B633-44EF-99A4-44D843F45A36}"/>
+    <dgm:cxn modelId="{BCAE8D34-2DF0-4DF2-80F1-3CA31A184F70}" type="presOf" srcId="{B16CC3DF-6F09-447E-9CAB-0F26C694BF33}" destId="{C67984F5-77EA-43A6-9D02-299A9C887AB4}" srcOrd="0" destOrd="0" presId="urn:microsoft.com/office/officeart/2005/8/layout/funnel1"/>
+    <dgm:cxn modelId="{0BFA8BCD-64BD-4EFF-B899-C8719F8A0E55}" srcId="{7622D27D-1418-454B-8843-814A956FD9D1}" destId="{DC903487-BB82-4DFC-B625-BF85C817133E}" srcOrd="2" destOrd="0" parTransId="{FBB9706C-C441-4FAF-B21F-13CB8C42005C}" sibTransId="{3A0450F4-50FE-4FA7-B739-C1195D3FA9A7}"/>
+    <dgm:cxn modelId="{0147FC70-517A-49A2-A64B-D42D84E7CA6E}" type="presOf" srcId="{76944704-A16E-40A3-8D28-45750423D4AB}" destId="{7A545E6C-0F8C-4132-B331-B7ECFC12E3A6}" srcOrd="0" destOrd="0" presId="urn:microsoft.com/office/officeart/2005/8/layout/funnel1"/>
     <dgm:cxn modelId="{6265AE14-D555-4E97-B629-B39B867113A5}" type="presOf" srcId="{DC903487-BB82-4DFC-B625-BF85C817133E}" destId="{2D2081E2-93B7-4D82-B3DD-84A7043B4E30}" srcOrd="0" destOrd="0" presId="urn:microsoft.com/office/officeart/2005/8/layout/funnel1"/>
-    <dgm:cxn modelId="{BCAE8D34-2DF0-4DF2-80F1-3CA31A184F70}" type="presOf" srcId="{B16CC3DF-6F09-447E-9CAB-0F26C694BF33}" destId="{C67984F5-77EA-43A6-9D02-299A9C887AB4}" srcOrd="0" destOrd="0" presId="urn:microsoft.com/office/officeart/2005/8/layout/funnel1"/>
     <dgm:cxn modelId="{26A19BB3-2B5D-4A8B-9F43-CD9DC2115091}" type="presOf" srcId="{7622D27D-1418-454B-8843-814A956FD9D1}" destId="{7BD4EBA1-C18C-43A4-B814-C8137E3BBEB1}" srcOrd="0" destOrd="0" presId="urn:microsoft.com/office/officeart/2005/8/layout/funnel1"/>
     <dgm:cxn modelId="{C87A493C-5A32-4F48-B471-F15B3B632119}" srcId="{7622D27D-1418-454B-8843-814A956FD9D1}" destId="{B16CC3DF-6F09-447E-9CAB-0F26C694BF33}" srcOrd="0" destOrd="0" parTransId="{A2B03C21-AD22-4A41-B91A-EDBBF4A9E303}" sibTransId="{5B0884FF-B6FC-4D9E-826D-A274B44DC1C5}"/>
+    <dgm:cxn modelId="{C32F4944-87AD-440A-8446-BA7FDD34A189}" type="presOf" srcId="{95DC65B9-BC1A-4760-A531-1FC856889EB4}" destId="{AED0CA65-6A91-4F55-B1D5-2C93C67A216C}" srcOrd="0" destOrd="0" presId="urn:microsoft.com/office/officeart/2005/8/layout/funnel1"/>
+    <dgm:cxn modelId="{1EC9FBEF-BD93-48BC-BB0C-E3D2D3DE23F2}" srcId="{7622D27D-1418-454B-8843-814A956FD9D1}" destId="{95DC65B9-BC1A-4760-A531-1FC856889EB4}" srcOrd="3" destOrd="0" parTransId="{A8B784AB-1A2C-4088-A443-824CDCB3F757}" sibTransId="{67741F9B-B633-44EF-99A4-44D843F45A36}"/>
     <dgm:cxn modelId="{2114F41E-B164-4555-8679-582A2790C4D7}" srcId="{7622D27D-1418-454B-8843-814A956FD9D1}" destId="{76944704-A16E-40A3-8D28-45750423D4AB}" srcOrd="1" destOrd="0" parTransId="{4C9ED8B0-9A97-497C-B9E1-739F3EF399DD}" sibTransId="{EDA11C35-0ABC-482C-B1A8-EDECC8460B99}"/>
-    <dgm:cxn modelId="{0147FC70-517A-49A2-A64B-D42D84E7CA6E}" type="presOf" srcId="{76944704-A16E-40A3-8D28-45750423D4AB}" destId="{7A545E6C-0F8C-4132-B331-B7ECFC12E3A6}" srcOrd="0" destOrd="0" presId="urn:microsoft.com/office/officeart/2005/8/layout/funnel1"/>
-    <dgm:cxn modelId="{C32F4944-87AD-440A-8446-BA7FDD34A189}" type="presOf" srcId="{95DC65B9-BC1A-4760-A531-1FC856889EB4}" destId="{AED0CA65-6A91-4F55-B1D5-2C93C67A216C}" srcOrd="0" destOrd="0" presId="urn:microsoft.com/office/officeart/2005/8/layout/funnel1"/>
-    <dgm:cxn modelId="{0BFA8BCD-64BD-4EFF-B899-C8719F8A0E55}" srcId="{7622D27D-1418-454B-8843-814A956FD9D1}" destId="{DC903487-BB82-4DFC-B625-BF85C817133E}" srcOrd="2" destOrd="0" parTransId="{FBB9706C-C441-4FAF-B21F-13CB8C42005C}" sibTransId="{3A0450F4-50FE-4FA7-B739-C1195D3FA9A7}"/>
     <dgm:cxn modelId="{4C8EBBD5-3527-4D0E-A55C-9D5FC5B226C0}" type="presParOf" srcId="{7BD4EBA1-C18C-43A4-B814-C8137E3BBEB1}" destId="{9CF2904A-95E3-426D-A0E7-D36C77D650C8}" srcOrd="0" destOrd="0" presId="urn:microsoft.com/office/officeart/2005/8/layout/funnel1"/>
     <dgm:cxn modelId="{F73DA345-643B-4594-82F9-9CD6AB01601B}" type="presParOf" srcId="{7BD4EBA1-C18C-43A4-B814-C8137E3BBEB1}" destId="{EA5B7450-7D1F-4252-A574-1CAA4E07FC8D}" srcOrd="1" destOrd="0" presId="urn:microsoft.com/office/officeart/2005/8/layout/funnel1"/>
     <dgm:cxn modelId="{9D6A8A07-0890-4B25-BE1D-C677BDE37E75}" type="presParOf" srcId="{7BD4EBA1-C18C-43A4-B814-C8137E3BBEB1}" destId="{AED0CA65-6A91-4F55-B1D5-2C93C67A216C}" srcOrd="2" destOrd="0" presId="urn:microsoft.com/office/officeart/2005/8/layout/funnel1"/>
@@ -1137,14 +1140,14 @@
   <dgm:whole/>
   <dgm:extLst>
     <a:ext uri="http://schemas.microsoft.com/office/drawing/2008/diagram">
-      <dsp:dataModelExt xmlns:dsp="http://schemas.microsoft.com/office/drawing/2008/diagram" xmlns="" relId="rId6" minVer="http://schemas.openxmlformats.org/drawingml/2006/diagram"/>
+      <dsp:dataModelExt xmlns:dsp="http://schemas.microsoft.com/office/drawing/2008/diagram" relId="rId6" minVer="http://schemas.openxmlformats.org/drawingml/2006/diagram"/>
     </a:ext>
   </dgm:extLst>
 </dgm:dataModel>
 </file>
 
 <file path=ppt/diagrams/drawing1.xml><?xml version="1.0" encoding="utf-8"?>
-<dsp:drawing xmlns:dgm="http://schemas.openxmlformats.org/drawingml/2006/diagram" xmlns:a="http://schemas.openxmlformats.org/drawingml/2006/main" xmlns:dsp="http://schemas.microsoft.com/office/drawing/2008/diagram">
+<dsp:drawing xmlns:dgm="http://schemas.openxmlformats.org/drawingml/2006/diagram" xmlns:dsp="http://schemas.microsoft.com/office/drawing/2008/diagram" xmlns:a="http://schemas.openxmlformats.org/drawingml/2006/main">
   <dsp:spTree>
     <dsp:nvGrpSpPr>
       <dsp:cNvPr id="0" name=""/>
@@ -1158,7 +1161,7 @@
       </dsp:nvSpPr>
       <dsp:spPr>
         <a:xfrm>
-          <a:off x="751859" y="152398"/>
+          <a:off x="803990" y="152398"/>
           <a:ext cx="3553446" cy="1407493"/>
         </a:xfrm>
         <a:prstGeom prst="ellipse">
@@ -1373,8 +1376,8 @@
         </a:p>
       </dsp:txBody>
       <dsp:txXfrm>
-        <a:off x="2082660" y="1627862"/>
-        <a:ext cx="1140142" cy="1140142"/>
+        <a:off x="2249630" y="1794832"/>
+        <a:ext cx="806202" cy="806202"/>
       </dsp:txXfrm>
     </dsp:sp>
     <dsp:sp modelId="{7A545E6C-0F8C-4132-B331-B7ECFC12E3A6}">
@@ -1450,8 +1453,8 @@
         </a:p>
       </dsp:txBody>
       <dsp:txXfrm>
-        <a:off x="1031100" y="152401"/>
-        <a:ext cx="1902601" cy="1833942"/>
+        <a:off x="1309729" y="420976"/>
+        <a:ext cx="1345343" cy="1296792"/>
       </dsp:txXfrm>
     </dsp:sp>
     <dsp:sp modelId="{C67984F5-77EA-43A6-9D02-299A9C887AB4}">
@@ -1527,8 +1530,8 @@
         </a:p>
       </dsp:txBody>
       <dsp:txXfrm>
-        <a:off x="2690044" y="304801"/>
-        <a:ext cx="1539055" cy="1524222"/>
+        <a:off x="2915433" y="528018"/>
+        <a:ext cx="1088277" cy="1077788"/>
       </dsp:txXfrm>
     </dsp:sp>
     <dsp:sp modelId="{C135540B-42C5-49CB-93AC-CD61871322B3}">
@@ -3018,7 +3021,7 @@
             <a:fld id="{8529C4BC-B2A5-4433-83F8-57753B4C3B20}" type="datetimeFigureOut">
               <a:rPr lang="en-US" smtClean="0"/>
               <a:pPr/>
-              <a:t>8/23/2011</a:t>
+              <a:t>8/27/2011</a:t>
             </a:fld>
             <a:endParaRPr lang="en-US"/>
           </a:p>
@@ -3187,7 +3190,7 @@
     </p:spTree>
     <p:extLst>
       <p:ext uri="{BB962C8B-B14F-4D97-AF65-F5344CB8AC3E}">
-        <p14:creationId xmlns:p14="http://schemas.microsoft.com/office/powerpoint/2010/main" xmlns="" val="1972029052"/>
+        <p14:creationId xmlns:p14="http://schemas.microsoft.com/office/powerpoint/2010/main" val="1972029052"/>
       </p:ext>
     </p:extLst>
   </p:cSld>
@@ -3353,7 +3356,7 @@
             <a:fld id="{DADD876A-1B49-49DD-8F2D-83CBD6209C57}" type="slidenum">
               <a:rPr lang="en-US" smtClean="0"/>
               <a:pPr/>
-              <a:t>4</a:t>
+              <a:t>7</a:t>
             </a:fld>
             <a:endParaRPr lang="en-US"/>
           </a:p>
@@ -3362,7 +3365,7 @@
     </p:spTree>
     <p:extLst>
       <p:ext uri="{BB962C8B-B14F-4D97-AF65-F5344CB8AC3E}">
-        <p14:creationId xmlns:p14="http://schemas.microsoft.com/office/powerpoint/2010/main" xmlns="" val="3222338183"/>
+        <p14:creationId xmlns:p14="http://schemas.microsoft.com/office/powerpoint/2010/main" val="3222338183"/>
       </p:ext>
     </p:extLst>
   </p:cSld>
@@ -3438,7 +3441,7 @@
             <a:fld id="{DADD876A-1B49-49DD-8F2D-83CBD6209C57}" type="slidenum">
               <a:rPr lang="en-US" smtClean="0"/>
               <a:pPr/>
-              <a:t>5</a:t>
+              <a:t>8</a:t>
             </a:fld>
             <a:endParaRPr lang="en-US"/>
           </a:p>
@@ -3447,7 +3450,7 @@
     </p:spTree>
     <p:extLst>
       <p:ext uri="{BB962C8B-B14F-4D97-AF65-F5344CB8AC3E}">
-        <p14:creationId xmlns:p14="http://schemas.microsoft.com/office/powerpoint/2010/main" xmlns="" val="3222338183"/>
+        <p14:creationId xmlns:p14="http://schemas.microsoft.com/office/powerpoint/2010/main" val="3222338183"/>
       </p:ext>
     </p:extLst>
   </p:cSld>
@@ -3639,7 +3642,7 @@
             <a:fld id="{A623BE0C-B4FE-411C-B00F-FCA6A312E010}" type="datetimeFigureOut">
               <a:rPr lang="en-US" smtClean="0"/>
               <a:pPr/>
-              <a:t>8/23/2011</a:t>
+              <a:t>8/27/2011</a:t>
             </a:fld>
             <a:endParaRPr lang="en-US"/>
           </a:p>
@@ -3691,7 +3694,7 @@
     </p:spTree>
     <p:extLst>
       <p:ext uri="{BB962C8B-B14F-4D97-AF65-F5344CB8AC3E}">
-        <p14:creationId xmlns:p14="http://schemas.microsoft.com/office/powerpoint/2010/main" xmlns="" val="323588753"/>
+        <p14:creationId xmlns:p14="http://schemas.microsoft.com/office/powerpoint/2010/main" val="323588753"/>
       </p:ext>
     </p:extLst>
   </p:cSld>
@@ -3811,7 +3814,7 @@
             <a:fld id="{A623BE0C-B4FE-411C-B00F-FCA6A312E010}" type="datetimeFigureOut">
               <a:rPr lang="en-US" smtClean="0"/>
               <a:pPr/>
-              <a:t>8/23/2011</a:t>
+              <a:t>8/27/2011</a:t>
             </a:fld>
             <a:endParaRPr lang="en-US"/>
           </a:p>
@@ -3863,7 +3866,7 @@
     </p:spTree>
     <p:extLst>
       <p:ext uri="{BB962C8B-B14F-4D97-AF65-F5344CB8AC3E}">
-        <p14:creationId xmlns:p14="http://schemas.microsoft.com/office/powerpoint/2010/main" xmlns="" val="2921916018"/>
+        <p14:creationId xmlns:p14="http://schemas.microsoft.com/office/powerpoint/2010/main" val="2921916018"/>
       </p:ext>
     </p:extLst>
   </p:cSld>
@@ -3993,7 +3996,7 @@
             <a:fld id="{A623BE0C-B4FE-411C-B00F-FCA6A312E010}" type="datetimeFigureOut">
               <a:rPr lang="en-US" smtClean="0"/>
               <a:pPr/>
-              <a:t>8/23/2011</a:t>
+              <a:t>8/27/2011</a:t>
             </a:fld>
             <a:endParaRPr lang="en-US"/>
           </a:p>
@@ -4045,7 +4048,7 @@
     </p:spTree>
     <p:extLst>
       <p:ext uri="{BB962C8B-B14F-4D97-AF65-F5344CB8AC3E}">
-        <p14:creationId xmlns:p14="http://schemas.microsoft.com/office/powerpoint/2010/main" xmlns="" val="3760154480"/>
+        <p14:creationId xmlns:p14="http://schemas.microsoft.com/office/powerpoint/2010/main" val="3760154480"/>
       </p:ext>
     </p:extLst>
   </p:cSld>
@@ -4165,7 +4168,7 @@
             <a:fld id="{A623BE0C-B4FE-411C-B00F-FCA6A312E010}" type="datetimeFigureOut">
               <a:rPr lang="en-US" smtClean="0"/>
               <a:pPr/>
-              <a:t>8/23/2011</a:t>
+              <a:t>8/27/2011</a:t>
             </a:fld>
             <a:endParaRPr lang="en-US"/>
           </a:p>
@@ -4217,7 +4220,7 @@
     </p:spTree>
     <p:extLst>
       <p:ext uri="{BB962C8B-B14F-4D97-AF65-F5344CB8AC3E}">
-        <p14:creationId xmlns:p14="http://schemas.microsoft.com/office/powerpoint/2010/main" xmlns="" val="2253544174"/>
+        <p14:creationId xmlns:p14="http://schemas.microsoft.com/office/powerpoint/2010/main" val="2253544174"/>
       </p:ext>
     </p:extLst>
   </p:cSld>
@@ -4413,7 +4416,7 @@
             <a:fld id="{A623BE0C-B4FE-411C-B00F-FCA6A312E010}" type="datetimeFigureOut">
               <a:rPr lang="en-US" smtClean="0"/>
               <a:pPr/>
-              <a:t>8/23/2011</a:t>
+              <a:t>8/27/2011</a:t>
             </a:fld>
             <a:endParaRPr lang="en-US"/>
           </a:p>
@@ -4465,7 +4468,7 @@
     </p:spTree>
     <p:extLst>
       <p:ext uri="{BB962C8B-B14F-4D97-AF65-F5344CB8AC3E}">
-        <p14:creationId xmlns:p14="http://schemas.microsoft.com/office/powerpoint/2010/main" xmlns="" val="2280461358"/>
+        <p14:creationId xmlns:p14="http://schemas.microsoft.com/office/powerpoint/2010/main" val="2280461358"/>
       </p:ext>
     </p:extLst>
   </p:cSld>
@@ -4703,7 +4706,7 @@
             <a:fld id="{A623BE0C-B4FE-411C-B00F-FCA6A312E010}" type="datetimeFigureOut">
               <a:rPr lang="en-US" smtClean="0"/>
               <a:pPr/>
-              <a:t>8/23/2011</a:t>
+              <a:t>8/27/2011</a:t>
             </a:fld>
             <a:endParaRPr lang="en-US"/>
           </a:p>
@@ -4755,7 +4758,7 @@
     </p:spTree>
     <p:extLst>
       <p:ext uri="{BB962C8B-B14F-4D97-AF65-F5344CB8AC3E}">
-        <p14:creationId xmlns:p14="http://schemas.microsoft.com/office/powerpoint/2010/main" xmlns="" val="2314838259"/>
+        <p14:creationId xmlns:p14="http://schemas.microsoft.com/office/powerpoint/2010/main" val="2314838259"/>
       </p:ext>
     </p:extLst>
   </p:cSld>
@@ -5127,7 +5130,7 @@
             <a:fld id="{A623BE0C-B4FE-411C-B00F-FCA6A312E010}" type="datetimeFigureOut">
               <a:rPr lang="en-US" smtClean="0"/>
               <a:pPr/>
-              <a:t>8/23/2011</a:t>
+              <a:t>8/27/2011</a:t>
             </a:fld>
             <a:endParaRPr lang="en-US"/>
           </a:p>
@@ -5179,7 +5182,7 @@
     </p:spTree>
     <p:extLst>
       <p:ext uri="{BB962C8B-B14F-4D97-AF65-F5344CB8AC3E}">
-        <p14:creationId xmlns:p14="http://schemas.microsoft.com/office/powerpoint/2010/main" xmlns="" val="825642813"/>
+        <p14:creationId xmlns:p14="http://schemas.microsoft.com/office/powerpoint/2010/main" val="825642813"/>
       </p:ext>
     </p:extLst>
   </p:cSld>
@@ -5247,7 +5250,7 @@
             <a:fld id="{A623BE0C-B4FE-411C-B00F-FCA6A312E010}" type="datetimeFigureOut">
               <a:rPr lang="en-US" smtClean="0"/>
               <a:pPr/>
-              <a:t>8/23/2011</a:t>
+              <a:t>8/27/2011</a:t>
             </a:fld>
             <a:endParaRPr lang="en-US"/>
           </a:p>
@@ -5299,7 +5302,7 @@
     </p:spTree>
     <p:extLst>
       <p:ext uri="{BB962C8B-B14F-4D97-AF65-F5344CB8AC3E}">
-        <p14:creationId xmlns:p14="http://schemas.microsoft.com/office/powerpoint/2010/main" xmlns="" val="2594057694"/>
+        <p14:creationId xmlns:p14="http://schemas.microsoft.com/office/powerpoint/2010/main" val="2594057694"/>
       </p:ext>
     </p:extLst>
   </p:cSld>
@@ -5344,7 +5347,7 @@
             <a:fld id="{A623BE0C-B4FE-411C-B00F-FCA6A312E010}" type="datetimeFigureOut">
               <a:rPr lang="en-US" smtClean="0"/>
               <a:pPr/>
-              <a:t>8/23/2011</a:t>
+              <a:t>8/27/2011</a:t>
             </a:fld>
             <a:endParaRPr lang="en-US"/>
           </a:p>
@@ -5396,7 +5399,7 @@
     </p:spTree>
     <p:extLst>
       <p:ext uri="{BB962C8B-B14F-4D97-AF65-F5344CB8AC3E}">
-        <p14:creationId xmlns:p14="http://schemas.microsoft.com/office/powerpoint/2010/main" xmlns="" val="3349367938"/>
+        <p14:creationId xmlns:p14="http://schemas.microsoft.com/office/powerpoint/2010/main" val="3349367938"/>
       </p:ext>
     </p:extLst>
   </p:cSld>
@@ -5623,7 +5626,7 @@
             <a:fld id="{A623BE0C-B4FE-411C-B00F-FCA6A312E010}" type="datetimeFigureOut">
               <a:rPr lang="en-US" smtClean="0"/>
               <a:pPr/>
-              <a:t>8/23/2011</a:t>
+              <a:t>8/27/2011</a:t>
             </a:fld>
             <a:endParaRPr lang="en-US"/>
           </a:p>
@@ -5675,7 +5678,7 @@
     </p:spTree>
     <p:extLst>
       <p:ext uri="{BB962C8B-B14F-4D97-AF65-F5344CB8AC3E}">
-        <p14:creationId xmlns:p14="http://schemas.microsoft.com/office/powerpoint/2010/main" xmlns="" val="2003841279"/>
+        <p14:creationId xmlns:p14="http://schemas.microsoft.com/office/powerpoint/2010/main" val="2003841279"/>
       </p:ext>
     </p:extLst>
   </p:cSld>
@@ -5878,7 +5881,7 @@
             <a:fld id="{A623BE0C-B4FE-411C-B00F-FCA6A312E010}" type="datetimeFigureOut">
               <a:rPr lang="en-US" smtClean="0"/>
               <a:pPr/>
-              <a:t>8/23/2011</a:t>
+              <a:t>8/27/2011</a:t>
             </a:fld>
             <a:endParaRPr lang="en-US"/>
           </a:p>
@@ -5930,7 +5933,7 @@
     </p:spTree>
     <p:extLst>
       <p:ext uri="{BB962C8B-B14F-4D97-AF65-F5344CB8AC3E}">
-        <p14:creationId xmlns:p14="http://schemas.microsoft.com/office/powerpoint/2010/main" xmlns="" val="2630436295"/>
+        <p14:creationId xmlns:p14="http://schemas.microsoft.com/office/powerpoint/2010/main" val="2630436295"/>
       </p:ext>
     </p:extLst>
   </p:cSld>
@@ -6114,7 +6117,7 @@
             <a:fld id="{A623BE0C-B4FE-411C-B00F-FCA6A312E010}" type="datetimeFigureOut">
               <a:rPr lang="en-US" smtClean="0"/>
               <a:pPr/>
-              <a:t>8/23/2011</a:t>
+              <a:t>8/27/2011</a:t>
             </a:fld>
             <a:endParaRPr lang="en-US"/>
           </a:p>
@@ -6202,7 +6205,7 @@
     </p:spTree>
     <p:extLst>
       <p:ext uri="{BB962C8B-B14F-4D97-AF65-F5344CB8AC3E}">
-        <p14:creationId xmlns:p14="http://schemas.microsoft.com/office/powerpoint/2010/main" xmlns="" val="775339368"/>
+        <p14:creationId xmlns:p14="http://schemas.microsoft.com/office/powerpoint/2010/main" val="775339368"/>
       </p:ext>
     </p:extLst>
   </p:cSld>
@@ -6610,7 +6613,7 @@
     </p:spTree>
     <p:extLst>
       <p:ext uri="{BB962C8B-B14F-4D97-AF65-F5344CB8AC3E}">
-        <p14:creationId xmlns:p14="http://schemas.microsoft.com/office/powerpoint/2010/main" xmlns="" val="3765382340"/>
+        <p14:creationId xmlns:p14="http://schemas.microsoft.com/office/powerpoint/2010/main" val="3765382340"/>
       </p:ext>
     </p:extLst>
   </p:cSld>
@@ -6627,1070 +6630,7 @@
 </p:sld>
 </file>
 
-<file path=ppt/slides/slide2.xml><?xml version="1.0" encoding="utf-8"?>
-<p:sld xmlns:a="http://schemas.openxmlformats.org/drawingml/2006/main" xmlns:r="http://schemas.openxmlformats.org/officeDocument/2006/relationships" xmlns:p="http://schemas.openxmlformats.org/presentationml/2006/main">
-  <p:cSld>
-    <p:spTree>
-      <p:nvGrpSpPr>
-        <p:cNvPr id="1" name=""/>
-        <p:cNvGrpSpPr/>
-        <p:nvPr/>
-      </p:nvGrpSpPr>
-      <p:grpSpPr>
-        <a:xfrm>
-          <a:off x="0" y="0"/>
-          <a:ext cx="0" cy="0"/>
-          <a:chOff x="0" y="0"/>
-          <a:chExt cx="0" cy="0"/>
-        </a:xfrm>
-      </p:grpSpPr>
-      <p:sp>
-        <p:nvSpPr>
-          <p:cNvPr id="4" name="Title 3"/>
-          <p:cNvSpPr>
-            <a:spLocks noGrp="1"/>
-          </p:cNvSpPr>
-          <p:nvPr>
-            <p:ph type="title"/>
-          </p:nvPr>
-        </p:nvSpPr>
-        <p:spPr/>
-        <p:txBody>
-          <a:bodyPr/>
-          <a:lstStyle/>
-          <a:p>
-            <a:r>
-              <a:rPr lang="th-TH" dirty="0" smtClean="0"/>
-              <a:t>ทำไมจึงทำโครงงานนี้</a:t>
-            </a:r>
-            <a:endParaRPr lang="en-US" dirty="0"/>
-          </a:p>
-        </p:txBody>
-      </p:sp>
-      <p:sp>
-        <p:nvSpPr>
-          <p:cNvPr id="5" name="Content Placeholder 4"/>
-          <p:cNvSpPr>
-            <a:spLocks noGrp="1"/>
-          </p:cNvSpPr>
-          <p:nvPr>
-            <p:ph idx="1"/>
-          </p:nvPr>
-        </p:nvSpPr>
-        <p:spPr/>
-        <p:txBody>
-          <a:bodyPr/>
-          <a:lstStyle/>
-          <a:p>
-            <a:r>
-              <a:rPr lang="en-US" smtClean="0"/>
-              <a:t>Hello world</a:t>
-            </a:r>
-            <a:endParaRPr lang="en-US" dirty="0"/>
-          </a:p>
-        </p:txBody>
-      </p:sp>
-    </p:spTree>
-    <p:extLst>
-      <p:ext uri="{BB962C8B-B14F-4D97-AF65-F5344CB8AC3E}">
-        <p14:creationId xmlns:p14="http://schemas.microsoft.com/office/powerpoint/2010/main" xmlns="" val="96058202"/>
-      </p:ext>
-    </p:extLst>
-  </p:cSld>
-  <p:clrMapOvr>
-    <a:masterClrMapping/>
-  </p:clrMapOvr>
-  <p:timing>
-    <p:tnLst>
-      <p:par>
-        <p:cTn id="1" dur="indefinite" restart="never" nodeType="tmRoot"/>
-      </p:par>
-    </p:tnLst>
-  </p:timing>
-</p:sld>
-</file>
-
-<file path=ppt/slides/slide3.xml><?xml version="1.0" encoding="utf-8"?>
-<p:sld xmlns:a="http://schemas.openxmlformats.org/drawingml/2006/main" xmlns:r="http://schemas.openxmlformats.org/officeDocument/2006/relationships" xmlns:p="http://schemas.openxmlformats.org/presentationml/2006/main">
-  <p:cSld>
-    <p:spTree>
-      <p:nvGrpSpPr>
-        <p:cNvPr id="1" name=""/>
-        <p:cNvGrpSpPr/>
-        <p:nvPr/>
-      </p:nvGrpSpPr>
-      <p:grpSpPr>
-        <a:xfrm>
-          <a:off x="0" y="0"/>
-          <a:ext cx="0" cy="0"/>
-          <a:chOff x="0" y="0"/>
-          <a:chExt cx="0" cy="0"/>
-        </a:xfrm>
-      </p:grpSpPr>
-      <p:sp>
-        <p:nvSpPr>
-          <p:cNvPr id="2" name="Title 1"/>
-          <p:cNvSpPr>
-            <a:spLocks noGrp="1"/>
-          </p:cNvSpPr>
-          <p:nvPr>
-            <p:ph type="title"/>
-          </p:nvPr>
-        </p:nvSpPr>
-        <p:spPr/>
-        <p:txBody>
-          <a:bodyPr>
-            <a:normAutofit/>
-          </a:bodyPr>
-          <a:lstStyle/>
-          <a:p>
-            <a:r>
-              <a:rPr lang="th-TH" sz="6000" b="1" dirty="0" smtClean="0"/>
-              <a:t>หลักการทำงานของโปรแกรม</a:t>
-            </a:r>
-            <a:endParaRPr lang="en-US" sz="6000" b="1" dirty="0"/>
-          </a:p>
-        </p:txBody>
-      </p:sp>
-      <p:graphicFrame>
-        <p:nvGraphicFramePr>
-          <p:cNvPr id="4" name="Content Placeholder 3"/>
-          <p:cNvGraphicFramePr>
-            <a:graphicFrameLocks noGrp="1"/>
-          </p:cNvGraphicFramePr>
-          <p:nvPr>
-            <p:ph idx="1"/>
-            <p:extLst>
-              <p:ext uri="{D42A27DB-BD31-4B8C-83A1-F6EECF244321}">
-                <p14:modId xmlns:p14="http://schemas.microsoft.com/office/powerpoint/2010/main" xmlns="" val="2714443008"/>
-              </p:ext>
-            </p:extLst>
-          </p:nvPr>
-        </p:nvGraphicFramePr>
-        <p:xfrm>
-          <a:off x="3771900" y="1295400"/>
-          <a:ext cx="5067300" cy="4343400"/>
-        </p:xfrm>
-        <a:graphic>
-          <a:graphicData uri="http://schemas.openxmlformats.org/drawingml/2006/diagram">
-            <dgm:relIds xmlns:dgm="http://schemas.openxmlformats.org/drawingml/2006/diagram" xmlns:r="http://schemas.openxmlformats.org/officeDocument/2006/relationships" r:dm="rId2" r:lo="rId3" r:qs="rId4" r:cs="rId5"/>
-          </a:graphicData>
-        </a:graphic>
-      </p:graphicFrame>
-      <p:pic>
-        <p:nvPicPr>
-          <p:cNvPr id="5" name="Picture 4"/>
-          <p:cNvPicPr>
-            <a:picLocks noChangeAspect="1"/>
-          </p:cNvPicPr>
-          <p:nvPr/>
-        </p:nvPicPr>
-        <p:blipFill>
-          <a:blip r:embed="rId7" cstate="print">
-            <a:extLst>
-              <a:ext uri="{28A0092B-C50C-407E-A947-70E740481C1C}">
-                <a14:useLocalDpi xmlns:a14="http://schemas.microsoft.com/office/drawing/2010/main" xmlns="" val="0"/>
-              </a:ext>
-            </a:extLst>
-          </a:blip>
-          <a:stretch>
-            <a:fillRect/>
-          </a:stretch>
-        </p:blipFill>
-        <p:spPr>
-          <a:xfrm>
-            <a:off x="5638800" y="5410200"/>
-            <a:ext cx="1219200" cy="1219200"/>
-          </a:xfrm>
-          <a:prstGeom prst="rect">
-            <a:avLst/>
-          </a:prstGeom>
-        </p:spPr>
-      </p:pic>
-      <p:pic>
-        <p:nvPicPr>
-          <p:cNvPr id="1028" name="Picture 4" descr="C:\Users\JOeCole\AppData\Local\Microsoft\Windows\Temporary Internet Files\Content.IE5\99KOCIIL\MC900433922[1].png"/>
-          <p:cNvPicPr>
-            <a:picLocks noChangeAspect="1" noChangeArrowheads="1"/>
-          </p:cNvPicPr>
-          <p:nvPr/>
-        </p:nvPicPr>
-        <p:blipFill>
-          <a:blip r:embed="rId8" cstate="print">
-            <a:extLst>
-              <a:ext uri="{28A0092B-C50C-407E-A947-70E740481C1C}">
-                <a14:useLocalDpi xmlns:a14="http://schemas.microsoft.com/office/drawing/2010/main" xmlns="" val="0"/>
-              </a:ext>
-            </a:extLst>
-          </a:blip>
-          <a:srcRect/>
-          <a:stretch>
-            <a:fillRect/>
-          </a:stretch>
-        </p:blipFill>
-        <p:spPr bwMode="auto">
-          <a:xfrm flipH="1">
-            <a:off x="685800" y="1600200"/>
-            <a:ext cx="2057400" cy="2057400"/>
-          </a:xfrm>
-          <a:prstGeom prst="rect">
-            <a:avLst/>
-          </a:prstGeom>
-          <a:noFill/>
-          <a:extLst>
-            <a:ext uri="{909E8E84-426E-40DD-AFC4-6F175D3DCCD1}">
-              <a14:hiddenFill xmlns:a14="http://schemas.microsoft.com/office/drawing/2010/main" xmlns="">
-                <a:solidFill>
-                  <a:srgbClr val="FFFFFF"/>
-                </a:solidFill>
-              </a14:hiddenFill>
-            </a:ext>
-          </a:extLst>
-        </p:spPr>
-      </p:pic>
-      <p:cxnSp>
-        <p:nvCxnSpPr>
-          <p:cNvPr id="9" name="Straight Arrow Connector 8"/>
-          <p:cNvCxnSpPr/>
-          <p:nvPr/>
-        </p:nvCxnSpPr>
-        <p:spPr>
-          <a:xfrm>
-            <a:off x="2743200" y="2857500"/>
-            <a:ext cx="1981200" cy="495300"/>
-          </a:xfrm>
-          <a:prstGeom prst="straightConnector1">
-            <a:avLst/>
-          </a:prstGeom>
-          <a:ln>
-            <a:tailEnd type="arrow"/>
-          </a:ln>
-        </p:spPr>
-        <p:style>
-          <a:lnRef idx="3">
-            <a:schemeClr val="dk1"/>
-          </a:lnRef>
-          <a:fillRef idx="0">
-            <a:schemeClr val="dk1"/>
-          </a:fillRef>
-          <a:effectRef idx="2">
-            <a:schemeClr val="dk1"/>
-          </a:effectRef>
-          <a:fontRef idx="minor">
-            <a:schemeClr val="tx1"/>
-          </a:fontRef>
-        </p:style>
-      </p:cxnSp>
-    </p:spTree>
-    <p:extLst>
-      <p:ext uri="{BB962C8B-B14F-4D97-AF65-F5344CB8AC3E}">
-        <p14:creationId xmlns:p14="http://schemas.microsoft.com/office/powerpoint/2010/main" xmlns="" val="1015130875"/>
-      </p:ext>
-    </p:extLst>
-  </p:cSld>
-  <p:clrMapOvr>
-    <a:masterClrMapping/>
-  </p:clrMapOvr>
-  <p:timing>
-    <p:tnLst>
-      <p:par>
-        <p:cTn id="1" dur="indefinite" restart="never" nodeType="tmRoot"/>
-      </p:par>
-    </p:tnLst>
-  </p:timing>
-</p:sld>
-</file>
-
-<file path=ppt/slides/slide4.xml><?xml version="1.0" encoding="utf-8"?>
-<p:sld xmlns:a="http://schemas.openxmlformats.org/drawingml/2006/main" xmlns:r="http://schemas.openxmlformats.org/officeDocument/2006/relationships" xmlns:p="http://schemas.openxmlformats.org/presentationml/2006/main">
-  <p:cSld>
-    <p:bg>
-      <p:bgPr>
-        <a:solidFill>
-          <a:schemeClr val="bg1"/>
-        </a:solidFill>
-        <a:effectLst/>
-      </p:bgPr>
-    </p:bg>
-    <p:spTree>
-      <p:nvGrpSpPr>
-        <p:cNvPr id="1" name=""/>
-        <p:cNvGrpSpPr/>
-        <p:nvPr/>
-      </p:nvGrpSpPr>
-      <p:grpSpPr>
-        <a:xfrm>
-          <a:off x="0" y="0"/>
-          <a:ext cx="0" cy="0"/>
-          <a:chOff x="0" y="0"/>
-          <a:chExt cx="0" cy="0"/>
-        </a:xfrm>
-      </p:grpSpPr>
-      <p:pic>
-        <p:nvPicPr>
-          <p:cNvPr id="13" name="Picture 12"/>
-          <p:cNvPicPr>
-            <a:picLocks noChangeAspect="1"/>
-          </p:cNvPicPr>
-          <p:nvPr/>
-        </p:nvPicPr>
-        <p:blipFill rotWithShape="1">
-          <a:blip r:embed="rId3" cstate="print">
-            <a:extLst>
-              <a:ext uri="{28A0092B-C50C-407E-A947-70E740481C1C}">
-                <a14:useLocalDpi xmlns:a14="http://schemas.microsoft.com/office/drawing/2010/main" xmlns="" val="0"/>
-              </a:ext>
-            </a:extLst>
-          </a:blip>
-          <a:srcRect l="31468" t="5245" r="31818" b="5594"/>
-          <a:stretch/>
-        </p:blipFill>
-        <p:spPr bwMode="auto">
-          <a:xfrm>
-            <a:off x="5300579" y="1634808"/>
-            <a:ext cx="1786021" cy="3470592"/>
-          </a:xfrm>
-          <a:prstGeom prst="rect">
-            <a:avLst/>
-          </a:prstGeom>
-          <a:ln>
-            <a:noFill/>
-          </a:ln>
-          <a:extLst>
-            <a:ext uri="{53640926-AAD7-44D8-BBD7-CCE9431645EC}">
-              <a14:shadowObscured xmlns:a14="http://schemas.microsoft.com/office/drawing/2010/main" xmlns=""/>
-            </a:ext>
-          </a:extLst>
-        </p:spPr>
-      </p:pic>
-      <p:sp>
-        <p:nvSpPr>
-          <p:cNvPr id="14" name="Flowchart: Alternate Process 13"/>
-          <p:cNvSpPr/>
-          <p:nvPr/>
-        </p:nvSpPr>
-        <p:spPr>
-          <a:xfrm>
-            <a:off x="5606753" y="2587519"/>
-            <a:ext cx="1173223" cy="644947"/>
-          </a:xfrm>
-          <a:prstGeom prst="flowChartAlternateProcess">
-            <a:avLst/>
-          </a:prstGeom>
-        </p:spPr>
-        <p:style>
-          <a:lnRef idx="2">
-            <a:schemeClr val="accent1">
-              <a:shade val="50000"/>
-            </a:schemeClr>
-          </a:lnRef>
-          <a:fillRef idx="1">
-            <a:schemeClr val="accent1"/>
-          </a:fillRef>
-          <a:effectRef idx="0">
-            <a:schemeClr val="accent1"/>
-          </a:effectRef>
-          <a:fontRef idx="minor">
-            <a:schemeClr val="lt1"/>
-          </a:fontRef>
-        </p:style>
-        <p:txBody>
-          <a:bodyPr rot="0" spcFirstLastPara="0" vert="horz" wrap="square" lIns="91440" tIns="45720" rIns="91440" bIns="45720" numCol="1" spcCol="0" rtlCol="0" fromWordArt="0" anchor="ctr" anchorCtr="0" forceAA="0" compatLnSpc="1">
-            <a:prstTxWarp prst="textNoShape">
-              <a:avLst/>
-            </a:prstTxWarp>
-            <a:noAutofit/>
-          </a:bodyPr>
-          <a:lstStyle/>
-          <a:p>
-            <a:pPr marL="0" marR="0" algn="ctr">
-              <a:lnSpc>
-                <a:spcPct val="115000"/>
-              </a:lnSpc>
-              <a:spcBef>
-                <a:spcPts val="0"/>
-              </a:spcBef>
-              <a:spcAft>
-                <a:spcPts val="1000"/>
-              </a:spcAft>
-            </a:pPr>
-            <a:r>
-              <a:rPr lang="en-US" sz="2800" b="1" dirty="0">
-                <a:effectLst/>
-                <a:ea typeface="Calibri"/>
-                <a:cs typeface="Cordia New"/>
-              </a:rPr>
-              <a:t>Start</a:t>
-            </a:r>
-            <a:endParaRPr lang="en-US" sz="2800" dirty="0">
-              <a:effectLst/>
-              <a:ea typeface="Calibri"/>
-              <a:cs typeface="Cordia New"/>
-            </a:endParaRPr>
-          </a:p>
-        </p:txBody>
-      </p:sp>
-      <p:sp>
-        <p:nvSpPr>
-          <p:cNvPr id="12" name="Pentagon 11"/>
-          <p:cNvSpPr/>
-          <p:nvPr/>
-        </p:nvSpPr>
-        <p:spPr>
-          <a:xfrm>
-            <a:off x="1371600" y="1922383"/>
-            <a:ext cx="3510519" cy="2620165"/>
-          </a:xfrm>
-          <a:prstGeom prst="homePlate">
-            <a:avLst/>
-          </a:prstGeom>
-        </p:spPr>
-        <p:style>
-          <a:lnRef idx="2">
-            <a:schemeClr val="accent1"/>
-          </a:lnRef>
-          <a:fillRef idx="1">
-            <a:schemeClr val="lt1"/>
-          </a:fillRef>
-          <a:effectRef idx="0">
-            <a:schemeClr val="accent1"/>
-          </a:effectRef>
-          <a:fontRef idx="minor">
-            <a:schemeClr val="dk1"/>
-          </a:fontRef>
-        </p:style>
-        <p:txBody>
-          <a:bodyPr rot="0" spcFirstLastPara="0" vert="horz" wrap="square" lIns="91440" tIns="45720" rIns="91440" bIns="45720" numCol="1" spcCol="0" rtlCol="0" fromWordArt="0" anchor="ctr" anchorCtr="0" forceAA="0" compatLnSpc="1">
-            <a:prstTxWarp prst="textNoShape">
-              <a:avLst/>
-            </a:prstTxWarp>
-            <a:noAutofit/>
-          </a:bodyPr>
-          <a:lstStyle/>
-          <a:p>
-            <a:pPr marL="0" marR="0">
-              <a:lnSpc>
-                <a:spcPct val="115000"/>
-              </a:lnSpc>
-              <a:spcBef>
-                <a:spcPts val="0"/>
-              </a:spcBef>
-              <a:spcAft>
-                <a:spcPts val="0"/>
-              </a:spcAft>
-            </a:pPr>
-            <a:r>
-              <a:rPr lang="en-US" sz="3200" dirty="0">
-                <a:effectLst/>
-                <a:ea typeface="Calibri"/>
-                <a:cs typeface="Cordia New"/>
-              </a:rPr>
-              <a:t>Turn on GPS </a:t>
-            </a:r>
-          </a:p>
-          <a:p>
-            <a:pPr marL="0" marR="0">
-              <a:lnSpc>
-                <a:spcPct val="115000"/>
-              </a:lnSpc>
-              <a:spcBef>
-                <a:spcPts val="0"/>
-              </a:spcBef>
-              <a:spcAft>
-                <a:spcPts val="0"/>
-              </a:spcAft>
-            </a:pPr>
-            <a:r>
-              <a:rPr lang="en-US" sz="3200" dirty="0">
-                <a:effectLst/>
-                <a:ea typeface="Calibri"/>
-                <a:cs typeface="Cordia New"/>
-              </a:rPr>
-              <a:t>and</a:t>
-            </a:r>
-          </a:p>
-          <a:p>
-            <a:pPr marL="0" marR="0">
-              <a:lnSpc>
-                <a:spcPct val="115000"/>
-              </a:lnSpc>
-              <a:spcBef>
-                <a:spcPts val="0"/>
-              </a:spcBef>
-              <a:spcAft>
-                <a:spcPts val="0"/>
-              </a:spcAft>
-            </a:pPr>
-            <a:r>
-              <a:rPr lang="en-US" sz="3200" dirty="0">
-                <a:effectLst/>
-                <a:ea typeface="Calibri"/>
-                <a:cs typeface="Cordia New"/>
-              </a:rPr>
-              <a:t>run program</a:t>
-            </a:r>
-          </a:p>
-        </p:txBody>
-      </p:sp>
-    </p:spTree>
-    <p:extLst>
-      <p:ext uri="{BB962C8B-B14F-4D97-AF65-F5344CB8AC3E}">
-        <p14:creationId xmlns:p14="http://schemas.microsoft.com/office/powerpoint/2010/main" xmlns="" val="315046874"/>
-      </p:ext>
-    </p:extLst>
-  </p:cSld>
-  <p:clrMapOvr>
-    <a:masterClrMapping/>
-  </p:clrMapOvr>
-  <p:timing>
-    <p:tnLst>
-      <p:par>
-        <p:cTn id="1" dur="indefinite" restart="never" nodeType="tmRoot">
-          <p:childTnLst>
-            <p:seq concurrent="1" nextAc="seek">
-              <p:cTn id="2" dur="indefinite" nodeType="mainSeq">
-                <p:childTnLst>
-                  <p:par>
-                    <p:cTn id="3" fill="hold">
-                      <p:stCondLst>
-                        <p:cond delay="indefinite"/>
-                      </p:stCondLst>
-                      <p:childTnLst>
-                        <p:par>
-                          <p:cTn id="4" fill="hold">
-                            <p:stCondLst>
-                              <p:cond delay="0"/>
-                            </p:stCondLst>
-                            <p:childTnLst>
-                              <p:par>
-                                <p:cTn id="5" presetID="10" presetClass="entr" presetSubtype="0" fill="hold" grpId="0" nodeType="clickEffect">
-                                  <p:stCondLst>
-                                    <p:cond delay="0"/>
-                                  </p:stCondLst>
-                                  <p:childTnLst>
-                                    <p:set>
-                                      <p:cBhvr>
-                                        <p:cTn id="6" dur="1" fill="hold">
-                                          <p:stCondLst>
-                                            <p:cond delay="0"/>
-                                          </p:stCondLst>
-                                        </p:cTn>
-                                        <p:tgtEl>
-                                          <p:spTgt spid="12"/>
-                                        </p:tgtEl>
-                                        <p:attrNameLst>
-                                          <p:attrName>style.visibility</p:attrName>
-                                        </p:attrNameLst>
-                                      </p:cBhvr>
-                                      <p:to>
-                                        <p:strVal val="visible"/>
-                                      </p:to>
-                                    </p:set>
-                                    <p:animEffect transition="in" filter="fade">
-                                      <p:cBhvr>
-                                        <p:cTn id="7" dur="500"/>
-                                        <p:tgtEl>
-                                          <p:spTgt spid="12"/>
-                                        </p:tgtEl>
-                                      </p:cBhvr>
-                                    </p:animEffect>
-                                  </p:childTnLst>
-                                </p:cTn>
-                              </p:par>
-                              <p:par>
-                                <p:cTn id="8" presetID="10" presetClass="entr" presetSubtype="0" fill="hold" grpId="0" nodeType="withEffect">
-                                  <p:stCondLst>
-                                    <p:cond delay="0"/>
-                                  </p:stCondLst>
-                                  <p:childTnLst>
-                                    <p:set>
-                                      <p:cBhvr>
-                                        <p:cTn id="9" dur="1" fill="hold">
-                                          <p:stCondLst>
-                                            <p:cond delay="0"/>
-                                          </p:stCondLst>
-                                        </p:cTn>
-                                        <p:tgtEl>
-                                          <p:spTgt spid="14"/>
-                                        </p:tgtEl>
-                                        <p:attrNameLst>
-                                          <p:attrName>style.visibility</p:attrName>
-                                        </p:attrNameLst>
-                                      </p:cBhvr>
-                                      <p:to>
-                                        <p:strVal val="visible"/>
-                                      </p:to>
-                                    </p:set>
-                                    <p:animEffect transition="in" filter="fade">
-                                      <p:cBhvr>
-                                        <p:cTn id="10" dur="500"/>
-                                        <p:tgtEl>
-                                          <p:spTgt spid="14"/>
-                                        </p:tgtEl>
-                                      </p:cBhvr>
-                                    </p:animEffect>
-                                  </p:childTnLst>
-                                </p:cTn>
-                              </p:par>
-                            </p:childTnLst>
-                          </p:cTn>
-                        </p:par>
-                      </p:childTnLst>
-                    </p:cTn>
-                  </p:par>
-                </p:childTnLst>
-              </p:cTn>
-              <p:prevCondLst>
-                <p:cond evt="onPrev" delay="0">
-                  <p:tgtEl>
-                    <p:sldTgt/>
-                  </p:tgtEl>
-                </p:cond>
-              </p:prevCondLst>
-              <p:nextCondLst>
-                <p:cond evt="onNext" delay="0">
-                  <p:tgtEl>
-                    <p:sldTgt/>
-                  </p:tgtEl>
-                </p:cond>
-              </p:nextCondLst>
-            </p:seq>
-          </p:childTnLst>
-        </p:cTn>
-      </p:par>
-    </p:tnLst>
-    <p:bldLst>
-      <p:bldP spid="14" grpId="0" animBg="1"/>
-      <p:bldP spid="12" grpId="0" animBg="1"/>
-    </p:bldLst>
-  </p:timing>
-</p:sld>
-</file>
-
-<file path=ppt/slides/slide5.xml><?xml version="1.0" encoding="utf-8"?>
-<p:sld xmlns:a="http://schemas.openxmlformats.org/drawingml/2006/main" xmlns:r="http://schemas.openxmlformats.org/officeDocument/2006/relationships" xmlns:p="http://schemas.openxmlformats.org/presentationml/2006/main">
-  <p:cSld>
-    <p:bg>
-      <p:bgPr>
-        <a:solidFill>
-          <a:schemeClr val="bg1"/>
-        </a:solidFill>
-        <a:effectLst/>
-      </p:bgPr>
-    </p:bg>
-    <p:spTree>
-      <p:nvGrpSpPr>
-        <p:cNvPr id="1" name=""/>
-        <p:cNvGrpSpPr/>
-        <p:nvPr/>
-      </p:nvGrpSpPr>
-      <p:grpSpPr>
-        <a:xfrm>
-          <a:off x="0" y="0"/>
-          <a:ext cx="0" cy="0"/>
-          <a:chOff x="0" y="0"/>
-          <a:chExt cx="0" cy="0"/>
-        </a:xfrm>
-      </p:grpSpPr>
-      <p:pic>
-        <p:nvPicPr>
-          <p:cNvPr id="13" name="Picture 12"/>
-          <p:cNvPicPr>
-            <a:picLocks noChangeAspect="1"/>
-          </p:cNvPicPr>
-          <p:nvPr/>
-        </p:nvPicPr>
-        <p:blipFill rotWithShape="1">
-          <a:blip r:embed="rId3" cstate="print">
-            <a:extLst>
-              <a:ext uri="{28A0092B-C50C-407E-A947-70E740481C1C}">
-                <a14:useLocalDpi xmlns:a14="http://schemas.microsoft.com/office/drawing/2010/main" xmlns="" val="0"/>
-              </a:ext>
-            </a:extLst>
-          </a:blip>
-          <a:srcRect l="31468" t="5245" r="31818" b="5594"/>
-          <a:stretch/>
-        </p:blipFill>
-        <p:spPr bwMode="auto">
-          <a:xfrm>
-            <a:off x="5300579" y="1634808"/>
-            <a:ext cx="1786021" cy="3470592"/>
-          </a:xfrm>
-          <a:prstGeom prst="rect">
-            <a:avLst/>
-          </a:prstGeom>
-          <a:ln>
-            <a:noFill/>
-          </a:ln>
-          <a:extLst>
-            <a:ext uri="{53640926-AAD7-44D8-BBD7-CCE9431645EC}">
-              <a14:shadowObscured xmlns:a14="http://schemas.microsoft.com/office/drawing/2010/main" xmlns=""/>
-            </a:ext>
-          </a:extLst>
-        </p:spPr>
-      </p:pic>
-      <p:sp>
-        <p:nvSpPr>
-          <p:cNvPr id="14" name="Flowchart: Alternate Process 13"/>
-          <p:cNvSpPr/>
-          <p:nvPr/>
-        </p:nvSpPr>
-        <p:spPr>
-          <a:xfrm>
-            <a:off x="5606753" y="2536902"/>
-            <a:ext cx="1173223" cy="644947"/>
-          </a:xfrm>
-          <a:prstGeom prst="flowChartAlternateProcess">
-            <a:avLst/>
-          </a:prstGeom>
-        </p:spPr>
-        <p:style>
-          <a:lnRef idx="2">
-            <a:schemeClr val="accent1">
-              <a:shade val="50000"/>
-            </a:schemeClr>
-          </a:lnRef>
-          <a:fillRef idx="1">
-            <a:schemeClr val="accent1"/>
-          </a:fillRef>
-          <a:effectRef idx="0">
-            <a:schemeClr val="accent1"/>
-          </a:effectRef>
-          <a:fontRef idx="minor">
-            <a:schemeClr val="lt1"/>
-          </a:fontRef>
-        </p:style>
-        <p:txBody>
-          <a:bodyPr rot="0" spcFirstLastPara="0" vert="horz" wrap="square" lIns="91440" tIns="45720" rIns="91440" bIns="45720" numCol="1" spcCol="0" rtlCol="0" fromWordArt="0" anchor="ctr" anchorCtr="0" forceAA="0" compatLnSpc="1">
-            <a:prstTxWarp prst="textNoShape">
-              <a:avLst/>
-            </a:prstTxWarp>
-            <a:noAutofit/>
-          </a:bodyPr>
-          <a:lstStyle/>
-          <a:p>
-            <a:pPr marL="0" marR="0" algn="ctr">
-              <a:lnSpc>
-                <a:spcPct val="115000"/>
-              </a:lnSpc>
-              <a:spcBef>
-                <a:spcPts val="0"/>
-              </a:spcBef>
-              <a:spcAft>
-                <a:spcPts val="1000"/>
-              </a:spcAft>
-            </a:pPr>
-            <a:r>
-              <a:rPr lang="en-US" sz="2800" b="1" dirty="0" smtClean="0">
-                <a:ea typeface="Calibri"/>
-                <a:cs typeface="Cordia New"/>
-              </a:rPr>
-              <a:t>Pause</a:t>
-            </a:r>
-            <a:endParaRPr lang="en-US" sz="2800" dirty="0">
-              <a:effectLst/>
-              <a:ea typeface="Calibri"/>
-              <a:cs typeface="Cordia New"/>
-            </a:endParaRPr>
-          </a:p>
-        </p:txBody>
-      </p:sp>
-      <p:sp>
-        <p:nvSpPr>
-          <p:cNvPr id="12" name="Pentagon 11"/>
-          <p:cNvSpPr/>
-          <p:nvPr/>
-        </p:nvSpPr>
-        <p:spPr>
-          <a:xfrm>
-            <a:off x="1371600" y="1922383"/>
-            <a:ext cx="3510519" cy="2620165"/>
-          </a:xfrm>
-          <a:prstGeom prst="homePlate">
-            <a:avLst/>
-          </a:prstGeom>
-        </p:spPr>
-        <p:style>
-          <a:lnRef idx="2">
-            <a:schemeClr val="accent1"/>
-          </a:lnRef>
-          <a:fillRef idx="1">
-            <a:schemeClr val="lt1"/>
-          </a:fillRef>
-          <a:effectRef idx="0">
-            <a:schemeClr val="accent1"/>
-          </a:effectRef>
-          <a:fontRef idx="minor">
-            <a:schemeClr val="dk1"/>
-          </a:fontRef>
-        </p:style>
-        <p:txBody>
-          <a:bodyPr rot="0" spcFirstLastPara="0" vert="horz" wrap="square" lIns="91440" tIns="45720" rIns="91440" bIns="45720" numCol="1" spcCol="0" rtlCol="0" fromWordArt="0" anchor="ctr" anchorCtr="0" forceAA="0" compatLnSpc="1">
-            <a:prstTxWarp prst="textNoShape">
-              <a:avLst/>
-            </a:prstTxWarp>
-            <a:noAutofit/>
-          </a:bodyPr>
-          <a:lstStyle/>
-          <a:p>
-            <a:r>
-              <a:rPr lang="en-US" sz="3200" dirty="0"/>
-              <a:t>Insert latitude</a:t>
-            </a:r>
-          </a:p>
-          <a:p>
-            <a:r>
-              <a:rPr lang="en-US" sz="3200" dirty="0"/>
-              <a:t>and longitude</a:t>
-            </a:r>
-          </a:p>
-          <a:p>
-            <a:r>
-              <a:rPr lang="en-US" sz="3200" dirty="0"/>
-              <a:t>into database</a:t>
-            </a:r>
-          </a:p>
-        </p:txBody>
-      </p:sp>
-      <p:sp>
-        <p:nvSpPr>
-          <p:cNvPr id="5" name="Flowchart: Alternate Process 4"/>
-          <p:cNvSpPr/>
-          <p:nvPr/>
-        </p:nvSpPr>
-        <p:spPr>
-          <a:xfrm>
-            <a:off x="5608577" y="3319487"/>
-            <a:ext cx="1173223" cy="644947"/>
-          </a:xfrm>
-          <a:prstGeom prst="flowChartAlternateProcess">
-            <a:avLst/>
-          </a:prstGeom>
-        </p:spPr>
-        <p:style>
-          <a:lnRef idx="2">
-            <a:schemeClr val="accent1">
-              <a:shade val="50000"/>
-            </a:schemeClr>
-          </a:lnRef>
-          <a:fillRef idx="1">
-            <a:schemeClr val="accent1"/>
-          </a:fillRef>
-          <a:effectRef idx="0">
-            <a:schemeClr val="accent1"/>
-          </a:effectRef>
-          <a:fontRef idx="minor">
-            <a:schemeClr val="lt1"/>
-          </a:fontRef>
-        </p:style>
-        <p:txBody>
-          <a:bodyPr rot="0" spcFirstLastPara="0" vert="horz" wrap="square" lIns="91440" tIns="45720" rIns="91440" bIns="45720" numCol="1" spcCol="0" rtlCol="0" fromWordArt="0" anchor="ctr" anchorCtr="0" forceAA="0" compatLnSpc="1">
-            <a:prstTxWarp prst="textNoShape">
-              <a:avLst/>
-            </a:prstTxWarp>
-            <a:noAutofit/>
-          </a:bodyPr>
-          <a:lstStyle/>
-          <a:p>
-            <a:pPr marL="0" marR="0" algn="ctr">
-              <a:lnSpc>
-                <a:spcPct val="115000"/>
-              </a:lnSpc>
-              <a:spcBef>
-                <a:spcPts val="0"/>
-              </a:spcBef>
-              <a:spcAft>
-                <a:spcPts val="1000"/>
-              </a:spcAft>
-            </a:pPr>
-            <a:r>
-              <a:rPr lang="en-US" sz="2800" b="1" dirty="0" smtClean="0">
-                <a:effectLst/>
-                <a:ea typeface="Calibri"/>
-                <a:cs typeface="Cordia New"/>
-              </a:rPr>
-              <a:t>Stop</a:t>
-            </a:r>
-            <a:endParaRPr lang="en-US" sz="2800" dirty="0">
-              <a:effectLst/>
-              <a:ea typeface="Calibri"/>
-              <a:cs typeface="Cordia New"/>
-            </a:endParaRPr>
-          </a:p>
-        </p:txBody>
-      </p:sp>
-    </p:spTree>
-    <p:extLst>
-      <p:ext uri="{BB962C8B-B14F-4D97-AF65-F5344CB8AC3E}">
-        <p14:creationId xmlns:p14="http://schemas.microsoft.com/office/powerpoint/2010/main" xmlns="" val="1498823684"/>
-      </p:ext>
-    </p:extLst>
-  </p:cSld>
-  <p:clrMapOvr>
-    <a:masterClrMapping/>
-  </p:clrMapOvr>
-  <p:timing>
-    <p:tnLst>
-      <p:par>
-        <p:cTn id="1" dur="indefinite" restart="never" nodeType="tmRoot">
-          <p:childTnLst>
-            <p:seq concurrent="1" nextAc="seek">
-              <p:cTn id="2" dur="indefinite" nodeType="mainSeq">
-                <p:childTnLst>
-                  <p:par>
-                    <p:cTn id="3" fill="hold">
-                      <p:stCondLst>
-                        <p:cond delay="indefinite"/>
-                      </p:stCondLst>
-                      <p:childTnLst>
-                        <p:par>
-                          <p:cTn id="4" fill="hold">
-                            <p:stCondLst>
-                              <p:cond delay="0"/>
-                            </p:stCondLst>
-                            <p:childTnLst>
-                              <p:par>
-                                <p:cTn id="5" presetID="10" presetClass="entr" presetSubtype="0" fill="hold" grpId="0" nodeType="clickEffect">
-                                  <p:stCondLst>
-                                    <p:cond delay="0"/>
-                                  </p:stCondLst>
-                                  <p:childTnLst>
-                                    <p:set>
-                                      <p:cBhvr>
-                                        <p:cTn id="6" dur="1" fill="hold">
-                                          <p:stCondLst>
-                                            <p:cond delay="0"/>
-                                          </p:stCondLst>
-                                        </p:cTn>
-                                        <p:tgtEl>
-                                          <p:spTgt spid="12"/>
-                                        </p:tgtEl>
-                                        <p:attrNameLst>
-                                          <p:attrName>style.visibility</p:attrName>
-                                        </p:attrNameLst>
-                                      </p:cBhvr>
-                                      <p:to>
-                                        <p:strVal val="visible"/>
-                                      </p:to>
-                                    </p:set>
-                                    <p:animEffect transition="in" filter="fade">
-                                      <p:cBhvr>
-                                        <p:cTn id="7" dur="500"/>
-                                        <p:tgtEl>
-                                          <p:spTgt spid="12"/>
-                                        </p:tgtEl>
-                                      </p:cBhvr>
-                                    </p:animEffect>
-                                  </p:childTnLst>
-                                </p:cTn>
-                              </p:par>
-                              <p:par>
-                                <p:cTn id="8" presetID="10" presetClass="entr" presetSubtype="0" fill="hold" grpId="0" nodeType="withEffect">
-                                  <p:stCondLst>
-                                    <p:cond delay="0"/>
-                                  </p:stCondLst>
-                                  <p:childTnLst>
-                                    <p:set>
-                                      <p:cBhvr>
-                                        <p:cTn id="9" dur="1" fill="hold">
-                                          <p:stCondLst>
-                                            <p:cond delay="0"/>
-                                          </p:stCondLst>
-                                        </p:cTn>
-                                        <p:tgtEl>
-                                          <p:spTgt spid="14"/>
-                                        </p:tgtEl>
-                                        <p:attrNameLst>
-                                          <p:attrName>style.visibility</p:attrName>
-                                        </p:attrNameLst>
-                                      </p:cBhvr>
-                                      <p:to>
-                                        <p:strVal val="visible"/>
-                                      </p:to>
-                                    </p:set>
-                                    <p:animEffect transition="in" filter="fade">
-                                      <p:cBhvr>
-                                        <p:cTn id="10" dur="500"/>
-                                        <p:tgtEl>
-                                          <p:spTgt spid="14"/>
-                                        </p:tgtEl>
-                                      </p:cBhvr>
-                                    </p:animEffect>
-                                  </p:childTnLst>
-                                </p:cTn>
-                              </p:par>
-                              <p:par>
-                                <p:cTn id="11" presetID="10" presetClass="entr" presetSubtype="0" fill="hold" grpId="0" nodeType="withEffect">
-                                  <p:stCondLst>
-                                    <p:cond delay="0"/>
-                                  </p:stCondLst>
-                                  <p:childTnLst>
-                                    <p:set>
-                                      <p:cBhvr>
-                                        <p:cTn id="12" dur="1" fill="hold">
-                                          <p:stCondLst>
-                                            <p:cond delay="0"/>
-                                          </p:stCondLst>
-                                        </p:cTn>
-                                        <p:tgtEl>
-                                          <p:spTgt spid="5"/>
-                                        </p:tgtEl>
-                                        <p:attrNameLst>
-                                          <p:attrName>style.visibility</p:attrName>
-                                        </p:attrNameLst>
-                                      </p:cBhvr>
-                                      <p:to>
-                                        <p:strVal val="visible"/>
-                                      </p:to>
-                                    </p:set>
-                                    <p:animEffect transition="in" filter="fade">
-                                      <p:cBhvr>
-                                        <p:cTn id="13" dur="500"/>
-                                        <p:tgtEl>
-                                          <p:spTgt spid="5"/>
-                                        </p:tgtEl>
-                                      </p:cBhvr>
-                                    </p:animEffect>
-                                  </p:childTnLst>
-                                </p:cTn>
-                              </p:par>
-                            </p:childTnLst>
-                          </p:cTn>
-                        </p:par>
-                      </p:childTnLst>
-                    </p:cTn>
-                  </p:par>
-                </p:childTnLst>
-              </p:cTn>
-              <p:prevCondLst>
-                <p:cond evt="onPrev" delay="0">
-                  <p:tgtEl>
-                    <p:sldTgt/>
-                  </p:tgtEl>
-                </p:cond>
-              </p:prevCondLst>
-              <p:nextCondLst>
-                <p:cond evt="onNext" delay="0">
-                  <p:tgtEl>
-                    <p:sldTgt/>
-                  </p:tgtEl>
-                </p:cond>
-              </p:nextCondLst>
-            </p:seq>
-          </p:childTnLst>
-        </p:cTn>
-      </p:par>
-    </p:tnLst>
-    <p:bldLst>
-      <p:bldP spid="14" grpId="0" animBg="1"/>
-      <p:bldP spid="12" grpId="0" animBg="1"/>
-      <p:bldP spid="5" grpId="0" animBg="1"/>
-    </p:bldLst>
-  </p:timing>
-</p:sld>
-</file>
-
-<file path=ppt/slides/slide6.xml><?xml version="1.0" encoding="utf-8"?>
+<file path=ppt/slides/slide10.xml><?xml version="1.0" encoding="utf-8"?>
 <p:sld xmlns:a="http://schemas.openxmlformats.org/drawingml/2006/main" xmlns:r="http://schemas.openxmlformats.org/officeDocument/2006/relationships" xmlns:p="http://schemas.openxmlformats.org/presentationml/2006/main">
   <p:cSld>
     <p:bg>
@@ -7727,7 +6667,7 @@
           <a:blip r:embed="rId2" cstate="print">
             <a:extLst>
               <a:ext uri="{28A0092B-C50C-407E-A947-70E740481C1C}">
-                <a14:useLocalDpi xmlns:a14="http://schemas.microsoft.com/office/drawing/2010/main" xmlns="" val="0"/>
+                <a14:useLocalDpi xmlns:a14="http://schemas.microsoft.com/office/drawing/2010/main" val="0"/>
               </a:ext>
             </a:extLst>
           </a:blip>
@@ -7747,74 +6687,11 @@
           </a:ln>
           <a:extLst>
             <a:ext uri="{53640926-AAD7-44D8-BBD7-CCE9431645EC}">
-              <a14:shadowObscured xmlns:a14="http://schemas.microsoft.com/office/drawing/2010/main" xmlns=""/>
+              <a14:shadowObscured xmlns:a14="http://schemas.microsoft.com/office/drawing/2010/main"/>
             </a:ext>
           </a:extLst>
         </p:spPr>
       </p:pic>
-      <p:sp>
-        <p:nvSpPr>
-          <p:cNvPr id="5" name="Flowchart: Alternate Process 4"/>
-          <p:cNvSpPr/>
-          <p:nvPr/>
-        </p:nvSpPr>
-        <p:spPr>
-          <a:xfrm>
-            <a:off x="5606977" y="2744360"/>
-            <a:ext cx="1173223" cy="976209"/>
-          </a:xfrm>
-          <a:prstGeom prst="flowChartAlternateProcess">
-            <a:avLst/>
-          </a:prstGeom>
-        </p:spPr>
-        <p:style>
-          <a:lnRef idx="2">
-            <a:schemeClr val="accent1">
-              <a:shade val="50000"/>
-            </a:schemeClr>
-          </a:lnRef>
-          <a:fillRef idx="1">
-            <a:schemeClr val="accent1"/>
-          </a:fillRef>
-          <a:effectRef idx="0">
-            <a:schemeClr val="accent1"/>
-          </a:effectRef>
-          <a:fontRef idx="minor">
-            <a:schemeClr val="lt1"/>
-          </a:fontRef>
-        </p:style>
-        <p:txBody>
-          <a:bodyPr rot="0" spcFirstLastPara="0" vert="horz" wrap="square" lIns="91440" tIns="45720" rIns="91440" bIns="45720" numCol="1" spcCol="0" rtlCol="0" fromWordArt="0" anchor="ctr" anchorCtr="0" forceAA="0" compatLnSpc="1">
-            <a:prstTxWarp prst="textNoShape">
-              <a:avLst/>
-            </a:prstTxWarp>
-            <a:noAutofit/>
-          </a:bodyPr>
-          <a:lstStyle/>
-          <a:p>
-            <a:pPr marL="0" marR="0" algn="ctr">
-              <a:spcBef>
-                <a:spcPts val="0"/>
-              </a:spcBef>
-              <a:spcAft>
-                <a:spcPts val="1000"/>
-              </a:spcAft>
-            </a:pPr>
-            <a:r>
-              <a:rPr lang="en-US" sz="2800" b="1" dirty="0" smtClean="0">
-                <a:ea typeface="Calibri"/>
-                <a:cs typeface="Cordia New"/>
-              </a:rPr>
-              <a:t>Continue</a:t>
-            </a:r>
-            <a:endParaRPr lang="en-US" sz="2800" dirty="0">
-              <a:effectLst/>
-              <a:ea typeface="Calibri"/>
-              <a:cs typeface="Cordia New"/>
-            </a:endParaRPr>
-          </a:p>
-        </p:txBody>
-      </p:sp>
       <p:sp>
         <p:nvSpPr>
           <p:cNvPr id="6" name="Pentagon 5"/>
@@ -7855,7 +6732,13 @@
           <a:p>
             <a:r>
               <a:rPr lang="en-US" sz="3200" dirty="0"/>
-              <a:t>Wait for user tap to continue</a:t>
+              <a:t>Stop your travel</a:t>
+            </a:r>
+          </a:p>
+          <a:p>
+            <a:r>
+              <a:rPr lang="en-US" sz="3200" dirty="0"/>
+              <a:t>Stop  program</a:t>
             </a:r>
           </a:p>
         </p:txBody>
@@ -7916,356 +6799,6 @@
                 <a:ea typeface="Calibri"/>
                 <a:cs typeface="Cordia New"/>
               </a:rPr>
-              <a:t>Pause</a:t>
-            </a:r>
-            <a:endParaRPr lang="en-US" sz="2800" dirty="0">
-              <a:effectLst/>
-              <a:ea typeface="Calibri"/>
-              <a:cs typeface="Cordia New"/>
-            </a:endParaRPr>
-          </a:p>
-        </p:txBody>
-      </p:sp>
-    </p:spTree>
-    <p:extLst>
-      <p:ext uri="{BB962C8B-B14F-4D97-AF65-F5344CB8AC3E}">
-        <p14:creationId xmlns:p14="http://schemas.microsoft.com/office/powerpoint/2010/main" xmlns="" val="819896303"/>
-      </p:ext>
-    </p:extLst>
-  </p:cSld>
-  <p:clrMapOvr>
-    <a:masterClrMapping/>
-  </p:clrMapOvr>
-  <p:timing>
-    <p:tnLst>
-      <p:par>
-        <p:cTn id="1" dur="indefinite" restart="never" nodeType="tmRoot">
-          <p:childTnLst>
-            <p:seq concurrent="1" nextAc="seek">
-              <p:cTn id="2" dur="indefinite" nodeType="mainSeq">
-                <p:childTnLst>
-                  <p:par>
-                    <p:cTn id="3" fill="hold">
-                      <p:stCondLst>
-                        <p:cond delay="indefinite"/>
-                      </p:stCondLst>
-                      <p:childTnLst>
-                        <p:par>
-                          <p:cTn id="4" fill="hold">
-                            <p:stCondLst>
-                              <p:cond delay="0"/>
-                            </p:stCondLst>
-                            <p:childTnLst>
-                              <p:par>
-                                <p:cTn id="5" presetID="10" presetClass="entr" presetSubtype="0" fill="hold" grpId="0" nodeType="clickEffect">
-                                  <p:stCondLst>
-                                    <p:cond delay="0"/>
-                                  </p:stCondLst>
-                                  <p:childTnLst>
-                                    <p:set>
-                                      <p:cBhvr>
-                                        <p:cTn id="6" dur="1" fill="hold">
-                                          <p:stCondLst>
-                                            <p:cond delay="0"/>
-                                          </p:stCondLst>
-                                        </p:cTn>
-                                        <p:tgtEl>
-                                          <p:spTgt spid="6"/>
-                                        </p:tgtEl>
-                                        <p:attrNameLst>
-                                          <p:attrName>style.visibility</p:attrName>
-                                        </p:attrNameLst>
-                                      </p:cBhvr>
-                                      <p:to>
-                                        <p:strVal val="visible"/>
-                                      </p:to>
-                                    </p:set>
-                                    <p:animEffect transition="in" filter="fade">
-                                      <p:cBhvr>
-                                        <p:cTn id="7" dur="500"/>
-                                        <p:tgtEl>
-                                          <p:spTgt spid="6"/>
-                                        </p:tgtEl>
-                                      </p:cBhvr>
-                                    </p:animEffect>
-                                  </p:childTnLst>
-                                </p:cTn>
-                              </p:par>
-                              <p:par>
-                                <p:cTn id="8" presetID="10" presetClass="entr" presetSubtype="0" fill="hold" grpId="0" nodeType="withEffect">
-                                  <p:stCondLst>
-                                    <p:cond delay="0"/>
-                                  </p:stCondLst>
-                                  <p:childTnLst>
-                                    <p:set>
-                                      <p:cBhvr>
-                                        <p:cTn id="9" dur="1" fill="hold">
-                                          <p:stCondLst>
-                                            <p:cond delay="0"/>
-                                          </p:stCondLst>
-                                        </p:cTn>
-                                        <p:tgtEl>
-                                          <p:spTgt spid="5"/>
-                                        </p:tgtEl>
-                                        <p:attrNameLst>
-                                          <p:attrName>style.visibility</p:attrName>
-                                        </p:attrNameLst>
-                                      </p:cBhvr>
-                                      <p:to>
-                                        <p:strVal val="visible"/>
-                                      </p:to>
-                                    </p:set>
-                                    <p:animEffect transition="in" filter="fade">
-                                      <p:cBhvr>
-                                        <p:cTn id="10" dur="500"/>
-                                        <p:tgtEl>
-                                          <p:spTgt spid="5"/>
-                                        </p:tgtEl>
-                                      </p:cBhvr>
-                                    </p:animEffect>
-                                  </p:childTnLst>
-                                </p:cTn>
-                              </p:par>
-                              <p:par>
-                                <p:cTn id="11" presetID="10" presetClass="entr" presetSubtype="0" fill="hold" grpId="0" nodeType="withEffect">
-                                  <p:stCondLst>
-                                    <p:cond delay="0"/>
-                                  </p:stCondLst>
-                                  <p:childTnLst>
-                                    <p:set>
-                                      <p:cBhvr>
-                                        <p:cTn id="12" dur="1" fill="hold">
-                                          <p:stCondLst>
-                                            <p:cond delay="0"/>
-                                          </p:stCondLst>
-                                        </p:cTn>
-                                        <p:tgtEl>
-                                          <p:spTgt spid="8"/>
-                                        </p:tgtEl>
-                                        <p:attrNameLst>
-                                          <p:attrName>style.visibility</p:attrName>
-                                        </p:attrNameLst>
-                                      </p:cBhvr>
-                                      <p:to>
-                                        <p:strVal val="visible"/>
-                                      </p:to>
-                                    </p:set>
-                                    <p:animEffect transition="in" filter="fade">
-                                      <p:cBhvr>
-                                        <p:cTn id="13" dur="500"/>
-                                        <p:tgtEl>
-                                          <p:spTgt spid="8"/>
-                                        </p:tgtEl>
-                                      </p:cBhvr>
-                                    </p:animEffect>
-                                  </p:childTnLst>
-                                </p:cTn>
-                              </p:par>
-                            </p:childTnLst>
-                          </p:cTn>
-                        </p:par>
-                      </p:childTnLst>
-                    </p:cTn>
-                  </p:par>
-                </p:childTnLst>
-              </p:cTn>
-              <p:prevCondLst>
-                <p:cond evt="onPrev" delay="0">
-                  <p:tgtEl>
-                    <p:sldTgt/>
-                  </p:tgtEl>
-                </p:cond>
-              </p:prevCondLst>
-              <p:nextCondLst>
-                <p:cond evt="onNext" delay="0">
-                  <p:tgtEl>
-                    <p:sldTgt/>
-                  </p:tgtEl>
-                </p:cond>
-              </p:nextCondLst>
-            </p:seq>
-          </p:childTnLst>
-        </p:cTn>
-      </p:par>
-    </p:tnLst>
-    <p:bldLst>
-      <p:bldP spid="5" grpId="0" animBg="1"/>
-      <p:bldP spid="6" grpId="0" animBg="1"/>
-      <p:bldP spid="8" grpId="0" animBg="1"/>
-    </p:bldLst>
-  </p:timing>
-</p:sld>
-</file>
-
-<file path=ppt/slides/slide7.xml><?xml version="1.0" encoding="utf-8"?>
-<p:sld xmlns:a="http://schemas.openxmlformats.org/drawingml/2006/main" xmlns:r="http://schemas.openxmlformats.org/officeDocument/2006/relationships" xmlns:p="http://schemas.openxmlformats.org/presentationml/2006/main">
-  <p:cSld>
-    <p:bg>
-      <p:bgPr>
-        <a:solidFill>
-          <a:schemeClr val="bg1"/>
-        </a:solidFill>
-        <a:effectLst/>
-      </p:bgPr>
-    </p:bg>
-    <p:spTree>
-      <p:nvGrpSpPr>
-        <p:cNvPr id="1" name=""/>
-        <p:cNvGrpSpPr/>
-        <p:nvPr/>
-      </p:nvGrpSpPr>
-      <p:grpSpPr>
-        <a:xfrm>
-          <a:off x="0" y="0"/>
-          <a:ext cx="0" cy="0"/>
-          <a:chOff x="0" y="0"/>
-          <a:chExt cx="0" cy="0"/>
-        </a:xfrm>
-      </p:grpSpPr>
-      <p:pic>
-        <p:nvPicPr>
-          <p:cNvPr id="4" name="Picture 3"/>
-          <p:cNvPicPr>
-            <a:picLocks noChangeAspect="1"/>
-          </p:cNvPicPr>
-          <p:nvPr/>
-        </p:nvPicPr>
-        <p:blipFill rotWithShape="1">
-          <a:blip r:embed="rId2" cstate="print">
-            <a:extLst>
-              <a:ext uri="{28A0092B-C50C-407E-A947-70E740481C1C}">
-                <a14:useLocalDpi xmlns:a14="http://schemas.microsoft.com/office/drawing/2010/main" xmlns="" val="0"/>
-              </a:ext>
-            </a:extLst>
-          </a:blip>
-          <a:srcRect l="31468" t="5245" r="31818" b="5594"/>
-          <a:stretch/>
-        </p:blipFill>
-        <p:spPr bwMode="auto">
-          <a:xfrm>
-            <a:off x="5300579" y="1634808"/>
-            <a:ext cx="1786021" cy="3470592"/>
-          </a:xfrm>
-          <a:prstGeom prst="rect">
-            <a:avLst/>
-          </a:prstGeom>
-          <a:ln>
-            <a:noFill/>
-          </a:ln>
-          <a:extLst>
-            <a:ext uri="{53640926-AAD7-44D8-BBD7-CCE9431645EC}">
-              <a14:shadowObscured xmlns:a14="http://schemas.microsoft.com/office/drawing/2010/main" xmlns=""/>
-            </a:ext>
-          </a:extLst>
-        </p:spPr>
-      </p:pic>
-      <p:sp>
-        <p:nvSpPr>
-          <p:cNvPr id="6" name="Pentagon 5"/>
-          <p:cNvSpPr/>
-          <p:nvPr/>
-        </p:nvSpPr>
-        <p:spPr>
-          <a:xfrm>
-            <a:off x="1371600" y="1922383"/>
-            <a:ext cx="3510519" cy="2620165"/>
-          </a:xfrm>
-          <a:prstGeom prst="homePlate">
-            <a:avLst/>
-          </a:prstGeom>
-        </p:spPr>
-        <p:style>
-          <a:lnRef idx="2">
-            <a:schemeClr val="accent1"/>
-          </a:lnRef>
-          <a:fillRef idx="1">
-            <a:schemeClr val="lt1"/>
-          </a:fillRef>
-          <a:effectRef idx="0">
-            <a:schemeClr val="accent1"/>
-          </a:effectRef>
-          <a:fontRef idx="minor">
-            <a:schemeClr val="dk1"/>
-          </a:fontRef>
-        </p:style>
-        <p:txBody>
-          <a:bodyPr rot="0" spcFirstLastPara="0" vert="horz" wrap="square" lIns="91440" tIns="45720" rIns="91440" bIns="45720" numCol="1" spcCol="0" rtlCol="0" fromWordArt="0" anchor="ctr" anchorCtr="0" forceAA="0" compatLnSpc="1">
-            <a:prstTxWarp prst="textNoShape">
-              <a:avLst/>
-            </a:prstTxWarp>
-            <a:noAutofit/>
-          </a:bodyPr>
-          <a:lstStyle/>
-          <a:p>
-            <a:r>
-              <a:rPr lang="en-US" sz="3200" dirty="0"/>
-              <a:t>Stop your travel</a:t>
-            </a:r>
-          </a:p>
-          <a:p>
-            <a:r>
-              <a:rPr lang="en-US" sz="3200" dirty="0"/>
-              <a:t>Stop  program</a:t>
-            </a:r>
-          </a:p>
-        </p:txBody>
-      </p:sp>
-      <p:sp>
-        <p:nvSpPr>
-          <p:cNvPr id="8" name="Flowchart: Alternate Process 7"/>
-          <p:cNvSpPr/>
-          <p:nvPr/>
-        </p:nvSpPr>
-        <p:spPr>
-          <a:xfrm>
-            <a:off x="1371600" y="1031621"/>
-            <a:ext cx="1173223" cy="644947"/>
-          </a:xfrm>
-          <a:prstGeom prst="flowChartAlternateProcess">
-            <a:avLst/>
-          </a:prstGeom>
-        </p:spPr>
-        <p:style>
-          <a:lnRef idx="2">
-            <a:schemeClr val="accent1">
-              <a:shade val="50000"/>
-            </a:schemeClr>
-          </a:lnRef>
-          <a:fillRef idx="1">
-            <a:schemeClr val="accent1"/>
-          </a:fillRef>
-          <a:effectRef idx="0">
-            <a:schemeClr val="accent1"/>
-          </a:effectRef>
-          <a:fontRef idx="minor">
-            <a:schemeClr val="lt1"/>
-          </a:fontRef>
-        </p:style>
-        <p:txBody>
-          <a:bodyPr rot="0" spcFirstLastPara="0" vert="horz" wrap="square" lIns="91440" tIns="45720" rIns="91440" bIns="45720" numCol="1" spcCol="0" rtlCol="0" fromWordArt="0" anchor="ctr" anchorCtr="0" forceAA="0" compatLnSpc="1">
-            <a:prstTxWarp prst="textNoShape">
-              <a:avLst/>
-            </a:prstTxWarp>
-            <a:noAutofit/>
-          </a:bodyPr>
-          <a:lstStyle/>
-          <a:p>
-            <a:pPr marL="0" marR="0" algn="ctr">
-              <a:lnSpc>
-                <a:spcPct val="115000"/>
-              </a:lnSpc>
-              <a:spcBef>
-                <a:spcPts val="0"/>
-              </a:spcBef>
-              <a:spcAft>
-                <a:spcPts val="1000"/>
-              </a:spcAft>
-            </a:pPr>
-            <a:r>
-              <a:rPr lang="en-US" sz="2800" b="1" dirty="0" smtClean="0">
-                <a:ea typeface="Calibri"/>
-                <a:cs typeface="Cordia New"/>
-              </a:rPr>
               <a:t>Stop</a:t>
             </a:r>
             <a:endParaRPr lang="en-US" sz="2800" dirty="0">
@@ -8345,7 +6878,7 @@
     </p:spTree>
     <p:extLst>
       <p:ext uri="{BB962C8B-B14F-4D97-AF65-F5344CB8AC3E}">
-        <p14:creationId xmlns:p14="http://schemas.microsoft.com/office/powerpoint/2010/main" xmlns="" val="785686850"/>
+        <p14:creationId xmlns:p14="http://schemas.microsoft.com/office/powerpoint/2010/main" val="785686850"/>
       </p:ext>
     </p:extLst>
   </p:cSld>
@@ -8531,7 +7064,7 @@
 </p:sld>
 </file>
 
-<file path=ppt/slides/slide8.xml><?xml version="1.0" encoding="utf-8"?>
+<file path=ppt/slides/slide11.xml><?xml version="1.0" encoding="utf-8"?>
 <p:sld xmlns:a="http://schemas.openxmlformats.org/drawingml/2006/main" xmlns:r="http://schemas.openxmlformats.org/officeDocument/2006/relationships" xmlns:p="http://schemas.openxmlformats.org/presentationml/2006/main">
   <p:cSld>
     <p:bg>
@@ -8568,7 +7101,7 @@
           <a:blip r:embed="rId2" cstate="print">
             <a:extLst>
               <a:ext uri="{28A0092B-C50C-407E-A947-70E740481C1C}">
-                <a14:useLocalDpi xmlns:a14="http://schemas.microsoft.com/office/drawing/2010/main" xmlns="" val="0"/>
+                <a14:useLocalDpi xmlns:a14="http://schemas.microsoft.com/office/drawing/2010/main" val="0"/>
               </a:ext>
             </a:extLst>
           </a:blip>
@@ -8588,7 +7121,7 @@
           </a:ln>
           <a:extLst>
             <a:ext uri="{53640926-AAD7-44D8-BBD7-CCE9431645EC}">
-              <a14:shadowObscured xmlns:a14="http://schemas.microsoft.com/office/drawing/2010/main" xmlns=""/>
+              <a14:shadowObscured xmlns:a14="http://schemas.microsoft.com/office/drawing/2010/main"/>
             </a:ext>
           </a:extLst>
         </p:spPr>
@@ -8730,7 +7263,7 @@
             <a:blip r:embed="rId3" cstate="print">
               <a:extLst>
                 <a:ext uri="{28A0092B-C50C-407E-A947-70E740481C1C}">
-                  <a14:useLocalDpi xmlns:a14="http://schemas.microsoft.com/office/drawing/2010/main" xmlns="" val="0"/>
+                  <a14:useLocalDpi xmlns:a14="http://schemas.microsoft.com/office/drawing/2010/main" val="0"/>
                 </a:ext>
               </a:extLst>
             </a:blip>
@@ -9597,7 +8130,7 @@
     </p:spTree>
     <p:extLst>
       <p:ext uri="{BB962C8B-B14F-4D97-AF65-F5344CB8AC3E}">
-        <p14:creationId xmlns:p14="http://schemas.microsoft.com/office/powerpoint/2010/main" xmlns="" val="215749748"/>
+        <p14:creationId xmlns:p14="http://schemas.microsoft.com/office/powerpoint/2010/main" val="215749748"/>
       </p:ext>
     </p:extLst>
   </p:cSld>
@@ -9775,6 +8308,1945 @@
       </p:par>
     </p:tnLst>
     <p:bldLst>
+      <p:bldP spid="6" grpId="0" animBg="1"/>
+      <p:bldP spid="8" grpId="0" animBg="1"/>
+    </p:bldLst>
+  </p:timing>
+</p:sld>
+</file>
+
+<file path=ppt/slides/slide2.xml><?xml version="1.0" encoding="utf-8"?>
+<p:sld xmlns:a="http://schemas.openxmlformats.org/drawingml/2006/main" xmlns:r="http://schemas.openxmlformats.org/officeDocument/2006/relationships" xmlns:p="http://schemas.openxmlformats.org/presentationml/2006/main">
+  <p:cSld>
+    <p:spTree>
+      <p:nvGrpSpPr>
+        <p:cNvPr id="1" name=""/>
+        <p:cNvGrpSpPr/>
+        <p:nvPr/>
+      </p:nvGrpSpPr>
+      <p:grpSpPr>
+        <a:xfrm>
+          <a:off x="0" y="0"/>
+          <a:ext cx="0" cy="0"/>
+          <a:chOff x="0" y="0"/>
+          <a:chExt cx="0" cy="0"/>
+        </a:xfrm>
+      </p:grpSpPr>
+      <p:sp>
+        <p:nvSpPr>
+          <p:cNvPr id="4" name="Title 3"/>
+          <p:cNvSpPr>
+            <a:spLocks noGrp="1"/>
+          </p:cNvSpPr>
+          <p:nvPr>
+            <p:ph type="title"/>
+          </p:nvPr>
+        </p:nvSpPr>
+        <p:spPr/>
+        <p:txBody>
+          <a:bodyPr/>
+          <a:lstStyle/>
+          <a:p>
+            <a:r>
+              <a:rPr lang="th-TH" dirty="0" smtClean="0"/>
+              <a:t>ทำไมจึงทำโครงงานนี้</a:t>
+            </a:r>
+            <a:endParaRPr lang="en-US" dirty="0"/>
+          </a:p>
+        </p:txBody>
+      </p:sp>
+      <p:sp>
+        <p:nvSpPr>
+          <p:cNvPr id="5" name="Content Placeholder 4"/>
+          <p:cNvSpPr>
+            <a:spLocks noGrp="1"/>
+          </p:cNvSpPr>
+          <p:nvPr>
+            <p:ph idx="1"/>
+          </p:nvPr>
+        </p:nvSpPr>
+        <p:spPr/>
+        <p:txBody>
+          <a:bodyPr/>
+          <a:lstStyle/>
+          <a:p>
+            <a:r>
+              <a:rPr lang="th-TH" dirty="0" smtClean="0"/>
+              <a:t>ทำอะไร</a:t>
+            </a:r>
+          </a:p>
+          <a:p>
+            <a:r>
+              <a:rPr lang="th-TH" dirty="0" smtClean="0"/>
+              <a:t>ทำไปทำไม</a:t>
+            </a:r>
+          </a:p>
+          <a:p>
+            <a:r>
+              <a:rPr lang="th-TH" dirty="0" smtClean="0"/>
+              <a:t>ต่างจากชาวบ้นเค้ายังไง</a:t>
+            </a:r>
+          </a:p>
+          <a:p>
+            <a:r>
+              <a:rPr lang="th-TH" dirty="0" smtClean="0"/>
+              <a:t>จะส่งอะไร</a:t>
+            </a:r>
+            <a:endParaRPr lang="en-US" dirty="0"/>
+          </a:p>
+        </p:txBody>
+      </p:sp>
+    </p:spTree>
+    <p:extLst>
+      <p:ext uri="{BB962C8B-B14F-4D97-AF65-F5344CB8AC3E}">
+        <p14:creationId xmlns:p14="http://schemas.microsoft.com/office/powerpoint/2010/main" val="96058202"/>
+      </p:ext>
+    </p:extLst>
+  </p:cSld>
+  <p:clrMapOvr>
+    <a:masterClrMapping/>
+  </p:clrMapOvr>
+  <p:timing>
+    <p:tnLst>
+      <p:par>
+        <p:cTn id="1" dur="indefinite" restart="never" nodeType="tmRoot"/>
+      </p:par>
+    </p:tnLst>
+  </p:timing>
+</p:sld>
+</file>
+
+<file path=ppt/slides/slide3.xml><?xml version="1.0" encoding="utf-8"?>
+<p:sld xmlns:a="http://schemas.openxmlformats.org/drawingml/2006/main" xmlns:r="http://schemas.openxmlformats.org/officeDocument/2006/relationships" xmlns:p="http://schemas.openxmlformats.org/presentationml/2006/main">
+  <p:cSld>
+    <p:spTree>
+      <p:nvGrpSpPr>
+        <p:cNvPr id="1" name=""/>
+        <p:cNvGrpSpPr/>
+        <p:nvPr/>
+      </p:nvGrpSpPr>
+      <p:grpSpPr>
+        <a:xfrm>
+          <a:off x="0" y="0"/>
+          <a:ext cx="0" cy="0"/>
+          <a:chOff x="0" y="0"/>
+          <a:chExt cx="0" cy="0"/>
+        </a:xfrm>
+      </p:grpSpPr>
+      <p:sp>
+        <p:nvSpPr>
+          <p:cNvPr id="4" name="Title 3"/>
+          <p:cNvSpPr>
+            <a:spLocks noGrp="1"/>
+          </p:cNvSpPr>
+          <p:nvPr>
+            <p:ph type="title"/>
+          </p:nvPr>
+        </p:nvSpPr>
+        <p:spPr/>
+        <p:txBody>
+          <a:bodyPr/>
+          <a:lstStyle/>
+          <a:p>
+            <a:r>
+              <a:rPr lang="th-TH" dirty="0" smtClean="0"/>
+              <a:t>วัตถุประสงค์ของโครงงาน</a:t>
+            </a:r>
+            <a:endParaRPr lang="en-US" dirty="0"/>
+          </a:p>
+        </p:txBody>
+      </p:sp>
+      <p:sp>
+        <p:nvSpPr>
+          <p:cNvPr id="5" name="Content Placeholder 4"/>
+          <p:cNvSpPr>
+            <a:spLocks noGrp="1"/>
+          </p:cNvSpPr>
+          <p:nvPr>
+            <p:ph idx="1"/>
+          </p:nvPr>
+        </p:nvSpPr>
+        <p:spPr/>
+        <p:txBody>
+          <a:bodyPr/>
+          <a:lstStyle/>
+          <a:p>
+            <a:r>
+              <a:rPr lang="th-TH" sz="4000" dirty="0" smtClean="0"/>
+              <a:t>เพื่อบันทึกเส้นทางที่ได้เคยไปมาแล้ว</a:t>
+            </a:r>
+          </a:p>
+          <a:p>
+            <a:r>
+              <a:rPr lang="th-TH" sz="4000" dirty="0" smtClean="0"/>
+              <a:t>สามารถบอกได้ว่าพิกัดนั้นๆคือ สถานที่อะไร</a:t>
+            </a:r>
+          </a:p>
+          <a:p>
+            <a:r>
+              <a:rPr lang="th-TH" sz="4000" dirty="0" smtClean="0"/>
+              <a:t>สามารถใช้ในทางการสำรวจพื้นที่ได้</a:t>
+            </a:r>
+          </a:p>
+          <a:p>
+            <a:r>
+              <a:rPr lang="th-TH" sz="4000" dirty="0" smtClean="0"/>
+              <a:t>เป็นประโยชน์ต่อการท่องเที่ยว และความรู้สึกหลังจากการท่องเที่ยว</a:t>
+            </a:r>
+          </a:p>
+          <a:p>
+            <a:endParaRPr lang="th-TH" dirty="0" smtClean="0"/>
+          </a:p>
+          <a:p>
+            <a:endParaRPr lang="en-US" dirty="0"/>
+          </a:p>
+        </p:txBody>
+      </p:sp>
+    </p:spTree>
+    <p:extLst>
+      <p:ext uri="{BB962C8B-B14F-4D97-AF65-F5344CB8AC3E}">
+        <p14:creationId xmlns:p14="http://schemas.microsoft.com/office/powerpoint/2010/main" val="1897534785"/>
+      </p:ext>
+    </p:extLst>
+  </p:cSld>
+  <p:clrMapOvr>
+    <a:masterClrMapping/>
+  </p:clrMapOvr>
+  <p:timing>
+    <p:tnLst>
+      <p:par>
+        <p:cTn id="1" dur="indefinite" restart="never" nodeType="tmRoot"/>
+      </p:par>
+    </p:tnLst>
+  </p:timing>
+</p:sld>
+</file>
+
+<file path=ppt/slides/slide4.xml><?xml version="1.0" encoding="utf-8"?>
+<p:sld xmlns:a="http://schemas.openxmlformats.org/drawingml/2006/main" xmlns:r="http://schemas.openxmlformats.org/officeDocument/2006/relationships" xmlns:p="http://schemas.openxmlformats.org/presentationml/2006/main">
+  <p:cSld>
+    <p:spTree>
+      <p:nvGrpSpPr>
+        <p:cNvPr id="1" name=""/>
+        <p:cNvGrpSpPr/>
+        <p:nvPr/>
+      </p:nvGrpSpPr>
+      <p:grpSpPr>
+        <a:xfrm>
+          <a:off x="0" y="0"/>
+          <a:ext cx="0" cy="0"/>
+          <a:chOff x="0" y="0"/>
+          <a:chExt cx="0" cy="0"/>
+        </a:xfrm>
+      </p:grpSpPr>
+      <p:sp>
+        <p:nvSpPr>
+          <p:cNvPr id="4" name="Title 3"/>
+          <p:cNvSpPr>
+            <a:spLocks noGrp="1"/>
+          </p:cNvSpPr>
+          <p:nvPr>
+            <p:ph type="title"/>
+          </p:nvPr>
+        </p:nvSpPr>
+        <p:spPr/>
+        <p:txBody>
+          <a:bodyPr/>
+          <a:lstStyle/>
+          <a:p>
+            <a:r>
+              <a:rPr lang="th-TH" dirty="0" smtClean="0"/>
+              <a:t>แตกต่างจากโปรแกรมอื่นๆอย่างไร</a:t>
+            </a:r>
+            <a:endParaRPr lang="en-US" dirty="0"/>
+          </a:p>
+        </p:txBody>
+      </p:sp>
+      <p:sp>
+        <p:nvSpPr>
+          <p:cNvPr id="5" name="Content Placeholder 4"/>
+          <p:cNvSpPr>
+            <a:spLocks noGrp="1"/>
+          </p:cNvSpPr>
+          <p:nvPr>
+            <p:ph idx="1"/>
+          </p:nvPr>
+        </p:nvSpPr>
+        <p:spPr/>
+        <p:txBody>
+          <a:bodyPr/>
+          <a:lstStyle/>
+          <a:p>
+            <a:pPr marL="0" indent="0">
+              <a:buNone/>
+            </a:pPr>
+            <a:endParaRPr lang="th-TH" dirty="0" smtClean="0"/>
+          </a:p>
+          <a:p>
+            <a:endParaRPr lang="en-US" dirty="0"/>
+          </a:p>
+        </p:txBody>
+      </p:sp>
+      <p:pic>
+        <p:nvPicPr>
+          <p:cNvPr id="1026" name="Picture 2" descr="C:\Users\JOeCole\Desktop\telenav-gps-navigator-on-android.jpg"/>
+          <p:cNvPicPr>
+            <a:picLocks noChangeAspect="1" noChangeArrowheads="1"/>
+          </p:cNvPicPr>
+          <p:nvPr/>
+        </p:nvPicPr>
+        <p:blipFill>
+          <a:blip r:embed="rId2">
+            <a:extLst>
+              <a:ext uri="{28A0092B-C50C-407E-A947-70E740481C1C}">
+                <a14:useLocalDpi xmlns:a14="http://schemas.microsoft.com/office/drawing/2010/main" val="0"/>
+              </a:ext>
+            </a:extLst>
+          </a:blip>
+          <a:srcRect/>
+          <a:stretch>
+            <a:fillRect/>
+          </a:stretch>
+        </p:blipFill>
+        <p:spPr bwMode="auto">
+          <a:xfrm>
+            <a:off x="2514600" y="1881613"/>
+            <a:ext cx="1324230" cy="2209800"/>
+          </a:xfrm>
+          <a:prstGeom prst="rect">
+            <a:avLst/>
+          </a:prstGeom>
+          <a:noFill/>
+          <a:extLst>
+            <a:ext uri="{909E8E84-426E-40DD-AFC4-6F175D3DCCD1}">
+              <a14:hiddenFill xmlns:a14="http://schemas.microsoft.com/office/drawing/2010/main">
+                <a:solidFill>
+                  <a:srgbClr val="FFFFFF"/>
+                </a:solidFill>
+              </a14:hiddenFill>
+            </a:ext>
+          </a:extLst>
+        </p:spPr>
+      </p:pic>
+      <p:pic>
+        <p:nvPicPr>
+          <p:cNvPr id="1027" name="Picture 3" descr="C:\Users\JOeCole\Desktop\image2.png"/>
+          <p:cNvPicPr>
+            <a:picLocks noChangeAspect="1" noChangeArrowheads="1"/>
+          </p:cNvPicPr>
+          <p:nvPr/>
+        </p:nvPicPr>
+        <p:blipFill>
+          <a:blip r:embed="rId3" cstate="print">
+            <a:extLst>
+              <a:ext uri="{28A0092B-C50C-407E-A947-70E740481C1C}">
+                <a14:useLocalDpi xmlns:a14="http://schemas.microsoft.com/office/drawing/2010/main" val="0"/>
+              </a:ext>
+            </a:extLst>
+          </a:blip>
+          <a:srcRect/>
+          <a:stretch>
+            <a:fillRect/>
+          </a:stretch>
+        </p:blipFill>
+        <p:spPr bwMode="auto">
+          <a:xfrm>
+            <a:off x="762000" y="3429000"/>
+            <a:ext cx="1331495" cy="2368952"/>
+          </a:xfrm>
+          <a:prstGeom prst="rect">
+            <a:avLst/>
+          </a:prstGeom>
+          <a:noFill/>
+          <a:extLst>
+            <a:ext uri="{909E8E84-426E-40DD-AFC4-6F175D3DCCD1}">
+              <a14:hiddenFill xmlns:a14="http://schemas.microsoft.com/office/drawing/2010/main">
+                <a:solidFill>
+                  <a:srgbClr val="FFFFFF"/>
+                </a:solidFill>
+              </a14:hiddenFill>
+            </a:ext>
+          </a:extLst>
+        </p:spPr>
+      </p:pic>
+      <p:pic>
+        <p:nvPicPr>
+          <p:cNvPr id="1029" name="Picture 5" descr="C:\Users\JOeCole\Desktop\TN-655531_NAVIGON_MobileNavigator_Android_MapView.png.jpg"/>
+          <p:cNvPicPr>
+            <a:picLocks noChangeAspect="1" noChangeArrowheads="1"/>
+          </p:cNvPicPr>
+          <p:nvPr/>
+        </p:nvPicPr>
+        <p:blipFill>
+          <a:blip r:embed="rId4">
+            <a:extLst>
+              <a:ext uri="{28A0092B-C50C-407E-A947-70E740481C1C}">
+                <a14:useLocalDpi xmlns:a14="http://schemas.microsoft.com/office/drawing/2010/main" val="0"/>
+              </a:ext>
+            </a:extLst>
+          </a:blip>
+          <a:srcRect/>
+          <a:stretch>
+            <a:fillRect/>
+          </a:stretch>
+        </p:blipFill>
+        <p:spPr bwMode="auto">
+          <a:xfrm>
+            <a:off x="7086600" y="2604198"/>
+            <a:ext cx="1447800" cy="2303318"/>
+          </a:xfrm>
+          <a:prstGeom prst="rect">
+            <a:avLst/>
+          </a:prstGeom>
+          <a:noFill/>
+          <a:extLst>
+            <a:ext uri="{909E8E84-426E-40DD-AFC4-6F175D3DCCD1}">
+              <a14:hiddenFill xmlns:a14="http://schemas.microsoft.com/office/drawing/2010/main">
+                <a:solidFill>
+                  <a:srgbClr val="FFFFFF"/>
+                </a:solidFill>
+              </a14:hiddenFill>
+            </a:ext>
+          </a:extLst>
+        </p:spPr>
+      </p:pic>
+      <p:pic>
+        <p:nvPicPr>
+          <p:cNvPr id="1030" name="Picture 6" descr="C:\Users\JOeCole\Desktop\telenav-gps-navigator-for-t-mobile-g1.jpg"/>
+          <p:cNvPicPr>
+            <a:picLocks noChangeAspect="1" noChangeArrowheads="1"/>
+          </p:cNvPicPr>
+          <p:nvPr/>
+        </p:nvPicPr>
+        <p:blipFill>
+          <a:blip r:embed="rId5">
+            <a:extLst>
+              <a:ext uri="{28A0092B-C50C-407E-A947-70E740481C1C}">
+                <a14:useLocalDpi xmlns:a14="http://schemas.microsoft.com/office/drawing/2010/main" val="0"/>
+              </a:ext>
+            </a:extLst>
+          </a:blip>
+          <a:srcRect/>
+          <a:stretch>
+            <a:fillRect/>
+          </a:stretch>
+        </p:blipFill>
+        <p:spPr bwMode="auto">
+          <a:xfrm>
+            <a:off x="4267200" y="2308692"/>
+            <a:ext cx="2222842" cy="3040063"/>
+          </a:xfrm>
+          <a:prstGeom prst="rect">
+            <a:avLst/>
+          </a:prstGeom>
+          <a:noFill/>
+          <a:extLst>
+            <a:ext uri="{909E8E84-426E-40DD-AFC4-6F175D3DCCD1}">
+              <a14:hiddenFill xmlns:a14="http://schemas.microsoft.com/office/drawing/2010/main">
+                <a:solidFill>
+                  <a:srgbClr val="FFFFFF"/>
+                </a:solidFill>
+              </a14:hiddenFill>
+            </a:ext>
+          </a:extLst>
+        </p:spPr>
+      </p:pic>
+    </p:spTree>
+    <p:extLst>
+      <p:ext uri="{BB962C8B-B14F-4D97-AF65-F5344CB8AC3E}">
+        <p14:creationId xmlns:p14="http://schemas.microsoft.com/office/powerpoint/2010/main" val="1312023503"/>
+      </p:ext>
+    </p:extLst>
+  </p:cSld>
+  <p:clrMapOvr>
+    <a:masterClrMapping/>
+  </p:clrMapOvr>
+  <p:timing>
+    <p:tnLst>
+      <p:par>
+        <p:cTn id="1" dur="indefinite" restart="never" nodeType="tmRoot"/>
+      </p:par>
+    </p:tnLst>
+  </p:timing>
+</p:sld>
+</file>
+
+<file path=ppt/slides/slide5.xml><?xml version="1.0" encoding="utf-8"?>
+<p:sld xmlns:a="http://schemas.openxmlformats.org/drawingml/2006/main" xmlns:r="http://schemas.openxmlformats.org/officeDocument/2006/relationships" xmlns:p="http://schemas.openxmlformats.org/presentationml/2006/main">
+  <p:cSld>
+    <p:spTree>
+      <p:nvGrpSpPr>
+        <p:cNvPr id="1" name=""/>
+        <p:cNvGrpSpPr/>
+        <p:nvPr/>
+      </p:nvGrpSpPr>
+      <p:grpSpPr>
+        <a:xfrm>
+          <a:off x="0" y="0"/>
+          <a:ext cx="0" cy="0"/>
+          <a:chOff x="0" y="0"/>
+          <a:chExt cx="0" cy="0"/>
+        </a:xfrm>
+      </p:grpSpPr>
+      <p:sp>
+        <p:nvSpPr>
+          <p:cNvPr id="2" name="Title 1"/>
+          <p:cNvSpPr>
+            <a:spLocks noGrp="1"/>
+          </p:cNvSpPr>
+          <p:nvPr>
+            <p:ph type="title"/>
+          </p:nvPr>
+        </p:nvSpPr>
+        <p:spPr/>
+        <p:txBody>
+          <a:bodyPr/>
+          <a:lstStyle/>
+          <a:p>
+            <a:r>
+              <a:rPr lang="th-TH" dirty="0" smtClean="0"/>
+              <a:t>ความสามารถของโปรแกรม</a:t>
+            </a:r>
+            <a:endParaRPr lang="en-US" dirty="0"/>
+          </a:p>
+        </p:txBody>
+      </p:sp>
+      <p:sp>
+        <p:nvSpPr>
+          <p:cNvPr id="3" name="Content Placeholder 2"/>
+          <p:cNvSpPr>
+            <a:spLocks noGrp="1"/>
+          </p:cNvSpPr>
+          <p:nvPr>
+            <p:ph idx="1"/>
+          </p:nvPr>
+        </p:nvSpPr>
+        <p:spPr/>
+        <p:txBody>
+          <a:bodyPr>
+            <a:normAutofit/>
+          </a:bodyPr>
+          <a:lstStyle/>
+          <a:p>
+            <a:r>
+              <a:rPr lang="th-TH" sz="4000" dirty="0" smtClean="0"/>
+              <a:t>จดจำเส้นทางที่ไปมาแล้วได้</a:t>
+            </a:r>
+          </a:p>
+          <a:p>
+            <a:r>
+              <a:rPr lang="th-TH" sz="4000" dirty="0" smtClean="0"/>
+              <a:t>สามารถติดป้ายชื่อ พิกัดนั้นๆ ว่าเป็นสถานที่อะไรได้</a:t>
+            </a:r>
+          </a:p>
+          <a:p>
+            <a:r>
+              <a:rPr lang="th-TH" sz="4000" dirty="0" smtClean="0"/>
+              <a:t>หยุดบันทึกชั่วคราว และกลับมาบันทึกต่อได้</a:t>
+            </a:r>
+          </a:p>
+          <a:p>
+            <a:r>
+              <a:rPr lang="th-TH" sz="4000" dirty="0" smtClean="0"/>
+              <a:t>สรุปข้อมูลการเดินทาง เวลาทั้งหมด ความเร็วเฉลี่ย อาจรวมถึง ระยะทาง ชื่อเส้นทางที่ผ่านมา </a:t>
+            </a:r>
+            <a:endParaRPr lang="en-US" sz="4000" dirty="0"/>
+          </a:p>
+        </p:txBody>
+      </p:sp>
+    </p:spTree>
+    <p:extLst>
+      <p:ext uri="{BB962C8B-B14F-4D97-AF65-F5344CB8AC3E}">
+        <p14:creationId xmlns:p14="http://schemas.microsoft.com/office/powerpoint/2010/main" val="1630400559"/>
+      </p:ext>
+    </p:extLst>
+  </p:cSld>
+  <p:clrMapOvr>
+    <a:masterClrMapping/>
+  </p:clrMapOvr>
+</p:sld>
+</file>
+
+<file path=ppt/slides/slide6.xml><?xml version="1.0" encoding="utf-8"?>
+<p:sld xmlns:a="http://schemas.openxmlformats.org/drawingml/2006/main" xmlns:r="http://schemas.openxmlformats.org/officeDocument/2006/relationships" xmlns:p="http://schemas.openxmlformats.org/presentationml/2006/main">
+  <p:cSld>
+    <p:spTree>
+      <p:nvGrpSpPr>
+        <p:cNvPr id="1" name=""/>
+        <p:cNvGrpSpPr/>
+        <p:nvPr/>
+      </p:nvGrpSpPr>
+      <p:grpSpPr>
+        <a:xfrm>
+          <a:off x="0" y="0"/>
+          <a:ext cx="0" cy="0"/>
+          <a:chOff x="0" y="0"/>
+          <a:chExt cx="0" cy="0"/>
+        </a:xfrm>
+      </p:grpSpPr>
+      <p:sp>
+        <p:nvSpPr>
+          <p:cNvPr id="2" name="Title 1"/>
+          <p:cNvSpPr>
+            <a:spLocks noGrp="1"/>
+          </p:cNvSpPr>
+          <p:nvPr>
+            <p:ph type="title"/>
+          </p:nvPr>
+        </p:nvSpPr>
+        <p:spPr/>
+        <p:txBody>
+          <a:bodyPr>
+            <a:normAutofit/>
+          </a:bodyPr>
+          <a:lstStyle/>
+          <a:p>
+            <a:r>
+              <a:rPr lang="th-TH" sz="6000" b="1" dirty="0" smtClean="0"/>
+              <a:t>หลักการทำงานของโปรแกรม</a:t>
+            </a:r>
+            <a:endParaRPr lang="en-US" sz="6000" b="1" dirty="0"/>
+          </a:p>
+        </p:txBody>
+      </p:sp>
+      <p:graphicFrame>
+        <p:nvGraphicFramePr>
+          <p:cNvPr id="4" name="Content Placeholder 3"/>
+          <p:cNvGraphicFramePr>
+            <a:graphicFrameLocks noGrp="1"/>
+          </p:cNvGraphicFramePr>
+          <p:nvPr>
+            <p:ph idx="1"/>
+            <p:extLst>
+              <p:ext uri="{D42A27DB-BD31-4B8C-83A1-F6EECF244321}">
+                <p14:modId xmlns:p14="http://schemas.microsoft.com/office/powerpoint/2010/main" val="2217264932"/>
+              </p:ext>
+            </p:extLst>
+          </p:nvPr>
+        </p:nvGraphicFramePr>
+        <p:xfrm>
+          <a:off x="3771900" y="1295400"/>
+          <a:ext cx="5067300" cy="4343400"/>
+        </p:xfrm>
+        <a:graphic>
+          <a:graphicData uri="http://schemas.openxmlformats.org/drawingml/2006/diagram">
+            <dgm:relIds xmlns:dgm="http://schemas.openxmlformats.org/drawingml/2006/diagram" xmlns:r="http://schemas.openxmlformats.org/officeDocument/2006/relationships" r:dm="rId2" r:lo="rId3" r:qs="rId4" r:cs="rId5"/>
+          </a:graphicData>
+        </a:graphic>
+      </p:graphicFrame>
+      <p:pic>
+        <p:nvPicPr>
+          <p:cNvPr id="5" name="Picture 4"/>
+          <p:cNvPicPr>
+            <a:picLocks noChangeAspect="1"/>
+          </p:cNvPicPr>
+          <p:nvPr/>
+        </p:nvPicPr>
+        <p:blipFill>
+          <a:blip r:embed="rId7" cstate="print">
+            <a:extLst>
+              <a:ext uri="{28A0092B-C50C-407E-A947-70E740481C1C}">
+                <a14:useLocalDpi xmlns:a14="http://schemas.microsoft.com/office/drawing/2010/main" val="0"/>
+              </a:ext>
+            </a:extLst>
+          </a:blip>
+          <a:stretch>
+            <a:fillRect/>
+          </a:stretch>
+        </p:blipFill>
+        <p:spPr>
+          <a:xfrm>
+            <a:off x="5638800" y="5410200"/>
+            <a:ext cx="1219200" cy="1219200"/>
+          </a:xfrm>
+          <a:prstGeom prst="rect">
+            <a:avLst/>
+          </a:prstGeom>
+        </p:spPr>
+      </p:pic>
+      <p:pic>
+        <p:nvPicPr>
+          <p:cNvPr id="1028" name="Picture 4" descr="C:\Users\JOeCole\AppData\Local\Microsoft\Windows\Temporary Internet Files\Content.IE5\99KOCIIL\MC900433922[1].png"/>
+          <p:cNvPicPr>
+            <a:picLocks noChangeAspect="1" noChangeArrowheads="1"/>
+          </p:cNvPicPr>
+          <p:nvPr/>
+        </p:nvPicPr>
+        <p:blipFill>
+          <a:blip r:embed="rId8" cstate="print">
+            <a:extLst>
+              <a:ext uri="{28A0092B-C50C-407E-A947-70E740481C1C}">
+                <a14:useLocalDpi xmlns:a14="http://schemas.microsoft.com/office/drawing/2010/main" val="0"/>
+              </a:ext>
+            </a:extLst>
+          </a:blip>
+          <a:srcRect/>
+          <a:stretch>
+            <a:fillRect/>
+          </a:stretch>
+        </p:blipFill>
+        <p:spPr bwMode="auto">
+          <a:xfrm flipH="1">
+            <a:off x="685800" y="1600200"/>
+            <a:ext cx="2057400" cy="2057400"/>
+          </a:xfrm>
+          <a:prstGeom prst="rect">
+            <a:avLst/>
+          </a:prstGeom>
+          <a:noFill/>
+          <a:extLst>
+            <a:ext uri="{909E8E84-426E-40DD-AFC4-6F175D3DCCD1}">
+              <a14:hiddenFill xmlns:a14="http://schemas.microsoft.com/office/drawing/2010/main">
+                <a:solidFill>
+                  <a:srgbClr val="FFFFFF"/>
+                </a:solidFill>
+              </a14:hiddenFill>
+            </a:ext>
+          </a:extLst>
+        </p:spPr>
+      </p:pic>
+      <p:cxnSp>
+        <p:nvCxnSpPr>
+          <p:cNvPr id="9" name="Straight Arrow Connector 8"/>
+          <p:cNvCxnSpPr/>
+          <p:nvPr/>
+        </p:nvCxnSpPr>
+        <p:spPr>
+          <a:xfrm>
+            <a:off x="2743200" y="2857500"/>
+            <a:ext cx="1981200" cy="495300"/>
+          </a:xfrm>
+          <a:prstGeom prst="straightConnector1">
+            <a:avLst/>
+          </a:prstGeom>
+          <a:ln>
+            <a:tailEnd type="arrow"/>
+          </a:ln>
+        </p:spPr>
+        <p:style>
+          <a:lnRef idx="3">
+            <a:schemeClr val="dk1"/>
+          </a:lnRef>
+          <a:fillRef idx="0">
+            <a:schemeClr val="dk1"/>
+          </a:fillRef>
+          <a:effectRef idx="2">
+            <a:schemeClr val="dk1"/>
+          </a:effectRef>
+          <a:fontRef idx="minor">
+            <a:schemeClr val="tx1"/>
+          </a:fontRef>
+        </p:style>
+      </p:cxnSp>
+    </p:spTree>
+    <p:extLst>
+      <p:ext uri="{BB962C8B-B14F-4D97-AF65-F5344CB8AC3E}">
+        <p14:creationId xmlns:p14="http://schemas.microsoft.com/office/powerpoint/2010/main" val="1015130875"/>
+      </p:ext>
+    </p:extLst>
+  </p:cSld>
+  <p:clrMapOvr>
+    <a:masterClrMapping/>
+  </p:clrMapOvr>
+  <p:timing>
+    <p:tnLst>
+      <p:par>
+        <p:cTn id="1" dur="indefinite" restart="never" nodeType="tmRoot"/>
+      </p:par>
+    </p:tnLst>
+  </p:timing>
+</p:sld>
+</file>
+
+<file path=ppt/slides/slide7.xml><?xml version="1.0" encoding="utf-8"?>
+<p:sld xmlns:a="http://schemas.openxmlformats.org/drawingml/2006/main" xmlns:r="http://schemas.openxmlformats.org/officeDocument/2006/relationships" xmlns:p="http://schemas.openxmlformats.org/presentationml/2006/main">
+  <p:cSld>
+    <p:bg>
+      <p:bgPr>
+        <a:solidFill>
+          <a:schemeClr val="bg1"/>
+        </a:solidFill>
+        <a:effectLst/>
+      </p:bgPr>
+    </p:bg>
+    <p:spTree>
+      <p:nvGrpSpPr>
+        <p:cNvPr id="1" name=""/>
+        <p:cNvGrpSpPr/>
+        <p:nvPr/>
+      </p:nvGrpSpPr>
+      <p:grpSpPr>
+        <a:xfrm>
+          <a:off x="0" y="0"/>
+          <a:ext cx="0" cy="0"/>
+          <a:chOff x="0" y="0"/>
+          <a:chExt cx="0" cy="0"/>
+        </a:xfrm>
+      </p:grpSpPr>
+      <p:pic>
+        <p:nvPicPr>
+          <p:cNvPr id="13" name="Picture 12"/>
+          <p:cNvPicPr>
+            <a:picLocks noChangeAspect="1"/>
+          </p:cNvPicPr>
+          <p:nvPr/>
+        </p:nvPicPr>
+        <p:blipFill rotWithShape="1">
+          <a:blip r:embed="rId3" cstate="print">
+            <a:extLst>
+              <a:ext uri="{28A0092B-C50C-407E-A947-70E740481C1C}">
+                <a14:useLocalDpi xmlns:a14="http://schemas.microsoft.com/office/drawing/2010/main" val="0"/>
+              </a:ext>
+            </a:extLst>
+          </a:blip>
+          <a:srcRect l="31468" t="5245" r="31818" b="5594"/>
+          <a:stretch/>
+        </p:blipFill>
+        <p:spPr bwMode="auto">
+          <a:xfrm>
+            <a:off x="5300579" y="1634808"/>
+            <a:ext cx="1786021" cy="3470592"/>
+          </a:xfrm>
+          <a:prstGeom prst="rect">
+            <a:avLst/>
+          </a:prstGeom>
+          <a:ln>
+            <a:noFill/>
+          </a:ln>
+          <a:extLst>
+            <a:ext uri="{53640926-AAD7-44D8-BBD7-CCE9431645EC}">
+              <a14:shadowObscured xmlns:a14="http://schemas.microsoft.com/office/drawing/2010/main"/>
+            </a:ext>
+          </a:extLst>
+        </p:spPr>
+      </p:pic>
+      <p:sp>
+        <p:nvSpPr>
+          <p:cNvPr id="14" name="Flowchart: Alternate Process 13"/>
+          <p:cNvSpPr/>
+          <p:nvPr/>
+        </p:nvSpPr>
+        <p:spPr>
+          <a:xfrm>
+            <a:off x="5606753" y="2587519"/>
+            <a:ext cx="1173223" cy="644947"/>
+          </a:xfrm>
+          <a:prstGeom prst="flowChartAlternateProcess">
+            <a:avLst/>
+          </a:prstGeom>
+        </p:spPr>
+        <p:style>
+          <a:lnRef idx="2">
+            <a:schemeClr val="accent1">
+              <a:shade val="50000"/>
+            </a:schemeClr>
+          </a:lnRef>
+          <a:fillRef idx="1">
+            <a:schemeClr val="accent1"/>
+          </a:fillRef>
+          <a:effectRef idx="0">
+            <a:schemeClr val="accent1"/>
+          </a:effectRef>
+          <a:fontRef idx="minor">
+            <a:schemeClr val="lt1"/>
+          </a:fontRef>
+        </p:style>
+        <p:txBody>
+          <a:bodyPr rot="0" spcFirstLastPara="0" vert="horz" wrap="square" lIns="91440" tIns="45720" rIns="91440" bIns="45720" numCol="1" spcCol="0" rtlCol="0" fromWordArt="0" anchor="ctr" anchorCtr="0" forceAA="0" compatLnSpc="1">
+            <a:prstTxWarp prst="textNoShape">
+              <a:avLst/>
+            </a:prstTxWarp>
+            <a:noAutofit/>
+          </a:bodyPr>
+          <a:lstStyle/>
+          <a:p>
+            <a:pPr marL="0" marR="0" algn="ctr">
+              <a:lnSpc>
+                <a:spcPct val="115000"/>
+              </a:lnSpc>
+              <a:spcBef>
+                <a:spcPts val="0"/>
+              </a:spcBef>
+              <a:spcAft>
+                <a:spcPts val="1000"/>
+              </a:spcAft>
+            </a:pPr>
+            <a:r>
+              <a:rPr lang="en-US" sz="2800" b="1" dirty="0">
+                <a:effectLst/>
+                <a:ea typeface="Calibri"/>
+                <a:cs typeface="Cordia New"/>
+              </a:rPr>
+              <a:t>Start</a:t>
+            </a:r>
+            <a:endParaRPr lang="en-US" sz="2800" dirty="0">
+              <a:effectLst/>
+              <a:ea typeface="Calibri"/>
+              <a:cs typeface="Cordia New"/>
+            </a:endParaRPr>
+          </a:p>
+        </p:txBody>
+      </p:sp>
+      <p:sp>
+        <p:nvSpPr>
+          <p:cNvPr id="12" name="Pentagon 11"/>
+          <p:cNvSpPr/>
+          <p:nvPr/>
+        </p:nvSpPr>
+        <p:spPr>
+          <a:xfrm>
+            <a:off x="1371600" y="1922383"/>
+            <a:ext cx="3510519" cy="2620165"/>
+          </a:xfrm>
+          <a:prstGeom prst="homePlate">
+            <a:avLst/>
+          </a:prstGeom>
+        </p:spPr>
+        <p:style>
+          <a:lnRef idx="2">
+            <a:schemeClr val="accent1"/>
+          </a:lnRef>
+          <a:fillRef idx="1">
+            <a:schemeClr val="lt1"/>
+          </a:fillRef>
+          <a:effectRef idx="0">
+            <a:schemeClr val="accent1"/>
+          </a:effectRef>
+          <a:fontRef idx="minor">
+            <a:schemeClr val="dk1"/>
+          </a:fontRef>
+        </p:style>
+        <p:txBody>
+          <a:bodyPr rot="0" spcFirstLastPara="0" vert="horz" wrap="square" lIns="91440" tIns="45720" rIns="91440" bIns="45720" numCol="1" spcCol="0" rtlCol="0" fromWordArt="0" anchor="ctr" anchorCtr="0" forceAA="0" compatLnSpc="1">
+            <a:prstTxWarp prst="textNoShape">
+              <a:avLst/>
+            </a:prstTxWarp>
+            <a:noAutofit/>
+          </a:bodyPr>
+          <a:lstStyle/>
+          <a:p>
+            <a:pPr marL="0" marR="0">
+              <a:lnSpc>
+                <a:spcPct val="115000"/>
+              </a:lnSpc>
+              <a:spcBef>
+                <a:spcPts val="0"/>
+              </a:spcBef>
+              <a:spcAft>
+                <a:spcPts val="0"/>
+              </a:spcAft>
+            </a:pPr>
+            <a:r>
+              <a:rPr lang="en-US" sz="3200" dirty="0">
+                <a:effectLst/>
+                <a:ea typeface="Calibri"/>
+                <a:cs typeface="Cordia New"/>
+              </a:rPr>
+              <a:t>Turn on GPS </a:t>
+            </a:r>
+          </a:p>
+          <a:p>
+            <a:pPr marL="0" marR="0">
+              <a:lnSpc>
+                <a:spcPct val="115000"/>
+              </a:lnSpc>
+              <a:spcBef>
+                <a:spcPts val="0"/>
+              </a:spcBef>
+              <a:spcAft>
+                <a:spcPts val="0"/>
+              </a:spcAft>
+            </a:pPr>
+            <a:r>
+              <a:rPr lang="en-US" sz="3200" dirty="0">
+                <a:effectLst/>
+                <a:ea typeface="Calibri"/>
+                <a:cs typeface="Cordia New"/>
+              </a:rPr>
+              <a:t>and</a:t>
+            </a:r>
+          </a:p>
+          <a:p>
+            <a:pPr marL="0" marR="0">
+              <a:lnSpc>
+                <a:spcPct val="115000"/>
+              </a:lnSpc>
+              <a:spcBef>
+                <a:spcPts val="0"/>
+              </a:spcBef>
+              <a:spcAft>
+                <a:spcPts val="0"/>
+              </a:spcAft>
+            </a:pPr>
+            <a:r>
+              <a:rPr lang="en-US" sz="3200" dirty="0">
+                <a:effectLst/>
+                <a:ea typeface="Calibri"/>
+                <a:cs typeface="Cordia New"/>
+              </a:rPr>
+              <a:t>run program</a:t>
+            </a:r>
+          </a:p>
+        </p:txBody>
+      </p:sp>
+    </p:spTree>
+    <p:extLst>
+      <p:ext uri="{BB962C8B-B14F-4D97-AF65-F5344CB8AC3E}">
+        <p14:creationId xmlns:p14="http://schemas.microsoft.com/office/powerpoint/2010/main" val="315046874"/>
+      </p:ext>
+    </p:extLst>
+  </p:cSld>
+  <p:clrMapOvr>
+    <a:masterClrMapping/>
+  </p:clrMapOvr>
+  <p:timing>
+    <p:tnLst>
+      <p:par>
+        <p:cTn id="1" dur="indefinite" restart="never" nodeType="tmRoot">
+          <p:childTnLst>
+            <p:seq concurrent="1" nextAc="seek">
+              <p:cTn id="2" dur="indefinite" nodeType="mainSeq">
+                <p:childTnLst>
+                  <p:par>
+                    <p:cTn id="3" fill="hold">
+                      <p:stCondLst>
+                        <p:cond delay="indefinite"/>
+                      </p:stCondLst>
+                      <p:childTnLst>
+                        <p:par>
+                          <p:cTn id="4" fill="hold">
+                            <p:stCondLst>
+                              <p:cond delay="0"/>
+                            </p:stCondLst>
+                            <p:childTnLst>
+                              <p:par>
+                                <p:cTn id="5" presetID="10" presetClass="entr" presetSubtype="0" fill="hold" grpId="0" nodeType="clickEffect">
+                                  <p:stCondLst>
+                                    <p:cond delay="0"/>
+                                  </p:stCondLst>
+                                  <p:childTnLst>
+                                    <p:set>
+                                      <p:cBhvr>
+                                        <p:cTn id="6" dur="1" fill="hold">
+                                          <p:stCondLst>
+                                            <p:cond delay="0"/>
+                                          </p:stCondLst>
+                                        </p:cTn>
+                                        <p:tgtEl>
+                                          <p:spTgt spid="12"/>
+                                        </p:tgtEl>
+                                        <p:attrNameLst>
+                                          <p:attrName>style.visibility</p:attrName>
+                                        </p:attrNameLst>
+                                      </p:cBhvr>
+                                      <p:to>
+                                        <p:strVal val="visible"/>
+                                      </p:to>
+                                    </p:set>
+                                    <p:animEffect transition="in" filter="fade">
+                                      <p:cBhvr>
+                                        <p:cTn id="7" dur="500"/>
+                                        <p:tgtEl>
+                                          <p:spTgt spid="12"/>
+                                        </p:tgtEl>
+                                      </p:cBhvr>
+                                    </p:animEffect>
+                                  </p:childTnLst>
+                                </p:cTn>
+                              </p:par>
+                              <p:par>
+                                <p:cTn id="8" presetID="10" presetClass="entr" presetSubtype="0" fill="hold" grpId="0" nodeType="withEffect">
+                                  <p:stCondLst>
+                                    <p:cond delay="0"/>
+                                  </p:stCondLst>
+                                  <p:childTnLst>
+                                    <p:set>
+                                      <p:cBhvr>
+                                        <p:cTn id="9" dur="1" fill="hold">
+                                          <p:stCondLst>
+                                            <p:cond delay="0"/>
+                                          </p:stCondLst>
+                                        </p:cTn>
+                                        <p:tgtEl>
+                                          <p:spTgt spid="14"/>
+                                        </p:tgtEl>
+                                        <p:attrNameLst>
+                                          <p:attrName>style.visibility</p:attrName>
+                                        </p:attrNameLst>
+                                      </p:cBhvr>
+                                      <p:to>
+                                        <p:strVal val="visible"/>
+                                      </p:to>
+                                    </p:set>
+                                    <p:animEffect transition="in" filter="fade">
+                                      <p:cBhvr>
+                                        <p:cTn id="10" dur="500"/>
+                                        <p:tgtEl>
+                                          <p:spTgt spid="14"/>
+                                        </p:tgtEl>
+                                      </p:cBhvr>
+                                    </p:animEffect>
+                                  </p:childTnLst>
+                                </p:cTn>
+                              </p:par>
+                            </p:childTnLst>
+                          </p:cTn>
+                        </p:par>
+                      </p:childTnLst>
+                    </p:cTn>
+                  </p:par>
+                </p:childTnLst>
+              </p:cTn>
+              <p:prevCondLst>
+                <p:cond evt="onPrev" delay="0">
+                  <p:tgtEl>
+                    <p:sldTgt/>
+                  </p:tgtEl>
+                </p:cond>
+              </p:prevCondLst>
+              <p:nextCondLst>
+                <p:cond evt="onNext" delay="0">
+                  <p:tgtEl>
+                    <p:sldTgt/>
+                  </p:tgtEl>
+                </p:cond>
+              </p:nextCondLst>
+            </p:seq>
+          </p:childTnLst>
+        </p:cTn>
+      </p:par>
+    </p:tnLst>
+    <p:bldLst>
+      <p:bldP spid="14" grpId="0" animBg="1"/>
+      <p:bldP spid="12" grpId="0" animBg="1"/>
+    </p:bldLst>
+  </p:timing>
+</p:sld>
+</file>
+
+<file path=ppt/slides/slide8.xml><?xml version="1.0" encoding="utf-8"?>
+<p:sld xmlns:a="http://schemas.openxmlformats.org/drawingml/2006/main" xmlns:r="http://schemas.openxmlformats.org/officeDocument/2006/relationships" xmlns:p="http://schemas.openxmlformats.org/presentationml/2006/main">
+  <p:cSld>
+    <p:bg>
+      <p:bgPr>
+        <a:solidFill>
+          <a:schemeClr val="bg1"/>
+        </a:solidFill>
+        <a:effectLst/>
+      </p:bgPr>
+    </p:bg>
+    <p:spTree>
+      <p:nvGrpSpPr>
+        <p:cNvPr id="1" name=""/>
+        <p:cNvGrpSpPr/>
+        <p:nvPr/>
+      </p:nvGrpSpPr>
+      <p:grpSpPr>
+        <a:xfrm>
+          <a:off x="0" y="0"/>
+          <a:ext cx="0" cy="0"/>
+          <a:chOff x="0" y="0"/>
+          <a:chExt cx="0" cy="0"/>
+        </a:xfrm>
+      </p:grpSpPr>
+      <p:pic>
+        <p:nvPicPr>
+          <p:cNvPr id="13" name="Picture 12"/>
+          <p:cNvPicPr>
+            <a:picLocks noChangeAspect="1"/>
+          </p:cNvPicPr>
+          <p:nvPr/>
+        </p:nvPicPr>
+        <p:blipFill rotWithShape="1">
+          <a:blip r:embed="rId3" cstate="print">
+            <a:extLst>
+              <a:ext uri="{28A0092B-C50C-407E-A947-70E740481C1C}">
+                <a14:useLocalDpi xmlns:a14="http://schemas.microsoft.com/office/drawing/2010/main" val="0"/>
+              </a:ext>
+            </a:extLst>
+          </a:blip>
+          <a:srcRect l="31468" t="5245" r="31818" b="5594"/>
+          <a:stretch/>
+        </p:blipFill>
+        <p:spPr bwMode="auto">
+          <a:xfrm>
+            <a:off x="5300579" y="1634808"/>
+            <a:ext cx="1786021" cy="3470592"/>
+          </a:xfrm>
+          <a:prstGeom prst="rect">
+            <a:avLst/>
+          </a:prstGeom>
+          <a:ln>
+            <a:noFill/>
+          </a:ln>
+          <a:extLst>
+            <a:ext uri="{53640926-AAD7-44D8-BBD7-CCE9431645EC}">
+              <a14:shadowObscured xmlns:a14="http://schemas.microsoft.com/office/drawing/2010/main"/>
+            </a:ext>
+          </a:extLst>
+        </p:spPr>
+      </p:pic>
+      <p:sp>
+        <p:nvSpPr>
+          <p:cNvPr id="14" name="Flowchart: Alternate Process 13"/>
+          <p:cNvSpPr/>
+          <p:nvPr/>
+        </p:nvSpPr>
+        <p:spPr>
+          <a:xfrm>
+            <a:off x="5606753" y="2536902"/>
+            <a:ext cx="1173223" cy="644947"/>
+          </a:xfrm>
+          <a:prstGeom prst="flowChartAlternateProcess">
+            <a:avLst/>
+          </a:prstGeom>
+        </p:spPr>
+        <p:style>
+          <a:lnRef idx="2">
+            <a:schemeClr val="accent1">
+              <a:shade val="50000"/>
+            </a:schemeClr>
+          </a:lnRef>
+          <a:fillRef idx="1">
+            <a:schemeClr val="accent1"/>
+          </a:fillRef>
+          <a:effectRef idx="0">
+            <a:schemeClr val="accent1"/>
+          </a:effectRef>
+          <a:fontRef idx="minor">
+            <a:schemeClr val="lt1"/>
+          </a:fontRef>
+        </p:style>
+        <p:txBody>
+          <a:bodyPr rot="0" spcFirstLastPara="0" vert="horz" wrap="square" lIns="91440" tIns="45720" rIns="91440" bIns="45720" numCol="1" spcCol="0" rtlCol="0" fromWordArt="0" anchor="ctr" anchorCtr="0" forceAA="0" compatLnSpc="1">
+            <a:prstTxWarp prst="textNoShape">
+              <a:avLst/>
+            </a:prstTxWarp>
+            <a:noAutofit/>
+          </a:bodyPr>
+          <a:lstStyle/>
+          <a:p>
+            <a:pPr marL="0" marR="0" algn="ctr">
+              <a:lnSpc>
+                <a:spcPct val="115000"/>
+              </a:lnSpc>
+              <a:spcBef>
+                <a:spcPts val="0"/>
+              </a:spcBef>
+              <a:spcAft>
+                <a:spcPts val="1000"/>
+              </a:spcAft>
+            </a:pPr>
+            <a:r>
+              <a:rPr lang="en-US" sz="2800" b="1" dirty="0" smtClean="0">
+                <a:ea typeface="Calibri"/>
+                <a:cs typeface="Cordia New"/>
+              </a:rPr>
+              <a:t>Pause</a:t>
+            </a:r>
+            <a:endParaRPr lang="en-US" sz="2800" dirty="0">
+              <a:effectLst/>
+              <a:ea typeface="Calibri"/>
+              <a:cs typeface="Cordia New"/>
+            </a:endParaRPr>
+          </a:p>
+        </p:txBody>
+      </p:sp>
+      <p:sp>
+        <p:nvSpPr>
+          <p:cNvPr id="12" name="Pentagon 11"/>
+          <p:cNvSpPr/>
+          <p:nvPr/>
+        </p:nvSpPr>
+        <p:spPr>
+          <a:xfrm>
+            <a:off x="1371600" y="1922383"/>
+            <a:ext cx="3510519" cy="2620165"/>
+          </a:xfrm>
+          <a:prstGeom prst="homePlate">
+            <a:avLst/>
+          </a:prstGeom>
+        </p:spPr>
+        <p:style>
+          <a:lnRef idx="2">
+            <a:schemeClr val="accent1"/>
+          </a:lnRef>
+          <a:fillRef idx="1">
+            <a:schemeClr val="lt1"/>
+          </a:fillRef>
+          <a:effectRef idx="0">
+            <a:schemeClr val="accent1"/>
+          </a:effectRef>
+          <a:fontRef idx="minor">
+            <a:schemeClr val="dk1"/>
+          </a:fontRef>
+        </p:style>
+        <p:txBody>
+          <a:bodyPr rot="0" spcFirstLastPara="0" vert="horz" wrap="square" lIns="91440" tIns="45720" rIns="91440" bIns="45720" numCol="1" spcCol="0" rtlCol="0" fromWordArt="0" anchor="ctr" anchorCtr="0" forceAA="0" compatLnSpc="1">
+            <a:prstTxWarp prst="textNoShape">
+              <a:avLst/>
+            </a:prstTxWarp>
+            <a:noAutofit/>
+          </a:bodyPr>
+          <a:lstStyle/>
+          <a:p>
+            <a:r>
+              <a:rPr lang="en-US" sz="3200" dirty="0"/>
+              <a:t>Insert latitude</a:t>
+            </a:r>
+          </a:p>
+          <a:p>
+            <a:r>
+              <a:rPr lang="en-US" sz="3200" dirty="0"/>
+              <a:t>and longitude</a:t>
+            </a:r>
+          </a:p>
+          <a:p>
+            <a:r>
+              <a:rPr lang="en-US" sz="3200" dirty="0"/>
+              <a:t>into database</a:t>
+            </a:r>
+          </a:p>
+        </p:txBody>
+      </p:sp>
+      <p:sp>
+        <p:nvSpPr>
+          <p:cNvPr id="5" name="Flowchart: Alternate Process 4"/>
+          <p:cNvSpPr/>
+          <p:nvPr/>
+        </p:nvSpPr>
+        <p:spPr>
+          <a:xfrm>
+            <a:off x="5608577" y="3319487"/>
+            <a:ext cx="1173223" cy="644947"/>
+          </a:xfrm>
+          <a:prstGeom prst="flowChartAlternateProcess">
+            <a:avLst/>
+          </a:prstGeom>
+        </p:spPr>
+        <p:style>
+          <a:lnRef idx="2">
+            <a:schemeClr val="accent1">
+              <a:shade val="50000"/>
+            </a:schemeClr>
+          </a:lnRef>
+          <a:fillRef idx="1">
+            <a:schemeClr val="accent1"/>
+          </a:fillRef>
+          <a:effectRef idx="0">
+            <a:schemeClr val="accent1"/>
+          </a:effectRef>
+          <a:fontRef idx="minor">
+            <a:schemeClr val="lt1"/>
+          </a:fontRef>
+        </p:style>
+        <p:txBody>
+          <a:bodyPr rot="0" spcFirstLastPara="0" vert="horz" wrap="square" lIns="91440" tIns="45720" rIns="91440" bIns="45720" numCol="1" spcCol="0" rtlCol="0" fromWordArt="0" anchor="ctr" anchorCtr="0" forceAA="0" compatLnSpc="1">
+            <a:prstTxWarp prst="textNoShape">
+              <a:avLst/>
+            </a:prstTxWarp>
+            <a:noAutofit/>
+          </a:bodyPr>
+          <a:lstStyle/>
+          <a:p>
+            <a:pPr marL="0" marR="0" algn="ctr">
+              <a:lnSpc>
+                <a:spcPct val="115000"/>
+              </a:lnSpc>
+              <a:spcBef>
+                <a:spcPts val="0"/>
+              </a:spcBef>
+              <a:spcAft>
+                <a:spcPts val="1000"/>
+              </a:spcAft>
+            </a:pPr>
+            <a:r>
+              <a:rPr lang="en-US" sz="2800" b="1" dirty="0" smtClean="0">
+                <a:effectLst/>
+                <a:ea typeface="Calibri"/>
+                <a:cs typeface="Cordia New"/>
+              </a:rPr>
+              <a:t>Stop</a:t>
+            </a:r>
+            <a:endParaRPr lang="en-US" sz="2800" dirty="0">
+              <a:effectLst/>
+              <a:ea typeface="Calibri"/>
+              <a:cs typeface="Cordia New"/>
+            </a:endParaRPr>
+          </a:p>
+        </p:txBody>
+      </p:sp>
+    </p:spTree>
+    <p:extLst>
+      <p:ext uri="{BB962C8B-B14F-4D97-AF65-F5344CB8AC3E}">
+        <p14:creationId xmlns:p14="http://schemas.microsoft.com/office/powerpoint/2010/main" val="1498823684"/>
+      </p:ext>
+    </p:extLst>
+  </p:cSld>
+  <p:clrMapOvr>
+    <a:masterClrMapping/>
+  </p:clrMapOvr>
+  <p:timing>
+    <p:tnLst>
+      <p:par>
+        <p:cTn id="1" dur="indefinite" restart="never" nodeType="tmRoot">
+          <p:childTnLst>
+            <p:seq concurrent="1" nextAc="seek">
+              <p:cTn id="2" dur="indefinite" nodeType="mainSeq">
+                <p:childTnLst>
+                  <p:par>
+                    <p:cTn id="3" fill="hold">
+                      <p:stCondLst>
+                        <p:cond delay="indefinite"/>
+                      </p:stCondLst>
+                      <p:childTnLst>
+                        <p:par>
+                          <p:cTn id="4" fill="hold">
+                            <p:stCondLst>
+                              <p:cond delay="0"/>
+                            </p:stCondLst>
+                            <p:childTnLst>
+                              <p:par>
+                                <p:cTn id="5" presetID="10" presetClass="entr" presetSubtype="0" fill="hold" grpId="0" nodeType="clickEffect">
+                                  <p:stCondLst>
+                                    <p:cond delay="0"/>
+                                  </p:stCondLst>
+                                  <p:childTnLst>
+                                    <p:set>
+                                      <p:cBhvr>
+                                        <p:cTn id="6" dur="1" fill="hold">
+                                          <p:stCondLst>
+                                            <p:cond delay="0"/>
+                                          </p:stCondLst>
+                                        </p:cTn>
+                                        <p:tgtEl>
+                                          <p:spTgt spid="12"/>
+                                        </p:tgtEl>
+                                        <p:attrNameLst>
+                                          <p:attrName>style.visibility</p:attrName>
+                                        </p:attrNameLst>
+                                      </p:cBhvr>
+                                      <p:to>
+                                        <p:strVal val="visible"/>
+                                      </p:to>
+                                    </p:set>
+                                    <p:animEffect transition="in" filter="fade">
+                                      <p:cBhvr>
+                                        <p:cTn id="7" dur="500"/>
+                                        <p:tgtEl>
+                                          <p:spTgt spid="12"/>
+                                        </p:tgtEl>
+                                      </p:cBhvr>
+                                    </p:animEffect>
+                                  </p:childTnLst>
+                                </p:cTn>
+                              </p:par>
+                              <p:par>
+                                <p:cTn id="8" presetID="10" presetClass="entr" presetSubtype="0" fill="hold" grpId="0" nodeType="withEffect">
+                                  <p:stCondLst>
+                                    <p:cond delay="0"/>
+                                  </p:stCondLst>
+                                  <p:childTnLst>
+                                    <p:set>
+                                      <p:cBhvr>
+                                        <p:cTn id="9" dur="1" fill="hold">
+                                          <p:stCondLst>
+                                            <p:cond delay="0"/>
+                                          </p:stCondLst>
+                                        </p:cTn>
+                                        <p:tgtEl>
+                                          <p:spTgt spid="14"/>
+                                        </p:tgtEl>
+                                        <p:attrNameLst>
+                                          <p:attrName>style.visibility</p:attrName>
+                                        </p:attrNameLst>
+                                      </p:cBhvr>
+                                      <p:to>
+                                        <p:strVal val="visible"/>
+                                      </p:to>
+                                    </p:set>
+                                    <p:animEffect transition="in" filter="fade">
+                                      <p:cBhvr>
+                                        <p:cTn id="10" dur="500"/>
+                                        <p:tgtEl>
+                                          <p:spTgt spid="14"/>
+                                        </p:tgtEl>
+                                      </p:cBhvr>
+                                    </p:animEffect>
+                                  </p:childTnLst>
+                                </p:cTn>
+                              </p:par>
+                              <p:par>
+                                <p:cTn id="11" presetID="10" presetClass="entr" presetSubtype="0" fill="hold" grpId="0" nodeType="withEffect">
+                                  <p:stCondLst>
+                                    <p:cond delay="0"/>
+                                  </p:stCondLst>
+                                  <p:childTnLst>
+                                    <p:set>
+                                      <p:cBhvr>
+                                        <p:cTn id="12" dur="1" fill="hold">
+                                          <p:stCondLst>
+                                            <p:cond delay="0"/>
+                                          </p:stCondLst>
+                                        </p:cTn>
+                                        <p:tgtEl>
+                                          <p:spTgt spid="5"/>
+                                        </p:tgtEl>
+                                        <p:attrNameLst>
+                                          <p:attrName>style.visibility</p:attrName>
+                                        </p:attrNameLst>
+                                      </p:cBhvr>
+                                      <p:to>
+                                        <p:strVal val="visible"/>
+                                      </p:to>
+                                    </p:set>
+                                    <p:animEffect transition="in" filter="fade">
+                                      <p:cBhvr>
+                                        <p:cTn id="13" dur="500"/>
+                                        <p:tgtEl>
+                                          <p:spTgt spid="5"/>
+                                        </p:tgtEl>
+                                      </p:cBhvr>
+                                    </p:animEffect>
+                                  </p:childTnLst>
+                                </p:cTn>
+                              </p:par>
+                            </p:childTnLst>
+                          </p:cTn>
+                        </p:par>
+                      </p:childTnLst>
+                    </p:cTn>
+                  </p:par>
+                </p:childTnLst>
+              </p:cTn>
+              <p:prevCondLst>
+                <p:cond evt="onPrev" delay="0">
+                  <p:tgtEl>
+                    <p:sldTgt/>
+                  </p:tgtEl>
+                </p:cond>
+              </p:prevCondLst>
+              <p:nextCondLst>
+                <p:cond evt="onNext" delay="0">
+                  <p:tgtEl>
+                    <p:sldTgt/>
+                  </p:tgtEl>
+                </p:cond>
+              </p:nextCondLst>
+            </p:seq>
+          </p:childTnLst>
+        </p:cTn>
+      </p:par>
+    </p:tnLst>
+    <p:bldLst>
+      <p:bldP spid="14" grpId="0" animBg="1"/>
+      <p:bldP spid="12" grpId="0" animBg="1"/>
+      <p:bldP spid="5" grpId="0" animBg="1"/>
+    </p:bldLst>
+  </p:timing>
+</p:sld>
+</file>
+
+<file path=ppt/slides/slide9.xml><?xml version="1.0" encoding="utf-8"?>
+<p:sld xmlns:a="http://schemas.openxmlformats.org/drawingml/2006/main" xmlns:r="http://schemas.openxmlformats.org/officeDocument/2006/relationships" xmlns:p="http://schemas.openxmlformats.org/presentationml/2006/main">
+  <p:cSld>
+    <p:bg>
+      <p:bgPr>
+        <a:solidFill>
+          <a:schemeClr val="bg1"/>
+        </a:solidFill>
+        <a:effectLst/>
+      </p:bgPr>
+    </p:bg>
+    <p:spTree>
+      <p:nvGrpSpPr>
+        <p:cNvPr id="1" name=""/>
+        <p:cNvGrpSpPr/>
+        <p:nvPr/>
+      </p:nvGrpSpPr>
+      <p:grpSpPr>
+        <a:xfrm>
+          <a:off x="0" y="0"/>
+          <a:ext cx="0" cy="0"/>
+          <a:chOff x="0" y="0"/>
+          <a:chExt cx="0" cy="0"/>
+        </a:xfrm>
+      </p:grpSpPr>
+      <p:pic>
+        <p:nvPicPr>
+          <p:cNvPr id="4" name="Picture 3"/>
+          <p:cNvPicPr>
+            <a:picLocks noChangeAspect="1"/>
+          </p:cNvPicPr>
+          <p:nvPr/>
+        </p:nvPicPr>
+        <p:blipFill rotWithShape="1">
+          <a:blip r:embed="rId2" cstate="print">
+            <a:extLst>
+              <a:ext uri="{28A0092B-C50C-407E-A947-70E740481C1C}">
+                <a14:useLocalDpi xmlns:a14="http://schemas.microsoft.com/office/drawing/2010/main" val="0"/>
+              </a:ext>
+            </a:extLst>
+          </a:blip>
+          <a:srcRect l="31468" t="5245" r="31818" b="5594"/>
+          <a:stretch/>
+        </p:blipFill>
+        <p:spPr bwMode="auto">
+          <a:xfrm>
+            <a:off x="5300579" y="1634808"/>
+            <a:ext cx="1786021" cy="3470592"/>
+          </a:xfrm>
+          <a:prstGeom prst="rect">
+            <a:avLst/>
+          </a:prstGeom>
+          <a:ln>
+            <a:noFill/>
+          </a:ln>
+          <a:extLst>
+            <a:ext uri="{53640926-AAD7-44D8-BBD7-CCE9431645EC}">
+              <a14:shadowObscured xmlns:a14="http://schemas.microsoft.com/office/drawing/2010/main"/>
+            </a:ext>
+          </a:extLst>
+        </p:spPr>
+      </p:pic>
+      <p:sp>
+        <p:nvSpPr>
+          <p:cNvPr id="5" name="Flowchart: Alternate Process 4"/>
+          <p:cNvSpPr/>
+          <p:nvPr/>
+        </p:nvSpPr>
+        <p:spPr>
+          <a:xfrm>
+            <a:off x="5606977" y="2744360"/>
+            <a:ext cx="1173223" cy="976209"/>
+          </a:xfrm>
+          <a:prstGeom prst="flowChartAlternateProcess">
+            <a:avLst/>
+          </a:prstGeom>
+        </p:spPr>
+        <p:style>
+          <a:lnRef idx="2">
+            <a:schemeClr val="accent1">
+              <a:shade val="50000"/>
+            </a:schemeClr>
+          </a:lnRef>
+          <a:fillRef idx="1">
+            <a:schemeClr val="accent1"/>
+          </a:fillRef>
+          <a:effectRef idx="0">
+            <a:schemeClr val="accent1"/>
+          </a:effectRef>
+          <a:fontRef idx="minor">
+            <a:schemeClr val="lt1"/>
+          </a:fontRef>
+        </p:style>
+        <p:txBody>
+          <a:bodyPr rot="0" spcFirstLastPara="0" vert="horz" wrap="square" lIns="91440" tIns="45720" rIns="91440" bIns="45720" numCol="1" spcCol="0" rtlCol="0" fromWordArt="0" anchor="ctr" anchorCtr="0" forceAA="0" compatLnSpc="1">
+            <a:prstTxWarp prst="textNoShape">
+              <a:avLst/>
+            </a:prstTxWarp>
+            <a:noAutofit/>
+          </a:bodyPr>
+          <a:lstStyle/>
+          <a:p>
+            <a:pPr marL="0" marR="0" algn="ctr">
+              <a:spcBef>
+                <a:spcPts val="0"/>
+              </a:spcBef>
+              <a:spcAft>
+                <a:spcPts val="1000"/>
+              </a:spcAft>
+            </a:pPr>
+            <a:r>
+              <a:rPr lang="en-US" sz="2800" b="1" dirty="0" smtClean="0">
+                <a:ea typeface="Calibri"/>
+                <a:cs typeface="Cordia New"/>
+              </a:rPr>
+              <a:t>Continue</a:t>
+            </a:r>
+            <a:endParaRPr lang="en-US" sz="2800" dirty="0">
+              <a:effectLst/>
+              <a:ea typeface="Calibri"/>
+              <a:cs typeface="Cordia New"/>
+            </a:endParaRPr>
+          </a:p>
+        </p:txBody>
+      </p:sp>
+      <p:sp>
+        <p:nvSpPr>
+          <p:cNvPr id="6" name="Pentagon 5"/>
+          <p:cNvSpPr/>
+          <p:nvPr/>
+        </p:nvSpPr>
+        <p:spPr>
+          <a:xfrm>
+            <a:off x="1371600" y="1922383"/>
+            <a:ext cx="3510519" cy="2620165"/>
+          </a:xfrm>
+          <a:prstGeom prst="homePlate">
+            <a:avLst/>
+          </a:prstGeom>
+        </p:spPr>
+        <p:style>
+          <a:lnRef idx="2">
+            <a:schemeClr val="accent1"/>
+          </a:lnRef>
+          <a:fillRef idx="1">
+            <a:schemeClr val="lt1"/>
+          </a:fillRef>
+          <a:effectRef idx="0">
+            <a:schemeClr val="accent1"/>
+          </a:effectRef>
+          <a:fontRef idx="minor">
+            <a:schemeClr val="dk1"/>
+          </a:fontRef>
+        </p:style>
+        <p:txBody>
+          <a:bodyPr rot="0" spcFirstLastPara="0" vert="horz" wrap="square" lIns="91440" tIns="45720" rIns="91440" bIns="45720" numCol="1" spcCol="0" rtlCol="0" fromWordArt="0" anchor="ctr" anchorCtr="0" forceAA="0" compatLnSpc="1">
+            <a:prstTxWarp prst="textNoShape">
+              <a:avLst/>
+            </a:prstTxWarp>
+            <a:noAutofit/>
+          </a:bodyPr>
+          <a:lstStyle/>
+          <a:p>
+            <a:r>
+              <a:rPr lang="en-US" sz="3200" dirty="0"/>
+              <a:t>Wait for user tap to continue</a:t>
+            </a:r>
+          </a:p>
+        </p:txBody>
+      </p:sp>
+      <p:sp>
+        <p:nvSpPr>
+          <p:cNvPr id="8" name="Flowchart: Alternate Process 7"/>
+          <p:cNvSpPr/>
+          <p:nvPr/>
+        </p:nvSpPr>
+        <p:spPr>
+          <a:xfrm>
+            <a:off x="1371600" y="1031621"/>
+            <a:ext cx="1173223" cy="644947"/>
+          </a:xfrm>
+          <a:prstGeom prst="flowChartAlternateProcess">
+            <a:avLst/>
+          </a:prstGeom>
+        </p:spPr>
+        <p:style>
+          <a:lnRef idx="2">
+            <a:schemeClr val="accent1">
+              <a:shade val="50000"/>
+            </a:schemeClr>
+          </a:lnRef>
+          <a:fillRef idx="1">
+            <a:schemeClr val="accent1"/>
+          </a:fillRef>
+          <a:effectRef idx="0">
+            <a:schemeClr val="accent1"/>
+          </a:effectRef>
+          <a:fontRef idx="minor">
+            <a:schemeClr val="lt1"/>
+          </a:fontRef>
+        </p:style>
+        <p:txBody>
+          <a:bodyPr rot="0" spcFirstLastPara="0" vert="horz" wrap="square" lIns="91440" tIns="45720" rIns="91440" bIns="45720" numCol="1" spcCol="0" rtlCol="0" fromWordArt="0" anchor="ctr" anchorCtr="0" forceAA="0" compatLnSpc="1">
+            <a:prstTxWarp prst="textNoShape">
+              <a:avLst/>
+            </a:prstTxWarp>
+            <a:noAutofit/>
+          </a:bodyPr>
+          <a:lstStyle/>
+          <a:p>
+            <a:pPr marL="0" marR="0" algn="ctr">
+              <a:lnSpc>
+                <a:spcPct val="115000"/>
+              </a:lnSpc>
+              <a:spcBef>
+                <a:spcPts val="0"/>
+              </a:spcBef>
+              <a:spcAft>
+                <a:spcPts val="1000"/>
+              </a:spcAft>
+            </a:pPr>
+            <a:r>
+              <a:rPr lang="en-US" sz="2800" b="1" dirty="0" smtClean="0">
+                <a:ea typeface="Calibri"/>
+                <a:cs typeface="Cordia New"/>
+              </a:rPr>
+              <a:t>Pause</a:t>
+            </a:r>
+            <a:endParaRPr lang="en-US" sz="2800" dirty="0">
+              <a:effectLst/>
+              <a:ea typeface="Calibri"/>
+              <a:cs typeface="Cordia New"/>
+            </a:endParaRPr>
+          </a:p>
+        </p:txBody>
+      </p:sp>
+    </p:spTree>
+    <p:extLst>
+      <p:ext uri="{BB962C8B-B14F-4D97-AF65-F5344CB8AC3E}">
+        <p14:creationId xmlns:p14="http://schemas.microsoft.com/office/powerpoint/2010/main" val="819896303"/>
+      </p:ext>
+    </p:extLst>
+  </p:cSld>
+  <p:clrMapOvr>
+    <a:masterClrMapping/>
+  </p:clrMapOvr>
+  <p:timing>
+    <p:tnLst>
+      <p:par>
+        <p:cTn id="1" dur="indefinite" restart="never" nodeType="tmRoot">
+          <p:childTnLst>
+            <p:seq concurrent="1" nextAc="seek">
+              <p:cTn id="2" dur="indefinite" nodeType="mainSeq">
+                <p:childTnLst>
+                  <p:par>
+                    <p:cTn id="3" fill="hold">
+                      <p:stCondLst>
+                        <p:cond delay="indefinite"/>
+                      </p:stCondLst>
+                      <p:childTnLst>
+                        <p:par>
+                          <p:cTn id="4" fill="hold">
+                            <p:stCondLst>
+                              <p:cond delay="0"/>
+                            </p:stCondLst>
+                            <p:childTnLst>
+                              <p:par>
+                                <p:cTn id="5" presetID="10" presetClass="entr" presetSubtype="0" fill="hold" grpId="0" nodeType="clickEffect">
+                                  <p:stCondLst>
+                                    <p:cond delay="0"/>
+                                  </p:stCondLst>
+                                  <p:childTnLst>
+                                    <p:set>
+                                      <p:cBhvr>
+                                        <p:cTn id="6" dur="1" fill="hold">
+                                          <p:stCondLst>
+                                            <p:cond delay="0"/>
+                                          </p:stCondLst>
+                                        </p:cTn>
+                                        <p:tgtEl>
+                                          <p:spTgt spid="6"/>
+                                        </p:tgtEl>
+                                        <p:attrNameLst>
+                                          <p:attrName>style.visibility</p:attrName>
+                                        </p:attrNameLst>
+                                      </p:cBhvr>
+                                      <p:to>
+                                        <p:strVal val="visible"/>
+                                      </p:to>
+                                    </p:set>
+                                    <p:animEffect transition="in" filter="fade">
+                                      <p:cBhvr>
+                                        <p:cTn id="7" dur="500"/>
+                                        <p:tgtEl>
+                                          <p:spTgt spid="6"/>
+                                        </p:tgtEl>
+                                      </p:cBhvr>
+                                    </p:animEffect>
+                                  </p:childTnLst>
+                                </p:cTn>
+                              </p:par>
+                              <p:par>
+                                <p:cTn id="8" presetID="10" presetClass="entr" presetSubtype="0" fill="hold" grpId="0" nodeType="withEffect">
+                                  <p:stCondLst>
+                                    <p:cond delay="0"/>
+                                  </p:stCondLst>
+                                  <p:childTnLst>
+                                    <p:set>
+                                      <p:cBhvr>
+                                        <p:cTn id="9" dur="1" fill="hold">
+                                          <p:stCondLst>
+                                            <p:cond delay="0"/>
+                                          </p:stCondLst>
+                                        </p:cTn>
+                                        <p:tgtEl>
+                                          <p:spTgt spid="5"/>
+                                        </p:tgtEl>
+                                        <p:attrNameLst>
+                                          <p:attrName>style.visibility</p:attrName>
+                                        </p:attrNameLst>
+                                      </p:cBhvr>
+                                      <p:to>
+                                        <p:strVal val="visible"/>
+                                      </p:to>
+                                    </p:set>
+                                    <p:animEffect transition="in" filter="fade">
+                                      <p:cBhvr>
+                                        <p:cTn id="10" dur="500"/>
+                                        <p:tgtEl>
+                                          <p:spTgt spid="5"/>
+                                        </p:tgtEl>
+                                      </p:cBhvr>
+                                    </p:animEffect>
+                                  </p:childTnLst>
+                                </p:cTn>
+                              </p:par>
+                              <p:par>
+                                <p:cTn id="11" presetID="10" presetClass="entr" presetSubtype="0" fill="hold" grpId="0" nodeType="withEffect">
+                                  <p:stCondLst>
+                                    <p:cond delay="0"/>
+                                  </p:stCondLst>
+                                  <p:childTnLst>
+                                    <p:set>
+                                      <p:cBhvr>
+                                        <p:cTn id="12" dur="1" fill="hold">
+                                          <p:stCondLst>
+                                            <p:cond delay="0"/>
+                                          </p:stCondLst>
+                                        </p:cTn>
+                                        <p:tgtEl>
+                                          <p:spTgt spid="8"/>
+                                        </p:tgtEl>
+                                        <p:attrNameLst>
+                                          <p:attrName>style.visibility</p:attrName>
+                                        </p:attrNameLst>
+                                      </p:cBhvr>
+                                      <p:to>
+                                        <p:strVal val="visible"/>
+                                      </p:to>
+                                    </p:set>
+                                    <p:animEffect transition="in" filter="fade">
+                                      <p:cBhvr>
+                                        <p:cTn id="13" dur="500"/>
+                                        <p:tgtEl>
+                                          <p:spTgt spid="8"/>
+                                        </p:tgtEl>
+                                      </p:cBhvr>
+                                    </p:animEffect>
+                                  </p:childTnLst>
+                                </p:cTn>
+                              </p:par>
+                            </p:childTnLst>
+                          </p:cTn>
+                        </p:par>
+                      </p:childTnLst>
+                    </p:cTn>
+                  </p:par>
+                </p:childTnLst>
+              </p:cTn>
+              <p:prevCondLst>
+                <p:cond evt="onPrev" delay="0">
+                  <p:tgtEl>
+                    <p:sldTgt/>
+                  </p:tgtEl>
+                </p:cond>
+              </p:prevCondLst>
+              <p:nextCondLst>
+                <p:cond evt="onNext" delay="0">
+                  <p:tgtEl>
+                    <p:sldTgt/>
+                  </p:tgtEl>
+                </p:cond>
+              </p:nextCondLst>
+            </p:seq>
+          </p:childTnLst>
+        </p:cTn>
+      </p:par>
+    </p:tnLst>
+    <p:bldLst>
+      <p:bldP spid="5" grpId="0" animBg="1"/>
       <p:bldP spid="6" grpId="0" animBg="1"/>
       <p:bldP spid="8" grpId="0" animBg="1"/>
     </p:bldLst>

--- a/Doc/ProjectPresentation1.pptx
+++ b/Doc/ProjectPresentation1.pptx
@@ -1119,15 +1119,15 @@
     </dgm:pt>
   </dgm:ptLst>
   <dgm:cxnLst>
+    <dgm:cxn modelId="{1EC9FBEF-BD93-48BC-BB0C-E3D2D3DE23F2}" srcId="{7622D27D-1418-454B-8843-814A956FD9D1}" destId="{95DC65B9-BC1A-4760-A531-1FC856889EB4}" srcOrd="3" destOrd="0" parTransId="{A8B784AB-1A2C-4088-A443-824CDCB3F757}" sibTransId="{67741F9B-B633-44EF-99A4-44D843F45A36}"/>
+    <dgm:cxn modelId="{6265AE14-D555-4E97-B629-B39B867113A5}" type="presOf" srcId="{DC903487-BB82-4DFC-B625-BF85C817133E}" destId="{2D2081E2-93B7-4D82-B3DD-84A7043B4E30}" srcOrd="0" destOrd="0" presId="urn:microsoft.com/office/officeart/2005/8/layout/funnel1"/>
     <dgm:cxn modelId="{BCAE8D34-2DF0-4DF2-80F1-3CA31A184F70}" type="presOf" srcId="{B16CC3DF-6F09-447E-9CAB-0F26C694BF33}" destId="{C67984F5-77EA-43A6-9D02-299A9C887AB4}" srcOrd="0" destOrd="0" presId="urn:microsoft.com/office/officeart/2005/8/layout/funnel1"/>
-    <dgm:cxn modelId="{0BFA8BCD-64BD-4EFF-B899-C8719F8A0E55}" srcId="{7622D27D-1418-454B-8843-814A956FD9D1}" destId="{DC903487-BB82-4DFC-B625-BF85C817133E}" srcOrd="2" destOrd="0" parTransId="{FBB9706C-C441-4FAF-B21F-13CB8C42005C}" sibTransId="{3A0450F4-50FE-4FA7-B739-C1195D3FA9A7}"/>
-    <dgm:cxn modelId="{0147FC70-517A-49A2-A64B-D42D84E7CA6E}" type="presOf" srcId="{76944704-A16E-40A3-8D28-45750423D4AB}" destId="{7A545E6C-0F8C-4132-B331-B7ECFC12E3A6}" srcOrd="0" destOrd="0" presId="urn:microsoft.com/office/officeart/2005/8/layout/funnel1"/>
-    <dgm:cxn modelId="{6265AE14-D555-4E97-B629-B39B867113A5}" type="presOf" srcId="{DC903487-BB82-4DFC-B625-BF85C817133E}" destId="{2D2081E2-93B7-4D82-B3DD-84A7043B4E30}" srcOrd="0" destOrd="0" presId="urn:microsoft.com/office/officeart/2005/8/layout/funnel1"/>
     <dgm:cxn modelId="{26A19BB3-2B5D-4A8B-9F43-CD9DC2115091}" type="presOf" srcId="{7622D27D-1418-454B-8843-814A956FD9D1}" destId="{7BD4EBA1-C18C-43A4-B814-C8137E3BBEB1}" srcOrd="0" destOrd="0" presId="urn:microsoft.com/office/officeart/2005/8/layout/funnel1"/>
     <dgm:cxn modelId="{C87A493C-5A32-4F48-B471-F15B3B632119}" srcId="{7622D27D-1418-454B-8843-814A956FD9D1}" destId="{B16CC3DF-6F09-447E-9CAB-0F26C694BF33}" srcOrd="0" destOrd="0" parTransId="{A2B03C21-AD22-4A41-B91A-EDBBF4A9E303}" sibTransId="{5B0884FF-B6FC-4D9E-826D-A274B44DC1C5}"/>
+    <dgm:cxn modelId="{0147FC70-517A-49A2-A64B-D42D84E7CA6E}" type="presOf" srcId="{76944704-A16E-40A3-8D28-45750423D4AB}" destId="{7A545E6C-0F8C-4132-B331-B7ECFC12E3A6}" srcOrd="0" destOrd="0" presId="urn:microsoft.com/office/officeart/2005/8/layout/funnel1"/>
+    <dgm:cxn modelId="{2114F41E-B164-4555-8679-582A2790C4D7}" srcId="{7622D27D-1418-454B-8843-814A956FD9D1}" destId="{76944704-A16E-40A3-8D28-45750423D4AB}" srcOrd="1" destOrd="0" parTransId="{4C9ED8B0-9A97-497C-B9E1-739F3EF399DD}" sibTransId="{EDA11C35-0ABC-482C-B1A8-EDECC8460B99}"/>
+    <dgm:cxn modelId="{0BFA8BCD-64BD-4EFF-B899-C8719F8A0E55}" srcId="{7622D27D-1418-454B-8843-814A956FD9D1}" destId="{DC903487-BB82-4DFC-B625-BF85C817133E}" srcOrd="2" destOrd="0" parTransId="{FBB9706C-C441-4FAF-B21F-13CB8C42005C}" sibTransId="{3A0450F4-50FE-4FA7-B739-C1195D3FA9A7}"/>
     <dgm:cxn modelId="{C32F4944-87AD-440A-8446-BA7FDD34A189}" type="presOf" srcId="{95DC65B9-BC1A-4760-A531-1FC856889EB4}" destId="{AED0CA65-6A91-4F55-B1D5-2C93C67A216C}" srcOrd="0" destOrd="0" presId="urn:microsoft.com/office/officeart/2005/8/layout/funnel1"/>
-    <dgm:cxn modelId="{1EC9FBEF-BD93-48BC-BB0C-E3D2D3DE23F2}" srcId="{7622D27D-1418-454B-8843-814A956FD9D1}" destId="{95DC65B9-BC1A-4760-A531-1FC856889EB4}" srcOrd="3" destOrd="0" parTransId="{A8B784AB-1A2C-4088-A443-824CDCB3F757}" sibTransId="{67741F9B-B633-44EF-99A4-44D843F45A36}"/>
-    <dgm:cxn modelId="{2114F41E-B164-4555-8679-582A2790C4D7}" srcId="{7622D27D-1418-454B-8843-814A956FD9D1}" destId="{76944704-A16E-40A3-8D28-45750423D4AB}" srcOrd="1" destOrd="0" parTransId="{4C9ED8B0-9A97-497C-B9E1-739F3EF399DD}" sibTransId="{EDA11C35-0ABC-482C-B1A8-EDECC8460B99}"/>
     <dgm:cxn modelId="{4C8EBBD5-3527-4D0E-A55C-9D5FC5B226C0}" type="presParOf" srcId="{7BD4EBA1-C18C-43A4-B814-C8137E3BBEB1}" destId="{9CF2904A-95E3-426D-A0E7-D36C77D650C8}" srcOrd="0" destOrd="0" presId="urn:microsoft.com/office/officeart/2005/8/layout/funnel1"/>
     <dgm:cxn modelId="{F73DA345-643B-4594-82F9-9CD6AB01601B}" type="presParOf" srcId="{7BD4EBA1-C18C-43A4-B814-C8137E3BBEB1}" destId="{EA5B7450-7D1F-4252-A574-1CAA4E07FC8D}" srcOrd="1" destOrd="0" presId="urn:microsoft.com/office/officeart/2005/8/layout/funnel1"/>
     <dgm:cxn modelId="{9D6A8A07-0890-4B25-BE1D-C677BDE37E75}" type="presParOf" srcId="{7BD4EBA1-C18C-43A4-B814-C8137E3BBEB1}" destId="{AED0CA65-6A91-4F55-B1D5-2C93C67A216C}" srcOrd="2" destOrd="0" presId="urn:microsoft.com/office/officeart/2005/8/layout/funnel1"/>
@@ -1140,14 +1140,14 @@
   <dgm:whole/>
   <dgm:extLst>
     <a:ext uri="http://schemas.microsoft.com/office/drawing/2008/diagram">
-      <dsp:dataModelExt xmlns:dsp="http://schemas.microsoft.com/office/drawing/2008/diagram" relId="rId6" minVer="http://schemas.openxmlformats.org/drawingml/2006/diagram"/>
+      <dsp:dataModelExt xmlns:dsp="http://schemas.microsoft.com/office/drawing/2008/diagram" xmlns="" relId="rId6" minVer="http://schemas.openxmlformats.org/drawingml/2006/diagram"/>
     </a:ext>
   </dgm:extLst>
 </dgm:dataModel>
 </file>
 
 <file path=ppt/diagrams/drawing1.xml><?xml version="1.0" encoding="utf-8"?>
-<dsp:drawing xmlns:dgm="http://schemas.openxmlformats.org/drawingml/2006/diagram" xmlns:dsp="http://schemas.microsoft.com/office/drawing/2008/diagram" xmlns:a="http://schemas.openxmlformats.org/drawingml/2006/main">
+<dsp:drawing xmlns:dgm="http://schemas.openxmlformats.org/drawingml/2006/diagram" xmlns:a="http://schemas.openxmlformats.org/drawingml/2006/main" xmlns:dsp="http://schemas.microsoft.com/office/drawing/2008/diagram">
   <dsp:spTree>
     <dsp:nvGrpSpPr>
       <dsp:cNvPr id="0" name=""/>
@@ -1376,8 +1376,8 @@
         </a:p>
       </dsp:txBody>
       <dsp:txXfrm>
-        <a:off x="2249630" y="1794832"/>
-        <a:ext cx="806202" cy="806202"/>
+        <a:off x="2082660" y="1627862"/>
+        <a:ext cx="1140142" cy="1140142"/>
       </dsp:txXfrm>
     </dsp:sp>
     <dsp:sp modelId="{7A545E6C-0F8C-4132-B331-B7ECFC12E3A6}">
@@ -1453,8 +1453,8 @@
         </a:p>
       </dsp:txBody>
       <dsp:txXfrm>
-        <a:off x="1309729" y="420976"/>
-        <a:ext cx="1345343" cy="1296792"/>
+        <a:off x="1031100" y="152401"/>
+        <a:ext cx="1902601" cy="1833942"/>
       </dsp:txXfrm>
     </dsp:sp>
     <dsp:sp modelId="{C67984F5-77EA-43A6-9D02-299A9C887AB4}">
@@ -1530,8 +1530,8 @@
         </a:p>
       </dsp:txBody>
       <dsp:txXfrm>
-        <a:off x="2915433" y="528018"/>
-        <a:ext cx="1088277" cy="1077788"/>
+        <a:off x="2690044" y="304801"/>
+        <a:ext cx="1539055" cy="1524222"/>
       </dsp:txXfrm>
     </dsp:sp>
     <dsp:sp modelId="{C135540B-42C5-49CB-93AC-CD61871322B3}">
@@ -3021,7 +3021,7 @@
             <a:fld id="{8529C4BC-B2A5-4433-83F8-57753B4C3B20}" type="datetimeFigureOut">
               <a:rPr lang="en-US" smtClean="0"/>
               <a:pPr/>
-              <a:t>8/27/2011</a:t>
+              <a:t>8/28/2011</a:t>
             </a:fld>
             <a:endParaRPr lang="en-US"/>
           </a:p>
@@ -3190,7 +3190,7 @@
     </p:spTree>
     <p:extLst>
       <p:ext uri="{BB962C8B-B14F-4D97-AF65-F5344CB8AC3E}">
-        <p14:creationId xmlns:p14="http://schemas.microsoft.com/office/powerpoint/2010/main" val="1972029052"/>
+        <p14:creationId xmlns:p14="http://schemas.microsoft.com/office/powerpoint/2010/main" xmlns="" val="1972029052"/>
       </p:ext>
     </p:extLst>
   </p:cSld>
@@ -3365,7 +3365,7 @@
     </p:spTree>
     <p:extLst>
       <p:ext uri="{BB962C8B-B14F-4D97-AF65-F5344CB8AC3E}">
-        <p14:creationId xmlns:p14="http://schemas.microsoft.com/office/powerpoint/2010/main" val="3222338183"/>
+        <p14:creationId xmlns:p14="http://schemas.microsoft.com/office/powerpoint/2010/main" xmlns="" val="3222338183"/>
       </p:ext>
     </p:extLst>
   </p:cSld>
@@ -3450,7 +3450,7 @@
     </p:spTree>
     <p:extLst>
       <p:ext uri="{BB962C8B-B14F-4D97-AF65-F5344CB8AC3E}">
-        <p14:creationId xmlns:p14="http://schemas.microsoft.com/office/powerpoint/2010/main" val="3222338183"/>
+        <p14:creationId xmlns:p14="http://schemas.microsoft.com/office/powerpoint/2010/main" xmlns="" val="3222338183"/>
       </p:ext>
     </p:extLst>
   </p:cSld>
@@ -3642,7 +3642,7 @@
             <a:fld id="{A623BE0C-B4FE-411C-B00F-FCA6A312E010}" type="datetimeFigureOut">
               <a:rPr lang="en-US" smtClean="0"/>
               <a:pPr/>
-              <a:t>8/27/2011</a:t>
+              <a:t>8/28/2011</a:t>
             </a:fld>
             <a:endParaRPr lang="en-US"/>
           </a:p>
@@ -3694,7 +3694,7 @@
     </p:spTree>
     <p:extLst>
       <p:ext uri="{BB962C8B-B14F-4D97-AF65-F5344CB8AC3E}">
-        <p14:creationId xmlns:p14="http://schemas.microsoft.com/office/powerpoint/2010/main" val="323588753"/>
+        <p14:creationId xmlns:p14="http://schemas.microsoft.com/office/powerpoint/2010/main" xmlns="" val="323588753"/>
       </p:ext>
     </p:extLst>
   </p:cSld>
@@ -3814,7 +3814,7 @@
             <a:fld id="{A623BE0C-B4FE-411C-B00F-FCA6A312E010}" type="datetimeFigureOut">
               <a:rPr lang="en-US" smtClean="0"/>
               <a:pPr/>
-              <a:t>8/27/2011</a:t>
+              <a:t>8/28/2011</a:t>
             </a:fld>
             <a:endParaRPr lang="en-US"/>
           </a:p>
@@ -3866,7 +3866,7 @@
     </p:spTree>
     <p:extLst>
       <p:ext uri="{BB962C8B-B14F-4D97-AF65-F5344CB8AC3E}">
-        <p14:creationId xmlns:p14="http://schemas.microsoft.com/office/powerpoint/2010/main" val="2921916018"/>
+        <p14:creationId xmlns:p14="http://schemas.microsoft.com/office/powerpoint/2010/main" xmlns="" val="2921916018"/>
       </p:ext>
     </p:extLst>
   </p:cSld>
@@ -3996,7 +3996,7 @@
             <a:fld id="{A623BE0C-B4FE-411C-B00F-FCA6A312E010}" type="datetimeFigureOut">
               <a:rPr lang="en-US" smtClean="0"/>
               <a:pPr/>
-              <a:t>8/27/2011</a:t>
+              <a:t>8/28/2011</a:t>
             </a:fld>
             <a:endParaRPr lang="en-US"/>
           </a:p>
@@ -4048,7 +4048,7 @@
     </p:spTree>
     <p:extLst>
       <p:ext uri="{BB962C8B-B14F-4D97-AF65-F5344CB8AC3E}">
-        <p14:creationId xmlns:p14="http://schemas.microsoft.com/office/powerpoint/2010/main" val="3760154480"/>
+        <p14:creationId xmlns:p14="http://schemas.microsoft.com/office/powerpoint/2010/main" xmlns="" val="3760154480"/>
       </p:ext>
     </p:extLst>
   </p:cSld>
@@ -4168,7 +4168,7 @@
             <a:fld id="{A623BE0C-B4FE-411C-B00F-FCA6A312E010}" type="datetimeFigureOut">
               <a:rPr lang="en-US" smtClean="0"/>
               <a:pPr/>
-              <a:t>8/27/2011</a:t>
+              <a:t>8/28/2011</a:t>
             </a:fld>
             <a:endParaRPr lang="en-US"/>
           </a:p>
@@ -4220,7 +4220,7 @@
     </p:spTree>
     <p:extLst>
       <p:ext uri="{BB962C8B-B14F-4D97-AF65-F5344CB8AC3E}">
-        <p14:creationId xmlns:p14="http://schemas.microsoft.com/office/powerpoint/2010/main" val="2253544174"/>
+        <p14:creationId xmlns:p14="http://schemas.microsoft.com/office/powerpoint/2010/main" xmlns="" val="2253544174"/>
       </p:ext>
     </p:extLst>
   </p:cSld>
@@ -4416,7 +4416,7 @@
             <a:fld id="{A623BE0C-B4FE-411C-B00F-FCA6A312E010}" type="datetimeFigureOut">
               <a:rPr lang="en-US" smtClean="0"/>
               <a:pPr/>
-              <a:t>8/27/2011</a:t>
+              <a:t>8/28/2011</a:t>
             </a:fld>
             <a:endParaRPr lang="en-US"/>
           </a:p>
@@ -4468,7 +4468,7 @@
     </p:spTree>
     <p:extLst>
       <p:ext uri="{BB962C8B-B14F-4D97-AF65-F5344CB8AC3E}">
-        <p14:creationId xmlns:p14="http://schemas.microsoft.com/office/powerpoint/2010/main" val="2280461358"/>
+        <p14:creationId xmlns:p14="http://schemas.microsoft.com/office/powerpoint/2010/main" xmlns="" val="2280461358"/>
       </p:ext>
     </p:extLst>
   </p:cSld>
@@ -4706,7 +4706,7 @@
             <a:fld id="{A623BE0C-B4FE-411C-B00F-FCA6A312E010}" type="datetimeFigureOut">
               <a:rPr lang="en-US" smtClean="0"/>
               <a:pPr/>
-              <a:t>8/27/2011</a:t>
+              <a:t>8/28/2011</a:t>
             </a:fld>
             <a:endParaRPr lang="en-US"/>
           </a:p>
@@ -4758,7 +4758,7 @@
     </p:spTree>
     <p:extLst>
       <p:ext uri="{BB962C8B-B14F-4D97-AF65-F5344CB8AC3E}">
-        <p14:creationId xmlns:p14="http://schemas.microsoft.com/office/powerpoint/2010/main" val="2314838259"/>
+        <p14:creationId xmlns:p14="http://schemas.microsoft.com/office/powerpoint/2010/main" xmlns="" val="2314838259"/>
       </p:ext>
     </p:extLst>
   </p:cSld>
@@ -5130,7 +5130,7 @@
             <a:fld id="{A623BE0C-B4FE-411C-B00F-FCA6A312E010}" type="datetimeFigureOut">
               <a:rPr lang="en-US" smtClean="0"/>
               <a:pPr/>
-              <a:t>8/27/2011</a:t>
+              <a:t>8/28/2011</a:t>
             </a:fld>
             <a:endParaRPr lang="en-US"/>
           </a:p>
@@ -5182,7 +5182,7 @@
     </p:spTree>
     <p:extLst>
       <p:ext uri="{BB962C8B-B14F-4D97-AF65-F5344CB8AC3E}">
-        <p14:creationId xmlns:p14="http://schemas.microsoft.com/office/powerpoint/2010/main" val="825642813"/>
+        <p14:creationId xmlns:p14="http://schemas.microsoft.com/office/powerpoint/2010/main" xmlns="" val="825642813"/>
       </p:ext>
     </p:extLst>
   </p:cSld>
@@ -5250,7 +5250,7 @@
             <a:fld id="{A623BE0C-B4FE-411C-B00F-FCA6A312E010}" type="datetimeFigureOut">
               <a:rPr lang="en-US" smtClean="0"/>
               <a:pPr/>
-              <a:t>8/27/2011</a:t>
+              <a:t>8/28/2011</a:t>
             </a:fld>
             <a:endParaRPr lang="en-US"/>
           </a:p>
@@ -5302,7 +5302,7 @@
     </p:spTree>
     <p:extLst>
       <p:ext uri="{BB962C8B-B14F-4D97-AF65-F5344CB8AC3E}">
-        <p14:creationId xmlns:p14="http://schemas.microsoft.com/office/powerpoint/2010/main" val="2594057694"/>
+        <p14:creationId xmlns:p14="http://schemas.microsoft.com/office/powerpoint/2010/main" xmlns="" val="2594057694"/>
       </p:ext>
     </p:extLst>
   </p:cSld>
@@ -5347,7 +5347,7 @@
             <a:fld id="{A623BE0C-B4FE-411C-B00F-FCA6A312E010}" type="datetimeFigureOut">
               <a:rPr lang="en-US" smtClean="0"/>
               <a:pPr/>
-              <a:t>8/27/2011</a:t>
+              <a:t>8/28/2011</a:t>
             </a:fld>
             <a:endParaRPr lang="en-US"/>
           </a:p>
@@ -5399,7 +5399,7 @@
     </p:spTree>
     <p:extLst>
       <p:ext uri="{BB962C8B-B14F-4D97-AF65-F5344CB8AC3E}">
-        <p14:creationId xmlns:p14="http://schemas.microsoft.com/office/powerpoint/2010/main" val="3349367938"/>
+        <p14:creationId xmlns:p14="http://schemas.microsoft.com/office/powerpoint/2010/main" xmlns="" val="3349367938"/>
       </p:ext>
     </p:extLst>
   </p:cSld>
@@ -5626,7 +5626,7 @@
             <a:fld id="{A623BE0C-B4FE-411C-B00F-FCA6A312E010}" type="datetimeFigureOut">
               <a:rPr lang="en-US" smtClean="0"/>
               <a:pPr/>
-              <a:t>8/27/2011</a:t>
+              <a:t>8/28/2011</a:t>
             </a:fld>
             <a:endParaRPr lang="en-US"/>
           </a:p>
@@ -5678,7 +5678,7 @@
     </p:spTree>
     <p:extLst>
       <p:ext uri="{BB962C8B-B14F-4D97-AF65-F5344CB8AC3E}">
-        <p14:creationId xmlns:p14="http://schemas.microsoft.com/office/powerpoint/2010/main" val="2003841279"/>
+        <p14:creationId xmlns:p14="http://schemas.microsoft.com/office/powerpoint/2010/main" xmlns="" val="2003841279"/>
       </p:ext>
     </p:extLst>
   </p:cSld>
@@ -5881,7 +5881,7 @@
             <a:fld id="{A623BE0C-B4FE-411C-B00F-FCA6A312E010}" type="datetimeFigureOut">
               <a:rPr lang="en-US" smtClean="0"/>
               <a:pPr/>
-              <a:t>8/27/2011</a:t>
+              <a:t>8/28/2011</a:t>
             </a:fld>
             <a:endParaRPr lang="en-US"/>
           </a:p>
@@ -5933,7 +5933,7 @@
     </p:spTree>
     <p:extLst>
       <p:ext uri="{BB962C8B-B14F-4D97-AF65-F5344CB8AC3E}">
-        <p14:creationId xmlns:p14="http://schemas.microsoft.com/office/powerpoint/2010/main" val="2630436295"/>
+        <p14:creationId xmlns:p14="http://schemas.microsoft.com/office/powerpoint/2010/main" xmlns="" val="2630436295"/>
       </p:ext>
     </p:extLst>
   </p:cSld>
@@ -6117,7 +6117,7 @@
             <a:fld id="{A623BE0C-B4FE-411C-B00F-FCA6A312E010}" type="datetimeFigureOut">
               <a:rPr lang="en-US" smtClean="0"/>
               <a:pPr/>
-              <a:t>8/27/2011</a:t>
+              <a:t>8/28/2011</a:t>
             </a:fld>
             <a:endParaRPr lang="en-US"/>
           </a:p>
@@ -6205,7 +6205,7 @@
     </p:spTree>
     <p:extLst>
       <p:ext uri="{BB962C8B-B14F-4D97-AF65-F5344CB8AC3E}">
-        <p14:creationId xmlns:p14="http://schemas.microsoft.com/office/powerpoint/2010/main" val="775339368"/>
+        <p14:creationId xmlns:p14="http://schemas.microsoft.com/office/powerpoint/2010/main" xmlns="" val="775339368"/>
       </p:ext>
     </p:extLst>
   </p:cSld>
@@ -6613,7 +6613,7 @@
     </p:spTree>
     <p:extLst>
       <p:ext uri="{BB962C8B-B14F-4D97-AF65-F5344CB8AC3E}">
-        <p14:creationId xmlns:p14="http://schemas.microsoft.com/office/powerpoint/2010/main" val="3765382340"/>
+        <p14:creationId xmlns:p14="http://schemas.microsoft.com/office/powerpoint/2010/main" xmlns="" val="3765382340"/>
       </p:ext>
     </p:extLst>
   </p:cSld>
@@ -6667,7 +6667,7 @@
           <a:blip r:embed="rId2" cstate="print">
             <a:extLst>
               <a:ext uri="{28A0092B-C50C-407E-A947-70E740481C1C}">
-                <a14:useLocalDpi xmlns:a14="http://schemas.microsoft.com/office/drawing/2010/main" val="0"/>
+                <a14:useLocalDpi xmlns:a14="http://schemas.microsoft.com/office/drawing/2010/main" xmlns="" val="0"/>
               </a:ext>
             </a:extLst>
           </a:blip>
@@ -6687,7 +6687,7 @@
           </a:ln>
           <a:extLst>
             <a:ext uri="{53640926-AAD7-44D8-BBD7-CCE9431645EC}">
-              <a14:shadowObscured xmlns:a14="http://schemas.microsoft.com/office/drawing/2010/main"/>
+              <a14:shadowObscured xmlns:a14="http://schemas.microsoft.com/office/drawing/2010/main" xmlns=""/>
             </a:ext>
           </a:extLst>
         </p:spPr>
@@ -6878,7 +6878,7 @@
     </p:spTree>
     <p:extLst>
       <p:ext uri="{BB962C8B-B14F-4D97-AF65-F5344CB8AC3E}">
-        <p14:creationId xmlns:p14="http://schemas.microsoft.com/office/powerpoint/2010/main" val="785686850"/>
+        <p14:creationId xmlns:p14="http://schemas.microsoft.com/office/powerpoint/2010/main" xmlns="" val="785686850"/>
       </p:ext>
     </p:extLst>
   </p:cSld>
@@ -7101,7 +7101,7 @@
           <a:blip r:embed="rId2" cstate="print">
             <a:extLst>
               <a:ext uri="{28A0092B-C50C-407E-A947-70E740481C1C}">
-                <a14:useLocalDpi xmlns:a14="http://schemas.microsoft.com/office/drawing/2010/main" val="0"/>
+                <a14:useLocalDpi xmlns:a14="http://schemas.microsoft.com/office/drawing/2010/main" xmlns="" val="0"/>
               </a:ext>
             </a:extLst>
           </a:blip>
@@ -7121,7 +7121,7 @@
           </a:ln>
           <a:extLst>
             <a:ext uri="{53640926-AAD7-44D8-BBD7-CCE9431645EC}">
-              <a14:shadowObscured xmlns:a14="http://schemas.microsoft.com/office/drawing/2010/main"/>
+              <a14:shadowObscured xmlns:a14="http://schemas.microsoft.com/office/drawing/2010/main" xmlns=""/>
             </a:ext>
           </a:extLst>
         </p:spPr>
@@ -7263,7 +7263,7 @@
             <a:blip r:embed="rId3" cstate="print">
               <a:extLst>
                 <a:ext uri="{28A0092B-C50C-407E-A947-70E740481C1C}">
-                  <a14:useLocalDpi xmlns:a14="http://schemas.microsoft.com/office/drawing/2010/main" val="0"/>
+                  <a14:useLocalDpi xmlns:a14="http://schemas.microsoft.com/office/drawing/2010/main" xmlns="" val="0"/>
                 </a:ext>
               </a:extLst>
             </a:blip>
@@ -8130,7 +8130,7 @@
     </p:spTree>
     <p:extLst>
       <p:ext uri="{BB962C8B-B14F-4D97-AF65-F5344CB8AC3E}">
-        <p14:creationId xmlns:p14="http://schemas.microsoft.com/office/powerpoint/2010/main" val="215749748"/>
+        <p14:creationId xmlns:p14="http://schemas.microsoft.com/office/powerpoint/2010/main" xmlns="" val="215749748"/>
       </p:ext>
     </p:extLst>
   </p:cSld>
@@ -8365,41 +8365,408 @@
             <p:ph idx="1"/>
           </p:nvPr>
         </p:nvSpPr>
-        <p:spPr/>
+        <p:spPr>
+          <a:xfrm>
+            <a:off x="457200" y="1219200"/>
+            <a:ext cx="8153400" cy="2286000"/>
+          </a:xfrm>
+        </p:spPr>
         <p:txBody>
-          <a:bodyPr/>
+          <a:bodyPr>
+            <a:normAutofit fontScale="85000" lnSpcReduction="20000"/>
+          </a:bodyPr>
           <a:lstStyle/>
           <a:p>
             <a:r>
               <a:rPr lang="th-TH" dirty="0" smtClean="0"/>
-              <a:t>ทำอะไร</a:t>
-            </a:r>
-          </a:p>
-          <a:p>
+              <a:t>เกิดแรงบันดาลใจมาจากมุมมองที่ตรงข้ามกับสิ่งที่มีอยู่</a:t>
+            </a:r>
+          </a:p>
+          <a:p>
+            <a:pPr>
+              <a:buNone/>
+            </a:pPr>
             <a:r>
               <a:rPr lang="th-TH" dirty="0" smtClean="0"/>
-              <a:t>ทำไปทำไม</a:t>
-            </a:r>
-          </a:p>
-          <a:p>
+              <a:t>	(ก็คือ </a:t>
+            </a:r>
+            <a:r>
+              <a:rPr lang="en-US" dirty="0" smtClean="0"/>
+              <a:t>Navigator </a:t>
+            </a:r>
             <a:r>
               <a:rPr lang="th-TH" dirty="0" smtClean="0"/>
-              <a:t>ต่างจากชาวบ้นเค้ายังไง</a:t>
-            </a:r>
-          </a:p>
-          <a:p>
+              <a:t>นั้นเป็น </a:t>
+            </a:r>
+            <a:r>
+              <a:rPr lang="en-US" dirty="0" smtClean="0"/>
+              <a:t>Application </a:t>
+            </a:r>
             <a:r>
               <a:rPr lang="th-TH" dirty="0" smtClean="0"/>
-              <a:t>จะส่งอะไร</a:t>
-            </a:r>
-            <a:endParaRPr lang="en-US" dirty="0"/>
+              <a:t>ที่ใช้บอกเส้นทางตามที่ร้องขอ    จากผู้ใช้ทุกๆครั้งที่ผู้ใช้ต้องการแล้วทำไมถึงไม่บันทึกไว้ เพื่อเรียกใช้งานอีกครั้งละ ถ้ามันสามารถบันทึกเส้นทางที่เราเคยไปมาแล้วได้เราก็ไม่จำเป็นต้องเรียกใช้งานทุกครั้งไปหรือบางทีผู้ใช้ร้องขอจากจุดเริ่มต้นเดิมไปยังจุดหมายปลายทางเดิมจะมั่นใจได้อย่างไรว่า </a:t>
+            </a:r>
+            <a:r>
+              <a:rPr lang="en-US" dirty="0" smtClean="0"/>
+              <a:t>GPS </a:t>
+            </a:r>
+            <a:r>
+              <a:rPr lang="th-TH" dirty="0" smtClean="0"/>
+              <a:t>ใช้เส้นทางเมื่อครั้งที่เราเคยใช้มาแล้ว)</a:t>
+            </a:r>
+          </a:p>
+        </p:txBody>
+      </p:sp>
+      <p:sp>
+        <p:nvSpPr>
+          <p:cNvPr id="6" name="ชื่อเรื่อง 1"/>
+          <p:cNvSpPr txBox="1">
+            <a:spLocks/>
+          </p:cNvSpPr>
+          <p:nvPr/>
+        </p:nvSpPr>
+        <p:spPr>
+          <a:xfrm>
+            <a:off x="609600" y="3124200"/>
+            <a:ext cx="8229600" cy="1143000"/>
+          </a:xfrm>
+          <a:prstGeom prst="rect">
+            <a:avLst/>
+          </a:prstGeom>
+        </p:spPr>
+        <p:txBody>
+          <a:bodyPr vert="horz" lIns="91440" tIns="45720" rIns="91440" bIns="45720" rtlCol="0" anchor="ctr">
+            <a:normAutofit/>
+          </a:bodyPr>
+          <a:lstStyle/>
+          <a:p>
+            <a:pPr marL="0" marR="0" lvl="0" indent="0" algn="ctr" defTabSz="914400" rtl="0" eaLnBrk="1" fontAlgn="auto" latinLnBrk="0" hangingPunct="1">
+              <a:lnSpc>
+                <a:spcPct val="100000"/>
+              </a:lnSpc>
+              <a:spcBef>
+                <a:spcPct val="0"/>
+              </a:spcBef>
+              <a:spcAft>
+                <a:spcPts val="0"/>
+              </a:spcAft>
+              <a:buClrTx/>
+              <a:buSzTx/>
+              <a:buFontTx/>
+              <a:buNone/>
+              <a:tabLst/>
+              <a:defRPr/>
+            </a:pPr>
+            <a:r>
+              <a:rPr kumimoji="0" lang="th-TH" sz="4400" b="0" i="0" u="none" strike="noStrike" kern="1200" cap="none" spc="0" normalizeH="0" baseline="0" noProof="0" dirty="0" smtClean="0">
+                <a:ln>
+                  <a:noFill/>
+                </a:ln>
+                <a:solidFill>
+                  <a:schemeClr val="tx1"/>
+                </a:solidFill>
+                <a:effectLst/>
+                <a:uLnTx/>
+                <a:uFillTx/>
+                <a:latin typeface="+mj-lt"/>
+                <a:ea typeface="+mj-ea"/>
+                <a:cs typeface="+mj-cs"/>
+              </a:rPr>
+              <a:t>ทำไมถึงเป็น </a:t>
+            </a:r>
+            <a:r>
+              <a:rPr kumimoji="0" lang="en-US" sz="4400" b="0" i="0" u="none" strike="noStrike" kern="1200" cap="none" spc="0" normalizeH="0" baseline="0" noProof="0" dirty="0" smtClean="0">
+                <a:ln>
+                  <a:noFill/>
+                </a:ln>
+                <a:solidFill>
+                  <a:schemeClr val="tx1"/>
+                </a:solidFill>
+                <a:effectLst/>
+                <a:uLnTx/>
+                <a:uFillTx/>
+                <a:latin typeface="+mj-lt"/>
+                <a:ea typeface="+mj-ea"/>
+                <a:cs typeface="+mj-cs"/>
+              </a:rPr>
+              <a:t>Android</a:t>
+            </a:r>
+            <a:endParaRPr kumimoji="0" lang="th-TH" sz="4400" b="0" i="0" u="none" strike="noStrike" kern="1200" cap="none" spc="0" normalizeH="0" baseline="0" noProof="0" dirty="0">
+              <a:ln>
+                <a:noFill/>
+              </a:ln>
+              <a:solidFill>
+                <a:schemeClr val="tx1"/>
+              </a:solidFill>
+              <a:effectLst/>
+              <a:uLnTx/>
+              <a:uFillTx/>
+              <a:latin typeface="+mj-lt"/>
+              <a:ea typeface="+mj-ea"/>
+              <a:cs typeface="+mj-cs"/>
+            </a:endParaRPr>
+          </a:p>
+        </p:txBody>
+      </p:sp>
+      <p:sp>
+        <p:nvSpPr>
+          <p:cNvPr id="7" name="Content Placeholder 4"/>
+          <p:cNvSpPr txBox="1">
+            <a:spLocks/>
+          </p:cNvSpPr>
+          <p:nvPr/>
+        </p:nvSpPr>
+        <p:spPr>
+          <a:xfrm>
+            <a:off x="533400" y="4572000"/>
+            <a:ext cx="8153400" cy="2286000"/>
+          </a:xfrm>
+          <a:prstGeom prst="rect">
+            <a:avLst/>
+          </a:prstGeom>
+        </p:spPr>
+        <p:txBody>
+          <a:bodyPr vert="horz" lIns="91440" tIns="45720" rIns="91440" bIns="45720" rtlCol="0">
+            <a:normAutofit/>
+          </a:bodyPr>
+          <a:lstStyle/>
+          <a:p>
+            <a:pPr marL="342900" marR="0" lvl="0" indent="-342900" algn="l" defTabSz="914400" rtl="0" eaLnBrk="1" fontAlgn="auto" latinLnBrk="0" hangingPunct="1">
+              <a:lnSpc>
+                <a:spcPct val="100000"/>
+              </a:lnSpc>
+              <a:spcBef>
+                <a:spcPct val="20000"/>
+              </a:spcBef>
+              <a:spcAft>
+                <a:spcPts val="0"/>
+              </a:spcAft>
+              <a:buClrTx/>
+              <a:buSzTx/>
+              <a:buFont typeface="Arial" pitchFamily="34" charset="0"/>
+              <a:buChar char="•"/>
+              <a:tabLst/>
+              <a:defRPr/>
+            </a:pPr>
+            <a:endParaRPr kumimoji="0" lang="th-TH" sz="3200" b="0" i="0" u="none" strike="noStrike" kern="1200" cap="none" spc="0" normalizeH="0" baseline="0" noProof="0" dirty="0" smtClean="0">
+              <a:ln>
+                <a:noFill/>
+              </a:ln>
+              <a:solidFill>
+                <a:schemeClr val="tx1"/>
+              </a:solidFill>
+              <a:effectLst/>
+              <a:uLnTx/>
+              <a:uFillTx/>
+              <a:latin typeface="+mn-lt"/>
+              <a:ea typeface="+mn-ea"/>
+              <a:cs typeface="+mn-cs"/>
+            </a:endParaRPr>
+          </a:p>
+        </p:txBody>
+      </p:sp>
+      <p:sp>
+        <p:nvSpPr>
+          <p:cNvPr id="8" name="Content Placeholder 4"/>
+          <p:cNvSpPr txBox="1">
+            <a:spLocks/>
+          </p:cNvSpPr>
+          <p:nvPr/>
+        </p:nvSpPr>
+        <p:spPr>
+          <a:xfrm>
+            <a:off x="457200" y="4038600"/>
+            <a:ext cx="8153400" cy="2286000"/>
+          </a:xfrm>
+          <a:prstGeom prst="rect">
+            <a:avLst/>
+          </a:prstGeom>
+        </p:spPr>
+        <p:txBody>
+          <a:bodyPr vert="horz" lIns="91440" tIns="45720" rIns="91440" bIns="45720" rtlCol="0">
+            <a:normAutofit/>
+          </a:bodyPr>
+          <a:lstStyle/>
+          <a:p>
+            <a:pPr marL="342900" marR="0" lvl="0" indent="-342900" algn="l" defTabSz="914400" rtl="0" eaLnBrk="1" fontAlgn="auto" latinLnBrk="0" hangingPunct="1">
+              <a:lnSpc>
+                <a:spcPct val="100000"/>
+              </a:lnSpc>
+              <a:spcBef>
+                <a:spcPct val="20000"/>
+              </a:spcBef>
+              <a:spcAft>
+                <a:spcPts val="0"/>
+              </a:spcAft>
+              <a:buClrTx/>
+              <a:buSzTx/>
+              <a:buFont typeface="Arial" pitchFamily="34" charset="0"/>
+              <a:buChar char="•"/>
+              <a:tabLst/>
+              <a:defRPr/>
+            </a:pPr>
+            <a:r>
+              <a:rPr kumimoji="0" lang="th-TH" sz="2700" b="0" i="0" u="none" strike="noStrike" kern="1200" cap="none" spc="0" normalizeH="0" baseline="0" noProof="0" dirty="0" smtClean="0">
+                <a:ln>
+                  <a:noFill/>
+                </a:ln>
+                <a:solidFill>
+                  <a:schemeClr val="tx1"/>
+                </a:solidFill>
+                <a:effectLst/>
+                <a:uLnTx/>
+                <a:uFillTx/>
+                <a:latin typeface="+mn-lt"/>
+                <a:ea typeface="+mn-ea"/>
+                <a:cs typeface="+mn-cs"/>
+              </a:rPr>
+              <a:t>คำเดียวเลยสำหรับ</a:t>
+            </a:r>
+            <a:r>
+              <a:rPr kumimoji="0" lang="th-TH" sz="2700" b="0" i="0" u="none" strike="noStrike" kern="1200" cap="none" spc="0" normalizeH="0" noProof="0" dirty="0" smtClean="0">
+                <a:ln>
+                  <a:noFill/>
+                </a:ln>
+                <a:solidFill>
+                  <a:schemeClr val="tx1"/>
+                </a:solidFill>
+                <a:effectLst/>
+                <a:uLnTx/>
+                <a:uFillTx/>
+                <a:latin typeface="+mn-lt"/>
+                <a:ea typeface="+mn-ea"/>
+                <a:cs typeface="+mn-cs"/>
+              </a:rPr>
+              <a:t> </a:t>
+            </a:r>
+            <a:r>
+              <a:rPr kumimoji="0" lang="en-US" sz="2700" b="0" i="0" u="none" strike="noStrike" kern="1200" cap="none" spc="0" normalizeH="0" noProof="0" dirty="0" smtClean="0">
+                <a:ln>
+                  <a:noFill/>
+                </a:ln>
+                <a:solidFill>
+                  <a:schemeClr val="tx1"/>
+                </a:solidFill>
+                <a:effectLst/>
+                <a:uLnTx/>
+                <a:uFillTx/>
+                <a:latin typeface="+mn-lt"/>
+                <a:ea typeface="+mn-ea"/>
+                <a:cs typeface="+mn-cs"/>
+              </a:rPr>
+              <a:t>Android </a:t>
+            </a:r>
+            <a:r>
+              <a:rPr kumimoji="0" lang="th-TH" sz="2700" b="0" i="0" u="none" strike="noStrike" kern="1200" cap="none" spc="0" normalizeH="0" noProof="0" dirty="0" smtClean="0">
+                <a:ln>
+                  <a:noFill/>
+                </a:ln>
+                <a:solidFill>
+                  <a:schemeClr val="tx1"/>
+                </a:solidFill>
+                <a:effectLst/>
+                <a:uLnTx/>
+                <a:uFillTx/>
+                <a:latin typeface="+mn-lt"/>
+                <a:ea typeface="+mn-ea"/>
+                <a:cs typeface="+mn-cs"/>
+              </a:rPr>
+              <a:t>คือ </a:t>
+            </a:r>
+            <a:r>
+              <a:rPr kumimoji="0" lang="en-US" sz="2700" b="0" i="0" u="none" strike="noStrike" kern="1200" cap="none" spc="0" normalizeH="0" noProof="0" dirty="0" smtClean="0">
+                <a:ln>
+                  <a:noFill/>
+                </a:ln>
+                <a:solidFill>
+                  <a:schemeClr val="tx1"/>
+                </a:solidFill>
+                <a:effectLst/>
+                <a:uLnTx/>
+                <a:uFillTx/>
+                <a:latin typeface="+mn-lt"/>
+                <a:ea typeface="+mn-ea"/>
+                <a:cs typeface="+mn-cs"/>
+              </a:rPr>
+              <a:t>Open Source </a:t>
+            </a:r>
+            <a:endParaRPr kumimoji="0" lang="th-TH" sz="2700" b="0" i="0" u="none" strike="noStrike" kern="1200" cap="none" spc="0" normalizeH="0" noProof="0" dirty="0" smtClean="0">
+              <a:ln>
+                <a:noFill/>
+              </a:ln>
+              <a:solidFill>
+                <a:schemeClr val="tx1"/>
+              </a:solidFill>
+              <a:effectLst/>
+              <a:uLnTx/>
+              <a:uFillTx/>
+              <a:latin typeface="+mn-lt"/>
+              <a:ea typeface="+mn-ea"/>
+              <a:cs typeface="+mn-cs"/>
+            </a:endParaRPr>
+          </a:p>
+          <a:p>
+            <a:pPr marL="342900" marR="0" lvl="0" indent="-342900" algn="l" defTabSz="914400" rtl="0" eaLnBrk="1" fontAlgn="auto" latinLnBrk="0" hangingPunct="1">
+              <a:lnSpc>
+                <a:spcPct val="100000"/>
+              </a:lnSpc>
+              <a:spcBef>
+                <a:spcPct val="20000"/>
+              </a:spcBef>
+              <a:spcAft>
+                <a:spcPts val="0"/>
+              </a:spcAft>
+              <a:buClrTx/>
+              <a:buSzTx/>
+              <a:tabLst/>
+              <a:defRPr/>
+            </a:pPr>
+            <a:r>
+              <a:rPr lang="th-TH" sz="2700" dirty="0" smtClean="0"/>
+              <a:t>	(</a:t>
+            </a:r>
+            <a:r>
+              <a:rPr kumimoji="0" lang="th-TH" sz="2700" b="0" i="0" u="none" strike="noStrike" kern="1200" cap="none" spc="0" normalizeH="0" noProof="0" dirty="0" smtClean="0">
+                <a:ln>
+                  <a:noFill/>
+                </a:ln>
+                <a:solidFill>
+                  <a:schemeClr val="tx1"/>
+                </a:solidFill>
+                <a:effectLst/>
+                <a:uLnTx/>
+                <a:uFillTx/>
+                <a:latin typeface="+mn-lt"/>
+                <a:ea typeface="+mn-ea"/>
+                <a:cs typeface="+mn-cs"/>
+              </a:rPr>
+              <a:t>ด้วยความเป็นสาธารณะ เปิดกว้าง ไร้กฎเกณฑ์</a:t>
+            </a:r>
+            <a:r>
+              <a:rPr lang="th-TH" sz="2700" dirty="0" smtClean="0"/>
+              <a:t> และมาแรง ทำให้เป็นที่นิยมในหมู่คนที่ชอบเขียนโปรแกรมประยุกต์ แถมมีแนวทางการเขียนแบบต่างๆอยู่บนอินเตอร์เน็ตด้วย)</a:t>
+            </a:r>
+            <a:endParaRPr kumimoji="0" lang="th-TH" sz="2700" b="0" i="0" u="none" strike="noStrike" kern="1200" cap="none" spc="0" normalizeH="0" baseline="0" noProof="0" dirty="0" smtClean="0">
+              <a:ln>
+                <a:noFill/>
+              </a:ln>
+              <a:solidFill>
+                <a:schemeClr val="tx1"/>
+              </a:solidFill>
+              <a:effectLst/>
+              <a:uLnTx/>
+              <a:uFillTx/>
+              <a:latin typeface="+mn-lt"/>
+              <a:ea typeface="+mn-ea"/>
+              <a:cs typeface="+mn-cs"/>
+            </a:endParaRPr>
           </a:p>
         </p:txBody>
       </p:sp>
     </p:spTree>
     <p:extLst>
       <p:ext uri="{BB962C8B-B14F-4D97-AF65-F5344CB8AC3E}">
-        <p14:creationId xmlns:p14="http://schemas.microsoft.com/office/powerpoint/2010/main" val="96058202"/>
+        <p14:creationId xmlns:p14="http://schemas.microsoft.com/office/powerpoint/2010/main" xmlns="" val="96058202"/>
       </p:ext>
     </p:extLst>
   </p:cSld>
@@ -8505,7 +8872,7 @@
     </p:spTree>
     <p:extLst>
       <p:ext uri="{BB962C8B-B14F-4D97-AF65-F5344CB8AC3E}">
-        <p14:creationId xmlns:p14="http://schemas.microsoft.com/office/powerpoint/2010/main" val="1897534785"/>
+        <p14:creationId xmlns:p14="http://schemas.microsoft.com/office/powerpoint/2010/main" xmlns="" val="1897534785"/>
       </p:ext>
     </p:extLst>
   </p:cSld>
@@ -8596,10 +8963,10 @@
           <p:nvPr/>
         </p:nvPicPr>
         <p:blipFill>
-          <a:blip r:embed="rId2">
+          <a:blip r:embed="rId2" cstate="print">
             <a:extLst>
               <a:ext uri="{28A0092B-C50C-407E-A947-70E740481C1C}">
-                <a14:useLocalDpi xmlns:a14="http://schemas.microsoft.com/office/drawing/2010/main" val="0"/>
+                <a14:useLocalDpi xmlns:a14="http://schemas.microsoft.com/office/drawing/2010/main" xmlns="" val="0"/>
               </a:ext>
             </a:extLst>
           </a:blip>
@@ -8619,7 +8986,7 @@
           <a:noFill/>
           <a:extLst>
             <a:ext uri="{909E8E84-426E-40DD-AFC4-6F175D3DCCD1}">
-              <a14:hiddenFill xmlns:a14="http://schemas.microsoft.com/office/drawing/2010/main">
+              <a14:hiddenFill xmlns:a14="http://schemas.microsoft.com/office/drawing/2010/main" xmlns="">
                 <a:solidFill>
                   <a:srgbClr val="FFFFFF"/>
                 </a:solidFill>
@@ -8640,7 +9007,7 @@
           <a:blip r:embed="rId3" cstate="print">
             <a:extLst>
               <a:ext uri="{28A0092B-C50C-407E-A947-70E740481C1C}">
-                <a14:useLocalDpi xmlns:a14="http://schemas.microsoft.com/office/drawing/2010/main" val="0"/>
+                <a14:useLocalDpi xmlns:a14="http://schemas.microsoft.com/office/drawing/2010/main" xmlns="" val="0"/>
               </a:ext>
             </a:extLst>
           </a:blip>
@@ -8660,7 +9027,7 @@
           <a:noFill/>
           <a:extLst>
             <a:ext uri="{909E8E84-426E-40DD-AFC4-6F175D3DCCD1}">
-              <a14:hiddenFill xmlns:a14="http://schemas.microsoft.com/office/drawing/2010/main">
+              <a14:hiddenFill xmlns:a14="http://schemas.microsoft.com/office/drawing/2010/main" xmlns="">
                 <a:solidFill>
                   <a:srgbClr val="FFFFFF"/>
                 </a:solidFill>
@@ -8678,10 +9045,10 @@
           <p:nvPr/>
         </p:nvPicPr>
         <p:blipFill>
-          <a:blip r:embed="rId4">
+          <a:blip r:embed="rId4" cstate="print">
             <a:extLst>
               <a:ext uri="{28A0092B-C50C-407E-A947-70E740481C1C}">
-                <a14:useLocalDpi xmlns:a14="http://schemas.microsoft.com/office/drawing/2010/main" val="0"/>
+                <a14:useLocalDpi xmlns:a14="http://schemas.microsoft.com/office/drawing/2010/main" xmlns="" val="0"/>
               </a:ext>
             </a:extLst>
           </a:blip>
@@ -8701,7 +9068,7 @@
           <a:noFill/>
           <a:extLst>
             <a:ext uri="{909E8E84-426E-40DD-AFC4-6F175D3DCCD1}">
-              <a14:hiddenFill xmlns:a14="http://schemas.microsoft.com/office/drawing/2010/main">
+              <a14:hiddenFill xmlns:a14="http://schemas.microsoft.com/office/drawing/2010/main" xmlns="">
                 <a:solidFill>
                   <a:srgbClr val="FFFFFF"/>
                 </a:solidFill>
@@ -8719,10 +9086,10 @@
           <p:nvPr/>
         </p:nvPicPr>
         <p:blipFill>
-          <a:blip r:embed="rId5">
+          <a:blip r:embed="rId5" cstate="print">
             <a:extLst>
               <a:ext uri="{28A0092B-C50C-407E-A947-70E740481C1C}">
-                <a14:useLocalDpi xmlns:a14="http://schemas.microsoft.com/office/drawing/2010/main" val="0"/>
+                <a14:useLocalDpi xmlns:a14="http://schemas.microsoft.com/office/drawing/2010/main" xmlns="" val="0"/>
               </a:ext>
             </a:extLst>
           </a:blip>
@@ -8742,7 +9109,7 @@
           <a:noFill/>
           <a:extLst>
             <a:ext uri="{909E8E84-426E-40DD-AFC4-6F175D3DCCD1}">
-              <a14:hiddenFill xmlns:a14="http://schemas.microsoft.com/office/drawing/2010/main">
+              <a14:hiddenFill xmlns:a14="http://schemas.microsoft.com/office/drawing/2010/main" xmlns="">
                 <a:solidFill>
                   <a:srgbClr val="FFFFFF"/>
                 </a:solidFill>
@@ -8754,7 +9121,7 @@
     </p:spTree>
     <p:extLst>
       <p:ext uri="{BB962C8B-B14F-4D97-AF65-F5344CB8AC3E}">
-        <p14:creationId xmlns:p14="http://schemas.microsoft.com/office/powerpoint/2010/main" val="1312023503"/>
+        <p14:creationId xmlns:p14="http://schemas.microsoft.com/office/powerpoint/2010/main" xmlns="" val="1312023503"/>
       </p:ext>
     </p:extLst>
   </p:cSld>
@@ -8857,7 +9224,7 @@
     </p:spTree>
     <p:extLst>
       <p:ext uri="{BB962C8B-B14F-4D97-AF65-F5344CB8AC3E}">
-        <p14:creationId xmlns:p14="http://schemas.microsoft.com/office/powerpoint/2010/main" val="1630400559"/>
+        <p14:creationId xmlns:p14="http://schemas.microsoft.com/office/powerpoint/2010/main" xmlns="" val="1630400559"/>
       </p:ext>
     </p:extLst>
   </p:cSld>
@@ -8919,7 +9286,7 @@
             <p:ph idx="1"/>
             <p:extLst>
               <p:ext uri="{D42A27DB-BD31-4B8C-83A1-F6EECF244321}">
-                <p14:modId xmlns:p14="http://schemas.microsoft.com/office/powerpoint/2010/main" val="2217264932"/>
+                <p14:modId xmlns:p14="http://schemas.microsoft.com/office/powerpoint/2010/main" xmlns="" val="2217264932"/>
               </p:ext>
             </p:extLst>
           </p:nvPr>
@@ -8946,7 +9313,7 @@
           <a:blip r:embed="rId7" cstate="print">
             <a:extLst>
               <a:ext uri="{28A0092B-C50C-407E-A947-70E740481C1C}">
-                <a14:useLocalDpi xmlns:a14="http://schemas.microsoft.com/office/drawing/2010/main" val="0"/>
+                <a14:useLocalDpi xmlns:a14="http://schemas.microsoft.com/office/drawing/2010/main" xmlns="" val="0"/>
               </a:ext>
             </a:extLst>
           </a:blip>
@@ -8976,7 +9343,7 @@
           <a:blip r:embed="rId8" cstate="print">
             <a:extLst>
               <a:ext uri="{28A0092B-C50C-407E-A947-70E740481C1C}">
-                <a14:useLocalDpi xmlns:a14="http://schemas.microsoft.com/office/drawing/2010/main" val="0"/>
+                <a14:useLocalDpi xmlns:a14="http://schemas.microsoft.com/office/drawing/2010/main" xmlns="" val="0"/>
               </a:ext>
             </a:extLst>
           </a:blip>
@@ -8996,7 +9363,7 @@
           <a:noFill/>
           <a:extLst>
             <a:ext uri="{909E8E84-426E-40DD-AFC4-6F175D3DCCD1}">
-              <a14:hiddenFill xmlns:a14="http://schemas.microsoft.com/office/drawing/2010/main">
+              <a14:hiddenFill xmlns:a14="http://schemas.microsoft.com/office/drawing/2010/main" xmlns="">
                 <a:solidFill>
                   <a:srgbClr val="FFFFFF"/>
                 </a:solidFill>
@@ -9041,7 +9408,7 @@
     </p:spTree>
     <p:extLst>
       <p:ext uri="{BB962C8B-B14F-4D97-AF65-F5344CB8AC3E}">
-        <p14:creationId xmlns:p14="http://schemas.microsoft.com/office/powerpoint/2010/main" val="1015130875"/>
+        <p14:creationId xmlns:p14="http://schemas.microsoft.com/office/powerpoint/2010/main" xmlns="" val="1015130875"/>
       </p:ext>
     </p:extLst>
   </p:cSld>
@@ -9095,7 +9462,7 @@
           <a:blip r:embed="rId3" cstate="print">
             <a:extLst>
               <a:ext uri="{28A0092B-C50C-407E-A947-70E740481C1C}">
-                <a14:useLocalDpi xmlns:a14="http://schemas.microsoft.com/office/drawing/2010/main" val="0"/>
+                <a14:useLocalDpi xmlns:a14="http://schemas.microsoft.com/office/drawing/2010/main" xmlns="" val="0"/>
               </a:ext>
             </a:extLst>
           </a:blip>
@@ -9115,7 +9482,7 @@
           </a:ln>
           <a:extLst>
             <a:ext uri="{53640926-AAD7-44D8-BBD7-CCE9431645EC}">
-              <a14:shadowObscured xmlns:a14="http://schemas.microsoft.com/office/drawing/2010/main"/>
+              <a14:shadowObscured xmlns:a14="http://schemas.microsoft.com/office/drawing/2010/main" xmlns=""/>
             </a:ext>
           </a:extLst>
         </p:spPr>
@@ -9292,7 +9659,7 @@
     </p:spTree>
     <p:extLst>
       <p:ext uri="{BB962C8B-B14F-4D97-AF65-F5344CB8AC3E}">
-        <p14:creationId xmlns:p14="http://schemas.microsoft.com/office/powerpoint/2010/main" val="315046874"/>
+        <p14:creationId xmlns:p14="http://schemas.microsoft.com/office/powerpoint/2010/main" xmlns="" val="315046874"/>
       </p:ext>
     </p:extLst>
   </p:cSld>
@@ -9461,7 +9828,7 @@
           <a:blip r:embed="rId3" cstate="print">
             <a:extLst>
               <a:ext uri="{28A0092B-C50C-407E-A947-70E740481C1C}">
-                <a14:useLocalDpi xmlns:a14="http://schemas.microsoft.com/office/drawing/2010/main" val="0"/>
+                <a14:useLocalDpi xmlns:a14="http://schemas.microsoft.com/office/drawing/2010/main" xmlns="" val="0"/>
               </a:ext>
             </a:extLst>
           </a:blip>
@@ -9481,7 +9848,7 @@
           </a:ln>
           <a:extLst>
             <a:ext uri="{53640926-AAD7-44D8-BBD7-CCE9431645EC}">
-              <a14:shadowObscured xmlns:a14="http://schemas.microsoft.com/office/drawing/2010/main"/>
+              <a14:shadowObscured xmlns:a14="http://schemas.microsoft.com/office/drawing/2010/main" xmlns=""/>
             </a:ext>
           </a:extLst>
         </p:spPr>
@@ -9679,7 +10046,7 @@
     </p:spTree>
     <p:extLst>
       <p:ext uri="{BB962C8B-B14F-4D97-AF65-F5344CB8AC3E}">
-        <p14:creationId xmlns:p14="http://schemas.microsoft.com/office/powerpoint/2010/main" val="1498823684"/>
+        <p14:creationId xmlns:p14="http://schemas.microsoft.com/office/powerpoint/2010/main" xmlns="" val="1498823684"/>
       </p:ext>
     </p:extLst>
   </p:cSld>
@@ -9884,7 +10251,7 @@
           <a:blip r:embed="rId2" cstate="print">
             <a:extLst>
               <a:ext uri="{28A0092B-C50C-407E-A947-70E740481C1C}">
-                <a14:useLocalDpi xmlns:a14="http://schemas.microsoft.com/office/drawing/2010/main" val="0"/>
+                <a14:useLocalDpi xmlns:a14="http://schemas.microsoft.com/office/drawing/2010/main" xmlns="" val="0"/>
               </a:ext>
             </a:extLst>
           </a:blip>
@@ -9904,7 +10271,7 @@
           </a:ln>
           <a:extLst>
             <a:ext uri="{53640926-AAD7-44D8-BBD7-CCE9431645EC}">
-              <a14:shadowObscured xmlns:a14="http://schemas.microsoft.com/office/drawing/2010/main"/>
+              <a14:shadowObscured xmlns:a14="http://schemas.microsoft.com/office/drawing/2010/main" xmlns=""/>
             </a:ext>
           </a:extLst>
         </p:spPr>
@@ -10086,7 +10453,7 @@
     </p:spTree>
     <p:extLst>
       <p:ext uri="{BB962C8B-B14F-4D97-AF65-F5344CB8AC3E}">
-        <p14:creationId xmlns:p14="http://schemas.microsoft.com/office/powerpoint/2010/main" val="819896303"/>
+        <p14:creationId xmlns:p14="http://schemas.microsoft.com/office/powerpoint/2010/main" xmlns="" val="819896303"/>
       </p:ext>
     </p:extLst>
   </p:cSld>

--- a/Doc/ProjectPresentation1.pptx
+++ b/Doc/ProjectPresentation1.pptx
@@ -5,20 +5,26 @@
     <p:sldMasterId id="2147483648" r:id="rId1"/>
   </p:sldMasterIdLst>
   <p:notesMasterIdLst>
-    <p:notesMasterId r:id="rId13"/>
+    <p:notesMasterId r:id="rId19"/>
   </p:notesMasterIdLst>
   <p:sldIdLst>
     <p:sldId id="256" r:id="rId2"/>
     <p:sldId id="257" r:id="rId3"/>
-    <p:sldId id="265" r:id="rId4"/>
-    <p:sldId id="266" r:id="rId5"/>
-    <p:sldId id="267" r:id="rId6"/>
-    <p:sldId id="258" r:id="rId7"/>
-    <p:sldId id="260" r:id="rId8"/>
-    <p:sldId id="262" r:id="rId9"/>
-    <p:sldId id="261" r:id="rId10"/>
-    <p:sldId id="263" r:id="rId11"/>
-    <p:sldId id="264" r:id="rId12"/>
+    <p:sldId id="269" r:id="rId4"/>
+    <p:sldId id="268" r:id="rId5"/>
+    <p:sldId id="271" r:id="rId6"/>
+    <p:sldId id="265" r:id="rId7"/>
+    <p:sldId id="270" r:id="rId8"/>
+    <p:sldId id="266" r:id="rId9"/>
+    <p:sldId id="273" r:id="rId10"/>
+    <p:sldId id="267" r:id="rId11"/>
+    <p:sldId id="258" r:id="rId12"/>
+    <p:sldId id="260" r:id="rId13"/>
+    <p:sldId id="262" r:id="rId14"/>
+    <p:sldId id="261" r:id="rId15"/>
+    <p:sldId id="263" r:id="rId16"/>
+    <p:sldId id="264" r:id="rId17"/>
+    <p:sldId id="272" r:id="rId18"/>
   </p:sldIdLst>
   <p:sldSz cx="9144000" cy="6858000" type="screen4x3"/>
   <p:notesSz cx="6858000" cy="9144000"/>
@@ -1046,7 +1052,7 @@
       </dgm:t>
     </dgm:pt>
     <dgm:pt modelId="{9CF2904A-95E3-426D-A0E7-D36C77D650C8}" type="pres">
-      <dgm:prSet presAssocID="{7622D27D-1418-454B-8843-814A956FD9D1}" presName="ellipse" presStyleLbl="trBgShp" presStyleIdx="0" presStyleCnt="1" custScaleX="108721" custScaleY="124000" custLinFactNeighborX="1595" custLinFactNeighborY="-10265"/>
+      <dgm:prSet presAssocID="{7622D27D-1418-454B-8843-814A956FD9D1}" presName="ellipse" presStyleLbl="trBgShp" presStyleIdx="0" presStyleCnt="1" custScaleX="108721" custScaleY="124000" custLinFactNeighborX="197" custLinFactNeighborY="-11607"/>
       <dgm:spPr/>
     </dgm:pt>
     <dgm:pt modelId="{EA5B7450-7D1F-4252-A574-1CAA4E07FC8D}" type="pres">
@@ -1069,7 +1075,7 @@
       </dgm:t>
     </dgm:pt>
     <dgm:pt modelId="{2D2081E2-93B7-4D82-B3DD-84A7043B4E30}" type="pres">
-      <dgm:prSet presAssocID="{76944704-A16E-40A3-8D28-45750423D4AB}" presName="item1" presStyleLbl="node1" presStyleIdx="0" presStyleCnt="3">
+      <dgm:prSet presAssocID="{76944704-A16E-40A3-8D28-45750423D4AB}" presName="item1" presStyleLbl="node1" presStyleIdx="0" presStyleCnt="3" custLinFactNeighborY="24558">
         <dgm:presLayoutVars>
           <dgm:bulletEnabled val="1"/>
         </dgm:presLayoutVars>
@@ -1084,7 +1090,7 @@
       </dgm:t>
     </dgm:pt>
     <dgm:pt modelId="{7A545E6C-0F8C-4132-B331-B7ECFC12E3A6}" type="pres">
-      <dgm:prSet presAssocID="{DC903487-BB82-4DFC-B625-BF85C817133E}" presName="item2" presStyleLbl="node1" presStyleIdx="1" presStyleCnt="3" custScaleX="166874" custScaleY="160852" custLinFactNeighborX="12762" custLinFactNeighborY="-23962">
+      <dgm:prSet presAssocID="{DC903487-BB82-4DFC-B625-BF85C817133E}" presName="item2" presStyleLbl="node1" presStyleIdx="1" presStyleCnt="3" custScaleX="166874" custScaleY="160852" custLinFactNeighborX="14433" custLinFactNeighborY="-9375">
         <dgm:presLayoutVars>
           <dgm:bulletEnabled val="1"/>
         </dgm:presLayoutVars>
@@ -1099,7 +1105,7 @@
       </dgm:t>
     </dgm:pt>
     <dgm:pt modelId="{C67984F5-77EA-43A6-9D02-299A9C887AB4}" type="pres">
-      <dgm:prSet presAssocID="{95DC65B9-BC1A-4760-A531-1FC856889EB4}" presName="item3" presStyleLbl="node1" presStyleIdx="2" presStyleCnt="3" custScaleX="134988" custScaleY="133687" custLinFactNeighborX="40100">
+      <dgm:prSet presAssocID="{95DC65B9-BC1A-4760-A531-1FC856889EB4}" presName="item3" presStyleLbl="node1" presStyleIdx="2" presStyleCnt="3" custScaleX="134988" custScaleY="133687" custLinFactNeighborX="33417" custLinFactNeighborY="-20">
         <dgm:presLayoutVars>
           <dgm:bulletEnabled val="1"/>
         </dgm:presLayoutVars>
@@ -1116,18 +1122,25 @@
     <dgm:pt modelId="{C135540B-42C5-49CB-93AC-CD61871322B3}" type="pres">
       <dgm:prSet presAssocID="{7622D27D-1418-454B-8843-814A956FD9D1}" presName="funnel" presStyleLbl="trAlignAcc1" presStyleIdx="0" presStyleCnt="1" custScaleX="108542" custScaleY="116733" custLinFactNeighborX="-28" custLinFactNeighborY="-3685"/>
       <dgm:spPr/>
+      <dgm:t>
+        <a:bodyPr/>
+        <a:lstStyle/>
+        <a:p>
+          <a:endParaRPr lang="en-US"/>
+        </a:p>
+      </dgm:t>
     </dgm:pt>
   </dgm:ptLst>
   <dgm:cxnLst>
-    <dgm:cxn modelId="{1EC9FBEF-BD93-48BC-BB0C-E3D2D3DE23F2}" srcId="{7622D27D-1418-454B-8843-814A956FD9D1}" destId="{95DC65B9-BC1A-4760-A531-1FC856889EB4}" srcOrd="3" destOrd="0" parTransId="{A8B784AB-1A2C-4088-A443-824CDCB3F757}" sibTransId="{67741F9B-B633-44EF-99A4-44D843F45A36}"/>
+    <dgm:cxn modelId="{BCAE8D34-2DF0-4DF2-80F1-3CA31A184F70}" type="presOf" srcId="{B16CC3DF-6F09-447E-9CAB-0F26C694BF33}" destId="{C67984F5-77EA-43A6-9D02-299A9C887AB4}" srcOrd="0" destOrd="0" presId="urn:microsoft.com/office/officeart/2005/8/layout/funnel1"/>
+    <dgm:cxn modelId="{0BFA8BCD-64BD-4EFF-B899-C8719F8A0E55}" srcId="{7622D27D-1418-454B-8843-814A956FD9D1}" destId="{DC903487-BB82-4DFC-B625-BF85C817133E}" srcOrd="2" destOrd="0" parTransId="{FBB9706C-C441-4FAF-B21F-13CB8C42005C}" sibTransId="{3A0450F4-50FE-4FA7-B739-C1195D3FA9A7}"/>
+    <dgm:cxn modelId="{0147FC70-517A-49A2-A64B-D42D84E7CA6E}" type="presOf" srcId="{76944704-A16E-40A3-8D28-45750423D4AB}" destId="{7A545E6C-0F8C-4132-B331-B7ECFC12E3A6}" srcOrd="0" destOrd="0" presId="urn:microsoft.com/office/officeart/2005/8/layout/funnel1"/>
     <dgm:cxn modelId="{6265AE14-D555-4E97-B629-B39B867113A5}" type="presOf" srcId="{DC903487-BB82-4DFC-B625-BF85C817133E}" destId="{2D2081E2-93B7-4D82-B3DD-84A7043B4E30}" srcOrd="0" destOrd="0" presId="urn:microsoft.com/office/officeart/2005/8/layout/funnel1"/>
-    <dgm:cxn modelId="{BCAE8D34-2DF0-4DF2-80F1-3CA31A184F70}" type="presOf" srcId="{B16CC3DF-6F09-447E-9CAB-0F26C694BF33}" destId="{C67984F5-77EA-43A6-9D02-299A9C887AB4}" srcOrd="0" destOrd="0" presId="urn:microsoft.com/office/officeart/2005/8/layout/funnel1"/>
     <dgm:cxn modelId="{26A19BB3-2B5D-4A8B-9F43-CD9DC2115091}" type="presOf" srcId="{7622D27D-1418-454B-8843-814A956FD9D1}" destId="{7BD4EBA1-C18C-43A4-B814-C8137E3BBEB1}" srcOrd="0" destOrd="0" presId="urn:microsoft.com/office/officeart/2005/8/layout/funnel1"/>
     <dgm:cxn modelId="{C87A493C-5A32-4F48-B471-F15B3B632119}" srcId="{7622D27D-1418-454B-8843-814A956FD9D1}" destId="{B16CC3DF-6F09-447E-9CAB-0F26C694BF33}" srcOrd="0" destOrd="0" parTransId="{A2B03C21-AD22-4A41-B91A-EDBBF4A9E303}" sibTransId="{5B0884FF-B6FC-4D9E-826D-A274B44DC1C5}"/>
-    <dgm:cxn modelId="{0147FC70-517A-49A2-A64B-D42D84E7CA6E}" type="presOf" srcId="{76944704-A16E-40A3-8D28-45750423D4AB}" destId="{7A545E6C-0F8C-4132-B331-B7ECFC12E3A6}" srcOrd="0" destOrd="0" presId="urn:microsoft.com/office/officeart/2005/8/layout/funnel1"/>
+    <dgm:cxn modelId="{C32F4944-87AD-440A-8446-BA7FDD34A189}" type="presOf" srcId="{95DC65B9-BC1A-4760-A531-1FC856889EB4}" destId="{AED0CA65-6A91-4F55-B1D5-2C93C67A216C}" srcOrd="0" destOrd="0" presId="urn:microsoft.com/office/officeart/2005/8/layout/funnel1"/>
+    <dgm:cxn modelId="{1EC9FBEF-BD93-48BC-BB0C-E3D2D3DE23F2}" srcId="{7622D27D-1418-454B-8843-814A956FD9D1}" destId="{95DC65B9-BC1A-4760-A531-1FC856889EB4}" srcOrd="3" destOrd="0" parTransId="{A8B784AB-1A2C-4088-A443-824CDCB3F757}" sibTransId="{67741F9B-B633-44EF-99A4-44D843F45A36}"/>
     <dgm:cxn modelId="{2114F41E-B164-4555-8679-582A2790C4D7}" srcId="{7622D27D-1418-454B-8843-814A956FD9D1}" destId="{76944704-A16E-40A3-8D28-45750423D4AB}" srcOrd="1" destOrd="0" parTransId="{4C9ED8B0-9A97-497C-B9E1-739F3EF399DD}" sibTransId="{EDA11C35-0ABC-482C-B1A8-EDECC8460B99}"/>
-    <dgm:cxn modelId="{0BFA8BCD-64BD-4EFF-B899-C8719F8A0E55}" srcId="{7622D27D-1418-454B-8843-814A956FD9D1}" destId="{DC903487-BB82-4DFC-B625-BF85C817133E}" srcOrd="2" destOrd="0" parTransId="{FBB9706C-C441-4FAF-B21F-13CB8C42005C}" sibTransId="{3A0450F4-50FE-4FA7-B739-C1195D3FA9A7}"/>
-    <dgm:cxn modelId="{C32F4944-87AD-440A-8446-BA7FDD34A189}" type="presOf" srcId="{95DC65B9-BC1A-4760-A531-1FC856889EB4}" destId="{AED0CA65-6A91-4F55-B1D5-2C93C67A216C}" srcOrd="0" destOrd="0" presId="urn:microsoft.com/office/officeart/2005/8/layout/funnel1"/>
     <dgm:cxn modelId="{4C8EBBD5-3527-4D0E-A55C-9D5FC5B226C0}" type="presParOf" srcId="{7BD4EBA1-C18C-43A4-B814-C8137E3BBEB1}" destId="{9CF2904A-95E3-426D-A0E7-D36C77D650C8}" srcOrd="0" destOrd="0" presId="urn:microsoft.com/office/officeart/2005/8/layout/funnel1"/>
     <dgm:cxn modelId="{F73DA345-643B-4594-82F9-9CD6AB01601B}" type="presParOf" srcId="{7BD4EBA1-C18C-43A4-B814-C8137E3BBEB1}" destId="{EA5B7450-7D1F-4252-A574-1CAA4E07FC8D}" srcOrd="1" destOrd="0" presId="urn:microsoft.com/office/officeart/2005/8/layout/funnel1"/>
     <dgm:cxn modelId="{9D6A8A07-0890-4B25-BE1D-C677BDE37E75}" type="presParOf" srcId="{7BD4EBA1-C18C-43A4-B814-C8137E3BBEB1}" destId="{AED0CA65-6A91-4F55-B1D5-2C93C67A216C}" srcOrd="2" destOrd="0" presId="urn:microsoft.com/office/officeart/2005/8/layout/funnel1"/>
@@ -1140,14 +1153,14 @@
   <dgm:whole/>
   <dgm:extLst>
     <a:ext uri="http://schemas.microsoft.com/office/drawing/2008/diagram">
-      <dsp:dataModelExt xmlns:dsp="http://schemas.microsoft.com/office/drawing/2008/diagram" xmlns="" relId="rId6" minVer="http://schemas.openxmlformats.org/drawingml/2006/diagram"/>
+      <dsp:dataModelExt xmlns:dsp="http://schemas.microsoft.com/office/drawing/2008/diagram" relId="rId6" minVer="http://schemas.openxmlformats.org/drawingml/2006/diagram"/>
     </a:ext>
   </dgm:extLst>
 </dgm:dataModel>
 </file>
 
 <file path=ppt/diagrams/drawing1.xml><?xml version="1.0" encoding="utf-8"?>
-<dsp:drawing xmlns:dgm="http://schemas.openxmlformats.org/drawingml/2006/diagram" xmlns:a="http://schemas.openxmlformats.org/drawingml/2006/main" xmlns:dsp="http://schemas.microsoft.com/office/drawing/2008/diagram">
+<dsp:drawing xmlns:dgm="http://schemas.openxmlformats.org/drawingml/2006/diagram" xmlns:dsp="http://schemas.microsoft.com/office/drawing/2008/diagram" xmlns:a="http://schemas.openxmlformats.org/drawingml/2006/main">
   <dsp:spTree>
     <dsp:nvGrpSpPr>
       <dsp:cNvPr id="0" name=""/>
@@ -1161,7 +1174,7 @@
       </dsp:nvSpPr>
       <dsp:spPr>
         <a:xfrm>
-          <a:off x="803990" y="152398"/>
+          <a:off x="758298" y="137165"/>
           <a:ext cx="3553446" cy="1407493"/>
         </a:xfrm>
         <a:prstGeom prst="ellipse">
@@ -1310,7 +1323,7 @@
       </dsp:nvSpPr>
       <dsp:spPr>
         <a:xfrm>
-          <a:off x="2082660" y="1627862"/>
+          <a:off x="2082660" y="1907858"/>
           <a:ext cx="1140142" cy="1140142"/>
         </a:xfrm>
         <a:prstGeom prst="ellipse">
@@ -1376,8 +1389,8 @@
         </a:p>
       </dsp:txBody>
       <dsp:txXfrm>
-        <a:off x="2082660" y="1627862"/>
-        <a:ext cx="1140142" cy="1140142"/>
+        <a:off x="2249630" y="2074828"/>
+        <a:ext cx="806202" cy="806202"/>
       </dsp:txXfrm>
     </dsp:sp>
     <dsp:sp modelId="{7A545E6C-0F8C-4132-B331-B7ECFC12E3A6}">
@@ -1387,7 +1400,7 @@
       </dsp:nvSpPr>
       <dsp:spPr>
         <a:xfrm>
-          <a:off x="1031100" y="152401"/>
+          <a:off x="1050152" y="318714"/>
           <a:ext cx="1902601" cy="1833942"/>
         </a:xfrm>
         <a:prstGeom prst="ellipse">
@@ -1453,8 +1466,8 @@
         </a:p>
       </dsp:txBody>
       <dsp:txXfrm>
-        <a:off x="1031100" y="152401"/>
-        <a:ext cx="1902601" cy="1833942"/>
+        <a:off x="1328781" y="587289"/>
+        <a:ext cx="1345343" cy="1296792"/>
       </dsp:txXfrm>
     </dsp:sp>
     <dsp:sp modelId="{C67984F5-77EA-43A6-9D02-299A9C887AB4}">
@@ -1464,7 +1477,7 @@
       </dsp:nvSpPr>
       <dsp:spPr>
         <a:xfrm>
-          <a:off x="2690044" y="304801"/>
+          <a:off x="2613848" y="304573"/>
           <a:ext cx="1539055" cy="1524222"/>
         </a:xfrm>
         <a:prstGeom prst="ellipse">
@@ -1530,8 +1543,8 @@
         </a:p>
       </dsp:txBody>
       <dsp:txXfrm>
-        <a:off x="2690044" y="304801"/>
-        <a:ext cx="1539055" cy="1524222"/>
+        <a:off x="2839237" y="527790"/>
+        <a:ext cx="1088277" cy="1077788"/>
       </dsp:txXfrm>
     </dsp:sp>
     <dsp:sp modelId="{C135540B-42C5-49CB-93AC-CD61871322B3}">
@@ -3021,7 +3034,7 @@
             <a:fld id="{8529C4BC-B2A5-4433-83F8-57753B4C3B20}" type="datetimeFigureOut">
               <a:rPr lang="en-US" smtClean="0"/>
               <a:pPr/>
-              <a:t>8/28/2011</a:t>
+              <a:t>8/31/2011</a:t>
             </a:fld>
             <a:endParaRPr lang="en-US"/>
           </a:p>
@@ -3190,7 +3203,7 @@
     </p:spTree>
     <p:extLst>
       <p:ext uri="{BB962C8B-B14F-4D97-AF65-F5344CB8AC3E}">
-        <p14:creationId xmlns:p14="http://schemas.microsoft.com/office/powerpoint/2010/main" xmlns="" val="1972029052"/>
+        <p14:creationId xmlns:p14="http://schemas.microsoft.com/office/powerpoint/2010/main" val="1972029052"/>
       </p:ext>
     </p:extLst>
   </p:cSld>
@@ -3356,7 +3369,7 @@
             <a:fld id="{DADD876A-1B49-49DD-8F2D-83CBD6209C57}" type="slidenum">
               <a:rPr lang="en-US" smtClean="0"/>
               <a:pPr/>
-              <a:t>7</a:t>
+              <a:t>12</a:t>
             </a:fld>
             <a:endParaRPr lang="en-US"/>
           </a:p>
@@ -3365,7 +3378,7 @@
     </p:spTree>
     <p:extLst>
       <p:ext uri="{BB962C8B-B14F-4D97-AF65-F5344CB8AC3E}">
-        <p14:creationId xmlns:p14="http://schemas.microsoft.com/office/powerpoint/2010/main" xmlns="" val="3222338183"/>
+        <p14:creationId xmlns:p14="http://schemas.microsoft.com/office/powerpoint/2010/main" val="3222338183"/>
       </p:ext>
     </p:extLst>
   </p:cSld>
@@ -3441,7 +3454,7 @@
             <a:fld id="{DADD876A-1B49-49DD-8F2D-83CBD6209C57}" type="slidenum">
               <a:rPr lang="en-US" smtClean="0"/>
               <a:pPr/>
-              <a:t>8</a:t>
+              <a:t>13</a:t>
             </a:fld>
             <a:endParaRPr lang="en-US"/>
           </a:p>
@@ -3450,7 +3463,7 @@
     </p:spTree>
     <p:extLst>
       <p:ext uri="{BB962C8B-B14F-4D97-AF65-F5344CB8AC3E}">
-        <p14:creationId xmlns:p14="http://schemas.microsoft.com/office/powerpoint/2010/main" xmlns="" val="3222338183"/>
+        <p14:creationId xmlns:p14="http://schemas.microsoft.com/office/powerpoint/2010/main" val="3222338183"/>
       </p:ext>
     </p:extLst>
   </p:cSld>
@@ -3642,7 +3655,7 @@
             <a:fld id="{A623BE0C-B4FE-411C-B00F-FCA6A312E010}" type="datetimeFigureOut">
               <a:rPr lang="en-US" smtClean="0"/>
               <a:pPr/>
-              <a:t>8/28/2011</a:t>
+              <a:t>8/31/2011</a:t>
             </a:fld>
             <a:endParaRPr lang="en-US"/>
           </a:p>
@@ -3694,7 +3707,7 @@
     </p:spTree>
     <p:extLst>
       <p:ext uri="{BB962C8B-B14F-4D97-AF65-F5344CB8AC3E}">
-        <p14:creationId xmlns:p14="http://schemas.microsoft.com/office/powerpoint/2010/main" xmlns="" val="323588753"/>
+        <p14:creationId xmlns:p14="http://schemas.microsoft.com/office/powerpoint/2010/main" val="323588753"/>
       </p:ext>
     </p:extLst>
   </p:cSld>
@@ -3814,7 +3827,7 @@
             <a:fld id="{A623BE0C-B4FE-411C-B00F-FCA6A312E010}" type="datetimeFigureOut">
               <a:rPr lang="en-US" smtClean="0"/>
               <a:pPr/>
-              <a:t>8/28/2011</a:t>
+              <a:t>8/31/2011</a:t>
             </a:fld>
             <a:endParaRPr lang="en-US"/>
           </a:p>
@@ -3866,7 +3879,7 @@
     </p:spTree>
     <p:extLst>
       <p:ext uri="{BB962C8B-B14F-4D97-AF65-F5344CB8AC3E}">
-        <p14:creationId xmlns:p14="http://schemas.microsoft.com/office/powerpoint/2010/main" xmlns="" val="2921916018"/>
+        <p14:creationId xmlns:p14="http://schemas.microsoft.com/office/powerpoint/2010/main" val="2921916018"/>
       </p:ext>
     </p:extLst>
   </p:cSld>
@@ -3996,7 +4009,7 @@
             <a:fld id="{A623BE0C-B4FE-411C-B00F-FCA6A312E010}" type="datetimeFigureOut">
               <a:rPr lang="en-US" smtClean="0"/>
               <a:pPr/>
-              <a:t>8/28/2011</a:t>
+              <a:t>8/31/2011</a:t>
             </a:fld>
             <a:endParaRPr lang="en-US"/>
           </a:p>
@@ -4048,7 +4061,7 @@
     </p:spTree>
     <p:extLst>
       <p:ext uri="{BB962C8B-B14F-4D97-AF65-F5344CB8AC3E}">
-        <p14:creationId xmlns:p14="http://schemas.microsoft.com/office/powerpoint/2010/main" xmlns="" val="3760154480"/>
+        <p14:creationId xmlns:p14="http://schemas.microsoft.com/office/powerpoint/2010/main" val="3760154480"/>
       </p:ext>
     </p:extLst>
   </p:cSld>
@@ -4168,7 +4181,7 @@
             <a:fld id="{A623BE0C-B4FE-411C-B00F-FCA6A312E010}" type="datetimeFigureOut">
               <a:rPr lang="en-US" smtClean="0"/>
               <a:pPr/>
-              <a:t>8/28/2011</a:t>
+              <a:t>8/31/2011</a:t>
             </a:fld>
             <a:endParaRPr lang="en-US"/>
           </a:p>
@@ -4220,7 +4233,7 @@
     </p:spTree>
     <p:extLst>
       <p:ext uri="{BB962C8B-B14F-4D97-AF65-F5344CB8AC3E}">
-        <p14:creationId xmlns:p14="http://schemas.microsoft.com/office/powerpoint/2010/main" xmlns="" val="2253544174"/>
+        <p14:creationId xmlns:p14="http://schemas.microsoft.com/office/powerpoint/2010/main" val="2253544174"/>
       </p:ext>
     </p:extLst>
   </p:cSld>
@@ -4416,7 +4429,7 @@
             <a:fld id="{A623BE0C-B4FE-411C-B00F-FCA6A312E010}" type="datetimeFigureOut">
               <a:rPr lang="en-US" smtClean="0"/>
               <a:pPr/>
-              <a:t>8/28/2011</a:t>
+              <a:t>8/31/2011</a:t>
             </a:fld>
             <a:endParaRPr lang="en-US"/>
           </a:p>
@@ -4468,7 +4481,7 @@
     </p:spTree>
     <p:extLst>
       <p:ext uri="{BB962C8B-B14F-4D97-AF65-F5344CB8AC3E}">
-        <p14:creationId xmlns:p14="http://schemas.microsoft.com/office/powerpoint/2010/main" xmlns="" val="2280461358"/>
+        <p14:creationId xmlns:p14="http://schemas.microsoft.com/office/powerpoint/2010/main" val="2280461358"/>
       </p:ext>
     </p:extLst>
   </p:cSld>
@@ -4706,7 +4719,7 @@
             <a:fld id="{A623BE0C-B4FE-411C-B00F-FCA6A312E010}" type="datetimeFigureOut">
               <a:rPr lang="en-US" smtClean="0"/>
               <a:pPr/>
-              <a:t>8/28/2011</a:t>
+              <a:t>8/31/2011</a:t>
             </a:fld>
             <a:endParaRPr lang="en-US"/>
           </a:p>
@@ -4758,7 +4771,7 @@
     </p:spTree>
     <p:extLst>
       <p:ext uri="{BB962C8B-B14F-4D97-AF65-F5344CB8AC3E}">
-        <p14:creationId xmlns:p14="http://schemas.microsoft.com/office/powerpoint/2010/main" xmlns="" val="2314838259"/>
+        <p14:creationId xmlns:p14="http://schemas.microsoft.com/office/powerpoint/2010/main" val="2314838259"/>
       </p:ext>
     </p:extLst>
   </p:cSld>
@@ -5130,7 +5143,7 @@
             <a:fld id="{A623BE0C-B4FE-411C-B00F-FCA6A312E010}" type="datetimeFigureOut">
               <a:rPr lang="en-US" smtClean="0"/>
               <a:pPr/>
-              <a:t>8/28/2011</a:t>
+              <a:t>8/31/2011</a:t>
             </a:fld>
             <a:endParaRPr lang="en-US"/>
           </a:p>
@@ -5182,7 +5195,7 @@
     </p:spTree>
     <p:extLst>
       <p:ext uri="{BB962C8B-B14F-4D97-AF65-F5344CB8AC3E}">
-        <p14:creationId xmlns:p14="http://schemas.microsoft.com/office/powerpoint/2010/main" xmlns="" val="825642813"/>
+        <p14:creationId xmlns:p14="http://schemas.microsoft.com/office/powerpoint/2010/main" val="825642813"/>
       </p:ext>
     </p:extLst>
   </p:cSld>
@@ -5250,7 +5263,7 @@
             <a:fld id="{A623BE0C-B4FE-411C-B00F-FCA6A312E010}" type="datetimeFigureOut">
               <a:rPr lang="en-US" smtClean="0"/>
               <a:pPr/>
-              <a:t>8/28/2011</a:t>
+              <a:t>8/31/2011</a:t>
             </a:fld>
             <a:endParaRPr lang="en-US"/>
           </a:p>
@@ -5302,7 +5315,7 @@
     </p:spTree>
     <p:extLst>
       <p:ext uri="{BB962C8B-B14F-4D97-AF65-F5344CB8AC3E}">
-        <p14:creationId xmlns:p14="http://schemas.microsoft.com/office/powerpoint/2010/main" xmlns="" val="2594057694"/>
+        <p14:creationId xmlns:p14="http://schemas.microsoft.com/office/powerpoint/2010/main" val="2594057694"/>
       </p:ext>
     </p:extLst>
   </p:cSld>
@@ -5347,7 +5360,7 @@
             <a:fld id="{A623BE0C-B4FE-411C-B00F-FCA6A312E010}" type="datetimeFigureOut">
               <a:rPr lang="en-US" smtClean="0"/>
               <a:pPr/>
-              <a:t>8/28/2011</a:t>
+              <a:t>8/31/2011</a:t>
             </a:fld>
             <a:endParaRPr lang="en-US"/>
           </a:p>
@@ -5399,7 +5412,7 @@
     </p:spTree>
     <p:extLst>
       <p:ext uri="{BB962C8B-B14F-4D97-AF65-F5344CB8AC3E}">
-        <p14:creationId xmlns:p14="http://schemas.microsoft.com/office/powerpoint/2010/main" xmlns="" val="3349367938"/>
+        <p14:creationId xmlns:p14="http://schemas.microsoft.com/office/powerpoint/2010/main" val="3349367938"/>
       </p:ext>
     </p:extLst>
   </p:cSld>
@@ -5626,7 +5639,7 @@
             <a:fld id="{A623BE0C-B4FE-411C-B00F-FCA6A312E010}" type="datetimeFigureOut">
               <a:rPr lang="en-US" smtClean="0"/>
               <a:pPr/>
-              <a:t>8/28/2011</a:t>
+              <a:t>8/31/2011</a:t>
             </a:fld>
             <a:endParaRPr lang="en-US"/>
           </a:p>
@@ -5678,7 +5691,7 @@
     </p:spTree>
     <p:extLst>
       <p:ext uri="{BB962C8B-B14F-4D97-AF65-F5344CB8AC3E}">
-        <p14:creationId xmlns:p14="http://schemas.microsoft.com/office/powerpoint/2010/main" xmlns="" val="2003841279"/>
+        <p14:creationId xmlns:p14="http://schemas.microsoft.com/office/powerpoint/2010/main" val="2003841279"/>
       </p:ext>
     </p:extLst>
   </p:cSld>
@@ -5881,7 +5894,7 @@
             <a:fld id="{A623BE0C-B4FE-411C-B00F-FCA6A312E010}" type="datetimeFigureOut">
               <a:rPr lang="en-US" smtClean="0"/>
               <a:pPr/>
-              <a:t>8/28/2011</a:t>
+              <a:t>8/31/2011</a:t>
             </a:fld>
             <a:endParaRPr lang="en-US"/>
           </a:p>
@@ -5933,7 +5946,7 @@
     </p:spTree>
     <p:extLst>
       <p:ext uri="{BB962C8B-B14F-4D97-AF65-F5344CB8AC3E}">
-        <p14:creationId xmlns:p14="http://schemas.microsoft.com/office/powerpoint/2010/main" xmlns="" val="2630436295"/>
+        <p14:creationId xmlns:p14="http://schemas.microsoft.com/office/powerpoint/2010/main" val="2630436295"/>
       </p:ext>
     </p:extLst>
   </p:cSld>
@@ -5951,15 +5964,20 @@
         <a:gradFill flip="none" rotWithShape="1">
           <a:gsLst>
             <a:gs pos="100000">
-              <a:srgbClr val="2110A0"/>
+              <a:schemeClr val="accent5">
+                <a:lumMod val="75000"/>
+              </a:schemeClr>
             </a:gs>
             <a:gs pos="100000">
               <a:schemeClr val="bg1"/>
             </a:gs>
+            <a:gs pos="22000">
+              <a:srgbClr val="A3C9D3"/>
+            </a:gs>
             <a:gs pos="0">
-              <a:schemeClr val="tx2">
-                <a:lumMod val="60000"/>
-                <a:lumOff val="40000"/>
+              <a:schemeClr val="accent5">
+                <a:lumMod val="40000"/>
+                <a:lumOff val="60000"/>
               </a:schemeClr>
             </a:gs>
             <a:gs pos="100000">
@@ -6117,7 +6135,7 @@
             <a:fld id="{A623BE0C-B4FE-411C-B00F-FCA6A312E010}" type="datetimeFigureOut">
               <a:rPr lang="en-US" smtClean="0"/>
               <a:pPr/>
-              <a:t>8/28/2011</a:t>
+              <a:t>8/31/2011</a:t>
             </a:fld>
             <a:endParaRPr lang="en-US"/>
           </a:p>
@@ -6205,7 +6223,7 @@
     </p:spTree>
     <p:extLst>
       <p:ext uri="{BB962C8B-B14F-4D97-AF65-F5344CB8AC3E}">
-        <p14:creationId xmlns:p14="http://schemas.microsoft.com/office/powerpoint/2010/main" xmlns="" val="775339368"/>
+        <p14:creationId xmlns:p14="http://schemas.microsoft.com/office/powerpoint/2010/main" val="775339368"/>
       </p:ext>
     </p:extLst>
   </p:cSld>
@@ -6482,7 +6500,7 @@
     <p:bg>
       <p:bgPr>
         <a:blipFill dpi="0" rotWithShape="1">
-          <a:blip r:embed="rId2" cstate="print">
+          <a:blip r:embed="rId2">
             <a:lum/>
           </a:blip>
           <a:srcRect/>
@@ -6551,61 +6569,157 @@
           <a:lstStyle/>
           <a:p>
             <a:r>
-              <a:rPr lang="th-TH" sz="6000" b="1" dirty="0">
+              <a:rPr lang="th-TH" sz="6000" b="1" spc="50" dirty="0">
+                <a:ln w="13500">
+                  <a:solidFill>
+                    <a:schemeClr val="accent1">
+                      <a:shade val="2500"/>
+                      <a:alpha val="6500"/>
+                    </a:schemeClr>
+                  </a:solidFill>
+                  <a:prstDash val="solid"/>
+                </a:ln>
                 <a:solidFill>
                   <a:schemeClr val="bg1">
-                    <a:lumMod val="50000"/>
+                    <a:alpha val="95000"/>
                   </a:schemeClr>
                 </a:solidFill>
+                <a:effectLst>
+                  <a:innerShdw blurRad="50900" dist="38500" dir="13500000">
+                    <a:srgbClr val="000000">
+                      <a:alpha val="60000"/>
+                    </a:srgbClr>
+                  </a:innerShdw>
+                </a:effectLst>
               </a:rPr>
               <a:t>ซอฟต์แวร์ประยุกต์จดจำ</a:t>
             </a:r>
             <a:r>
-              <a:rPr lang="th-TH" sz="6000" b="1" dirty="0" smtClean="0">
+              <a:rPr lang="th-TH" sz="6000" b="1" spc="50" dirty="0" smtClean="0">
+                <a:ln w="13500">
+                  <a:solidFill>
+                    <a:schemeClr val="accent1">
+                      <a:shade val="2500"/>
+                      <a:alpha val="6500"/>
+                    </a:schemeClr>
+                  </a:solidFill>
+                  <a:prstDash val="solid"/>
+                </a:ln>
                 <a:solidFill>
                   <a:schemeClr val="bg1">
-                    <a:lumMod val="50000"/>
+                    <a:alpha val="95000"/>
                   </a:schemeClr>
                 </a:solidFill>
+                <a:effectLst>
+                  <a:innerShdw blurRad="50900" dist="38500" dir="13500000">
+                    <a:srgbClr val="000000">
+                      <a:alpha val="60000"/>
+                    </a:srgbClr>
+                  </a:innerShdw>
+                </a:effectLst>
               </a:rPr>
               <a:t>การ</a:t>
             </a:r>
             <a:r>
-              <a:rPr lang="th-TH" sz="6000" b="1" dirty="0">
+              <a:rPr lang="th-TH" sz="6000" b="1" spc="50" dirty="0">
+                <a:ln w="13500">
+                  <a:solidFill>
+                    <a:schemeClr val="accent1">
+                      <a:shade val="2500"/>
+                      <a:alpha val="6500"/>
+                    </a:schemeClr>
+                  </a:solidFill>
+                  <a:prstDash val="solid"/>
+                </a:ln>
                 <a:solidFill>
                   <a:schemeClr val="bg1">
-                    <a:lumMod val="50000"/>
+                    <a:alpha val="95000"/>
                   </a:schemeClr>
                 </a:solidFill>
+                <a:effectLst>
+                  <a:innerShdw blurRad="50900" dist="38500" dir="13500000">
+                    <a:srgbClr val="000000">
+                      <a:alpha val="60000"/>
+                    </a:srgbClr>
+                  </a:innerShdw>
+                </a:effectLst>
               </a:rPr>
               <a:t>เ</a:t>
             </a:r>
             <a:r>
-              <a:rPr lang="th-TH" sz="6000" b="1" dirty="0" smtClean="0">
+              <a:rPr lang="th-TH" sz="6000" b="1" spc="50" dirty="0" smtClean="0">
+                <a:ln w="13500">
+                  <a:solidFill>
+                    <a:schemeClr val="accent1">
+                      <a:shade val="2500"/>
+                      <a:alpha val="6500"/>
+                    </a:schemeClr>
+                  </a:solidFill>
+                  <a:prstDash val="solid"/>
+                </a:ln>
                 <a:solidFill>
                   <a:schemeClr val="bg1">
-                    <a:lumMod val="50000"/>
+                    <a:alpha val="95000"/>
                   </a:schemeClr>
                 </a:solidFill>
+                <a:effectLst>
+                  <a:innerShdw blurRad="50900" dist="38500" dir="13500000">
+                    <a:srgbClr val="000000">
+                      <a:alpha val="60000"/>
+                    </a:srgbClr>
+                  </a:innerShdw>
+                </a:effectLst>
               </a:rPr>
               <a:t>ดินทาง</a:t>
             </a:r>
             <a:r>
-              <a:rPr lang="th-TH" sz="6000" b="1" dirty="0">
+              <a:rPr lang="th-TH" sz="6000" b="1" spc="50" dirty="0">
+                <a:ln w="13500">
+                  <a:solidFill>
+                    <a:schemeClr val="accent1">
+                      <a:shade val="2500"/>
+                      <a:alpha val="6500"/>
+                    </a:schemeClr>
+                  </a:solidFill>
+                  <a:prstDash val="solid"/>
+                </a:ln>
                 <a:solidFill>
                   <a:schemeClr val="bg1">
-                    <a:lumMod val="50000"/>
+                    <a:alpha val="95000"/>
                   </a:schemeClr>
                 </a:solidFill>
+                <a:effectLst>
+                  <a:innerShdw blurRad="50900" dist="38500" dir="13500000">
+                    <a:srgbClr val="000000">
+                      <a:alpha val="60000"/>
+                    </a:srgbClr>
+                  </a:innerShdw>
+                </a:effectLst>
               </a:rPr>
               <a:t>บนระบบแอนดรอยด์</a:t>
             </a:r>
-            <a:endParaRPr lang="en-US" sz="6000" b="1" dirty="0">
+            <a:endParaRPr lang="en-US" sz="6000" b="1" spc="50" dirty="0">
+              <a:ln w="13500">
+                <a:solidFill>
+                  <a:schemeClr val="accent1">
+                    <a:shade val="2500"/>
+                    <a:alpha val="6500"/>
+                  </a:schemeClr>
+                </a:solidFill>
+                <a:prstDash val="solid"/>
+              </a:ln>
               <a:solidFill>
                 <a:schemeClr val="bg1">
-                  <a:lumMod val="50000"/>
+                  <a:alpha val="95000"/>
                 </a:schemeClr>
               </a:solidFill>
+              <a:effectLst>
+                <a:innerShdw blurRad="50900" dist="38500" dir="13500000">
+                  <a:srgbClr val="000000">
+                    <a:alpha val="60000"/>
+                  </a:srgbClr>
+                </a:innerShdw>
+              </a:effectLst>
             </a:endParaRPr>
           </a:p>
         </p:txBody>
@@ -6613,7 +6727,212 @@
     </p:spTree>
     <p:extLst>
       <p:ext uri="{BB962C8B-B14F-4D97-AF65-F5344CB8AC3E}">
-        <p14:creationId xmlns:p14="http://schemas.microsoft.com/office/powerpoint/2010/main" xmlns="" val="3765382340"/>
+        <p14:creationId xmlns:p14="http://schemas.microsoft.com/office/powerpoint/2010/main" val="3765382340"/>
+      </p:ext>
+    </p:extLst>
+  </p:cSld>
+  <p:clrMapOvr>
+    <a:masterClrMapping/>
+  </p:clrMapOvr>
+  <mc:AlternateContent xmlns:mc="http://schemas.openxmlformats.org/markup-compatibility/2006">
+    <mc:Choice xmlns:p14="http://schemas.microsoft.com/office/powerpoint/2010/main" Requires="p14">
+      <p:transition spd="slow" p14:dur="2000"/>
+    </mc:Choice>
+    <mc:Fallback>
+      <p:transition spd="slow"/>
+    </mc:Fallback>
+  </mc:AlternateContent>
+  <p:timing>
+    <p:tnLst>
+      <p:par>
+        <p:cTn id="1" dur="indefinite" restart="never" nodeType="tmRoot">
+          <p:childTnLst>
+            <p:seq concurrent="1" nextAc="seek">
+              <p:cTn id="2" dur="indefinite" nodeType="mainSeq">
+                <p:childTnLst>
+                  <p:par>
+                    <p:cTn id="3" fill="hold">
+                      <p:stCondLst>
+                        <p:cond delay="indefinite"/>
+                      </p:stCondLst>
+                      <p:childTnLst>
+                        <p:par>
+                          <p:cTn id="4" fill="hold">
+                            <p:stCondLst>
+                              <p:cond delay="0"/>
+                            </p:stCondLst>
+                            <p:childTnLst>
+                              <p:par>
+                                <p:cTn id="5" presetID="10" presetClass="entr" presetSubtype="0" fill="hold" grpId="0" nodeType="clickEffect">
+                                  <p:stCondLst>
+                                    <p:cond delay="0"/>
+                                  </p:stCondLst>
+                                  <p:childTnLst>
+                                    <p:set>
+                                      <p:cBhvr>
+                                        <p:cTn id="6" dur="1" fill="hold">
+                                          <p:stCondLst>
+                                            <p:cond delay="0"/>
+                                          </p:stCondLst>
+                                        </p:cTn>
+                                        <p:tgtEl>
+                                          <p:spTgt spid="2"/>
+                                        </p:tgtEl>
+                                        <p:attrNameLst>
+                                          <p:attrName>style.visibility</p:attrName>
+                                        </p:attrNameLst>
+                                      </p:cBhvr>
+                                      <p:to>
+                                        <p:strVal val="visible"/>
+                                      </p:to>
+                                    </p:set>
+                                    <p:animEffect transition="in" filter="fade">
+                                      <p:cBhvr>
+                                        <p:cTn id="7" dur="500"/>
+                                        <p:tgtEl>
+                                          <p:spTgt spid="2"/>
+                                        </p:tgtEl>
+                                      </p:cBhvr>
+                                    </p:animEffect>
+                                  </p:childTnLst>
+                                </p:cTn>
+                              </p:par>
+                            </p:childTnLst>
+                          </p:cTn>
+                        </p:par>
+                      </p:childTnLst>
+                    </p:cTn>
+                  </p:par>
+                </p:childTnLst>
+              </p:cTn>
+              <p:prevCondLst>
+                <p:cond evt="onPrev" delay="0">
+                  <p:tgtEl>
+                    <p:sldTgt/>
+                  </p:tgtEl>
+                </p:cond>
+              </p:prevCondLst>
+              <p:nextCondLst>
+                <p:cond evt="onNext" delay="0">
+                  <p:tgtEl>
+                    <p:sldTgt/>
+                  </p:tgtEl>
+                </p:cond>
+              </p:nextCondLst>
+            </p:seq>
+          </p:childTnLst>
+        </p:cTn>
+      </p:par>
+    </p:tnLst>
+    <p:bldLst>
+      <p:bldP spid="2" grpId="0"/>
+    </p:bldLst>
+  </p:timing>
+</p:sld>
+</file>
+
+<file path=ppt/slides/slide10.xml><?xml version="1.0" encoding="utf-8"?>
+<p:sld xmlns:a="http://schemas.openxmlformats.org/drawingml/2006/main" xmlns:r="http://schemas.openxmlformats.org/officeDocument/2006/relationships" xmlns:p="http://schemas.openxmlformats.org/presentationml/2006/main">
+  <p:cSld>
+    <p:spTree>
+      <p:nvGrpSpPr>
+        <p:cNvPr id="1" name=""/>
+        <p:cNvGrpSpPr/>
+        <p:nvPr/>
+      </p:nvGrpSpPr>
+      <p:grpSpPr>
+        <a:xfrm>
+          <a:off x="0" y="0"/>
+          <a:ext cx="0" cy="0"/>
+          <a:chOff x="0" y="0"/>
+          <a:chExt cx="0" cy="0"/>
+        </a:xfrm>
+      </p:grpSpPr>
+      <p:sp>
+        <p:nvSpPr>
+          <p:cNvPr id="2" name="Title 1"/>
+          <p:cNvSpPr>
+            <a:spLocks noGrp="1"/>
+          </p:cNvSpPr>
+          <p:nvPr>
+            <p:ph type="title"/>
+          </p:nvPr>
+        </p:nvSpPr>
+        <p:spPr/>
+        <p:txBody>
+          <a:bodyPr/>
+          <a:lstStyle/>
+          <a:p>
+            <a:r>
+              <a:rPr lang="th-TH" dirty="0" smtClean="0"/>
+              <a:t>ความสามารถของโปรแกรม</a:t>
+            </a:r>
+            <a:endParaRPr lang="en-US" dirty="0"/>
+          </a:p>
+        </p:txBody>
+      </p:sp>
+      <p:sp>
+        <p:nvSpPr>
+          <p:cNvPr id="3" name="Content Placeholder 2"/>
+          <p:cNvSpPr>
+            <a:spLocks noGrp="1"/>
+          </p:cNvSpPr>
+          <p:nvPr>
+            <p:ph idx="1"/>
+          </p:nvPr>
+        </p:nvSpPr>
+        <p:spPr/>
+        <p:txBody>
+          <a:bodyPr>
+            <a:normAutofit/>
+          </a:bodyPr>
+          <a:lstStyle/>
+          <a:p>
+            <a:r>
+              <a:rPr lang="th-TH" sz="4000" dirty="0" smtClean="0">
+                <a:latin typeface="Angsana New" pitchFamily="18" charset="-34"/>
+                <a:cs typeface="Angsana New" pitchFamily="18" charset="-34"/>
+              </a:rPr>
+              <a:t>จดจำเส้นทางที่ไปมาแล้วได้</a:t>
+            </a:r>
+          </a:p>
+          <a:p>
+            <a:r>
+              <a:rPr lang="th-TH" sz="4000" dirty="0" smtClean="0">
+                <a:latin typeface="Angsana New" pitchFamily="18" charset="-34"/>
+                <a:cs typeface="Angsana New" pitchFamily="18" charset="-34"/>
+              </a:rPr>
+              <a:t>สามารถติดป้ายชื่อ พิกัดนั้นๆ ว่าเป็นสถานที่อะไรได้</a:t>
+            </a:r>
+          </a:p>
+          <a:p>
+            <a:r>
+              <a:rPr lang="th-TH" sz="4000" dirty="0" smtClean="0">
+                <a:latin typeface="Angsana New" pitchFamily="18" charset="-34"/>
+                <a:cs typeface="Angsana New" pitchFamily="18" charset="-34"/>
+              </a:rPr>
+              <a:t>หยุดบันทึกชั่วคราว และกลับมาบันทึกต่อได้</a:t>
+            </a:r>
+          </a:p>
+          <a:p>
+            <a:r>
+              <a:rPr lang="th-TH" sz="4000" dirty="0" smtClean="0">
+                <a:latin typeface="Angsana New" pitchFamily="18" charset="-34"/>
+                <a:cs typeface="Angsana New" pitchFamily="18" charset="-34"/>
+              </a:rPr>
+              <a:t>สรุปข้อมูลการเดินทาง เวลาทั้งหมด ความเร็วเฉลี่ย</a:t>
+            </a:r>
+            <a:endParaRPr lang="en-US" sz="4000" dirty="0">
+              <a:latin typeface="Angsana New" pitchFamily="18" charset="-34"/>
+              <a:cs typeface="Angsana New" pitchFamily="18" charset="-34"/>
+            </a:endParaRPr>
+          </a:p>
+        </p:txBody>
+      </p:sp>
+    </p:spTree>
+    <p:extLst>
+      <p:ext uri="{BB962C8B-B14F-4D97-AF65-F5344CB8AC3E}">
+        <p14:creationId xmlns:p14="http://schemas.microsoft.com/office/powerpoint/2010/main" val="1630400559"/>
       </p:ext>
     </p:extLst>
   </p:cSld>
@@ -6623,14 +6942,1901 @@
   <p:timing>
     <p:tnLst>
       <p:par>
-        <p:cTn id="1" dur="indefinite" restart="never" nodeType="tmRoot"/>
+        <p:cTn id="1" dur="indefinite" restart="never" nodeType="tmRoot">
+          <p:childTnLst>
+            <p:seq concurrent="1" nextAc="seek">
+              <p:cTn id="2" dur="indefinite" nodeType="mainSeq">
+                <p:childTnLst>
+                  <p:par>
+                    <p:cTn id="3" fill="hold">
+                      <p:stCondLst>
+                        <p:cond delay="indefinite"/>
+                        <p:cond evt="onBegin" delay="0">
+                          <p:tn val="2"/>
+                        </p:cond>
+                      </p:stCondLst>
+                      <p:childTnLst>
+                        <p:par>
+                          <p:cTn id="4" fill="hold">
+                            <p:stCondLst>
+                              <p:cond delay="0"/>
+                            </p:stCondLst>
+                            <p:childTnLst>
+                              <p:par>
+                                <p:cTn id="5" presetID="10" presetClass="entr" presetSubtype="0" fill="hold" grpId="0" nodeType="afterEffect">
+                                  <p:stCondLst>
+                                    <p:cond delay="0"/>
+                                  </p:stCondLst>
+                                  <p:childTnLst>
+                                    <p:set>
+                                      <p:cBhvr>
+                                        <p:cTn id="6" dur="1" fill="hold">
+                                          <p:stCondLst>
+                                            <p:cond delay="0"/>
+                                          </p:stCondLst>
+                                        </p:cTn>
+                                        <p:tgtEl>
+                                          <p:spTgt spid="2"/>
+                                        </p:tgtEl>
+                                        <p:attrNameLst>
+                                          <p:attrName>style.visibility</p:attrName>
+                                        </p:attrNameLst>
+                                      </p:cBhvr>
+                                      <p:to>
+                                        <p:strVal val="visible"/>
+                                      </p:to>
+                                    </p:set>
+                                    <p:animEffect transition="in" filter="fade">
+                                      <p:cBhvr>
+                                        <p:cTn id="7" dur="500"/>
+                                        <p:tgtEl>
+                                          <p:spTgt spid="2"/>
+                                        </p:tgtEl>
+                                      </p:cBhvr>
+                                    </p:animEffect>
+                                  </p:childTnLst>
+                                </p:cTn>
+                              </p:par>
+                            </p:childTnLst>
+                          </p:cTn>
+                        </p:par>
+                        <p:par>
+                          <p:cTn id="8" fill="hold">
+                            <p:stCondLst>
+                              <p:cond delay="500"/>
+                            </p:stCondLst>
+                            <p:childTnLst>
+                              <p:par>
+                                <p:cTn id="9" presetID="10" presetClass="entr" presetSubtype="0" fill="hold" grpId="0" nodeType="afterEffect">
+                                  <p:stCondLst>
+                                    <p:cond delay="0"/>
+                                  </p:stCondLst>
+                                  <p:childTnLst>
+                                    <p:set>
+                                      <p:cBhvr>
+                                        <p:cTn id="10" dur="1" fill="hold">
+                                          <p:stCondLst>
+                                            <p:cond delay="0"/>
+                                          </p:stCondLst>
+                                        </p:cTn>
+                                        <p:tgtEl>
+                                          <p:spTgt spid="3">
+                                            <p:txEl>
+                                              <p:pRg st="0" end="0"/>
+                                            </p:txEl>
+                                          </p:spTgt>
+                                        </p:tgtEl>
+                                        <p:attrNameLst>
+                                          <p:attrName>style.visibility</p:attrName>
+                                        </p:attrNameLst>
+                                      </p:cBhvr>
+                                      <p:to>
+                                        <p:strVal val="visible"/>
+                                      </p:to>
+                                    </p:set>
+                                    <p:animEffect transition="in" filter="fade">
+                                      <p:cBhvr>
+                                        <p:cTn id="11" dur="500"/>
+                                        <p:tgtEl>
+                                          <p:spTgt spid="3">
+                                            <p:txEl>
+                                              <p:pRg st="0" end="0"/>
+                                            </p:txEl>
+                                          </p:spTgt>
+                                        </p:tgtEl>
+                                      </p:cBhvr>
+                                    </p:animEffect>
+                                  </p:childTnLst>
+                                </p:cTn>
+                              </p:par>
+                            </p:childTnLst>
+                          </p:cTn>
+                        </p:par>
+                        <p:par>
+                          <p:cTn id="12" fill="hold">
+                            <p:stCondLst>
+                              <p:cond delay="1000"/>
+                            </p:stCondLst>
+                            <p:childTnLst>
+                              <p:par>
+                                <p:cTn id="13" presetID="10" presetClass="entr" presetSubtype="0" fill="hold" grpId="0" nodeType="afterEffect">
+                                  <p:stCondLst>
+                                    <p:cond delay="0"/>
+                                  </p:stCondLst>
+                                  <p:childTnLst>
+                                    <p:set>
+                                      <p:cBhvr>
+                                        <p:cTn id="14" dur="1" fill="hold">
+                                          <p:stCondLst>
+                                            <p:cond delay="0"/>
+                                          </p:stCondLst>
+                                        </p:cTn>
+                                        <p:tgtEl>
+                                          <p:spTgt spid="3">
+                                            <p:txEl>
+                                              <p:pRg st="1" end="1"/>
+                                            </p:txEl>
+                                          </p:spTgt>
+                                        </p:tgtEl>
+                                        <p:attrNameLst>
+                                          <p:attrName>style.visibility</p:attrName>
+                                        </p:attrNameLst>
+                                      </p:cBhvr>
+                                      <p:to>
+                                        <p:strVal val="visible"/>
+                                      </p:to>
+                                    </p:set>
+                                    <p:animEffect transition="in" filter="fade">
+                                      <p:cBhvr>
+                                        <p:cTn id="15" dur="500"/>
+                                        <p:tgtEl>
+                                          <p:spTgt spid="3">
+                                            <p:txEl>
+                                              <p:pRg st="1" end="1"/>
+                                            </p:txEl>
+                                          </p:spTgt>
+                                        </p:tgtEl>
+                                      </p:cBhvr>
+                                    </p:animEffect>
+                                  </p:childTnLst>
+                                </p:cTn>
+                              </p:par>
+                            </p:childTnLst>
+                          </p:cTn>
+                        </p:par>
+                        <p:par>
+                          <p:cTn id="16" fill="hold">
+                            <p:stCondLst>
+                              <p:cond delay="1500"/>
+                            </p:stCondLst>
+                            <p:childTnLst>
+                              <p:par>
+                                <p:cTn id="17" presetID="10" presetClass="entr" presetSubtype="0" fill="hold" grpId="0" nodeType="afterEffect">
+                                  <p:stCondLst>
+                                    <p:cond delay="0"/>
+                                  </p:stCondLst>
+                                  <p:childTnLst>
+                                    <p:set>
+                                      <p:cBhvr>
+                                        <p:cTn id="18" dur="1" fill="hold">
+                                          <p:stCondLst>
+                                            <p:cond delay="0"/>
+                                          </p:stCondLst>
+                                        </p:cTn>
+                                        <p:tgtEl>
+                                          <p:spTgt spid="3">
+                                            <p:txEl>
+                                              <p:pRg st="2" end="2"/>
+                                            </p:txEl>
+                                          </p:spTgt>
+                                        </p:tgtEl>
+                                        <p:attrNameLst>
+                                          <p:attrName>style.visibility</p:attrName>
+                                        </p:attrNameLst>
+                                      </p:cBhvr>
+                                      <p:to>
+                                        <p:strVal val="visible"/>
+                                      </p:to>
+                                    </p:set>
+                                    <p:animEffect transition="in" filter="fade">
+                                      <p:cBhvr>
+                                        <p:cTn id="19" dur="500"/>
+                                        <p:tgtEl>
+                                          <p:spTgt spid="3">
+                                            <p:txEl>
+                                              <p:pRg st="2" end="2"/>
+                                            </p:txEl>
+                                          </p:spTgt>
+                                        </p:tgtEl>
+                                      </p:cBhvr>
+                                    </p:animEffect>
+                                  </p:childTnLst>
+                                </p:cTn>
+                              </p:par>
+                            </p:childTnLst>
+                          </p:cTn>
+                        </p:par>
+                        <p:par>
+                          <p:cTn id="20" fill="hold">
+                            <p:stCondLst>
+                              <p:cond delay="2000"/>
+                            </p:stCondLst>
+                            <p:childTnLst>
+                              <p:par>
+                                <p:cTn id="21" presetID="10" presetClass="entr" presetSubtype="0" fill="hold" grpId="0" nodeType="afterEffect">
+                                  <p:stCondLst>
+                                    <p:cond delay="0"/>
+                                  </p:stCondLst>
+                                  <p:childTnLst>
+                                    <p:set>
+                                      <p:cBhvr>
+                                        <p:cTn id="22" dur="1" fill="hold">
+                                          <p:stCondLst>
+                                            <p:cond delay="0"/>
+                                          </p:stCondLst>
+                                        </p:cTn>
+                                        <p:tgtEl>
+                                          <p:spTgt spid="3">
+                                            <p:txEl>
+                                              <p:pRg st="3" end="3"/>
+                                            </p:txEl>
+                                          </p:spTgt>
+                                        </p:tgtEl>
+                                        <p:attrNameLst>
+                                          <p:attrName>style.visibility</p:attrName>
+                                        </p:attrNameLst>
+                                      </p:cBhvr>
+                                      <p:to>
+                                        <p:strVal val="visible"/>
+                                      </p:to>
+                                    </p:set>
+                                    <p:animEffect transition="in" filter="fade">
+                                      <p:cBhvr>
+                                        <p:cTn id="23" dur="500"/>
+                                        <p:tgtEl>
+                                          <p:spTgt spid="3">
+                                            <p:txEl>
+                                              <p:pRg st="3" end="3"/>
+                                            </p:txEl>
+                                          </p:spTgt>
+                                        </p:tgtEl>
+                                      </p:cBhvr>
+                                    </p:animEffect>
+                                  </p:childTnLst>
+                                </p:cTn>
+                              </p:par>
+                            </p:childTnLst>
+                          </p:cTn>
+                        </p:par>
+                      </p:childTnLst>
+                    </p:cTn>
+                  </p:par>
+                </p:childTnLst>
+              </p:cTn>
+              <p:prevCondLst>
+                <p:cond evt="onPrev" delay="0">
+                  <p:tgtEl>
+                    <p:sldTgt/>
+                  </p:tgtEl>
+                </p:cond>
+              </p:prevCondLst>
+              <p:nextCondLst>
+                <p:cond evt="onNext" delay="0">
+                  <p:tgtEl>
+                    <p:sldTgt/>
+                  </p:tgtEl>
+                </p:cond>
+              </p:nextCondLst>
+            </p:seq>
+          </p:childTnLst>
+        </p:cTn>
       </p:par>
     </p:tnLst>
+    <p:bldLst>
+      <p:bldP spid="2" grpId="0"/>
+      <p:bldP spid="3" grpId="0" uiExpand="1" build="p"/>
+    </p:bldLst>
   </p:timing>
 </p:sld>
 </file>
 
-<file path=ppt/slides/slide10.xml><?xml version="1.0" encoding="utf-8"?>
+<file path=ppt/slides/slide11.xml><?xml version="1.0" encoding="utf-8"?>
+<p:sld xmlns:a="http://schemas.openxmlformats.org/drawingml/2006/main" xmlns:r="http://schemas.openxmlformats.org/officeDocument/2006/relationships" xmlns:p="http://schemas.openxmlformats.org/presentationml/2006/main">
+  <p:cSld>
+    <p:spTree>
+      <p:nvGrpSpPr>
+        <p:cNvPr id="1" name=""/>
+        <p:cNvGrpSpPr/>
+        <p:nvPr/>
+      </p:nvGrpSpPr>
+      <p:grpSpPr>
+        <a:xfrm>
+          <a:off x="0" y="0"/>
+          <a:ext cx="0" cy="0"/>
+          <a:chOff x="0" y="0"/>
+          <a:chExt cx="0" cy="0"/>
+        </a:xfrm>
+      </p:grpSpPr>
+      <p:sp>
+        <p:nvSpPr>
+          <p:cNvPr id="2" name="Title 1"/>
+          <p:cNvSpPr>
+            <a:spLocks noGrp="1"/>
+          </p:cNvSpPr>
+          <p:nvPr>
+            <p:ph type="title"/>
+          </p:nvPr>
+        </p:nvSpPr>
+        <p:spPr/>
+        <p:txBody>
+          <a:bodyPr>
+            <a:normAutofit/>
+          </a:bodyPr>
+          <a:lstStyle/>
+          <a:p>
+            <a:r>
+              <a:rPr lang="th-TH" sz="6000" b="1" dirty="0" smtClean="0"/>
+              <a:t>หลักการทำงานของโปรแกรม</a:t>
+            </a:r>
+            <a:endParaRPr lang="en-US" sz="6000" b="1" dirty="0"/>
+          </a:p>
+        </p:txBody>
+      </p:sp>
+      <p:graphicFrame>
+        <p:nvGraphicFramePr>
+          <p:cNvPr id="4" name="Content Placeholder 3"/>
+          <p:cNvGraphicFramePr>
+            <a:graphicFrameLocks noGrp="1"/>
+          </p:cNvGraphicFramePr>
+          <p:nvPr>
+            <p:ph idx="1"/>
+            <p:extLst>
+              <p:ext uri="{D42A27DB-BD31-4B8C-83A1-F6EECF244321}">
+                <p14:modId xmlns:p14="http://schemas.microsoft.com/office/powerpoint/2010/main" val="772518842"/>
+              </p:ext>
+            </p:extLst>
+          </p:nvPr>
+        </p:nvGraphicFramePr>
+        <p:xfrm>
+          <a:off x="3771900" y="1295400"/>
+          <a:ext cx="5067300" cy="4343400"/>
+        </p:xfrm>
+        <a:graphic>
+          <a:graphicData uri="http://schemas.openxmlformats.org/drawingml/2006/diagram">
+            <dgm:relIds xmlns:dgm="http://schemas.openxmlformats.org/drawingml/2006/diagram" xmlns:r="http://schemas.openxmlformats.org/officeDocument/2006/relationships" r:dm="rId2" r:lo="rId3" r:qs="rId4" r:cs="rId5"/>
+          </a:graphicData>
+        </a:graphic>
+      </p:graphicFrame>
+      <p:pic>
+        <p:nvPicPr>
+          <p:cNvPr id="5" name="Picture 4"/>
+          <p:cNvPicPr>
+            <a:picLocks noChangeAspect="1"/>
+          </p:cNvPicPr>
+          <p:nvPr/>
+        </p:nvPicPr>
+        <p:blipFill>
+          <a:blip r:embed="rId7" cstate="print">
+            <a:extLst>
+              <a:ext uri="{28A0092B-C50C-407E-A947-70E740481C1C}">
+                <a14:useLocalDpi xmlns:a14="http://schemas.microsoft.com/office/drawing/2010/main" val="0"/>
+              </a:ext>
+            </a:extLst>
+          </a:blip>
+          <a:stretch>
+            <a:fillRect/>
+          </a:stretch>
+        </p:blipFill>
+        <p:spPr>
+          <a:xfrm>
+            <a:off x="5638800" y="5410200"/>
+            <a:ext cx="1219200" cy="1219200"/>
+          </a:xfrm>
+          <a:prstGeom prst="rect">
+            <a:avLst/>
+          </a:prstGeom>
+        </p:spPr>
+      </p:pic>
+      <p:pic>
+        <p:nvPicPr>
+          <p:cNvPr id="1028" name="Picture 4" descr="C:\Users\JOeCole\AppData\Local\Microsoft\Windows\Temporary Internet Files\Content.IE5\99KOCIIL\MC900433922[1].png"/>
+          <p:cNvPicPr>
+            <a:picLocks noChangeAspect="1" noChangeArrowheads="1"/>
+          </p:cNvPicPr>
+          <p:nvPr/>
+        </p:nvPicPr>
+        <p:blipFill>
+          <a:blip r:embed="rId8" cstate="print">
+            <a:extLst>
+              <a:ext uri="{28A0092B-C50C-407E-A947-70E740481C1C}">
+                <a14:useLocalDpi xmlns:a14="http://schemas.microsoft.com/office/drawing/2010/main" val="0"/>
+              </a:ext>
+            </a:extLst>
+          </a:blip>
+          <a:srcRect/>
+          <a:stretch>
+            <a:fillRect/>
+          </a:stretch>
+        </p:blipFill>
+        <p:spPr bwMode="auto">
+          <a:xfrm flipH="1">
+            <a:off x="685800" y="1600200"/>
+            <a:ext cx="2057400" cy="2057400"/>
+          </a:xfrm>
+          <a:prstGeom prst="rect">
+            <a:avLst/>
+          </a:prstGeom>
+          <a:noFill/>
+          <a:extLst>
+            <a:ext uri="{909E8E84-426E-40DD-AFC4-6F175D3DCCD1}">
+              <a14:hiddenFill xmlns:a14="http://schemas.microsoft.com/office/drawing/2010/main">
+                <a:solidFill>
+                  <a:srgbClr val="FFFFFF"/>
+                </a:solidFill>
+              </a14:hiddenFill>
+            </a:ext>
+          </a:extLst>
+        </p:spPr>
+      </p:pic>
+      <p:cxnSp>
+        <p:nvCxnSpPr>
+          <p:cNvPr id="9" name="Straight Arrow Connector 8"/>
+          <p:cNvCxnSpPr/>
+          <p:nvPr/>
+        </p:nvCxnSpPr>
+        <p:spPr>
+          <a:xfrm>
+            <a:off x="2743200" y="2857500"/>
+            <a:ext cx="1981200" cy="495300"/>
+          </a:xfrm>
+          <a:prstGeom prst="straightConnector1">
+            <a:avLst/>
+          </a:prstGeom>
+          <a:ln>
+            <a:tailEnd type="arrow"/>
+          </a:ln>
+        </p:spPr>
+        <p:style>
+          <a:lnRef idx="3">
+            <a:schemeClr val="dk1"/>
+          </a:lnRef>
+          <a:fillRef idx="0">
+            <a:schemeClr val="dk1"/>
+          </a:fillRef>
+          <a:effectRef idx="2">
+            <a:schemeClr val="dk1"/>
+          </a:effectRef>
+          <a:fontRef idx="minor">
+            <a:schemeClr val="tx1"/>
+          </a:fontRef>
+        </p:style>
+      </p:cxnSp>
+    </p:spTree>
+    <p:extLst>
+      <p:ext uri="{BB962C8B-B14F-4D97-AF65-F5344CB8AC3E}">
+        <p14:creationId xmlns:p14="http://schemas.microsoft.com/office/powerpoint/2010/main" val="1015130875"/>
+      </p:ext>
+    </p:extLst>
+  </p:cSld>
+  <p:clrMapOvr>
+    <a:masterClrMapping/>
+  </p:clrMapOvr>
+  <p:timing>
+    <p:tnLst>
+      <p:par>
+        <p:cTn id="1" dur="indefinite" restart="never" nodeType="tmRoot">
+          <p:childTnLst>
+            <p:seq concurrent="1" nextAc="seek">
+              <p:cTn id="2" dur="indefinite" nodeType="mainSeq">
+                <p:childTnLst>
+                  <p:par>
+                    <p:cTn id="3" fill="hold">
+                      <p:stCondLst>
+                        <p:cond delay="indefinite"/>
+                        <p:cond evt="onBegin" delay="0">
+                          <p:tn val="2"/>
+                        </p:cond>
+                      </p:stCondLst>
+                      <p:childTnLst>
+                        <p:par>
+                          <p:cTn id="4" fill="hold">
+                            <p:stCondLst>
+                              <p:cond delay="0"/>
+                            </p:stCondLst>
+                            <p:childTnLst>
+                              <p:par>
+                                <p:cTn id="5" presetID="10" presetClass="entr" presetSubtype="0" fill="hold" grpId="0" nodeType="afterEffect">
+                                  <p:stCondLst>
+                                    <p:cond delay="0"/>
+                                  </p:stCondLst>
+                                  <p:childTnLst>
+                                    <p:set>
+                                      <p:cBhvr>
+                                        <p:cTn id="6" dur="1" fill="hold">
+                                          <p:stCondLst>
+                                            <p:cond delay="0"/>
+                                          </p:stCondLst>
+                                        </p:cTn>
+                                        <p:tgtEl>
+                                          <p:spTgt spid="2"/>
+                                        </p:tgtEl>
+                                        <p:attrNameLst>
+                                          <p:attrName>style.visibility</p:attrName>
+                                        </p:attrNameLst>
+                                      </p:cBhvr>
+                                      <p:to>
+                                        <p:strVal val="visible"/>
+                                      </p:to>
+                                    </p:set>
+                                    <p:animEffect transition="in" filter="fade">
+                                      <p:cBhvr>
+                                        <p:cTn id="7" dur="500"/>
+                                        <p:tgtEl>
+                                          <p:spTgt spid="2"/>
+                                        </p:tgtEl>
+                                      </p:cBhvr>
+                                    </p:animEffect>
+                                  </p:childTnLst>
+                                </p:cTn>
+                              </p:par>
+                            </p:childTnLst>
+                          </p:cTn>
+                        </p:par>
+                        <p:par>
+                          <p:cTn id="8" fill="hold">
+                            <p:stCondLst>
+                              <p:cond delay="500"/>
+                            </p:stCondLst>
+                            <p:childTnLst>
+                              <p:par>
+                                <p:cTn id="9" presetID="10" presetClass="entr" presetSubtype="0" fill="hold" nodeType="afterEffect">
+                                  <p:stCondLst>
+                                    <p:cond delay="0"/>
+                                  </p:stCondLst>
+                                  <p:childTnLst>
+                                    <p:set>
+                                      <p:cBhvr>
+                                        <p:cTn id="10" dur="1" fill="hold">
+                                          <p:stCondLst>
+                                            <p:cond delay="0"/>
+                                          </p:stCondLst>
+                                        </p:cTn>
+                                        <p:tgtEl>
+                                          <p:spTgt spid="1028"/>
+                                        </p:tgtEl>
+                                        <p:attrNameLst>
+                                          <p:attrName>style.visibility</p:attrName>
+                                        </p:attrNameLst>
+                                      </p:cBhvr>
+                                      <p:to>
+                                        <p:strVal val="visible"/>
+                                      </p:to>
+                                    </p:set>
+                                    <p:animEffect transition="in" filter="fade">
+                                      <p:cBhvr>
+                                        <p:cTn id="11" dur="500"/>
+                                        <p:tgtEl>
+                                          <p:spTgt spid="1028"/>
+                                        </p:tgtEl>
+                                      </p:cBhvr>
+                                    </p:animEffect>
+                                  </p:childTnLst>
+                                </p:cTn>
+                              </p:par>
+                            </p:childTnLst>
+                          </p:cTn>
+                        </p:par>
+                        <p:par>
+                          <p:cTn id="12" fill="hold">
+                            <p:stCondLst>
+                              <p:cond delay="1000"/>
+                            </p:stCondLst>
+                            <p:childTnLst>
+                              <p:par>
+                                <p:cTn id="13" presetID="10" presetClass="entr" presetSubtype="0" fill="hold" nodeType="afterEffect">
+                                  <p:stCondLst>
+                                    <p:cond delay="0"/>
+                                  </p:stCondLst>
+                                  <p:childTnLst>
+                                    <p:set>
+                                      <p:cBhvr>
+                                        <p:cTn id="14" dur="1" fill="hold">
+                                          <p:stCondLst>
+                                            <p:cond delay="0"/>
+                                          </p:stCondLst>
+                                        </p:cTn>
+                                        <p:tgtEl>
+                                          <p:spTgt spid="9"/>
+                                        </p:tgtEl>
+                                        <p:attrNameLst>
+                                          <p:attrName>style.visibility</p:attrName>
+                                        </p:attrNameLst>
+                                      </p:cBhvr>
+                                      <p:to>
+                                        <p:strVal val="visible"/>
+                                      </p:to>
+                                    </p:set>
+                                    <p:animEffect transition="in" filter="fade">
+                                      <p:cBhvr>
+                                        <p:cTn id="15" dur="500"/>
+                                        <p:tgtEl>
+                                          <p:spTgt spid="9"/>
+                                        </p:tgtEl>
+                                      </p:cBhvr>
+                                    </p:animEffect>
+                                  </p:childTnLst>
+                                </p:cTn>
+                              </p:par>
+                            </p:childTnLst>
+                          </p:cTn>
+                        </p:par>
+                        <p:par>
+                          <p:cTn id="16" fill="hold">
+                            <p:stCondLst>
+                              <p:cond delay="1500"/>
+                            </p:stCondLst>
+                            <p:childTnLst>
+                              <p:par>
+                                <p:cTn id="17" presetID="10" presetClass="entr" presetSubtype="0" fill="hold" grpId="0" nodeType="afterEffect">
+                                  <p:stCondLst>
+                                    <p:cond delay="0"/>
+                                  </p:stCondLst>
+                                  <p:childTnLst>
+                                    <p:set>
+                                      <p:cBhvr>
+                                        <p:cTn id="18" dur="1" fill="hold">
+                                          <p:stCondLst>
+                                            <p:cond delay="0"/>
+                                          </p:stCondLst>
+                                        </p:cTn>
+                                        <p:tgtEl>
+                                          <p:spTgt spid="4">
+                                            <p:graphicEl>
+                                              <a:dgm id="{EA5B7450-7D1F-4252-A574-1CAA4E07FC8D}"/>
+                                            </p:graphicEl>
+                                          </p:spTgt>
+                                        </p:tgtEl>
+                                        <p:attrNameLst>
+                                          <p:attrName>style.visibility</p:attrName>
+                                        </p:attrNameLst>
+                                      </p:cBhvr>
+                                      <p:to>
+                                        <p:strVal val="visible"/>
+                                      </p:to>
+                                    </p:set>
+                                    <p:animEffect transition="in" filter="fade">
+                                      <p:cBhvr>
+                                        <p:cTn id="19" dur="500"/>
+                                        <p:tgtEl>
+                                          <p:spTgt spid="4">
+                                            <p:graphicEl>
+                                              <a:dgm id="{EA5B7450-7D1F-4252-A574-1CAA4E07FC8D}"/>
+                                            </p:graphicEl>
+                                          </p:spTgt>
+                                        </p:tgtEl>
+                                      </p:cBhvr>
+                                    </p:animEffect>
+                                  </p:childTnLst>
+                                </p:cTn>
+                              </p:par>
+                            </p:childTnLst>
+                          </p:cTn>
+                        </p:par>
+                        <p:par>
+                          <p:cTn id="20" fill="hold">
+                            <p:stCondLst>
+                              <p:cond delay="2000"/>
+                            </p:stCondLst>
+                            <p:childTnLst>
+                              <p:par>
+                                <p:cTn id="21" presetID="10" presetClass="entr" presetSubtype="0" fill="hold" grpId="0" nodeType="afterEffect">
+                                  <p:stCondLst>
+                                    <p:cond delay="0"/>
+                                  </p:stCondLst>
+                                  <p:childTnLst>
+                                    <p:set>
+                                      <p:cBhvr>
+                                        <p:cTn id="22" dur="1" fill="hold">
+                                          <p:stCondLst>
+                                            <p:cond delay="0"/>
+                                          </p:stCondLst>
+                                        </p:cTn>
+                                        <p:tgtEl>
+                                          <p:spTgt spid="4">
+                                            <p:graphicEl>
+                                              <a:dgm id="{9CF2904A-95E3-426D-A0E7-D36C77D650C8}"/>
+                                            </p:graphicEl>
+                                          </p:spTgt>
+                                        </p:tgtEl>
+                                        <p:attrNameLst>
+                                          <p:attrName>style.visibility</p:attrName>
+                                        </p:attrNameLst>
+                                      </p:cBhvr>
+                                      <p:to>
+                                        <p:strVal val="visible"/>
+                                      </p:to>
+                                    </p:set>
+                                    <p:animEffect transition="in" filter="fade">
+                                      <p:cBhvr>
+                                        <p:cTn id="23" dur="500"/>
+                                        <p:tgtEl>
+                                          <p:spTgt spid="4">
+                                            <p:graphicEl>
+                                              <a:dgm id="{9CF2904A-95E3-426D-A0E7-D36C77D650C8}"/>
+                                            </p:graphicEl>
+                                          </p:spTgt>
+                                        </p:tgtEl>
+                                      </p:cBhvr>
+                                    </p:animEffect>
+                                  </p:childTnLst>
+                                </p:cTn>
+                              </p:par>
+                            </p:childTnLst>
+                          </p:cTn>
+                        </p:par>
+                        <p:par>
+                          <p:cTn id="24" fill="hold">
+                            <p:stCondLst>
+                              <p:cond delay="2500"/>
+                            </p:stCondLst>
+                            <p:childTnLst>
+                              <p:par>
+                                <p:cTn id="25" presetID="10" presetClass="entr" presetSubtype="0" fill="hold" grpId="0" nodeType="afterEffect">
+                                  <p:stCondLst>
+                                    <p:cond delay="0"/>
+                                  </p:stCondLst>
+                                  <p:childTnLst>
+                                    <p:set>
+                                      <p:cBhvr>
+                                        <p:cTn id="26" dur="1" fill="hold">
+                                          <p:stCondLst>
+                                            <p:cond delay="0"/>
+                                          </p:stCondLst>
+                                        </p:cTn>
+                                        <p:tgtEl>
+                                          <p:spTgt spid="4">
+                                            <p:graphicEl>
+                                              <a:dgm id="{C135540B-42C5-49CB-93AC-CD61871322B3}"/>
+                                            </p:graphicEl>
+                                          </p:spTgt>
+                                        </p:tgtEl>
+                                        <p:attrNameLst>
+                                          <p:attrName>style.visibility</p:attrName>
+                                        </p:attrNameLst>
+                                      </p:cBhvr>
+                                      <p:to>
+                                        <p:strVal val="visible"/>
+                                      </p:to>
+                                    </p:set>
+                                    <p:animEffect transition="in" filter="fade">
+                                      <p:cBhvr>
+                                        <p:cTn id="27" dur="500"/>
+                                        <p:tgtEl>
+                                          <p:spTgt spid="4">
+                                            <p:graphicEl>
+                                              <a:dgm id="{C135540B-42C5-49CB-93AC-CD61871322B3}"/>
+                                            </p:graphicEl>
+                                          </p:spTgt>
+                                        </p:tgtEl>
+                                      </p:cBhvr>
+                                    </p:animEffect>
+                                  </p:childTnLst>
+                                </p:cTn>
+                              </p:par>
+                            </p:childTnLst>
+                          </p:cTn>
+                        </p:par>
+                        <p:par>
+                          <p:cTn id="28" fill="hold">
+                            <p:stCondLst>
+                              <p:cond delay="3000"/>
+                            </p:stCondLst>
+                            <p:childTnLst>
+                              <p:par>
+                                <p:cTn id="29" presetID="10" presetClass="entr" presetSubtype="0" fill="hold" grpId="0" nodeType="afterEffect">
+                                  <p:stCondLst>
+                                    <p:cond delay="0"/>
+                                  </p:stCondLst>
+                                  <p:childTnLst>
+                                    <p:set>
+                                      <p:cBhvr>
+                                        <p:cTn id="30" dur="1" fill="hold">
+                                          <p:stCondLst>
+                                            <p:cond delay="0"/>
+                                          </p:stCondLst>
+                                        </p:cTn>
+                                        <p:tgtEl>
+                                          <p:spTgt spid="4">
+                                            <p:graphicEl>
+                                              <a:dgm id="{C67984F5-77EA-43A6-9D02-299A9C887AB4}"/>
+                                            </p:graphicEl>
+                                          </p:spTgt>
+                                        </p:tgtEl>
+                                        <p:attrNameLst>
+                                          <p:attrName>style.visibility</p:attrName>
+                                        </p:attrNameLst>
+                                      </p:cBhvr>
+                                      <p:to>
+                                        <p:strVal val="visible"/>
+                                      </p:to>
+                                    </p:set>
+                                    <p:animEffect transition="in" filter="fade">
+                                      <p:cBhvr>
+                                        <p:cTn id="31" dur="500"/>
+                                        <p:tgtEl>
+                                          <p:spTgt spid="4">
+                                            <p:graphicEl>
+                                              <a:dgm id="{C67984F5-77EA-43A6-9D02-299A9C887AB4}"/>
+                                            </p:graphicEl>
+                                          </p:spTgt>
+                                        </p:tgtEl>
+                                      </p:cBhvr>
+                                    </p:animEffect>
+                                  </p:childTnLst>
+                                </p:cTn>
+                              </p:par>
+                            </p:childTnLst>
+                          </p:cTn>
+                        </p:par>
+                        <p:par>
+                          <p:cTn id="32" fill="hold">
+                            <p:stCondLst>
+                              <p:cond delay="3500"/>
+                            </p:stCondLst>
+                            <p:childTnLst>
+                              <p:par>
+                                <p:cTn id="33" presetID="10" presetClass="entr" presetSubtype="0" fill="hold" grpId="0" nodeType="afterEffect">
+                                  <p:stCondLst>
+                                    <p:cond delay="0"/>
+                                  </p:stCondLst>
+                                  <p:childTnLst>
+                                    <p:set>
+                                      <p:cBhvr>
+                                        <p:cTn id="34" dur="1" fill="hold">
+                                          <p:stCondLst>
+                                            <p:cond delay="0"/>
+                                          </p:stCondLst>
+                                        </p:cTn>
+                                        <p:tgtEl>
+                                          <p:spTgt spid="4">
+                                            <p:graphicEl>
+                                              <a:dgm id="{7A545E6C-0F8C-4132-B331-B7ECFC12E3A6}"/>
+                                            </p:graphicEl>
+                                          </p:spTgt>
+                                        </p:tgtEl>
+                                        <p:attrNameLst>
+                                          <p:attrName>style.visibility</p:attrName>
+                                        </p:attrNameLst>
+                                      </p:cBhvr>
+                                      <p:to>
+                                        <p:strVal val="visible"/>
+                                      </p:to>
+                                    </p:set>
+                                    <p:animEffect transition="in" filter="fade">
+                                      <p:cBhvr>
+                                        <p:cTn id="35" dur="500"/>
+                                        <p:tgtEl>
+                                          <p:spTgt spid="4">
+                                            <p:graphicEl>
+                                              <a:dgm id="{7A545E6C-0F8C-4132-B331-B7ECFC12E3A6}"/>
+                                            </p:graphicEl>
+                                          </p:spTgt>
+                                        </p:tgtEl>
+                                      </p:cBhvr>
+                                    </p:animEffect>
+                                  </p:childTnLst>
+                                </p:cTn>
+                              </p:par>
+                            </p:childTnLst>
+                          </p:cTn>
+                        </p:par>
+                        <p:par>
+                          <p:cTn id="36" fill="hold">
+                            <p:stCondLst>
+                              <p:cond delay="4000"/>
+                            </p:stCondLst>
+                            <p:childTnLst>
+                              <p:par>
+                                <p:cTn id="37" presetID="10" presetClass="entr" presetSubtype="0" fill="hold" grpId="0" nodeType="afterEffect">
+                                  <p:stCondLst>
+                                    <p:cond delay="0"/>
+                                  </p:stCondLst>
+                                  <p:childTnLst>
+                                    <p:set>
+                                      <p:cBhvr>
+                                        <p:cTn id="38" dur="1" fill="hold">
+                                          <p:stCondLst>
+                                            <p:cond delay="0"/>
+                                          </p:stCondLst>
+                                        </p:cTn>
+                                        <p:tgtEl>
+                                          <p:spTgt spid="4">
+                                            <p:graphicEl>
+                                              <a:dgm id="{2D2081E2-93B7-4D82-B3DD-84A7043B4E30}"/>
+                                            </p:graphicEl>
+                                          </p:spTgt>
+                                        </p:tgtEl>
+                                        <p:attrNameLst>
+                                          <p:attrName>style.visibility</p:attrName>
+                                        </p:attrNameLst>
+                                      </p:cBhvr>
+                                      <p:to>
+                                        <p:strVal val="visible"/>
+                                      </p:to>
+                                    </p:set>
+                                    <p:animEffect transition="in" filter="fade">
+                                      <p:cBhvr>
+                                        <p:cTn id="39" dur="500"/>
+                                        <p:tgtEl>
+                                          <p:spTgt spid="4">
+                                            <p:graphicEl>
+                                              <a:dgm id="{2D2081E2-93B7-4D82-B3DD-84A7043B4E30}"/>
+                                            </p:graphicEl>
+                                          </p:spTgt>
+                                        </p:tgtEl>
+                                      </p:cBhvr>
+                                    </p:animEffect>
+                                  </p:childTnLst>
+                                </p:cTn>
+                              </p:par>
+                            </p:childTnLst>
+                          </p:cTn>
+                        </p:par>
+                        <p:par>
+                          <p:cTn id="40" fill="hold">
+                            <p:stCondLst>
+                              <p:cond delay="4500"/>
+                            </p:stCondLst>
+                            <p:childTnLst>
+                              <p:par>
+                                <p:cTn id="41" presetID="10" presetClass="entr" presetSubtype="0" fill="hold" grpId="0" nodeType="afterEffect">
+                                  <p:stCondLst>
+                                    <p:cond delay="0"/>
+                                  </p:stCondLst>
+                                  <p:childTnLst>
+                                    <p:set>
+                                      <p:cBhvr>
+                                        <p:cTn id="42" dur="1" fill="hold">
+                                          <p:stCondLst>
+                                            <p:cond delay="0"/>
+                                          </p:stCondLst>
+                                        </p:cTn>
+                                        <p:tgtEl>
+                                          <p:spTgt spid="4">
+                                            <p:graphicEl>
+                                              <a:dgm id="{AED0CA65-6A91-4F55-B1D5-2C93C67A216C}"/>
+                                            </p:graphicEl>
+                                          </p:spTgt>
+                                        </p:tgtEl>
+                                        <p:attrNameLst>
+                                          <p:attrName>style.visibility</p:attrName>
+                                        </p:attrNameLst>
+                                      </p:cBhvr>
+                                      <p:to>
+                                        <p:strVal val="visible"/>
+                                      </p:to>
+                                    </p:set>
+                                    <p:animEffect transition="in" filter="fade">
+                                      <p:cBhvr>
+                                        <p:cTn id="43" dur="500"/>
+                                        <p:tgtEl>
+                                          <p:spTgt spid="4">
+                                            <p:graphicEl>
+                                              <a:dgm id="{AED0CA65-6A91-4F55-B1D5-2C93C67A216C}"/>
+                                            </p:graphicEl>
+                                          </p:spTgt>
+                                        </p:tgtEl>
+                                      </p:cBhvr>
+                                    </p:animEffect>
+                                  </p:childTnLst>
+                                </p:cTn>
+                              </p:par>
+                            </p:childTnLst>
+                          </p:cTn>
+                        </p:par>
+                        <p:par>
+                          <p:cTn id="44" fill="hold">
+                            <p:stCondLst>
+                              <p:cond delay="5000"/>
+                            </p:stCondLst>
+                            <p:childTnLst>
+                              <p:par>
+                                <p:cTn id="45" presetID="10" presetClass="entr" presetSubtype="0" fill="hold" nodeType="afterEffect">
+                                  <p:stCondLst>
+                                    <p:cond delay="0"/>
+                                  </p:stCondLst>
+                                  <p:childTnLst>
+                                    <p:set>
+                                      <p:cBhvr>
+                                        <p:cTn id="46" dur="1" fill="hold">
+                                          <p:stCondLst>
+                                            <p:cond delay="0"/>
+                                          </p:stCondLst>
+                                        </p:cTn>
+                                        <p:tgtEl>
+                                          <p:spTgt spid="5"/>
+                                        </p:tgtEl>
+                                        <p:attrNameLst>
+                                          <p:attrName>style.visibility</p:attrName>
+                                        </p:attrNameLst>
+                                      </p:cBhvr>
+                                      <p:to>
+                                        <p:strVal val="visible"/>
+                                      </p:to>
+                                    </p:set>
+                                    <p:animEffect transition="in" filter="fade">
+                                      <p:cBhvr>
+                                        <p:cTn id="47" dur="500"/>
+                                        <p:tgtEl>
+                                          <p:spTgt spid="5"/>
+                                        </p:tgtEl>
+                                      </p:cBhvr>
+                                    </p:animEffect>
+                                  </p:childTnLst>
+                                </p:cTn>
+                              </p:par>
+                            </p:childTnLst>
+                          </p:cTn>
+                        </p:par>
+                      </p:childTnLst>
+                    </p:cTn>
+                  </p:par>
+                </p:childTnLst>
+              </p:cTn>
+              <p:prevCondLst>
+                <p:cond evt="onPrev" delay="0">
+                  <p:tgtEl>
+                    <p:sldTgt/>
+                  </p:tgtEl>
+                </p:cond>
+              </p:prevCondLst>
+              <p:nextCondLst>
+                <p:cond evt="onNext" delay="0">
+                  <p:tgtEl>
+                    <p:sldTgt/>
+                  </p:tgtEl>
+                </p:cond>
+              </p:nextCondLst>
+            </p:seq>
+          </p:childTnLst>
+        </p:cTn>
+      </p:par>
+    </p:tnLst>
+    <p:bldLst>
+      <p:bldP spid="2" grpId="0"/>
+      <p:bldGraphic spid="4" grpId="0" uiExpand="1">
+        <p:bldSub>
+          <a:bldDgm bld="one"/>
+        </p:bldSub>
+      </p:bldGraphic>
+    </p:bldLst>
+  </p:timing>
+</p:sld>
+</file>
+
+<file path=ppt/slides/slide12.xml><?xml version="1.0" encoding="utf-8"?>
+<p:sld xmlns:a="http://schemas.openxmlformats.org/drawingml/2006/main" xmlns:r="http://schemas.openxmlformats.org/officeDocument/2006/relationships" xmlns:p="http://schemas.openxmlformats.org/presentationml/2006/main">
+  <p:cSld>
+    <p:bg>
+      <p:bgPr>
+        <a:solidFill>
+          <a:schemeClr val="bg1"/>
+        </a:solidFill>
+        <a:effectLst/>
+      </p:bgPr>
+    </p:bg>
+    <p:spTree>
+      <p:nvGrpSpPr>
+        <p:cNvPr id="1" name=""/>
+        <p:cNvGrpSpPr/>
+        <p:nvPr/>
+      </p:nvGrpSpPr>
+      <p:grpSpPr>
+        <a:xfrm>
+          <a:off x="0" y="0"/>
+          <a:ext cx="0" cy="0"/>
+          <a:chOff x="0" y="0"/>
+          <a:chExt cx="0" cy="0"/>
+        </a:xfrm>
+      </p:grpSpPr>
+      <p:pic>
+        <p:nvPicPr>
+          <p:cNvPr id="13" name="Picture 12"/>
+          <p:cNvPicPr>
+            <a:picLocks noChangeAspect="1"/>
+          </p:cNvPicPr>
+          <p:nvPr/>
+        </p:nvPicPr>
+        <p:blipFill rotWithShape="1">
+          <a:blip r:embed="rId3" cstate="print">
+            <a:extLst>
+              <a:ext uri="{28A0092B-C50C-407E-A947-70E740481C1C}">
+                <a14:useLocalDpi xmlns:a14="http://schemas.microsoft.com/office/drawing/2010/main" val="0"/>
+              </a:ext>
+            </a:extLst>
+          </a:blip>
+          <a:srcRect l="31468" t="5245" r="31818" b="5594"/>
+          <a:stretch/>
+        </p:blipFill>
+        <p:spPr bwMode="auto">
+          <a:xfrm>
+            <a:off x="5300579" y="1634808"/>
+            <a:ext cx="1786021" cy="3470592"/>
+          </a:xfrm>
+          <a:prstGeom prst="rect">
+            <a:avLst/>
+          </a:prstGeom>
+          <a:ln>
+            <a:noFill/>
+          </a:ln>
+          <a:extLst>
+            <a:ext uri="{53640926-AAD7-44D8-BBD7-CCE9431645EC}">
+              <a14:shadowObscured xmlns:a14="http://schemas.microsoft.com/office/drawing/2010/main"/>
+            </a:ext>
+          </a:extLst>
+        </p:spPr>
+      </p:pic>
+      <p:sp>
+        <p:nvSpPr>
+          <p:cNvPr id="14" name="Flowchart: Alternate Process 13"/>
+          <p:cNvSpPr/>
+          <p:nvPr/>
+        </p:nvSpPr>
+        <p:spPr>
+          <a:xfrm>
+            <a:off x="5606753" y="2587519"/>
+            <a:ext cx="1173223" cy="644947"/>
+          </a:xfrm>
+          <a:prstGeom prst="flowChartAlternateProcess">
+            <a:avLst/>
+          </a:prstGeom>
+        </p:spPr>
+        <p:style>
+          <a:lnRef idx="2">
+            <a:schemeClr val="accent1">
+              <a:shade val="50000"/>
+            </a:schemeClr>
+          </a:lnRef>
+          <a:fillRef idx="1">
+            <a:schemeClr val="accent1"/>
+          </a:fillRef>
+          <a:effectRef idx="0">
+            <a:schemeClr val="accent1"/>
+          </a:effectRef>
+          <a:fontRef idx="minor">
+            <a:schemeClr val="lt1"/>
+          </a:fontRef>
+        </p:style>
+        <p:txBody>
+          <a:bodyPr rot="0" spcFirstLastPara="0" vert="horz" wrap="square" lIns="91440" tIns="45720" rIns="91440" bIns="45720" numCol="1" spcCol="0" rtlCol="0" fromWordArt="0" anchor="ctr" anchorCtr="0" forceAA="0" compatLnSpc="1">
+            <a:prstTxWarp prst="textNoShape">
+              <a:avLst/>
+            </a:prstTxWarp>
+            <a:noAutofit/>
+          </a:bodyPr>
+          <a:lstStyle/>
+          <a:p>
+            <a:pPr marL="0" marR="0" algn="ctr">
+              <a:lnSpc>
+                <a:spcPct val="115000"/>
+              </a:lnSpc>
+              <a:spcBef>
+                <a:spcPts val="0"/>
+              </a:spcBef>
+              <a:spcAft>
+                <a:spcPts val="1000"/>
+              </a:spcAft>
+            </a:pPr>
+            <a:r>
+              <a:rPr lang="en-US" sz="2800" b="1" dirty="0">
+                <a:effectLst/>
+                <a:ea typeface="Calibri"/>
+                <a:cs typeface="Cordia New"/>
+              </a:rPr>
+              <a:t>Start</a:t>
+            </a:r>
+            <a:endParaRPr lang="en-US" sz="2800" dirty="0">
+              <a:effectLst/>
+              <a:ea typeface="Calibri"/>
+              <a:cs typeface="Cordia New"/>
+            </a:endParaRPr>
+          </a:p>
+        </p:txBody>
+      </p:sp>
+      <p:sp>
+        <p:nvSpPr>
+          <p:cNvPr id="12" name="Pentagon 11"/>
+          <p:cNvSpPr/>
+          <p:nvPr/>
+        </p:nvSpPr>
+        <p:spPr>
+          <a:xfrm>
+            <a:off x="1371600" y="1922383"/>
+            <a:ext cx="3510519" cy="2620165"/>
+          </a:xfrm>
+          <a:prstGeom prst="homePlate">
+            <a:avLst/>
+          </a:prstGeom>
+        </p:spPr>
+        <p:style>
+          <a:lnRef idx="2">
+            <a:schemeClr val="accent1"/>
+          </a:lnRef>
+          <a:fillRef idx="1">
+            <a:schemeClr val="lt1"/>
+          </a:fillRef>
+          <a:effectRef idx="0">
+            <a:schemeClr val="accent1"/>
+          </a:effectRef>
+          <a:fontRef idx="minor">
+            <a:schemeClr val="dk1"/>
+          </a:fontRef>
+        </p:style>
+        <p:txBody>
+          <a:bodyPr rot="0" spcFirstLastPara="0" vert="horz" wrap="square" lIns="91440" tIns="45720" rIns="91440" bIns="45720" numCol="1" spcCol="0" rtlCol="0" fromWordArt="0" anchor="ctr" anchorCtr="0" forceAA="0" compatLnSpc="1">
+            <a:prstTxWarp prst="textNoShape">
+              <a:avLst/>
+            </a:prstTxWarp>
+            <a:noAutofit/>
+          </a:bodyPr>
+          <a:lstStyle/>
+          <a:p>
+            <a:pPr marL="0" marR="0">
+              <a:lnSpc>
+                <a:spcPct val="115000"/>
+              </a:lnSpc>
+              <a:spcBef>
+                <a:spcPts val="0"/>
+              </a:spcBef>
+              <a:spcAft>
+                <a:spcPts val="0"/>
+              </a:spcAft>
+            </a:pPr>
+            <a:r>
+              <a:rPr lang="en-US" sz="3200" dirty="0">
+                <a:effectLst/>
+                <a:ea typeface="Calibri"/>
+                <a:cs typeface="Cordia New"/>
+              </a:rPr>
+              <a:t>Turn on GPS </a:t>
+            </a:r>
+          </a:p>
+          <a:p>
+            <a:pPr marL="0" marR="0">
+              <a:lnSpc>
+                <a:spcPct val="115000"/>
+              </a:lnSpc>
+              <a:spcBef>
+                <a:spcPts val="0"/>
+              </a:spcBef>
+              <a:spcAft>
+                <a:spcPts val="0"/>
+              </a:spcAft>
+            </a:pPr>
+            <a:r>
+              <a:rPr lang="en-US" sz="3200" dirty="0">
+                <a:effectLst/>
+                <a:ea typeface="Calibri"/>
+                <a:cs typeface="Cordia New"/>
+              </a:rPr>
+              <a:t>and</a:t>
+            </a:r>
+          </a:p>
+          <a:p>
+            <a:pPr marL="0" marR="0">
+              <a:lnSpc>
+                <a:spcPct val="115000"/>
+              </a:lnSpc>
+              <a:spcBef>
+                <a:spcPts val="0"/>
+              </a:spcBef>
+              <a:spcAft>
+                <a:spcPts val="0"/>
+              </a:spcAft>
+            </a:pPr>
+            <a:r>
+              <a:rPr lang="en-US" sz="3200" dirty="0">
+                <a:effectLst/>
+                <a:ea typeface="Calibri"/>
+                <a:cs typeface="Cordia New"/>
+              </a:rPr>
+              <a:t>run program</a:t>
+            </a:r>
+          </a:p>
+        </p:txBody>
+      </p:sp>
+    </p:spTree>
+    <p:extLst>
+      <p:ext uri="{BB962C8B-B14F-4D97-AF65-F5344CB8AC3E}">
+        <p14:creationId xmlns:p14="http://schemas.microsoft.com/office/powerpoint/2010/main" val="315046874"/>
+      </p:ext>
+    </p:extLst>
+  </p:cSld>
+  <p:clrMapOvr>
+    <a:masterClrMapping/>
+  </p:clrMapOvr>
+  <p:timing>
+    <p:tnLst>
+      <p:par>
+        <p:cTn id="1" dur="indefinite" restart="never" nodeType="tmRoot">
+          <p:childTnLst>
+            <p:seq concurrent="1" nextAc="seek">
+              <p:cTn id="2" dur="indefinite" nodeType="mainSeq">
+                <p:childTnLst>
+                  <p:par>
+                    <p:cTn id="3" fill="hold">
+                      <p:stCondLst>
+                        <p:cond delay="indefinite"/>
+                        <p:cond evt="onBegin" delay="0">
+                          <p:tn val="2"/>
+                        </p:cond>
+                      </p:stCondLst>
+                      <p:childTnLst>
+                        <p:par>
+                          <p:cTn id="4" fill="hold">
+                            <p:stCondLst>
+                              <p:cond delay="0"/>
+                            </p:stCondLst>
+                            <p:childTnLst>
+                              <p:par>
+                                <p:cTn id="5" presetID="10" presetClass="entr" presetSubtype="0" fill="hold" grpId="0" nodeType="afterEffect">
+                                  <p:stCondLst>
+                                    <p:cond delay="0"/>
+                                  </p:stCondLst>
+                                  <p:childTnLst>
+                                    <p:set>
+                                      <p:cBhvr>
+                                        <p:cTn id="6" dur="1" fill="hold">
+                                          <p:stCondLst>
+                                            <p:cond delay="0"/>
+                                          </p:stCondLst>
+                                        </p:cTn>
+                                        <p:tgtEl>
+                                          <p:spTgt spid="12"/>
+                                        </p:tgtEl>
+                                        <p:attrNameLst>
+                                          <p:attrName>style.visibility</p:attrName>
+                                        </p:attrNameLst>
+                                      </p:cBhvr>
+                                      <p:to>
+                                        <p:strVal val="visible"/>
+                                      </p:to>
+                                    </p:set>
+                                    <p:animEffect transition="in" filter="fade">
+                                      <p:cBhvr>
+                                        <p:cTn id="7" dur="500"/>
+                                        <p:tgtEl>
+                                          <p:spTgt spid="12"/>
+                                        </p:tgtEl>
+                                      </p:cBhvr>
+                                    </p:animEffect>
+                                  </p:childTnLst>
+                                </p:cTn>
+                              </p:par>
+                            </p:childTnLst>
+                          </p:cTn>
+                        </p:par>
+                        <p:par>
+                          <p:cTn id="8" fill="hold">
+                            <p:stCondLst>
+                              <p:cond delay="500"/>
+                            </p:stCondLst>
+                            <p:childTnLst>
+                              <p:par>
+                                <p:cTn id="9" presetID="10" presetClass="entr" presetSubtype="0" fill="hold" grpId="0" nodeType="afterEffect">
+                                  <p:stCondLst>
+                                    <p:cond delay="0"/>
+                                  </p:stCondLst>
+                                  <p:childTnLst>
+                                    <p:set>
+                                      <p:cBhvr>
+                                        <p:cTn id="10" dur="1" fill="hold">
+                                          <p:stCondLst>
+                                            <p:cond delay="0"/>
+                                          </p:stCondLst>
+                                        </p:cTn>
+                                        <p:tgtEl>
+                                          <p:spTgt spid="14"/>
+                                        </p:tgtEl>
+                                        <p:attrNameLst>
+                                          <p:attrName>style.visibility</p:attrName>
+                                        </p:attrNameLst>
+                                      </p:cBhvr>
+                                      <p:to>
+                                        <p:strVal val="visible"/>
+                                      </p:to>
+                                    </p:set>
+                                    <p:animEffect transition="in" filter="fade">
+                                      <p:cBhvr>
+                                        <p:cTn id="11" dur="500"/>
+                                        <p:tgtEl>
+                                          <p:spTgt spid="14"/>
+                                        </p:tgtEl>
+                                      </p:cBhvr>
+                                    </p:animEffect>
+                                  </p:childTnLst>
+                                </p:cTn>
+                              </p:par>
+                            </p:childTnLst>
+                          </p:cTn>
+                        </p:par>
+                      </p:childTnLst>
+                    </p:cTn>
+                  </p:par>
+                </p:childTnLst>
+              </p:cTn>
+              <p:prevCondLst>
+                <p:cond evt="onPrev" delay="0">
+                  <p:tgtEl>
+                    <p:sldTgt/>
+                  </p:tgtEl>
+                </p:cond>
+              </p:prevCondLst>
+              <p:nextCondLst>
+                <p:cond evt="onNext" delay="0">
+                  <p:tgtEl>
+                    <p:sldTgt/>
+                  </p:tgtEl>
+                </p:cond>
+              </p:nextCondLst>
+            </p:seq>
+          </p:childTnLst>
+        </p:cTn>
+      </p:par>
+    </p:tnLst>
+    <p:bldLst>
+      <p:bldP spid="14" grpId="0" animBg="1"/>
+      <p:bldP spid="12" grpId="0" animBg="1"/>
+    </p:bldLst>
+  </p:timing>
+</p:sld>
+</file>
+
+<file path=ppt/slides/slide13.xml><?xml version="1.0" encoding="utf-8"?>
+<p:sld xmlns:a="http://schemas.openxmlformats.org/drawingml/2006/main" xmlns:r="http://schemas.openxmlformats.org/officeDocument/2006/relationships" xmlns:p="http://schemas.openxmlformats.org/presentationml/2006/main">
+  <p:cSld>
+    <p:bg>
+      <p:bgPr>
+        <a:solidFill>
+          <a:schemeClr val="bg1"/>
+        </a:solidFill>
+        <a:effectLst/>
+      </p:bgPr>
+    </p:bg>
+    <p:spTree>
+      <p:nvGrpSpPr>
+        <p:cNvPr id="1" name=""/>
+        <p:cNvGrpSpPr/>
+        <p:nvPr/>
+      </p:nvGrpSpPr>
+      <p:grpSpPr>
+        <a:xfrm>
+          <a:off x="0" y="0"/>
+          <a:ext cx="0" cy="0"/>
+          <a:chOff x="0" y="0"/>
+          <a:chExt cx="0" cy="0"/>
+        </a:xfrm>
+      </p:grpSpPr>
+      <p:pic>
+        <p:nvPicPr>
+          <p:cNvPr id="13" name="Picture 12"/>
+          <p:cNvPicPr>
+            <a:picLocks noChangeAspect="1"/>
+          </p:cNvPicPr>
+          <p:nvPr/>
+        </p:nvPicPr>
+        <p:blipFill rotWithShape="1">
+          <a:blip r:embed="rId3" cstate="print">
+            <a:extLst>
+              <a:ext uri="{28A0092B-C50C-407E-A947-70E740481C1C}">
+                <a14:useLocalDpi xmlns:a14="http://schemas.microsoft.com/office/drawing/2010/main" val="0"/>
+              </a:ext>
+            </a:extLst>
+          </a:blip>
+          <a:srcRect l="31468" t="5245" r="31818" b="5594"/>
+          <a:stretch/>
+        </p:blipFill>
+        <p:spPr bwMode="auto">
+          <a:xfrm>
+            <a:off x="5300579" y="1634808"/>
+            <a:ext cx="1786021" cy="3470592"/>
+          </a:xfrm>
+          <a:prstGeom prst="rect">
+            <a:avLst/>
+          </a:prstGeom>
+          <a:ln>
+            <a:noFill/>
+          </a:ln>
+          <a:extLst>
+            <a:ext uri="{53640926-AAD7-44D8-BBD7-CCE9431645EC}">
+              <a14:shadowObscured xmlns:a14="http://schemas.microsoft.com/office/drawing/2010/main"/>
+            </a:ext>
+          </a:extLst>
+        </p:spPr>
+      </p:pic>
+      <p:sp>
+        <p:nvSpPr>
+          <p:cNvPr id="14" name="Flowchart: Alternate Process 13"/>
+          <p:cNvSpPr/>
+          <p:nvPr/>
+        </p:nvSpPr>
+        <p:spPr>
+          <a:xfrm>
+            <a:off x="5606753" y="2536902"/>
+            <a:ext cx="1173223" cy="644947"/>
+          </a:xfrm>
+          <a:prstGeom prst="flowChartAlternateProcess">
+            <a:avLst/>
+          </a:prstGeom>
+        </p:spPr>
+        <p:style>
+          <a:lnRef idx="2">
+            <a:schemeClr val="accent1">
+              <a:shade val="50000"/>
+            </a:schemeClr>
+          </a:lnRef>
+          <a:fillRef idx="1">
+            <a:schemeClr val="accent1"/>
+          </a:fillRef>
+          <a:effectRef idx="0">
+            <a:schemeClr val="accent1"/>
+          </a:effectRef>
+          <a:fontRef idx="minor">
+            <a:schemeClr val="lt1"/>
+          </a:fontRef>
+        </p:style>
+        <p:txBody>
+          <a:bodyPr rot="0" spcFirstLastPara="0" vert="horz" wrap="square" lIns="91440" tIns="45720" rIns="91440" bIns="45720" numCol="1" spcCol="0" rtlCol="0" fromWordArt="0" anchor="ctr" anchorCtr="0" forceAA="0" compatLnSpc="1">
+            <a:prstTxWarp prst="textNoShape">
+              <a:avLst/>
+            </a:prstTxWarp>
+            <a:noAutofit/>
+          </a:bodyPr>
+          <a:lstStyle/>
+          <a:p>
+            <a:pPr marL="0" marR="0" algn="ctr">
+              <a:lnSpc>
+                <a:spcPct val="115000"/>
+              </a:lnSpc>
+              <a:spcBef>
+                <a:spcPts val="0"/>
+              </a:spcBef>
+              <a:spcAft>
+                <a:spcPts val="1000"/>
+              </a:spcAft>
+            </a:pPr>
+            <a:r>
+              <a:rPr lang="en-US" sz="2800" b="1" dirty="0" smtClean="0">
+                <a:ea typeface="Calibri"/>
+                <a:cs typeface="Cordia New"/>
+              </a:rPr>
+              <a:t>Pause</a:t>
+            </a:r>
+            <a:endParaRPr lang="en-US" sz="2800" dirty="0">
+              <a:effectLst/>
+              <a:ea typeface="Calibri"/>
+              <a:cs typeface="Cordia New"/>
+            </a:endParaRPr>
+          </a:p>
+        </p:txBody>
+      </p:sp>
+      <p:sp>
+        <p:nvSpPr>
+          <p:cNvPr id="12" name="Pentagon 11"/>
+          <p:cNvSpPr/>
+          <p:nvPr/>
+        </p:nvSpPr>
+        <p:spPr>
+          <a:xfrm>
+            <a:off x="1371600" y="1922383"/>
+            <a:ext cx="3510519" cy="2620165"/>
+          </a:xfrm>
+          <a:prstGeom prst="homePlate">
+            <a:avLst/>
+          </a:prstGeom>
+        </p:spPr>
+        <p:style>
+          <a:lnRef idx="2">
+            <a:schemeClr val="accent1"/>
+          </a:lnRef>
+          <a:fillRef idx="1">
+            <a:schemeClr val="lt1"/>
+          </a:fillRef>
+          <a:effectRef idx="0">
+            <a:schemeClr val="accent1"/>
+          </a:effectRef>
+          <a:fontRef idx="minor">
+            <a:schemeClr val="dk1"/>
+          </a:fontRef>
+        </p:style>
+        <p:txBody>
+          <a:bodyPr rot="0" spcFirstLastPara="0" vert="horz" wrap="square" lIns="91440" tIns="45720" rIns="91440" bIns="45720" numCol="1" spcCol="0" rtlCol="0" fromWordArt="0" anchor="ctr" anchorCtr="0" forceAA="0" compatLnSpc="1">
+            <a:prstTxWarp prst="textNoShape">
+              <a:avLst/>
+            </a:prstTxWarp>
+            <a:noAutofit/>
+          </a:bodyPr>
+          <a:lstStyle/>
+          <a:p>
+            <a:r>
+              <a:rPr lang="en-US" sz="3200" dirty="0"/>
+              <a:t>Insert latitude</a:t>
+            </a:r>
+          </a:p>
+          <a:p>
+            <a:r>
+              <a:rPr lang="en-US" sz="3200" dirty="0"/>
+              <a:t>and longitude</a:t>
+            </a:r>
+          </a:p>
+          <a:p>
+            <a:r>
+              <a:rPr lang="en-US" sz="3200" dirty="0"/>
+              <a:t>into database</a:t>
+            </a:r>
+          </a:p>
+        </p:txBody>
+      </p:sp>
+      <p:sp>
+        <p:nvSpPr>
+          <p:cNvPr id="5" name="Flowchart: Alternate Process 4"/>
+          <p:cNvSpPr/>
+          <p:nvPr/>
+        </p:nvSpPr>
+        <p:spPr>
+          <a:xfrm>
+            <a:off x="5608577" y="3319487"/>
+            <a:ext cx="1173223" cy="644947"/>
+          </a:xfrm>
+          <a:prstGeom prst="flowChartAlternateProcess">
+            <a:avLst/>
+          </a:prstGeom>
+        </p:spPr>
+        <p:style>
+          <a:lnRef idx="2">
+            <a:schemeClr val="accent1">
+              <a:shade val="50000"/>
+            </a:schemeClr>
+          </a:lnRef>
+          <a:fillRef idx="1">
+            <a:schemeClr val="accent1"/>
+          </a:fillRef>
+          <a:effectRef idx="0">
+            <a:schemeClr val="accent1"/>
+          </a:effectRef>
+          <a:fontRef idx="minor">
+            <a:schemeClr val="lt1"/>
+          </a:fontRef>
+        </p:style>
+        <p:txBody>
+          <a:bodyPr rot="0" spcFirstLastPara="0" vert="horz" wrap="square" lIns="91440" tIns="45720" rIns="91440" bIns="45720" numCol="1" spcCol="0" rtlCol="0" fromWordArt="0" anchor="ctr" anchorCtr="0" forceAA="0" compatLnSpc="1">
+            <a:prstTxWarp prst="textNoShape">
+              <a:avLst/>
+            </a:prstTxWarp>
+            <a:noAutofit/>
+          </a:bodyPr>
+          <a:lstStyle/>
+          <a:p>
+            <a:pPr marL="0" marR="0" algn="ctr">
+              <a:lnSpc>
+                <a:spcPct val="115000"/>
+              </a:lnSpc>
+              <a:spcBef>
+                <a:spcPts val="0"/>
+              </a:spcBef>
+              <a:spcAft>
+                <a:spcPts val="1000"/>
+              </a:spcAft>
+            </a:pPr>
+            <a:r>
+              <a:rPr lang="en-US" sz="2800" b="1" dirty="0" smtClean="0">
+                <a:effectLst/>
+                <a:ea typeface="Calibri"/>
+                <a:cs typeface="Cordia New"/>
+              </a:rPr>
+              <a:t>Stop</a:t>
+            </a:r>
+            <a:endParaRPr lang="en-US" sz="2800" dirty="0">
+              <a:effectLst/>
+              <a:ea typeface="Calibri"/>
+              <a:cs typeface="Cordia New"/>
+            </a:endParaRPr>
+          </a:p>
+        </p:txBody>
+      </p:sp>
+    </p:spTree>
+    <p:extLst>
+      <p:ext uri="{BB962C8B-B14F-4D97-AF65-F5344CB8AC3E}">
+        <p14:creationId xmlns:p14="http://schemas.microsoft.com/office/powerpoint/2010/main" val="1498823684"/>
+      </p:ext>
+    </p:extLst>
+  </p:cSld>
+  <p:clrMapOvr>
+    <a:masterClrMapping/>
+  </p:clrMapOvr>
+  <p:timing>
+    <p:tnLst>
+      <p:par>
+        <p:cTn id="1" dur="indefinite" restart="never" nodeType="tmRoot">
+          <p:childTnLst>
+            <p:seq concurrent="1" nextAc="seek">
+              <p:cTn id="2" dur="indefinite" nodeType="mainSeq">
+                <p:childTnLst>
+                  <p:par>
+                    <p:cTn id="3" fill="hold">
+                      <p:stCondLst>
+                        <p:cond delay="indefinite"/>
+                        <p:cond evt="onBegin" delay="0">
+                          <p:tn val="2"/>
+                        </p:cond>
+                      </p:stCondLst>
+                      <p:childTnLst>
+                        <p:par>
+                          <p:cTn id="4" fill="hold">
+                            <p:stCondLst>
+                              <p:cond delay="0"/>
+                            </p:stCondLst>
+                            <p:childTnLst>
+                              <p:par>
+                                <p:cTn id="5" presetID="10" presetClass="entr" presetSubtype="0" fill="hold" grpId="0" nodeType="afterEffect">
+                                  <p:stCondLst>
+                                    <p:cond delay="0"/>
+                                  </p:stCondLst>
+                                  <p:childTnLst>
+                                    <p:set>
+                                      <p:cBhvr>
+                                        <p:cTn id="6" dur="1" fill="hold">
+                                          <p:stCondLst>
+                                            <p:cond delay="0"/>
+                                          </p:stCondLst>
+                                        </p:cTn>
+                                        <p:tgtEl>
+                                          <p:spTgt spid="12"/>
+                                        </p:tgtEl>
+                                        <p:attrNameLst>
+                                          <p:attrName>style.visibility</p:attrName>
+                                        </p:attrNameLst>
+                                      </p:cBhvr>
+                                      <p:to>
+                                        <p:strVal val="visible"/>
+                                      </p:to>
+                                    </p:set>
+                                    <p:animEffect transition="in" filter="fade">
+                                      <p:cBhvr>
+                                        <p:cTn id="7" dur="500"/>
+                                        <p:tgtEl>
+                                          <p:spTgt spid="12"/>
+                                        </p:tgtEl>
+                                      </p:cBhvr>
+                                    </p:animEffect>
+                                  </p:childTnLst>
+                                </p:cTn>
+                              </p:par>
+                            </p:childTnLst>
+                          </p:cTn>
+                        </p:par>
+                        <p:par>
+                          <p:cTn id="8" fill="hold">
+                            <p:stCondLst>
+                              <p:cond delay="500"/>
+                            </p:stCondLst>
+                            <p:childTnLst>
+                              <p:par>
+                                <p:cTn id="9" presetID="10" presetClass="entr" presetSubtype="0" fill="hold" grpId="0" nodeType="afterEffect">
+                                  <p:stCondLst>
+                                    <p:cond delay="0"/>
+                                  </p:stCondLst>
+                                  <p:childTnLst>
+                                    <p:set>
+                                      <p:cBhvr>
+                                        <p:cTn id="10" dur="1" fill="hold">
+                                          <p:stCondLst>
+                                            <p:cond delay="0"/>
+                                          </p:stCondLst>
+                                        </p:cTn>
+                                        <p:tgtEl>
+                                          <p:spTgt spid="14"/>
+                                        </p:tgtEl>
+                                        <p:attrNameLst>
+                                          <p:attrName>style.visibility</p:attrName>
+                                        </p:attrNameLst>
+                                      </p:cBhvr>
+                                      <p:to>
+                                        <p:strVal val="visible"/>
+                                      </p:to>
+                                    </p:set>
+                                    <p:animEffect transition="in" filter="fade">
+                                      <p:cBhvr>
+                                        <p:cTn id="11" dur="500"/>
+                                        <p:tgtEl>
+                                          <p:spTgt spid="14"/>
+                                        </p:tgtEl>
+                                      </p:cBhvr>
+                                    </p:animEffect>
+                                  </p:childTnLst>
+                                </p:cTn>
+                              </p:par>
+                            </p:childTnLst>
+                          </p:cTn>
+                        </p:par>
+                        <p:par>
+                          <p:cTn id="12" fill="hold">
+                            <p:stCondLst>
+                              <p:cond delay="1000"/>
+                            </p:stCondLst>
+                            <p:childTnLst>
+                              <p:par>
+                                <p:cTn id="13" presetID="10" presetClass="entr" presetSubtype="0" fill="hold" grpId="0" nodeType="afterEffect">
+                                  <p:stCondLst>
+                                    <p:cond delay="0"/>
+                                  </p:stCondLst>
+                                  <p:childTnLst>
+                                    <p:set>
+                                      <p:cBhvr>
+                                        <p:cTn id="14" dur="1" fill="hold">
+                                          <p:stCondLst>
+                                            <p:cond delay="0"/>
+                                          </p:stCondLst>
+                                        </p:cTn>
+                                        <p:tgtEl>
+                                          <p:spTgt spid="5"/>
+                                        </p:tgtEl>
+                                        <p:attrNameLst>
+                                          <p:attrName>style.visibility</p:attrName>
+                                        </p:attrNameLst>
+                                      </p:cBhvr>
+                                      <p:to>
+                                        <p:strVal val="visible"/>
+                                      </p:to>
+                                    </p:set>
+                                    <p:animEffect transition="in" filter="fade">
+                                      <p:cBhvr>
+                                        <p:cTn id="15" dur="500"/>
+                                        <p:tgtEl>
+                                          <p:spTgt spid="5"/>
+                                        </p:tgtEl>
+                                      </p:cBhvr>
+                                    </p:animEffect>
+                                  </p:childTnLst>
+                                </p:cTn>
+                              </p:par>
+                            </p:childTnLst>
+                          </p:cTn>
+                        </p:par>
+                      </p:childTnLst>
+                    </p:cTn>
+                  </p:par>
+                </p:childTnLst>
+              </p:cTn>
+              <p:prevCondLst>
+                <p:cond evt="onPrev" delay="0">
+                  <p:tgtEl>
+                    <p:sldTgt/>
+                  </p:tgtEl>
+                </p:cond>
+              </p:prevCondLst>
+              <p:nextCondLst>
+                <p:cond evt="onNext" delay="0">
+                  <p:tgtEl>
+                    <p:sldTgt/>
+                  </p:tgtEl>
+                </p:cond>
+              </p:nextCondLst>
+            </p:seq>
+          </p:childTnLst>
+        </p:cTn>
+      </p:par>
+    </p:tnLst>
+    <p:bldLst>
+      <p:bldP spid="14" grpId="0" animBg="1"/>
+      <p:bldP spid="12" grpId="0" animBg="1"/>
+      <p:bldP spid="5" grpId="0" animBg="1"/>
+    </p:bldLst>
+  </p:timing>
+</p:sld>
+</file>
+
+<file path=ppt/slides/slide14.xml><?xml version="1.0" encoding="utf-8"?>
 <p:sld xmlns:a="http://schemas.openxmlformats.org/drawingml/2006/main" xmlns:r="http://schemas.openxmlformats.org/officeDocument/2006/relationships" xmlns:p="http://schemas.openxmlformats.org/presentationml/2006/main">
   <p:cSld>
     <p:bg>
@@ -6667,7 +8873,7 @@
           <a:blip r:embed="rId2" cstate="print">
             <a:extLst>
               <a:ext uri="{28A0092B-C50C-407E-A947-70E740481C1C}">
-                <a14:useLocalDpi xmlns:a14="http://schemas.microsoft.com/office/drawing/2010/main" xmlns="" val="0"/>
+                <a14:useLocalDpi xmlns:a14="http://schemas.microsoft.com/office/drawing/2010/main" val="0"/>
               </a:ext>
             </a:extLst>
           </a:blip>
@@ -6687,7 +8893,435 @@
           </a:ln>
           <a:extLst>
             <a:ext uri="{53640926-AAD7-44D8-BBD7-CCE9431645EC}">
-              <a14:shadowObscured xmlns:a14="http://schemas.microsoft.com/office/drawing/2010/main" xmlns=""/>
+              <a14:shadowObscured xmlns:a14="http://schemas.microsoft.com/office/drawing/2010/main"/>
+            </a:ext>
+          </a:extLst>
+        </p:spPr>
+      </p:pic>
+      <p:sp>
+        <p:nvSpPr>
+          <p:cNvPr id="5" name="Flowchart: Alternate Process 4"/>
+          <p:cNvSpPr/>
+          <p:nvPr/>
+        </p:nvSpPr>
+        <p:spPr>
+          <a:xfrm>
+            <a:off x="5606977" y="2744360"/>
+            <a:ext cx="1173223" cy="976209"/>
+          </a:xfrm>
+          <a:prstGeom prst="flowChartAlternateProcess">
+            <a:avLst/>
+          </a:prstGeom>
+        </p:spPr>
+        <p:style>
+          <a:lnRef idx="2">
+            <a:schemeClr val="accent1">
+              <a:shade val="50000"/>
+            </a:schemeClr>
+          </a:lnRef>
+          <a:fillRef idx="1">
+            <a:schemeClr val="accent1"/>
+          </a:fillRef>
+          <a:effectRef idx="0">
+            <a:schemeClr val="accent1"/>
+          </a:effectRef>
+          <a:fontRef idx="minor">
+            <a:schemeClr val="lt1"/>
+          </a:fontRef>
+        </p:style>
+        <p:txBody>
+          <a:bodyPr rot="0" spcFirstLastPara="0" vert="horz" wrap="square" lIns="91440" tIns="45720" rIns="91440" bIns="45720" numCol="1" spcCol="0" rtlCol="0" fromWordArt="0" anchor="ctr" anchorCtr="0" forceAA="0" compatLnSpc="1">
+            <a:prstTxWarp prst="textNoShape">
+              <a:avLst/>
+            </a:prstTxWarp>
+            <a:noAutofit/>
+          </a:bodyPr>
+          <a:lstStyle/>
+          <a:p>
+            <a:pPr marL="0" marR="0" algn="ctr">
+              <a:spcBef>
+                <a:spcPts val="0"/>
+              </a:spcBef>
+              <a:spcAft>
+                <a:spcPts val="1000"/>
+              </a:spcAft>
+            </a:pPr>
+            <a:r>
+              <a:rPr lang="en-US" sz="2800" b="1" dirty="0" smtClean="0">
+                <a:ea typeface="Calibri"/>
+                <a:cs typeface="Cordia New"/>
+              </a:rPr>
+              <a:t>Continue</a:t>
+            </a:r>
+            <a:endParaRPr lang="en-US" sz="2800" dirty="0">
+              <a:effectLst/>
+              <a:ea typeface="Calibri"/>
+              <a:cs typeface="Cordia New"/>
+            </a:endParaRPr>
+          </a:p>
+        </p:txBody>
+      </p:sp>
+      <p:sp>
+        <p:nvSpPr>
+          <p:cNvPr id="6" name="Pentagon 5"/>
+          <p:cNvSpPr/>
+          <p:nvPr/>
+        </p:nvSpPr>
+        <p:spPr>
+          <a:xfrm>
+            <a:off x="1371600" y="1922383"/>
+            <a:ext cx="3510519" cy="2620165"/>
+          </a:xfrm>
+          <a:prstGeom prst="homePlate">
+            <a:avLst/>
+          </a:prstGeom>
+        </p:spPr>
+        <p:style>
+          <a:lnRef idx="2">
+            <a:schemeClr val="accent1"/>
+          </a:lnRef>
+          <a:fillRef idx="1">
+            <a:schemeClr val="lt1"/>
+          </a:fillRef>
+          <a:effectRef idx="0">
+            <a:schemeClr val="accent1"/>
+          </a:effectRef>
+          <a:fontRef idx="minor">
+            <a:schemeClr val="dk1"/>
+          </a:fontRef>
+        </p:style>
+        <p:txBody>
+          <a:bodyPr rot="0" spcFirstLastPara="0" vert="horz" wrap="square" lIns="91440" tIns="45720" rIns="91440" bIns="45720" numCol="1" spcCol="0" rtlCol="0" fromWordArt="0" anchor="ctr" anchorCtr="0" forceAA="0" compatLnSpc="1">
+            <a:prstTxWarp prst="textNoShape">
+              <a:avLst/>
+            </a:prstTxWarp>
+            <a:noAutofit/>
+          </a:bodyPr>
+          <a:lstStyle/>
+          <a:p>
+            <a:r>
+              <a:rPr lang="en-US" sz="3200" dirty="0"/>
+              <a:t>Wait for user tap to continue</a:t>
+            </a:r>
+          </a:p>
+        </p:txBody>
+      </p:sp>
+      <p:sp>
+        <p:nvSpPr>
+          <p:cNvPr id="8" name="Flowchart: Alternate Process 7"/>
+          <p:cNvSpPr/>
+          <p:nvPr/>
+        </p:nvSpPr>
+        <p:spPr>
+          <a:xfrm>
+            <a:off x="1371600" y="1031621"/>
+            <a:ext cx="1173223" cy="644947"/>
+          </a:xfrm>
+          <a:prstGeom prst="flowChartAlternateProcess">
+            <a:avLst/>
+          </a:prstGeom>
+        </p:spPr>
+        <p:style>
+          <a:lnRef idx="2">
+            <a:schemeClr val="accent1">
+              <a:shade val="50000"/>
+            </a:schemeClr>
+          </a:lnRef>
+          <a:fillRef idx="1">
+            <a:schemeClr val="accent1"/>
+          </a:fillRef>
+          <a:effectRef idx="0">
+            <a:schemeClr val="accent1"/>
+          </a:effectRef>
+          <a:fontRef idx="minor">
+            <a:schemeClr val="lt1"/>
+          </a:fontRef>
+        </p:style>
+        <p:txBody>
+          <a:bodyPr rot="0" spcFirstLastPara="0" vert="horz" wrap="square" lIns="91440" tIns="45720" rIns="91440" bIns="45720" numCol="1" spcCol="0" rtlCol="0" fromWordArt="0" anchor="ctr" anchorCtr="0" forceAA="0" compatLnSpc="1">
+            <a:prstTxWarp prst="textNoShape">
+              <a:avLst/>
+            </a:prstTxWarp>
+            <a:noAutofit/>
+          </a:bodyPr>
+          <a:lstStyle/>
+          <a:p>
+            <a:pPr marL="0" marR="0" algn="ctr">
+              <a:lnSpc>
+                <a:spcPct val="115000"/>
+              </a:lnSpc>
+              <a:spcBef>
+                <a:spcPts val="0"/>
+              </a:spcBef>
+              <a:spcAft>
+                <a:spcPts val="1000"/>
+              </a:spcAft>
+            </a:pPr>
+            <a:r>
+              <a:rPr lang="en-US" sz="2800" b="1" dirty="0" smtClean="0">
+                <a:ea typeface="Calibri"/>
+                <a:cs typeface="Cordia New"/>
+              </a:rPr>
+              <a:t>Pause</a:t>
+            </a:r>
+            <a:endParaRPr lang="en-US" sz="2800" dirty="0">
+              <a:effectLst/>
+              <a:ea typeface="Calibri"/>
+              <a:cs typeface="Cordia New"/>
+            </a:endParaRPr>
+          </a:p>
+        </p:txBody>
+      </p:sp>
+    </p:spTree>
+    <p:extLst>
+      <p:ext uri="{BB962C8B-B14F-4D97-AF65-F5344CB8AC3E}">
+        <p14:creationId xmlns:p14="http://schemas.microsoft.com/office/powerpoint/2010/main" val="819896303"/>
+      </p:ext>
+    </p:extLst>
+  </p:cSld>
+  <p:clrMapOvr>
+    <a:masterClrMapping/>
+  </p:clrMapOvr>
+  <p:timing>
+    <p:tnLst>
+      <p:par>
+        <p:cTn id="1" dur="indefinite" restart="never" nodeType="tmRoot">
+          <p:childTnLst>
+            <p:seq concurrent="1" nextAc="seek">
+              <p:cTn id="2" dur="indefinite" nodeType="mainSeq">
+                <p:childTnLst>
+                  <p:par>
+                    <p:cTn id="3" fill="hold">
+                      <p:stCondLst>
+                        <p:cond delay="indefinite"/>
+                        <p:cond evt="onBegin" delay="0">
+                          <p:tn val="2"/>
+                        </p:cond>
+                      </p:stCondLst>
+                      <p:childTnLst>
+                        <p:par>
+                          <p:cTn id="4" fill="hold">
+                            <p:stCondLst>
+                              <p:cond delay="0"/>
+                            </p:stCondLst>
+                            <p:childTnLst>
+                              <p:par>
+                                <p:cTn id="5" presetID="10" presetClass="entr" presetSubtype="0" fill="hold" grpId="0" nodeType="afterEffect">
+                                  <p:stCondLst>
+                                    <p:cond delay="0"/>
+                                  </p:stCondLst>
+                                  <p:childTnLst>
+                                    <p:set>
+                                      <p:cBhvr>
+                                        <p:cTn id="6" dur="1" fill="hold">
+                                          <p:stCondLst>
+                                            <p:cond delay="0"/>
+                                          </p:stCondLst>
+                                        </p:cTn>
+                                        <p:tgtEl>
+                                          <p:spTgt spid="8"/>
+                                        </p:tgtEl>
+                                        <p:attrNameLst>
+                                          <p:attrName>style.visibility</p:attrName>
+                                        </p:attrNameLst>
+                                      </p:cBhvr>
+                                      <p:to>
+                                        <p:strVal val="visible"/>
+                                      </p:to>
+                                    </p:set>
+                                    <p:animEffect transition="in" filter="fade">
+                                      <p:cBhvr>
+                                        <p:cTn id="7" dur="500"/>
+                                        <p:tgtEl>
+                                          <p:spTgt spid="8"/>
+                                        </p:tgtEl>
+                                      </p:cBhvr>
+                                    </p:animEffect>
+                                  </p:childTnLst>
+                                </p:cTn>
+                              </p:par>
+                            </p:childTnLst>
+                          </p:cTn>
+                        </p:par>
+                        <p:par>
+                          <p:cTn id="8" fill="hold">
+                            <p:stCondLst>
+                              <p:cond delay="500"/>
+                            </p:stCondLst>
+                            <p:childTnLst>
+                              <p:par>
+                                <p:cTn id="9" presetID="10" presetClass="entr" presetSubtype="0" fill="hold" grpId="0" nodeType="afterEffect">
+                                  <p:stCondLst>
+                                    <p:cond delay="0"/>
+                                  </p:stCondLst>
+                                  <p:childTnLst>
+                                    <p:set>
+                                      <p:cBhvr>
+                                        <p:cTn id="10" dur="1" fill="hold">
+                                          <p:stCondLst>
+                                            <p:cond delay="0"/>
+                                          </p:stCondLst>
+                                        </p:cTn>
+                                        <p:tgtEl>
+                                          <p:spTgt spid="6"/>
+                                        </p:tgtEl>
+                                        <p:attrNameLst>
+                                          <p:attrName>style.visibility</p:attrName>
+                                        </p:attrNameLst>
+                                      </p:cBhvr>
+                                      <p:to>
+                                        <p:strVal val="visible"/>
+                                      </p:to>
+                                    </p:set>
+                                    <p:animEffect transition="in" filter="fade">
+                                      <p:cBhvr>
+                                        <p:cTn id="11" dur="500"/>
+                                        <p:tgtEl>
+                                          <p:spTgt spid="6"/>
+                                        </p:tgtEl>
+                                      </p:cBhvr>
+                                    </p:animEffect>
+                                  </p:childTnLst>
+                                </p:cTn>
+                              </p:par>
+                            </p:childTnLst>
+                          </p:cTn>
+                        </p:par>
+                        <p:par>
+                          <p:cTn id="12" fill="hold">
+                            <p:stCondLst>
+                              <p:cond delay="1000"/>
+                            </p:stCondLst>
+                            <p:childTnLst>
+                              <p:par>
+                                <p:cTn id="13" presetID="10" presetClass="entr" presetSubtype="0" fill="hold" grpId="0" nodeType="afterEffect">
+                                  <p:stCondLst>
+                                    <p:cond delay="0"/>
+                                  </p:stCondLst>
+                                  <p:childTnLst>
+                                    <p:set>
+                                      <p:cBhvr>
+                                        <p:cTn id="14" dur="1" fill="hold">
+                                          <p:stCondLst>
+                                            <p:cond delay="0"/>
+                                          </p:stCondLst>
+                                        </p:cTn>
+                                        <p:tgtEl>
+                                          <p:spTgt spid="5"/>
+                                        </p:tgtEl>
+                                        <p:attrNameLst>
+                                          <p:attrName>style.visibility</p:attrName>
+                                        </p:attrNameLst>
+                                      </p:cBhvr>
+                                      <p:to>
+                                        <p:strVal val="visible"/>
+                                      </p:to>
+                                    </p:set>
+                                    <p:animEffect transition="in" filter="fade">
+                                      <p:cBhvr>
+                                        <p:cTn id="15" dur="500"/>
+                                        <p:tgtEl>
+                                          <p:spTgt spid="5"/>
+                                        </p:tgtEl>
+                                      </p:cBhvr>
+                                    </p:animEffect>
+                                  </p:childTnLst>
+                                </p:cTn>
+                              </p:par>
+                            </p:childTnLst>
+                          </p:cTn>
+                        </p:par>
+                      </p:childTnLst>
+                    </p:cTn>
+                  </p:par>
+                </p:childTnLst>
+              </p:cTn>
+              <p:prevCondLst>
+                <p:cond evt="onPrev" delay="0">
+                  <p:tgtEl>
+                    <p:sldTgt/>
+                  </p:tgtEl>
+                </p:cond>
+              </p:prevCondLst>
+              <p:nextCondLst>
+                <p:cond evt="onNext" delay="0">
+                  <p:tgtEl>
+                    <p:sldTgt/>
+                  </p:tgtEl>
+                </p:cond>
+              </p:nextCondLst>
+            </p:seq>
+          </p:childTnLst>
+        </p:cTn>
+      </p:par>
+    </p:tnLst>
+    <p:bldLst>
+      <p:bldP spid="5" grpId="0" animBg="1"/>
+      <p:bldP spid="6" grpId="0" animBg="1"/>
+      <p:bldP spid="8" grpId="0" animBg="1"/>
+    </p:bldLst>
+  </p:timing>
+</p:sld>
+</file>
+
+<file path=ppt/slides/slide15.xml><?xml version="1.0" encoding="utf-8"?>
+<p:sld xmlns:a="http://schemas.openxmlformats.org/drawingml/2006/main" xmlns:r="http://schemas.openxmlformats.org/officeDocument/2006/relationships" xmlns:p="http://schemas.openxmlformats.org/presentationml/2006/main">
+  <p:cSld>
+    <p:bg>
+      <p:bgPr>
+        <a:solidFill>
+          <a:schemeClr val="bg1"/>
+        </a:solidFill>
+        <a:effectLst/>
+      </p:bgPr>
+    </p:bg>
+    <p:spTree>
+      <p:nvGrpSpPr>
+        <p:cNvPr id="1" name=""/>
+        <p:cNvGrpSpPr/>
+        <p:nvPr/>
+      </p:nvGrpSpPr>
+      <p:grpSpPr>
+        <a:xfrm>
+          <a:off x="0" y="0"/>
+          <a:ext cx="0" cy="0"/>
+          <a:chOff x="0" y="0"/>
+          <a:chExt cx="0" cy="0"/>
+        </a:xfrm>
+      </p:grpSpPr>
+      <p:pic>
+        <p:nvPicPr>
+          <p:cNvPr id="4" name="Picture 3"/>
+          <p:cNvPicPr>
+            <a:picLocks noChangeAspect="1"/>
+          </p:cNvPicPr>
+          <p:nvPr/>
+        </p:nvPicPr>
+        <p:blipFill rotWithShape="1">
+          <a:blip r:embed="rId2" cstate="print">
+            <a:extLst>
+              <a:ext uri="{28A0092B-C50C-407E-A947-70E740481C1C}">
+                <a14:useLocalDpi xmlns:a14="http://schemas.microsoft.com/office/drawing/2010/main" val="0"/>
+              </a:ext>
+            </a:extLst>
+          </a:blip>
+          <a:srcRect l="31468" t="5245" r="31818" b="5594"/>
+          <a:stretch/>
+        </p:blipFill>
+        <p:spPr bwMode="auto">
+          <a:xfrm>
+            <a:off x="5300579" y="1634808"/>
+            <a:ext cx="1786021" cy="3470592"/>
+          </a:xfrm>
+          <a:prstGeom prst="rect">
+            <a:avLst/>
+          </a:prstGeom>
+          <a:ln>
+            <a:noFill/>
+          </a:ln>
+          <a:extLst>
+            <a:ext uri="{53640926-AAD7-44D8-BBD7-CCE9431645EC}">
+              <a14:shadowObscured xmlns:a14="http://schemas.microsoft.com/office/drawing/2010/main"/>
             </a:ext>
           </a:extLst>
         </p:spPr>
@@ -6878,7 +9512,7 @@
     </p:spTree>
     <p:extLst>
       <p:ext uri="{BB962C8B-B14F-4D97-AF65-F5344CB8AC3E}">
-        <p14:creationId xmlns:p14="http://schemas.microsoft.com/office/powerpoint/2010/main" xmlns="" val="785686850"/>
+        <p14:creationId xmlns:p14="http://schemas.microsoft.com/office/powerpoint/2010/main" val="785686850"/>
       </p:ext>
     </p:extLst>
   </p:cSld>
@@ -6897,6 +9531,9 @@
                     <p:cTn id="3" fill="hold">
                       <p:stCondLst>
                         <p:cond delay="indefinite"/>
+                        <p:cond evt="onBegin" delay="0">
+                          <p:tn val="2"/>
+                        </p:cond>
                       </p:stCondLst>
                       <p:childTnLst>
                         <p:par>
@@ -6906,7 +9543,7 @@
                             </p:stCondLst>
                             <p:childTnLst>
                               <p:par>
-                                <p:cTn id="5" presetID="10" presetClass="entr" presetSubtype="0" fill="hold" grpId="0" nodeType="clickEffect">
+                                <p:cTn id="5" presetID="10" presetClass="entr" presetSubtype="0" fill="hold" grpId="0" nodeType="afterEffect">
                                   <p:stCondLst>
                                     <p:cond delay="0"/>
                                   </p:stCondLst>
@@ -6914,6 +9551,50 @@
                                     <p:set>
                                       <p:cBhvr>
                                         <p:cTn id="6" dur="1" fill="hold">
+                                          <p:stCondLst>
+                                            <p:cond delay="0"/>
+                                          </p:stCondLst>
+                                        </p:cTn>
+                                        <p:tgtEl>
+                                          <p:spTgt spid="8"/>
+                                        </p:tgtEl>
+                                        <p:attrNameLst>
+                                          <p:attrName>style.visibility</p:attrName>
+                                        </p:attrNameLst>
+                                      </p:cBhvr>
+                                      <p:to>
+                                        <p:strVal val="visible"/>
+                                      </p:to>
+                                    </p:set>
+                                    <p:animEffect transition="in" filter="fade">
+                                      <p:cBhvr>
+                                        <p:cTn id="7" dur="500"/>
+                                        <p:tgtEl>
+                                          <p:spTgt spid="8"/>
+                                        </p:tgtEl>
+                                      </p:cBhvr>
+                                    </p:animEffect>
+                                  </p:childTnLst>
+                                </p:cTn>
+                              </p:par>
+                            </p:childTnLst>
+                          </p:cTn>
+                        </p:par>
+                        <p:par>
+                          <p:cTn id="8" fill="hold">
+                            <p:stCondLst>
+                              <p:cond delay="500"/>
+                            </p:stCondLst>
+                            <p:childTnLst>
+                              <p:par>
+                                <p:cTn id="9" presetID="10" presetClass="entr" presetSubtype="0" fill="hold" grpId="0" nodeType="afterEffect">
+                                  <p:stCondLst>
+                                    <p:cond delay="0"/>
+                                  </p:stCondLst>
+                                  <p:childTnLst>
+                                    <p:set>
+                                      <p:cBhvr>
+                                        <p:cTn id="10" dur="1" fill="hold">
                                           <p:stCondLst>
                                             <p:cond delay="0"/>
                                           </p:stCondLst>
@@ -6931,44 +9612,9 @@
                                     </p:set>
                                     <p:animEffect transition="in" filter="fade">
                                       <p:cBhvr>
-                                        <p:cTn id="7" dur="500"/>
+                                        <p:cTn id="11" dur="500"/>
                                         <p:tgtEl>
                                           <p:spTgt spid="6"/>
-                                        </p:tgtEl>
-                                      </p:cBhvr>
-                                    </p:animEffect>
-                                  </p:childTnLst>
-                                </p:cTn>
-                              </p:par>
-                              <p:par>
-                                <p:cTn id="8" presetID="10" presetClass="entr" presetSubtype="0" fill="hold" grpId="0" nodeType="withEffect">
-                                  <p:stCondLst>
-                                    <p:cond delay="0"/>
-                                  </p:stCondLst>
-                                  <p:childTnLst>
-                                    <p:set>
-                                      <p:cBhvr>
-                                        <p:cTn id="9" dur="1" fill="hold">
-                                          <p:stCondLst>
-                                            <p:cond delay="0"/>
-                                          </p:stCondLst>
-                                        </p:cTn>
-                                        <p:tgtEl>
-                                          <p:spTgt spid="8"/>
-                                        </p:tgtEl>
-                                        <p:attrNameLst>
-                                          <p:attrName>style.visibility</p:attrName>
-                                        </p:attrNameLst>
-                                      </p:cBhvr>
-                                      <p:to>
-                                        <p:strVal val="visible"/>
-                                      </p:to>
-                                    </p:set>
-                                    <p:animEffect transition="in" filter="fade">
-                                      <p:cBhvr>
-                                        <p:cTn id="10" dur="500"/>
-                                        <p:tgtEl>
-                                          <p:spTgt spid="8"/>
                                         </p:tgtEl>
                                       </p:cBhvr>
                                     </p:animEffect>
@@ -6978,23 +9624,14 @@
                             </p:childTnLst>
                           </p:cTn>
                         </p:par>
-                      </p:childTnLst>
-                    </p:cTn>
-                  </p:par>
-                  <p:par>
-                    <p:cTn id="11" fill="hold">
-                      <p:stCondLst>
-                        <p:cond delay="indefinite"/>
-                      </p:stCondLst>
-                      <p:childTnLst>
                         <p:par>
                           <p:cTn id="12" fill="hold">
                             <p:stCondLst>
-                              <p:cond delay="0"/>
+                              <p:cond delay="1000"/>
                             </p:stCondLst>
                             <p:childTnLst>
                               <p:par>
-                                <p:cTn id="13" presetID="10" presetClass="entr" presetSubtype="0" fill="hold" grpId="0" nodeType="clickEffect">
+                                <p:cTn id="13" presetID="10" presetClass="entr" presetSubtype="0" fill="hold" grpId="0" nodeType="afterEffect">
                                   <p:stCondLst>
                                     <p:cond delay="0"/>
                                   </p:stCondLst>
@@ -7064,7 +9701,7 @@
 </p:sld>
 </file>
 
-<file path=ppt/slides/slide11.xml><?xml version="1.0" encoding="utf-8"?>
+<file path=ppt/slides/slide16.xml><?xml version="1.0" encoding="utf-8"?>
 <p:sld xmlns:a="http://schemas.openxmlformats.org/drawingml/2006/main" xmlns:r="http://schemas.openxmlformats.org/officeDocument/2006/relationships" xmlns:p="http://schemas.openxmlformats.org/presentationml/2006/main">
   <p:cSld>
     <p:bg>
@@ -7101,7 +9738,7 @@
           <a:blip r:embed="rId2" cstate="print">
             <a:extLst>
               <a:ext uri="{28A0092B-C50C-407E-A947-70E740481C1C}">
-                <a14:useLocalDpi xmlns:a14="http://schemas.microsoft.com/office/drawing/2010/main" xmlns="" val="0"/>
+                <a14:useLocalDpi xmlns:a14="http://schemas.microsoft.com/office/drawing/2010/main" val="0"/>
               </a:ext>
             </a:extLst>
           </a:blip>
@@ -7121,7 +9758,7 @@
           </a:ln>
           <a:extLst>
             <a:ext uri="{53640926-AAD7-44D8-BBD7-CCE9431645EC}">
-              <a14:shadowObscured xmlns:a14="http://schemas.microsoft.com/office/drawing/2010/main" xmlns=""/>
+              <a14:shadowObscured xmlns:a14="http://schemas.microsoft.com/office/drawing/2010/main"/>
             </a:ext>
           </a:extLst>
         </p:spPr>
@@ -7263,7 +9900,7 @@
             <a:blip r:embed="rId3" cstate="print">
               <a:extLst>
                 <a:ext uri="{28A0092B-C50C-407E-A947-70E740481C1C}">
-                  <a14:useLocalDpi xmlns:a14="http://schemas.microsoft.com/office/drawing/2010/main" xmlns="" val="0"/>
+                  <a14:useLocalDpi xmlns:a14="http://schemas.microsoft.com/office/drawing/2010/main" val="0"/>
                 </a:ext>
               </a:extLst>
             </a:blip>
@@ -8130,7 +10767,7 @@
     </p:spTree>
     <p:extLst>
       <p:ext uri="{BB962C8B-B14F-4D97-AF65-F5344CB8AC3E}">
-        <p14:creationId xmlns:p14="http://schemas.microsoft.com/office/powerpoint/2010/main" xmlns="" val="215749748"/>
+        <p14:creationId xmlns:p14="http://schemas.microsoft.com/office/powerpoint/2010/main" val="215749748"/>
       </p:ext>
     </p:extLst>
   </p:cSld>
@@ -8149,6 +10786,9 @@
                     <p:cTn id="3" fill="hold">
                       <p:stCondLst>
                         <p:cond delay="indefinite"/>
+                        <p:cond evt="onBegin" delay="0">
+                          <p:tn val="2"/>
+                        </p:cond>
                       </p:stCondLst>
                       <p:childTnLst>
                         <p:par>
@@ -8158,7 +10798,7 @@
                             </p:stCondLst>
                             <p:childTnLst>
                               <p:par>
-                                <p:cTn id="5" presetID="10" presetClass="entr" presetSubtype="0" fill="hold" grpId="0" nodeType="clickEffect">
+                                <p:cTn id="5" presetID="10" presetClass="entr" presetSubtype="0" fill="hold" grpId="0" nodeType="afterEffect">
                                   <p:stCondLst>
                                     <p:cond delay="0"/>
                                   </p:stCondLst>
@@ -8166,6 +10806,50 @@
                                     <p:set>
                                       <p:cBhvr>
                                         <p:cTn id="6" dur="1" fill="hold">
+                                          <p:stCondLst>
+                                            <p:cond delay="0"/>
+                                          </p:stCondLst>
+                                        </p:cTn>
+                                        <p:tgtEl>
+                                          <p:spTgt spid="8"/>
+                                        </p:tgtEl>
+                                        <p:attrNameLst>
+                                          <p:attrName>style.visibility</p:attrName>
+                                        </p:attrNameLst>
+                                      </p:cBhvr>
+                                      <p:to>
+                                        <p:strVal val="visible"/>
+                                      </p:to>
+                                    </p:set>
+                                    <p:animEffect transition="in" filter="fade">
+                                      <p:cBhvr>
+                                        <p:cTn id="7" dur="500"/>
+                                        <p:tgtEl>
+                                          <p:spTgt spid="8"/>
+                                        </p:tgtEl>
+                                      </p:cBhvr>
+                                    </p:animEffect>
+                                  </p:childTnLst>
+                                </p:cTn>
+                              </p:par>
+                            </p:childTnLst>
+                          </p:cTn>
+                        </p:par>
+                        <p:par>
+                          <p:cTn id="8" fill="hold">
+                            <p:stCondLst>
+                              <p:cond delay="500"/>
+                            </p:stCondLst>
+                            <p:childTnLst>
+                              <p:par>
+                                <p:cTn id="9" presetID="10" presetClass="entr" presetSubtype="0" fill="hold" grpId="0" nodeType="afterEffect">
+                                  <p:stCondLst>
+                                    <p:cond delay="0"/>
+                                  </p:stCondLst>
+                                  <p:childTnLst>
+                                    <p:set>
+                                      <p:cBhvr>
+                                        <p:cTn id="10" dur="1" fill="hold">
                                           <p:stCondLst>
                                             <p:cond delay="0"/>
                                           </p:stCondLst>
@@ -8183,44 +10867,9 @@
                                     </p:set>
                                     <p:animEffect transition="in" filter="fade">
                                       <p:cBhvr>
-                                        <p:cTn id="7" dur="500"/>
+                                        <p:cTn id="11" dur="500"/>
                                         <p:tgtEl>
                                           <p:spTgt spid="6"/>
-                                        </p:tgtEl>
-                                      </p:cBhvr>
-                                    </p:animEffect>
-                                  </p:childTnLst>
-                                </p:cTn>
-                              </p:par>
-                              <p:par>
-                                <p:cTn id="8" presetID="10" presetClass="entr" presetSubtype="0" fill="hold" grpId="0" nodeType="withEffect">
-                                  <p:stCondLst>
-                                    <p:cond delay="0"/>
-                                  </p:stCondLst>
-                                  <p:childTnLst>
-                                    <p:set>
-                                      <p:cBhvr>
-                                        <p:cTn id="9" dur="1" fill="hold">
-                                          <p:stCondLst>
-                                            <p:cond delay="0"/>
-                                          </p:stCondLst>
-                                        </p:cTn>
-                                        <p:tgtEl>
-                                          <p:spTgt spid="8"/>
-                                        </p:tgtEl>
-                                        <p:attrNameLst>
-                                          <p:attrName>style.visibility</p:attrName>
-                                        </p:attrNameLst>
-                                      </p:cBhvr>
-                                      <p:to>
-                                        <p:strVal val="visible"/>
-                                      </p:to>
-                                    </p:set>
-                                    <p:animEffect transition="in" filter="fade">
-                                      <p:cBhvr>
-                                        <p:cTn id="10" dur="500"/>
-                                        <p:tgtEl>
-                                          <p:spTgt spid="8"/>
                                         </p:tgtEl>
                                       </p:cBhvr>
                                     </p:animEffect>
@@ -8230,23 +10879,14 @@
                             </p:childTnLst>
                           </p:cTn>
                         </p:par>
-                      </p:childTnLst>
-                    </p:cTn>
-                  </p:par>
-                  <p:par>
-                    <p:cTn id="11" fill="hold">
-                      <p:stCondLst>
-                        <p:cond delay="indefinite"/>
-                      </p:stCondLst>
-                      <p:childTnLst>
                         <p:par>
                           <p:cTn id="12" fill="hold">
                             <p:stCondLst>
-                              <p:cond delay="0"/>
+                              <p:cond delay="1000"/>
                             </p:stCondLst>
                             <p:childTnLst>
                               <p:par>
-                                <p:cTn id="13" presetID="10" presetClass="entr" presetSubtype="0" fill="hold" nodeType="clickEffect">
+                                <p:cTn id="13" presetID="10" presetClass="entr" presetSubtype="0" fill="hold" nodeType="afterEffect">
                                   <p:stCondLst>
                                     <p:cond delay="0"/>
                                   </p:stCondLst>
@@ -8315,6 +10955,111 @@
 </p:sld>
 </file>
 
+<file path=ppt/slides/slide17.xml><?xml version="1.0" encoding="utf-8"?>
+<p:sld xmlns:a="http://schemas.openxmlformats.org/drawingml/2006/main" xmlns:r="http://schemas.openxmlformats.org/officeDocument/2006/relationships" xmlns:p="http://schemas.openxmlformats.org/presentationml/2006/main">
+  <p:cSld>
+    <p:spTree>
+      <p:nvGrpSpPr>
+        <p:cNvPr id="1" name=""/>
+        <p:cNvGrpSpPr/>
+        <p:nvPr/>
+      </p:nvGrpSpPr>
+      <p:grpSpPr>
+        <a:xfrm>
+          <a:off x="0" y="0"/>
+          <a:ext cx="0" cy="0"/>
+          <a:chOff x="0" y="0"/>
+          <a:chExt cx="0" cy="0"/>
+        </a:xfrm>
+      </p:grpSpPr>
+      <p:sp>
+        <p:nvSpPr>
+          <p:cNvPr id="2" name="Title 1"/>
+          <p:cNvSpPr>
+            <a:spLocks noGrp="1"/>
+          </p:cNvSpPr>
+          <p:nvPr>
+            <p:ph type="title"/>
+          </p:nvPr>
+        </p:nvSpPr>
+        <p:spPr/>
+        <p:txBody>
+          <a:bodyPr/>
+          <a:lstStyle/>
+          <a:p>
+            <a:r>
+              <a:rPr lang="th-TH" dirty="0" smtClean="0"/>
+              <a:t>คุณสมบัติที่อาจจะเพิ่มในภายหลัง</a:t>
+            </a:r>
+            <a:endParaRPr lang="en-US" dirty="0"/>
+          </a:p>
+        </p:txBody>
+      </p:sp>
+      <p:sp>
+        <p:nvSpPr>
+          <p:cNvPr id="3" name="Content Placeholder 2"/>
+          <p:cNvSpPr>
+            <a:spLocks noGrp="1"/>
+          </p:cNvSpPr>
+          <p:nvPr>
+            <p:ph idx="1"/>
+          </p:nvPr>
+        </p:nvSpPr>
+        <p:spPr/>
+        <p:txBody>
+          <a:bodyPr/>
+          <a:lstStyle/>
+          <a:p>
+            <a:r>
+              <a:rPr lang="th-TH" dirty="0" smtClean="0">
+                <a:latin typeface="Angsana New" pitchFamily="18" charset="-34"/>
+                <a:cs typeface="Angsana New" pitchFamily="18" charset="-34"/>
+              </a:rPr>
+              <a:t>เลือกสัญลักษณ์ติดป้ายชื่อที่พิกัดนั้นได้</a:t>
+            </a:r>
+          </a:p>
+          <a:p>
+            <a:r>
+              <a:rPr lang="th-TH" dirty="0" smtClean="0">
+                <a:latin typeface="Angsana New" pitchFamily="18" charset="-34"/>
+                <a:cs typeface="Angsana New" pitchFamily="18" charset="-34"/>
+              </a:rPr>
+              <a:t>ระยะทาง </a:t>
+            </a:r>
+            <a:r>
+              <a:rPr lang="th-TH" dirty="0">
+                <a:latin typeface="Angsana New" pitchFamily="18" charset="-34"/>
+                <a:cs typeface="Angsana New" pitchFamily="18" charset="-34"/>
+              </a:rPr>
+              <a:t>ชื่อเส้นทางที่ผ่าน</a:t>
+            </a:r>
+            <a:r>
+              <a:rPr lang="th-TH" dirty="0" smtClean="0">
+                <a:latin typeface="Angsana New" pitchFamily="18" charset="-34"/>
+                <a:cs typeface="Angsana New" pitchFamily="18" charset="-34"/>
+              </a:rPr>
+              <a:t>มา</a:t>
+            </a:r>
+            <a:endParaRPr lang="en-US" dirty="0">
+              <a:latin typeface="Angsana New" pitchFamily="18" charset="-34"/>
+              <a:cs typeface="Angsana New" pitchFamily="18" charset="-34"/>
+            </a:endParaRPr>
+          </a:p>
+        </p:txBody>
+      </p:sp>
+    </p:spTree>
+    <p:extLst>
+      <p:ext uri="{BB962C8B-B14F-4D97-AF65-F5344CB8AC3E}">
+        <p14:creationId xmlns:p14="http://schemas.microsoft.com/office/powerpoint/2010/main" val="4161143384"/>
+      </p:ext>
+    </p:extLst>
+  </p:cSld>
+  <p:clrMapOvr>
+    <a:masterClrMapping/>
+  </p:clrMapOvr>
+</p:sld>
+</file>
+
 <file path=ppt/slides/slide2.xml><?xml version="1.0" encoding="utf-8"?>
 <p:sld xmlns:a="http://schemas.openxmlformats.org/drawingml/2006/main" xmlns:r="http://schemas.openxmlformats.org/officeDocument/2006/relationships" xmlns:p="http://schemas.openxmlformats.org/presentationml/2006/main">
   <p:cSld>
@@ -8342,168 +11087,26 @@
             <p:ph type="title"/>
           </p:nvPr>
         </p:nvSpPr>
-        <p:spPr/>
+        <p:spPr>
+          <a:xfrm>
+            <a:off x="457200" y="304800"/>
+            <a:ext cx="8229600" cy="1143000"/>
+          </a:xfrm>
+        </p:spPr>
         <p:txBody>
           <a:bodyPr/>
           <a:lstStyle/>
           <a:p>
             <a:r>
-              <a:rPr lang="th-TH" dirty="0" smtClean="0"/>
+              <a:rPr lang="th-TH" dirty="0" smtClean="0">
+                <a:latin typeface="Angsana New" pitchFamily="18" charset="-34"/>
+                <a:cs typeface="Angsana New" pitchFamily="18" charset="-34"/>
+              </a:rPr>
               <a:t>ทำไมจึงทำโครงงานนี้</a:t>
             </a:r>
-            <a:endParaRPr lang="en-US" dirty="0"/>
-          </a:p>
-        </p:txBody>
-      </p:sp>
-      <p:sp>
-        <p:nvSpPr>
-          <p:cNvPr id="5" name="Content Placeholder 4"/>
-          <p:cNvSpPr>
-            <a:spLocks noGrp="1"/>
-          </p:cNvSpPr>
-          <p:nvPr>
-            <p:ph idx="1"/>
-          </p:nvPr>
-        </p:nvSpPr>
-        <p:spPr>
-          <a:xfrm>
-            <a:off x="457200" y="1219200"/>
-            <a:ext cx="8153400" cy="2286000"/>
-          </a:xfrm>
-        </p:spPr>
-        <p:txBody>
-          <a:bodyPr>
-            <a:normAutofit fontScale="85000" lnSpcReduction="20000"/>
-          </a:bodyPr>
-          <a:lstStyle/>
-          <a:p>
-            <a:r>
-              <a:rPr lang="th-TH" dirty="0" smtClean="0"/>
-              <a:t>เกิดแรงบันดาลใจมาจากมุมมองที่ตรงข้ามกับสิ่งที่มีอยู่</a:t>
-            </a:r>
-          </a:p>
-          <a:p>
-            <a:pPr>
-              <a:buNone/>
-            </a:pPr>
-            <a:r>
-              <a:rPr lang="th-TH" dirty="0" smtClean="0"/>
-              <a:t>	(ก็คือ </a:t>
-            </a:r>
-            <a:r>
-              <a:rPr lang="en-US" dirty="0" smtClean="0"/>
-              <a:t>Navigator </a:t>
-            </a:r>
-            <a:r>
-              <a:rPr lang="th-TH" dirty="0" smtClean="0"/>
-              <a:t>นั้นเป็น </a:t>
-            </a:r>
-            <a:r>
-              <a:rPr lang="en-US" dirty="0" smtClean="0"/>
-              <a:t>Application </a:t>
-            </a:r>
-            <a:r>
-              <a:rPr lang="th-TH" dirty="0" smtClean="0"/>
-              <a:t>ที่ใช้บอกเส้นทางตามที่ร้องขอ    จากผู้ใช้ทุกๆครั้งที่ผู้ใช้ต้องการแล้วทำไมถึงไม่บันทึกไว้ เพื่อเรียกใช้งานอีกครั้งละ ถ้ามันสามารถบันทึกเส้นทางที่เราเคยไปมาแล้วได้เราก็ไม่จำเป็นต้องเรียกใช้งานทุกครั้งไปหรือบางทีผู้ใช้ร้องขอจากจุดเริ่มต้นเดิมไปยังจุดหมายปลายทางเดิมจะมั่นใจได้อย่างไรว่า </a:t>
-            </a:r>
-            <a:r>
-              <a:rPr lang="en-US" dirty="0" smtClean="0"/>
-              <a:t>GPS </a:t>
-            </a:r>
-            <a:r>
-              <a:rPr lang="th-TH" dirty="0" smtClean="0"/>
-              <a:t>ใช้เส้นทางเมื่อครั้งที่เราเคยใช้มาแล้ว)</a:t>
-            </a:r>
-          </a:p>
-        </p:txBody>
-      </p:sp>
-      <p:sp>
-        <p:nvSpPr>
-          <p:cNvPr id="6" name="ชื่อเรื่อง 1"/>
-          <p:cNvSpPr txBox="1">
-            <a:spLocks/>
-          </p:cNvSpPr>
-          <p:nvPr/>
-        </p:nvSpPr>
-        <p:spPr>
-          <a:xfrm>
-            <a:off x="609600" y="3124200"/>
-            <a:ext cx="8229600" cy="1143000"/>
-          </a:xfrm>
-          <a:prstGeom prst="rect">
-            <a:avLst/>
-          </a:prstGeom>
-        </p:spPr>
-        <p:txBody>
-          <a:bodyPr vert="horz" lIns="91440" tIns="45720" rIns="91440" bIns="45720" rtlCol="0" anchor="ctr">
-            <a:normAutofit/>
-          </a:bodyPr>
-          <a:lstStyle/>
-          <a:p>
-            <a:pPr marL="0" marR="0" lvl="0" indent="0" algn="ctr" defTabSz="914400" rtl="0" eaLnBrk="1" fontAlgn="auto" latinLnBrk="0" hangingPunct="1">
-              <a:lnSpc>
-                <a:spcPct val="100000"/>
-              </a:lnSpc>
-              <a:spcBef>
-                <a:spcPct val="0"/>
-              </a:spcBef>
-              <a:spcAft>
-                <a:spcPts val="0"/>
-              </a:spcAft>
-              <a:buClrTx/>
-              <a:buSzTx/>
-              <a:buFontTx/>
-              <a:buNone/>
-              <a:tabLst/>
-              <a:defRPr/>
-            </a:pPr>
-            <a:r>
-              <a:rPr kumimoji="0" lang="th-TH" sz="4400" b="0" i="0" u="none" strike="noStrike" kern="1200" cap="none" spc="0" normalizeH="0" baseline="0" noProof="0" dirty="0" smtClean="0">
-                <a:ln>
-                  <a:noFill/>
-                </a:ln>
-                <a:solidFill>
-                  <a:schemeClr val="tx1"/>
-                </a:solidFill>
-                <a:effectLst/>
-                <a:uLnTx/>
-                <a:uFillTx/>
-                <a:latin typeface="+mj-lt"/>
-                <a:ea typeface="+mj-ea"/>
-                <a:cs typeface="+mj-cs"/>
-              </a:rPr>
-              <a:t>ทำไมถึงเป็น </a:t>
-            </a:r>
-            <a:r>
-              <a:rPr kumimoji="0" lang="en-US" sz="4400" b="0" i="0" u="none" strike="noStrike" kern="1200" cap="none" spc="0" normalizeH="0" baseline="0" noProof="0" dirty="0" smtClean="0">
-                <a:ln>
-                  <a:noFill/>
-                </a:ln>
-                <a:solidFill>
-                  <a:schemeClr val="tx1"/>
-                </a:solidFill>
-                <a:effectLst/>
-                <a:uLnTx/>
-                <a:uFillTx/>
-                <a:latin typeface="+mj-lt"/>
-                <a:ea typeface="+mj-ea"/>
-                <a:cs typeface="+mj-cs"/>
-              </a:rPr>
-              <a:t>Android</a:t>
-            </a:r>
-            <a:endParaRPr kumimoji="0" lang="th-TH" sz="4400" b="0" i="0" u="none" strike="noStrike" kern="1200" cap="none" spc="0" normalizeH="0" baseline="0" noProof="0" dirty="0">
-              <a:ln>
-                <a:noFill/>
-              </a:ln>
-              <a:solidFill>
-                <a:schemeClr val="tx1"/>
-              </a:solidFill>
-              <a:effectLst/>
-              <a:uLnTx/>
-              <a:uFillTx/>
-              <a:latin typeface="+mj-lt"/>
-              <a:ea typeface="+mj-ea"/>
-              <a:cs typeface="+mj-cs"/>
+            <a:endParaRPr lang="en-US" dirty="0">
+              <a:latin typeface="Angsana New" pitchFamily="18" charset="-34"/>
+              <a:cs typeface="Angsana New" pitchFamily="18" charset="-34"/>
             </a:endParaRPr>
           </a:p>
         </p:txBody>
@@ -8567,265 +11170,7 @@
       </p:sp>
       <p:sp>
         <p:nvSpPr>
-          <p:cNvPr id="8" name="Content Placeholder 4"/>
-          <p:cNvSpPr txBox="1">
-            <a:spLocks/>
-          </p:cNvSpPr>
-          <p:nvPr/>
-        </p:nvSpPr>
-        <p:spPr>
-          <a:xfrm>
-            <a:off x="457200" y="4038600"/>
-            <a:ext cx="8153400" cy="2286000"/>
-          </a:xfrm>
-          <a:prstGeom prst="rect">
-            <a:avLst/>
-          </a:prstGeom>
-        </p:spPr>
-        <p:txBody>
-          <a:bodyPr vert="horz" lIns="91440" tIns="45720" rIns="91440" bIns="45720" rtlCol="0">
-            <a:normAutofit/>
-          </a:bodyPr>
-          <a:lstStyle/>
-          <a:p>
-            <a:pPr marL="342900" marR="0" lvl="0" indent="-342900" algn="l" defTabSz="914400" rtl="0" eaLnBrk="1" fontAlgn="auto" latinLnBrk="0" hangingPunct="1">
-              <a:lnSpc>
-                <a:spcPct val="100000"/>
-              </a:lnSpc>
-              <a:spcBef>
-                <a:spcPct val="20000"/>
-              </a:spcBef>
-              <a:spcAft>
-                <a:spcPts val="0"/>
-              </a:spcAft>
-              <a:buClrTx/>
-              <a:buSzTx/>
-              <a:buFont typeface="Arial" pitchFamily="34" charset="0"/>
-              <a:buChar char="•"/>
-              <a:tabLst/>
-              <a:defRPr/>
-            </a:pPr>
-            <a:r>
-              <a:rPr kumimoji="0" lang="th-TH" sz="2700" b="0" i="0" u="none" strike="noStrike" kern="1200" cap="none" spc="0" normalizeH="0" baseline="0" noProof="0" dirty="0" smtClean="0">
-                <a:ln>
-                  <a:noFill/>
-                </a:ln>
-                <a:solidFill>
-                  <a:schemeClr val="tx1"/>
-                </a:solidFill>
-                <a:effectLst/>
-                <a:uLnTx/>
-                <a:uFillTx/>
-                <a:latin typeface="+mn-lt"/>
-                <a:ea typeface="+mn-ea"/>
-                <a:cs typeface="+mn-cs"/>
-              </a:rPr>
-              <a:t>คำเดียวเลยสำหรับ</a:t>
-            </a:r>
-            <a:r>
-              <a:rPr kumimoji="0" lang="th-TH" sz="2700" b="0" i="0" u="none" strike="noStrike" kern="1200" cap="none" spc="0" normalizeH="0" noProof="0" dirty="0" smtClean="0">
-                <a:ln>
-                  <a:noFill/>
-                </a:ln>
-                <a:solidFill>
-                  <a:schemeClr val="tx1"/>
-                </a:solidFill>
-                <a:effectLst/>
-                <a:uLnTx/>
-                <a:uFillTx/>
-                <a:latin typeface="+mn-lt"/>
-                <a:ea typeface="+mn-ea"/>
-                <a:cs typeface="+mn-cs"/>
-              </a:rPr>
-              <a:t> </a:t>
-            </a:r>
-            <a:r>
-              <a:rPr kumimoji="0" lang="en-US" sz="2700" b="0" i="0" u="none" strike="noStrike" kern="1200" cap="none" spc="0" normalizeH="0" noProof="0" dirty="0" smtClean="0">
-                <a:ln>
-                  <a:noFill/>
-                </a:ln>
-                <a:solidFill>
-                  <a:schemeClr val="tx1"/>
-                </a:solidFill>
-                <a:effectLst/>
-                <a:uLnTx/>
-                <a:uFillTx/>
-                <a:latin typeface="+mn-lt"/>
-                <a:ea typeface="+mn-ea"/>
-                <a:cs typeface="+mn-cs"/>
-              </a:rPr>
-              <a:t>Android </a:t>
-            </a:r>
-            <a:r>
-              <a:rPr kumimoji="0" lang="th-TH" sz="2700" b="0" i="0" u="none" strike="noStrike" kern="1200" cap="none" spc="0" normalizeH="0" noProof="0" dirty="0" smtClean="0">
-                <a:ln>
-                  <a:noFill/>
-                </a:ln>
-                <a:solidFill>
-                  <a:schemeClr val="tx1"/>
-                </a:solidFill>
-                <a:effectLst/>
-                <a:uLnTx/>
-                <a:uFillTx/>
-                <a:latin typeface="+mn-lt"/>
-                <a:ea typeface="+mn-ea"/>
-                <a:cs typeface="+mn-cs"/>
-              </a:rPr>
-              <a:t>คือ </a:t>
-            </a:r>
-            <a:r>
-              <a:rPr kumimoji="0" lang="en-US" sz="2700" b="0" i="0" u="none" strike="noStrike" kern="1200" cap="none" spc="0" normalizeH="0" noProof="0" dirty="0" smtClean="0">
-                <a:ln>
-                  <a:noFill/>
-                </a:ln>
-                <a:solidFill>
-                  <a:schemeClr val="tx1"/>
-                </a:solidFill>
-                <a:effectLst/>
-                <a:uLnTx/>
-                <a:uFillTx/>
-                <a:latin typeface="+mn-lt"/>
-                <a:ea typeface="+mn-ea"/>
-                <a:cs typeface="+mn-cs"/>
-              </a:rPr>
-              <a:t>Open Source </a:t>
-            </a:r>
-            <a:endParaRPr kumimoji="0" lang="th-TH" sz="2700" b="0" i="0" u="none" strike="noStrike" kern="1200" cap="none" spc="0" normalizeH="0" noProof="0" dirty="0" smtClean="0">
-              <a:ln>
-                <a:noFill/>
-              </a:ln>
-              <a:solidFill>
-                <a:schemeClr val="tx1"/>
-              </a:solidFill>
-              <a:effectLst/>
-              <a:uLnTx/>
-              <a:uFillTx/>
-              <a:latin typeface="+mn-lt"/>
-              <a:ea typeface="+mn-ea"/>
-              <a:cs typeface="+mn-cs"/>
-            </a:endParaRPr>
-          </a:p>
-          <a:p>
-            <a:pPr marL="342900" marR="0" lvl="0" indent="-342900" algn="l" defTabSz="914400" rtl="0" eaLnBrk="1" fontAlgn="auto" latinLnBrk="0" hangingPunct="1">
-              <a:lnSpc>
-                <a:spcPct val="100000"/>
-              </a:lnSpc>
-              <a:spcBef>
-                <a:spcPct val="20000"/>
-              </a:spcBef>
-              <a:spcAft>
-                <a:spcPts val="0"/>
-              </a:spcAft>
-              <a:buClrTx/>
-              <a:buSzTx/>
-              <a:tabLst/>
-              <a:defRPr/>
-            </a:pPr>
-            <a:r>
-              <a:rPr lang="th-TH" sz="2700" dirty="0" smtClean="0"/>
-              <a:t>	(</a:t>
-            </a:r>
-            <a:r>
-              <a:rPr kumimoji="0" lang="th-TH" sz="2700" b="0" i="0" u="none" strike="noStrike" kern="1200" cap="none" spc="0" normalizeH="0" noProof="0" dirty="0" smtClean="0">
-                <a:ln>
-                  <a:noFill/>
-                </a:ln>
-                <a:solidFill>
-                  <a:schemeClr val="tx1"/>
-                </a:solidFill>
-                <a:effectLst/>
-                <a:uLnTx/>
-                <a:uFillTx/>
-                <a:latin typeface="+mn-lt"/>
-                <a:ea typeface="+mn-ea"/>
-                <a:cs typeface="+mn-cs"/>
-              </a:rPr>
-              <a:t>ด้วยความเป็นสาธารณะ เปิดกว้าง ไร้กฎเกณฑ์</a:t>
-            </a:r>
-            <a:r>
-              <a:rPr lang="th-TH" sz="2700" dirty="0" smtClean="0"/>
-              <a:t> และมาแรง ทำให้เป็นที่นิยมในหมู่คนที่ชอบเขียนโปรแกรมประยุกต์ แถมมีแนวทางการเขียนแบบต่างๆอยู่บนอินเตอร์เน็ตด้วย)</a:t>
-            </a:r>
-            <a:endParaRPr kumimoji="0" lang="th-TH" sz="2700" b="0" i="0" u="none" strike="noStrike" kern="1200" cap="none" spc="0" normalizeH="0" baseline="0" noProof="0" dirty="0" smtClean="0">
-              <a:ln>
-                <a:noFill/>
-              </a:ln>
-              <a:solidFill>
-                <a:schemeClr val="tx1"/>
-              </a:solidFill>
-              <a:effectLst/>
-              <a:uLnTx/>
-              <a:uFillTx/>
-              <a:latin typeface="+mn-lt"/>
-              <a:ea typeface="+mn-ea"/>
-              <a:cs typeface="+mn-cs"/>
-            </a:endParaRPr>
-          </a:p>
-        </p:txBody>
-      </p:sp>
-    </p:spTree>
-    <p:extLst>
-      <p:ext uri="{BB962C8B-B14F-4D97-AF65-F5344CB8AC3E}">
-        <p14:creationId xmlns:p14="http://schemas.microsoft.com/office/powerpoint/2010/main" xmlns="" val="96058202"/>
-      </p:ext>
-    </p:extLst>
-  </p:cSld>
-  <p:clrMapOvr>
-    <a:masterClrMapping/>
-  </p:clrMapOvr>
-  <p:timing>
-    <p:tnLst>
-      <p:par>
-        <p:cTn id="1" dur="indefinite" restart="never" nodeType="tmRoot"/>
-      </p:par>
-    </p:tnLst>
-  </p:timing>
-</p:sld>
-</file>
-
-<file path=ppt/slides/slide3.xml><?xml version="1.0" encoding="utf-8"?>
-<p:sld xmlns:a="http://schemas.openxmlformats.org/drawingml/2006/main" xmlns:r="http://schemas.openxmlformats.org/officeDocument/2006/relationships" xmlns:p="http://schemas.openxmlformats.org/presentationml/2006/main">
-  <p:cSld>
-    <p:spTree>
-      <p:nvGrpSpPr>
-        <p:cNvPr id="1" name=""/>
-        <p:cNvGrpSpPr/>
-        <p:nvPr/>
-      </p:nvGrpSpPr>
-      <p:grpSpPr>
-        <a:xfrm>
-          <a:off x="0" y="0"/>
-          <a:ext cx="0" cy="0"/>
-          <a:chOff x="0" y="0"/>
-          <a:chExt cx="0" cy="0"/>
-        </a:xfrm>
-      </p:grpSpPr>
-      <p:sp>
-        <p:nvSpPr>
-          <p:cNvPr id="4" name="Title 3"/>
-          <p:cNvSpPr>
-            <a:spLocks noGrp="1"/>
-          </p:cNvSpPr>
-          <p:nvPr>
-            <p:ph type="title"/>
-          </p:nvPr>
-        </p:nvSpPr>
-        <p:spPr/>
-        <p:txBody>
-          <a:bodyPr/>
-          <a:lstStyle/>
-          <a:p>
-            <a:r>
-              <a:rPr lang="th-TH" dirty="0" smtClean="0"/>
-              <a:t>วัตถุประสงค์ของโครงงาน</a:t>
-            </a:r>
-            <a:endParaRPr lang="en-US" dirty="0"/>
-          </a:p>
-        </p:txBody>
-      </p:sp>
-      <p:sp>
-        <p:nvSpPr>
-          <p:cNvPr id="5" name="Content Placeholder 4"/>
+          <p:cNvPr id="2" name="Content Placeholder 1"/>
           <p:cNvSpPr>
             <a:spLocks noGrp="1"/>
           </p:cNvSpPr>
@@ -8839,827 +11184,46 @@
           <a:lstStyle/>
           <a:p>
             <a:r>
-              <a:rPr lang="th-TH" sz="4000" dirty="0" smtClean="0"/>
-              <a:t>เพื่อบันทึกเส้นทางที่ได้เคยไปมาแล้ว</a:t>
+              <a:rPr lang="th-TH" dirty="0" smtClean="0">
+                <a:latin typeface="Angsana New" pitchFamily="18" charset="-34"/>
+                <a:cs typeface="Angsana New" pitchFamily="18" charset="-34"/>
+              </a:rPr>
+              <a:t>เพื่อเรียนรู้สิ่งใหม่ๆ ระบบปฏิบัติการ </a:t>
             </a:r>
-          </a:p>
-          <a:p>
             <a:r>
-              <a:rPr lang="th-TH" sz="4000" dirty="0" smtClean="0"/>
-              <a:t>สามารถบอกได้ว่าพิกัดนั้นๆคือ สถานที่อะไร</a:t>
+              <a:rPr lang="en-US" dirty="0" smtClean="0">
+                <a:latin typeface="Angsana New" pitchFamily="18" charset="-34"/>
+                <a:cs typeface="Angsana New" pitchFamily="18" charset="-34"/>
+              </a:rPr>
+              <a:t>Android </a:t>
             </a:r>
-          </a:p>
-          <a:p>
             <a:r>
-              <a:rPr lang="th-TH" sz="4000" dirty="0" smtClean="0"/>
-              <a:t>สามารถใช้ในทางการสำรวจพื้นที่ได้</a:t>
+              <a:rPr lang="th-TH" dirty="0" smtClean="0">
+                <a:latin typeface="Angsana New" pitchFamily="18" charset="-34"/>
+                <a:cs typeface="Angsana New" pitchFamily="18" charset="-34"/>
+              </a:rPr>
+              <a:t>ที่กำลังมาแรง</a:t>
             </a:r>
           </a:p>
           <a:p>
             <a:r>
-              <a:rPr lang="th-TH" sz="4000" dirty="0" smtClean="0"/>
-              <a:t>เป็นประโยชน์ต่อการท่องเที่ยว และความรู้สึกหลังจากการท่องเที่ยว</a:t>
+              <a:rPr lang="th-TH" dirty="0" smtClean="0">
+                <a:latin typeface="Angsana New" pitchFamily="18" charset="-34"/>
+                <a:cs typeface="Angsana New" pitchFamily="18" charset="-34"/>
+              </a:rPr>
+              <a:t>สร้าง</a:t>
             </a:r>
-          </a:p>
-          <a:p>
-            <a:endParaRPr lang="th-TH" dirty="0" smtClean="0"/>
-          </a:p>
-          <a:p>
-            <a:endParaRPr lang="en-US" dirty="0"/>
+            <a:endParaRPr lang="en-US" dirty="0">
+              <a:latin typeface="Angsana New" pitchFamily="18" charset="-34"/>
+              <a:cs typeface="Angsana New" pitchFamily="18" charset="-34"/>
+            </a:endParaRPr>
           </a:p>
         </p:txBody>
       </p:sp>
     </p:spTree>
     <p:extLst>
       <p:ext uri="{BB962C8B-B14F-4D97-AF65-F5344CB8AC3E}">
-        <p14:creationId xmlns:p14="http://schemas.microsoft.com/office/powerpoint/2010/main" xmlns="" val="1897534785"/>
-      </p:ext>
-    </p:extLst>
-  </p:cSld>
-  <p:clrMapOvr>
-    <a:masterClrMapping/>
-  </p:clrMapOvr>
-  <p:timing>
-    <p:tnLst>
-      <p:par>
-        <p:cTn id="1" dur="indefinite" restart="never" nodeType="tmRoot"/>
-      </p:par>
-    </p:tnLst>
-  </p:timing>
-</p:sld>
-</file>
-
-<file path=ppt/slides/slide4.xml><?xml version="1.0" encoding="utf-8"?>
-<p:sld xmlns:a="http://schemas.openxmlformats.org/drawingml/2006/main" xmlns:r="http://schemas.openxmlformats.org/officeDocument/2006/relationships" xmlns:p="http://schemas.openxmlformats.org/presentationml/2006/main">
-  <p:cSld>
-    <p:spTree>
-      <p:nvGrpSpPr>
-        <p:cNvPr id="1" name=""/>
-        <p:cNvGrpSpPr/>
-        <p:nvPr/>
-      </p:nvGrpSpPr>
-      <p:grpSpPr>
-        <a:xfrm>
-          <a:off x="0" y="0"/>
-          <a:ext cx="0" cy="0"/>
-          <a:chOff x="0" y="0"/>
-          <a:chExt cx="0" cy="0"/>
-        </a:xfrm>
-      </p:grpSpPr>
-      <p:sp>
-        <p:nvSpPr>
-          <p:cNvPr id="4" name="Title 3"/>
-          <p:cNvSpPr>
-            <a:spLocks noGrp="1"/>
-          </p:cNvSpPr>
-          <p:nvPr>
-            <p:ph type="title"/>
-          </p:nvPr>
-        </p:nvSpPr>
-        <p:spPr/>
-        <p:txBody>
-          <a:bodyPr/>
-          <a:lstStyle/>
-          <a:p>
-            <a:r>
-              <a:rPr lang="th-TH" dirty="0" smtClean="0"/>
-              <a:t>แตกต่างจากโปรแกรมอื่นๆอย่างไร</a:t>
-            </a:r>
-            <a:endParaRPr lang="en-US" dirty="0"/>
-          </a:p>
-        </p:txBody>
-      </p:sp>
-      <p:sp>
-        <p:nvSpPr>
-          <p:cNvPr id="5" name="Content Placeholder 4"/>
-          <p:cNvSpPr>
-            <a:spLocks noGrp="1"/>
-          </p:cNvSpPr>
-          <p:nvPr>
-            <p:ph idx="1"/>
-          </p:nvPr>
-        </p:nvSpPr>
-        <p:spPr/>
-        <p:txBody>
-          <a:bodyPr/>
-          <a:lstStyle/>
-          <a:p>
-            <a:pPr marL="0" indent="0">
-              <a:buNone/>
-            </a:pPr>
-            <a:endParaRPr lang="th-TH" dirty="0" smtClean="0"/>
-          </a:p>
-          <a:p>
-            <a:endParaRPr lang="en-US" dirty="0"/>
-          </a:p>
-        </p:txBody>
-      </p:sp>
-      <p:pic>
-        <p:nvPicPr>
-          <p:cNvPr id="1026" name="Picture 2" descr="C:\Users\JOeCole\Desktop\telenav-gps-navigator-on-android.jpg"/>
-          <p:cNvPicPr>
-            <a:picLocks noChangeAspect="1" noChangeArrowheads="1"/>
-          </p:cNvPicPr>
-          <p:nvPr/>
-        </p:nvPicPr>
-        <p:blipFill>
-          <a:blip r:embed="rId2" cstate="print">
-            <a:extLst>
-              <a:ext uri="{28A0092B-C50C-407E-A947-70E740481C1C}">
-                <a14:useLocalDpi xmlns:a14="http://schemas.microsoft.com/office/drawing/2010/main" xmlns="" val="0"/>
-              </a:ext>
-            </a:extLst>
-          </a:blip>
-          <a:srcRect/>
-          <a:stretch>
-            <a:fillRect/>
-          </a:stretch>
-        </p:blipFill>
-        <p:spPr bwMode="auto">
-          <a:xfrm>
-            <a:off x="2514600" y="1881613"/>
-            <a:ext cx="1324230" cy="2209800"/>
-          </a:xfrm>
-          <a:prstGeom prst="rect">
-            <a:avLst/>
-          </a:prstGeom>
-          <a:noFill/>
-          <a:extLst>
-            <a:ext uri="{909E8E84-426E-40DD-AFC4-6F175D3DCCD1}">
-              <a14:hiddenFill xmlns:a14="http://schemas.microsoft.com/office/drawing/2010/main" xmlns="">
-                <a:solidFill>
-                  <a:srgbClr val="FFFFFF"/>
-                </a:solidFill>
-              </a14:hiddenFill>
-            </a:ext>
-          </a:extLst>
-        </p:spPr>
-      </p:pic>
-      <p:pic>
-        <p:nvPicPr>
-          <p:cNvPr id="1027" name="Picture 3" descr="C:\Users\JOeCole\Desktop\image2.png"/>
-          <p:cNvPicPr>
-            <a:picLocks noChangeAspect="1" noChangeArrowheads="1"/>
-          </p:cNvPicPr>
-          <p:nvPr/>
-        </p:nvPicPr>
-        <p:blipFill>
-          <a:blip r:embed="rId3" cstate="print">
-            <a:extLst>
-              <a:ext uri="{28A0092B-C50C-407E-A947-70E740481C1C}">
-                <a14:useLocalDpi xmlns:a14="http://schemas.microsoft.com/office/drawing/2010/main" xmlns="" val="0"/>
-              </a:ext>
-            </a:extLst>
-          </a:blip>
-          <a:srcRect/>
-          <a:stretch>
-            <a:fillRect/>
-          </a:stretch>
-        </p:blipFill>
-        <p:spPr bwMode="auto">
-          <a:xfrm>
-            <a:off x="762000" y="3429000"/>
-            <a:ext cx="1331495" cy="2368952"/>
-          </a:xfrm>
-          <a:prstGeom prst="rect">
-            <a:avLst/>
-          </a:prstGeom>
-          <a:noFill/>
-          <a:extLst>
-            <a:ext uri="{909E8E84-426E-40DD-AFC4-6F175D3DCCD1}">
-              <a14:hiddenFill xmlns:a14="http://schemas.microsoft.com/office/drawing/2010/main" xmlns="">
-                <a:solidFill>
-                  <a:srgbClr val="FFFFFF"/>
-                </a:solidFill>
-              </a14:hiddenFill>
-            </a:ext>
-          </a:extLst>
-        </p:spPr>
-      </p:pic>
-      <p:pic>
-        <p:nvPicPr>
-          <p:cNvPr id="1029" name="Picture 5" descr="C:\Users\JOeCole\Desktop\TN-655531_NAVIGON_MobileNavigator_Android_MapView.png.jpg"/>
-          <p:cNvPicPr>
-            <a:picLocks noChangeAspect="1" noChangeArrowheads="1"/>
-          </p:cNvPicPr>
-          <p:nvPr/>
-        </p:nvPicPr>
-        <p:blipFill>
-          <a:blip r:embed="rId4" cstate="print">
-            <a:extLst>
-              <a:ext uri="{28A0092B-C50C-407E-A947-70E740481C1C}">
-                <a14:useLocalDpi xmlns:a14="http://schemas.microsoft.com/office/drawing/2010/main" xmlns="" val="0"/>
-              </a:ext>
-            </a:extLst>
-          </a:blip>
-          <a:srcRect/>
-          <a:stretch>
-            <a:fillRect/>
-          </a:stretch>
-        </p:blipFill>
-        <p:spPr bwMode="auto">
-          <a:xfrm>
-            <a:off x="7086600" y="2604198"/>
-            <a:ext cx="1447800" cy="2303318"/>
-          </a:xfrm>
-          <a:prstGeom prst="rect">
-            <a:avLst/>
-          </a:prstGeom>
-          <a:noFill/>
-          <a:extLst>
-            <a:ext uri="{909E8E84-426E-40DD-AFC4-6F175D3DCCD1}">
-              <a14:hiddenFill xmlns:a14="http://schemas.microsoft.com/office/drawing/2010/main" xmlns="">
-                <a:solidFill>
-                  <a:srgbClr val="FFFFFF"/>
-                </a:solidFill>
-              </a14:hiddenFill>
-            </a:ext>
-          </a:extLst>
-        </p:spPr>
-      </p:pic>
-      <p:pic>
-        <p:nvPicPr>
-          <p:cNvPr id="1030" name="Picture 6" descr="C:\Users\JOeCole\Desktop\telenav-gps-navigator-for-t-mobile-g1.jpg"/>
-          <p:cNvPicPr>
-            <a:picLocks noChangeAspect="1" noChangeArrowheads="1"/>
-          </p:cNvPicPr>
-          <p:nvPr/>
-        </p:nvPicPr>
-        <p:blipFill>
-          <a:blip r:embed="rId5" cstate="print">
-            <a:extLst>
-              <a:ext uri="{28A0092B-C50C-407E-A947-70E740481C1C}">
-                <a14:useLocalDpi xmlns:a14="http://schemas.microsoft.com/office/drawing/2010/main" xmlns="" val="0"/>
-              </a:ext>
-            </a:extLst>
-          </a:blip>
-          <a:srcRect/>
-          <a:stretch>
-            <a:fillRect/>
-          </a:stretch>
-        </p:blipFill>
-        <p:spPr bwMode="auto">
-          <a:xfrm>
-            <a:off x="4267200" y="2308692"/>
-            <a:ext cx="2222842" cy="3040063"/>
-          </a:xfrm>
-          <a:prstGeom prst="rect">
-            <a:avLst/>
-          </a:prstGeom>
-          <a:noFill/>
-          <a:extLst>
-            <a:ext uri="{909E8E84-426E-40DD-AFC4-6F175D3DCCD1}">
-              <a14:hiddenFill xmlns:a14="http://schemas.microsoft.com/office/drawing/2010/main" xmlns="">
-                <a:solidFill>
-                  <a:srgbClr val="FFFFFF"/>
-                </a:solidFill>
-              </a14:hiddenFill>
-            </a:ext>
-          </a:extLst>
-        </p:spPr>
-      </p:pic>
-    </p:spTree>
-    <p:extLst>
-      <p:ext uri="{BB962C8B-B14F-4D97-AF65-F5344CB8AC3E}">
-        <p14:creationId xmlns:p14="http://schemas.microsoft.com/office/powerpoint/2010/main" xmlns="" val="1312023503"/>
-      </p:ext>
-    </p:extLst>
-  </p:cSld>
-  <p:clrMapOvr>
-    <a:masterClrMapping/>
-  </p:clrMapOvr>
-  <p:timing>
-    <p:tnLst>
-      <p:par>
-        <p:cTn id="1" dur="indefinite" restart="never" nodeType="tmRoot"/>
-      </p:par>
-    </p:tnLst>
-  </p:timing>
-</p:sld>
-</file>
-
-<file path=ppt/slides/slide5.xml><?xml version="1.0" encoding="utf-8"?>
-<p:sld xmlns:a="http://schemas.openxmlformats.org/drawingml/2006/main" xmlns:r="http://schemas.openxmlformats.org/officeDocument/2006/relationships" xmlns:p="http://schemas.openxmlformats.org/presentationml/2006/main">
-  <p:cSld>
-    <p:spTree>
-      <p:nvGrpSpPr>
-        <p:cNvPr id="1" name=""/>
-        <p:cNvGrpSpPr/>
-        <p:nvPr/>
-      </p:nvGrpSpPr>
-      <p:grpSpPr>
-        <a:xfrm>
-          <a:off x="0" y="0"/>
-          <a:ext cx="0" cy="0"/>
-          <a:chOff x="0" y="0"/>
-          <a:chExt cx="0" cy="0"/>
-        </a:xfrm>
-      </p:grpSpPr>
-      <p:sp>
-        <p:nvSpPr>
-          <p:cNvPr id="2" name="Title 1"/>
-          <p:cNvSpPr>
-            <a:spLocks noGrp="1"/>
-          </p:cNvSpPr>
-          <p:nvPr>
-            <p:ph type="title"/>
-          </p:nvPr>
-        </p:nvSpPr>
-        <p:spPr/>
-        <p:txBody>
-          <a:bodyPr/>
-          <a:lstStyle/>
-          <a:p>
-            <a:r>
-              <a:rPr lang="th-TH" dirty="0" smtClean="0"/>
-              <a:t>ความสามารถของโปรแกรม</a:t>
-            </a:r>
-            <a:endParaRPr lang="en-US" dirty="0"/>
-          </a:p>
-        </p:txBody>
-      </p:sp>
-      <p:sp>
-        <p:nvSpPr>
-          <p:cNvPr id="3" name="Content Placeholder 2"/>
-          <p:cNvSpPr>
-            <a:spLocks noGrp="1"/>
-          </p:cNvSpPr>
-          <p:nvPr>
-            <p:ph idx="1"/>
-          </p:nvPr>
-        </p:nvSpPr>
-        <p:spPr/>
-        <p:txBody>
-          <a:bodyPr>
-            <a:normAutofit/>
-          </a:bodyPr>
-          <a:lstStyle/>
-          <a:p>
-            <a:r>
-              <a:rPr lang="th-TH" sz="4000" dirty="0" smtClean="0"/>
-              <a:t>จดจำเส้นทางที่ไปมาแล้วได้</a:t>
-            </a:r>
-          </a:p>
-          <a:p>
-            <a:r>
-              <a:rPr lang="th-TH" sz="4000" dirty="0" smtClean="0"/>
-              <a:t>สามารถติดป้ายชื่อ พิกัดนั้นๆ ว่าเป็นสถานที่อะไรได้</a:t>
-            </a:r>
-          </a:p>
-          <a:p>
-            <a:r>
-              <a:rPr lang="th-TH" sz="4000" dirty="0" smtClean="0"/>
-              <a:t>หยุดบันทึกชั่วคราว และกลับมาบันทึกต่อได้</a:t>
-            </a:r>
-          </a:p>
-          <a:p>
-            <a:r>
-              <a:rPr lang="th-TH" sz="4000" dirty="0" smtClean="0"/>
-              <a:t>สรุปข้อมูลการเดินทาง เวลาทั้งหมด ความเร็วเฉลี่ย อาจรวมถึง ระยะทาง ชื่อเส้นทางที่ผ่านมา </a:t>
-            </a:r>
-            <a:endParaRPr lang="en-US" sz="4000" dirty="0"/>
-          </a:p>
-        </p:txBody>
-      </p:sp>
-    </p:spTree>
-    <p:extLst>
-      <p:ext uri="{BB962C8B-B14F-4D97-AF65-F5344CB8AC3E}">
-        <p14:creationId xmlns:p14="http://schemas.microsoft.com/office/powerpoint/2010/main" xmlns="" val="1630400559"/>
-      </p:ext>
-    </p:extLst>
-  </p:cSld>
-  <p:clrMapOvr>
-    <a:masterClrMapping/>
-  </p:clrMapOvr>
-</p:sld>
-</file>
-
-<file path=ppt/slides/slide6.xml><?xml version="1.0" encoding="utf-8"?>
-<p:sld xmlns:a="http://schemas.openxmlformats.org/drawingml/2006/main" xmlns:r="http://schemas.openxmlformats.org/officeDocument/2006/relationships" xmlns:p="http://schemas.openxmlformats.org/presentationml/2006/main">
-  <p:cSld>
-    <p:spTree>
-      <p:nvGrpSpPr>
-        <p:cNvPr id="1" name=""/>
-        <p:cNvGrpSpPr/>
-        <p:nvPr/>
-      </p:nvGrpSpPr>
-      <p:grpSpPr>
-        <a:xfrm>
-          <a:off x="0" y="0"/>
-          <a:ext cx="0" cy="0"/>
-          <a:chOff x="0" y="0"/>
-          <a:chExt cx="0" cy="0"/>
-        </a:xfrm>
-      </p:grpSpPr>
-      <p:sp>
-        <p:nvSpPr>
-          <p:cNvPr id="2" name="Title 1"/>
-          <p:cNvSpPr>
-            <a:spLocks noGrp="1"/>
-          </p:cNvSpPr>
-          <p:nvPr>
-            <p:ph type="title"/>
-          </p:nvPr>
-        </p:nvSpPr>
-        <p:spPr/>
-        <p:txBody>
-          <a:bodyPr>
-            <a:normAutofit/>
-          </a:bodyPr>
-          <a:lstStyle/>
-          <a:p>
-            <a:r>
-              <a:rPr lang="th-TH" sz="6000" b="1" dirty="0" smtClean="0"/>
-              <a:t>หลักการทำงานของโปรแกรม</a:t>
-            </a:r>
-            <a:endParaRPr lang="en-US" sz="6000" b="1" dirty="0"/>
-          </a:p>
-        </p:txBody>
-      </p:sp>
-      <p:graphicFrame>
-        <p:nvGraphicFramePr>
-          <p:cNvPr id="4" name="Content Placeholder 3"/>
-          <p:cNvGraphicFramePr>
-            <a:graphicFrameLocks noGrp="1"/>
-          </p:cNvGraphicFramePr>
-          <p:nvPr>
-            <p:ph idx="1"/>
-            <p:extLst>
-              <p:ext uri="{D42A27DB-BD31-4B8C-83A1-F6EECF244321}">
-                <p14:modId xmlns:p14="http://schemas.microsoft.com/office/powerpoint/2010/main" xmlns="" val="2217264932"/>
-              </p:ext>
-            </p:extLst>
-          </p:nvPr>
-        </p:nvGraphicFramePr>
-        <p:xfrm>
-          <a:off x="3771900" y="1295400"/>
-          <a:ext cx="5067300" cy="4343400"/>
-        </p:xfrm>
-        <a:graphic>
-          <a:graphicData uri="http://schemas.openxmlformats.org/drawingml/2006/diagram">
-            <dgm:relIds xmlns:dgm="http://schemas.openxmlformats.org/drawingml/2006/diagram" xmlns:r="http://schemas.openxmlformats.org/officeDocument/2006/relationships" r:dm="rId2" r:lo="rId3" r:qs="rId4" r:cs="rId5"/>
-          </a:graphicData>
-        </a:graphic>
-      </p:graphicFrame>
-      <p:pic>
-        <p:nvPicPr>
-          <p:cNvPr id="5" name="Picture 4"/>
-          <p:cNvPicPr>
-            <a:picLocks noChangeAspect="1"/>
-          </p:cNvPicPr>
-          <p:nvPr/>
-        </p:nvPicPr>
-        <p:blipFill>
-          <a:blip r:embed="rId7" cstate="print">
-            <a:extLst>
-              <a:ext uri="{28A0092B-C50C-407E-A947-70E740481C1C}">
-                <a14:useLocalDpi xmlns:a14="http://schemas.microsoft.com/office/drawing/2010/main" xmlns="" val="0"/>
-              </a:ext>
-            </a:extLst>
-          </a:blip>
-          <a:stretch>
-            <a:fillRect/>
-          </a:stretch>
-        </p:blipFill>
-        <p:spPr>
-          <a:xfrm>
-            <a:off x="5638800" y="5410200"/>
-            <a:ext cx="1219200" cy="1219200"/>
-          </a:xfrm>
-          <a:prstGeom prst="rect">
-            <a:avLst/>
-          </a:prstGeom>
-        </p:spPr>
-      </p:pic>
-      <p:pic>
-        <p:nvPicPr>
-          <p:cNvPr id="1028" name="Picture 4" descr="C:\Users\JOeCole\AppData\Local\Microsoft\Windows\Temporary Internet Files\Content.IE5\99KOCIIL\MC900433922[1].png"/>
-          <p:cNvPicPr>
-            <a:picLocks noChangeAspect="1" noChangeArrowheads="1"/>
-          </p:cNvPicPr>
-          <p:nvPr/>
-        </p:nvPicPr>
-        <p:blipFill>
-          <a:blip r:embed="rId8" cstate="print">
-            <a:extLst>
-              <a:ext uri="{28A0092B-C50C-407E-A947-70E740481C1C}">
-                <a14:useLocalDpi xmlns:a14="http://schemas.microsoft.com/office/drawing/2010/main" xmlns="" val="0"/>
-              </a:ext>
-            </a:extLst>
-          </a:blip>
-          <a:srcRect/>
-          <a:stretch>
-            <a:fillRect/>
-          </a:stretch>
-        </p:blipFill>
-        <p:spPr bwMode="auto">
-          <a:xfrm flipH="1">
-            <a:off x="685800" y="1600200"/>
-            <a:ext cx="2057400" cy="2057400"/>
-          </a:xfrm>
-          <a:prstGeom prst="rect">
-            <a:avLst/>
-          </a:prstGeom>
-          <a:noFill/>
-          <a:extLst>
-            <a:ext uri="{909E8E84-426E-40DD-AFC4-6F175D3DCCD1}">
-              <a14:hiddenFill xmlns:a14="http://schemas.microsoft.com/office/drawing/2010/main" xmlns="">
-                <a:solidFill>
-                  <a:srgbClr val="FFFFFF"/>
-                </a:solidFill>
-              </a14:hiddenFill>
-            </a:ext>
-          </a:extLst>
-        </p:spPr>
-      </p:pic>
-      <p:cxnSp>
-        <p:nvCxnSpPr>
-          <p:cNvPr id="9" name="Straight Arrow Connector 8"/>
-          <p:cNvCxnSpPr/>
-          <p:nvPr/>
-        </p:nvCxnSpPr>
-        <p:spPr>
-          <a:xfrm>
-            <a:off x="2743200" y="2857500"/>
-            <a:ext cx="1981200" cy="495300"/>
-          </a:xfrm>
-          <a:prstGeom prst="straightConnector1">
-            <a:avLst/>
-          </a:prstGeom>
-          <a:ln>
-            <a:tailEnd type="arrow"/>
-          </a:ln>
-        </p:spPr>
-        <p:style>
-          <a:lnRef idx="3">
-            <a:schemeClr val="dk1"/>
-          </a:lnRef>
-          <a:fillRef idx="0">
-            <a:schemeClr val="dk1"/>
-          </a:fillRef>
-          <a:effectRef idx="2">
-            <a:schemeClr val="dk1"/>
-          </a:effectRef>
-          <a:fontRef idx="minor">
-            <a:schemeClr val="tx1"/>
-          </a:fontRef>
-        </p:style>
-      </p:cxnSp>
-    </p:spTree>
-    <p:extLst>
-      <p:ext uri="{BB962C8B-B14F-4D97-AF65-F5344CB8AC3E}">
-        <p14:creationId xmlns:p14="http://schemas.microsoft.com/office/powerpoint/2010/main" xmlns="" val="1015130875"/>
-      </p:ext>
-    </p:extLst>
-  </p:cSld>
-  <p:clrMapOvr>
-    <a:masterClrMapping/>
-  </p:clrMapOvr>
-  <p:timing>
-    <p:tnLst>
-      <p:par>
-        <p:cTn id="1" dur="indefinite" restart="never" nodeType="tmRoot"/>
-      </p:par>
-    </p:tnLst>
-  </p:timing>
-</p:sld>
-</file>
-
-<file path=ppt/slides/slide7.xml><?xml version="1.0" encoding="utf-8"?>
-<p:sld xmlns:a="http://schemas.openxmlformats.org/drawingml/2006/main" xmlns:r="http://schemas.openxmlformats.org/officeDocument/2006/relationships" xmlns:p="http://schemas.openxmlformats.org/presentationml/2006/main">
-  <p:cSld>
-    <p:bg>
-      <p:bgPr>
-        <a:solidFill>
-          <a:schemeClr val="bg1"/>
-        </a:solidFill>
-        <a:effectLst/>
-      </p:bgPr>
-    </p:bg>
-    <p:spTree>
-      <p:nvGrpSpPr>
-        <p:cNvPr id="1" name=""/>
-        <p:cNvGrpSpPr/>
-        <p:nvPr/>
-      </p:nvGrpSpPr>
-      <p:grpSpPr>
-        <a:xfrm>
-          <a:off x="0" y="0"/>
-          <a:ext cx="0" cy="0"/>
-          <a:chOff x="0" y="0"/>
-          <a:chExt cx="0" cy="0"/>
-        </a:xfrm>
-      </p:grpSpPr>
-      <p:pic>
-        <p:nvPicPr>
-          <p:cNvPr id="13" name="Picture 12"/>
-          <p:cNvPicPr>
-            <a:picLocks noChangeAspect="1"/>
-          </p:cNvPicPr>
-          <p:nvPr/>
-        </p:nvPicPr>
-        <p:blipFill rotWithShape="1">
-          <a:blip r:embed="rId3" cstate="print">
-            <a:extLst>
-              <a:ext uri="{28A0092B-C50C-407E-A947-70E740481C1C}">
-                <a14:useLocalDpi xmlns:a14="http://schemas.microsoft.com/office/drawing/2010/main" xmlns="" val="0"/>
-              </a:ext>
-            </a:extLst>
-          </a:blip>
-          <a:srcRect l="31468" t="5245" r="31818" b="5594"/>
-          <a:stretch/>
-        </p:blipFill>
-        <p:spPr bwMode="auto">
-          <a:xfrm>
-            <a:off x="5300579" y="1634808"/>
-            <a:ext cx="1786021" cy="3470592"/>
-          </a:xfrm>
-          <a:prstGeom prst="rect">
-            <a:avLst/>
-          </a:prstGeom>
-          <a:ln>
-            <a:noFill/>
-          </a:ln>
-          <a:extLst>
-            <a:ext uri="{53640926-AAD7-44D8-BBD7-CCE9431645EC}">
-              <a14:shadowObscured xmlns:a14="http://schemas.microsoft.com/office/drawing/2010/main" xmlns=""/>
-            </a:ext>
-          </a:extLst>
-        </p:spPr>
-      </p:pic>
-      <p:sp>
-        <p:nvSpPr>
-          <p:cNvPr id="14" name="Flowchart: Alternate Process 13"/>
-          <p:cNvSpPr/>
-          <p:nvPr/>
-        </p:nvSpPr>
-        <p:spPr>
-          <a:xfrm>
-            <a:off x="5606753" y="2587519"/>
-            <a:ext cx="1173223" cy="644947"/>
-          </a:xfrm>
-          <a:prstGeom prst="flowChartAlternateProcess">
-            <a:avLst/>
-          </a:prstGeom>
-        </p:spPr>
-        <p:style>
-          <a:lnRef idx="2">
-            <a:schemeClr val="accent1">
-              <a:shade val="50000"/>
-            </a:schemeClr>
-          </a:lnRef>
-          <a:fillRef idx="1">
-            <a:schemeClr val="accent1"/>
-          </a:fillRef>
-          <a:effectRef idx="0">
-            <a:schemeClr val="accent1"/>
-          </a:effectRef>
-          <a:fontRef idx="minor">
-            <a:schemeClr val="lt1"/>
-          </a:fontRef>
-        </p:style>
-        <p:txBody>
-          <a:bodyPr rot="0" spcFirstLastPara="0" vert="horz" wrap="square" lIns="91440" tIns="45720" rIns="91440" bIns="45720" numCol="1" spcCol="0" rtlCol="0" fromWordArt="0" anchor="ctr" anchorCtr="0" forceAA="0" compatLnSpc="1">
-            <a:prstTxWarp prst="textNoShape">
-              <a:avLst/>
-            </a:prstTxWarp>
-            <a:noAutofit/>
-          </a:bodyPr>
-          <a:lstStyle/>
-          <a:p>
-            <a:pPr marL="0" marR="0" algn="ctr">
-              <a:lnSpc>
-                <a:spcPct val="115000"/>
-              </a:lnSpc>
-              <a:spcBef>
-                <a:spcPts val="0"/>
-              </a:spcBef>
-              <a:spcAft>
-                <a:spcPts val="1000"/>
-              </a:spcAft>
-            </a:pPr>
-            <a:r>
-              <a:rPr lang="en-US" sz="2800" b="1" dirty="0">
-                <a:effectLst/>
-                <a:ea typeface="Calibri"/>
-                <a:cs typeface="Cordia New"/>
-              </a:rPr>
-              <a:t>Start</a:t>
-            </a:r>
-            <a:endParaRPr lang="en-US" sz="2800" dirty="0">
-              <a:effectLst/>
-              <a:ea typeface="Calibri"/>
-              <a:cs typeface="Cordia New"/>
-            </a:endParaRPr>
-          </a:p>
-        </p:txBody>
-      </p:sp>
-      <p:sp>
-        <p:nvSpPr>
-          <p:cNvPr id="12" name="Pentagon 11"/>
-          <p:cNvSpPr/>
-          <p:nvPr/>
-        </p:nvSpPr>
-        <p:spPr>
-          <a:xfrm>
-            <a:off x="1371600" y="1922383"/>
-            <a:ext cx="3510519" cy="2620165"/>
-          </a:xfrm>
-          <a:prstGeom prst="homePlate">
-            <a:avLst/>
-          </a:prstGeom>
-        </p:spPr>
-        <p:style>
-          <a:lnRef idx="2">
-            <a:schemeClr val="accent1"/>
-          </a:lnRef>
-          <a:fillRef idx="1">
-            <a:schemeClr val="lt1"/>
-          </a:fillRef>
-          <a:effectRef idx="0">
-            <a:schemeClr val="accent1"/>
-          </a:effectRef>
-          <a:fontRef idx="minor">
-            <a:schemeClr val="dk1"/>
-          </a:fontRef>
-        </p:style>
-        <p:txBody>
-          <a:bodyPr rot="0" spcFirstLastPara="0" vert="horz" wrap="square" lIns="91440" tIns="45720" rIns="91440" bIns="45720" numCol="1" spcCol="0" rtlCol="0" fromWordArt="0" anchor="ctr" anchorCtr="0" forceAA="0" compatLnSpc="1">
-            <a:prstTxWarp prst="textNoShape">
-              <a:avLst/>
-            </a:prstTxWarp>
-            <a:noAutofit/>
-          </a:bodyPr>
-          <a:lstStyle/>
-          <a:p>
-            <a:pPr marL="0" marR="0">
-              <a:lnSpc>
-                <a:spcPct val="115000"/>
-              </a:lnSpc>
-              <a:spcBef>
-                <a:spcPts val="0"/>
-              </a:spcBef>
-              <a:spcAft>
-                <a:spcPts val="0"/>
-              </a:spcAft>
-            </a:pPr>
-            <a:r>
-              <a:rPr lang="en-US" sz="3200" dirty="0">
-                <a:effectLst/>
-                <a:ea typeface="Calibri"/>
-                <a:cs typeface="Cordia New"/>
-              </a:rPr>
-              <a:t>Turn on GPS </a:t>
-            </a:r>
-          </a:p>
-          <a:p>
-            <a:pPr marL="0" marR="0">
-              <a:lnSpc>
-                <a:spcPct val="115000"/>
-              </a:lnSpc>
-              <a:spcBef>
-                <a:spcPts val="0"/>
-              </a:spcBef>
-              <a:spcAft>
-                <a:spcPts val="0"/>
-              </a:spcAft>
-            </a:pPr>
-            <a:r>
-              <a:rPr lang="en-US" sz="3200" dirty="0">
-                <a:effectLst/>
-                <a:ea typeface="Calibri"/>
-                <a:cs typeface="Cordia New"/>
-              </a:rPr>
-              <a:t>and</a:t>
-            </a:r>
-          </a:p>
-          <a:p>
-            <a:pPr marL="0" marR="0">
-              <a:lnSpc>
-                <a:spcPct val="115000"/>
-              </a:lnSpc>
-              <a:spcBef>
-                <a:spcPts val="0"/>
-              </a:spcBef>
-              <a:spcAft>
-                <a:spcPts val="0"/>
-              </a:spcAft>
-            </a:pPr>
-            <a:r>
-              <a:rPr lang="en-US" sz="3200" dirty="0">
-                <a:effectLst/>
-                <a:ea typeface="Calibri"/>
-                <a:cs typeface="Cordia New"/>
-              </a:rPr>
-              <a:t>run program</a:t>
-            </a:r>
-          </a:p>
-        </p:txBody>
-      </p:sp>
-    </p:spTree>
-    <p:extLst>
-      <p:ext uri="{BB962C8B-B14F-4D97-AF65-F5344CB8AC3E}">
-        <p14:creationId xmlns:p14="http://schemas.microsoft.com/office/powerpoint/2010/main" xmlns="" val="315046874"/>
+        <p14:creationId xmlns:p14="http://schemas.microsoft.com/office/powerpoint/2010/main" val="96058202"/>
       </p:ext>
     </p:extLst>
   </p:cSld>
@@ -9678,6 +11242,9 @@
                     <p:cTn id="3" fill="hold">
                       <p:stCondLst>
                         <p:cond delay="indefinite"/>
+                        <p:cond evt="onBegin" delay="0">
+                          <p:tn val="2"/>
+                        </p:cond>
                       </p:stCondLst>
                       <p:childTnLst>
                         <p:par>
@@ -9687,7 +11254,7 @@
                             </p:stCondLst>
                             <p:childTnLst>
                               <p:par>
-                                <p:cTn id="5" presetID="10" presetClass="entr" presetSubtype="0" fill="hold" grpId="0" nodeType="clickEffect">
+                                <p:cTn id="5" presetID="10" presetClass="entr" presetSubtype="0" fill="hold" grpId="0" nodeType="withEffect">
                                   <p:stCondLst>
                                     <p:cond delay="0"/>
                                   </p:stCondLst>
@@ -9700,7 +11267,7 @@
                                           </p:stCondLst>
                                         </p:cTn>
                                         <p:tgtEl>
-                                          <p:spTgt spid="12"/>
+                                          <p:spTgt spid="4"/>
                                         </p:tgtEl>
                                         <p:attrNameLst>
                                           <p:attrName>style.visibility</p:attrName>
@@ -9714,42 +11281,7 @@
                                       <p:cBhvr>
                                         <p:cTn id="7" dur="500"/>
                                         <p:tgtEl>
-                                          <p:spTgt spid="12"/>
-                                        </p:tgtEl>
-                                      </p:cBhvr>
-                                    </p:animEffect>
-                                  </p:childTnLst>
-                                </p:cTn>
-                              </p:par>
-                              <p:par>
-                                <p:cTn id="8" presetID="10" presetClass="entr" presetSubtype="0" fill="hold" grpId="0" nodeType="withEffect">
-                                  <p:stCondLst>
-                                    <p:cond delay="0"/>
-                                  </p:stCondLst>
-                                  <p:childTnLst>
-                                    <p:set>
-                                      <p:cBhvr>
-                                        <p:cTn id="9" dur="1" fill="hold">
-                                          <p:stCondLst>
-                                            <p:cond delay="0"/>
-                                          </p:stCondLst>
-                                        </p:cTn>
-                                        <p:tgtEl>
-                                          <p:spTgt spid="14"/>
-                                        </p:tgtEl>
-                                        <p:attrNameLst>
-                                          <p:attrName>style.visibility</p:attrName>
-                                        </p:attrNameLst>
-                                      </p:cBhvr>
-                                      <p:to>
-                                        <p:strVal val="visible"/>
-                                      </p:to>
-                                    </p:set>
-                                    <p:animEffect transition="in" filter="fade">
-                                      <p:cBhvr>
-                                        <p:cTn id="10" dur="500"/>
-                                        <p:tgtEl>
-                                          <p:spTgt spid="14"/>
+                                          <p:spTgt spid="4"/>
                                         </p:tgtEl>
                                       </p:cBhvr>
                                     </p:animEffect>
@@ -9784,14 +11316,177 @@
       </p:par>
     </p:tnLst>
     <p:bldLst>
-      <p:bldP spid="14" grpId="0" animBg="1"/>
-      <p:bldP spid="12" grpId="0" animBg="1"/>
+      <p:bldP spid="4" grpId="0"/>
     </p:bldLst>
   </p:timing>
 </p:sld>
 </file>
 
-<file path=ppt/slides/slide8.xml><?xml version="1.0" encoding="utf-8"?>
+<file path=ppt/slides/slide3.xml><?xml version="1.0" encoding="utf-8"?>
+<p:sld xmlns:a="http://schemas.openxmlformats.org/drawingml/2006/main" xmlns:r="http://schemas.openxmlformats.org/officeDocument/2006/relationships" xmlns:p="http://schemas.openxmlformats.org/presentationml/2006/main">
+  <p:cSld>
+    <p:spTree>
+      <p:nvGrpSpPr>
+        <p:cNvPr id="1" name=""/>
+        <p:cNvGrpSpPr/>
+        <p:nvPr/>
+      </p:nvGrpSpPr>
+      <p:grpSpPr>
+        <a:xfrm>
+          <a:off x="0" y="0"/>
+          <a:ext cx="0" cy="0"/>
+          <a:chOff x="0" y="0"/>
+          <a:chExt cx="0" cy="0"/>
+        </a:xfrm>
+      </p:grpSpPr>
+      <p:sp>
+        <p:nvSpPr>
+          <p:cNvPr id="2" name="Title 1"/>
+          <p:cNvSpPr>
+            <a:spLocks noGrp="1"/>
+          </p:cNvSpPr>
+          <p:nvPr>
+            <p:ph type="title"/>
+          </p:nvPr>
+        </p:nvSpPr>
+        <p:spPr/>
+        <p:txBody>
+          <a:bodyPr>
+            <a:normAutofit/>
+          </a:bodyPr>
+          <a:lstStyle/>
+          <a:p>
+            <a:pPr lvl="0"/>
+            <a:r>
+              <a:rPr lang="th-TH" dirty="0">
+                <a:latin typeface="Angsana New" pitchFamily="18" charset="-34"/>
+                <a:cs typeface="Angsana New" pitchFamily="18" charset="-34"/>
+              </a:rPr>
+              <a:t>ทำ</a:t>
+            </a:r>
+            <a:r>
+              <a:rPr lang="th-TH" dirty="0" smtClean="0">
+                <a:latin typeface="Angsana New" pitchFamily="18" charset="-34"/>
+                <a:cs typeface="Angsana New" pitchFamily="18" charset="-34"/>
+              </a:rPr>
+              <a:t>ไมจึงพัฒนาบนระบบปฏิบัติการ </a:t>
+            </a:r>
+            <a:r>
+              <a:rPr lang="en-US" dirty="0" smtClean="0">
+                <a:latin typeface="Angsana New" pitchFamily="18" charset="-34"/>
+                <a:cs typeface="Angsana New" pitchFamily="18" charset="-34"/>
+              </a:rPr>
+              <a:t>Android</a:t>
+            </a:r>
+            <a:endParaRPr lang="en-US" dirty="0"/>
+          </a:p>
+        </p:txBody>
+      </p:sp>
+      <p:sp>
+        <p:nvSpPr>
+          <p:cNvPr id="3" name="Content Placeholder 2"/>
+          <p:cNvSpPr>
+            <a:spLocks noGrp="1"/>
+          </p:cNvSpPr>
+          <p:nvPr>
+            <p:ph idx="1"/>
+          </p:nvPr>
+        </p:nvSpPr>
+        <p:spPr/>
+        <p:txBody>
+          <a:bodyPr/>
+          <a:lstStyle/>
+          <a:p>
+            <a:r>
+              <a:rPr lang="th-TH" dirty="0" smtClean="0">
+                <a:latin typeface="Angsana New" pitchFamily="18" charset="-34"/>
+                <a:cs typeface="Angsana New" pitchFamily="18" charset="-34"/>
+              </a:rPr>
+              <a:t>เป็นกระแสที่มาแรงขึ้น</a:t>
+            </a:r>
+            <a:r>
+              <a:rPr lang="th-TH" dirty="0" smtClean="0">
+                <a:latin typeface="Angsana New" pitchFamily="18" charset="-34"/>
+                <a:cs typeface="Angsana New" pitchFamily="18" charset="-34"/>
+              </a:rPr>
+              <a:t>เรื่อยๆ </a:t>
+            </a:r>
+            <a:r>
+              <a:rPr lang="th-TH" dirty="0" smtClean="0">
+                <a:latin typeface="Angsana New" pitchFamily="18" charset="-34"/>
+                <a:cs typeface="Angsana New" pitchFamily="18" charset="-34"/>
+              </a:rPr>
+              <a:t>จึงเป็นที่น่าสนใจ</a:t>
+            </a:r>
+          </a:p>
+          <a:p>
+            <a:r>
+              <a:rPr lang="th-TH" dirty="0" smtClean="0">
+                <a:latin typeface="Angsana New" pitchFamily="18" charset="-34"/>
+                <a:cs typeface="Angsana New" pitchFamily="18" charset="-34"/>
+              </a:rPr>
+              <a:t>นักพัฒนาสามารถพัฒนาโดยไม่เสียค่าใช้จ่ายใดๆทั้งสิ้นตั้งแต่ ชุดโปรแกรมที่ใช้พัฒนา ตลอดจนเผยแพร่โปรแกรมไปถึงผู้ใช้</a:t>
+            </a:r>
+          </a:p>
+          <a:p>
+            <a:r>
+              <a:rPr lang="th-TH" dirty="0" smtClean="0">
+                <a:latin typeface="Angsana New" pitchFamily="18" charset="-34"/>
+                <a:cs typeface="Angsana New" pitchFamily="18" charset="-34"/>
+              </a:rPr>
+              <a:t>สามารถศึกษาค้นคว้า ได้หลายแหล่ง เช่น ศึกษาจากอินเตอร์เน็ต หนังสือ ได้เอง</a:t>
+            </a:r>
+          </a:p>
+          <a:p>
+            <a:r>
+              <a:rPr lang="th-TH" dirty="0" smtClean="0">
+                <a:latin typeface="Angsana New" pitchFamily="18" charset="-34"/>
+                <a:cs typeface="Angsana New" pitchFamily="18" charset="-34"/>
+              </a:rPr>
+              <a:t>ใช้ภาษา </a:t>
+            </a:r>
+            <a:r>
+              <a:rPr lang="en-US" dirty="0" smtClean="0">
+                <a:latin typeface="Angsana New" pitchFamily="18" charset="-34"/>
+                <a:cs typeface="Angsana New" pitchFamily="18" charset="-34"/>
+              </a:rPr>
+              <a:t>Java </a:t>
+            </a:r>
+            <a:r>
+              <a:rPr lang="th-TH" dirty="0" smtClean="0">
+                <a:latin typeface="Angsana New" pitchFamily="18" charset="-34"/>
+                <a:cs typeface="Angsana New" pitchFamily="18" charset="-34"/>
+              </a:rPr>
+              <a:t>ซึ่งได้เรียนมาแล้ว</a:t>
+            </a:r>
+            <a:endParaRPr lang="en-US" dirty="0">
+              <a:latin typeface="Angsana New" pitchFamily="18" charset="-34"/>
+              <a:cs typeface="Angsana New" pitchFamily="18" charset="-34"/>
+            </a:endParaRPr>
+          </a:p>
+        </p:txBody>
+      </p:sp>
+    </p:spTree>
+    <p:extLst>
+      <p:ext uri="{BB962C8B-B14F-4D97-AF65-F5344CB8AC3E}">
+        <p14:creationId xmlns:p14="http://schemas.microsoft.com/office/powerpoint/2010/main" val="2837708425"/>
+      </p:ext>
+    </p:extLst>
+  </p:cSld>
+  <p:clrMapOvr>
+    <a:masterClrMapping/>
+  </p:clrMapOvr>
+  <p:timing>
+    <p:tnLst>
+      <p:par>
+        <p:cTn id="1" dur="indefinite" restart="never" nodeType="tmRoot"/>
+      </p:par>
+    </p:tnLst>
+  </p:timing>
+</p:sld>
+</file>
+
+<file path=ppt/slides/slide4.xml><?xml version="1.0" encoding="utf-8"?>
 <p:sld xmlns:a="http://schemas.openxmlformats.org/drawingml/2006/main" xmlns:r="http://schemas.openxmlformats.org/officeDocument/2006/relationships" xmlns:p="http://schemas.openxmlformats.org/presentationml/2006/main">
   <p:cSld>
     <p:bg>
@@ -9818,241 +11513,150 @@
       </p:grpSpPr>
       <p:pic>
         <p:nvPicPr>
-          <p:cNvPr id="13" name="Picture 12"/>
+          <p:cNvPr id="1029" name="Picture 5"/>
           <p:cNvPicPr>
-            <a:picLocks noChangeAspect="1"/>
+            <a:picLocks noChangeAspect="1" noChangeArrowheads="1"/>
           </p:cNvPicPr>
           <p:nvPr/>
         </p:nvPicPr>
-        <p:blipFill rotWithShape="1">
-          <a:blip r:embed="rId3" cstate="print">
+        <p:blipFill>
+          <a:blip r:embed="rId2">
             <a:extLst>
               <a:ext uri="{28A0092B-C50C-407E-A947-70E740481C1C}">
-                <a14:useLocalDpi xmlns:a14="http://schemas.microsoft.com/office/drawing/2010/main" xmlns="" val="0"/>
+                <a14:useLocalDpi xmlns:a14="http://schemas.microsoft.com/office/drawing/2010/main" val="0"/>
               </a:ext>
             </a:extLst>
           </a:blip>
-          <a:srcRect l="31468" t="5245" r="31818" b="5594"/>
-          <a:stretch/>
+          <a:srcRect/>
+          <a:stretch>
+            <a:fillRect/>
+          </a:stretch>
         </p:blipFill>
         <p:spPr bwMode="auto">
           <a:xfrm>
-            <a:off x="5300579" y="1634808"/>
-            <a:ext cx="1786021" cy="3470592"/>
+            <a:off x="0" y="1371600"/>
+            <a:ext cx="9144000" cy="5291642"/>
           </a:xfrm>
           <a:prstGeom prst="rect">
             <a:avLst/>
           </a:prstGeom>
+          <a:noFill/>
           <a:ln>
             <a:noFill/>
           </a:ln>
+          <a:effectLst/>
           <a:extLst>
-            <a:ext uri="{53640926-AAD7-44D8-BBD7-CCE9431645EC}">
-              <a14:shadowObscured xmlns:a14="http://schemas.microsoft.com/office/drawing/2010/main" xmlns=""/>
+            <a:ext uri="{909E8E84-426E-40DD-AFC4-6F175D3DCCD1}">
+              <a14:hiddenFill xmlns:a14="http://schemas.microsoft.com/office/drawing/2010/main">
+                <a:solidFill>
+                  <a:schemeClr val="accent1"/>
+                </a:solidFill>
+              </a14:hiddenFill>
+            </a:ext>
+            <a:ext uri="{91240B29-F687-4F45-9708-019B960494DF}">
+              <a14:hiddenLine xmlns:a14="http://schemas.microsoft.com/office/drawing/2010/main" w="9525">
+                <a:solidFill>
+                  <a:schemeClr val="tx1"/>
+                </a:solidFill>
+                <a:miter lim="800000"/>
+                <a:headEnd/>
+                <a:tailEnd/>
+              </a14:hiddenLine>
+            </a:ext>
+            <a:ext uri="{AF507438-7753-43E0-B8FC-AC1667EBCBE1}">
+              <a14:hiddenEffects xmlns:a14="http://schemas.microsoft.com/office/drawing/2010/main">
+                <a:effectLst>
+                  <a:outerShdw dist="35921" dir="2700000" algn="ctr" rotWithShape="0">
+                    <a:schemeClr val="bg2"/>
+                  </a:outerShdw>
+                </a:effectLst>
+              </a14:hiddenEffects>
             </a:ext>
           </a:extLst>
         </p:spPr>
       </p:pic>
-      <p:sp>
-        <p:nvSpPr>
-          <p:cNvPr id="14" name="Flowchart: Alternate Process 13"/>
-          <p:cNvSpPr/>
+      <p:pic>
+        <p:nvPicPr>
+          <p:cNvPr id="1030" name="Picture 6"/>
+          <p:cNvPicPr>
+            <a:picLocks noChangeAspect="1" noChangeArrowheads="1"/>
+          </p:cNvPicPr>
           <p:nvPr/>
-        </p:nvSpPr>
-        <p:spPr>
+        </p:nvPicPr>
+        <p:blipFill>
+          <a:blip r:embed="rId3">
+            <a:extLst>
+              <a:ext uri="{28A0092B-C50C-407E-A947-70E740481C1C}">
+                <a14:useLocalDpi xmlns:a14="http://schemas.microsoft.com/office/drawing/2010/main" val="0"/>
+              </a:ext>
+            </a:extLst>
+          </a:blip>
+          <a:srcRect/>
+          <a:stretch>
+            <a:fillRect/>
+          </a:stretch>
+        </p:blipFill>
+        <p:spPr bwMode="auto">
           <a:xfrm>
-            <a:off x="5606753" y="2536902"/>
-            <a:ext cx="1173223" cy="644947"/>
+            <a:off x="3426437" y="381000"/>
+            <a:ext cx="2469776" cy="533400"/>
           </a:xfrm>
-          <a:prstGeom prst="flowChartAlternateProcess">
+          <a:prstGeom prst="rect">
             <a:avLst/>
           </a:prstGeom>
+          <a:noFill/>
+          <a:ln>
+            <a:noFill/>
+          </a:ln>
+          <a:effectLst/>
+          <a:extLst>
+            <a:ext uri="{909E8E84-426E-40DD-AFC4-6F175D3DCCD1}">
+              <a14:hiddenFill xmlns:a14="http://schemas.microsoft.com/office/drawing/2010/main">
+                <a:solidFill>
+                  <a:schemeClr val="accent1"/>
+                </a:solidFill>
+              </a14:hiddenFill>
+            </a:ext>
+            <a:ext uri="{91240B29-F687-4F45-9708-019B960494DF}">
+              <a14:hiddenLine xmlns:a14="http://schemas.microsoft.com/office/drawing/2010/main" w="9525">
+                <a:solidFill>
+                  <a:schemeClr val="tx1"/>
+                </a:solidFill>
+                <a:miter lim="800000"/>
+                <a:headEnd/>
+                <a:tailEnd/>
+              </a14:hiddenLine>
+            </a:ext>
+            <a:ext uri="{AF507438-7753-43E0-B8FC-AC1667EBCBE1}">
+              <a14:hiddenEffects xmlns:a14="http://schemas.microsoft.com/office/drawing/2010/main">
+                <a:effectLst>
+                  <a:outerShdw dist="35921" dir="2700000" algn="ctr" rotWithShape="0">
+                    <a:schemeClr val="bg2"/>
+                  </a:outerShdw>
+                </a:effectLst>
+              </a14:hiddenEffects>
+            </a:ext>
+          </a:extLst>
         </p:spPr>
-        <p:style>
-          <a:lnRef idx="2">
-            <a:schemeClr val="accent1">
-              <a:shade val="50000"/>
-            </a:schemeClr>
-          </a:lnRef>
-          <a:fillRef idx="1">
-            <a:schemeClr val="accent1"/>
-          </a:fillRef>
-          <a:effectRef idx="0">
-            <a:schemeClr val="accent1"/>
-          </a:effectRef>
-          <a:fontRef idx="minor">
-            <a:schemeClr val="lt1"/>
-          </a:fontRef>
-        </p:style>
-        <p:txBody>
-          <a:bodyPr rot="0" spcFirstLastPara="0" vert="horz" wrap="square" lIns="91440" tIns="45720" rIns="91440" bIns="45720" numCol="1" spcCol="0" rtlCol="0" fromWordArt="0" anchor="ctr" anchorCtr="0" forceAA="0" compatLnSpc="1">
-            <a:prstTxWarp prst="textNoShape">
-              <a:avLst/>
-            </a:prstTxWarp>
-            <a:noAutofit/>
-          </a:bodyPr>
-          <a:lstStyle/>
-          <a:p>
-            <a:pPr marL="0" marR="0" algn="ctr">
-              <a:lnSpc>
-                <a:spcPct val="115000"/>
-              </a:lnSpc>
-              <a:spcBef>
-                <a:spcPts val="0"/>
-              </a:spcBef>
-              <a:spcAft>
-                <a:spcPts val="1000"/>
-              </a:spcAft>
-            </a:pPr>
-            <a:r>
-              <a:rPr lang="en-US" sz="2800" b="1" dirty="0" smtClean="0">
-                <a:ea typeface="Calibri"/>
-                <a:cs typeface="Cordia New"/>
-              </a:rPr>
-              <a:t>Pause</a:t>
-            </a:r>
-            <a:endParaRPr lang="en-US" sz="2800" dirty="0">
-              <a:effectLst/>
-              <a:ea typeface="Calibri"/>
-              <a:cs typeface="Cordia New"/>
-            </a:endParaRPr>
-          </a:p>
-        </p:txBody>
-      </p:sp>
-      <p:sp>
-        <p:nvSpPr>
-          <p:cNvPr id="12" name="Pentagon 11"/>
-          <p:cNvSpPr/>
-          <p:nvPr/>
-        </p:nvSpPr>
-        <p:spPr>
-          <a:xfrm>
-            <a:off x="1371600" y="1922383"/>
-            <a:ext cx="3510519" cy="2620165"/>
-          </a:xfrm>
-          <a:prstGeom prst="homePlate">
-            <a:avLst/>
-          </a:prstGeom>
-        </p:spPr>
-        <p:style>
-          <a:lnRef idx="2">
-            <a:schemeClr val="accent1"/>
-          </a:lnRef>
-          <a:fillRef idx="1">
-            <a:schemeClr val="lt1"/>
-          </a:fillRef>
-          <a:effectRef idx="0">
-            <a:schemeClr val="accent1"/>
-          </a:effectRef>
-          <a:fontRef idx="minor">
-            <a:schemeClr val="dk1"/>
-          </a:fontRef>
-        </p:style>
-        <p:txBody>
-          <a:bodyPr rot="0" spcFirstLastPara="0" vert="horz" wrap="square" lIns="91440" tIns="45720" rIns="91440" bIns="45720" numCol="1" spcCol="0" rtlCol="0" fromWordArt="0" anchor="ctr" anchorCtr="0" forceAA="0" compatLnSpc="1">
-            <a:prstTxWarp prst="textNoShape">
-              <a:avLst/>
-            </a:prstTxWarp>
-            <a:noAutofit/>
-          </a:bodyPr>
-          <a:lstStyle/>
-          <a:p>
-            <a:r>
-              <a:rPr lang="en-US" sz="3200" dirty="0"/>
-              <a:t>Insert latitude</a:t>
-            </a:r>
-          </a:p>
-          <a:p>
-            <a:r>
-              <a:rPr lang="en-US" sz="3200" dirty="0"/>
-              <a:t>and longitude</a:t>
-            </a:r>
-          </a:p>
-          <a:p>
-            <a:r>
-              <a:rPr lang="en-US" sz="3200" dirty="0"/>
-              <a:t>into database</a:t>
-            </a:r>
-          </a:p>
-        </p:txBody>
-      </p:sp>
-      <p:sp>
-        <p:nvSpPr>
-          <p:cNvPr id="5" name="Flowchart: Alternate Process 4"/>
-          <p:cNvSpPr/>
-          <p:nvPr/>
-        </p:nvSpPr>
-        <p:spPr>
-          <a:xfrm>
-            <a:off x="5608577" y="3319487"/>
-            <a:ext cx="1173223" cy="644947"/>
-          </a:xfrm>
-          <a:prstGeom prst="flowChartAlternateProcess">
-            <a:avLst/>
-          </a:prstGeom>
-        </p:spPr>
-        <p:style>
-          <a:lnRef idx="2">
-            <a:schemeClr val="accent1">
-              <a:shade val="50000"/>
-            </a:schemeClr>
-          </a:lnRef>
-          <a:fillRef idx="1">
-            <a:schemeClr val="accent1"/>
-          </a:fillRef>
-          <a:effectRef idx="0">
-            <a:schemeClr val="accent1"/>
-          </a:effectRef>
-          <a:fontRef idx="minor">
-            <a:schemeClr val="lt1"/>
-          </a:fontRef>
-        </p:style>
-        <p:txBody>
-          <a:bodyPr rot="0" spcFirstLastPara="0" vert="horz" wrap="square" lIns="91440" tIns="45720" rIns="91440" bIns="45720" numCol="1" spcCol="0" rtlCol="0" fromWordArt="0" anchor="ctr" anchorCtr="0" forceAA="0" compatLnSpc="1">
-            <a:prstTxWarp prst="textNoShape">
-              <a:avLst/>
-            </a:prstTxWarp>
-            <a:noAutofit/>
-          </a:bodyPr>
-          <a:lstStyle/>
-          <a:p>
-            <a:pPr marL="0" marR="0" algn="ctr">
-              <a:lnSpc>
-                <a:spcPct val="115000"/>
-              </a:lnSpc>
-              <a:spcBef>
-                <a:spcPts val="0"/>
-              </a:spcBef>
-              <a:spcAft>
-                <a:spcPts val="1000"/>
-              </a:spcAft>
-            </a:pPr>
-            <a:r>
-              <a:rPr lang="en-US" sz="2800" b="1" dirty="0" smtClean="0">
-                <a:effectLst/>
-                <a:ea typeface="Calibri"/>
-                <a:cs typeface="Cordia New"/>
-              </a:rPr>
-              <a:t>Stop</a:t>
-            </a:r>
-            <a:endParaRPr lang="en-US" sz="2800" dirty="0">
-              <a:effectLst/>
-              <a:ea typeface="Calibri"/>
-              <a:cs typeface="Cordia New"/>
-            </a:endParaRPr>
-          </a:p>
-        </p:txBody>
-      </p:sp>
+      </p:pic>
     </p:spTree>
     <p:extLst>
       <p:ext uri="{BB962C8B-B14F-4D97-AF65-F5344CB8AC3E}">
-        <p14:creationId xmlns:p14="http://schemas.microsoft.com/office/powerpoint/2010/main" xmlns="" val="1498823684"/>
+        <p14:creationId xmlns:p14="http://schemas.microsoft.com/office/powerpoint/2010/main" val="3576708039"/>
       </p:ext>
     </p:extLst>
   </p:cSld>
   <p:clrMapOvr>
     <a:masterClrMapping/>
   </p:clrMapOvr>
+  <mc:AlternateContent xmlns:mc="http://schemas.openxmlformats.org/markup-compatibility/2006">
+    <mc:Choice xmlns:p14="http://schemas.microsoft.com/office/powerpoint/2010/main" Requires="p14">
+      <p:transition spd="slow" p14:dur="2000"/>
+    </mc:Choice>
+    <mc:Fallback>
+      <p:transition spd="slow"/>
+    </mc:Fallback>
+  </mc:AlternateContent>
   <p:timing>
     <p:tnLst>
       <p:par>
@@ -10074,7 +11678,7 @@
                             </p:stCondLst>
                             <p:childTnLst>
                               <p:par>
-                                <p:cTn id="5" presetID="10" presetClass="entr" presetSubtype="0" fill="hold" grpId="0" nodeType="clickEffect">
+                                <p:cTn id="5" presetID="10" presetClass="entr" presetSubtype="0" fill="hold" nodeType="clickEffect">
                                   <p:stCondLst>
                                     <p:cond delay="0"/>
                                   </p:stCondLst>
@@ -10087,7 +11691,7 @@
                                           </p:stCondLst>
                                         </p:cTn>
                                         <p:tgtEl>
-                                          <p:spTgt spid="12"/>
+                                          <p:spTgt spid="1030"/>
                                         </p:tgtEl>
                                         <p:attrNameLst>
                                           <p:attrName>style.visibility</p:attrName>
@@ -10101,7 +11705,7 @@
                                       <p:cBhvr>
                                         <p:cTn id="7" dur="500"/>
                                         <p:tgtEl>
-                                          <p:spTgt spid="12"/>
+                                          <p:spTgt spid="1030"/>
                                         </p:tgtEl>
                                       </p:cBhvr>
                                     </p:animEffect>
@@ -10109,7 +11713,7 @@
                                 </p:cTn>
                               </p:par>
                               <p:par>
-                                <p:cTn id="8" presetID="10" presetClass="entr" presetSubtype="0" fill="hold" grpId="0" nodeType="withEffect">
+                                <p:cTn id="8" presetID="10" presetClass="entr" presetSubtype="0" fill="hold" nodeType="withEffect">
                                   <p:stCondLst>
                                     <p:cond delay="0"/>
                                   </p:stCondLst>
@@ -10122,7 +11726,7 @@
                                           </p:stCondLst>
                                         </p:cTn>
                                         <p:tgtEl>
-                                          <p:spTgt spid="14"/>
+                                          <p:spTgt spid="1029"/>
                                         </p:tgtEl>
                                         <p:attrNameLst>
                                           <p:attrName>style.visibility</p:attrName>
@@ -10136,28 +11740,828 @@
                                       <p:cBhvr>
                                         <p:cTn id="10" dur="500"/>
                                         <p:tgtEl>
-                                          <p:spTgt spid="14"/>
+                                          <p:spTgt spid="1029"/>
                                         </p:tgtEl>
                                       </p:cBhvr>
                                     </p:animEffect>
                                   </p:childTnLst>
                                 </p:cTn>
                               </p:par>
+                            </p:childTnLst>
+                          </p:cTn>
+                        </p:par>
+                      </p:childTnLst>
+                    </p:cTn>
+                  </p:par>
+                </p:childTnLst>
+              </p:cTn>
+              <p:prevCondLst>
+                <p:cond evt="onPrev" delay="0">
+                  <p:tgtEl>
+                    <p:sldTgt/>
+                  </p:tgtEl>
+                </p:cond>
+              </p:prevCondLst>
+              <p:nextCondLst>
+                <p:cond evt="onNext" delay="0">
+                  <p:tgtEl>
+                    <p:sldTgt/>
+                  </p:tgtEl>
+                </p:cond>
+              </p:nextCondLst>
+            </p:seq>
+          </p:childTnLst>
+        </p:cTn>
+      </p:par>
+    </p:tnLst>
+  </p:timing>
+</p:sld>
+</file>
+
+<file path=ppt/slides/slide5.xml><?xml version="1.0" encoding="utf-8"?>
+<p:sld xmlns:a="http://schemas.openxmlformats.org/drawingml/2006/main" xmlns:r="http://schemas.openxmlformats.org/officeDocument/2006/relationships" xmlns:p="http://schemas.openxmlformats.org/presentationml/2006/main">
+  <p:cSld>
+    <p:spTree>
+      <p:nvGrpSpPr>
+        <p:cNvPr id="1" name=""/>
+        <p:cNvGrpSpPr/>
+        <p:nvPr/>
+      </p:nvGrpSpPr>
+      <p:grpSpPr>
+        <a:xfrm>
+          <a:off x="0" y="0"/>
+          <a:ext cx="0" cy="0"/>
+          <a:chOff x="0" y="0"/>
+          <a:chExt cx="0" cy="0"/>
+        </a:xfrm>
+      </p:grpSpPr>
+      <p:sp>
+        <p:nvSpPr>
+          <p:cNvPr id="2" name="Title 1"/>
+          <p:cNvSpPr>
+            <a:spLocks noGrp="1"/>
+          </p:cNvSpPr>
+          <p:nvPr>
+            <p:ph type="title"/>
+          </p:nvPr>
+        </p:nvSpPr>
+        <p:spPr>
+          <a:xfrm>
+            <a:off x="457200" y="274638"/>
+            <a:ext cx="8229600" cy="639762"/>
+          </a:xfrm>
+        </p:spPr>
+        <p:txBody>
+          <a:bodyPr>
+            <a:normAutofit fontScale="90000"/>
+          </a:bodyPr>
+          <a:lstStyle/>
+          <a:p>
+            <a:r>
+              <a:rPr lang="th-TH" dirty="0" smtClean="0"/>
+              <a:t>ข้อดี ข้อเสีย ของแต่ละระบบปฏิบัติการ</a:t>
+            </a:r>
+            <a:endParaRPr lang="en-US" dirty="0"/>
+          </a:p>
+        </p:txBody>
+      </p:sp>
+      <p:graphicFrame>
+        <p:nvGraphicFramePr>
+          <p:cNvPr id="4" name="Content Placeholder 3"/>
+          <p:cNvGraphicFramePr>
+            <a:graphicFrameLocks noGrp="1"/>
+          </p:cNvGraphicFramePr>
+          <p:nvPr>
+            <p:ph idx="1"/>
+            <p:extLst>
+              <p:ext uri="{D42A27DB-BD31-4B8C-83A1-F6EECF244321}">
+                <p14:modId xmlns:p14="http://schemas.microsoft.com/office/powerpoint/2010/main" val="3740753175"/>
+              </p:ext>
+            </p:extLst>
+          </p:nvPr>
+        </p:nvGraphicFramePr>
+        <p:xfrm>
+          <a:off x="457200" y="990600"/>
+          <a:ext cx="8229600" cy="5156200"/>
+        </p:xfrm>
+        <a:graphic>
+          <a:graphicData uri="http://schemas.openxmlformats.org/drawingml/2006/table">
+            <a:tbl>
+              <a:tblPr firstRow="1" bandRow="1">
+                <a:tableStyleId>{5C22544A-7EE6-4342-B048-85BDC9FD1C3A}</a:tableStyleId>
+              </a:tblPr>
+              <a:tblGrid>
+                <a:gridCol w="2057400"/>
+                <a:gridCol w="2057400"/>
+                <a:gridCol w="2057400"/>
+                <a:gridCol w="2057400"/>
+              </a:tblGrid>
+              <a:tr h="457200">
+                <a:tc>
+                  <a:txBody>
+                    <a:bodyPr/>
+                    <a:lstStyle/>
+                    <a:p>
+                      <a:pPr algn="ctr"/>
+                      <a:endParaRPr lang="en-US" dirty="0">
+                        <a:latin typeface="Angsana New" pitchFamily="18" charset="-34"/>
+                        <a:cs typeface="Angsana New" pitchFamily="18" charset="-34"/>
+                      </a:endParaRPr>
+                    </a:p>
+                  </a:txBody>
+                  <a:tcPr anchor="ctr"/>
+                </a:tc>
+                <a:tc>
+                  <a:txBody>
+                    <a:bodyPr/>
+                    <a:lstStyle/>
+                    <a:p>
+                      <a:pPr algn="ctr"/>
+                      <a:r>
+                        <a:rPr lang="en-US" sz="2400" dirty="0" smtClean="0">
+                          <a:latin typeface="Angsana New" pitchFamily="18" charset="-34"/>
+                          <a:cs typeface="Angsana New" pitchFamily="18" charset="-34"/>
+                        </a:rPr>
+                        <a:t>Android</a:t>
+                      </a:r>
+                      <a:endParaRPr lang="en-US" sz="2400" dirty="0">
+                        <a:latin typeface="Angsana New" pitchFamily="18" charset="-34"/>
+                        <a:cs typeface="Angsana New" pitchFamily="18" charset="-34"/>
+                      </a:endParaRPr>
+                    </a:p>
+                  </a:txBody>
+                  <a:tcPr anchor="ctr"/>
+                </a:tc>
+                <a:tc>
+                  <a:txBody>
+                    <a:bodyPr/>
+                    <a:lstStyle/>
+                    <a:p>
+                      <a:pPr algn="ctr"/>
+                      <a:r>
+                        <a:rPr lang="en-US" sz="2400" dirty="0" err="1" smtClean="0">
+                          <a:latin typeface="Angsana New" pitchFamily="18" charset="-34"/>
+                          <a:cs typeface="Angsana New" pitchFamily="18" charset="-34"/>
+                        </a:rPr>
+                        <a:t>iOS</a:t>
+                      </a:r>
+                      <a:endParaRPr lang="en-US" sz="2400" dirty="0">
+                        <a:latin typeface="Angsana New" pitchFamily="18" charset="-34"/>
+                        <a:cs typeface="Angsana New" pitchFamily="18" charset="-34"/>
+                      </a:endParaRPr>
+                    </a:p>
+                  </a:txBody>
+                  <a:tcPr anchor="ctr"/>
+                </a:tc>
+                <a:tc>
+                  <a:txBody>
+                    <a:bodyPr/>
+                    <a:lstStyle/>
+                    <a:p>
+                      <a:pPr algn="ctr"/>
+                      <a:r>
+                        <a:rPr lang="en-US" sz="2400" dirty="0" smtClean="0">
+                          <a:latin typeface="Angsana New" pitchFamily="18" charset="-34"/>
+                          <a:cs typeface="Angsana New" pitchFamily="18" charset="-34"/>
+                        </a:rPr>
+                        <a:t>Windows Mobile 7</a:t>
+                      </a:r>
+                      <a:endParaRPr lang="en-US" sz="2400" dirty="0">
+                        <a:latin typeface="Angsana New" pitchFamily="18" charset="-34"/>
+                        <a:cs typeface="Angsana New" pitchFamily="18" charset="-34"/>
+                      </a:endParaRPr>
+                    </a:p>
+                  </a:txBody>
+                  <a:tcPr anchor="ctr"/>
+                </a:tc>
+              </a:tr>
+              <a:tr h="939800">
+                <a:tc>
+                  <a:txBody>
+                    <a:bodyPr/>
+                    <a:lstStyle/>
+                    <a:p>
+                      <a:pPr algn="ctr"/>
+                      <a:r>
+                        <a:rPr lang="th-TH" sz="2400" dirty="0" smtClean="0">
+                          <a:latin typeface="Angsana New" pitchFamily="18" charset="-34"/>
+                          <a:cs typeface="Angsana New" pitchFamily="18" charset="-34"/>
+                        </a:rPr>
+                        <a:t>ค่าใช้จ่ายในการพัฒนา</a:t>
+                      </a:r>
+                      <a:endParaRPr lang="en-US" sz="2400" dirty="0">
+                        <a:latin typeface="Angsana New" pitchFamily="18" charset="-34"/>
+                        <a:cs typeface="Angsana New" pitchFamily="18" charset="-34"/>
+                      </a:endParaRPr>
+                    </a:p>
+                  </a:txBody>
+                  <a:tcPr anchor="ctr"/>
+                </a:tc>
+                <a:tc>
+                  <a:txBody>
+                    <a:bodyPr/>
+                    <a:lstStyle/>
+                    <a:p>
+                      <a:pPr algn="ctr"/>
+                      <a:r>
+                        <a:rPr lang="th-TH" sz="2400" dirty="0" smtClean="0">
+                          <a:latin typeface="Angsana New" pitchFamily="18" charset="-34"/>
+                          <a:cs typeface="Angsana New" pitchFamily="18" charset="-34"/>
+                        </a:rPr>
+                        <a:t>ฟรี</a:t>
+                      </a:r>
+                      <a:endParaRPr lang="en-US" sz="2400" dirty="0">
+                        <a:latin typeface="Angsana New" pitchFamily="18" charset="-34"/>
+                        <a:cs typeface="Angsana New" pitchFamily="18" charset="-34"/>
+                      </a:endParaRPr>
+                    </a:p>
+                  </a:txBody>
+                  <a:tcPr anchor="ctr"/>
+                </a:tc>
+                <a:tc>
+                  <a:txBody>
+                    <a:bodyPr/>
+                    <a:lstStyle/>
+                    <a:p>
+                      <a:pPr algn="ctr"/>
+                      <a:r>
+                        <a:rPr lang="th-TH" sz="2400" dirty="0" smtClean="0">
+                          <a:latin typeface="Angsana New" pitchFamily="18" charset="-34"/>
+                          <a:cs typeface="Angsana New" pitchFamily="18" charset="-34"/>
+                        </a:rPr>
+                        <a:t>เสียเงินในการพัฒนา</a:t>
+                      </a:r>
+                      <a:endParaRPr lang="en-US" sz="2400" dirty="0">
+                        <a:latin typeface="Angsana New" pitchFamily="18" charset="-34"/>
+                        <a:cs typeface="Angsana New" pitchFamily="18" charset="-34"/>
+                      </a:endParaRPr>
+                    </a:p>
+                  </a:txBody>
+                  <a:tcPr anchor="ctr"/>
+                </a:tc>
+                <a:tc>
+                  <a:txBody>
+                    <a:bodyPr/>
+                    <a:lstStyle/>
+                    <a:p>
+                      <a:pPr algn="ctr"/>
+                      <a:r>
+                        <a:rPr lang="th-TH" sz="2400" dirty="0" smtClean="0">
+                          <a:latin typeface="Angsana New" pitchFamily="18" charset="-34"/>
+                          <a:cs typeface="Angsana New" pitchFamily="18" charset="-34"/>
+                        </a:rPr>
+                        <a:t>ฟรี</a:t>
+                      </a:r>
+                      <a:endParaRPr lang="en-US" sz="2400" dirty="0">
+                        <a:latin typeface="Angsana New" pitchFamily="18" charset="-34"/>
+                        <a:cs typeface="Angsana New" pitchFamily="18" charset="-34"/>
+                      </a:endParaRPr>
+                    </a:p>
+                  </a:txBody>
+                  <a:tcPr anchor="ctr"/>
+                </a:tc>
+              </a:tr>
+              <a:tr h="939800">
+                <a:tc>
+                  <a:txBody>
+                    <a:bodyPr/>
+                    <a:lstStyle/>
+                    <a:p>
+                      <a:pPr algn="ctr"/>
+                      <a:r>
+                        <a:rPr lang="th-TH" sz="2400" dirty="0" smtClean="0">
+                          <a:latin typeface="Angsana New" pitchFamily="18" charset="-34"/>
+                          <a:cs typeface="Angsana New" pitchFamily="18" charset="-34"/>
+                        </a:rPr>
+                        <a:t>ราคาของอุปกรณ์</a:t>
+                      </a:r>
+                      <a:endParaRPr lang="en-US" sz="2400" dirty="0">
+                        <a:latin typeface="Angsana New" pitchFamily="18" charset="-34"/>
+                        <a:cs typeface="Angsana New" pitchFamily="18" charset="-34"/>
+                      </a:endParaRPr>
+                    </a:p>
+                  </a:txBody>
+                  <a:tcPr anchor="ctr"/>
+                </a:tc>
+                <a:tc>
+                  <a:txBody>
+                    <a:bodyPr/>
+                    <a:lstStyle/>
+                    <a:p>
+                      <a:pPr algn="ctr"/>
+                      <a:r>
+                        <a:rPr lang="en-US" sz="2400" dirty="0" smtClean="0">
+                          <a:latin typeface="Angsana New" pitchFamily="18" charset="-34"/>
+                          <a:cs typeface="Angsana New" pitchFamily="18" charset="-34"/>
+                        </a:rPr>
+                        <a:t>5000 </a:t>
+                      </a:r>
+                      <a:r>
+                        <a:rPr lang="th-TH" sz="2400" dirty="0" smtClean="0">
+                          <a:latin typeface="Angsana New" pitchFamily="18" charset="-34"/>
+                          <a:cs typeface="Angsana New" pitchFamily="18" charset="-34"/>
+                        </a:rPr>
+                        <a:t>บาทขึ้นไป</a:t>
+                      </a:r>
+                      <a:endParaRPr lang="en-US" sz="2400" dirty="0">
+                        <a:latin typeface="Angsana New" pitchFamily="18" charset="-34"/>
+                        <a:cs typeface="Angsana New" pitchFamily="18" charset="-34"/>
+                      </a:endParaRPr>
+                    </a:p>
+                  </a:txBody>
+                  <a:tcPr anchor="ctr"/>
+                </a:tc>
+                <a:tc>
+                  <a:txBody>
+                    <a:bodyPr/>
+                    <a:lstStyle/>
+                    <a:p>
+                      <a:pPr algn="ctr"/>
+                      <a:r>
+                        <a:rPr lang="en-US" sz="2400" dirty="0" smtClean="0">
+                          <a:latin typeface="Angsana New" pitchFamily="18" charset="-34"/>
+                          <a:cs typeface="Angsana New" pitchFamily="18" charset="-34"/>
+                        </a:rPr>
+                        <a:t>8000</a:t>
+                      </a:r>
+                      <a:r>
+                        <a:rPr lang="th-TH" sz="2400" baseline="0" dirty="0" smtClean="0">
+                          <a:latin typeface="Angsana New" pitchFamily="18" charset="-34"/>
+                          <a:cs typeface="Angsana New" pitchFamily="18" charset="-34"/>
+                        </a:rPr>
+                        <a:t> บาทขึ้นไป</a:t>
+                      </a:r>
+                      <a:endParaRPr lang="en-US" sz="2400" dirty="0">
+                        <a:latin typeface="Angsana New" pitchFamily="18" charset="-34"/>
+                        <a:cs typeface="Angsana New" pitchFamily="18" charset="-34"/>
+                      </a:endParaRPr>
+                    </a:p>
+                  </a:txBody>
+                  <a:tcPr anchor="ctr"/>
+                </a:tc>
+                <a:tc>
+                  <a:txBody>
+                    <a:bodyPr/>
+                    <a:lstStyle/>
+                    <a:p>
+                      <a:pPr algn="ctr"/>
+                      <a:r>
+                        <a:rPr lang="en-US" sz="2400" dirty="0" smtClean="0">
+                          <a:latin typeface="Angsana New" pitchFamily="18" charset="-34"/>
+                          <a:cs typeface="Angsana New" pitchFamily="18" charset="-34"/>
+                        </a:rPr>
+                        <a:t>9000</a:t>
+                      </a:r>
+                      <a:r>
+                        <a:rPr lang="en-US" sz="2400" baseline="0" dirty="0" smtClean="0">
+                          <a:latin typeface="Angsana New" pitchFamily="18" charset="-34"/>
+                          <a:cs typeface="Angsana New" pitchFamily="18" charset="-34"/>
+                        </a:rPr>
+                        <a:t> </a:t>
+                      </a:r>
+                      <a:r>
+                        <a:rPr lang="th-TH" sz="2400" baseline="0" dirty="0" smtClean="0">
+                          <a:latin typeface="Angsana New" pitchFamily="18" charset="-34"/>
+                          <a:cs typeface="Angsana New" pitchFamily="18" charset="-34"/>
+                        </a:rPr>
+                        <a:t>บาทขึ้นไป</a:t>
+                      </a:r>
+                      <a:endParaRPr lang="en-US" sz="2400" dirty="0">
+                        <a:latin typeface="Angsana New" pitchFamily="18" charset="-34"/>
+                        <a:cs typeface="Angsana New" pitchFamily="18" charset="-34"/>
+                      </a:endParaRPr>
+                    </a:p>
+                  </a:txBody>
+                  <a:tcPr anchor="ctr"/>
+                </a:tc>
+              </a:tr>
+              <a:tr h="939800">
+                <a:tc>
+                  <a:txBody>
+                    <a:bodyPr/>
+                    <a:lstStyle/>
+                    <a:p>
+                      <a:pPr algn="ctr"/>
+                      <a:r>
+                        <a:rPr lang="th-TH" sz="2400" dirty="0" smtClean="0">
+                          <a:latin typeface="Angsana New" pitchFamily="18" charset="-34"/>
+                          <a:cs typeface="Angsana New" pitchFamily="18" charset="-34"/>
+                        </a:rPr>
+                        <a:t>เครื่องมือในการพัฒนา</a:t>
+                      </a:r>
+                      <a:endParaRPr lang="en-US" sz="2400" dirty="0">
+                        <a:latin typeface="Angsana New" pitchFamily="18" charset="-34"/>
+                        <a:cs typeface="Angsana New" pitchFamily="18" charset="-34"/>
+                      </a:endParaRPr>
+                    </a:p>
+                  </a:txBody>
+                  <a:tcPr anchor="ctr"/>
+                </a:tc>
+                <a:tc>
+                  <a:txBody>
+                    <a:bodyPr/>
+                    <a:lstStyle/>
+                    <a:p>
+                      <a:pPr algn="ctr"/>
+                      <a:r>
+                        <a:rPr lang="th-TH" sz="2400" dirty="0" smtClean="0">
+                          <a:latin typeface="Angsana New" pitchFamily="18" charset="-34"/>
+                          <a:cs typeface="Angsana New" pitchFamily="18" charset="-34"/>
+                        </a:rPr>
+                        <a:t>ฟรี</a:t>
+                      </a:r>
+                      <a:endParaRPr lang="en-US" sz="2400" dirty="0">
+                        <a:latin typeface="Angsana New" pitchFamily="18" charset="-34"/>
+                        <a:cs typeface="Angsana New" pitchFamily="18" charset="-34"/>
+                      </a:endParaRPr>
+                    </a:p>
+                  </a:txBody>
+                  <a:tcPr anchor="ctr"/>
+                </a:tc>
+                <a:tc>
+                  <a:txBody>
+                    <a:bodyPr/>
+                    <a:lstStyle/>
+                    <a:p>
+                      <a:pPr algn="ctr"/>
+                      <a:r>
+                        <a:rPr lang="th-TH" sz="2400" dirty="0" smtClean="0">
+                          <a:latin typeface="Angsana New" pitchFamily="18" charset="-34"/>
+                          <a:cs typeface="Angsana New" pitchFamily="18" charset="-34"/>
+                        </a:rPr>
+                        <a:t>ฟรี</a:t>
+                      </a:r>
+                      <a:endParaRPr lang="en-US" sz="2400" dirty="0">
+                        <a:latin typeface="Angsana New" pitchFamily="18" charset="-34"/>
+                        <a:cs typeface="Angsana New" pitchFamily="18" charset="-34"/>
+                      </a:endParaRPr>
+                    </a:p>
+                  </a:txBody>
+                  <a:tcPr anchor="ctr"/>
+                </a:tc>
+                <a:tc>
+                  <a:txBody>
+                    <a:bodyPr/>
+                    <a:lstStyle/>
+                    <a:p>
+                      <a:pPr algn="ctr"/>
+                      <a:r>
+                        <a:rPr lang="th-TH" sz="2400" dirty="0" smtClean="0">
+                          <a:latin typeface="Angsana New" pitchFamily="18" charset="-34"/>
+                          <a:cs typeface="Angsana New" pitchFamily="18" charset="-34"/>
+                        </a:rPr>
+                        <a:t>เสียค่าใช้จ่าย</a:t>
+                      </a:r>
+                      <a:endParaRPr lang="en-US" sz="2400" dirty="0">
+                        <a:latin typeface="Angsana New" pitchFamily="18" charset="-34"/>
+                        <a:cs typeface="Angsana New" pitchFamily="18" charset="-34"/>
+                      </a:endParaRPr>
+                    </a:p>
+                  </a:txBody>
+                  <a:tcPr anchor="ctr"/>
+                </a:tc>
+              </a:tr>
+              <a:tr h="939800">
+                <a:tc>
+                  <a:txBody>
+                    <a:bodyPr/>
+                    <a:lstStyle/>
+                    <a:p>
+                      <a:pPr algn="ctr"/>
+                      <a:r>
+                        <a:rPr lang="th-TH" sz="2400" dirty="0" smtClean="0">
+                          <a:latin typeface="Angsana New" pitchFamily="18" charset="-34"/>
+                          <a:cs typeface="Angsana New" pitchFamily="18" charset="-34"/>
+                        </a:rPr>
+                        <a:t>ความรู้ทางด้านภาษาของผู้พัฒนา</a:t>
+                      </a:r>
+                      <a:endParaRPr lang="en-US" sz="2400" dirty="0">
+                        <a:latin typeface="Angsana New" pitchFamily="18" charset="-34"/>
+                        <a:cs typeface="Angsana New" pitchFamily="18" charset="-34"/>
+                      </a:endParaRPr>
+                    </a:p>
+                  </a:txBody>
+                  <a:tcPr anchor="ctr"/>
+                </a:tc>
+                <a:tc>
+                  <a:txBody>
+                    <a:bodyPr/>
+                    <a:lstStyle/>
+                    <a:p>
+                      <a:pPr algn="ctr"/>
+                      <a:r>
+                        <a:rPr lang="th-TH" sz="2400" dirty="0" smtClean="0">
+                          <a:latin typeface="Angsana New" pitchFamily="18" charset="-34"/>
+                          <a:cs typeface="Angsana New" pitchFamily="18" charset="-34"/>
+                        </a:rPr>
+                        <a:t>มี</a:t>
+                      </a:r>
+                      <a:endParaRPr lang="en-US" sz="2400" dirty="0">
+                        <a:latin typeface="Angsana New" pitchFamily="18" charset="-34"/>
+                        <a:cs typeface="Angsana New" pitchFamily="18" charset="-34"/>
+                      </a:endParaRPr>
+                    </a:p>
+                  </a:txBody>
+                  <a:tcPr anchor="ctr"/>
+                </a:tc>
+                <a:tc>
+                  <a:txBody>
+                    <a:bodyPr/>
+                    <a:lstStyle/>
+                    <a:p>
+                      <a:pPr algn="ctr"/>
+                      <a:r>
+                        <a:rPr lang="th-TH" sz="2400" dirty="0" smtClean="0">
+                          <a:latin typeface="Angsana New" pitchFamily="18" charset="-34"/>
+                          <a:cs typeface="Angsana New" pitchFamily="18" charset="-34"/>
+                        </a:rPr>
+                        <a:t>ไม่มี</a:t>
+                      </a:r>
+                      <a:endParaRPr lang="en-US" sz="2400" dirty="0">
+                        <a:latin typeface="Angsana New" pitchFamily="18" charset="-34"/>
+                        <a:cs typeface="Angsana New" pitchFamily="18" charset="-34"/>
+                      </a:endParaRPr>
+                    </a:p>
+                  </a:txBody>
+                  <a:tcPr anchor="ctr"/>
+                </a:tc>
+                <a:tc>
+                  <a:txBody>
+                    <a:bodyPr/>
+                    <a:lstStyle/>
+                    <a:p>
+                      <a:pPr algn="ctr"/>
+                      <a:r>
+                        <a:rPr lang="th-TH" sz="2400" dirty="0" smtClean="0">
+                          <a:latin typeface="Angsana New" pitchFamily="18" charset="-34"/>
+                          <a:cs typeface="Angsana New" pitchFamily="18" charset="-34"/>
+                        </a:rPr>
+                        <a:t>มี</a:t>
+                      </a:r>
+                      <a:endParaRPr lang="en-US" sz="2400" dirty="0">
+                        <a:latin typeface="Angsana New" pitchFamily="18" charset="-34"/>
+                        <a:cs typeface="Angsana New" pitchFamily="18" charset="-34"/>
+                      </a:endParaRPr>
+                    </a:p>
+                  </a:txBody>
+                  <a:tcPr anchor="ctr"/>
+                </a:tc>
+              </a:tr>
+              <a:tr h="939800">
+                <a:tc>
+                  <a:txBody>
+                    <a:bodyPr/>
+                    <a:lstStyle/>
+                    <a:p>
+                      <a:pPr algn="ctr"/>
+                      <a:endParaRPr lang="en-US" sz="2400" dirty="0">
+                        <a:latin typeface="Angsana New" pitchFamily="18" charset="-34"/>
+                        <a:cs typeface="Angsana New" pitchFamily="18" charset="-34"/>
+                      </a:endParaRPr>
+                    </a:p>
+                  </a:txBody>
+                  <a:tcPr anchor="ctr"/>
+                </a:tc>
+                <a:tc>
+                  <a:txBody>
+                    <a:bodyPr/>
+                    <a:lstStyle/>
+                    <a:p>
+                      <a:pPr algn="ctr"/>
+                      <a:endParaRPr lang="en-US" sz="2400" dirty="0">
+                        <a:latin typeface="Angsana New" pitchFamily="18" charset="-34"/>
+                        <a:cs typeface="Angsana New" pitchFamily="18" charset="-34"/>
+                      </a:endParaRPr>
+                    </a:p>
+                  </a:txBody>
+                  <a:tcPr anchor="ctr"/>
+                </a:tc>
+                <a:tc>
+                  <a:txBody>
+                    <a:bodyPr/>
+                    <a:lstStyle/>
+                    <a:p>
+                      <a:pPr algn="ctr"/>
+                      <a:endParaRPr lang="en-US" sz="2400" dirty="0">
+                        <a:latin typeface="Angsana New" pitchFamily="18" charset="-34"/>
+                        <a:cs typeface="Angsana New" pitchFamily="18" charset="-34"/>
+                      </a:endParaRPr>
+                    </a:p>
+                  </a:txBody>
+                  <a:tcPr anchor="ctr"/>
+                </a:tc>
+                <a:tc>
+                  <a:txBody>
+                    <a:bodyPr/>
+                    <a:lstStyle/>
+                    <a:p>
+                      <a:pPr algn="ctr"/>
+                      <a:endParaRPr lang="en-US" sz="2400" dirty="0">
+                        <a:latin typeface="Angsana New" pitchFamily="18" charset="-34"/>
+                        <a:cs typeface="Angsana New" pitchFamily="18" charset="-34"/>
+                      </a:endParaRPr>
+                    </a:p>
+                  </a:txBody>
+                  <a:tcPr anchor="ctr"/>
+                </a:tc>
+              </a:tr>
+            </a:tbl>
+          </a:graphicData>
+        </a:graphic>
+      </p:graphicFrame>
+    </p:spTree>
+    <p:extLst>
+      <p:ext uri="{BB962C8B-B14F-4D97-AF65-F5344CB8AC3E}">
+        <p14:creationId xmlns:p14="http://schemas.microsoft.com/office/powerpoint/2010/main" val="653064840"/>
+      </p:ext>
+    </p:extLst>
+  </p:cSld>
+  <p:clrMapOvr>
+    <a:masterClrMapping/>
+  </p:clrMapOvr>
+  <p:timing>
+    <p:tnLst>
+      <p:par>
+        <p:cTn id="1" dur="indefinite" restart="never" nodeType="tmRoot"/>
+      </p:par>
+    </p:tnLst>
+  </p:timing>
+</p:sld>
+</file>
+
+<file path=ppt/slides/slide6.xml><?xml version="1.0" encoding="utf-8"?>
+<p:sld xmlns:a="http://schemas.openxmlformats.org/drawingml/2006/main" xmlns:r="http://schemas.openxmlformats.org/officeDocument/2006/relationships" xmlns:p="http://schemas.openxmlformats.org/presentationml/2006/main">
+  <p:cSld>
+    <p:spTree>
+      <p:nvGrpSpPr>
+        <p:cNvPr id="1" name=""/>
+        <p:cNvGrpSpPr/>
+        <p:nvPr/>
+      </p:nvGrpSpPr>
+      <p:grpSpPr>
+        <a:xfrm>
+          <a:off x="0" y="0"/>
+          <a:ext cx="0" cy="0"/>
+          <a:chOff x="0" y="0"/>
+          <a:chExt cx="0" cy="0"/>
+        </a:xfrm>
+      </p:grpSpPr>
+      <p:sp>
+        <p:nvSpPr>
+          <p:cNvPr id="4" name="Title 3"/>
+          <p:cNvSpPr>
+            <a:spLocks noGrp="1"/>
+          </p:cNvSpPr>
+          <p:nvPr>
+            <p:ph type="title"/>
+          </p:nvPr>
+        </p:nvSpPr>
+        <p:spPr/>
+        <p:txBody>
+          <a:bodyPr/>
+          <a:lstStyle/>
+          <a:p>
+            <a:r>
+              <a:rPr lang="th-TH" dirty="0" smtClean="0"/>
+              <a:t>วัตถุประสงค์ของโครงงาน</a:t>
+            </a:r>
+            <a:endParaRPr lang="en-US" dirty="0"/>
+          </a:p>
+        </p:txBody>
+      </p:sp>
+      <p:sp>
+        <p:nvSpPr>
+          <p:cNvPr id="5" name="Content Placeholder 4"/>
+          <p:cNvSpPr>
+            <a:spLocks noGrp="1"/>
+          </p:cNvSpPr>
+          <p:nvPr>
+            <p:ph idx="1"/>
+          </p:nvPr>
+        </p:nvSpPr>
+        <p:spPr/>
+        <p:txBody>
+          <a:bodyPr/>
+          <a:lstStyle/>
+          <a:p>
+            <a:r>
+              <a:rPr lang="th-TH" dirty="0">
+                <a:latin typeface="Angsana New" pitchFamily="18" charset="-34"/>
+                <a:cs typeface="Angsana New" pitchFamily="18" charset="-34"/>
+              </a:rPr>
+              <a:t>เพื่อการศึกษาการเขียนโปรแกรมใช้ในระบบปฏิบัติการแอนดรอยด์</a:t>
+            </a:r>
+            <a:endParaRPr lang="en-US" dirty="0">
+              <a:latin typeface="Angsana New" pitchFamily="18" charset="-34"/>
+              <a:cs typeface="Angsana New" pitchFamily="18" charset="-34"/>
+            </a:endParaRPr>
+          </a:p>
+          <a:p>
+            <a:r>
+              <a:rPr lang="th-TH" dirty="0">
+                <a:latin typeface="Angsana New" pitchFamily="18" charset="-34"/>
+                <a:cs typeface="Angsana New" pitchFamily="18" charset="-34"/>
+              </a:rPr>
+              <a:t>เพื่อศึกษาเกี่ยวกับการใช้  </a:t>
+            </a:r>
+            <a:r>
+              <a:rPr lang="en-US" dirty="0">
+                <a:latin typeface="Angsana New" pitchFamily="18" charset="-34"/>
+                <a:cs typeface="Angsana New" pitchFamily="18" charset="-34"/>
+              </a:rPr>
+              <a:t>Global Positioning </a:t>
+            </a:r>
+            <a:r>
+              <a:rPr lang="en-US" dirty="0" smtClean="0">
+                <a:latin typeface="Angsana New" pitchFamily="18" charset="-34"/>
+                <a:cs typeface="Angsana New" pitchFamily="18" charset="-34"/>
+              </a:rPr>
+              <a:t>System</a:t>
+            </a:r>
+            <a:endParaRPr lang="th-TH" dirty="0" smtClean="0">
+              <a:latin typeface="Angsana New" pitchFamily="18" charset="-34"/>
+              <a:cs typeface="Angsana New" pitchFamily="18" charset="-34"/>
+            </a:endParaRPr>
+          </a:p>
+          <a:p>
+            <a:r>
+              <a:rPr lang="th-TH" dirty="0" smtClean="0">
+                <a:latin typeface="Angsana New" pitchFamily="18" charset="-34"/>
+                <a:cs typeface="Angsana New" pitchFamily="18" charset="-34"/>
+              </a:rPr>
+              <a:t>เพื่อ</a:t>
+            </a:r>
+            <a:r>
+              <a:rPr lang="th-TH" dirty="0">
+                <a:latin typeface="Angsana New" pitchFamily="18" charset="-34"/>
+                <a:cs typeface="Angsana New" pitchFamily="18" charset="-34"/>
+              </a:rPr>
+              <a:t>ศึกษาการใช้ </a:t>
+            </a:r>
+            <a:r>
+              <a:rPr lang="en-US" dirty="0">
+                <a:latin typeface="Angsana New" pitchFamily="18" charset="-34"/>
+                <a:cs typeface="Angsana New" pitchFamily="18" charset="-34"/>
+              </a:rPr>
+              <a:t>Google Map</a:t>
+            </a:r>
+          </a:p>
+          <a:p>
+            <a:endParaRPr lang="th-TH" dirty="0" smtClean="0"/>
+          </a:p>
+          <a:p>
+            <a:endParaRPr lang="en-US" dirty="0"/>
+          </a:p>
+        </p:txBody>
+      </p:sp>
+    </p:spTree>
+    <p:extLst>
+      <p:ext uri="{BB962C8B-B14F-4D97-AF65-F5344CB8AC3E}">
+        <p14:creationId xmlns:p14="http://schemas.microsoft.com/office/powerpoint/2010/main" val="1897534785"/>
+      </p:ext>
+    </p:extLst>
+  </p:cSld>
+  <p:clrMapOvr>
+    <a:masterClrMapping/>
+  </p:clrMapOvr>
+  <p:timing>
+    <p:tnLst>
+      <p:par>
+        <p:cTn id="1" dur="indefinite" restart="never" nodeType="tmRoot">
+          <p:childTnLst>
+            <p:seq concurrent="1" nextAc="seek">
+              <p:cTn id="2" dur="indefinite" nodeType="mainSeq">
+                <p:childTnLst>
+                  <p:par>
+                    <p:cTn id="3" fill="hold">
+                      <p:stCondLst>
+                        <p:cond delay="indefinite"/>
+                        <p:cond evt="onBegin" delay="0">
+                          <p:tn val="2"/>
+                        </p:cond>
+                      </p:stCondLst>
+                      <p:childTnLst>
+                        <p:par>
+                          <p:cTn id="4" fill="hold">
+                            <p:stCondLst>
+                              <p:cond delay="0"/>
+                            </p:stCondLst>
+                            <p:childTnLst>
                               <p:par>
-                                <p:cTn id="11" presetID="10" presetClass="entr" presetSubtype="0" fill="hold" grpId="0" nodeType="withEffect">
+                                <p:cTn id="5" presetID="10" presetClass="entr" presetSubtype="0" fill="hold" grpId="0" nodeType="afterEffect">
                                   <p:stCondLst>
                                     <p:cond delay="0"/>
                                   </p:stCondLst>
                                   <p:childTnLst>
                                     <p:set>
                                       <p:cBhvr>
-                                        <p:cTn id="12" dur="1" fill="hold">
+                                        <p:cTn id="6" dur="1" fill="hold">
                                           <p:stCondLst>
                                             <p:cond delay="0"/>
                                           </p:stCondLst>
                                         </p:cTn>
                                         <p:tgtEl>
-                                          <p:spTgt spid="5"/>
+                                          <p:spTgt spid="4"/>
                                         </p:tgtEl>
                                         <p:attrNameLst>
                                           <p:attrName>style.visibility</p:attrName>
@@ -10169,9 +12573,9 @@
                                     </p:set>
                                     <p:animEffect transition="in" filter="fade">
                                       <p:cBhvr>
-                                        <p:cTn id="13" dur="500"/>
+                                        <p:cTn id="7" dur="500"/>
                                         <p:tgtEl>
-                                          <p:spTgt spid="5"/>
+                                          <p:spTgt spid="4"/>
                                         </p:tgtEl>
                                       </p:cBhvr>
                                     </p:animEffect>
@@ -10206,25 +12610,15 @@
       </p:par>
     </p:tnLst>
     <p:bldLst>
-      <p:bldP spid="14" grpId="0" animBg="1"/>
-      <p:bldP spid="12" grpId="0" animBg="1"/>
-      <p:bldP spid="5" grpId="0" animBg="1"/>
+      <p:bldP spid="4" grpId="0"/>
     </p:bldLst>
   </p:timing>
 </p:sld>
 </file>
 
-<file path=ppt/slides/slide9.xml><?xml version="1.0" encoding="utf-8"?>
+<file path=ppt/slides/slide7.xml><?xml version="1.0" encoding="utf-8"?>
 <p:sld xmlns:a="http://schemas.openxmlformats.org/drawingml/2006/main" xmlns:r="http://schemas.openxmlformats.org/officeDocument/2006/relationships" xmlns:p="http://schemas.openxmlformats.org/presentationml/2006/main">
   <p:cSld>
-    <p:bg>
-      <p:bgPr>
-        <a:solidFill>
-          <a:schemeClr val="bg1"/>
-        </a:solidFill>
-        <a:effectLst/>
-      </p:bgPr>
-    </p:bg>
     <p:spTree>
       <p:nvGrpSpPr>
         <p:cNvPr id="1" name=""/>
@@ -10239,213 +12633,100 @@
           <a:chExt cx="0" cy="0"/>
         </a:xfrm>
       </p:grpSpPr>
-      <p:pic>
-        <p:nvPicPr>
-          <p:cNvPr id="4" name="Picture 3"/>
-          <p:cNvPicPr>
-            <a:picLocks noChangeAspect="1"/>
-          </p:cNvPicPr>
-          <p:nvPr/>
-        </p:nvPicPr>
-        <p:blipFill rotWithShape="1">
-          <a:blip r:embed="rId2" cstate="print">
-            <a:extLst>
-              <a:ext uri="{28A0092B-C50C-407E-A947-70E740481C1C}">
-                <a14:useLocalDpi xmlns:a14="http://schemas.microsoft.com/office/drawing/2010/main" xmlns="" val="0"/>
-              </a:ext>
-            </a:extLst>
-          </a:blip>
-          <a:srcRect l="31468" t="5245" r="31818" b="5594"/>
-          <a:stretch/>
-        </p:blipFill>
-        <p:spPr bwMode="auto">
-          <a:xfrm>
-            <a:off x="5300579" y="1634808"/>
-            <a:ext cx="1786021" cy="3470592"/>
-          </a:xfrm>
-          <a:prstGeom prst="rect">
-            <a:avLst/>
-          </a:prstGeom>
-          <a:ln>
-            <a:noFill/>
-          </a:ln>
-          <a:extLst>
-            <a:ext uri="{53640926-AAD7-44D8-BBD7-CCE9431645EC}">
-              <a14:shadowObscured xmlns:a14="http://schemas.microsoft.com/office/drawing/2010/main" xmlns=""/>
-            </a:ext>
-          </a:extLst>
-        </p:spPr>
-      </p:pic>
       <p:sp>
         <p:nvSpPr>
-          <p:cNvPr id="5" name="Flowchart: Alternate Process 4"/>
-          <p:cNvSpPr/>
-          <p:nvPr/>
+          <p:cNvPr id="2" name="Title 1"/>
+          <p:cNvSpPr>
+            <a:spLocks noGrp="1"/>
+          </p:cNvSpPr>
+          <p:nvPr>
+            <p:ph type="title"/>
+          </p:nvPr>
         </p:nvSpPr>
-        <p:spPr>
-          <a:xfrm>
-            <a:off x="5606977" y="2744360"/>
-            <a:ext cx="1173223" cy="976209"/>
-          </a:xfrm>
-          <a:prstGeom prst="flowChartAlternateProcess">
-            <a:avLst/>
-          </a:prstGeom>
-        </p:spPr>
-        <p:style>
-          <a:lnRef idx="2">
-            <a:schemeClr val="accent1">
-              <a:shade val="50000"/>
-            </a:schemeClr>
-          </a:lnRef>
-          <a:fillRef idx="1">
-            <a:schemeClr val="accent1"/>
-          </a:fillRef>
-          <a:effectRef idx="0">
-            <a:schemeClr val="accent1"/>
-          </a:effectRef>
-          <a:fontRef idx="minor">
-            <a:schemeClr val="lt1"/>
-          </a:fontRef>
-        </p:style>
+        <p:spPr/>
         <p:txBody>
-          <a:bodyPr rot="0" spcFirstLastPara="0" vert="horz" wrap="square" lIns="91440" tIns="45720" rIns="91440" bIns="45720" numCol="1" spcCol="0" rtlCol="0" fromWordArt="0" anchor="ctr" anchorCtr="0" forceAA="0" compatLnSpc="1">
-            <a:prstTxWarp prst="textNoShape">
-              <a:avLst/>
-            </a:prstTxWarp>
-            <a:noAutofit/>
-          </a:bodyPr>
+          <a:bodyPr/>
           <a:lstStyle/>
           <a:p>
-            <a:pPr marL="0" marR="0" algn="ctr">
-              <a:spcBef>
-                <a:spcPts val="0"/>
-              </a:spcBef>
-              <a:spcAft>
-                <a:spcPts val="1000"/>
-              </a:spcAft>
-            </a:pPr>
             <a:r>
-              <a:rPr lang="en-US" sz="2800" b="1" dirty="0" smtClean="0">
-                <a:ea typeface="Calibri"/>
-                <a:cs typeface="Cordia New"/>
-              </a:rPr>
-              <a:t>Continue</a:t>
+              <a:rPr lang="th-TH" dirty="0" smtClean="0"/>
+              <a:t>ขอบเขตของโครงงาน</a:t>
             </a:r>
-            <a:endParaRPr lang="en-US" sz="2800" dirty="0">
-              <a:effectLst/>
-              <a:ea typeface="Calibri"/>
-              <a:cs typeface="Cordia New"/>
-            </a:endParaRPr>
+            <a:endParaRPr lang="en-US" dirty="0"/>
           </a:p>
         </p:txBody>
       </p:sp>
       <p:sp>
         <p:nvSpPr>
-          <p:cNvPr id="6" name="Pentagon 5"/>
-          <p:cNvSpPr/>
-          <p:nvPr/>
+          <p:cNvPr id="3" name="Content Placeholder 2"/>
+          <p:cNvSpPr>
+            <a:spLocks noGrp="1"/>
+          </p:cNvSpPr>
+          <p:nvPr>
+            <p:ph idx="1"/>
+          </p:nvPr>
         </p:nvSpPr>
-        <p:spPr>
-          <a:xfrm>
-            <a:off x="1371600" y="1922383"/>
-            <a:ext cx="3510519" cy="2620165"/>
-          </a:xfrm>
-          <a:prstGeom prst="homePlate">
-            <a:avLst/>
-          </a:prstGeom>
-        </p:spPr>
-        <p:style>
-          <a:lnRef idx="2">
-            <a:schemeClr val="accent1"/>
-          </a:lnRef>
-          <a:fillRef idx="1">
-            <a:schemeClr val="lt1"/>
-          </a:fillRef>
-          <a:effectRef idx="0">
-            <a:schemeClr val="accent1"/>
-          </a:effectRef>
-          <a:fontRef idx="minor">
-            <a:schemeClr val="dk1"/>
-          </a:fontRef>
-        </p:style>
+        <p:spPr/>
         <p:txBody>
-          <a:bodyPr rot="0" spcFirstLastPara="0" vert="horz" wrap="square" lIns="91440" tIns="45720" rIns="91440" bIns="45720" numCol="1" spcCol="0" rtlCol="0" fromWordArt="0" anchor="ctr" anchorCtr="0" forceAA="0" compatLnSpc="1">
-            <a:prstTxWarp prst="textNoShape">
-              <a:avLst/>
-            </a:prstTxWarp>
-            <a:noAutofit/>
-          </a:bodyPr>
+          <a:bodyPr/>
           <a:lstStyle/>
           <a:p>
             <a:r>
-              <a:rPr lang="en-US" sz="3200" dirty="0"/>
-              <a:t>Wait for user tap to continue</a:t>
+              <a:rPr lang="th-TH" dirty="0" smtClean="0">
+                <a:latin typeface="Angsana New" pitchFamily="18" charset="-34"/>
+                <a:cs typeface="Angsana New" pitchFamily="18" charset="-34"/>
+              </a:rPr>
+              <a:t>การที่จะรับพิกัดจากดาวเทียมนั้น สัญญาณจากดาวเทียม </a:t>
             </a:r>
-          </a:p>
-        </p:txBody>
-      </p:sp>
-      <p:sp>
-        <p:nvSpPr>
-          <p:cNvPr id="8" name="Flowchart: Alternate Process 7"/>
-          <p:cNvSpPr/>
-          <p:nvPr/>
-        </p:nvSpPr>
-        <p:spPr>
-          <a:xfrm>
-            <a:off x="1371600" y="1031621"/>
-            <a:ext cx="1173223" cy="644947"/>
-          </a:xfrm>
-          <a:prstGeom prst="flowChartAlternateProcess">
-            <a:avLst/>
-          </a:prstGeom>
-        </p:spPr>
-        <p:style>
-          <a:lnRef idx="2">
-            <a:schemeClr val="accent1">
-              <a:shade val="50000"/>
-            </a:schemeClr>
-          </a:lnRef>
-          <a:fillRef idx="1">
-            <a:schemeClr val="accent1"/>
-          </a:fillRef>
-          <a:effectRef idx="0">
-            <a:schemeClr val="accent1"/>
-          </a:effectRef>
-          <a:fontRef idx="minor">
-            <a:schemeClr val="lt1"/>
-          </a:fontRef>
-        </p:style>
-        <p:txBody>
-          <a:bodyPr rot="0" spcFirstLastPara="0" vert="horz" wrap="square" lIns="91440" tIns="45720" rIns="91440" bIns="45720" numCol="1" spcCol="0" rtlCol="0" fromWordArt="0" anchor="ctr" anchorCtr="0" forceAA="0" compatLnSpc="1">
-            <a:prstTxWarp prst="textNoShape">
-              <a:avLst/>
-            </a:prstTxWarp>
-            <a:noAutofit/>
-          </a:bodyPr>
-          <a:lstStyle/>
-          <a:p>
-            <a:pPr marL="0" marR="0" algn="ctr">
-              <a:lnSpc>
-                <a:spcPct val="115000"/>
-              </a:lnSpc>
-              <a:spcBef>
-                <a:spcPts val="0"/>
-              </a:spcBef>
-              <a:spcAft>
-                <a:spcPts val="1000"/>
-              </a:spcAft>
-            </a:pPr>
             <a:r>
-              <a:rPr lang="en-US" sz="2800" b="1" dirty="0" smtClean="0">
-                <a:ea typeface="Calibri"/>
-                <a:cs typeface="Cordia New"/>
+              <a:rPr lang="en-US" dirty="0" smtClean="0">
+                <a:latin typeface="Angsana New" pitchFamily="18" charset="-34"/>
+                <a:cs typeface="Angsana New" pitchFamily="18" charset="-34"/>
               </a:rPr>
-              <a:t>Pause</a:t>
+              <a:t>4</a:t>
             </a:r>
-            <a:endParaRPr lang="en-US" sz="2800" dirty="0">
-              <a:effectLst/>
-              <a:ea typeface="Calibri"/>
-              <a:cs typeface="Cordia New"/>
+            <a:r>
+              <a:rPr lang="th-TH" dirty="0" smtClean="0">
+                <a:latin typeface="Angsana New" pitchFamily="18" charset="-34"/>
+                <a:cs typeface="Angsana New" pitchFamily="18" charset="-34"/>
+              </a:rPr>
+              <a:t> ดวงขึ้นไป</a:t>
+            </a:r>
+          </a:p>
+          <a:p>
+            <a:r>
+              <a:rPr lang="th-TH" dirty="0" smtClean="0">
+                <a:latin typeface="Angsana New" pitchFamily="18" charset="-34"/>
+                <a:cs typeface="Angsana New" pitchFamily="18" charset="-34"/>
+              </a:rPr>
+              <a:t>ก่อนที่จะนำพิกัดในฐานข้อมูล ไปลง </a:t>
+            </a:r>
+            <a:r>
+              <a:rPr lang="en-US" dirty="0" smtClean="0">
+                <a:latin typeface="Angsana New" pitchFamily="18" charset="-34"/>
+                <a:cs typeface="Angsana New" pitchFamily="18" charset="-34"/>
+              </a:rPr>
+              <a:t>Google Map </a:t>
+            </a:r>
+            <a:r>
+              <a:rPr lang="th-TH" dirty="0" smtClean="0">
+                <a:latin typeface="Angsana New" pitchFamily="18" charset="-34"/>
+                <a:cs typeface="Angsana New" pitchFamily="18" charset="-34"/>
+              </a:rPr>
+              <a:t>จะต้องมีสัญญาณอินเตอร์เน็ต</a:t>
+            </a:r>
+          </a:p>
+          <a:p>
+            <a:r>
+              <a:rPr lang="th-TH" dirty="0" smtClean="0">
+                <a:latin typeface="Angsana New" pitchFamily="18" charset="-34"/>
+                <a:cs typeface="Angsana New" pitchFamily="18" charset="-34"/>
+              </a:rPr>
+              <a:t>เมื่อหยุดการบันทึกพิกัดช่วงคราว เส้นทางในแผนที่ก็จะขาดช่วงไปเช่นกัน</a:t>
+            </a:r>
+            <a:endParaRPr lang="en-US" dirty="0">
+              <a:latin typeface="Angsana New" pitchFamily="18" charset="-34"/>
+              <a:cs typeface="Angsana New" pitchFamily="18" charset="-34"/>
             </a:endParaRPr>
           </a:p>
         </p:txBody>
@@ -10453,7 +12734,256 @@
     </p:spTree>
     <p:extLst>
       <p:ext uri="{BB962C8B-B14F-4D97-AF65-F5344CB8AC3E}">
-        <p14:creationId xmlns:p14="http://schemas.microsoft.com/office/powerpoint/2010/main" xmlns="" val="819896303"/>
+        <p14:creationId xmlns:p14="http://schemas.microsoft.com/office/powerpoint/2010/main" val="3158405881"/>
+      </p:ext>
+    </p:extLst>
+  </p:cSld>
+  <p:clrMapOvr>
+    <a:masterClrMapping/>
+  </p:clrMapOvr>
+  <p:timing>
+    <p:tnLst>
+      <p:par>
+        <p:cTn id="1" dur="indefinite" restart="never" nodeType="tmRoot"/>
+      </p:par>
+    </p:tnLst>
+  </p:timing>
+</p:sld>
+</file>
+
+<file path=ppt/slides/slide8.xml><?xml version="1.0" encoding="utf-8"?>
+<p:sld xmlns:a="http://schemas.openxmlformats.org/drawingml/2006/main" xmlns:r="http://schemas.openxmlformats.org/officeDocument/2006/relationships" xmlns:p="http://schemas.openxmlformats.org/presentationml/2006/main">
+  <p:cSld>
+    <p:spTree>
+      <p:nvGrpSpPr>
+        <p:cNvPr id="1" name=""/>
+        <p:cNvGrpSpPr/>
+        <p:nvPr/>
+      </p:nvGrpSpPr>
+      <p:grpSpPr>
+        <a:xfrm>
+          <a:off x="0" y="0"/>
+          <a:ext cx="0" cy="0"/>
+          <a:chOff x="0" y="0"/>
+          <a:chExt cx="0" cy="0"/>
+        </a:xfrm>
+      </p:grpSpPr>
+      <p:sp>
+        <p:nvSpPr>
+          <p:cNvPr id="4" name="Title 3"/>
+          <p:cNvSpPr>
+            <a:spLocks noGrp="1"/>
+          </p:cNvSpPr>
+          <p:nvPr>
+            <p:ph type="title"/>
+          </p:nvPr>
+        </p:nvSpPr>
+        <p:spPr/>
+        <p:txBody>
+          <a:bodyPr/>
+          <a:lstStyle/>
+          <a:p>
+            <a:r>
+              <a:rPr lang="th-TH" dirty="0" smtClean="0"/>
+              <a:t>แตกต่างจากโปรแกรมอื่นๆอย่างไร</a:t>
+            </a:r>
+            <a:endParaRPr lang="en-US" dirty="0"/>
+          </a:p>
+        </p:txBody>
+      </p:sp>
+      <p:sp>
+        <p:nvSpPr>
+          <p:cNvPr id="5" name="Content Placeholder 4"/>
+          <p:cNvSpPr>
+            <a:spLocks noGrp="1"/>
+          </p:cNvSpPr>
+          <p:nvPr>
+            <p:ph idx="1"/>
+          </p:nvPr>
+        </p:nvSpPr>
+        <p:spPr/>
+        <p:txBody>
+          <a:bodyPr/>
+          <a:lstStyle/>
+          <a:p>
+            <a:pPr marL="0" indent="0">
+              <a:buNone/>
+            </a:pPr>
+            <a:endParaRPr lang="th-TH" dirty="0" smtClean="0"/>
+          </a:p>
+          <a:p>
+            <a:endParaRPr lang="en-US" dirty="0"/>
+          </a:p>
+        </p:txBody>
+      </p:sp>
+      <p:pic>
+        <p:nvPicPr>
+          <p:cNvPr id="1026" name="Picture 2" descr="C:\Users\JOeCole\Desktop\telenav-gps-navigator-on-android.jpg"/>
+          <p:cNvPicPr>
+            <a:picLocks noChangeAspect="1" noChangeArrowheads="1"/>
+          </p:cNvPicPr>
+          <p:nvPr/>
+        </p:nvPicPr>
+        <p:blipFill>
+          <a:blip r:embed="rId2" cstate="print">
+            <a:extLst>
+              <a:ext uri="{28A0092B-C50C-407E-A947-70E740481C1C}">
+                <a14:useLocalDpi xmlns:a14="http://schemas.microsoft.com/office/drawing/2010/main" val="0"/>
+              </a:ext>
+            </a:extLst>
+          </a:blip>
+          <a:srcRect/>
+          <a:stretch>
+            <a:fillRect/>
+          </a:stretch>
+        </p:blipFill>
+        <p:spPr bwMode="auto">
+          <a:xfrm>
+            <a:off x="2514600" y="1881613"/>
+            <a:ext cx="1324230" cy="2209800"/>
+          </a:xfrm>
+          <a:prstGeom prst="rect">
+            <a:avLst/>
+          </a:prstGeom>
+          <a:noFill/>
+          <a:extLst>
+            <a:ext uri="{909E8E84-426E-40DD-AFC4-6F175D3DCCD1}">
+              <a14:hiddenFill xmlns:a14="http://schemas.microsoft.com/office/drawing/2010/main">
+                <a:solidFill>
+                  <a:srgbClr val="FFFFFF"/>
+                </a:solidFill>
+              </a14:hiddenFill>
+            </a:ext>
+          </a:extLst>
+        </p:spPr>
+      </p:pic>
+      <p:pic>
+        <p:nvPicPr>
+          <p:cNvPr id="1027" name="Picture 3" descr="C:\Users\JOeCole\Desktop\image2.png"/>
+          <p:cNvPicPr>
+            <a:picLocks noChangeAspect="1" noChangeArrowheads="1"/>
+          </p:cNvPicPr>
+          <p:nvPr/>
+        </p:nvPicPr>
+        <p:blipFill>
+          <a:blip r:embed="rId3" cstate="print">
+            <a:extLst>
+              <a:ext uri="{28A0092B-C50C-407E-A947-70E740481C1C}">
+                <a14:useLocalDpi xmlns:a14="http://schemas.microsoft.com/office/drawing/2010/main" val="0"/>
+              </a:ext>
+            </a:extLst>
+          </a:blip>
+          <a:srcRect/>
+          <a:stretch>
+            <a:fillRect/>
+          </a:stretch>
+        </p:blipFill>
+        <p:spPr bwMode="auto">
+          <a:xfrm>
+            <a:off x="762000" y="3429000"/>
+            <a:ext cx="1331495" cy="2368952"/>
+          </a:xfrm>
+          <a:prstGeom prst="rect">
+            <a:avLst/>
+          </a:prstGeom>
+          <a:noFill/>
+          <a:extLst>
+            <a:ext uri="{909E8E84-426E-40DD-AFC4-6F175D3DCCD1}">
+              <a14:hiddenFill xmlns:a14="http://schemas.microsoft.com/office/drawing/2010/main">
+                <a:solidFill>
+                  <a:srgbClr val="FFFFFF"/>
+                </a:solidFill>
+              </a14:hiddenFill>
+            </a:ext>
+          </a:extLst>
+        </p:spPr>
+      </p:pic>
+      <p:pic>
+        <p:nvPicPr>
+          <p:cNvPr id="1029" name="Picture 5" descr="C:\Users\JOeCole\Desktop\TN-655531_NAVIGON_MobileNavigator_Android_MapView.png.jpg"/>
+          <p:cNvPicPr>
+            <a:picLocks noChangeAspect="1" noChangeArrowheads="1"/>
+          </p:cNvPicPr>
+          <p:nvPr/>
+        </p:nvPicPr>
+        <p:blipFill>
+          <a:blip r:embed="rId4" cstate="print">
+            <a:extLst>
+              <a:ext uri="{28A0092B-C50C-407E-A947-70E740481C1C}">
+                <a14:useLocalDpi xmlns:a14="http://schemas.microsoft.com/office/drawing/2010/main" val="0"/>
+              </a:ext>
+            </a:extLst>
+          </a:blip>
+          <a:srcRect/>
+          <a:stretch>
+            <a:fillRect/>
+          </a:stretch>
+        </p:blipFill>
+        <p:spPr bwMode="auto">
+          <a:xfrm>
+            <a:off x="7086600" y="2604198"/>
+            <a:ext cx="1447800" cy="2303318"/>
+          </a:xfrm>
+          <a:prstGeom prst="rect">
+            <a:avLst/>
+          </a:prstGeom>
+          <a:noFill/>
+          <a:extLst>
+            <a:ext uri="{909E8E84-426E-40DD-AFC4-6F175D3DCCD1}">
+              <a14:hiddenFill xmlns:a14="http://schemas.microsoft.com/office/drawing/2010/main">
+                <a:solidFill>
+                  <a:srgbClr val="FFFFFF"/>
+                </a:solidFill>
+              </a14:hiddenFill>
+            </a:ext>
+          </a:extLst>
+        </p:spPr>
+      </p:pic>
+      <p:pic>
+        <p:nvPicPr>
+          <p:cNvPr id="1030" name="Picture 6" descr="C:\Users\JOeCole\Desktop\telenav-gps-navigator-for-t-mobile-g1.jpg"/>
+          <p:cNvPicPr>
+            <a:picLocks noChangeAspect="1" noChangeArrowheads="1"/>
+          </p:cNvPicPr>
+          <p:nvPr/>
+        </p:nvPicPr>
+        <p:blipFill>
+          <a:blip r:embed="rId5" cstate="print">
+            <a:extLst>
+              <a:ext uri="{28A0092B-C50C-407E-A947-70E740481C1C}">
+                <a14:useLocalDpi xmlns:a14="http://schemas.microsoft.com/office/drawing/2010/main" val="0"/>
+              </a:ext>
+            </a:extLst>
+          </a:blip>
+          <a:srcRect/>
+          <a:stretch>
+            <a:fillRect/>
+          </a:stretch>
+        </p:blipFill>
+        <p:spPr bwMode="auto">
+          <a:xfrm>
+            <a:off x="4267200" y="2308692"/>
+            <a:ext cx="2222842" cy="3040063"/>
+          </a:xfrm>
+          <a:prstGeom prst="rect">
+            <a:avLst/>
+          </a:prstGeom>
+          <a:noFill/>
+          <a:extLst>
+            <a:ext uri="{909E8E84-426E-40DD-AFC4-6F175D3DCCD1}">
+              <a14:hiddenFill xmlns:a14="http://schemas.microsoft.com/office/drawing/2010/main">
+                <a:solidFill>
+                  <a:srgbClr val="FFFFFF"/>
+                </a:solidFill>
+              </a14:hiddenFill>
+            </a:ext>
+          </a:extLst>
+        </p:spPr>
+      </p:pic>
+    </p:spTree>
+    <p:extLst>
+      <p:ext uri="{BB962C8B-B14F-4D97-AF65-F5344CB8AC3E}">
+        <p14:creationId xmlns:p14="http://schemas.microsoft.com/office/powerpoint/2010/main" val="1312023503"/>
       </p:ext>
     </p:extLst>
   </p:cSld>
@@ -10472,6 +13002,9 @@
                     <p:cTn id="3" fill="hold">
                       <p:stCondLst>
                         <p:cond delay="indefinite"/>
+                        <p:cond evt="onBegin" delay="0">
+                          <p:tn val="2"/>
+                        </p:cond>
                       </p:stCondLst>
                       <p:childTnLst>
                         <p:par>
@@ -10481,7 +13014,7 @@
                             </p:stCondLst>
                             <p:childTnLst>
                               <p:par>
-                                <p:cTn id="5" presetID="10" presetClass="entr" presetSubtype="0" fill="hold" grpId="0" nodeType="clickEffect">
+                                <p:cTn id="5" presetID="10" presetClass="entr" presetSubtype="0" fill="hold" grpId="0" nodeType="afterEffect">
                                   <p:stCondLst>
                                     <p:cond delay="0"/>
                                   </p:stCondLst>
@@ -10494,7 +13027,7 @@
                                           </p:stCondLst>
                                         </p:cTn>
                                         <p:tgtEl>
-                                          <p:spTgt spid="6"/>
+                                          <p:spTgt spid="4"/>
                                         </p:tgtEl>
                                         <p:attrNameLst>
                                           <p:attrName>style.visibility</p:attrName>
@@ -10508,28 +13041,37 @@
                                       <p:cBhvr>
                                         <p:cTn id="7" dur="500"/>
                                         <p:tgtEl>
-                                          <p:spTgt spid="6"/>
+                                          <p:spTgt spid="4"/>
                                         </p:tgtEl>
                                       </p:cBhvr>
                                     </p:animEffect>
                                   </p:childTnLst>
                                 </p:cTn>
                               </p:par>
+                            </p:childTnLst>
+                          </p:cTn>
+                        </p:par>
+                        <p:par>
+                          <p:cTn id="8" fill="hold">
+                            <p:stCondLst>
+                              <p:cond delay="500"/>
+                            </p:stCondLst>
+                            <p:childTnLst>
                               <p:par>
-                                <p:cTn id="8" presetID="10" presetClass="entr" presetSubtype="0" fill="hold" grpId="0" nodeType="withEffect">
+                                <p:cTn id="9" presetID="10" presetClass="entr" presetSubtype="0" fill="hold" nodeType="afterEffect">
                                   <p:stCondLst>
                                     <p:cond delay="0"/>
                                   </p:stCondLst>
                                   <p:childTnLst>
                                     <p:set>
                                       <p:cBhvr>
-                                        <p:cTn id="9" dur="1" fill="hold">
+                                        <p:cTn id="10" dur="1" fill="hold">
                                           <p:stCondLst>
                                             <p:cond delay="0"/>
                                           </p:stCondLst>
                                         </p:cTn>
                                         <p:tgtEl>
-                                          <p:spTgt spid="5"/>
+                                          <p:spTgt spid="1027"/>
                                         </p:tgtEl>
                                         <p:attrNameLst>
                                           <p:attrName>style.visibility</p:attrName>
@@ -10541,30 +13083,39 @@
                                     </p:set>
                                     <p:animEffect transition="in" filter="fade">
                                       <p:cBhvr>
-                                        <p:cTn id="10" dur="500"/>
+                                        <p:cTn id="11" dur="500"/>
                                         <p:tgtEl>
-                                          <p:spTgt spid="5"/>
+                                          <p:spTgt spid="1027"/>
                                         </p:tgtEl>
                                       </p:cBhvr>
                                     </p:animEffect>
                                   </p:childTnLst>
                                 </p:cTn>
                               </p:par>
+                            </p:childTnLst>
+                          </p:cTn>
+                        </p:par>
+                        <p:par>
+                          <p:cTn id="12" fill="hold">
+                            <p:stCondLst>
+                              <p:cond delay="1000"/>
+                            </p:stCondLst>
+                            <p:childTnLst>
                               <p:par>
-                                <p:cTn id="11" presetID="10" presetClass="entr" presetSubtype="0" fill="hold" grpId="0" nodeType="withEffect">
+                                <p:cTn id="13" presetID="10" presetClass="entr" presetSubtype="0" fill="hold" nodeType="afterEffect">
                                   <p:stCondLst>
                                     <p:cond delay="0"/>
                                   </p:stCondLst>
                                   <p:childTnLst>
                                     <p:set>
                                       <p:cBhvr>
-                                        <p:cTn id="12" dur="1" fill="hold">
+                                        <p:cTn id="14" dur="1" fill="hold">
                                           <p:stCondLst>
                                             <p:cond delay="0"/>
                                           </p:stCondLst>
                                         </p:cTn>
                                         <p:tgtEl>
-                                          <p:spTgt spid="8"/>
+                                          <p:spTgt spid="1026"/>
                                         </p:tgtEl>
                                         <p:attrNameLst>
                                           <p:attrName>style.visibility</p:attrName>
@@ -10576,9 +13127,97 @@
                                     </p:set>
                                     <p:animEffect transition="in" filter="fade">
                                       <p:cBhvr>
-                                        <p:cTn id="13" dur="500"/>
+                                        <p:cTn id="15" dur="500"/>
                                         <p:tgtEl>
-                                          <p:spTgt spid="8"/>
+                                          <p:spTgt spid="1026"/>
+                                        </p:tgtEl>
+                                      </p:cBhvr>
+                                    </p:animEffect>
+                                  </p:childTnLst>
+                                </p:cTn>
+                              </p:par>
+                            </p:childTnLst>
+                          </p:cTn>
+                        </p:par>
+                        <p:par>
+                          <p:cTn id="16" fill="hold">
+                            <p:stCondLst>
+                              <p:cond delay="1500"/>
+                            </p:stCondLst>
+                            <p:childTnLst>
+                              <p:par>
+                                <p:cTn id="17" presetID="10" presetClass="entr" presetSubtype="0" fill="hold" nodeType="afterEffect">
+                                  <p:stCondLst>
+                                    <p:cond delay="0"/>
+                                  </p:stCondLst>
+                                  <p:childTnLst>
+                                    <p:set>
+                                      <p:cBhvr>
+                                        <p:cTn id="18" dur="1" fill="hold">
+                                          <p:stCondLst>
+                                            <p:cond delay="0"/>
+                                          </p:stCondLst>
+                                        </p:cTn>
+                                        <p:tgtEl>
+                                          <p:spTgt spid="1030"/>
+                                        </p:tgtEl>
+                                        <p:attrNameLst>
+                                          <p:attrName>style.visibility</p:attrName>
+                                        </p:attrNameLst>
+                                      </p:cBhvr>
+                                      <p:to>
+                                        <p:strVal val="visible"/>
+                                      </p:to>
+                                    </p:set>
+                                    <p:animEffect transition="in" filter="fade">
+                                      <p:cBhvr>
+                                        <p:cTn id="19" dur="500"/>
+                                        <p:tgtEl>
+                                          <p:spTgt spid="1030"/>
+                                        </p:tgtEl>
+                                      </p:cBhvr>
+                                    </p:animEffect>
+                                  </p:childTnLst>
+                                </p:cTn>
+                              </p:par>
+                            </p:childTnLst>
+                          </p:cTn>
+                        </p:par>
+                        <p:par>
+                          <p:cTn id="20" fill="hold">
+                            <p:stCondLst>
+                              <p:cond delay="2000"/>
+                            </p:stCondLst>
+                            <p:childTnLst>
+                              <p:par>
+                                <p:cTn id="21" presetID="10" presetClass="entr" presetSubtype="0" fill="hold" nodeType="afterEffect">
+                                  <p:stCondLst>
+                                    <p:cond delay="0"/>
+                                  </p:stCondLst>
+                                  <p:childTnLst>
+                                    <p:set>
+                                      <p:cBhvr>
+                                        <p:cTn id="22" dur="1" fill="hold">
+                                          <p:stCondLst>
+                                            <p:cond delay="0"/>
+                                          </p:stCondLst>
+                                        </p:cTn>
+                                        <p:tgtEl>
+                                          <p:spTgt spid="1029"/>
+                                        </p:tgtEl>
+                                        <p:attrNameLst>
+                                          <p:attrName>style.visibility</p:attrName>
+                                        </p:attrNameLst>
+                                      </p:cBhvr>
+                                      <p:to>
+                                        <p:strVal val="visible"/>
+                                      </p:to>
+                                    </p:set>
+                                    <p:animEffect transition="in" filter="fade">
+                                      <p:cBhvr>
+                                        <p:cTn id="23" dur="500"/>
+                                        <p:tgtEl>
+                                          <p:spTgt spid="1029"/>
                                         </p:tgtEl>
                                       </p:cBhvr>
                                     </p:animEffect>
@@ -10613,11 +13252,780 @@
       </p:par>
     </p:tnLst>
     <p:bldLst>
-      <p:bldP spid="5" grpId="0" animBg="1"/>
-      <p:bldP spid="6" grpId="0" animBg="1"/>
-      <p:bldP spid="8" grpId="0" animBg="1"/>
+      <p:bldP spid="4" grpId="0"/>
     </p:bldLst>
   </p:timing>
+</p:sld>
+</file>
+
+<file path=ppt/slides/slide9.xml><?xml version="1.0" encoding="utf-8"?>
+<p:sld xmlns:a="http://schemas.openxmlformats.org/drawingml/2006/main" xmlns:r="http://schemas.openxmlformats.org/officeDocument/2006/relationships" xmlns:p="http://schemas.openxmlformats.org/presentationml/2006/main">
+  <p:cSld>
+    <p:spTree>
+      <p:nvGrpSpPr>
+        <p:cNvPr id="1" name=""/>
+        <p:cNvGrpSpPr/>
+        <p:nvPr/>
+      </p:nvGrpSpPr>
+      <p:grpSpPr>
+        <a:xfrm>
+          <a:off x="0" y="0"/>
+          <a:ext cx="0" cy="0"/>
+          <a:chOff x="0" y="0"/>
+          <a:chExt cx="0" cy="0"/>
+        </a:xfrm>
+      </p:grpSpPr>
+      <p:sp>
+        <p:nvSpPr>
+          <p:cNvPr id="2" name="Title 1"/>
+          <p:cNvSpPr>
+            <a:spLocks noGrp="1"/>
+          </p:cNvSpPr>
+          <p:nvPr>
+            <p:ph type="title"/>
+          </p:nvPr>
+        </p:nvSpPr>
+        <p:spPr/>
+        <p:txBody>
+          <a:bodyPr/>
+          <a:lstStyle/>
+          <a:p>
+            <a:r>
+              <a:rPr lang="th-TH" dirty="0"/>
+              <a:t>แตกต่างจากโปรแกรมอื่นๆอย่างไร</a:t>
+            </a:r>
+            <a:endParaRPr lang="en-US" dirty="0"/>
+          </a:p>
+        </p:txBody>
+      </p:sp>
+      <p:graphicFrame>
+        <p:nvGraphicFramePr>
+          <p:cNvPr id="6" name="Content Placeholder 5"/>
+          <p:cNvGraphicFramePr>
+            <a:graphicFrameLocks noGrp="1"/>
+          </p:cNvGraphicFramePr>
+          <p:nvPr>
+            <p:ph idx="1"/>
+            <p:extLst>
+              <p:ext uri="{D42A27DB-BD31-4B8C-83A1-F6EECF244321}">
+                <p14:modId xmlns:p14="http://schemas.microsoft.com/office/powerpoint/2010/main" val="1635963238"/>
+              </p:ext>
+            </p:extLst>
+          </p:nvPr>
+        </p:nvGraphicFramePr>
+        <p:xfrm>
+          <a:off x="457200" y="1600200"/>
+          <a:ext cx="8229600" cy="4724400"/>
+        </p:xfrm>
+        <a:graphic>
+          <a:graphicData uri="http://schemas.openxmlformats.org/drawingml/2006/table">
+            <a:tbl>
+              <a:tblPr firstRow="1" bandRow="1">
+                <a:tableStyleId>{5C22544A-7EE6-4342-B048-85BDC9FD1C3A}</a:tableStyleId>
+              </a:tblPr>
+              <a:tblGrid>
+                <a:gridCol w="3733800"/>
+                <a:gridCol w="2247900"/>
+                <a:gridCol w="2247900"/>
+              </a:tblGrid>
+              <a:tr h="944880">
+                <a:tc>
+                  <a:txBody>
+                    <a:bodyPr/>
+                    <a:lstStyle/>
+                    <a:p>
+                      <a:pPr algn="ctr"/>
+                      <a:endParaRPr lang="en-US" sz="2400" dirty="0">
+                        <a:latin typeface="Angsana New" pitchFamily="18" charset="-34"/>
+                        <a:cs typeface="Angsana New" pitchFamily="18" charset="-34"/>
+                      </a:endParaRPr>
+                    </a:p>
+                  </a:txBody>
+                  <a:tcPr anchor="ctr"/>
+                </a:tc>
+                <a:tc>
+                  <a:txBody>
+                    <a:bodyPr/>
+                    <a:lstStyle/>
+                    <a:p>
+                      <a:pPr algn="ctr"/>
+                      <a:r>
+                        <a:rPr lang="th-TH" sz="2400" dirty="0" smtClean="0">
+                          <a:latin typeface="Angsana New" pitchFamily="18" charset="-34"/>
+                          <a:cs typeface="Angsana New" pitchFamily="18" charset="-34"/>
+                        </a:rPr>
+                        <a:t>โครงงาน</a:t>
+                      </a:r>
+                      <a:endParaRPr lang="en-US" sz="2400" dirty="0">
+                        <a:latin typeface="Angsana New" pitchFamily="18" charset="-34"/>
+                        <a:cs typeface="Angsana New" pitchFamily="18" charset="-34"/>
+                      </a:endParaRPr>
+                    </a:p>
+                  </a:txBody>
+                  <a:tcPr anchor="ctr"/>
+                </a:tc>
+                <a:tc>
+                  <a:txBody>
+                    <a:bodyPr/>
+                    <a:lstStyle/>
+                    <a:p>
+                      <a:pPr algn="ctr"/>
+                      <a:r>
+                        <a:rPr lang="th-TH" sz="2400" dirty="0" smtClean="0">
+                          <a:latin typeface="Angsana New" pitchFamily="18" charset="-34"/>
+                          <a:cs typeface="Angsana New" pitchFamily="18" charset="-34"/>
+                        </a:rPr>
+                        <a:t>โปรแกรมอื่นๆ</a:t>
+                      </a:r>
+                      <a:endParaRPr lang="en-US" sz="2400" dirty="0">
+                        <a:latin typeface="Angsana New" pitchFamily="18" charset="-34"/>
+                        <a:cs typeface="Angsana New" pitchFamily="18" charset="-34"/>
+                      </a:endParaRPr>
+                    </a:p>
+                  </a:txBody>
+                  <a:tcPr anchor="ctr"/>
+                </a:tc>
+              </a:tr>
+              <a:tr h="944880">
+                <a:tc>
+                  <a:txBody>
+                    <a:bodyPr/>
+                    <a:lstStyle/>
+                    <a:p>
+                      <a:pPr algn="ctr"/>
+                      <a:r>
+                        <a:rPr lang="th-TH" sz="2400" dirty="0" smtClean="0">
+                          <a:latin typeface="Angsana New" pitchFamily="18" charset="-34"/>
+                          <a:cs typeface="Angsana New" pitchFamily="18" charset="-34"/>
+                        </a:rPr>
+                        <a:t>บันทึกพิกัด</a:t>
+                      </a:r>
+                      <a:endParaRPr lang="en-US" sz="2400" dirty="0">
+                        <a:latin typeface="Angsana New" pitchFamily="18" charset="-34"/>
+                        <a:cs typeface="Angsana New" pitchFamily="18" charset="-34"/>
+                      </a:endParaRPr>
+                    </a:p>
+                  </a:txBody>
+                  <a:tcPr anchor="ctr"/>
+                </a:tc>
+                <a:tc>
+                  <a:txBody>
+                    <a:bodyPr/>
+                    <a:lstStyle/>
+                    <a:p>
+                      <a:pPr algn="ctr"/>
+                      <a:endParaRPr lang="en-US" sz="2400" dirty="0">
+                        <a:latin typeface="Angsana New" pitchFamily="18" charset="-34"/>
+                        <a:cs typeface="Angsana New" pitchFamily="18" charset="-34"/>
+                      </a:endParaRPr>
+                    </a:p>
+                  </a:txBody>
+                  <a:tcPr anchor="ctr"/>
+                </a:tc>
+                <a:tc>
+                  <a:txBody>
+                    <a:bodyPr/>
+                    <a:lstStyle/>
+                    <a:p>
+                      <a:pPr algn="ctr"/>
+                      <a:r>
+                        <a:rPr lang="th-TH" sz="2400" dirty="0" smtClean="0">
+                          <a:latin typeface="Angsana New" pitchFamily="18" charset="-34"/>
+                          <a:cs typeface="Angsana New" pitchFamily="18" charset="-34"/>
+                        </a:rPr>
+                        <a:t>อาจมีบางโปรแกรม</a:t>
+                      </a:r>
+                      <a:endParaRPr lang="en-US" sz="2400" dirty="0">
+                        <a:latin typeface="Angsana New" pitchFamily="18" charset="-34"/>
+                        <a:cs typeface="Angsana New" pitchFamily="18" charset="-34"/>
+                      </a:endParaRPr>
+                    </a:p>
+                  </a:txBody>
+                  <a:tcPr anchor="ctr"/>
+                </a:tc>
+              </a:tr>
+              <a:tr h="944880">
+                <a:tc>
+                  <a:txBody>
+                    <a:bodyPr/>
+                    <a:lstStyle/>
+                    <a:p>
+                      <a:pPr algn="ctr"/>
+                      <a:r>
+                        <a:rPr lang="th-TH" sz="2400" dirty="0" smtClean="0">
+                          <a:latin typeface="Angsana New" pitchFamily="18" charset="-34"/>
+                          <a:cs typeface="Angsana New" pitchFamily="18" charset="-34"/>
+                        </a:rPr>
+                        <a:t>ติดป้ายชื่อให้กับพัดกัดนั้น</a:t>
+                      </a:r>
+                      <a:endParaRPr lang="en-US" sz="2400" dirty="0">
+                        <a:latin typeface="Angsana New" pitchFamily="18" charset="-34"/>
+                        <a:cs typeface="Angsana New" pitchFamily="18" charset="-34"/>
+                      </a:endParaRPr>
+                    </a:p>
+                  </a:txBody>
+                  <a:tcPr anchor="ctr"/>
+                </a:tc>
+                <a:tc>
+                  <a:txBody>
+                    <a:bodyPr/>
+                    <a:lstStyle/>
+                    <a:p>
+                      <a:pPr algn="ctr"/>
+                      <a:endParaRPr lang="en-US" sz="2400" dirty="0">
+                        <a:latin typeface="Angsana New" pitchFamily="18" charset="-34"/>
+                        <a:cs typeface="Angsana New" pitchFamily="18" charset="-34"/>
+                      </a:endParaRPr>
+                    </a:p>
+                  </a:txBody>
+                  <a:tcPr anchor="ctr"/>
+                </a:tc>
+                <a:tc>
+                  <a:txBody>
+                    <a:bodyPr/>
+                    <a:lstStyle/>
+                    <a:p>
+                      <a:pPr algn="ctr"/>
+                      <a:endParaRPr lang="en-US" sz="2400">
+                        <a:latin typeface="Angsana New" pitchFamily="18" charset="-34"/>
+                        <a:cs typeface="Angsana New" pitchFamily="18" charset="-34"/>
+                      </a:endParaRPr>
+                    </a:p>
+                  </a:txBody>
+                  <a:tcPr anchor="ctr"/>
+                </a:tc>
+              </a:tr>
+              <a:tr h="944880">
+                <a:tc>
+                  <a:txBody>
+                    <a:bodyPr/>
+                    <a:lstStyle/>
+                    <a:p>
+                      <a:pPr algn="ctr"/>
+                      <a:r>
+                        <a:rPr lang="th-TH" sz="2400" dirty="0" smtClean="0">
+                          <a:latin typeface="Angsana New" pitchFamily="18" charset="-34"/>
+                          <a:cs typeface="Angsana New" pitchFamily="18" charset="-34"/>
+                        </a:rPr>
+                        <a:t>บันทึกพิกัดแบบ </a:t>
+                      </a:r>
+                      <a:r>
+                        <a:rPr lang="en-US" sz="2400" dirty="0" smtClean="0">
+                          <a:latin typeface="Angsana New" pitchFamily="18" charset="-34"/>
+                          <a:cs typeface="Angsana New" pitchFamily="18" charset="-34"/>
+                        </a:rPr>
+                        <a:t>offline</a:t>
+                      </a:r>
+                      <a:endParaRPr lang="en-US" sz="2400" dirty="0">
+                        <a:latin typeface="Angsana New" pitchFamily="18" charset="-34"/>
+                        <a:cs typeface="Angsana New" pitchFamily="18" charset="-34"/>
+                      </a:endParaRPr>
+                    </a:p>
+                  </a:txBody>
+                  <a:tcPr anchor="ctr"/>
+                </a:tc>
+                <a:tc>
+                  <a:txBody>
+                    <a:bodyPr/>
+                    <a:lstStyle/>
+                    <a:p>
+                      <a:pPr algn="ctr"/>
+                      <a:endParaRPr lang="en-US" sz="2400" dirty="0">
+                        <a:latin typeface="Angsana New" pitchFamily="18" charset="-34"/>
+                        <a:cs typeface="Angsana New" pitchFamily="18" charset="-34"/>
+                      </a:endParaRPr>
+                    </a:p>
+                  </a:txBody>
+                  <a:tcPr anchor="ctr"/>
+                </a:tc>
+                <a:tc>
+                  <a:txBody>
+                    <a:bodyPr/>
+                    <a:lstStyle/>
+                    <a:p>
+                      <a:pPr algn="ctr"/>
+                      <a:endParaRPr lang="en-US" sz="2400">
+                        <a:latin typeface="Angsana New" pitchFamily="18" charset="-34"/>
+                        <a:cs typeface="Angsana New" pitchFamily="18" charset="-34"/>
+                      </a:endParaRPr>
+                    </a:p>
+                  </a:txBody>
+                  <a:tcPr anchor="ctr"/>
+                </a:tc>
+              </a:tr>
+              <a:tr h="944880">
+                <a:tc>
+                  <a:txBody>
+                    <a:bodyPr/>
+                    <a:lstStyle/>
+                    <a:p>
+                      <a:pPr algn="ctr"/>
+                      <a:r>
+                        <a:rPr lang="th-TH" sz="2400" dirty="0" smtClean="0">
+                          <a:latin typeface="Angsana New" pitchFamily="18" charset="-34"/>
+                          <a:cs typeface="Angsana New" pitchFamily="18" charset="-34"/>
+                        </a:rPr>
+                        <a:t>ดูรวมรวมของการเดินทาง</a:t>
+                      </a:r>
+                      <a:endParaRPr lang="en-US" sz="2400" dirty="0">
+                        <a:latin typeface="Angsana New" pitchFamily="18" charset="-34"/>
+                        <a:cs typeface="Angsana New" pitchFamily="18" charset="-34"/>
+                      </a:endParaRPr>
+                    </a:p>
+                  </a:txBody>
+                  <a:tcPr anchor="ctr"/>
+                </a:tc>
+                <a:tc>
+                  <a:txBody>
+                    <a:bodyPr/>
+                    <a:lstStyle/>
+                    <a:p>
+                      <a:pPr algn="ctr"/>
+                      <a:endParaRPr lang="en-US" sz="2400" dirty="0">
+                        <a:latin typeface="Angsana New" pitchFamily="18" charset="-34"/>
+                        <a:cs typeface="Angsana New" pitchFamily="18" charset="-34"/>
+                      </a:endParaRPr>
+                    </a:p>
+                  </a:txBody>
+                  <a:tcPr anchor="ctr"/>
+                </a:tc>
+                <a:tc>
+                  <a:txBody>
+                    <a:bodyPr/>
+                    <a:lstStyle/>
+                    <a:p>
+                      <a:pPr algn="ctr"/>
+                      <a:endParaRPr lang="en-US" sz="2400" dirty="0">
+                        <a:latin typeface="Angsana New" pitchFamily="18" charset="-34"/>
+                        <a:cs typeface="Angsana New" pitchFamily="18" charset="-34"/>
+                      </a:endParaRPr>
+                    </a:p>
+                  </a:txBody>
+                  <a:tcPr anchor="ctr"/>
+                </a:tc>
+              </a:tr>
+            </a:tbl>
+          </a:graphicData>
+        </a:graphic>
+      </p:graphicFrame>
+      <p:sp>
+        <p:nvSpPr>
+          <p:cNvPr id="7" name="Oval 6"/>
+          <p:cNvSpPr/>
+          <p:nvPr/>
+        </p:nvSpPr>
+        <p:spPr>
+          <a:xfrm>
+            <a:off x="5181600" y="2895600"/>
+            <a:ext cx="304800" cy="304800"/>
+          </a:xfrm>
+          <a:prstGeom prst="ellipse">
+            <a:avLst/>
+          </a:prstGeom>
+          <a:gradFill>
+            <a:gsLst>
+              <a:gs pos="0">
+                <a:srgbClr val="66FF66"/>
+              </a:gs>
+              <a:gs pos="100000">
+                <a:srgbClr val="84FF84"/>
+              </a:gs>
+              <a:gs pos="100000">
+                <a:srgbClr val="D0FFD0"/>
+              </a:gs>
+              <a:gs pos="100000">
+                <a:schemeClr val="bg1"/>
+              </a:gs>
+              <a:gs pos="100000">
+                <a:schemeClr val="bg1"/>
+              </a:gs>
+            </a:gsLst>
+          </a:gradFill>
+        </p:spPr>
+        <p:style>
+          <a:lnRef idx="0">
+            <a:schemeClr val="accent3"/>
+          </a:lnRef>
+          <a:fillRef idx="3">
+            <a:schemeClr val="accent3"/>
+          </a:fillRef>
+          <a:effectRef idx="3">
+            <a:schemeClr val="accent3"/>
+          </a:effectRef>
+          <a:fontRef idx="minor">
+            <a:schemeClr val="lt1"/>
+          </a:fontRef>
+        </p:style>
+        <p:txBody>
+          <a:bodyPr rtlCol="0" anchor="ctr"/>
+          <a:lstStyle/>
+          <a:p>
+            <a:pPr algn="ctr"/>
+            <a:endParaRPr lang="en-US"/>
+          </a:p>
+        </p:txBody>
+      </p:sp>
+      <p:sp>
+        <p:nvSpPr>
+          <p:cNvPr id="9" name="Oval 8"/>
+          <p:cNvSpPr/>
+          <p:nvPr/>
+        </p:nvSpPr>
+        <p:spPr>
+          <a:xfrm>
+            <a:off x="5181600" y="4724400"/>
+            <a:ext cx="304800" cy="304800"/>
+          </a:xfrm>
+          <a:prstGeom prst="ellipse">
+            <a:avLst/>
+          </a:prstGeom>
+          <a:gradFill>
+            <a:gsLst>
+              <a:gs pos="0">
+                <a:srgbClr val="66FF66"/>
+              </a:gs>
+              <a:gs pos="100000">
+                <a:srgbClr val="84FF84"/>
+              </a:gs>
+              <a:gs pos="100000">
+                <a:srgbClr val="D0FFD0"/>
+              </a:gs>
+              <a:gs pos="100000">
+                <a:schemeClr val="bg1"/>
+              </a:gs>
+              <a:gs pos="100000">
+                <a:schemeClr val="bg1"/>
+              </a:gs>
+            </a:gsLst>
+          </a:gradFill>
+        </p:spPr>
+        <p:style>
+          <a:lnRef idx="0">
+            <a:schemeClr val="accent3"/>
+          </a:lnRef>
+          <a:fillRef idx="3">
+            <a:schemeClr val="accent3"/>
+          </a:fillRef>
+          <a:effectRef idx="3">
+            <a:schemeClr val="accent3"/>
+          </a:effectRef>
+          <a:fontRef idx="minor">
+            <a:schemeClr val="lt1"/>
+          </a:fontRef>
+        </p:style>
+        <p:txBody>
+          <a:bodyPr rtlCol="0" anchor="ctr"/>
+          <a:lstStyle/>
+          <a:p>
+            <a:pPr algn="ctr"/>
+            <a:endParaRPr lang="en-US"/>
+          </a:p>
+        </p:txBody>
+      </p:sp>
+      <p:sp>
+        <p:nvSpPr>
+          <p:cNvPr id="10" name="Oval 9"/>
+          <p:cNvSpPr/>
+          <p:nvPr/>
+        </p:nvSpPr>
+        <p:spPr>
+          <a:xfrm>
+            <a:off x="5181600" y="3804062"/>
+            <a:ext cx="304800" cy="304800"/>
+          </a:xfrm>
+          <a:prstGeom prst="ellipse">
+            <a:avLst/>
+          </a:prstGeom>
+          <a:gradFill>
+            <a:gsLst>
+              <a:gs pos="0">
+                <a:srgbClr val="66FF66"/>
+              </a:gs>
+              <a:gs pos="100000">
+                <a:srgbClr val="84FF84"/>
+              </a:gs>
+              <a:gs pos="100000">
+                <a:srgbClr val="D0FFD0"/>
+              </a:gs>
+              <a:gs pos="100000">
+                <a:schemeClr val="bg1"/>
+              </a:gs>
+              <a:gs pos="100000">
+                <a:schemeClr val="bg1"/>
+              </a:gs>
+            </a:gsLst>
+          </a:gradFill>
+        </p:spPr>
+        <p:style>
+          <a:lnRef idx="0">
+            <a:schemeClr val="accent3"/>
+          </a:lnRef>
+          <a:fillRef idx="3">
+            <a:schemeClr val="accent3"/>
+          </a:fillRef>
+          <a:effectRef idx="3">
+            <a:schemeClr val="accent3"/>
+          </a:effectRef>
+          <a:fontRef idx="minor">
+            <a:schemeClr val="lt1"/>
+          </a:fontRef>
+        </p:style>
+        <p:txBody>
+          <a:bodyPr rtlCol="0" anchor="ctr"/>
+          <a:lstStyle/>
+          <a:p>
+            <a:pPr algn="ctr"/>
+            <a:endParaRPr lang="en-US"/>
+          </a:p>
+        </p:txBody>
+      </p:sp>
+      <p:sp>
+        <p:nvSpPr>
+          <p:cNvPr id="11" name="Oval 10"/>
+          <p:cNvSpPr/>
+          <p:nvPr/>
+        </p:nvSpPr>
+        <p:spPr>
+          <a:xfrm>
+            <a:off x="5181600" y="5715000"/>
+            <a:ext cx="304800" cy="304800"/>
+          </a:xfrm>
+          <a:prstGeom prst="ellipse">
+            <a:avLst/>
+          </a:prstGeom>
+          <a:gradFill>
+            <a:gsLst>
+              <a:gs pos="0">
+                <a:srgbClr val="66FF66"/>
+              </a:gs>
+              <a:gs pos="100000">
+                <a:srgbClr val="84FF84"/>
+              </a:gs>
+              <a:gs pos="100000">
+                <a:srgbClr val="D0FFD0"/>
+              </a:gs>
+              <a:gs pos="100000">
+                <a:schemeClr val="bg1"/>
+              </a:gs>
+              <a:gs pos="100000">
+                <a:schemeClr val="bg1"/>
+              </a:gs>
+            </a:gsLst>
+          </a:gradFill>
+        </p:spPr>
+        <p:style>
+          <a:lnRef idx="0">
+            <a:schemeClr val="accent3"/>
+          </a:lnRef>
+          <a:fillRef idx="3">
+            <a:schemeClr val="accent3"/>
+          </a:fillRef>
+          <a:effectRef idx="3">
+            <a:schemeClr val="accent3"/>
+          </a:effectRef>
+          <a:fontRef idx="minor">
+            <a:schemeClr val="lt1"/>
+          </a:fontRef>
+        </p:style>
+        <p:txBody>
+          <a:bodyPr rtlCol="0" anchor="ctr"/>
+          <a:lstStyle/>
+          <a:p>
+            <a:pPr algn="ctr"/>
+            <a:endParaRPr lang="en-US"/>
+          </a:p>
+        </p:txBody>
+      </p:sp>
+      <p:sp>
+        <p:nvSpPr>
+          <p:cNvPr id="12" name="Oval 11"/>
+          <p:cNvSpPr/>
+          <p:nvPr/>
+        </p:nvSpPr>
+        <p:spPr>
+          <a:xfrm>
+            <a:off x="7391400" y="3804062"/>
+            <a:ext cx="304800" cy="304800"/>
+          </a:xfrm>
+          <a:prstGeom prst="ellipse">
+            <a:avLst/>
+          </a:prstGeom>
+          <a:gradFill>
+            <a:gsLst>
+              <a:gs pos="0">
+                <a:srgbClr val="FF0000"/>
+              </a:gs>
+              <a:gs pos="100000">
+                <a:srgbClr val="FF9696"/>
+              </a:gs>
+              <a:gs pos="100000">
+                <a:schemeClr val="bg1"/>
+              </a:gs>
+              <a:gs pos="100000">
+                <a:srgbClr val="D0FFD0"/>
+              </a:gs>
+              <a:gs pos="100000">
+                <a:schemeClr val="bg1"/>
+              </a:gs>
+              <a:gs pos="100000">
+                <a:schemeClr val="bg1"/>
+              </a:gs>
+            </a:gsLst>
+          </a:gradFill>
+        </p:spPr>
+        <p:style>
+          <a:lnRef idx="0">
+            <a:schemeClr val="accent3"/>
+          </a:lnRef>
+          <a:fillRef idx="3">
+            <a:schemeClr val="accent3"/>
+          </a:fillRef>
+          <a:effectRef idx="3">
+            <a:schemeClr val="accent3"/>
+          </a:effectRef>
+          <a:fontRef idx="minor">
+            <a:schemeClr val="lt1"/>
+          </a:fontRef>
+        </p:style>
+        <p:txBody>
+          <a:bodyPr rtlCol="0" anchor="ctr"/>
+          <a:lstStyle/>
+          <a:p>
+            <a:pPr algn="ctr"/>
+            <a:endParaRPr lang="en-US"/>
+          </a:p>
+        </p:txBody>
+      </p:sp>
+      <p:sp>
+        <p:nvSpPr>
+          <p:cNvPr id="13" name="Oval 12"/>
+          <p:cNvSpPr/>
+          <p:nvPr/>
+        </p:nvSpPr>
+        <p:spPr>
+          <a:xfrm>
+            <a:off x="7391400" y="5715000"/>
+            <a:ext cx="304800" cy="304800"/>
+          </a:xfrm>
+          <a:prstGeom prst="ellipse">
+            <a:avLst/>
+          </a:prstGeom>
+          <a:gradFill>
+            <a:gsLst>
+              <a:gs pos="0">
+                <a:srgbClr val="FF0000"/>
+              </a:gs>
+              <a:gs pos="100000">
+                <a:srgbClr val="FF9696"/>
+              </a:gs>
+              <a:gs pos="100000">
+                <a:schemeClr val="bg1"/>
+              </a:gs>
+              <a:gs pos="100000">
+                <a:srgbClr val="D0FFD0"/>
+              </a:gs>
+              <a:gs pos="100000">
+                <a:schemeClr val="bg1"/>
+              </a:gs>
+              <a:gs pos="100000">
+                <a:schemeClr val="bg1"/>
+              </a:gs>
+            </a:gsLst>
+          </a:gradFill>
+        </p:spPr>
+        <p:style>
+          <a:lnRef idx="0">
+            <a:schemeClr val="accent3"/>
+          </a:lnRef>
+          <a:fillRef idx="3">
+            <a:schemeClr val="accent3"/>
+          </a:fillRef>
+          <a:effectRef idx="3">
+            <a:schemeClr val="accent3"/>
+          </a:effectRef>
+          <a:fontRef idx="minor">
+            <a:schemeClr val="lt1"/>
+          </a:fontRef>
+        </p:style>
+        <p:txBody>
+          <a:bodyPr rtlCol="0" anchor="ctr"/>
+          <a:lstStyle/>
+          <a:p>
+            <a:pPr algn="ctr"/>
+            <a:endParaRPr lang="en-US"/>
+          </a:p>
+        </p:txBody>
+      </p:sp>
+      <p:sp>
+        <p:nvSpPr>
+          <p:cNvPr id="14" name="Oval 13"/>
+          <p:cNvSpPr/>
+          <p:nvPr/>
+        </p:nvSpPr>
+        <p:spPr>
+          <a:xfrm>
+            <a:off x="7391400" y="4724400"/>
+            <a:ext cx="304800" cy="304800"/>
+          </a:xfrm>
+          <a:prstGeom prst="ellipse">
+            <a:avLst/>
+          </a:prstGeom>
+          <a:gradFill>
+            <a:gsLst>
+              <a:gs pos="0">
+                <a:srgbClr val="FF0000"/>
+              </a:gs>
+              <a:gs pos="100000">
+                <a:srgbClr val="FF9696"/>
+              </a:gs>
+              <a:gs pos="100000">
+                <a:schemeClr val="bg1"/>
+              </a:gs>
+              <a:gs pos="100000">
+                <a:srgbClr val="D0FFD0"/>
+              </a:gs>
+              <a:gs pos="100000">
+                <a:schemeClr val="bg1"/>
+              </a:gs>
+              <a:gs pos="100000">
+                <a:schemeClr val="bg1"/>
+              </a:gs>
+            </a:gsLst>
+          </a:gradFill>
+        </p:spPr>
+        <p:style>
+          <a:lnRef idx="0">
+            <a:schemeClr val="accent3"/>
+          </a:lnRef>
+          <a:fillRef idx="3">
+            <a:schemeClr val="accent3"/>
+          </a:fillRef>
+          <a:effectRef idx="3">
+            <a:schemeClr val="accent3"/>
+          </a:effectRef>
+          <a:fontRef idx="minor">
+            <a:schemeClr val="lt1"/>
+          </a:fontRef>
+        </p:style>
+        <p:txBody>
+          <a:bodyPr rtlCol="0" anchor="ctr"/>
+          <a:lstStyle/>
+          <a:p>
+            <a:pPr algn="ctr"/>
+            <a:endParaRPr lang="en-US"/>
+          </a:p>
+        </p:txBody>
+      </p:sp>
+    </p:spTree>
+    <p:extLst>
+      <p:ext uri="{BB962C8B-B14F-4D97-AF65-F5344CB8AC3E}">
+        <p14:creationId xmlns:p14="http://schemas.microsoft.com/office/powerpoint/2010/main" val="222104164"/>
+      </p:ext>
+    </p:extLst>
+  </p:cSld>
+  <p:clrMapOvr>
+    <a:masterClrMapping/>
+  </p:clrMapOvr>
 </p:sld>
 </file>
 

--- a/Doc/ProjectPresentation1.pptx
+++ b/Doc/ProjectPresentation1.pptx
@@ -6734,11 +6734,11 @@
   <p:clrMapOvr>
     <a:masterClrMapping/>
   </p:clrMapOvr>
-  <mc:AlternateContent xmlns:mc="http://schemas.openxmlformats.org/markup-compatibility/2006">
-    <mc:Choice xmlns:p14="http://schemas.microsoft.com/office/powerpoint/2010/main" Requires="p14">
+  <mc:AlternateContent xmlns:mc="http://schemas.openxmlformats.org/markup-compatibility/2006" xmlns:p14="http://schemas.microsoft.com/office/powerpoint/2010/main">
+    <mc:Choice Requires="p14">
       <p:transition spd="slow" p14:dur="2000"/>
     </mc:Choice>
-    <mc:Fallback>
+    <mc:Fallback xmlns="">
       <p:transition spd="slow"/>
     </mc:Fallback>
   </mc:AlternateContent>
@@ -11211,8 +11211,17 @@
                 <a:latin typeface="Angsana New" pitchFamily="18" charset="-34"/>
                 <a:cs typeface="Angsana New" pitchFamily="18" charset="-34"/>
               </a:rPr>
-              <a:t>สร้าง</a:t>
+              <a:t>สร้างโปรแกรมประยุกต์</a:t>
             </a:r>
+            <a:r>
+              <a:rPr lang="th-TH" smtClean="0">
+                <a:latin typeface="Angsana New" pitchFamily="18" charset="-34"/>
+                <a:cs typeface="Angsana New" pitchFamily="18" charset="-34"/>
+              </a:rPr>
+              <a:t>ที่แตกต่างออกสู่ตลาดโลก</a:t>
+            </a:r>
+          </a:p>
+          <a:p>
             <a:endParaRPr lang="en-US" dirty="0">
               <a:latin typeface="Angsana New" pitchFamily="18" charset="-34"/>
               <a:cs typeface="Angsana New" pitchFamily="18" charset="-34"/>
@@ -11402,21 +11411,7 @@
                 <a:latin typeface="Angsana New" pitchFamily="18" charset="-34"/>
                 <a:cs typeface="Angsana New" pitchFamily="18" charset="-34"/>
               </a:rPr>
-              <a:t>เป็นกระแสที่มาแรงขึ้น</a:t>
-            </a:r>
-            <a:r>
-              <a:rPr lang="th-TH" dirty="0" smtClean="0">
-                <a:latin typeface="Angsana New" pitchFamily="18" charset="-34"/>
-                <a:cs typeface="Angsana New" pitchFamily="18" charset="-34"/>
-              </a:rPr>
-              <a:t>เรื่อยๆ </a:t>
-            </a:r>
-            <a:r>
-              <a:rPr lang="th-TH" dirty="0" smtClean="0">
-                <a:latin typeface="Angsana New" pitchFamily="18" charset="-34"/>
-                <a:cs typeface="Angsana New" pitchFamily="18" charset="-34"/>
-              </a:rPr>
-              <a:t>จึงเป็นที่น่าสนใจ</a:t>
+              <a:t>เป็นกระแสที่มาแรงขึ้นเรื่อยๆ จึงเป็นที่น่าสนใจ</a:t>
             </a:r>
           </a:p>
           <a:p>
@@ -11649,11 +11644,11 @@
   <p:clrMapOvr>
     <a:masterClrMapping/>
   </p:clrMapOvr>
-  <mc:AlternateContent xmlns:mc="http://schemas.openxmlformats.org/markup-compatibility/2006">
-    <mc:Choice xmlns:p14="http://schemas.microsoft.com/office/powerpoint/2010/main" Requires="p14">
+  <mc:AlternateContent xmlns:mc="http://schemas.openxmlformats.org/markup-compatibility/2006" xmlns:p14="http://schemas.microsoft.com/office/powerpoint/2010/main">
+    <mc:Choice Requires="p14">
       <p:transition spd="slow" p14:dur="2000"/>
     </mc:Choice>
-    <mc:Fallback>
+    <mc:Fallback xmlns="">
       <p:transition spd="slow"/>
     </mc:Fallback>
   </mc:AlternateContent>
@@ -11835,7 +11830,7 @@
             <p:ph idx="1"/>
             <p:extLst>
               <p:ext uri="{D42A27DB-BD31-4B8C-83A1-F6EECF244321}">
-                <p14:modId xmlns:p14="http://schemas.microsoft.com/office/powerpoint/2010/main" val="3740753175"/>
+                <p14:modId xmlns:p14="http://schemas.microsoft.com/office/powerpoint/2010/main" val="3948974983"/>
               </p:ext>
             </p:extLst>
           </p:nvPr>
@@ -12314,6 +12309,13 @@
                     <a:lstStyle/>
                     <a:p>
                       <a:pPr algn="ctr"/>
+                      <a:r>
+                        <a:rPr lang="th-TH" sz="2400" dirty="0" smtClean="0">
+                          <a:latin typeface="Angsana New" pitchFamily="18" charset="-34"/>
+                          <a:cs typeface="Angsana New" pitchFamily="18" charset="-34"/>
+                        </a:rPr>
+                        <a:t>ความแพร่หลาย</a:t>
+                      </a:r>
                       <a:endParaRPr lang="en-US" sz="2400" dirty="0">
                         <a:latin typeface="Angsana New" pitchFamily="18" charset="-34"/>
                         <a:cs typeface="Angsana New" pitchFamily="18" charset="-34"/>
@@ -12328,6 +12330,13 @@
                     <a:lstStyle/>
                     <a:p>
                       <a:pPr algn="ctr"/>
+                      <a:r>
+                        <a:rPr lang="th-TH" sz="2400" dirty="0" smtClean="0">
+                          <a:latin typeface="Angsana New" pitchFamily="18" charset="-34"/>
+                          <a:cs typeface="Angsana New" pitchFamily="18" charset="-34"/>
+                        </a:rPr>
+                        <a:t>มาก</a:t>
+                      </a:r>
                       <a:endParaRPr lang="en-US" sz="2400" dirty="0">
                         <a:latin typeface="Angsana New" pitchFamily="18" charset="-34"/>
                         <a:cs typeface="Angsana New" pitchFamily="18" charset="-34"/>
@@ -12342,6 +12351,13 @@
                     <a:lstStyle/>
                     <a:p>
                       <a:pPr algn="ctr"/>
+                      <a:r>
+                        <a:rPr lang="th-TH" sz="2400" dirty="0" smtClean="0">
+                          <a:latin typeface="Angsana New" pitchFamily="18" charset="-34"/>
+                          <a:cs typeface="Angsana New" pitchFamily="18" charset="-34"/>
+                        </a:rPr>
+                        <a:t>มาก</a:t>
+                      </a:r>
                       <a:endParaRPr lang="en-US" sz="2400" dirty="0">
                         <a:latin typeface="Angsana New" pitchFamily="18" charset="-34"/>
                         <a:cs typeface="Angsana New" pitchFamily="18" charset="-34"/>
@@ -12356,6 +12372,13 @@
                     <a:lstStyle/>
                     <a:p>
                       <a:pPr algn="ctr"/>
+                      <a:r>
+                        <a:rPr lang="th-TH" sz="2400" dirty="0" smtClean="0">
+                          <a:latin typeface="Angsana New" pitchFamily="18" charset="-34"/>
+                          <a:cs typeface="Angsana New" pitchFamily="18" charset="-34"/>
+                        </a:rPr>
+                        <a:t>น้อย</a:t>
+                      </a:r>
                       <a:endParaRPr lang="en-US" sz="2400" dirty="0">
                         <a:latin typeface="Angsana New" pitchFamily="18" charset="-34"/>
                         <a:cs typeface="Angsana New" pitchFamily="18" charset="-34"/>
@@ -12445,72 +12468,53 @@
           <a:lstStyle/>
           <a:p>
             <a:r>
-              <a:rPr lang="th-TH" dirty="0">
+              <a:rPr lang="th-TH" dirty="0" smtClean="0">
                 <a:latin typeface="Angsana New" pitchFamily="18" charset="-34"/>
                 <a:cs typeface="Angsana New" pitchFamily="18" charset="-34"/>
               </a:rPr>
-              <a:t>เพื่อการศึกษาการเขียนโปรแกรมใช้ในระบบปฏิบัติการแอนดรอยด์</a:t>
+              <a:t>เพื่อสร้างโปรแกรม</a:t>
             </a:r>
-            <a:endParaRPr lang="en-US" dirty="0">
-              <a:latin typeface="Angsana New" pitchFamily="18" charset="-34"/>
-              <a:cs typeface="Angsana New" pitchFamily="18" charset="-34"/>
-            </a:endParaRPr>
-          </a:p>
-          <a:p>
-            <a:r>
-              <a:rPr lang="th-TH" dirty="0">
-                <a:latin typeface="Angsana New" pitchFamily="18" charset="-34"/>
-                <a:cs typeface="Angsana New" pitchFamily="18" charset="-34"/>
-              </a:rPr>
-              <a:t>เพื่อศึกษาเกี่ยวกับการใช้  </a:t>
-            </a:r>
-            <a:r>
-              <a:rPr lang="en-US" dirty="0">
-                <a:latin typeface="Angsana New" pitchFamily="18" charset="-34"/>
-                <a:cs typeface="Angsana New" pitchFamily="18" charset="-34"/>
-              </a:rPr>
-              <a:t>Global Positioning </a:t>
-            </a:r>
-            <a:r>
-              <a:rPr lang="en-US" dirty="0" smtClean="0">
-                <a:latin typeface="Angsana New" pitchFamily="18" charset="-34"/>
-                <a:cs typeface="Angsana New" pitchFamily="18" charset="-34"/>
-              </a:rPr>
-              <a:t>System</a:t>
-            </a:r>
-            <a:endParaRPr lang="th-TH" dirty="0" smtClean="0">
-              <a:latin typeface="Angsana New" pitchFamily="18" charset="-34"/>
-              <a:cs typeface="Angsana New" pitchFamily="18" charset="-34"/>
-            </a:endParaRPr>
-          </a:p>
-          <a:p>
             <a:r>
               <a:rPr lang="th-TH" dirty="0" smtClean="0">
                 <a:latin typeface="Angsana New" pitchFamily="18" charset="-34"/>
                 <a:cs typeface="Angsana New" pitchFamily="18" charset="-34"/>
               </a:rPr>
-              <a:t>เพื่อ</a:t>
+              <a:t>ประยุกต์</a:t>
+            </a:r>
+            <a:r>
+              <a:rPr lang="th-TH" dirty="0" smtClean="0">
+                <a:latin typeface="Angsana New" pitchFamily="18" charset="-34"/>
+                <a:cs typeface="Angsana New" pitchFamily="18" charset="-34"/>
+              </a:rPr>
+              <a:t>ใช้</a:t>
             </a:r>
             <a:r>
               <a:rPr lang="th-TH" dirty="0">
                 <a:latin typeface="Angsana New" pitchFamily="18" charset="-34"/>
                 <a:cs typeface="Angsana New" pitchFamily="18" charset="-34"/>
               </a:rPr>
-              <a:t>ศึกษาการใช้ </a:t>
+              <a:t>ในระบบปฏิบัติการแอนดรอยด์</a:t>
             </a:r>
+            <a:endParaRPr lang="en-US" dirty="0">
+              <a:latin typeface="Angsana New" pitchFamily="18" charset="-34"/>
+              <a:cs typeface="Angsana New" pitchFamily="18" charset="-34"/>
+            </a:endParaRPr>
+          </a:p>
+          <a:p>
+            <a:endParaRPr lang="th-TH" dirty="0" smtClean="0"/>
+          </a:p>
+          <a:p>
             <a:r>
-              <a:rPr lang="en-US" dirty="0">
+              <a:rPr lang="th-TH" dirty="0" smtClean="0">
                 <a:latin typeface="Angsana New" pitchFamily="18" charset="-34"/>
                 <a:cs typeface="Angsana New" pitchFamily="18" charset="-34"/>
               </a:rPr>
-              <a:t>Google Map</a:t>
+              <a:t>เพื่อนำความรู้ที่เรียนมาใช้ให้เกิดประโยชน์สูงสุด</a:t>
             </a:r>
-          </a:p>
-          <a:p>
-            <a:endParaRPr lang="th-TH" dirty="0" smtClean="0"/>
-          </a:p>
-          <a:p>
-            <a:endParaRPr lang="en-US" dirty="0"/>
+            <a:endParaRPr lang="en-US" dirty="0">
+              <a:latin typeface="Angsana New" pitchFamily="18" charset="-34"/>
+              <a:cs typeface="Angsana New" pitchFamily="18" charset="-34"/>
+            </a:endParaRPr>
           </a:p>
         </p:txBody>
       </p:sp>

--- a/Doc/ProjectPresentation1.pptx
+++ b/Doc/ProjectPresentation1.pptx
@@ -1132,15 +1132,15 @@
     </dgm:pt>
   </dgm:ptLst>
   <dgm:cxnLst>
+    <dgm:cxn modelId="{1EC9FBEF-BD93-48BC-BB0C-E3D2D3DE23F2}" srcId="{7622D27D-1418-454B-8843-814A956FD9D1}" destId="{95DC65B9-BC1A-4760-A531-1FC856889EB4}" srcOrd="3" destOrd="0" parTransId="{A8B784AB-1A2C-4088-A443-824CDCB3F757}" sibTransId="{67741F9B-B633-44EF-99A4-44D843F45A36}"/>
+    <dgm:cxn modelId="{6265AE14-D555-4E97-B629-B39B867113A5}" type="presOf" srcId="{DC903487-BB82-4DFC-B625-BF85C817133E}" destId="{2D2081E2-93B7-4D82-B3DD-84A7043B4E30}" srcOrd="0" destOrd="0" presId="urn:microsoft.com/office/officeart/2005/8/layout/funnel1"/>
     <dgm:cxn modelId="{BCAE8D34-2DF0-4DF2-80F1-3CA31A184F70}" type="presOf" srcId="{B16CC3DF-6F09-447E-9CAB-0F26C694BF33}" destId="{C67984F5-77EA-43A6-9D02-299A9C887AB4}" srcOrd="0" destOrd="0" presId="urn:microsoft.com/office/officeart/2005/8/layout/funnel1"/>
-    <dgm:cxn modelId="{0BFA8BCD-64BD-4EFF-B899-C8719F8A0E55}" srcId="{7622D27D-1418-454B-8843-814A956FD9D1}" destId="{DC903487-BB82-4DFC-B625-BF85C817133E}" srcOrd="2" destOrd="0" parTransId="{FBB9706C-C441-4FAF-B21F-13CB8C42005C}" sibTransId="{3A0450F4-50FE-4FA7-B739-C1195D3FA9A7}"/>
-    <dgm:cxn modelId="{0147FC70-517A-49A2-A64B-D42D84E7CA6E}" type="presOf" srcId="{76944704-A16E-40A3-8D28-45750423D4AB}" destId="{7A545E6C-0F8C-4132-B331-B7ECFC12E3A6}" srcOrd="0" destOrd="0" presId="urn:microsoft.com/office/officeart/2005/8/layout/funnel1"/>
-    <dgm:cxn modelId="{6265AE14-D555-4E97-B629-B39B867113A5}" type="presOf" srcId="{DC903487-BB82-4DFC-B625-BF85C817133E}" destId="{2D2081E2-93B7-4D82-B3DD-84A7043B4E30}" srcOrd="0" destOrd="0" presId="urn:microsoft.com/office/officeart/2005/8/layout/funnel1"/>
     <dgm:cxn modelId="{26A19BB3-2B5D-4A8B-9F43-CD9DC2115091}" type="presOf" srcId="{7622D27D-1418-454B-8843-814A956FD9D1}" destId="{7BD4EBA1-C18C-43A4-B814-C8137E3BBEB1}" srcOrd="0" destOrd="0" presId="urn:microsoft.com/office/officeart/2005/8/layout/funnel1"/>
     <dgm:cxn modelId="{C87A493C-5A32-4F48-B471-F15B3B632119}" srcId="{7622D27D-1418-454B-8843-814A956FD9D1}" destId="{B16CC3DF-6F09-447E-9CAB-0F26C694BF33}" srcOrd="0" destOrd="0" parTransId="{A2B03C21-AD22-4A41-B91A-EDBBF4A9E303}" sibTransId="{5B0884FF-B6FC-4D9E-826D-A274B44DC1C5}"/>
+    <dgm:cxn modelId="{0147FC70-517A-49A2-A64B-D42D84E7CA6E}" type="presOf" srcId="{76944704-A16E-40A3-8D28-45750423D4AB}" destId="{7A545E6C-0F8C-4132-B331-B7ECFC12E3A6}" srcOrd="0" destOrd="0" presId="urn:microsoft.com/office/officeart/2005/8/layout/funnel1"/>
+    <dgm:cxn modelId="{2114F41E-B164-4555-8679-582A2790C4D7}" srcId="{7622D27D-1418-454B-8843-814A956FD9D1}" destId="{76944704-A16E-40A3-8D28-45750423D4AB}" srcOrd="1" destOrd="0" parTransId="{4C9ED8B0-9A97-497C-B9E1-739F3EF399DD}" sibTransId="{EDA11C35-0ABC-482C-B1A8-EDECC8460B99}"/>
+    <dgm:cxn modelId="{0BFA8BCD-64BD-4EFF-B899-C8719F8A0E55}" srcId="{7622D27D-1418-454B-8843-814A956FD9D1}" destId="{DC903487-BB82-4DFC-B625-BF85C817133E}" srcOrd="2" destOrd="0" parTransId="{FBB9706C-C441-4FAF-B21F-13CB8C42005C}" sibTransId="{3A0450F4-50FE-4FA7-B739-C1195D3FA9A7}"/>
     <dgm:cxn modelId="{C32F4944-87AD-440A-8446-BA7FDD34A189}" type="presOf" srcId="{95DC65B9-BC1A-4760-A531-1FC856889EB4}" destId="{AED0CA65-6A91-4F55-B1D5-2C93C67A216C}" srcOrd="0" destOrd="0" presId="urn:microsoft.com/office/officeart/2005/8/layout/funnel1"/>
-    <dgm:cxn modelId="{1EC9FBEF-BD93-48BC-BB0C-E3D2D3DE23F2}" srcId="{7622D27D-1418-454B-8843-814A956FD9D1}" destId="{95DC65B9-BC1A-4760-A531-1FC856889EB4}" srcOrd="3" destOrd="0" parTransId="{A8B784AB-1A2C-4088-A443-824CDCB3F757}" sibTransId="{67741F9B-B633-44EF-99A4-44D843F45A36}"/>
-    <dgm:cxn modelId="{2114F41E-B164-4555-8679-582A2790C4D7}" srcId="{7622D27D-1418-454B-8843-814A956FD9D1}" destId="{76944704-A16E-40A3-8D28-45750423D4AB}" srcOrd="1" destOrd="0" parTransId="{4C9ED8B0-9A97-497C-B9E1-739F3EF399DD}" sibTransId="{EDA11C35-0ABC-482C-B1A8-EDECC8460B99}"/>
     <dgm:cxn modelId="{4C8EBBD5-3527-4D0E-A55C-9D5FC5B226C0}" type="presParOf" srcId="{7BD4EBA1-C18C-43A4-B814-C8137E3BBEB1}" destId="{9CF2904A-95E3-426D-A0E7-D36C77D650C8}" srcOrd="0" destOrd="0" presId="urn:microsoft.com/office/officeart/2005/8/layout/funnel1"/>
     <dgm:cxn modelId="{F73DA345-643B-4594-82F9-9CD6AB01601B}" type="presParOf" srcId="{7BD4EBA1-C18C-43A4-B814-C8137E3BBEB1}" destId="{EA5B7450-7D1F-4252-A574-1CAA4E07FC8D}" srcOrd="1" destOrd="0" presId="urn:microsoft.com/office/officeart/2005/8/layout/funnel1"/>
     <dgm:cxn modelId="{9D6A8A07-0890-4B25-BE1D-C677BDE37E75}" type="presParOf" srcId="{7BD4EBA1-C18C-43A4-B814-C8137E3BBEB1}" destId="{AED0CA65-6A91-4F55-B1D5-2C93C67A216C}" srcOrd="2" destOrd="0" presId="urn:microsoft.com/office/officeart/2005/8/layout/funnel1"/>
@@ -1153,14 +1153,14 @@
   <dgm:whole/>
   <dgm:extLst>
     <a:ext uri="http://schemas.microsoft.com/office/drawing/2008/diagram">
-      <dsp:dataModelExt xmlns:dsp="http://schemas.microsoft.com/office/drawing/2008/diagram" relId="rId6" minVer="http://schemas.openxmlformats.org/drawingml/2006/diagram"/>
+      <dsp:dataModelExt xmlns:dsp="http://schemas.microsoft.com/office/drawing/2008/diagram" xmlns="" relId="rId6" minVer="http://schemas.openxmlformats.org/drawingml/2006/diagram"/>
     </a:ext>
   </dgm:extLst>
 </dgm:dataModel>
 </file>
 
 <file path=ppt/diagrams/drawing1.xml><?xml version="1.0" encoding="utf-8"?>
-<dsp:drawing xmlns:dgm="http://schemas.openxmlformats.org/drawingml/2006/diagram" xmlns:dsp="http://schemas.microsoft.com/office/drawing/2008/diagram" xmlns:a="http://schemas.openxmlformats.org/drawingml/2006/main">
+<dsp:drawing xmlns:dgm="http://schemas.openxmlformats.org/drawingml/2006/diagram" xmlns:a="http://schemas.openxmlformats.org/drawingml/2006/main" xmlns:dsp="http://schemas.microsoft.com/office/drawing/2008/diagram">
   <dsp:spTree>
     <dsp:nvGrpSpPr>
       <dsp:cNvPr id="0" name=""/>
@@ -1389,8 +1389,8 @@
         </a:p>
       </dsp:txBody>
       <dsp:txXfrm>
-        <a:off x="2249630" y="2074828"/>
-        <a:ext cx="806202" cy="806202"/>
+        <a:off x="2082660" y="1907858"/>
+        <a:ext cx="1140142" cy="1140142"/>
       </dsp:txXfrm>
     </dsp:sp>
     <dsp:sp modelId="{7A545E6C-0F8C-4132-B331-B7ECFC12E3A6}">
@@ -1466,8 +1466,8 @@
         </a:p>
       </dsp:txBody>
       <dsp:txXfrm>
-        <a:off x="1328781" y="587289"/>
-        <a:ext cx="1345343" cy="1296792"/>
+        <a:off x="1050152" y="318714"/>
+        <a:ext cx="1902601" cy="1833942"/>
       </dsp:txXfrm>
     </dsp:sp>
     <dsp:sp modelId="{C67984F5-77EA-43A6-9D02-299A9C887AB4}">
@@ -1543,8 +1543,8 @@
         </a:p>
       </dsp:txBody>
       <dsp:txXfrm>
-        <a:off x="2839237" y="527790"/>
-        <a:ext cx="1088277" cy="1077788"/>
+        <a:off x="2613848" y="304573"/>
+        <a:ext cx="1539055" cy="1524222"/>
       </dsp:txXfrm>
     </dsp:sp>
     <dsp:sp modelId="{C135540B-42C5-49CB-93AC-CD61871322B3}">
@@ -3034,7 +3034,7 @@
             <a:fld id="{8529C4BC-B2A5-4433-83F8-57753B4C3B20}" type="datetimeFigureOut">
               <a:rPr lang="en-US" smtClean="0"/>
               <a:pPr/>
-              <a:t>8/31/2011</a:t>
+              <a:t>9/5/2011</a:t>
             </a:fld>
             <a:endParaRPr lang="en-US"/>
           </a:p>
@@ -3203,7 +3203,7 @@
     </p:spTree>
     <p:extLst>
       <p:ext uri="{BB962C8B-B14F-4D97-AF65-F5344CB8AC3E}">
-        <p14:creationId xmlns:p14="http://schemas.microsoft.com/office/powerpoint/2010/main" val="1972029052"/>
+        <p14:creationId xmlns:p14="http://schemas.microsoft.com/office/powerpoint/2010/main" xmlns="" val="1972029052"/>
       </p:ext>
     </p:extLst>
   </p:cSld>
@@ -3378,7 +3378,7 @@
     </p:spTree>
     <p:extLst>
       <p:ext uri="{BB962C8B-B14F-4D97-AF65-F5344CB8AC3E}">
-        <p14:creationId xmlns:p14="http://schemas.microsoft.com/office/powerpoint/2010/main" val="3222338183"/>
+        <p14:creationId xmlns:p14="http://schemas.microsoft.com/office/powerpoint/2010/main" xmlns="" val="3222338183"/>
       </p:ext>
     </p:extLst>
   </p:cSld>
@@ -3463,7 +3463,7 @@
     </p:spTree>
     <p:extLst>
       <p:ext uri="{BB962C8B-B14F-4D97-AF65-F5344CB8AC3E}">
-        <p14:creationId xmlns:p14="http://schemas.microsoft.com/office/powerpoint/2010/main" val="3222338183"/>
+        <p14:creationId xmlns:p14="http://schemas.microsoft.com/office/powerpoint/2010/main" xmlns="" val="3222338183"/>
       </p:ext>
     </p:extLst>
   </p:cSld>
@@ -3655,7 +3655,7 @@
             <a:fld id="{A623BE0C-B4FE-411C-B00F-FCA6A312E010}" type="datetimeFigureOut">
               <a:rPr lang="en-US" smtClean="0"/>
               <a:pPr/>
-              <a:t>8/31/2011</a:t>
+              <a:t>9/5/2011</a:t>
             </a:fld>
             <a:endParaRPr lang="en-US"/>
           </a:p>
@@ -3707,7 +3707,7 @@
     </p:spTree>
     <p:extLst>
       <p:ext uri="{BB962C8B-B14F-4D97-AF65-F5344CB8AC3E}">
-        <p14:creationId xmlns:p14="http://schemas.microsoft.com/office/powerpoint/2010/main" val="323588753"/>
+        <p14:creationId xmlns:p14="http://schemas.microsoft.com/office/powerpoint/2010/main" xmlns="" val="323588753"/>
       </p:ext>
     </p:extLst>
   </p:cSld>
@@ -3827,7 +3827,7 @@
             <a:fld id="{A623BE0C-B4FE-411C-B00F-FCA6A312E010}" type="datetimeFigureOut">
               <a:rPr lang="en-US" smtClean="0"/>
               <a:pPr/>
-              <a:t>8/31/2011</a:t>
+              <a:t>9/5/2011</a:t>
             </a:fld>
             <a:endParaRPr lang="en-US"/>
           </a:p>
@@ -3879,7 +3879,7 @@
     </p:spTree>
     <p:extLst>
       <p:ext uri="{BB962C8B-B14F-4D97-AF65-F5344CB8AC3E}">
-        <p14:creationId xmlns:p14="http://schemas.microsoft.com/office/powerpoint/2010/main" val="2921916018"/>
+        <p14:creationId xmlns:p14="http://schemas.microsoft.com/office/powerpoint/2010/main" xmlns="" val="2921916018"/>
       </p:ext>
     </p:extLst>
   </p:cSld>
@@ -4009,7 +4009,7 @@
             <a:fld id="{A623BE0C-B4FE-411C-B00F-FCA6A312E010}" type="datetimeFigureOut">
               <a:rPr lang="en-US" smtClean="0"/>
               <a:pPr/>
-              <a:t>8/31/2011</a:t>
+              <a:t>9/5/2011</a:t>
             </a:fld>
             <a:endParaRPr lang="en-US"/>
           </a:p>
@@ -4061,7 +4061,7 @@
     </p:spTree>
     <p:extLst>
       <p:ext uri="{BB962C8B-B14F-4D97-AF65-F5344CB8AC3E}">
-        <p14:creationId xmlns:p14="http://schemas.microsoft.com/office/powerpoint/2010/main" val="3760154480"/>
+        <p14:creationId xmlns:p14="http://schemas.microsoft.com/office/powerpoint/2010/main" xmlns="" val="3760154480"/>
       </p:ext>
     </p:extLst>
   </p:cSld>
@@ -4181,7 +4181,7 @@
             <a:fld id="{A623BE0C-B4FE-411C-B00F-FCA6A312E010}" type="datetimeFigureOut">
               <a:rPr lang="en-US" smtClean="0"/>
               <a:pPr/>
-              <a:t>8/31/2011</a:t>
+              <a:t>9/5/2011</a:t>
             </a:fld>
             <a:endParaRPr lang="en-US"/>
           </a:p>
@@ -4233,7 +4233,7 @@
     </p:spTree>
     <p:extLst>
       <p:ext uri="{BB962C8B-B14F-4D97-AF65-F5344CB8AC3E}">
-        <p14:creationId xmlns:p14="http://schemas.microsoft.com/office/powerpoint/2010/main" val="2253544174"/>
+        <p14:creationId xmlns:p14="http://schemas.microsoft.com/office/powerpoint/2010/main" xmlns="" val="2253544174"/>
       </p:ext>
     </p:extLst>
   </p:cSld>
@@ -4429,7 +4429,7 @@
             <a:fld id="{A623BE0C-B4FE-411C-B00F-FCA6A312E010}" type="datetimeFigureOut">
               <a:rPr lang="en-US" smtClean="0"/>
               <a:pPr/>
-              <a:t>8/31/2011</a:t>
+              <a:t>9/5/2011</a:t>
             </a:fld>
             <a:endParaRPr lang="en-US"/>
           </a:p>
@@ -4481,7 +4481,7 @@
     </p:spTree>
     <p:extLst>
       <p:ext uri="{BB962C8B-B14F-4D97-AF65-F5344CB8AC3E}">
-        <p14:creationId xmlns:p14="http://schemas.microsoft.com/office/powerpoint/2010/main" val="2280461358"/>
+        <p14:creationId xmlns:p14="http://schemas.microsoft.com/office/powerpoint/2010/main" xmlns="" val="2280461358"/>
       </p:ext>
     </p:extLst>
   </p:cSld>
@@ -4719,7 +4719,7 @@
             <a:fld id="{A623BE0C-B4FE-411C-B00F-FCA6A312E010}" type="datetimeFigureOut">
               <a:rPr lang="en-US" smtClean="0"/>
               <a:pPr/>
-              <a:t>8/31/2011</a:t>
+              <a:t>9/5/2011</a:t>
             </a:fld>
             <a:endParaRPr lang="en-US"/>
           </a:p>
@@ -4771,7 +4771,7 @@
     </p:spTree>
     <p:extLst>
       <p:ext uri="{BB962C8B-B14F-4D97-AF65-F5344CB8AC3E}">
-        <p14:creationId xmlns:p14="http://schemas.microsoft.com/office/powerpoint/2010/main" val="2314838259"/>
+        <p14:creationId xmlns:p14="http://schemas.microsoft.com/office/powerpoint/2010/main" xmlns="" val="2314838259"/>
       </p:ext>
     </p:extLst>
   </p:cSld>
@@ -5143,7 +5143,7 @@
             <a:fld id="{A623BE0C-B4FE-411C-B00F-FCA6A312E010}" type="datetimeFigureOut">
               <a:rPr lang="en-US" smtClean="0"/>
               <a:pPr/>
-              <a:t>8/31/2011</a:t>
+              <a:t>9/5/2011</a:t>
             </a:fld>
             <a:endParaRPr lang="en-US"/>
           </a:p>
@@ -5195,7 +5195,7 @@
     </p:spTree>
     <p:extLst>
       <p:ext uri="{BB962C8B-B14F-4D97-AF65-F5344CB8AC3E}">
-        <p14:creationId xmlns:p14="http://schemas.microsoft.com/office/powerpoint/2010/main" val="825642813"/>
+        <p14:creationId xmlns:p14="http://schemas.microsoft.com/office/powerpoint/2010/main" xmlns="" val="825642813"/>
       </p:ext>
     </p:extLst>
   </p:cSld>
@@ -5263,7 +5263,7 @@
             <a:fld id="{A623BE0C-B4FE-411C-B00F-FCA6A312E010}" type="datetimeFigureOut">
               <a:rPr lang="en-US" smtClean="0"/>
               <a:pPr/>
-              <a:t>8/31/2011</a:t>
+              <a:t>9/5/2011</a:t>
             </a:fld>
             <a:endParaRPr lang="en-US"/>
           </a:p>
@@ -5315,7 +5315,7 @@
     </p:spTree>
     <p:extLst>
       <p:ext uri="{BB962C8B-B14F-4D97-AF65-F5344CB8AC3E}">
-        <p14:creationId xmlns:p14="http://schemas.microsoft.com/office/powerpoint/2010/main" val="2594057694"/>
+        <p14:creationId xmlns:p14="http://schemas.microsoft.com/office/powerpoint/2010/main" xmlns="" val="2594057694"/>
       </p:ext>
     </p:extLst>
   </p:cSld>
@@ -5360,7 +5360,7 @@
             <a:fld id="{A623BE0C-B4FE-411C-B00F-FCA6A312E010}" type="datetimeFigureOut">
               <a:rPr lang="en-US" smtClean="0"/>
               <a:pPr/>
-              <a:t>8/31/2011</a:t>
+              <a:t>9/5/2011</a:t>
             </a:fld>
             <a:endParaRPr lang="en-US"/>
           </a:p>
@@ -5412,7 +5412,7 @@
     </p:spTree>
     <p:extLst>
       <p:ext uri="{BB962C8B-B14F-4D97-AF65-F5344CB8AC3E}">
-        <p14:creationId xmlns:p14="http://schemas.microsoft.com/office/powerpoint/2010/main" val="3349367938"/>
+        <p14:creationId xmlns:p14="http://schemas.microsoft.com/office/powerpoint/2010/main" xmlns="" val="3349367938"/>
       </p:ext>
     </p:extLst>
   </p:cSld>
@@ -5639,7 +5639,7 @@
             <a:fld id="{A623BE0C-B4FE-411C-B00F-FCA6A312E010}" type="datetimeFigureOut">
               <a:rPr lang="en-US" smtClean="0"/>
               <a:pPr/>
-              <a:t>8/31/2011</a:t>
+              <a:t>9/5/2011</a:t>
             </a:fld>
             <a:endParaRPr lang="en-US"/>
           </a:p>
@@ -5691,7 +5691,7 @@
     </p:spTree>
     <p:extLst>
       <p:ext uri="{BB962C8B-B14F-4D97-AF65-F5344CB8AC3E}">
-        <p14:creationId xmlns:p14="http://schemas.microsoft.com/office/powerpoint/2010/main" val="2003841279"/>
+        <p14:creationId xmlns:p14="http://schemas.microsoft.com/office/powerpoint/2010/main" xmlns="" val="2003841279"/>
       </p:ext>
     </p:extLst>
   </p:cSld>
@@ -5894,7 +5894,7 @@
             <a:fld id="{A623BE0C-B4FE-411C-B00F-FCA6A312E010}" type="datetimeFigureOut">
               <a:rPr lang="en-US" smtClean="0"/>
               <a:pPr/>
-              <a:t>8/31/2011</a:t>
+              <a:t>9/5/2011</a:t>
             </a:fld>
             <a:endParaRPr lang="en-US"/>
           </a:p>
@@ -5946,7 +5946,7 @@
     </p:spTree>
     <p:extLst>
       <p:ext uri="{BB962C8B-B14F-4D97-AF65-F5344CB8AC3E}">
-        <p14:creationId xmlns:p14="http://schemas.microsoft.com/office/powerpoint/2010/main" val="2630436295"/>
+        <p14:creationId xmlns:p14="http://schemas.microsoft.com/office/powerpoint/2010/main" xmlns="" val="2630436295"/>
       </p:ext>
     </p:extLst>
   </p:cSld>
@@ -6135,7 +6135,7 @@
             <a:fld id="{A623BE0C-B4FE-411C-B00F-FCA6A312E010}" type="datetimeFigureOut">
               <a:rPr lang="en-US" smtClean="0"/>
               <a:pPr/>
-              <a:t>8/31/2011</a:t>
+              <a:t>9/5/2011</a:t>
             </a:fld>
             <a:endParaRPr lang="en-US"/>
           </a:p>
@@ -6223,7 +6223,7 @@
     </p:spTree>
     <p:extLst>
       <p:ext uri="{BB962C8B-B14F-4D97-AF65-F5344CB8AC3E}">
-        <p14:creationId xmlns:p14="http://schemas.microsoft.com/office/powerpoint/2010/main" val="775339368"/>
+        <p14:creationId xmlns:p14="http://schemas.microsoft.com/office/powerpoint/2010/main" xmlns="" val="775339368"/>
       </p:ext>
     </p:extLst>
   </p:cSld>
@@ -6500,7 +6500,7 @@
     <p:bg>
       <p:bgPr>
         <a:blipFill dpi="0" rotWithShape="1">
-          <a:blip r:embed="rId2">
+          <a:blip r:embed="rId2" cstate="print">
             <a:lum/>
           </a:blip>
           <a:srcRect/>
@@ -6727,18 +6727,18 @@
     </p:spTree>
     <p:extLst>
       <p:ext uri="{BB962C8B-B14F-4D97-AF65-F5344CB8AC3E}">
-        <p14:creationId xmlns:p14="http://schemas.microsoft.com/office/powerpoint/2010/main" val="3765382340"/>
+        <p14:creationId xmlns:p14="http://schemas.microsoft.com/office/powerpoint/2010/main" xmlns="" val="3765382340"/>
       </p:ext>
     </p:extLst>
   </p:cSld>
   <p:clrMapOvr>
     <a:masterClrMapping/>
   </p:clrMapOvr>
-  <mc:AlternateContent xmlns:mc="http://schemas.openxmlformats.org/markup-compatibility/2006" xmlns:p14="http://schemas.microsoft.com/office/powerpoint/2010/main">
-    <mc:Choice Requires="p14">
+  <mc:AlternateContent xmlns:mc="http://schemas.openxmlformats.org/markup-compatibility/2006">
+    <mc:Choice xmlns:p14="http://schemas.microsoft.com/office/powerpoint/2010/main" xmlns="" Requires="p14">
       <p:transition spd="slow" p14:dur="2000"/>
     </mc:Choice>
-    <mc:Fallback xmlns="">
+    <mc:Fallback>
       <p:transition spd="slow"/>
     </mc:Fallback>
   </mc:AlternateContent>
@@ -6932,7 +6932,7 @@
     </p:spTree>
     <p:extLst>
       <p:ext uri="{BB962C8B-B14F-4D97-AF65-F5344CB8AC3E}">
-        <p14:creationId xmlns:p14="http://schemas.microsoft.com/office/powerpoint/2010/main" val="1630400559"/>
+        <p14:creationId xmlns:p14="http://schemas.microsoft.com/office/powerpoint/2010/main" xmlns="" val="1630400559"/>
       </p:ext>
     </p:extLst>
   </p:cSld>
@@ -7292,7 +7292,7 @@
             <p:ph idx="1"/>
             <p:extLst>
               <p:ext uri="{D42A27DB-BD31-4B8C-83A1-F6EECF244321}">
-                <p14:modId xmlns:p14="http://schemas.microsoft.com/office/powerpoint/2010/main" val="772518842"/>
+                <p14:modId xmlns:p14="http://schemas.microsoft.com/office/powerpoint/2010/main" xmlns="" val="772518842"/>
               </p:ext>
             </p:extLst>
           </p:nvPr>
@@ -7319,7 +7319,7 @@
           <a:blip r:embed="rId7" cstate="print">
             <a:extLst>
               <a:ext uri="{28A0092B-C50C-407E-A947-70E740481C1C}">
-                <a14:useLocalDpi xmlns:a14="http://schemas.microsoft.com/office/drawing/2010/main" val="0"/>
+                <a14:useLocalDpi xmlns:a14="http://schemas.microsoft.com/office/drawing/2010/main" xmlns="" val="0"/>
               </a:ext>
             </a:extLst>
           </a:blip>
@@ -7349,7 +7349,7 @@
           <a:blip r:embed="rId8" cstate="print">
             <a:extLst>
               <a:ext uri="{28A0092B-C50C-407E-A947-70E740481C1C}">
-                <a14:useLocalDpi xmlns:a14="http://schemas.microsoft.com/office/drawing/2010/main" val="0"/>
+                <a14:useLocalDpi xmlns:a14="http://schemas.microsoft.com/office/drawing/2010/main" xmlns="" val="0"/>
               </a:ext>
             </a:extLst>
           </a:blip>
@@ -7369,7 +7369,7 @@
           <a:noFill/>
           <a:extLst>
             <a:ext uri="{909E8E84-426E-40DD-AFC4-6F175D3DCCD1}">
-              <a14:hiddenFill xmlns:a14="http://schemas.microsoft.com/office/drawing/2010/main">
+              <a14:hiddenFill xmlns:a14="http://schemas.microsoft.com/office/drawing/2010/main" xmlns="">
                 <a:solidFill>
                   <a:srgbClr val="FFFFFF"/>
                 </a:solidFill>
@@ -7414,7 +7414,7 @@
     </p:spTree>
     <p:extLst>
       <p:ext uri="{BB962C8B-B14F-4D97-AF65-F5344CB8AC3E}">
-        <p14:creationId xmlns:p14="http://schemas.microsoft.com/office/powerpoint/2010/main" val="1015130875"/>
+        <p14:creationId xmlns:p14="http://schemas.microsoft.com/office/powerpoint/2010/main" xmlns="" val="1015130875"/>
       </p:ext>
     </p:extLst>
   </p:cSld>
@@ -8051,7 +8051,7 @@
           <a:blip r:embed="rId3" cstate="print">
             <a:extLst>
               <a:ext uri="{28A0092B-C50C-407E-A947-70E740481C1C}">
-                <a14:useLocalDpi xmlns:a14="http://schemas.microsoft.com/office/drawing/2010/main" val="0"/>
+                <a14:useLocalDpi xmlns:a14="http://schemas.microsoft.com/office/drawing/2010/main" xmlns="" val="0"/>
               </a:ext>
             </a:extLst>
           </a:blip>
@@ -8071,7 +8071,7 @@
           </a:ln>
           <a:extLst>
             <a:ext uri="{53640926-AAD7-44D8-BBD7-CCE9431645EC}">
-              <a14:shadowObscured xmlns:a14="http://schemas.microsoft.com/office/drawing/2010/main"/>
+              <a14:shadowObscured xmlns:a14="http://schemas.microsoft.com/office/drawing/2010/main" xmlns=""/>
             </a:ext>
           </a:extLst>
         </p:spPr>
@@ -8248,7 +8248,7 @@
     </p:spTree>
     <p:extLst>
       <p:ext uri="{BB962C8B-B14F-4D97-AF65-F5344CB8AC3E}">
-        <p14:creationId xmlns:p14="http://schemas.microsoft.com/office/powerpoint/2010/main" val="315046874"/>
+        <p14:creationId xmlns:p14="http://schemas.microsoft.com/office/powerpoint/2010/main" xmlns="" val="315046874"/>
       </p:ext>
     </p:extLst>
   </p:cSld>
@@ -8429,7 +8429,7 @@
           <a:blip r:embed="rId3" cstate="print">
             <a:extLst>
               <a:ext uri="{28A0092B-C50C-407E-A947-70E740481C1C}">
-                <a14:useLocalDpi xmlns:a14="http://schemas.microsoft.com/office/drawing/2010/main" val="0"/>
+                <a14:useLocalDpi xmlns:a14="http://schemas.microsoft.com/office/drawing/2010/main" xmlns="" val="0"/>
               </a:ext>
             </a:extLst>
           </a:blip>
@@ -8449,7 +8449,7 @@
           </a:ln>
           <a:extLst>
             <a:ext uri="{53640926-AAD7-44D8-BBD7-CCE9431645EC}">
-              <a14:shadowObscured xmlns:a14="http://schemas.microsoft.com/office/drawing/2010/main"/>
+              <a14:shadowObscured xmlns:a14="http://schemas.microsoft.com/office/drawing/2010/main" xmlns=""/>
             </a:ext>
           </a:extLst>
         </p:spPr>
@@ -8647,7 +8647,7 @@
     </p:spTree>
     <p:extLst>
       <p:ext uri="{BB962C8B-B14F-4D97-AF65-F5344CB8AC3E}">
-        <p14:creationId xmlns:p14="http://schemas.microsoft.com/office/powerpoint/2010/main" val="1498823684"/>
+        <p14:creationId xmlns:p14="http://schemas.microsoft.com/office/powerpoint/2010/main" xmlns="" val="1498823684"/>
       </p:ext>
     </p:extLst>
   </p:cSld>
@@ -8873,7 +8873,7 @@
           <a:blip r:embed="rId2" cstate="print">
             <a:extLst>
               <a:ext uri="{28A0092B-C50C-407E-A947-70E740481C1C}">
-                <a14:useLocalDpi xmlns:a14="http://schemas.microsoft.com/office/drawing/2010/main" val="0"/>
+                <a14:useLocalDpi xmlns:a14="http://schemas.microsoft.com/office/drawing/2010/main" xmlns="" val="0"/>
               </a:ext>
             </a:extLst>
           </a:blip>
@@ -8893,7 +8893,7 @@
           </a:ln>
           <a:extLst>
             <a:ext uri="{53640926-AAD7-44D8-BBD7-CCE9431645EC}">
-              <a14:shadowObscured xmlns:a14="http://schemas.microsoft.com/office/drawing/2010/main"/>
+              <a14:shadowObscured xmlns:a14="http://schemas.microsoft.com/office/drawing/2010/main" xmlns=""/>
             </a:ext>
           </a:extLst>
         </p:spPr>
@@ -9075,7 +9075,7 @@
     </p:spTree>
     <p:extLst>
       <p:ext uri="{BB962C8B-B14F-4D97-AF65-F5344CB8AC3E}">
-        <p14:creationId xmlns:p14="http://schemas.microsoft.com/office/powerpoint/2010/main" val="819896303"/>
+        <p14:creationId xmlns:p14="http://schemas.microsoft.com/office/powerpoint/2010/main" xmlns="" val="819896303"/>
       </p:ext>
     </p:extLst>
   </p:cSld>
@@ -9301,7 +9301,7 @@
           <a:blip r:embed="rId2" cstate="print">
             <a:extLst>
               <a:ext uri="{28A0092B-C50C-407E-A947-70E740481C1C}">
-                <a14:useLocalDpi xmlns:a14="http://schemas.microsoft.com/office/drawing/2010/main" val="0"/>
+                <a14:useLocalDpi xmlns:a14="http://schemas.microsoft.com/office/drawing/2010/main" xmlns="" val="0"/>
               </a:ext>
             </a:extLst>
           </a:blip>
@@ -9321,7 +9321,7 @@
           </a:ln>
           <a:extLst>
             <a:ext uri="{53640926-AAD7-44D8-BBD7-CCE9431645EC}">
-              <a14:shadowObscured xmlns:a14="http://schemas.microsoft.com/office/drawing/2010/main"/>
+              <a14:shadowObscured xmlns:a14="http://schemas.microsoft.com/office/drawing/2010/main" xmlns=""/>
             </a:ext>
           </a:extLst>
         </p:spPr>
@@ -9512,7 +9512,7 @@
     </p:spTree>
     <p:extLst>
       <p:ext uri="{BB962C8B-B14F-4D97-AF65-F5344CB8AC3E}">
-        <p14:creationId xmlns:p14="http://schemas.microsoft.com/office/powerpoint/2010/main" val="785686850"/>
+        <p14:creationId xmlns:p14="http://schemas.microsoft.com/office/powerpoint/2010/main" xmlns="" val="785686850"/>
       </p:ext>
     </p:extLst>
   </p:cSld>
@@ -9738,7 +9738,7 @@
           <a:blip r:embed="rId2" cstate="print">
             <a:extLst>
               <a:ext uri="{28A0092B-C50C-407E-A947-70E740481C1C}">
-                <a14:useLocalDpi xmlns:a14="http://schemas.microsoft.com/office/drawing/2010/main" val="0"/>
+                <a14:useLocalDpi xmlns:a14="http://schemas.microsoft.com/office/drawing/2010/main" xmlns="" val="0"/>
               </a:ext>
             </a:extLst>
           </a:blip>
@@ -9758,7 +9758,7 @@
           </a:ln>
           <a:extLst>
             <a:ext uri="{53640926-AAD7-44D8-BBD7-CCE9431645EC}">
-              <a14:shadowObscured xmlns:a14="http://schemas.microsoft.com/office/drawing/2010/main"/>
+              <a14:shadowObscured xmlns:a14="http://schemas.microsoft.com/office/drawing/2010/main" xmlns=""/>
             </a:ext>
           </a:extLst>
         </p:spPr>
@@ -9900,7 +9900,7 @@
             <a:blip r:embed="rId3" cstate="print">
               <a:extLst>
                 <a:ext uri="{28A0092B-C50C-407E-A947-70E740481C1C}">
-                  <a14:useLocalDpi xmlns:a14="http://schemas.microsoft.com/office/drawing/2010/main" val="0"/>
+                  <a14:useLocalDpi xmlns:a14="http://schemas.microsoft.com/office/drawing/2010/main" xmlns="" val="0"/>
                 </a:ext>
               </a:extLst>
             </a:blip>
@@ -10767,7 +10767,7 @@
     </p:spTree>
     <p:extLst>
       <p:ext uri="{BB962C8B-B14F-4D97-AF65-F5344CB8AC3E}">
-        <p14:creationId xmlns:p14="http://schemas.microsoft.com/office/powerpoint/2010/main" val="215749748"/>
+        <p14:creationId xmlns:p14="http://schemas.microsoft.com/office/powerpoint/2010/main" xmlns="" val="215749748"/>
       </p:ext>
     </p:extLst>
   </p:cSld>
@@ -11050,7 +11050,7 @@
     </p:spTree>
     <p:extLst>
       <p:ext uri="{BB962C8B-B14F-4D97-AF65-F5344CB8AC3E}">
-        <p14:creationId xmlns:p14="http://schemas.microsoft.com/office/powerpoint/2010/main" val="4161143384"/>
+        <p14:creationId xmlns:p14="http://schemas.microsoft.com/office/powerpoint/2010/main" xmlns="" val="4161143384"/>
       </p:ext>
     </p:extLst>
   </p:cSld>
@@ -11188,40 +11188,63 @@
                 <a:latin typeface="Angsana New" pitchFamily="18" charset="-34"/>
                 <a:cs typeface="Angsana New" pitchFamily="18" charset="-34"/>
               </a:rPr>
-              <a:t>เพื่อเรียนรู้สิ่งใหม่ๆ ระบบปฏิบัติการ </a:t>
+              <a:t>สร้าง</a:t>
+            </a:r>
+            <a:r>
+              <a:rPr lang="th-TH" dirty="0" smtClean="0">
+                <a:latin typeface="Angsana New" pitchFamily="18" charset="-34"/>
+                <a:cs typeface="Angsana New" pitchFamily="18" charset="-34"/>
+              </a:rPr>
+              <a:t>โปรแกรมประยุกต์ที่</a:t>
+            </a:r>
+            <a:r>
+              <a:rPr lang="th-TH" dirty="0" smtClean="0">
+                <a:latin typeface="Angsana New" pitchFamily="18" charset="-34"/>
+                <a:cs typeface="Angsana New" pitchFamily="18" charset="-34"/>
+              </a:rPr>
+              <a:t>แตกต่างบน </a:t>
             </a:r>
             <a:r>
               <a:rPr lang="en-US" dirty="0" smtClean="0">
                 <a:latin typeface="Angsana New" pitchFamily="18" charset="-34"/>
                 <a:cs typeface="Angsana New" pitchFamily="18" charset="-34"/>
               </a:rPr>
-              <a:t>Android </a:t>
+              <a:t>Market </a:t>
             </a:r>
             <a:r>
               <a:rPr lang="th-TH" dirty="0" smtClean="0">
                 <a:latin typeface="Angsana New" pitchFamily="18" charset="-34"/>
                 <a:cs typeface="Angsana New" pitchFamily="18" charset="-34"/>
               </a:rPr>
-              <a:t>ที่กำลังมาแรง</a:t>
+              <a:t>ของ</a:t>
             </a:r>
-          </a:p>
-          <a:p>
             <a:r>
               <a:rPr lang="th-TH" dirty="0" smtClean="0">
                 <a:latin typeface="Angsana New" pitchFamily="18" charset="-34"/>
                 <a:cs typeface="Angsana New" pitchFamily="18" charset="-34"/>
               </a:rPr>
-              <a:t>สร้างโปรแกรมประยุกต์</a:t>
+              <a:t>ระบบปฏิบัติการ </a:t>
             </a:r>
             <a:r>
-              <a:rPr lang="th-TH" smtClean="0">
+              <a:rPr lang="en-US" dirty="0" smtClean="0">
                 <a:latin typeface="Angsana New" pitchFamily="18" charset="-34"/>
                 <a:cs typeface="Angsana New" pitchFamily="18" charset="-34"/>
               </a:rPr>
-              <a:t>ที่แตกต่างออกสู่ตลาดโลก</a:t>
+              <a:t>Android</a:t>
             </a:r>
-          </a:p>
-          <a:p>
+            <a:endParaRPr lang="th-TH" dirty="0" smtClean="0">
+              <a:latin typeface="Angsana New" pitchFamily="18" charset="-34"/>
+              <a:cs typeface="Angsana New" pitchFamily="18" charset="-34"/>
+            </a:endParaRPr>
+          </a:p>
+          <a:p>
+            <a:r>
+              <a:rPr lang="th-TH" dirty="0" smtClean="0">
+                <a:latin typeface="Angsana New" pitchFamily="18" charset="-34"/>
+                <a:cs typeface="Angsana New" pitchFamily="18" charset="-34"/>
+              </a:rPr>
+              <a:t>เทคโนโลยีในปัจจุบันพัฒนาไปอย่างรวดเร็วและมีสิ่งอำนวยความสะดวกเพิ่มขึ้นจึงทำโปรแกรมประยุกต์ขึ้นมาเอง</a:t>
+            </a:r>
             <a:endParaRPr lang="en-US" dirty="0">
               <a:latin typeface="Angsana New" pitchFamily="18" charset="-34"/>
               <a:cs typeface="Angsana New" pitchFamily="18" charset="-34"/>
@@ -11232,7 +11255,7 @@
     </p:spTree>
     <p:extLst>
       <p:ext uri="{BB962C8B-B14F-4D97-AF65-F5344CB8AC3E}">
-        <p14:creationId xmlns:p14="http://schemas.microsoft.com/office/powerpoint/2010/main" val="96058202"/>
+        <p14:creationId xmlns:p14="http://schemas.microsoft.com/office/powerpoint/2010/main" xmlns="" val="96058202"/>
       </p:ext>
     </p:extLst>
   </p:cSld>
@@ -11464,7 +11487,7 @@
     </p:spTree>
     <p:extLst>
       <p:ext uri="{BB962C8B-B14F-4D97-AF65-F5344CB8AC3E}">
-        <p14:creationId xmlns:p14="http://schemas.microsoft.com/office/powerpoint/2010/main" val="2837708425"/>
+        <p14:creationId xmlns:p14="http://schemas.microsoft.com/office/powerpoint/2010/main" xmlns="" val="2837708425"/>
       </p:ext>
     </p:extLst>
   </p:cSld>
@@ -11515,10 +11538,10 @@
           <p:nvPr/>
         </p:nvPicPr>
         <p:blipFill>
-          <a:blip r:embed="rId2">
+          <a:blip r:embed="rId2" cstate="print">
             <a:extLst>
               <a:ext uri="{28A0092B-C50C-407E-A947-70E740481C1C}">
-                <a14:useLocalDpi xmlns:a14="http://schemas.microsoft.com/office/drawing/2010/main" val="0"/>
+                <a14:useLocalDpi xmlns:a14="http://schemas.microsoft.com/office/drawing/2010/main" xmlns="" val="0"/>
               </a:ext>
             </a:extLst>
           </a:blip>
@@ -11542,14 +11565,14 @@
           <a:effectLst/>
           <a:extLst>
             <a:ext uri="{909E8E84-426E-40DD-AFC4-6F175D3DCCD1}">
-              <a14:hiddenFill xmlns:a14="http://schemas.microsoft.com/office/drawing/2010/main">
+              <a14:hiddenFill xmlns:a14="http://schemas.microsoft.com/office/drawing/2010/main" xmlns="">
                 <a:solidFill>
                   <a:schemeClr val="accent1"/>
                 </a:solidFill>
               </a14:hiddenFill>
             </a:ext>
             <a:ext uri="{91240B29-F687-4F45-9708-019B960494DF}">
-              <a14:hiddenLine xmlns:a14="http://schemas.microsoft.com/office/drawing/2010/main" w="9525">
+              <a14:hiddenLine xmlns:a14="http://schemas.microsoft.com/office/drawing/2010/main" xmlns="" w="9525">
                 <a:solidFill>
                   <a:schemeClr val="tx1"/>
                 </a:solidFill>
@@ -11559,7 +11582,7 @@
               </a14:hiddenLine>
             </a:ext>
             <a:ext uri="{AF507438-7753-43E0-B8FC-AC1667EBCBE1}">
-              <a14:hiddenEffects xmlns:a14="http://schemas.microsoft.com/office/drawing/2010/main">
+              <a14:hiddenEffects xmlns:a14="http://schemas.microsoft.com/office/drawing/2010/main" xmlns="">
                 <a:effectLst>
                   <a:outerShdw dist="35921" dir="2700000" algn="ctr" rotWithShape="0">
                     <a:schemeClr val="bg2"/>
@@ -11579,10 +11602,10 @@
           <p:nvPr/>
         </p:nvPicPr>
         <p:blipFill>
-          <a:blip r:embed="rId3">
+          <a:blip r:embed="rId3" cstate="print">
             <a:extLst>
               <a:ext uri="{28A0092B-C50C-407E-A947-70E740481C1C}">
-                <a14:useLocalDpi xmlns:a14="http://schemas.microsoft.com/office/drawing/2010/main" val="0"/>
+                <a14:useLocalDpi xmlns:a14="http://schemas.microsoft.com/office/drawing/2010/main" xmlns="" val="0"/>
               </a:ext>
             </a:extLst>
           </a:blip>
@@ -11606,14 +11629,14 @@
           <a:effectLst/>
           <a:extLst>
             <a:ext uri="{909E8E84-426E-40DD-AFC4-6F175D3DCCD1}">
-              <a14:hiddenFill xmlns:a14="http://schemas.microsoft.com/office/drawing/2010/main">
+              <a14:hiddenFill xmlns:a14="http://schemas.microsoft.com/office/drawing/2010/main" xmlns="">
                 <a:solidFill>
                   <a:schemeClr val="accent1"/>
                 </a:solidFill>
               </a14:hiddenFill>
             </a:ext>
             <a:ext uri="{91240B29-F687-4F45-9708-019B960494DF}">
-              <a14:hiddenLine xmlns:a14="http://schemas.microsoft.com/office/drawing/2010/main" w="9525">
+              <a14:hiddenLine xmlns:a14="http://schemas.microsoft.com/office/drawing/2010/main" xmlns="" w="9525">
                 <a:solidFill>
                   <a:schemeClr val="tx1"/>
                 </a:solidFill>
@@ -11623,7 +11646,7 @@
               </a14:hiddenLine>
             </a:ext>
             <a:ext uri="{AF507438-7753-43E0-B8FC-AC1667EBCBE1}">
-              <a14:hiddenEffects xmlns:a14="http://schemas.microsoft.com/office/drawing/2010/main">
+              <a14:hiddenEffects xmlns:a14="http://schemas.microsoft.com/office/drawing/2010/main" xmlns="">
                 <a:effectLst>
                   <a:outerShdw dist="35921" dir="2700000" algn="ctr" rotWithShape="0">
                     <a:schemeClr val="bg2"/>
@@ -11637,18 +11660,18 @@
     </p:spTree>
     <p:extLst>
       <p:ext uri="{BB962C8B-B14F-4D97-AF65-F5344CB8AC3E}">
-        <p14:creationId xmlns:p14="http://schemas.microsoft.com/office/powerpoint/2010/main" val="3576708039"/>
+        <p14:creationId xmlns:p14="http://schemas.microsoft.com/office/powerpoint/2010/main" xmlns="" val="3576708039"/>
       </p:ext>
     </p:extLst>
   </p:cSld>
   <p:clrMapOvr>
     <a:masterClrMapping/>
   </p:clrMapOvr>
-  <mc:AlternateContent xmlns:mc="http://schemas.openxmlformats.org/markup-compatibility/2006" xmlns:p14="http://schemas.microsoft.com/office/powerpoint/2010/main">
-    <mc:Choice Requires="p14">
+  <mc:AlternateContent xmlns:mc="http://schemas.openxmlformats.org/markup-compatibility/2006">
+    <mc:Choice xmlns:p14="http://schemas.microsoft.com/office/powerpoint/2010/main" xmlns="" Requires="p14">
       <p:transition spd="slow" p14:dur="2000"/>
     </mc:Choice>
-    <mc:Fallback xmlns="">
+    <mc:Fallback>
       <p:transition spd="slow"/>
     </mc:Fallback>
   </mc:AlternateContent>
@@ -11830,7 +11853,7 @@
             <p:ph idx="1"/>
             <p:extLst>
               <p:ext uri="{D42A27DB-BD31-4B8C-83A1-F6EECF244321}">
-                <p14:modId xmlns:p14="http://schemas.microsoft.com/office/powerpoint/2010/main" val="3948974983"/>
+                <p14:modId xmlns:p14="http://schemas.microsoft.com/office/powerpoint/2010/main" xmlns="" val="3948974983"/>
               </p:ext>
             </p:extLst>
           </p:nvPr>
@@ -12395,7 +12418,7 @@
     </p:spTree>
     <p:extLst>
       <p:ext uri="{BB962C8B-B14F-4D97-AF65-F5344CB8AC3E}">
-        <p14:creationId xmlns:p14="http://schemas.microsoft.com/office/powerpoint/2010/main" val="653064840"/>
+        <p14:creationId xmlns:p14="http://schemas.microsoft.com/office/powerpoint/2010/main" xmlns="" val="653064840"/>
       </p:ext>
     </p:extLst>
   </p:cSld>
@@ -12472,21 +12495,7 @@
                 <a:latin typeface="Angsana New" pitchFamily="18" charset="-34"/>
                 <a:cs typeface="Angsana New" pitchFamily="18" charset="-34"/>
               </a:rPr>
-              <a:t>เพื่อสร้างโปรแกรม</a:t>
-            </a:r>
-            <a:r>
-              <a:rPr lang="th-TH" dirty="0" smtClean="0">
-                <a:latin typeface="Angsana New" pitchFamily="18" charset="-34"/>
-                <a:cs typeface="Angsana New" pitchFamily="18" charset="-34"/>
-              </a:rPr>
-              <a:t>ประยุกต์</a:t>
-            </a:r>
-            <a:r>
-              <a:rPr lang="th-TH" dirty="0" smtClean="0">
-                <a:latin typeface="Angsana New" pitchFamily="18" charset="-34"/>
-                <a:cs typeface="Angsana New" pitchFamily="18" charset="-34"/>
-              </a:rPr>
-              <a:t>ใช้</a:t>
+              <a:t>เพื่อสร้างโปรแกรมประยุกต์ใช้</a:t>
             </a:r>
             <a:r>
               <a:rPr lang="th-TH" dirty="0">
@@ -12501,7 +12510,24 @@
             </a:endParaRPr>
           </a:p>
           <a:p>
-            <a:endParaRPr lang="th-TH" dirty="0" smtClean="0"/>
+            <a:r>
+              <a:rPr lang="th-TH" dirty="0" smtClean="0">
+                <a:latin typeface="Angsana New" pitchFamily="18" charset="-34"/>
+                <a:cs typeface="Angsana New" pitchFamily="18" charset="-34"/>
+              </a:rPr>
+              <a:t>เพื่อศึกษาการติดต่อกับดาวเทียมเพื่อขอพิกัดและใช้งาน </a:t>
+            </a:r>
+            <a:r>
+              <a:rPr lang="en-US" dirty="0" smtClean="0">
+                <a:latin typeface="Angsana New" pitchFamily="18" charset="-34"/>
+                <a:cs typeface="Angsana New" pitchFamily="18" charset="-34"/>
+              </a:rPr>
+              <a:t>GPS</a:t>
+            </a:r>
+            <a:endParaRPr lang="th-TH" dirty="0" smtClean="0">
+              <a:latin typeface="Angsana New" pitchFamily="18" charset="-34"/>
+              <a:cs typeface="Angsana New" pitchFamily="18" charset="-34"/>
+            </a:endParaRPr>
           </a:p>
           <a:p>
             <a:r>
@@ -12521,7 +12547,7 @@
     </p:spTree>
     <p:extLst>
       <p:ext uri="{BB962C8B-B14F-4D97-AF65-F5344CB8AC3E}">
-        <p14:creationId xmlns:p14="http://schemas.microsoft.com/office/powerpoint/2010/main" val="1897534785"/>
+        <p14:creationId xmlns:p14="http://schemas.microsoft.com/office/powerpoint/2010/main" xmlns="" val="1897534785"/>
       </p:ext>
     </p:extLst>
   </p:cSld>
@@ -12738,7 +12764,7 @@
     </p:spTree>
     <p:extLst>
       <p:ext uri="{BB962C8B-B14F-4D97-AF65-F5344CB8AC3E}">
-        <p14:creationId xmlns:p14="http://schemas.microsoft.com/office/powerpoint/2010/main" val="3158405881"/>
+        <p14:creationId xmlns:p14="http://schemas.microsoft.com/office/powerpoint/2010/main" xmlns="" val="3158405881"/>
       </p:ext>
     </p:extLst>
   </p:cSld>
@@ -12832,7 +12858,7 @@
           <a:blip r:embed="rId2" cstate="print">
             <a:extLst>
               <a:ext uri="{28A0092B-C50C-407E-A947-70E740481C1C}">
-                <a14:useLocalDpi xmlns:a14="http://schemas.microsoft.com/office/drawing/2010/main" val="0"/>
+                <a14:useLocalDpi xmlns:a14="http://schemas.microsoft.com/office/drawing/2010/main" xmlns="" val="0"/>
               </a:ext>
             </a:extLst>
           </a:blip>
@@ -12852,7 +12878,7 @@
           <a:noFill/>
           <a:extLst>
             <a:ext uri="{909E8E84-426E-40DD-AFC4-6F175D3DCCD1}">
-              <a14:hiddenFill xmlns:a14="http://schemas.microsoft.com/office/drawing/2010/main">
+              <a14:hiddenFill xmlns:a14="http://schemas.microsoft.com/office/drawing/2010/main" xmlns="">
                 <a:solidFill>
                   <a:srgbClr val="FFFFFF"/>
                 </a:solidFill>
@@ -12873,7 +12899,7 @@
           <a:blip r:embed="rId3" cstate="print">
             <a:extLst>
               <a:ext uri="{28A0092B-C50C-407E-A947-70E740481C1C}">
-                <a14:useLocalDpi xmlns:a14="http://schemas.microsoft.com/office/drawing/2010/main" val="0"/>
+                <a14:useLocalDpi xmlns:a14="http://schemas.microsoft.com/office/drawing/2010/main" xmlns="" val="0"/>
               </a:ext>
             </a:extLst>
           </a:blip>
@@ -12893,7 +12919,7 @@
           <a:noFill/>
           <a:extLst>
             <a:ext uri="{909E8E84-426E-40DD-AFC4-6F175D3DCCD1}">
-              <a14:hiddenFill xmlns:a14="http://schemas.microsoft.com/office/drawing/2010/main">
+              <a14:hiddenFill xmlns:a14="http://schemas.microsoft.com/office/drawing/2010/main" xmlns="">
                 <a:solidFill>
                   <a:srgbClr val="FFFFFF"/>
                 </a:solidFill>
@@ -12914,7 +12940,7 @@
           <a:blip r:embed="rId4" cstate="print">
             <a:extLst>
               <a:ext uri="{28A0092B-C50C-407E-A947-70E740481C1C}">
-                <a14:useLocalDpi xmlns:a14="http://schemas.microsoft.com/office/drawing/2010/main" val="0"/>
+                <a14:useLocalDpi xmlns:a14="http://schemas.microsoft.com/office/drawing/2010/main" xmlns="" val="0"/>
               </a:ext>
             </a:extLst>
           </a:blip>
@@ -12934,7 +12960,7 @@
           <a:noFill/>
           <a:extLst>
             <a:ext uri="{909E8E84-426E-40DD-AFC4-6F175D3DCCD1}">
-              <a14:hiddenFill xmlns:a14="http://schemas.microsoft.com/office/drawing/2010/main">
+              <a14:hiddenFill xmlns:a14="http://schemas.microsoft.com/office/drawing/2010/main" xmlns="">
                 <a:solidFill>
                   <a:srgbClr val="FFFFFF"/>
                 </a:solidFill>
@@ -12955,7 +12981,7 @@
           <a:blip r:embed="rId5" cstate="print">
             <a:extLst>
               <a:ext uri="{28A0092B-C50C-407E-A947-70E740481C1C}">
-                <a14:useLocalDpi xmlns:a14="http://schemas.microsoft.com/office/drawing/2010/main" val="0"/>
+                <a14:useLocalDpi xmlns:a14="http://schemas.microsoft.com/office/drawing/2010/main" xmlns="" val="0"/>
               </a:ext>
             </a:extLst>
           </a:blip>
@@ -12975,7 +13001,7 @@
           <a:noFill/>
           <a:extLst>
             <a:ext uri="{909E8E84-426E-40DD-AFC4-6F175D3DCCD1}">
-              <a14:hiddenFill xmlns:a14="http://schemas.microsoft.com/office/drawing/2010/main">
+              <a14:hiddenFill xmlns:a14="http://schemas.microsoft.com/office/drawing/2010/main" xmlns="">
                 <a:solidFill>
                   <a:srgbClr val="FFFFFF"/>
                 </a:solidFill>
@@ -12987,7 +13013,7 @@
     </p:spTree>
     <p:extLst>
       <p:ext uri="{BB962C8B-B14F-4D97-AF65-F5344CB8AC3E}">
-        <p14:creationId xmlns:p14="http://schemas.microsoft.com/office/powerpoint/2010/main" val="1312023503"/>
+        <p14:creationId xmlns:p14="http://schemas.microsoft.com/office/powerpoint/2010/main" xmlns="" val="1312023503"/>
       </p:ext>
     </p:extLst>
   </p:cSld>
@@ -13312,7 +13338,7 @@
             <p:ph idx="1"/>
             <p:extLst>
               <p:ext uri="{D42A27DB-BD31-4B8C-83A1-F6EECF244321}">
-                <p14:modId xmlns:p14="http://schemas.microsoft.com/office/powerpoint/2010/main" val="1635963238"/>
+                <p14:modId xmlns:p14="http://schemas.microsoft.com/office/powerpoint/2010/main" xmlns="" val="1635963238"/>
               </p:ext>
             </p:extLst>
           </p:nvPr>
@@ -13565,11 +13591,25 @@
                     <a:p>
                       <a:pPr algn="ctr"/>
                       <a:r>
+                        <a:rPr lang="th-TH" sz="2400" smtClean="0">
+                          <a:latin typeface="Angsana New" pitchFamily="18" charset="-34"/>
+                          <a:cs typeface="Angsana New" pitchFamily="18" charset="-34"/>
+                        </a:rPr>
+                        <a:t>ดูภาพรวม</a:t>
+                      </a:r>
+                      <a:r>
+                        <a:rPr lang="th-TH" sz="2400" dirty="0" err="1" smtClean="0">
+                          <a:latin typeface="Angsana New" pitchFamily="18" charset="-34"/>
+                          <a:cs typeface="Angsana New" pitchFamily="18" charset="-34"/>
+                        </a:rPr>
+                        <a:t>ข</a:t>
+                      </a:r>
+                      <a:r>
                         <a:rPr lang="th-TH" sz="2400" dirty="0" smtClean="0">
                           <a:latin typeface="Angsana New" pitchFamily="18" charset="-34"/>
                           <a:cs typeface="Angsana New" pitchFamily="18" charset="-34"/>
                         </a:rPr>
-                        <a:t>ดูรวมรวมของการเดินทาง</a:t>
+                        <a:t>องการเดินทาง</a:t>
                       </a:r>
                       <a:endParaRPr lang="en-US" sz="2400" dirty="0">
                         <a:latin typeface="Angsana New" pitchFamily="18" charset="-34"/>
@@ -14023,7 +14063,7 @@
     </p:spTree>
     <p:extLst>
       <p:ext uri="{BB962C8B-B14F-4D97-AF65-F5344CB8AC3E}">
-        <p14:creationId xmlns:p14="http://schemas.microsoft.com/office/powerpoint/2010/main" val="222104164"/>
+        <p14:creationId xmlns:p14="http://schemas.microsoft.com/office/powerpoint/2010/main" xmlns="" val="222104164"/>
       </p:ext>
     </p:extLst>
   </p:cSld>

--- a/Doc/ProjectPresentation1.pptx
+++ b/Doc/ProjectPresentation1.pptx
@@ -5,26 +5,31 @@
     <p:sldMasterId id="2147483648" r:id="rId1"/>
   </p:sldMasterIdLst>
   <p:notesMasterIdLst>
-    <p:notesMasterId r:id="rId19"/>
+    <p:notesMasterId r:id="rId21"/>
   </p:notesMasterIdLst>
+  <p:handoutMasterIdLst>
+    <p:handoutMasterId r:id="rId22"/>
+  </p:handoutMasterIdLst>
   <p:sldIdLst>
     <p:sldId id="256" r:id="rId2"/>
-    <p:sldId id="257" r:id="rId3"/>
-    <p:sldId id="269" r:id="rId4"/>
-    <p:sldId id="268" r:id="rId5"/>
-    <p:sldId id="271" r:id="rId6"/>
-    <p:sldId id="265" r:id="rId7"/>
-    <p:sldId id="270" r:id="rId8"/>
-    <p:sldId id="266" r:id="rId9"/>
-    <p:sldId id="273" r:id="rId10"/>
-    <p:sldId id="267" r:id="rId11"/>
-    <p:sldId id="258" r:id="rId12"/>
-    <p:sldId id="260" r:id="rId13"/>
-    <p:sldId id="262" r:id="rId14"/>
-    <p:sldId id="261" r:id="rId15"/>
-    <p:sldId id="263" r:id="rId16"/>
-    <p:sldId id="264" r:id="rId17"/>
-    <p:sldId id="272" r:id="rId18"/>
+    <p:sldId id="274" r:id="rId3"/>
+    <p:sldId id="275" r:id="rId4"/>
+    <p:sldId id="257" r:id="rId5"/>
+    <p:sldId id="269" r:id="rId6"/>
+    <p:sldId id="268" r:id="rId7"/>
+    <p:sldId id="271" r:id="rId8"/>
+    <p:sldId id="265" r:id="rId9"/>
+    <p:sldId id="270" r:id="rId10"/>
+    <p:sldId id="266" r:id="rId11"/>
+    <p:sldId id="273" r:id="rId12"/>
+    <p:sldId id="267" r:id="rId13"/>
+    <p:sldId id="258" r:id="rId14"/>
+    <p:sldId id="260" r:id="rId15"/>
+    <p:sldId id="262" r:id="rId16"/>
+    <p:sldId id="261" r:id="rId17"/>
+    <p:sldId id="263" r:id="rId18"/>
+    <p:sldId id="264" r:id="rId19"/>
+    <p:sldId id="272" r:id="rId20"/>
   </p:sldIdLst>
   <p:sldSz cx="9144000" cy="6858000" type="screen4x3"/>
   <p:notesSz cx="6858000" cy="9144000"/>
@@ -1137,8 +1142,8 @@
     <dgm:cxn modelId="{BCAE8D34-2DF0-4DF2-80F1-3CA31A184F70}" type="presOf" srcId="{B16CC3DF-6F09-447E-9CAB-0F26C694BF33}" destId="{C67984F5-77EA-43A6-9D02-299A9C887AB4}" srcOrd="0" destOrd="0" presId="urn:microsoft.com/office/officeart/2005/8/layout/funnel1"/>
     <dgm:cxn modelId="{26A19BB3-2B5D-4A8B-9F43-CD9DC2115091}" type="presOf" srcId="{7622D27D-1418-454B-8843-814A956FD9D1}" destId="{7BD4EBA1-C18C-43A4-B814-C8137E3BBEB1}" srcOrd="0" destOrd="0" presId="urn:microsoft.com/office/officeart/2005/8/layout/funnel1"/>
     <dgm:cxn modelId="{C87A493C-5A32-4F48-B471-F15B3B632119}" srcId="{7622D27D-1418-454B-8843-814A956FD9D1}" destId="{B16CC3DF-6F09-447E-9CAB-0F26C694BF33}" srcOrd="0" destOrd="0" parTransId="{A2B03C21-AD22-4A41-B91A-EDBBF4A9E303}" sibTransId="{5B0884FF-B6FC-4D9E-826D-A274B44DC1C5}"/>
+    <dgm:cxn modelId="{2114F41E-B164-4555-8679-582A2790C4D7}" srcId="{7622D27D-1418-454B-8843-814A956FD9D1}" destId="{76944704-A16E-40A3-8D28-45750423D4AB}" srcOrd="1" destOrd="0" parTransId="{4C9ED8B0-9A97-497C-B9E1-739F3EF399DD}" sibTransId="{EDA11C35-0ABC-482C-B1A8-EDECC8460B99}"/>
     <dgm:cxn modelId="{0147FC70-517A-49A2-A64B-D42D84E7CA6E}" type="presOf" srcId="{76944704-A16E-40A3-8D28-45750423D4AB}" destId="{7A545E6C-0F8C-4132-B331-B7ECFC12E3A6}" srcOrd="0" destOrd="0" presId="urn:microsoft.com/office/officeart/2005/8/layout/funnel1"/>
-    <dgm:cxn modelId="{2114F41E-B164-4555-8679-582A2790C4D7}" srcId="{7622D27D-1418-454B-8843-814A956FD9D1}" destId="{76944704-A16E-40A3-8D28-45750423D4AB}" srcOrd="1" destOrd="0" parTransId="{4C9ED8B0-9A97-497C-B9E1-739F3EF399DD}" sibTransId="{EDA11C35-0ABC-482C-B1A8-EDECC8460B99}"/>
     <dgm:cxn modelId="{0BFA8BCD-64BD-4EFF-B899-C8719F8A0E55}" srcId="{7622D27D-1418-454B-8843-814A956FD9D1}" destId="{DC903487-BB82-4DFC-B625-BF85C817133E}" srcOrd="2" destOrd="0" parTransId="{FBB9706C-C441-4FAF-B21F-13CB8C42005C}" sibTransId="{3A0450F4-50FE-4FA7-B739-C1195D3FA9A7}"/>
     <dgm:cxn modelId="{C32F4944-87AD-440A-8446-BA7FDD34A189}" type="presOf" srcId="{95DC65B9-BC1A-4760-A531-1FC856889EB4}" destId="{AED0CA65-6A91-4F55-B1D5-2C93C67A216C}" srcOrd="0" destOrd="0" presId="urn:microsoft.com/office/officeart/2005/8/layout/funnel1"/>
     <dgm:cxn modelId="{4C8EBBD5-3527-4D0E-A55C-9D5FC5B226C0}" type="presParOf" srcId="{7BD4EBA1-C18C-43A4-B814-C8137E3BBEB1}" destId="{9CF2904A-95E3-426D-A0E7-D36C77D650C8}" srcOrd="0" destOrd="0" presId="urn:microsoft.com/office/officeart/2005/8/layout/funnel1"/>
@@ -2951,6 +2956,171 @@
 </dgm:styleDef>
 </file>
 
+<file path=ppt/handoutMasters/handoutMaster1.xml><?xml version="1.0" encoding="utf-8"?>
+<p:handoutMaster xmlns:a="http://schemas.openxmlformats.org/drawingml/2006/main" xmlns:r="http://schemas.openxmlformats.org/officeDocument/2006/relationships" xmlns:p="http://schemas.openxmlformats.org/presentationml/2006/main">
+  <p:cSld>
+    <p:bg>
+      <p:bgRef idx="1001">
+        <a:schemeClr val="bg1"/>
+      </p:bgRef>
+    </p:bg>
+    <p:spTree>
+      <p:nvGrpSpPr>
+        <p:cNvPr id="1" name=""/>
+        <p:cNvGrpSpPr/>
+        <p:nvPr/>
+      </p:nvGrpSpPr>
+      <p:grpSpPr>
+        <a:xfrm>
+          <a:off x="0" y="0"/>
+          <a:ext cx="0" cy="0"/>
+          <a:chOff x="0" y="0"/>
+          <a:chExt cx="0" cy="0"/>
+        </a:xfrm>
+      </p:grpSpPr>
+      <p:sp>
+        <p:nvSpPr>
+          <p:cNvPr id="2" name="ตัวยึดหัวกระดาษ 1"/>
+          <p:cNvSpPr>
+            <a:spLocks noGrp="1"/>
+          </p:cNvSpPr>
+          <p:nvPr>
+            <p:ph type="hdr" sz="quarter"/>
+          </p:nvPr>
+        </p:nvSpPr>
+        <p:spPr>
+          <a:xfrm>
+            <a:off x="0" y="0"/>
+            <a:ext cx="2971800" cy="457200"/>
+          </a:xfrm>
+          <a:prstGeom prst="rect">
+            <a:avLst/>
+          </a:prstGeom>
+        </p:spPr>
+        <p:txBody>
+          <a:bodyPr vert="horz" lIns="91440" tIns="45720" rIns="91440" bIns="45720" rtlCol="0"/>
+          <a:lstStyle>
+            <a:lvl1pPr algn="l">
+              <a:defRPr sz="1200"/>
+            </a:lvl1pPr>
+          </a:lstStyle>
+          <a:p>
+            <a:endParaRPr lang="th-TH"/>
+          </a:p>
+        </p:txBody>
+      </p:sp>
+      <p:sp>
+        <p:nvSpPr>
+          <p:cNvPr id="3" name="ตัวยึดวันที่ 2"/>
+          <p:cNvSpPr>
+            <a:spLocks noGrp="1"/>
+          </p:cNvSpPr>
+          <p:nvPr>
+            <p:ph type="dt" sz="quarter" idx="1"/>
+          </p:nvPr>
+        </p:nvSpPr>
+        <p:spPr>
+          <a:xfrm>
+            <a:off x="3884613" y="0"/>
+            <a:ext cx="2971800" cy="457200"/>
+          </a:xfrm>
+          <a:prstGeom prst="rect">
+            <a:avLst/>
+          </a:prstGeom>
+        </p:spPr>
+        <p:txBody>
+          <a:bodyPr vert="horz" lIns="91440" tIns="45720" rIns="91440" bIns="45720" rtlCol="0"/>
+          <a:lstStyle>
+            <a:lvl1pPr algn="r">
+              <a:defRPr sz="1200"/>
+            </a:lvl1pPr>
+          </a:lstStyle>
+          <a:p>
+            <a:fld id="{FC597110-14BA-478E-BD7D-E2DC62330425}" type="datetimeFigureOut">
+              <a:rPr lang="th-TH" smtClean="0"/>
+              <a:t>06/09/54</a:t>
+            </a:fld>
+            <a:endParaRPr lang="th-TH"/>
+          </a:p>
+        </p:txBody>
+      </p:sp>
+      <p:sp>
+        <p:nvSpPr>
+          <p:cNvPr id="4" name="ตัวยึดท้ายกระดาษ 3"/>
+          <p:cNvSpPr>
+            <a:spLocks noGrp="1"/>
+          </p:cNvSpPr>
+          <p:nvPr>
+            <p:ph type="ftr" sz="quarter" idx="2"/>
+          </p:nvPr>
+        </p:nvSpPr>
+        <p:spPr>
+          <a:xfrm>
+            <a:off x="0" y="8685213"/>
+            <a:ext cx="2971800" cy="457200"/>
+          </a:xfrm>
+          <a:prstGeom prst="rect">
+            <a:avLst/>
+          </a:prstGeom>
+        </p:spPr>
+        <p:txBody>
+          <a:bodyPr vert="horz" lIns="91440" tIns="45720" rIns="91440" bIns="45720" rtlCol="0" anchor="b"/>
+          <a:lstStyle>
+            <a:lvl1pPr algn="l">
+              <a:defRPr sz="1200"/>
+            </a:lvl1pPr>
+          </a:lstStyle>
+          <a:p>
+            <a:r>
+              <a:rPr lang="th-TH" smtClean="0"/>
+              <a:t>สวัสดี</a:t>
+            </a:r>
+            <a:endParaRPr lang="th-TH"/>
+          </a:p>
+        </p:txBody>
+      </p:sp>
+      <p:sp>
+        <p:nvSpPr>
+          <p:cNvPr id="5" name="ตัวยึดหมายเลขภาพนิ่ง 4"/>
+          <p:cNvSpPr>
+            <a:spLocks noGrp="1"/>
+          </p:cNvSpPr>
+          <p:nvPr>
+            <p:ph type="sldNum" sz="quarter" idx="3"/>
+          </p:nvPr>
+        </p:nvSpPr>
+        <p:spPr>
+          <a:xfrm>
+            <a:off x="3884613" y="8685213"/>
+            <a:ext cx="2971800" cy="457200"/>
+          </a:xfrm>
+          <a:prstGeom prst="rect">
+            <a:avLst/>
+          </a:prstGeom>
+        </p:spPr>
+        <p:txBody>
+          <a:bodyPr vert="horz" lIns="91440" tIns="45720" rIns="91440" bIns="45720" rtlCol="0" anchor="b"/>
+          <a:lstStyle>
+            <a:lvl1pPr algn="r">
+              <a:defRPr sz="1200"/>
+            </a:lvl1pPr>
+          </a:lstStyle>
+          <a:p>
+            <a:fld id="{F9F50428-D5D7-4D4F-9DF3-E51A5A24EA90}" type="slidenum">
+              <a:rPr lang="th-TH" smtClean="0"/>
+              <a:t>‹#›</a:t>
+            </a:fld>
+            <a:endParaRPr lang="th-TH"/>
+          </a:p>
+        </p:txBody>
+      </p:sp>
+    </p:spTree>
+  </p:cSld>
+  <p:clrMap bg1="lt1" tx1="dk1" bg2="lt2" tx2="dk2" accent1="accent1" accent2="accent2" accent3="accent3" accent4="accent4" accent5="accent5" accent6="accent6" hlink="hlink" folHlink="folHlink"/>
+  <p:hf sldNum="0" hdr="0" ftr="0" dt="0"/>
+</p:handoutMaster>
+</file>
+
 <file path=ppt/notesMasters/notesMaster1.xml><?xml version="1.0" encoding="utf-8"?>
 <p:notesMaster xmlns:a="http://schemas.openxmlformats.org/drawingml/2006/main" xmlns:r="http://schemas.openxmlformats.org/officeDocument/2006/relationships" xmlns:p="http://schemas.openxmlformats.org/presentationml/2006/main">
   <p:cSld>
@@ -3034,7 +3204,7 @@
             <a:fld id="{8529C4BC-B2A5-4433-83F8-57753B4C3B20}" type="datetimeFigureOut">
               <a:rPr lang="en-US" smtClean="0"/>
               <a:pPr/>
-              <a:t>9/5/2011</a:t>
+              <a:t>9/6/2011</a:t>
             </a:fld>
             <a:endParaRPr lang="en-US"/>
           </a:p>
@@ -3160,6 +3330,10 @@
             </a:lvl1pPr>
           </a:lstStyle>
           <a:p>
+            <a:r>
+              <a:rPr lang="th-TH" smtClean="0"/>
+              <a:t>สวัสดี</a:t>
+            </a:r>
             <a:endParaRPr lang="en-US"/>
           </a:p>
         </p:txBody>
@@ -3203,11 +3377,12 @@
     </p:spTree>
     <p:extLst>
       <p:ext uri="{BB962C8B-B14F-4D97-AF65-F5344CB8AC3E}">
-        <p14:creationId xmlns:p14="http://schemas.microsoft.com/office/powerpoint/2010/main" xmlns="" val="1972029052"/>
+        <p14:creationId xmlns="" xmlns:p14="http://schemas.microsoft.com/office/powerpoint/2010/main" val="1972029052"/>
       </p:ext>
     </p:extLst>
   </p:cSld>
   <p:clrMap bg1="lt1" tx1="dk1" bg2="lt2" tx2="dk2" accent1="accent1" accent2="accent2" accent3="accent3" accent4="accent4" accent5="accent5" accent6="accent6" hlink="hlink" folHlink="folHlink"/>
+  <p:hf sldNum="0" hdr="0" ftr="0" dt="0"/>
   <p:notesStyle>
     <a:lvl1pPr marL="0" algn="l" defTabSz="914400" rtl="0" eaLnBrk="1" latinLnBrk="0" hangingPunct="1">
       <a:defRPr sz="1200" kern="1200">
@@ -3322,7 +3497,7 @@
       </p:grpSpPr>
       <p:sp>
         <p:nvSpPr>
-          <p:cNvPr id="2" name="Slide Image Placeholder 1"/>
+          <p:cNvPr id="2" name="ตัวยึดรูปบนภาพนิ่ง 1"/>
           <p:cNvSpPr>
             <a:spLocks noGrp="1" noRot="1" noChangeAspect="1"/>
           </p:cNvSpPr>
@@ -3334,7 +3509,7 @@
       </p:sp>
       <p:sp>
         <p:nvSpPr>
-          <p:cNvPr id="3" name="Notes Placeholder 2"/>
+          <p:cNvPr id="3" name="ตัวยึดบันทึกย่อ 2"/>
           <p:cNvSpPr>
             <a:spLocks noGrp="1"/>
           </p:cNvSpPr>
@@ -3344,43 +3519,16 @@
         </p:nvSpPr>
         <p:spPr/>
         <p:txBody>
-          <a:bodyPr/>
+          <a:bodyPr>
+            <a:normAutofit/>
+          </a:bodyPr>
           <a:lstStyle/>
           <a:p>
-            <a:endParaRPr lang="en-US" dirty="0"/>
-          </a:p>
-        </p:txBody>
-      </p:sp>
-      <p:sp>
-        <p:nvSpPr>
-          <p:cNvPr id="4" name="Slide Number Placeholder 3"/>
-          <p:cNvSpPr>
-            <a:spLocks noGrp="1"/>
-          </p:cNvSpPr>
-          <p:nvPr>
-            <p:ph type="sldNum" sz="quarter" idx="10"/>
-          </p:nvPr>
-        </p:nvSpPr>
-        <p:spPr/>
-        <p:txBody>
-          <a:bodyPr/>
-          <a:lstStyle/>
-          <a:p>
-            <a:fld id="{DADD876A-1B49-49DD-8F2D-83CBD6209C57}" type="slidenum">
-              <a:rPr lang="en-US" smtClean="0"/>
-              <a:pPr/>
-              <a:t>12</a:t>
-            </a:fld>
-            <a:endParaRPr lang="en-US"/>
+            <a:endParaRPr lang="th-TH"/>
           </a:p>
         </p:txBody>
       </p:sp>
     </p:spTree>
-    <p:extLst>
-      <p:ext uri="{BB962C8B-B14F-4D97-AF65-F5344CB8AC3E}">
-        <p14:creationId xmlns:p14="http://schemas.microsoft.com/office/powerpoint/2010/main" xmlns="" val="3222338183"/>
-      </p:ext>
-    </p:extLst>
   </p:cSld>
   <p:clrMapOvr>
     <a:masterClrMapping/>
@@ -3436,14 +3584,56 @@
           </a:p>
         </p:txBody>
       </p:sp>
+    </p:spTree>
+    <p:extLst>
+      <p:ext uri="{BB962C8B-B14F-4D97-AF65-F5344CB8AC3E}">
+        <p14:creationId xmlns="" xmlns:p14="http://schemas.microsoft.com/office/powerpoint/2010/main" val="3222338183"/>
+      </p:ext>
+    </p:extLst>
+  </p:cSld>
+  <p:clrMapOvr>
+    <a:masterClrMapping/>
+  </p:clrMapOvr>
+</p:notes>
+</file>
+
+<file path=ppt/notesSlides/notesSlide3.xml><?xml version="1.0" encoding="utf-8"?>
+<p:notes xmlns:a="http://schemas.openxmlformats.org/drawingml/2006/main" xmlns:r="http://schemas.openxmlformats.org/officeDocument/2006/relationships" xmlns:p="http://schemas.openxmlformats.org/presentationml/2006/main">
+  <p:cSld>
+    <p:spTree>
+      <p:nvGrpSpPr>
+        <p:cNvPr id="1" name=""/>
+        <p:cNvGrpSpPr/>
+        <p:nvPr/>
+      </p:nvGrpSpPr>
+      <p:grpSpPr>
+        <a:xfrm>
+          <a:off x="0" y="0"/>
+          <a:ext cx="0" cy="0"/>
+          <a:chOff x="0" y="0"/>
+          <a:chExt cx="0" cy="0"/>
+        </a:xfrm>
+      </p:grpSpPr>
       <p:sp>
         <p:nvSpPr>
-          <p:cNvPr id="4" name="Slide Number Placeholder 3"/>
+          <p:cNvPr id="2" name="Slide Image Placeholder 1"/>
+          <p:cNvSpPr>
+            <a:spLocks noGrp="1" noRot="1" noChangeAspect="1"/>
+          </p:cNvSpPr>
+          <p:nvPr>
+            <p:ph type="sldImg"/>
+          </p:nvPr>
+        </p:nvSpPr>
+        <p:spPr/>
+      </p:sp>
+      <p:sp>
+        <p:nvSpPr>
+          <p:cNvPr id="3" name="Notes Placeholder 2"/>
           <p:cNvSpPr>
             <a:spLocks noGrp="1"/>
           </p:cNvSpPr>
           <p:nvPr>
-            <p:ph type="sldNum" sz="quarter" idx="10"/>
+            <p:ph type="body" idx="1"/>
           </p:nvPr>
         </p:nvSpPr>
         <p:spPr/>
@@ -3451,19 +3641,14 @@
           <a:bodyPr/>
           <a:lstStyle/>
           <a:p>
-            <a:fld id="{DADD876A-1B49-49DD-8F2D-83CBD6209C57}" type="slidenum">
-              <a:rPr lang="en-US" smtClean="0"/>
-              <a:pPr/>
-              <a:t>13</a:t>
-            </a:fld>
-            <a:endParaRPr lang="en-US"/>
+            <a:endParaRPr lang="en-US" dirty="0"/>
           </a:p>
         </p:txBody>
       </p:sp>
     </p:spTree>
     <p:extLst>
       <p:ext uri="{BB962C8B-B14F-4D97-AF65-F5344CB8AC3E}">
-        <p14:creationId xmlns:p14="http://schemas.microsoft.com/office/powerpoint/2010/main" xmlns="" val="3222338183"/>
+        <p14:creationId xmlns="" xmlns:p14="http://schemas.microsoft.com/office/powerpoint/2010/main" val="3222338183"/>
       </p:ext>
     </p:extLst>
   </p:cSld>
@@ -3652,10 +3837,9 @@
           <a:bodyPr/>
           <a:lstStyle/>
           <a:p>
-            <a:fld id="{A623BE0C-B4FE-411C-B00F-FCA6A312E010}" type="datetimeFigureOut">
+            <a:fld id="{79D75484-867B-4E37-8BA4-1000EBC5D18A}" type="datetime1">
               <a:rPr lang="en-US" smtClean="0"/>
-              <a:pPr/>
-              <a:t>9/5/2011</a:t>
+              <a:t>9/6/2011</a:t>
             </a:fld>
             <a:endParaRPr lang="en-US"/>
           </a:p>
@@ -3707,7 +3891,7 @@
     </p:spTree>
     <p:extLst>
       <p:ext uri="{BB962C8B-B14F-4D97-AF65-F5344CB8AC3E}">
-        <p14:creationId xmlns:p14="http://schemas.microsoft.com/office/powerpoint/2010/main" xmlns="" val="323588753"/>
+        <p14:creationId xmlns="" xmlns:p14="http://schemas.microsoft.com/office/powerpoint/2010/main" val="323588753"/>
       </p:ext>
     </p:extLst>
   </p:cSld>
@@ -3824,10 +4008,9 @@
           <a:bodyPr/>
           <a:lstStyle/>
           <a:p>
-            <a:fld id="{A623BE0C-B4FE-411C-B00F-FCA6A312E010}" type="datetimeFigureOut">
+            <a:fld id="{763AA583-1178-4AF0-BCE1-963E0E22340A}" type="datetime1">
               <a:rPr lang="en-US" smtClean="0"/>
-              <a:pPr/>
-              <a:t>9/5/2011</a:t>
+              <a:t>9/6/2011</a:t>
             </a:fld>
             <a:endParaRPr lang="en-US"/>
           </a:p>
@@ -3879,7 +4062,7 @@
     </p:spTree>
     <p:extLst>
       <p:ext uri="{BB962C8B-B14F-4D97-AF65-F5344CB8AC3E}">
-        <p14:creationId xmlns:p14="http://schemas.microsoft.com/office/powerpoint/2010/main" xmlns="" val="2921916018"/>
+        <p14:creationId xmlns="" xmlns:p14="http://schemas.microsoft.com/office/powerpoint/2010/main" val="2921916018"/>
       </p:ext>
     </p:extLst>
   </p:cSld>
@@ -4006,10 +4189,9 @@
           <a:bodyPr/>
           <a:lstStyle/>
           <a:p>
-            <a:fld id="{A623BE0C-B4FE-411C-B00F-FCA6A312E010}" type="datetimeFigureOut">
+            <a:fld id="{B9252A58-3CE1-454D-A577-0767E3E53F90}" type="datetime1">
               <a:rPr lang="en-US" smtClean="0"/>
-              <a:pPr/>
-              <a:t>9/5/2011</a:t>
+              <a:t>9/6/2011</a:t>
             </a:fld>
             <a:endParaRPr lang="en-US"/>
           </a:p>
@@ -4061,7 +4243,7 @@
     </p:spTree>
     <p:extLst>
       <p:ext uri="{BB962C8B-B14F-4D97-AF65-F5344CB8AC3E}">
-        <p14:creationId xmlns:p14="http://schemas.microsoft.com/office/powerpoint/2010/main" xmlns="" val="3760154480"/>
+        <p14:creationId xmlns="" xmlns:p14="http://schemas.microsoft.com/office/powerpoint/2010/main" val="3760154480"/>
       </p:ext>
     </p:extLst>
   </p:cSld>
@@ -4178,10 +4360,9 @@
           <a:bodyPr/>
           <a:lstStyle/>
           <a:p>
-            <a:fld id="{A623BE0C-B4FE-411C-B00F-FCA6A312E010}" type="datetimeFigureOut">
+            <a:fld id="{6DCD20FE-B68E-4FD8-84AB-646BC7234C9B}" type="datetime1">
               <a:rPr lang="en-US" smtClean="0"/>
-              <a:pPr/>
-              <a:t>9/5/2011</a:t>
+              <a:t>9/6/2011</a:t>
             </a:fld>
             <a:endParaRPr lang="en-US"/>
           </a:p>
@@ -4233,7 +4414,7 @@
     </p:spTree>
     <p:extLst>
       <p:ext uri="{BB962C8B-B14F-4D97-AF65-F5344CB8AC3E}">
-        <p14:creationId xmlns:p14="http://schemas.microsoft.com/office/powerpoint/2010/main" xmlns="" val="2253544174"/>
+        <p14:creationId xmlns="" xmlns:p14="http://schemas.microsoft.com/office/powerpoint/2010/main" val="2253544174"/>
       </p:ext>
     </p:extLst>
   </p:cSld>
@@ -4426,10 +4607,9 @@
           <a:bodyPr/>
           <a:lstStyle/>
           <a:p>
-            <a:fld id="{A623BE0C-B4FE-411C-B00F-FCA6A312E010}" type="datetimeFigureOut">
+            <a:fld id="{31B3A666-95CF-4A9F-B45B-A7B0CF56EB97}" type="datetime1">
               <a:rPr lang="en-US" smtClean="0"/>
-              <a:pPr/>
-              <a:t>9/5/2011</a:t>
+              <a:t>9/6/2011</a:t>
             </a:fld>
             <a:endParaRPr lang="en-US"/>
           </a:p>
@@ -4481,7 +4661,7 @@
     </p:spTree>
     <p:extLst>
       <p:ext uri="{BB962C8B-B14F-4D97-AF65-F5344CB8AC3E}">
-        <p14:creationId xmlns:p14="http://schemas.microsoft.com/office/powerpoint/2010/main" xmlns="" val="2280461358"/>
+        <p14:creationId xmlns="" xmlns:p14="http://schemas.microsoft.com/office/powerpoint/2010/main" val="2280461358"/>
       </p:ext>
     </p:extLst>
   </p:cSld>
@@ -4716,10 +4896,9 @@
           <a:bodyPr/>
           <a:lstStyle/>
           <a:p>
-            <a:fld id="{A623BE0C-B4FE-411C-B00F-FCA6A312E010}" type="datetimeFigureOut">
+            <a:fld id="{6DAC5AFD-AE86-4D08-81AE-74804E6EC034}" type="datetime1">
               <a:rPr lang="en-US" smtClean="0"/>
-              <a:pPr/>
-              <a:t>9/5/2011</a:t>
+              <a:t>9/6/2011</a:t>
             </a:fld>
             <a:endParaRPr lang="en-US"/>
           </a:p>
@@ -4771,7 +4950,7 @@
     </p:spTree>
     <p:extLst>
       <p:ext uri="{BB962C8B-B14F-4D97-AF65-F5344CB8AC3E}">
-        <p14:creationId xmlns:p14="http://schemas.microsoft.com/office/powerpoint/2010/main" xmlns="" val="2314838259"/>
+        <p14:creationId xmlns="" xmlns:p14="http://schemas.microsoft.com/office/powerpoint/2010/main" val="2314838259"/>
       </p:ext>
     </p:extLst>
   </p:cSld>
@@ -5140,10 +5319,9 @@
           <a:bodyPr/>
           <a:lstStyle/>
           <a:p>
-            <a:fld id="{A623BE0C-B4FE-411C-B00F-FCA6A312E010}" type="datetimeFigureOut">
+            <a:fld id="{36555EC0-221F-44C4-A454-BDA0A9B5CA19}" type="datetime1">
               <a:rPr lang="en-US" smtClean="0"/>
-              <a:pPr/>
-              <a:t>9/5/2011</a:t>
+              <a:t>9/6/2011</a:t>
             </a:fld>
             <a:endParaRPr lang="en-US"/>
           </a:p>
@@ -5195,7 +5373,7 @@
     </p:spTree>
     <p:extLst>
       <p:ext uri="{BB962C8B-B14F-4D97-AF65-F5344CB8AC3E}">
-        <p14:creationId xmlns:p14="http://schemas.microsoft.com/office/powerpoint/2010/main" xmlns="" val="825642813"/>
+        <p14:creationId xmlns="" xmlns:p14="http://schemas.microsoft.com/office/powerpoint/2010/main" val="825642813"/>
       </p:ext>
     </p:extLst>
   </p:cSld>
@@ -5260,10 +5438,9 @@
           <a:bodyPr/>
           <a:lstStyle/>
           <a:p>
-            <a:fld id="{A623BE0C-B4FE-411C-B00F-FCA6A312E010}" type="datetimeFigureOut">
+            <a:fld id="{121D7E75-1A95-4F15-8F60-81474601E25E}" type="datetime1">
               <a:rPr lang="en-US" smtClean="0"/>
-              <a:pPr/>
-              <a:t>9/5/2011</a:t>
+              <a:t>9/6/2011</a:t>
             </a:fld>
             <a:endParaRPr lang="en-US"/>
           </a:p>
@@ -5315,7 +5492,7 @@
     </p:spTree>
     <p:extLst>
       <p:ext uri="{BB962C8B-B14F-4D97-AF65-F5344CB8AC3E}">
-        <p14:creationId xmlns:p14="http://schemas.microsoft.com/office/powerpoint/2010/main" xmlns="" val="2594057694"/>
+        <p14:creationId xmlns="" xmlns:p14="http://schemas.microsoft.com/office/powerpoint/2010/main" val="2594057694"/>
       </p:ext>
     </p:extLst>
   </p:cSld>
@@ -5357,10 +5534,9 @@
           <a:bodyPr/>
           <a:lstStyle/>
           <a:p>
-            <a:fld id="{A623BE0C-B4FE-411C-B00F-FCA6A312E010}" type="datetimeFigureOut">
+            <a:fld id="{CF053A9B-032A-4AFC-B30C-465807D77E79}" type="datetime1">
               <a:rPr lang="en-US" smtClean="0"/>
-              <a:pPr/>
-              <a:t>9/5/2011</a:t>
+              <a:t>9/6/2011</a:t>
             </a:fld>
             <a:endParaRPr lang="en-US"/>
           </a:p>
@@ -5412,7 +5588,7 @@
     </p:spTree>
     <p:extLst>
       <p:ext uri="{BB962C8B-B14F-4D97-AF65-F5344CB8AC3E}">
-        <p14:creationId xmlns:p14="http://schemas.microsoft.com/office/powerpoint/2010/main" xmlns="" val="3349367938"/>
+        <p14:creationId xmlns="" xmlns:p14="http://schemas.microsoft.com/office/powerpoint/2010/main" val="3349367938"/>
       </p:ext>
     </p:extLst>
   </p:cSld>
@@ -5636,10 +5812,9 @@
           <a:bodyPr/>
           <a:lstStyle/>
           <a:p>
-            <a:fld id="{A623BE0C-B4FE-411C-B00F-FCA6A312E010}" type="datetimeFigureOut">
+            <a:fld id="{C9FDAB9D-CC0E-49BB-8F16-14D707B10CDA}" type="datetime1">
               <a:rPr lang="en-US" smtClean="0"/>
-              <a:pPr/>
-              <a:t>9/5/2011</a:t>
+              <a:t>9/6/2011</a:t>
             </a:fld>
             <a:endParaRPr lang="en-US"/>
           </a:p>
@@ -5691,7 +5866,7 @@
     </p:spTree>
     <p:extLst>
       <p:ext uri="{BB962C8B-B14F-4D97-AF65-F5344CB8AC3E}">
-        <p14:creationId xmlns:p14="http://schemas.microsoft.com/office/powerpoint/2010/main" xmlns="" val="2003841279"/>
+        <p14:creationId xmlns="" xmlns:p14="http://schemas.microsoft.com/office/powerpoint/2010/main" val="2003841279"/>
       </p:ext>
     </p:extLst>
   </p:cSld>
@@ -5891,10 +6066,9 @@
           <a:bodyPr/>
           <a:lstStyle/>
           <a:p>
-            <a:fld id="{A623BE0C-B4FE-411C-B00F-FCA6A312E010}" type="datetimeFigureOut">
+            <a:fld id="{1E791148-3451-47EA-91EE-A44F573B997C}" type="datetime1">
               <a:rPr lang="en-US" smtClean="0"/>
-              <a:pPr/>
-              <a:t>9/5/2011</a:t>
+              <a:t>9/6/2011</a:t>
             </a:fld>
             <a:endParaRPr lang="en-US"/>
           </a:p>
@@ -5946,7 +6120,7 @@
     </p:spTree>
     <p:extLst>
       <p:ext uri="{BB962C8B-B14F-4D97-AF65-F5344CB8AC3E}">
-        <p14:creationId xmlns:p14="http://schemas.microsoft.com/office/powerpoint/2010/main" xmlns="" val="2630436295"/>
+        <p14:creationId xmlns="" xmlns:p14="http://schemas.microsoft.com/office/powerpoint/2010/main" val="2630436295"/>
       </p:ext>
     </p:extLst>
   </p:cSld>
@@ -6132,10 +6306,9 @@
             </a:lvl1pPr>
           </a:lstStyle>
           <a:p>
-            <a:fld id="{A623BE0C-B4FE-411C-B00F-FCA6A312E010}" type="datetimeFigureOut">
+            <a:fld id="{8ABE2864-D6A5-4A41-B672-84C66EC46C11}" type="datetime1">
               <a:rPr lang="en-US" smtClean="0"/>
-              <a:pPr/>
-              <a:t>9/5/2011</a:t>
+              <a:t>9/6/2011</a:t>
             </a:fld>
             <a:endParaRPr lang="en-US"/>
           </a:p>
@@ -6223,7 +6396,7 @@
     </p:spTree>
     <p:extLst>
       <p:ext uri="{BB962C8B-B14F-4D97-AF65-F5344CB8AC3E}">
-        <p14:creationId xmlns:p14="http://schemas.microsoft.com/office/powerpoint/2010/main" xmlns="" val="775339368"/>
+        <p14:creationId xmlns="" xmlns:p14="http://schemas.microsoft.com/office/powerpoint/2010/main" val="775339368"/>
       </p:ext>
     </p:extLst>
   </p:cSld>
@@ -6241,6 +6414,7 @@
     <p:sldLayoutId id="2147483658" r:id="rId10"/>
     <p:sldLayoutId id="2147483659" r:id="rId11"/>
   </p:sldLayoutIdLst>
+  <p:hf hdr="0" ftr="0" dt="0"/>
   <p:txStyles>
     <p:titleStyle>
       <a:lvl1pPr algn="ctr" defTabSz="914400" rtl="0" eaLnBrk="1" latinLnBrk="0" hangingPunct="1">
@@ -6500,7 +6674,7 @@
     <p:bg>
       <p:bgPr>
         <a:blipFill dpi="0" rotWithShape="1">
-          <a:blip r:embed="rId2" cstate="print">
+          <a:blip r:embed="rId3" cstate="print">
             <a:lum/>
           </a:blip>
           <a:srcRect/>
@@ -6569,7 +6743,7 @@
           <a:lstStyle/>
           <a:p>
             <a:r>
-              <a:rPr lang="th-TH" sz="6000" b="1" spc="50" dirty="0">
+              <a:rPr lang="th-TH" sz="6000" b="1" spc="50" smtClean="0">
                 <a:ln w="13500">
                   <a:solidFill>
                     <a:schemeClr val="accent1">
@@ -6592,111 +6766,7 @@
                   </a:innerShdw>
                 </a:effectLst>
               </a:rPr>
-              <a:t>ซอฟต์แวร์ประยุกต์จดจำ</a:t>
-            </a:r>
-            <a:r>
-              <a:rPr lang="th-TH" sz="6000" b="1" spc="50" dirty="0" smtClean="0">
-                <a:ln w="13500">
-                  <a:solidFill>
-                    <a:schemeClr val="accent1">
-                      <a:shade val="2500"/>
-                      <a:alpha val="6500"/>
-                    </a:schemeClr>
-                  </a:solidFill>
-                  <a:prstDash val="solid"/>
-                </a:ln>
-                <a:solidFill>
-                  <a:schemeClr val="bg1">
-                    <a:alpha val="95000"/>
-                  </a:schemeClr>
-                </a:solidFill>
-                <a:effectLst>
-                  <a:innerShdw blurRad="50900" dist="38500" dir="13500000">
-                    <a:srgbClr val="000000">
-                      <a:alpha val="60000"/>
-                    </a:srgbClr>
-                  </a:innerShdw>
-                </a:effectLst>
-              </a:rPr>
-              <a:t>การ</a:t>
-            </a:r>
-            <a:r>
-              <a:rPr lang="th-TH" sz="6000" b="1" spc="50" dirty="0">
-                <a:ln w="13500">
-                  <a:solidFill>
-                    <a:schemeClr val="accent1">
-                      <a:shade val="2500"/>
-                      <a:alpha val="6500"/>
-                    </a:schemeClr>
-                  </a:solidFill>
-                  <a:prstDash val="solid"/>
-                </a:ln>
-                <a:solidFill>
-                  <a:schemeClr val="bg1">
-                    <a:alpha val="95000"/>
-                  </a:schemeClr>
-                </a:solidFill>
-                <a:effectLst>
-                  <a:innerShdw blurRad="50900" dist="38500" dir="13500000">
-                    <a:srgbClr val="000000">
-                      <a:alpha val="60000"/>
-                    </a:srgbClr>
-                  </a:innerShdw>
-                </a:effectLst>
-              </a:rPr>
-              <a:t>เ</a:t>
-            </a:r>
-            <a:r>
-              <a:rPr lang="th-TH" sz="6000" b="1" spc="50" dirty="0" smtClean="0">
-                <a:ln w="13500">
-                  <a:solidFill>
-                    <a:schemeClr val="accent1">
-                      <a:shade val="2500"/>
-                      <a:alpha val="6500"/>
-                    </a:schemeClr>
-                  </a:solidFill>
-                  <a:prstDash val="solid"/>
-                </a:ln>
-                <a:solidFill>
-                  <a:schemeClr val="bg1">
-                    <a:alpha val="95000"/>
-                  </a:schemeClr>
-                </a:solidFill>
-                <a:effectLst>
-                  <a:innerShdw blurRad="50900" dist="38500" dir="13500000">
-                    <a:srgbClr val="000000">
-                      <a:alpha val="60000"/>
-                    </a:srgbClr>
-                  </a:innerShdw>
-                </a:effectLst>
-              </a:rPr>
-              <a:t>ดินทาง</a:t>
-            </a:r>
-            <a:r>
-              <a:rPr lang="th-TH" sz="6000" b="1" spc="50" dirty="0">
-                <a:ln w="13500">
-                  <a:solidFill>
-                    <a:schemeClr val="accent1">
-                      <a:shade val="2500"/>
-                      <a:alpha val="6500"/>
-                    </a:schemeClr>
-                  </a:solidFill>
-                  <a:prstDash val="solid"/>
-                </a:ln>
-                <a:solidFill>
-                  <a:schemeClr val="bg1">
-                    <a:alpha val="95000"/>
-                  </a:schemeClr>
-                </a:solidFill>
-                <a:effectLst>
-                  <a:innerShdw blurRad="50900" dist="38500" dir="13500000">
-                    <a:srgbClr val="000000">
-                      <a:alpha val="60000"/>
-                    </a:srgbClr>
-                  </a:innerShdw>
-                </a:effectLst>
-              </a:rPr>
-              <a:t>บนระบบแอนดรอยด์</a:t>
+              <a:t>ซอฟต์แวร์ประยุกต์จดจำการเดินทางบนระบบแอนดรอยด์</a:t>
             </a:r>
             <a:endParaRPr lang="en-US" sz="6000" b="1" spc="50" dirty="0">
               <a:ln w="13500">
@@ -6724,10 +6794,72 @@
           </a:p>
         </p:txBody>
       </p:sp>
+      <p:sp>
+        <p:nvSpPr>
+          <p:cNvPr id="9" name="ตัวยึดหมายเลขภาพนิ่ง 8"/>
+          <p:cNvSpPr>
+            <a:spLocks noGrp="1"/>
+          </p:cNvSpPr>
+          <p:nvPr>
+            <p:ph type="sldNum" sz="quarter" idx="12"/>
+          </p:nvPr>
+        </p:nvSpPr>
+        <p:spPr/>
+        <p:txBody>
+          <a:bodyPr/>
+          <a:lstStyle/>
+          <a:p>
+            <a:fld id="{5685757F-D3FC-4732-92F9-251EF6B3B90C}" type="slidenum">
+              <a:rPr lang="en-US" sz="3200" smtClean="0">
+                <a:ln w="18415" cmpd="sng">
+                  <a:solidFill>
+                    <a:srgbClr val="FFFFFF"/>
+                  </a:solidFill>
+                  <a:prstDash val="solid"/>
+                </a:ln>
+                <a:solidFill>
+                  <a:srgbClr val="FFFFFF"/>
+                </a:solidFill>
+                <a:effectLst>
+                  <a:outerShdw blurRad="63500" dir="3600000" algn="tl" rotWithShape="0">
+                    <a:srgbClr val="000000">
+                      <a:alpha val="70000"/>
+                    </a:srgbClr>
+                  </a:outerShdw>
+                </a:effectLst>
+                <a:latin typeface="Angsana New" pitchFamily="18" charset="-34"/>
+                <a:cs typeface="Angsana New" pitchFamily="18" charset="-34"/>
+              </a:rPr>
+              <a:pPr/>
+              <a:t>1</a:t>
+            </a:fld>
+            <a:endParaRPr lang="en-US" sz="3200" dirty="0">
+              <a:ln w="18415" cmpd="sng">
+                <a:solidFill>
+                  <a:srgbClr val="FFFFFF"/>
+                </a:solidFill>
+                <a:prstDash val="solid"/>
+              </a:ln>
+              <a:solidFill>
+                <a:srgbClr val="FFFFFF"/>
+              </a:solidFill>
+              <a:effectLst>
+                <a:outerShdw blurRad="63500" dir="3600000" algn="tl" rotWithShape="0">
+                  <a:srgbClr val="000000">
+                    <a:alpha val="70000"/>
+                  </a:srgbClr>
+                </a:outerShdw>
+              </a:effectLst>
+              <a:latin typeface="Angsana New" pitchFamily="18" charset="-34"/>
+              <a:cs typeface="Angsana New" pitchFamily="18" charset="-34"/>
+            </a:endParaRPr>
+          </a:p>
+        </p:txBody>
+      </p:sp>
     </p:spTree>
     <p:extLst>
       <p:ext uri="{BB962C8B-B14F-4D97-AF65-F5344CB8AC3E}">
-        <p14:creationId xmlns:p14="http://schemas.microsoft.com/office/powerpoint/2010/main" xmlns="" val="3765382340"/>
+        <p14:creationId xmlns="" xmlns:p14="http://schemas.microsoft.com/office/powerpoint/2010/main" val="3765382340"/>
       </p:ext>
     </p:extLst>
   </p:cSld>
@@ -6735,7 +6867,7 @@
     <a:masterClrMapping/>
   </p:clrMapOvr>
   <mc:AlternateContent xmlns:mc="http://schemas.openxmlformats.org/markup-compatibility/2006">
-    <mc:Choice xmlns:p14="http://schemas.microsoft.com/office/powerpoint/2010/main" xmlns="" Requires="p14">
+    <mc:Choice xmlns="" xmlns:p14="http://schemas.microsoft.com/office/powerpoint/2010/main" Requires="p14">
       <p:transition spd="slow" p14:dur="2000"/>
     </mc:Choice>
     <mc:Fallback>
@@ -6850,6 +6982,500 @@
       </p:grpSpPr>
       <p:sp>
         <p:nvSpPr>
+          <p:cNvPr id="4" name="Title 3"/>
+          <p:cNvSpPr>
+            <a:spLocks noGrp="1"/>
+          </p:cNvSpPr>
+          <p:nvPr>
+            <p:ph type="title"/>
+          </p:nvPr>
+        </p:nvSpPr>
+        <p:spPr/>
+        <p:txBody>
+          <a:bodyPr/>
+          <a:lstStyle/>
+          <a:p>
+            <a:r>
+              <a:rPr lang="th-TH" b="1" dirty="0" smtClean="0"/>
+              <a:t>แตกต่างจากโปรแกรมอื่นๆอย่างไร</a:t>
+            </a:r>
+            <a:endParaRPr lang="en-US" b="1" dirty="0"/>
+          </a:p>
+        </p:txBody>
+      </p:sp>
+      <p:sp>
+        <p:nvSpPr>
+          <p:cNvPr id="5" name="Content Placeholder 4"/>
+          <p:cNvSpPr>
+            <a:spLocks noGrp="1"/>
+          </p:cNvSpPr>
+          <p:nvPr>
+            <p:ph idx="1"/>
+          </p:nvPr>
+        </p:nvSpPr>
+        <p:spPr/>
+        <p:txBody>
+          <a:bodyPr/>
+          <a:lstStyle/>
+          <a:p>
+            <a:pPr marL="0" indent="0">
+              <a:buNone/>
+            </a:pPr>
+            <a:endParaRPr lang="th-TH" dirty="0" smtClean="0"/>
+          </a:p>
+          <a:p>
+            <a:endParaRPr lang="en-US" dirty="0"/>
+          </a:p>
+        </p:txBody>
+      </p:sp>
+      <p:pic>
+        <p:nvPicPr>
+          <p:cNvPr id="1027" name="Picture 3" descr="C:\Users\JOeCole\Desktop\image2.png"/>
+          <p:cNvPicPr>
+            <a:picLocks noChangeAspect="1" noChangeArrowheads="1"/>
+          </p:cNvPicPr>
+          <p:nvPr/>
+        </p:nvPicPr>
+        <p:blipFill>
+          <a:blip r:embed="rId2" cstate="print">
+            <a:extLst>
+              <a:ext uri="{28A0092B-C50C-407E-A947-70E740481C1C}">
+                <a14:useLocalDpi xmlns="" xmlns:a14="http://schemas.microsoft.com/office/drawing/2010/main" val="0"/>
+              </a:ext>
+            </a:extLst>
+          </a:blip>
+          <a:srcRect/>
+          <a:stretch>
+            <a:fillRect/>
+          </a:stretch>
+        </p:blipFill>
+        <p:spPr bwMode="auto">
+          <a:xfrm>
+            <a:off x="685800" y="3276600"/>
+            <a:ext cx="1331495" cy="2368952"/>
+          </a:xfrm>
+          <a:prstGeom prst="rect">
+            <a:avLst/>
+          </a:prstGeom>
+          <a:noFill/>
+          <a:extLst>
+            <a:ext uri="{909E8E84-426E-40DD-AFC4-6F175D3DCCD1}">
+              <a14:hiddenFill xmlns="" xmlns:a14="http://schemas.microsoft.com/office/drawing/2010/main">
+                <a:solidFill>
+                  <a:srgbClr val="FFFFFF"/>
+                </a:solidFill>
+              </a14:hiddenFill>
+            </a:ext>
+          </a:extLst>
+        </p:spPr>
+      </p:pic>
+      <p:pic>
+        <p:nvPicPr>
+          <p:cNvPr id="1029" name="Picture 5" descr="C:\Users\JOeCole\Desktop\TN-655531_NAVIGON_MobileNavigator_Android_MapView.png.jpg"/>
+          <p:cNvPicPr>
+            <a:picLocks noChangeAspect="1" noChangeArrowheads="1"/>
+          </p:cNvPicPr>
+          <p:nvPr/>
+        </p:nvPicPr>
+        <p:blipFill>
+          <a:blip r:embed="rId3" cstate="print">
+            <a:extLst>
+              <a:ext uri="{28A0092B-C50C-407E-A947-70E740481C1C}">
+                <a14:useLocalDpi xmlns="" xmlns:a14="http://schemas.microsoft.com/office/drawing/2010/main" val="0"/>
+              </a:ext>
+            </a:extLst>
+          </a:blip>
+          <a:srcRect/>
+          <a:stretch>
+            <a:fillRect/>
+          </a:stretch>
+        </p:blipFill>
+        <p:spPr bwMode="auto">
+          <a:xfrm>
+            <a:off x="7086600" y="2604198"/>
+            <a:ext cx="1447800" cy="2303318"/>
+          </a:xfrm>
+          <a:prstGeom prst="rect">
+            <a:avLst/>
+          </a:prstGeom>
+          <a:noFill/>
+          <a:extLst>
+            <a:ext uri="{909E8E84-426E-40DD-AFC4-6F175D3DCCD1}">
+              <a14:hiddenFill xmlns="" xmlns:a14="http://schemas.microsoft.com/office/drawing/2010/main">
+                <a:solidFill>
+                  <a:srgbClr val="FFFFFF"/>
+                </a:solidFill>
+              </a14:hiddenFill>
+            </a:ext>
+          </a:extLst>
+        </p:spPr>
+      </p:pic>
+      <p:pic>
+        <p:nvPicPr>
+          <p:cNvPr id="2051" name="Picture 3" descr="C:\Documents and Settings\Administrator\Desktop\Untitled-2.png"/>
+          <p:cNvPicPr>
+            <a:picLocks noChangeAspect="1" noChangeArrowheads="1"/>
+          </p:cNvPicPr>
+          <p:nvPr/>
+        </p:nvPicPr>
+        <p:blipFill>
+          <a:blip r:embed="rId4" cstate="print"/>
+          <a:srcRect/>
+          <a:stretch>
+            <a:fillRect/>
+          </a:stretch>
+        </p:blipFill>
+        <p:spPr bwMode="auto">
+          <a:xfrm>
+            <a:off x="2514600" y="1600200"/>
+            <a:ext cx="1371600" cy="2946400"/>
+          </a:xfrm>
+          <a:prstGeom prst="rect">
+            <a:avLst/>
+          </a:prstGeom>
+          <a:noFill/>
+        </p:spPr>
+      </p:pic>
+      <p:pic>
+        <p:nvPicPr>
+          <p:cNvPr id="2052" name="Picture 4" descr="C:\Documents and Settings\Administrator\Desktop\Untitled-1.png"/>
+          <p:cNvPicPr>
+            <a:picLocks noChangeAspect="1" noChangeArrowheads="1"/>
+          </p:cNvPicPr>
+          <p:nvPr/>
+        </p:nvPicPr>
+        <p:blipFill>
+          <a:blip r:embed="rId5" cstate="print"/>
+          <a:srcRect/>
+          <a:stretch>
+            <a:fillRect/>
+          </a:stretch>
+        </p:blipFill>
+        <p:spPr bwMode="auto">
+          <a:xfrm>
+            <a:off x="4267200" y="2667000"/>
+            <a:ext cx="2550886" cy="2819400"/>
+          </a:xfrm>
+          <a:prstGeom prst="rect">
+            <a:avLst/>
+          </a:prstGeom>
+          <a:noFill/>
+        </p:spPr>
+      </p:pic>
+      <p:sp>
+        <p:nvSpPr>
+          <p:cNvPr id="11" name="TextBox 10"/>
+          <p:cNvSpPr txBox="1"/>
+          <p:nvPr/>
+        </p:nvSpPr>
+        <p:spPr>
+          <a:xfrm>
+            <a:off x="2590800" y="5867400"/>
+            <a:ext cx="4114800" cy="584775"/>
+          </a:xfrm>
+          <a:prstGeom prst="rect">
+            <a:avLst/>
+          </a:prstGeom>
+          <a:noFill/>
+        </p:spPr>
+        <p:txBody>
+          <a:bodyPr wrap="square" rtlCol="0">
+            <a:spAutoFit/>
+          </a:bodyPr>
+          <a:lstStyle/>
+          <a:p>
+            <a:r>
+              <a:rPr lang="th-TH" sz="3200" dirty="0" smtClean="0">
+                <a:latin typeface="Angsana New" pitchFamily="18" charset="-34"/>
+                <a:cs typeface="Angsana New" pitchFamily="18" charset="-34"/>
+              </a:rPr>
+              <a:t>ตัวอย่างโปรแกรมประยุกต์</a:t>
+            </a:r>
+            <a:r>
+              <a:rPr lang="en-US" sz="3200" dirty="0" smtClean="0">
+                <a:latin typeface="Angsana New" pitchFamily="18" charset="-34"/>
+                <a:cs typeface="Angsana New" pitchFamily="18" charset="-34"/>
+              </a:rPr>
+              <a:t> Telenav</a:t>
+            </a:r>
+            <a:endParaRPr lang="th-TH" sz="3200" dirty="0">
+              <a:latin typeface="Angsana New" pitchFamily="18" charset="-34"/>
+              <a:cs typeface="Angsana New" pitchFamily="18" charset="-34"/>
+            </a:endParaRPr>
+          </a:p>
+        </p:txBody>
+      </p:sp>
+      <p:sp>
+        <p:nvSpPr>
+          <p:cNvPr id="14" name="ตัวยึดหมายเลขภาพนิ่ง 13"/>
+          <p:cNvSpPr>
+            <a:spLocks noGrp="1"/>
+          </p:cNvSpPr>
+          <p:nvPr>
+            <p:ph type="sldNum" sz="quarter" idx="12"/>
+          </p:nvPr>
+        </p:nvSpPr>
+        <p:spPr/>
+        <p:txBody>
+          <a:bodyPr/>
+          <a:lstStyle/>
+          <a:p>
+            <a:fld id="{5685757F-D3FC-4732-92F9-251EF6B3B90C}" type="slidenum">
+              <a:rPr lang="en-US" sz="3200" smtClean="0">
+                <a:ln w="18415" cmpd="sng">
+                  <a:solidFill>
+                    <a:srgbClr val="FFFFFF"/>
+                  </a:solidFill>
+                  <a:prstDash val="solid"/>
+                </a:ln>
+                <a:solidFill>
+                  <a:srgbClr val="FFFFFF"/>
+                </a:solidFill>
+                <a:effectLst>
+                  <a:outerShdw blurRad="63500" dir="3600000" algn="tl" rotWithShape="0">
+                    <a:srgbClr val="000000">
+                      <a:alpha val="70000"/>
+                    </a:srgbClr>
+                  </a:outerShdw>
+                </a:effectLst>
+                <a:latin typeface="Angsana New" pitchFamily="18" charset="-34"/>
+                <a:cs typeface="Angsana New" pitchFamily="18" charset="-34"/>
+              </a:rPr>
+              <a:pPr/>
+              <a:t>10</a:t>
+            </a:fld>
+            <a:endParaRPr lang="en-US" sz="3200" dirty="0">
+              <a:ln w="18415" cmpd="sng">
+                <a:solidFill>
+                  <a:srgbClr val="FFFFFF"/>
+                </a:solidFill>
+                <a:prstDash val="solid"/>
+              </a:ln>
+              <a:solidFill>
+                <a:srgbClr val="FFFFFF"/>
+              </a:solidFill>
+              <a:effectLst>
+                <a:outerShdw blurRad="63500" dir="3600000" algn="tl" rotWithShape="0">
+                  <a:srgbClr val="000000">
+                    <a:alpha val="70000"/>
+                  </a:srgbClr>
+                </a:outerShdw>
+              </a:effectLst>
+              <a:latin typeface="Angsana New" pitchFamily="18" charset="-34"/>
+              <a:cs typeface="Angsana New" pitchFamily="18" charset="-34"/>
+            </a:endParaRPr>
+          </a:p>
+        </p:txBody>
+      </p:sp>
+    </p:spTree>
+    <p:extLst>
+      <p:ext uri="{BB962C8B-B14F-4D97-AF65-F5344CB8AC3E}">
+        <p14:creationId xmlns="" xmlns:p14="http://schemas.microsoft.com/office/powerpoint/2010/main" val="1312023503"/>
+      </p:ext>
+    </p:extLst>
+  </p:cSld>
+  <p:clrMapOvr>
+    <a:masterClrMapping/>
+  </p:clrMapOvr>
+  <p:timing>
+    <p:tnLst>
+      <p:par>
+        <p:cTn id="1" dur="indefinite" restart="never" nodeType="tmRoot">
+          <p:childTnLst>
+            <p:seq concurrent="1" nextAc="seek">
+              <p:cTn id="2" dur="indefinite" nodeType="mainSeq">
+                <p:childTnLst>
+                  <p:par>
+                    <p:cTn id="3" fill="hold">
+                      <p:stCondLst>
+                        <p:cond delay="indefinite"/>
+                        <p:cond evt="onBegin" delay="0">
+                          <p:tn val="2"/>
+                        </p:cond>
+                      </p:stCondLst>
+                      <p:childTnLst>
+                        <p:par>
+                          <p:cTn id="4" fill="hold">
+                            <p:stCondLst>
+                              <p:cond delay="0"/>
+                            </p:stCondLst>
+                            <p:childTnLst>
+                              <p:par>
+                                <p:cTn id="5" presetID="10" presetClass="entr" presetSubtype="0" fill="hold" grpId="0" nodeType="afterEffect">
+                                  <p:stCondLst>
+                                    <p:cond delay="0"/>
+                                  </p:stCondLst>
+                                  <p:childTnLst>
+                                    <p:set>
+                                      <p:cBhvr>
+                                        <p:cTn id="6" dur="1" fill="hold">
+                                          <p:stCondLst>
+                                            <p:cond delay="0"/>
+                                          </p:stCondLst>
+                                        </p:cTn>
+                                        <p:tgtEl>
+                                          <p:spTgt spid="4"/>
+                                        </p:tgtEl>
+                                        <p:attrNameLst>
+                                          <p:attrName>style.visibility</p:attrName>
+                                        </p:attrNameLst>
+                                      </p:cBhvr>
+                                      <p:to>
+                                        <p:strVal val="visible"/>
+                                      </p:to>
+                                    </p:set>
+                                    <p:animEffect transition="in" filter="fade">
+                                      <p:cBhvr>
+                                        <p:cTn id="7" dur="500"/>
+                                        <p:tgtEl>
+                                          <p:spTgt spid="4"/>
+                                        </p:tgtEl>
+                                      </p:cBhvr>
+                                    </p:animEffect>
+                                  </p:childTnLst>
+                                </p:cTn>
+                              </p:par>
+                            </p:childTnLst>
+                          </p:cTn>
+                        </p:par>
+                        <p:par>
+                          <p:cTn id="8" fill="hold">
+                            <p:stCondLst>
+                              <p:cond delay="500"/>
+                            </p:stCondLst>
+                            <p:childTnLst>
+                              <p:par>
+                                <p:cTn id="9" presetID="10" presetClass="entr" presetSubtype="0" fill="hold" nodeType="afterEffect">
+                                  <p:stCondLst>
+                                    <p:cond delay="0"/>
+                                  </p:stCondLst>
+                                  <p:childTnLst>
+                                    <p:set>
+                                      <p:cBhvr>
+                                        <p:cTn id="10" dur="1" fill="hold">
+                                          <p:stCondLst>
+                                            <p:cond delay="0"/>
+                                          </p:stCondLst>
+                                        </p:cTn>
+                                        <p:tgtEl>
+                                          <p:spTgt spid="1027"/>
+                                        </p:tgtEl>
+                                        <p:attrNameLst>
+                                          <p:attrName>style.visibility</p:attrName>
+                                        </p:attrNameLst>
+                                      </p:cBhvr>
+                                      <p:to>
+                                        <p:strVal val="visible"/>
+                                      </p:to>
+                                    </p:set>
+                                    <p:animEffect transition="in" filter="fade">
+                                      <p:cBhvr>
+                                        <p:cTn id="11" dur="500"/>
+                                        <p:tgtEl>
+                                          <p:spTgt spid="1027"/>
+                                        </p:tgtEl>
+                                      </p:cBhvr>
+                                    </p:animEffect>
+                                  </p:childTnLst>
+                                </p:cTn>
+                              </p:par>
+                            </p:childTnLst>
+                          </p:cTn>
+                        </p:par>
+                        <p:par>
+                          <p:cTn id="12" fill="hold">
+                            <p:stCondLst>
+                              <p:cond delay="1000"/>
+                            </p:stCondLst>
+                            <p:childTnLst>
+                              <p:par>
+                                <p:cTn id="13" presetID="10" presetClass="entr" presetSubtype="0" fill="hold" nodeType="afterEffect">
+                                  <p:stCondLst>
+                                    <p:cond delay="0"/>
+                                  </p:stCondLst>
+                                  <p:childTnLst>
+                                    <p:set>
+                                      <p:cBhvr>
+                                        <p:cTn id="14" dur="1" fill="hold">
+                                          <p:stCondLst>
+                                            <p:cond delay="0"/>
+                                          </p:stCondLst>
+                                        </p:cTn>
+                                        <p:tgtEl>
+                                          <p:spTgt spid="1029"/>
+                                        </p:tgtEl>
+                                        <p:attrNameLst>
+                                          <p:attrName>style.visibility</p:attrName>
+                                        </p:attrNameLst>
+                                      </p:cBhvr>
+                                      <p:to>
+                                        <p:strVal val="visible"/>
+                                      </p:to>
+                                    </p:set>
+                                    <p:animEffect transition="in" filter="fade">
+                                      <p:cBhvr>
+                                        <p:cTn id="15" dur="500"/>
+                                        <p:tgtEl>
+                                          <p:spTgt spid="1029"/>
+                                        </p:tgtEl>
+                                      </p:cBhvr>
+                                    </p:animEffect>
+                                  </p:childTnLst>
+                                </p:cTn>
+                              </p:par>
+                            </p:childTnLst>
+                          </p:cTn>
+                        </p:par>
+                      </p:childTnLst>
+                    </p:cTn>
+                  </p:par>
+                </p:childTnLst>
+              </p:cTn>
+              <p:prevCondLst>
+                <p:cond evt="onPrev" delay="0">
+                  <p:tgtEl>
+                    <p:sldTgt/>
+                  </p:tgtEl>
+                </p:cond>
+              </p:prevCondLst>
+              <p:nextCondLst>
+                <p:cond evt="onNext" delay="0">
+                  <p:tgtEl>
+                    <p:sldTgt/>
+                  </p:tgtEl>
+                </p:cond>
+              </p:nextCondLst>
+            </p:seq>
+          </p:childTnLst>
+        </p:cTn>
+      </p:par>
+    </p:tnLst>
+    <p:bldLst>
+      <p:bldP spid="4" grpId="0"/>
+    </p:bldLst>
+  </p:timing>
+</p:sld>
+</file>
+
+<file path=ppt/slides/slide11.xml><?xml version="1.0" encoding="utf-8"?>
+<p:sld xmlns:a="http://schemas.openxmlformats.org/drawingml/2006/main" xmlns:r="http://schemas.openxmlformats.org/officeDocument/2006/relationships" xmlns:p="http://schemas.openxmlformats.org/presentationml/2006/main">
+  <p:cSld>
+    <p:spTree>
+      <p:nvGrpSpPr>
+        <p:cNvPr id="1" name=""/>
+        <p:cNvGrpSpPr/>
+        <p:nvPr/>
+      </p:nvGrpSpPr>
+      <p:grpSpPr>
+        <a:xfrm>
+          <a:off x="0" y="0"/>
+          <a:ext cx="0" cy="0"/>
+          <a:chOff x="0" y="0"/>
+          <a:chExt cx="0" cy="0"/>
+        </a:xfrm>
+      </p:grpSpPr>
+      <p:sp>
+        <p:nvSpPr>
           <p:cNvPr id="2" name="Title 1"/>
           <p:cNvSpPr>
             <a:spLocks noGrp="1"/>
@@ -6864,10 +7490,617 @@
           <a:lstStyle/>
           <a:p>
             <a:r>
-              <a:rPr lang="th-TH" dirty="0" smtClean="0"/>
+              <a:rPr lang="th-TH" b="1" dirty="0"/>
+              <a:t>แตกต่างจากโปรแกรมอื่นๆอย่างไร</a:t>
+            </a:r>
+            <a:endParaRPr lang="en-US" b="1" dirty="0"/>
+          </a:p>
+        </p:txBody>
+      </p:sp>
+      <p:graphicFrame>
+        <p:nvGraphicFramePr>
+          <p:cNvPr id="6" name="Content Placeholder 5"/>
+          <p:cNvGraphicFramePr>
+            <a:graphicFrameLocks noGrp="1"/>
+          </p:cNvGraphicFramePr>
+          <p:nvPr>
+            <p:ph idx="1"/>
+            <p:extLst>
+              <p:ext uri="{D42A27DB-BD31-4B8C-83A1-F6EECF244321}">
+                <p14:modId xmlns="" xmlns:p14="http://schemas.microsoft.com/office/powerpoint/2010/main" val="1635963238"/>
+              </p:ext>
+            </p:extLst>
+          </p:nvPr>
+        </p:nvGraphicFramePr>
+        <p:xfrm>
+          <a:off x="457200" y="1600200"/>
+          <a:ext cx="8229600" cy="4724400"/>
+        </p:xfrm>
+        <a:graphic>
+          <a:graphicData uri="http://schemas.openxmlformats.org/drawingml/2006/table">
+            <a:tbl>
+              <a:tblPr firstRow="1" bandRow="1">
+                <a:tableStyleId>{5C22544A-7EE6-4342-B048-85BDC9FD1C3A}</a:tableStyleId>
+              </a:tblPr>
+              <a:tblGrid>
+                <a:gridCol w="3733800"/>
+                <a:gridCol w="2247900"/>
+                <a:gridCol w="2247900"/>
+              </a:tblGrid>
+              <a:tr h="944880">
+                <a:tc>
+                  <a:txBody>
+                    <a:bodyPr/>
+                    <a:lstStyle/>
+                    <a:p>
+                      <a:pPr algn="ctr"/>
+                      <a:endParaRPr lang="en-US" sz="2400" dirty="0">
+                        <a:latin typeface="Angsana New" pitchFamily="18" charset="-34"/>
+                        <a:cs typeface="Angsana New" pitchFamily="18" charset="-34"/>
+                      </a:endParaRPr>
+                    </a:p>
+                  </a:txBody>
+                  <a:tcPr anchor="ctr"/>
+                </a:tc>
+                <a:tc>
+                  <a:txBody>
+                    <a:bodyPr/>
+                    <a:lstStyle/>
+                    <a:p>
+                      <a:pPr algn="ctr"/>
+                      <a:r>
+                        <a:rPr lang="th-TH" sz="2400" dirty="0" smtClean="0">
+                          <a:latin typeface="Angsana New" pitchFamily="18" charset="-34"/>
+                          <a:cs typeface="Angsana New" pitchFamily="18" charset="-34"/>
+                        </a:rPr>
+                        <a:t>โครงงาน</a:t>
+                      </a:r>
+                      <a:endParaRPr lang="en-US" sz="2400" dirty="0">
+                        <a:latin typeface="Angsana New" pitchFamily="18" charset="-34"/>
+                        <a:cs typeface="Angsana New" pitchFamily="18" charset="-34"/>
+                      </a:endParaRPr>
+                    </a:p>
+                  </a:txBody>
+                  <a:tcPr anchor="ctr"/>
+                </a:tc>
+                <a:tc>
+                  <a:txBody>
+                    <a:bodyPr/>
+                    <a:lstStyle/>
+                    <a:p>
+                      <a:pPr algn="ctr"/>
+                      <a:r>
+                        <a:rPr lang="th-TH" sz="2400" dirty="0" smtClean="0">
+                          <a:latin typeface="Angsana New" pitchFamily="18" charset="-34"/>
+                          <a:cs typeface="Angsana New" pitchFamily="18" charset="-34"/>
+                        </a:rPr>
+                        <a:t>โปรแกรมอื่นๆ</a:t>
+                      </a:r>
+                      <a:endParaRPr lang="en-US" sz="2400" dirty="0">
+                        <a:latin typeface="Angsana New" pitchFamily="18" charset="-34"/>
+                        <a:cs typeface="Angsana New" pitchFamily="18" charset="-34"/>
+                      </a:endParaRPr>
+                    </a:p>
+                  </a:txBody>
+                  <a:tcPr anchor="ctr"/>
+                </a:tc>
+              </a:tr>
+              <a:tr h="944880">
+                <a:tc>
+                  <a:txBody>
+                    <a:bodyPr/>
+                    <a:lstStyle/>
+                    <a:p>
+                      <a:pPr algn="ctr"/>
+                      <a:r>
+                        <a:rPr lang="th-TH" sz="2400" dirty="0" smtClean="0">
+                          <a:latin typeface="Angsana New" pitchFamily="18" charset="-34"/>
+                          <a:cs typeface="Angsana New" pitchFamily="18" charset="-34"/>
+                        </a:rPr>
+                        <a:t>บันทึกพิกัด</a:t>
+                      </a:r>
+                      <a:endParaRPr lang="en-US" sz="2400" dirty="0">
+                        <a:latin typeface="Angsana New" pitchFamily="18" charset="-34"/>
+                        <a:cs typeface="Angsana New" pitchFamily="18" charset="-34"/>
+                      </a:endParaRPr>
+                    </a:p>
+                  </a:txBody>
+                  <a:tcPr anchor="ctr"/>
+                </a:tc>
+                <a:tc>
+                  <a:txBody>
+                    <a:bodyPr/>
+                    <a:lstStyle/>
+                    <a:p>
+                      <a:pPr algn="ctr"/>
+                      <a:endParaRPr lang="en-US" sz="2400" dirty="0">
+                        <a:latin typeface="Angsana New" pitchFamily="18" charset="-34"/>
+                        <a:cs typeface="Angsana New" pitchFamily="18" charset="-34"/>
+                      </a:endParaRPr>
+                    </a:p>
+                  </a:txBody>
+                  <a:tcPr anchor="ctr"/>
+                </a:tc>
+                <a:tc>
+                  <a:txBody>
+                    <a:bodyPr/>
+                    <a:lstStyle/>
+                    <a:p>
+                      <a:pPr algn="ctr"/>
+                      <a:r>
+                        <a:rPr lang="th-TH" sz="2400" dirty="0" smtClean="0">
+                          <a:latin typeface="Angsana New" pitchFamily="18" charset="-34"/>
+                          <a:cs typeface="Angsana New" pitchFamily="18" charset="-34"/>
+                        </a:rPr>
+                        <a:t>อาจมีบางโปรแกรม</a:t>
+                      </a:r>
+                      <a:endParaRPr lang="en-US" sz="2400" dirty="0">
+                        <a:latin typeface="Angsana New" pitchFamily="18" charset="-34"/>
+                        <a:cs typeface="Angsana New" pitchFamily="18" charset="-34"/>
+                      </a:endParaRPr>
+                    </a:p>
+                  </a:txBody>
+                  <a:tcPr anchor="ctr"/>
+                </a:tc>
+              </a:tr>
+              <a:tr h="944880">
+                <a:tc>
+                  <a:txBody>
+                    <a:bodyPr/>
+                    <a:lstStyle/>
+                    <a:p>
+                      <a:pPr algn="ctr"/>
+                      <a:r>
+                        <a:rPr lang="th-TH" sz="2400" dirty="0" smtClean="0">
+                          <a:latin typeface="Angsana New" pitchFamily="18" charset="-34"/>
+                          <a:cs typeface="Angsana New" pitchFamily="18" charset="-34"/>
+                        </a:rPr>
+                        <a:t>ติดป้ายชื่อให้กับพัดกัดนั้น</a:t>
+                      </a:r>
+                      <a:endParaRPr lang="en-US" sz="2400" dirty="0">
+                        <a:latin typeface="Angsana New" pitchFamily="18" charset="-34"/>
+                        <a:cs typeface="Angsana New" pitchFamily="18" charset="-34"/>
+                      </a:endParaRPr>
+                    </a:p>
+                  </a:txBody>
+                  <a:tcPr anchor="ctr"/>
+                </a:tc>
+                <a:tc>
+                  <a:txBody>
+                    <a:bodyPr/>
+                    <a:lstStyle/>
+                    <a:p>
+                      <a:pPr algn="ctr"/>
+                      <a:endParaRPr lang="en-US" sz="2400" dirty="0">
+                        <a:latin typeface="Angsana New" pitchFamily="18" charset="-34"/>
+                        <a:cs typeface="Angsana New" pitchFamily="18" charset="-34"/>
+                      </a:endParaRPr>
+                    </a:p>
+                  </a:txBody>
+                  <a:tcPr anchor="ctr"/>
+                </a:tc>
+                <a:tc>
+                  <a:txBody>
+                    <a:bodyPr/>
+                    <a:lstStyle/>
+                    <a:p>
+                      <a:pPr algn="ctr"/>
+                      <a:endParaRPr lang="en-US" sz="2400" dirty="0">
+                        <a:latin typeface="Angsana New" pitchFamily="18" charset="-34"/>
+                        <a:cs typeface="Angsana New" pitchFamily="18" charset="-34"/>
+                      </a:endParaRPr>
+                    </a:p>
+                  </a:txBody>
+                  <a:tcPr anchor="ctr"/>
+                </a:tc>
+              </a:tr>
+              <a:tr h="944880">
+                <a:tc>
+                  <a:txBody>
+                    <a:bodyPr/>
+                    <a:lstStyle/>
+                    <a:p>
+                      <a:pPr algn="ctr"/>
+                      <a:r>
+                        <a:rPr lang="th-TH" sz="2400" dirty="0" smtClean="0">
+                          <a:latin typeface="Angsana New" pitchFamily="18" charset="-34"/>
+                          <a:cs typeface="Angsana New" pitchFamily="18" charset="-34"/>
+                        </a:rPr>
+                        <a:t>บันทึกพิกัดแบบ </a:t>
+                      </a:r>
+                      <a:r>
+                        <a:rPr lang="en-US" sz="2400" dirty="0" smtClean="0">
+                          <a:latin typeface="Angsana New" pitchFamily="18" charset="-34"/>
+                          <a:cs typeface="Angsana New" pitchFamily="18" charset="-34"/>
+                        </a:rPr>
+                        <a:t>offline</a:t>
+                      </a:r>
+                      <a:endParaRPr lang="en-US" sz="2400" dirty="0">
+                        <a:latin typeface="Angsana New" pitchFamily="18" charset="-34"/>
+                        <a:cs typeface="Angsana New" pitchFamily="18" charset="-34"/>
+                      </a:endParaRPr>
+                    </a:p>
+                  </a:txBody>
+                  <a:tcPr anchor="ctr"/>
+                </a:tc>
+                <a:tc>
+                  <a:txBody>
+                    <a:bodyPr/>
+                    <a:lstStyle/>
+                    <a:p>
+                      <a:pPr algn="ctr"/>
+                      <a:endParaRPr lang="en-US" sz="2400" dirty="0">
+                        <a:latin typeface="Angsana New" pitchFamily="18" charset="-34"/>
+                        <a:cs typeface="Angsana New" pitchFamily="18" charset="-34"/>
+                      </a:endParaRPr>
+                    </a:p>
+                  </a:txBody>
+                  <a:tcPr anchor="ctr"/>
+                </a:tc>
+                <a:tc>
+                  <a:txBody>
+                    <a:bodyPr/>
+                    <a:lstStyle/>
+                    <a:p>
+                      <a:pPr algn="ctr"/>
+                      <a:endParaRPr lang="en-US" sz="2400" dirty="0">
+                        <a:latin typeface="Angsana New" pitchFamily="18" charset="-34"/>
+                        <a:cs typeface="Angsana New" pitchFamily="18" charset="-34"/>
+                      </a:endParaRPr>
+                    </a:p>
+                  </a:txBody>
+                  <a:tcPr anchor="ctr"/>
+                </a:tc>
+              </a:tr>
+              <a:tr h="944880">
+                <a:tc>
+                  <a:txBody>
+                    <a:bodyPr/>
+                    <a:lstStyle/>
+                    <a:p>
+                      <a:pPr algn="ctr"/>
+                      <a:r>
+                        <a:rPr lang="th-TH" sz="2400" dirty="0" smtClean="0">
+                          <a:latin typeface="Angsana New" pitchFamily="18" charset="-34"/>
+                          <a:cs typeface="Angsana New" pitchFamily="18" charset="-34"/>
+                        </a:rPr>
+                        <a:t>ดูภาพรวมของการเดินทาง</a:t>
+                      </a:r>
+                      <a:endParaRPr lang="en-US" sz="2400" dirty="0">
+                        <a:latin typeface="Angsana New" pitchFamily="18" charset="-34"/>
+                        <a:cs typeface="Angsana New" pitchFamily="18" charset="-34"/>
+                      </a:endParaRPr>
+                    </a:p>
+                  </a:txBody>
+                  <a:tcPr anchor="ctr"/>
+                </a:tc>
+                <a:tc>
+                  <a:txBody>
+                    <a:bodyPr/>
+                    <a:lstStyle/>
+                    <a:p>
+                      <a:pPr algn="ctr"/>
+                      <a:endParaRPr lang="en-US" sz="2400" dirty="0">
+                        <a:latin typeface="Angsana New" pitchFamily="18" charset="-34"/>
+                        <a:cs typeface="Angsana New" pitchFamily="18" charset="-34"/>
+                      </a:endParaRPr>
+                    </a:p>
+                  </a:txBody>
+                  <a:tcPr anchor="ctr"/>
+                </a:tc>
+                <a:tc>
+                  <a:txBody>
+                    <a:bodyPr/>
+                    <a:lstStyle/>
+                    <a:p>
+                      <a:pPr algn="ctr"/>
+                      <a:endParaRPr lang="en-US" sz="2400" dirty="0">
+                        <a:latin typeface="Angsana New" pitchFamily="18" charset="-34"/>
+                        <a:cs typeface="Angsana New" pitchFamily="18" charset="-34"/>
+                      </a:endParaRPr>
+                    </a:p>
+                  </a:txBody>
+                  <a:tcPr anchor="ctr"/>
+                </a:tc>
+              </a:tr>
+            </a:tbl>
+          </a:graphicData>
+        </a:graphic>
+      </p:graphicFrame>
+      <p:pic>
+        <p:nvPicPr>
+          <p:cNvPr id="1026" name="Picture 2" descr="C:\Documents and Settings\Administrator\Desktop\Untitled-3.png"/>
+          <p:cNvPicPr>
+            <a:picLocks noChangeAspect="1" noChangeArrowheads="1"/>
+          </p:cNvPicPr>
+          <p:nvPr/>
+        </p:nvPicPr>
+        <p:blipFill>
+          <a:blip r:embed="rId2" cstate="print"/>
+          <a:srcRect/>
+          <a:stretch>
+            <a:fillRect/>
+          </a:stretch>
+        </p:blipFill>
+        <p:spPr bwMode="auto">
+          <a:xfrm>
+            <a:off x="5105400" y="2819400"/>
+            <a:ext cx="388776" cy="381000"/>
+          </a:xfrm>
+          <a:prstGeom prst="rect">
+            <a:avLst/>
+          </a:prstGeom>
+          <a:noFill/>
+        </p:spPr>
+      </p:pic>
+      <p:pic>
+        <p:nvPicPr>
+          <p:cNvPr id="15" name="Picture 2" descr="C:\Documents and Settings\Administrator\Desktop\Untitled-3.png"/>
+          <p:cNvPicPr>
+            <a:picLocks noChangeAspect="1" noChangeArrowheads="1"/>
+          </p:cNvPicPr>
+          <p:nvPr/>
+        </p:nvPicPr>
+        <p:blipFill>
+          <a:blip r:embed="rId2" cstate="print"/>
+          <a:srcRect/>
+          <a:stretch>
+            <a:fillRect/>
+          </a:stretch>
+        </p:blipFill>
+        <p:spPr bwMode="auto">
+          <a:xfrm>
+            <a:off x="5105400" y="3733800"/>
+            <a:ext cx="388776" cy="381000"/>
+          </a:xfrm>
+          <a:prstGeom prst="rect">
+            <a:avLst/>
+          </a:prstGeom>
+          <a:noFill/>
+        </p:spPr>
+      </p:pic>
+      <p:pic>
+        <p:nvPicPr>
+          <p:cNvPr id="16" name="Picture 2" descr="C:\Documents and Settings\Administrator\Desktop\Untitled-3.png"/>
+          <p:cNvPicPr>
+            <a:picLocks noChangeAspect="1" noChangeArrowheads="1"/>
+          </p:cNvPicPr>
+          <p:nvPr/>
+        </p:nvPicPr>
+        <p:blipFill>
+          <a:blip r:embed="rId2" cstate="print"/>
+          <a:srcRect/>
+          <a:stretch>
+            <a:fillRect/>
+          </a:stretch>
+        </p:blipFill>
+        <p:spPr bwMode="auto">
+          <a:xfrm>
+            <a:off x="5105400" y="4724400"/>
+            <a:ext cx="388776" cy="381000"/>
+          </a:xfrm>
+          <a:prstGeom prst="rect">
+            <a:avLst/>
+          </a:prstGeom>
+          <a:noFill/>
+        </p:spPr>
+      </p:pic>
+      <p:pic>
+        <p:nvPicPr>
+          <p:cNvPr id="17" name="Picture 2" descr="C:\Documents and Settings\Administrator\Desktop\Untitled-3.png"/>
+          <p:cNvPicPr>
+            <a:picLocks noChangeAspect="1" noChangeArrowheads="1"/>
+          </p:cNvPicPr>
+          <p:nvPr/>
+        </p:nvPicPr>
+        <p:blipFill>
+          <a:blip r:embed="rId2" cstate="print"/>
+          <a:srcRect/>
+          <a:stretch>
+            <a:fillRect/>
+          </a:stretch>
+        </p:blipFill>
+        <p:spPr bwMode="auto">
+          <a:xfrm>
+            <a:off x="5105400" y="5638800"/>
+            <a:ext cx="388776" cy="381000"/>
+          </a:xfrm>
+          <a:prstGeom prst="rect">
+            <a:avLst/>
+          </a:prstGeom>
+          <a:noFill/>
+        </p:spPr>
+      </p:pic>
+      <p:pic>
+        <p:nvPicPr>
+          <p:cNvPr id="1027" name="Picture 3" descr="C:\Documents and Settings\Administrator\Desktop\Untitled-4.png"/>
+          <p:cNvPicPr>
+            <a:picLocks noChangeAspect="1" noChangeArrowheads="1"/>
+          </p:cNvPicPr>
+          <p:nvPr/>
+        </p:nvPicPr>
+        <p:blipFill>
+          <a:blip r:embed="rId3" cstate="print"/>
+          <a:srcRect/>
+          <a:stretch>
+            <a:fillRect/>
+          </a:stretch>
+        </p:blipFill>
+        <p:spPr bwMode="auto">
+          <a:xfrm>
+            <a:off x="7315200" y="3733800"/>
+            <a:ext cx="388775" cy="381000"/>
+          </a:xfrm>
+          <a:prstGeom prst="rect">
+            <a:avLst/>
+          </a:prstGeom>
+          <a:noFill/>
+        </p:spPr>
+      </p:pic>
+      <p:pic>
+        <p:nvPicPr>
+          <p:cNvPr id="18" name="Picture 3" descr="C:\Documents and Settings\Administrator\Desktop\Untitled-4.png"/>
+          <p:cNvPicPr>
+            <a:picLocks noChangeAspect="1" noChangeArrowheads="1"/>
+          </p:cNvPicPr>
+          <p:nvPr/>
+        </p:nvPicPr>
+        <p:blipFill>
+          <a:blip r:embed="rId3" cstate="print"/>
+          <a:srcRect/>
+          <a:stretch>
+            <a:fillRect/>
+          </a:stretch>
+        </p:blipFill>
+        <p:spPr bwMode="auto">
+          <a:xfrm>
+            <a:off x="7315200" y="4724400"/>
+            <a:ext cx="388775" cy="381000"/>
+          </a:xfrm>
+          <a:prstGeom prst="rect">
+            <a:avLst/>
+          </a:prstGeom>
+          <a:noFill/>
+        </p:spPr>
+      </p:pic>
+      <p:pic>
+        <p:nvPicPr>
+          <p:cNvPr id="19" name="Picture 3" descr="C:\Documents and Settings\Administrator\Desktop\Untitled-4.png"/>
+          <p:cNvPicPr>
+            <a:picLocks noChangeAspect="1" noChangeArrowheads="1"/>
+          </p:cNvPicPr>
+          <p:nvPr/>
+        </p:nvPicPr>
+        <p:blipFill>
+          <a:blip r:embed="rId3" cstate="print"/>
+          <a:srcRect/>
+          <a:stretch>
+            <a:fillRect/>
+          </a:stretch>
+        </p:blipFill>
+        <p:spPr bwMode="auto">
+          <a:xfrm>
+            <a:off x="7315200" y="5638800"/>
+            <a:ext cx="388775" cy="381000"/>
+          </a:xfrm>
+          <a:prstGeom prst="rect">
+            <a:avLst/>
+          </a:prstGeom>
+          <a:noFill/>
+        </p:spPr>
+      </p:pic>
+      <p:sp>
+        <p:nvSpPr>
+          <p:cNvPr id="22" name="ตัวยึดหมายเลขภาพนิ่ง 21"/>
+          <p:cNvSpPr>
+            <a:spLocks noGrp="1"/>
+          </p:cNvSpPr>
+          <p:nvPr>
+            <p:ph type="sldNum" sz="quarter" idx="12"/>
+          </p:nvPr>
+        </p:nvSpPr>
+        <p:spPr/>
+        <p:txBody>
+          <a:bodyPr/>
+          <a:lstStyle/>
+          <a:p>
+            <a:fld id="{5685757F-D3FC-4732-92F9-251EF6B3B90C}" type="slidenum">
+              <a:rPr lang="en-US" sz="3200" smtClean="0">
+                <a:ln w="18415" cmpd="sng">
+                  <a:solidFill>
+                    <a:srgbClr val="FFFFFF"/>
+                  </a:solidFill>
+                  <a:prstDash val="solid"/>
+                </a:ln>
+                <a:solidFill>
+                  <a:srgbClr val="FFFFFF"/>
+                </a:solidFill>
+                <a:effectLst>
+                  <a:outerShdw blurRad="63500" dir="3600000" algn="tl" rotWithShape="0">
+                    <a:srgbClr val="000000">
+                      <a:alpha val="70000"/>
+                    </a:srgbClr>
+                  </a:outerShdw>
+                </a:effectLst>
+                <a:latin typeface="Angsana New" pitchFamily="18" charset="-34"/>
+                <a:cs typeface="Angsana New" pitchFamily="18" charset="-34"/>
+              </a:rPr>
+              <a:pPr/>
+              <a:t>11</a:t>
+            </a:fld>
+            <a:endParaRPr lang="en-US" sz="3200" dirty="0">
+              <a:ln w="18415" cmpd="sng">
+                <a:solidFill>
+                  <a:srgbClr val="FFFFFF"/>
+                </a:solidFill>
+                <a:prstDash val="solid"/>
+              </a:ln>
+              <a:solidFill>
+                <a:srgbClr val="FFFFFF"/>
+              </a:solidFill>
+              <a:effectLst>
+                <a:outerShdw blurRad="63500" dir="3600000" algn="tl" rotWithShape="0">
+                  <a:srgbClr val="000000">
+                    <a:alpha val="70000"/>
+                  </a:srgbClr>
+                </a:outerShdw>
+              </a:effectLst>
+              <a:latin typeface="Angsana New" pitchFamily="18" charset="-34"/>
+              <a:cs typeface="Angsana New" pitchFamily="18" charset="-34"/>
+            </a:endParaRPr>
+          </a:p>
+        </p:txBody>
+      </p:sp>
+    </p:spTree>
+    <p:extLst>
+      <p:ext uri="{BB962C8B-B14F-4D97-AF65-F5344CB8AC3E}">
+        <p14:creationId xmlns="" xmlns:p14="http://schemas.microsoft.com/office/powerpoint/2010/main" val="222104164"/>
+      </p:ext>
+    </p:extLst>
+  </p:cSld>
+  <p:clrMapOvr>
+    <a:masterClrMapping/>
+  </p:clrMapOvr>
+</p:sld>
+</file>
+
+<file path=ppt/slides/slide12.xml><?xml version="1.0" encoding="utf-8"?>
+<p:sld xmlns:a="http://schemas.openxmlformats.org/drawingml/2006/main" xmlns:r="http://schemas.openxmlformats.org/officeDocument/2006/relationships" xmlns:p="http://schemas.openxmlformats.org/presentationml/2006/main">
+  <p:cSld>
+    <p:spTree>
+      <p:nvGrpSpPr>
+        <p:cNvPr id="1" name=""/>
+        <p:cNvGrpSpPr/>
+        <p:nvPr/>
+      </p:nvGrpSpPr>
+      <p:grpSpPr>
+        <a:xfrm>
+          <a:off x="0" y="0"/>
+          <a:ext cx="0" cy="0"/>
+          <a:chOff x="0" y="0"/>
+          <a:chExt cx="0" cy="0"/>
+        </a:xfrm>
+      </p:grpSpPr>
+      <p:sp>
+        <p:nvSpPr>
+          <p:cNvPr id="2" name="Title 1"/>
+          <p:cNvSpPr>
+            <a:spLocks noGrp="1"/>
+          </p:cNvSpPr>
+          <p:nvPr>
+            <p:ph type="title"/>
+          </p:nvPr>
+        </p:nvSpPr>
+        <p:spPr/>
+        <p:txBody>
+          <a:bodyPr/>
+          <a:lstStyle/>
+          <a:p>
+            <a:r>
+              <a:rPr lang="th-TH" b="1" dirty="0" smtClean="0"/>
               <a:t>ความสามารถของโปรแกรม</a:t>
             </a:r>
-            <a:endParaRPr lang="en-US" dirty="0"/>
+            <a:endParaRPr lang="en-US" b="1" dirty="0"/>
           </a:p>
         </p:txBody>
       </p:sp>
@@ -6929,10 +8162,72 @@
           </a:p>
         </p:txBody>
       </p:sp>
+      <p:sp>
+        <p:nvSpPr>
+          <p:cNvPr id="6" name="ตัวยึดหมายเลขภาพนิ่ง 5"/>
+          <p:cNvSpPr>
+            <a:spLocks noGrp="1"/>
+          </p:cNvSpPr>
+          <p:nvPr>
+            <p:ph type="sldNum" sz="quarter" idx="12"/>
+          </p:nvPr>
+        </p:nvSpPr>
+        <p:spPr/>
+        <p:txBody>
+          <a:bodyPr/>
+          <a:lstStyle/>
+          <a:p>
+            <a:fld id="{5685757F-D3FC-4732-92F9-251EF6B3B90C}" type="slidenum">
+              <a:rPr lang="en-US" sz="3200" smtClean="0">
+                <a:ln w="18415" cmpd="sng">
+                  <a:solidFill>
+                    <a:srgbClr val="FFFFFF"/>
+                  </a:solidFill>
+                  <a:prstDash val="solid"/>
+                </a:ln>
+                <a:solidFill>
+                  <a:srgbClr val="FFFFFF"/>
+                </a:solidFill>
+                <a:effectLst>
+                  <a:outerShdw blurRad="63500" dir="3600000" algn="tl" rotWithShape="0">
+                    <a:srgbClr val="000000">
+                      <a:alpha val="70000"/>
+                    </a:srgbClr>
+                  </a:outerShdw>
+                </a:effectLst>
+                <a:latin typeface="Angsana New" pitchFamily="18" charset="-34"/>
+                <a:cs typeface="Angsana New" pitchFamily="18" charset="-34"/>
+              </a:rPr>
+              <a:pPr/>
+              <a:t>12</a:t>
+            </a:fld>
+            <a:endParaRPr lang="en-US" sz="3200" dirty="0">
+              <a:ln w="18415" cmpd="sng">
+                <a:solidFill>
+                  <a:srgbClr val="FFFFFF"/>
+                </a:solidFill>
+                <a:prstDash val="solid"/>
+              </a:ln>
+              <a:solidFill>
+                <a:srgbClr val="FFFFFF"/>
+              </a:solidFill>
+              <a:effectLst>
+                <a:outerShdw blurRad="63500" dir="3600000" algn="tl" rotWithShape="0">
+                  <a:srgbClr val="000000">
+                    <a:alpha val="70000"/>
+                  </a:srgbClr>
+                </a:outerShdw>
+              </a:effectLst>
+              <a:latin typeface="Angsana New" pitchFamily="18" charset="-34"/>
+              <a:cs typeface="Angsana New" pitchFamily="18" charset="-34"/>
+            </a:endParaRPr>
+          </a:p>
+        </p:txBody>
+      </p:sp>
     </p:spTree>
     <p:extLst>
       <p:ext uri="{BB962C8B-B14F-4D97-AF65-F5344CB8AC3E}">
-        <p14:creationId xmlns:p14="http://schemas.microsoft.com/office/powerpoint/2010/main" xmlns="" val="1630400559"/>
+        <p14:creationId xmlns="" xmlns:p14="http://schemas.microsoft.com/office/powerpoint/2010/main" val="1630400559"/>
       </p:ext>
     </p:extLst>
   </p:cSld>
@@ -7240,7 +8535,7 @@
 </p:sld>
 </file>
 
-<file path=ppt/slides/slide11.xml><?xml version="1.0" encoding="utf-8"?>
+<file path=ppt/slides/slide13.xml><?xml version="1.0" encoding="utf-8"?>
 <p:sld xmlns:a="http://schemas.openxmlformats.org/drawingml/2006/main" xmlns:r="http://schemas.openxmlformats.org/officeDocument/2006/relationships" xmlns:p="http://schemas.openxmlformats.org/presentationml/2006/main">
   <p:cSld>
     <p:spTree>
@@ -7292,7 +8587,7 @@
             <p:ph idx="1"/>
             <p:extLst>
               <p:ext uri="{D42A27DB-BD31-4B8C-83A1-F6EECF244321}">
-                <p14:modId xmlns:p14="http://schemas.microsoft.com/office/powerpoint/2010/main" xmlns="" val="772518842"/>
+                <p14:modId xmlns="" xmlns:p14="http://schemas.microsoft.com/office/powerpoint/2010/main" val="772518842"/>
               </p:ext>
             </p:extLst>
           </p:nvPr>
@@ -7319,7 +8614,7 @@
           <a:blip r:embed="rId7" cstate="print">
             <a:extLst>
               <a:ext uri="{28A0092B-C50C-407E-A947-70E740481C1C}">
-                <a14:useLocalDpi xmlns:a14="http://schemas.microsoft.com/office/drawing/2010/main" xmlns="" val="0"/>
+                <a14:useLocalDpi xmlns="" xmlns:a14="http://schemas.microsoft.com/office/drawing/2010/main" val="0"/>
               </a:ext>
             </a:extLst>
           </a:blip>
@@ -7349,7 +8644,7 @@
           <a:blip r:embed="rId8" cstate="print">
             <a:extLst>
               <a:ext uri="{28A0092B-C50C-407E-A947-70E740481C1C}">
-                <a14:useLocalDpi xmlns:a14="http://schemas.microsoft.com/office/drawing/2010/main" xmlns="" val="0"/>
+                <a14:useLocalDpi xmlns="" xmlns:a14="http://schemas.microsoft.com/office/drawing/2010/main" val="0"/>
               </a:ext>
             </a:extLst>
           </a:blip>
@@ -7369,7 +8664,7 @@
           <a:noFill/>
           <a:extLst>
             <a:ext uri="{909E8E84-426E-40DD-AFC4-6F175D3DCCD1}">
-              <a14:hiddenFill xmlns:a14="http://schemas.microsoft.com/office/drawing/2010/main" xmlns="">
+              <a14:hiddenFill xmlns="" xmlns:a14="http://schemas.microsoft.com/office/drawing/2010/main">
                 <a:solidFill>
                   <a:srgbClr val="FFFFFF"/>
                 </a:solidFill>
@@ -7411,10 +8706,72 @@
           </a:fontRef>
         </p:style>
       </p:cxnSp>
+      <p:sp>
+        <p:nvSpPr>
+          <p:cNvPr id="10" name="ตัวยึดหมายเลขภาพนิ่ง 9"/>
+          <p:cNvSpPr>
+            <a:spLocks noGrp="1"/>
+          </p:cNvSpPr>
+          <p:nvPr>
+            <p:ph type="sldNum" sz="quarter" idx="12"/>
+          </p:nvPr>
+        </p:nvSpPr>
+        <p:spPr/>
+        <p:txBody>
+          <a:bodyPr/>
+          <a:lstStyle/>
+          <a:p>
+            <a:fld id="{5685757F-D3FC-4732-92F9-251EF6B3B90C}" type="slidenum">
+              <a:rPr lang="en-US" sz="3200" smtClean="0">
+                <a:ln w="18415" cmpd="sng">
+                  <a:solidFill>
+                    <a:srgbClr val="FFFFFF"/>
+                  </a:solidFill>
+                  <a:prstDash val="solid"/>
+                </a:ln>
+                <a:solidFill>
+                  <a:srgbClr val="FFFFFF"/>
+                </a:solidFill>
+                <a:effectLst>
+                  <a:outerShdw blurRad="63500" dir="3600000" algn="tl" rotWithShape="0">
+                    <a:srgbClr val="000000">
+                      <a:alpha val="70000"/>
+                    </a:srgbClr>
+                  </a:outerShdw>
+                </a:effectLst>
+                <a:latin typeface="Angsana New" pitchFamily="18" charset="-34"/>
+                <a:cs typeface="Angsana New" pitchFamily="18" charset="-34"/>
+              </a:rPr>
+              <a:pPr/>
+              <a:t>13</a:t>
+            </a:fld>
+            <a:endParaRPr lang="en-US" sz="3200" dirty="0">
+              <a:ln w="18415" cmpd="sng">
+                <a:solidFill>
+                  <a:srgbClr val="FFFFFF"/>
+                </a:solidFill>
+                <a:prstDash val="solid"/>
+              </a:ln>
+              <a:solidFill>
+                <a:srgbClr val="FFFFFF"/>
+              </a:solidFill>
+              <a:effectLst>
+                <a:outerShdw blurRad="63500" dir="3600000" algn="tl" rotWithShape="0">
+                  <a:srgbClr val="000000">
+                    <a:alpha val="70000"/>
+                  </a:srgbClr>
+                </a:outerShdw>
+              </a:effectLst>
+              <a:latin typeface="Angsana New" pitchFamily="18" charset="-34"/>
+              <a:cs typeface="Angsana New" pitchFamily="18" charset="-34"/>
+            </a:endParaRPr>
+          </a:p>
+        </p:txBody>
+      </p:sp>
     </p:spTree>
     <p:extLst>
       <p:ext uri="{BB962C8B-B14F-4D97-AF65-F5344CB8AC3E}">
-        <p14:creationId xmlns:p14="http://schemas.microsoft.com/office/powerpoint/2010/main" xmlns="" val="1015130875"/>
+        <p14:creationId xmlns="" xmlns:p14="http://schemas.microsoft.com/office/powerpoint/2010/main" val="1015130875"/>
       </p:ext>
     </p:extLst>
   </p:cSld>
@@ -8014,7 +9371,7 @@
 </p:sld>
 </file>
 
-<file path=ppt/slides/slide12.xml><?xml version="1.0" encoding="utf-8"?>
+<file path=ppt/slides/slide14.xml><?xml version="1.0" encoding="utf-8"?>
 <p:sld xmlns:a="http://schemas.openxmlformats.org/drawingml/2006/main" xmlns:r="http://schemas.openxmlformats.org/officeDocument/2006/relationships" xmlns:p="http://schemas.openxmlformats.org/presentationml/2006/main">
   <p:cSld>
     <p:bg>
@@ -8051,7 +9408,7 @@
           <a:blip r:embed="rId3" cstate="print">
             <a:extLst>
               <a:ext uri="{28A0092B-C50C-407E-A947-70E740481C1C}">
-                <a14:useLocalDpi xmlns:a14="http://schemas.microsoft.com/office/drawing/2010/main" xmlns="" val="0"/>
+                <a14:useLocalDpi xmlns="" xmlns:a14="http://schemas.microsoft.com/office/drawing/2010/main" val="0"/>
               </a:ext>
             </a:extLst>
           </a:blip>
@@ -8071,7 +9428,7 @@
           </a:ln>
           <a:extLst>
             <a:ext uri="{53640926-AAD7-44D8-BBD7-CCE9431645EC}">
-              <a14:shadowObscured xmlns:a14="http://schemas.microsoft.com/office/drawing/2010/main" xmlns=""/>
+              <a14:shadowObscured xmlns="" xmlns:a14="http://schemas.microsoft.com/office/drawing/2010/main"/>
             </a:ext>
           </a:extLst>
         </p:spPr>
@@ -8245,10 +9602,130 @@
           </a:p>
         </p:txBody>
       </p:sp>
+      <p:sp>
+        <p:nvSpPr>
+          <p:cNvPr id="7" name="ตัวยึดหมายเลขภาพนิ่ง 6"/>
+          <p:cNvSpPr>
+            <a:spLocks noGrp="1"/>
+          </p:cNvSpPr>
+          <p:nvPr>
+            <p:ph type="sldNum" sz="quarter" idx="12"/>
+          </p:nvPr>
+        </p:nvSpPr>
+        <p:spPr/>
+        <p:txBody>
+          <a:bodyPr/>
+          <a:lstStyle/>
+          <a:p>
+            <a:fld id="{5685757F-D3FC-4732-92F9-251EF6B3B90C}" type="slidenum">
+              <a:rPr lang="en-US" sz="3200" b="1" smtClean="0">
+                <a:ln w="10541" cmpd="sng">
+                  <a:solidFill>
+                    <a:srgbClr val="7D7D7D">
+                      <a:tint val="100000"/>
+                      <a:shade val="100000"/>
+                      <a:satMod val="110000"/>
+                    </a:srgbClr>
+                  </a:solidFill>
+                  <a:prstDash val="solid"/>
+                </a:ln>
+                <a:gradFill>
+                  <a:gsLst>
+                    <a:gs pos="0">
+                      <a:srgbClr val="FFFFFF">
+                        <a:tint val="40000"/>
+                        <a:satMod val="250000"/>
+                      </a:srgbClr>
+                    </a:gs>
+                    <a:gs pos="9000">
+                      <a:srgbClr val="FFFFFF">
+                        <a:tint val="52000"/>
+                        <a:satMod val="300000"/>
+                      </a:srgbClr>
+                    </a:gs>
+                    <a:gs pos="50000">
+                      <a:srgbClr val="FFFFFF">
+                        <a:shade val="20000"/>
+                        <a:satMod val="300000"/>
+                      </a:srgbClr>
+                    </a:gs>
+                    <a:gs pos="79000">
+                      <a:srgbClr val="FFFFFF">
+                        <a:tint val="52000"/>
+                        <a:satMod val="300000"/>
+                      </a:srgbClr>
+                    </a:gs>
+                    <a:gs pos="100000">
+                      <a:srgbClr val="FFFFFF">
+                        <a:tint val="40000"/>
+                        <a:satMod val="250000"/>
+                      </a:srgbClr>
+                    </a:gs>
+                  </a:gsLst>
+                  <a:lin ang="5400000"/>
+                </a:gradFill>
+                <a:latin typeface="Angsana New" pitchFamily="18" charset="-34"/>
+                <a:cs typeface="Angsana New" pitchFamily="18" charset="-34"/>
+              </a:rPr>
+              <a:pPr/>
+              <a:t>14</a:t>
+            </a:fld>
+            <a:endParaRPr lang="en-US" sz="3200" b="1" dirty="0">
+              <a:ln w="10541" cmpd="sng">
+                <a:solidFill>
+                  <a:srgbClr val="7D7D7D">
+                    <a:tint val="100000"/>
+                    <a:shade val="100000"/>
+                    <a:satMod val="110000"/>
+                  </a:srgbClr>
+                </a:solidFill>
+                <a:prstDash val="solid"/>
+              </a:ln>
+              <a:gradFill>
+                <a:gsLst>
+                  <a:gs pos="0">
+                    <a:srgbClr val="FFFFFF">
+                      <a:tint val="40000"/>
+                      <a:satMod val="250000"/>
+                    </a:srgbClr>
+                  </a:gs>
+                  <a:gs pos="9000">
+                    <a:srgbClr val="FFFFFF">
+                      <a:tint val="52000"/>
+                      <a:satMod val="300000"/>
+                    </a:srgbClr>
+                  </a:gs>
+                  <a:gs pos="50000">
+                    <a:srgbClr val="FFFFFF">
+                      <a:shade val="20000"/>
+                      <a:satMod val="300000"/>
+                    </a:srgbClr>
+                  </a:gs>
+                  <a:gs pos="79000">
+                    <a:srgbClr val="FFFFFF">
+                      <a:tint val="52000"/>
+                      <a:satMod val="300000"/>
+                    </a:srgbClr>
+                  </a:gs>
+                  <a:gs pos="100000">
+                    <a:srgbClr val="FFFFFF">
+                      <a:tint val="40000"/>
+                      <a:satMod val="250000"/>
+                    </a:srgbClr>
+                  </a:gs>
+                </a:gsLst>
+                <a:lin ang="5400000"/>
+              </a:gradFill>
+              <a:latin typeface="Angsana New" pitchFamily="18" charset="-34"/>
+              <a:cs typeface="Angsana New" pitchFamily="18" charset="-34"/>
+            </a:endParaRPr>
+          </a:p>
+        </p:txBody>
+      </p:sp>
     </p:spTree>
     <p:extLst>
       <p:ext uri="{BB962C8B-B14F-4D97-AF65-F5344CB8AC3E}">
-        <p14:creationId xmlns:p14="http://schemas.microsoft.com/office/powerpoint/2010/main" xmlns="" val="315046874"/>
+        <p14:creationId xmlns="" xmlns:p14="http://schemas.microsoft.com/office/powerpoint/2010/main" val="315046874"/>
       </p:ext>
     </p:extLst>
   </p:cSld>
@@ -8392,7 +9869,7 @@
 </p:sld>
 </file>
 
-<file path=ppt/slides/slide13.xml><?xml version="1.0" encoding="utf-8"?>
+<file path=ppt/slides/slide15.xml><?xml version="1.0" encoding="utf-8"?>
 <p:sld xmlns:a="http://schemas.openxmlformats.org/drawingml/2006/main" xmlns:r="http://schemas.openxmlformats.org/officeDocument/2006/relationships" xmlns:p="http://schemas.openxmlformats.org/presentationml/2006/main">
   <p:cSld>
     <p:bg>
@@ -8429,7 +9906,7 @@
           <a:blip r:embed="rId3" cstate="print">
             <a:extLst>
               <a:ext uri="{28A0092B-C50C-407E-A947-70E740481C1C}">
-                <a14:useLocalDpi xmlns:a14="http://schemas.microsoft.com/office/drawing/2010/main" xmlns="" val="0"/>
+                <a14:useLocalDpi xmlns="" xmlns:a14="http://schemas.microsoft.com/office/drawing/2010/main" val="0"/>
               </a:ext>
             </a:extLst>
           </a:blip>
@@ -8449,7 +9926,7 @@
           </a:ln>
           <a:extLst>
             <a:ext uri="{53640926-AAD7-44D8-BBD7-CCE9431645EC}">
-              <a14:shadowObscured xmlns:a14="http://schemas.microsoft.com/office/drawing/2010/main" xmlns=""/>
+              <a14:shadowObscured xmlns="" xmlns:a14="http://schemas.microsoft.com/office/drawing/2010/main"/>
             </a:ext>
           </a:extLst>
         </p:spPr>
@@ -8644,10 +10121,177 @@
           </a:p>
         </p:txBody>
       </p:sp>
+      <p:sp>
+        <p:nvSpPr>
+          <p:cNvPr id="9" name="ตัวยึดหมายเลขภาพนิ่ง 6"/>
+          <p:cNvSpPr txBox="1">
+            <a:spLocks/>
+          </p:cNvSpPr>
+          <p:nvPr/>
+        </p:nvSpPr>
+        <p:spPr>
+          <a:xfrm>
+            <a:off x="6553200" y="6340475"/>
+            <a:ext cx="2133600" cy="365125"/>
+          </a:xfrm>
+          <a:prstGeom prst="rect">
+            <a:avLst/>
+          </a:prstGeom>
+        </p:spPr>
+        <p:txBody>
+          <a:bodyPr vert="horz" lIns="91440" tIns="45720" rIns="91440" bIns="45720" rtlCol="0" anchor="ctr"/>
+          <a:lstStyle/>
+          <a:p>
+            <a:pPr marL="0" marR="0" lvl="0" indent="0" algn="r" defTabSz="914400" rtl="0" eaLnBrk="1" fontAlgn="auto" latinLnBrk="0" hangingPunct="1">
+              <a:lnSpc>
+                <a:spcPct val="100000"/>
+              </a:lnSpc>
+              <a:spcBef>
+                <a:spcPts val="0"/>
+              </a:spcBef>
+              <a:spcAft>
+                <a:spcPts val="0"/>
+              </a:spcAft>
+              <a:buClrTx/>
+              <a:buSzTx/>
+              <a:buFontTx/>
+              <a:buNone/>
+              <a:tabLst/>
+              <a:defRPr/>
+            </a:pPr>
+            <a:fld id="{5685757F-D3FC-4732-92F9-251EF6B3B90C}" type="slidenum">
+              <a:rPr kumimoji="0" lang="en-US" sz="3200" b="1" i="0" u="none" strike="noStrike" kern="1200" cap="none" spc="0" normalizeH="0" baseline="0" noProof="0" smtClean="0">
+                <a:ln w="10541" cmpd="sng">
+                  <a:solidFill>
+                    <a:srgbClr val="7D7D7D">
+                      <a:tint val="100000"/>
+                      <a:shade val="100000"/>
+                      <a:satMod val="110000"/>
+                    </a:srgbClr>
+                  </a:solidFill>
+                  <a:prstDash val="solid"/>
+                </a:ln>
+                <a:gradFill>
+                  <a:gsLst>
+                    <a:gs pos="0">
+                      <a:srgbClr val="FFFFFF">
+                        <a:tint val="40000"/>
+                        <a:satMod val="250000"/>
+                      </a:srgbClr>
+                    </a:gs>
+                    <a:gs pos="9000">
+                      <a:srgbClr val="FFFFFF">
+                        <a:tint val="52000"/>
+                        <a:satMod val="300000"/>
+                      </a:srgbClr>
+                    </a:gs>
+                    <a:gs pos="50000">
+                      <a:srgbClr val="FFFFFF">
+                        <a:shade val="20000"/>
+                        <a:satMod val="300000"/>
+                      </a:srgbClr>
+                    </a:gs>
+                    <a:gs pos="79000">
+                      <a:srgbClr val="FFFFFF">
+                        <a:tint val="52000"/>
+                        <a:satMod val="300000"/>
+                      </a:srgbClr>
+                    </a:gs>
+                    <a:gs pos="100000">
+                      <a:srgbClr val="FFFFFF">
+                        <a:tint val="40000"/>
+                        <a:satMod val="250000"/>
+                      </a:srgbClr>
+                    </a:gs>
+                  </a:gsLst>
+                  <a:lin ang="5400000"/>
+                </a:gradFill>
+                <a:effectLst/>
+                <a:uLnTx/>
+                <a:uFillTx/>
+                <a:latin typeface="Angsana New" pitchFamily="18" charset="-34"/>
+                <a:ea typeface="+mn-ea"/>
+                <a:cs typeface="Angsana New" pitchFamily="18" charset="-34"/>
+              </a:rPr>
+              <a:pPr marL="0" marR="0" lvl="0" indent="0" algn="r" defTabSz="914400" rtl="0" eaLnBrk="1" fontAlgn="auto" latinLnBrk="0" hangingPunct="1">
+                <a:lnSpc>
+                  <a:spcPct val="100000"/>
+                </a:lnSpc>
+                <a:spcBef>
+                  <a:spcPts val="0"/>
+                </a:spcBef>
+                <a:spcAft>
+                  <a:spcPts val="0"/>
+                </a:spcAft>
+                <a:buClrTx/>
+                <a:buSzTx/>
+                <a:buFontTx/>
+                <a:buNone/>
+                <a:tabLst/>
+                <a:defRPr/>
+              </a:pPr>
+              <a:t>15</a:t>
+            </a:fld>
+            <a:endParaRPr kumimoji="0" lang="en-US" sz="3200" b="1" i="0" u="none" strike="noStrike" kern="1200" cap="none" spc="0" normalizeH="0" baseline="0" noProof="0" dirty="0">
+              <a:ln w="10541" cmpd="sng">
+                <a:solidFill>
+                  <a:srgbClr val="7D7D7D">
+                    <a:tint val="100000"/>
+                    <a:shade val="100000"/>
+                    <a:satMod val="110000"/>
+                  </a:srgbClr>
+                </a:solidFill>
+                <a:prstDash val="solid"/>
+              </a:ln>
+              <a:gradFill>
+                <a:gsLst>
+                  <a:gs pos="0">
+                    <a:srgbClr val="FFFFFF">
+                      <a:tint val="40000"/>
+                      <a:satMod val="250000"/>
+                    </a:srgbClr>
+                  </a:gs>
+                  <a:gs pos="9000">
+                    <a:srgbClr val="FFFFFF">
+                      <a:tint val="52000"/>
+                      <a:satMod val="300000"/>
+                    </a:srgbClr>
+                  </a:gs>
+                  <a:gs pos="50000">
+                    <a:srgbClr val="FFFFFF">
+                      <a:shade val="20000"/>
+                      <a:satMod val="300000"/>
+                    </a:srgbClr>
+                  </a:gs>
+                  <a:gs pos="79000">
+                    <a:srgbClr val="FFFFFF">
+                      <a:tint val="52000"/>
+                      <a:satMod val="300000"/>
+                    </a:srgbClr>
+                  </a:gs>
+                  <a:gs pos="100000">
+                    <a:srgbClr val="FFFFFF">
+                      <a:tint val="40000"/>
+                      <a:satMod val="250000"/>
+                    </a:srgbClr>
+                  </a:gs>
+                </a:gsLst>
+                <a:lin ang="5400000"/>
+              </a:gradFill>
+              <a:effectLst/>
+              <a:uLnTx/>
+              <a:uFillTx/>
+              <a:latin typeface="Angsana New" pitchFamily="18" charset="-34"/>
+              <a:ea typeface="+mn-ea"/>
+              <a:cs typeface="Angsana New" pitchFamily="18" charset="-34"/>
+            </a:endParaRPr>
+          </a:p>
+        </p:txBody>
+      </p:sp>
     </p:spTree>
     <p:extLst>
       <p:ext uri="{BB962C8B-B14F-4D97-AF65-F5344CB8AC3E}">
-        <p14:creationId xmlns:p14="http://schemas.microsoft.com/office/powerpoint/2010/main" xmlns="" val="1498823684"/>
+        <p14:creationId xmlns="" xmlns:p14="http://schemas.microsoft.com/office/powerpoint/2010/main" val="1498823684"/>
       </p:ext>
     </p:extLst>
   </p:cSld>
@@ -8836,7 +10480,7 @@
 </p:sld>
 </file>
 
-<file path=ppt/slides/slide14.xml><?xml version="1.0" encoding="utf-8"?>
+<file path=ppt/slides/slide16.xml><?xml version="1.0" encoding="utf-8"?>
 <p:sld xmlns:a="http://schemas.openxmlformats.org/drawingml/2006/main" xmlns:r="http://schemas.openxmlformats.org/officeDocument/2006/relationships" xmlns:p="http://schemas.openxmlformats.org/presentationml/2006/main">
   <p:cSld>
     <p:bg>
@@ -8873,7 +10517,7 @@
           <a:blip r:embed="rId2" cstate="print">
             <a:extLst>
               <a:ext uri="{28A0092B-C50C-407E-A947-70E740481C1C}">
-                <a14:useLocalDpi xmlns:a14="http://schemas.microsoft.com/office/drawing/2010/main" xmlns="" val="0"/>
+                <a14:useLocalDpi xmlns="" xmlns:a14="http://schemas.microsoft.com/office/drawing/2010/main" val="0"/>
               </a:ext>
             </a:extLst>
           </a:blip>
@@ -8893,7 +10537,7 @@
           </a:ln>
           <a:extLst>
             <a:ext uri="{53640926-AAD7-44D8-BBD7-CCE9431645EC}">
-              <a14:shadowObscured xmlns:a14="http://schemas.microsoft.com/office/drawing/2010/main" xmlns=""/>
+              <a14:shadowObscured xmlns="" xmlns:a14="http://schemas.microsoft.com/office/drawing/2010/main"/>
             </a:ext>
           </a:extLst>
         </p:spPr>
@@ -9072,10 +10716,177 @@
           </a:p>
         </p:txBody>
       </p:sp>
+      <p:sp>
+        <p:nvSpPr>
+          <p:cNvPr id="11" name="ตัวยึดหมายเลขภาพนิ่ง 6"/>
+          <p:cNvSpPr txBox="1">
+            <a:spLocks/>
+          </p:cNvSpPr>
+          <p:nvPr/>
+        </p:nvSpPr>
+        <p:spPr>
+          <a:xfrm>
+            <a:off x="6553200" y="6324600"/>
+            <a:ext cx="2133600" cy="365125"/>
+          </a:xfrm>
+          <a:prstGeom prst="rect">
+            <a:avLst/>
+          </a:prstGeom>
+        </p:spPr>
+        <p:txBody>
+          <a:bodyPr vert="horz" lIns="91440" tIns="45720" rIns="91440" bIns="45720" rtlCol="0" anchor="ctr"/>
+          <a:lstStyle/>
+          <a:p>
+            <a:pPr marL="0" marR="0" lvl="0" indent="0" algn="r" defTabSz="914400" rtl="0" eaLnBrk="1" fontAlgn="auto" latinLnBrk="0" hangingPunct="1">
+              <a:lnSpc>
+                <a:spcPct val="100000"/>
+              </a:lnSpc>
+              <a:spcBef>
+                <a:spcPts val="0"/>
+              </a:spcBef>
+              <a:spcAft>
+                <a:spcPts val="0"/>
+              </a:spcAft>
+              <a:buClrTx/>
+              <a:buSzTx/>
+              <a:buFontTx/>
+              <a:buNone/>
+              <a:tabLst/>
+              <a:defRPr/>
+            </a:pPr>
+            <a:fld id="{5685757F-D3FC-4732-92F9-251EF6B3B90C}" type="slidenum">
+              <a:rPr kumimoji="0" lang="en-US" sz="3200" b="1" i="0" u="none" strike="noStrike" kern="1200" cap="none" spc="0" normalizeH="0" baseline="0" noProof="0" smtClean="0">
+                <a:ln w="10541" cmpd="sng">
+                  <a:solidFill>
+                    <a:srgbClr val="7D7D7D">
+                      <a:tint val="100000"/>
+                      <a:shade val="100000"/>
+                      <a:satMod val="110000"/>
+                    </a:srgbClr>
+                  </a:solidFill>
+                  <a:prstDash val="solid"/>
+                </a:ln>
+                <a:gradFill>
+                  <a:gsLst>
+                    <a:gs pos="0">
+                      <a:srgbClr val="FFFFFF">
+                        <a:tint val="40000"/>
+                        <a:satMod val="250000"/>
+                      </a:srgbClr>
+                    </a:gs>
+                    <a:gs pos="9000">
+                      <a:srgbClr val="FFFFFF">
+                        <a:tint val="52000"/>
+                        <a:satMod val="300000"/>
+                      </a:srgbClr>
+                    </a:gs>
+                    <a:gs pos="50000">
+                      <a:srgbClr val="FFFFFF">
+                        <a:shade val="20000"/>
+                        <a:satMod val="300000"/>
+                      </a:srgbClr>
+                    </a:gs>
+                    <a:gs pos="79000">
+                      <a:srgbClr val="FFFFFF">
+                        <a:tint val="52000"/>
+                        <a:satMod val="300000"/>
+                      </a:srgbClr>
+                    </a:gs>
+                    <a:gs pos="100000">
+                      <a:srgbClr val="FFFFFF">
+                        <a:tint val="40000"/>
+                        <a:satMod val="250000"/>
+                      </a:srgbClr>
+                    </a:gs>
+                  </a:gsLst>
+                  <a:lin ang="5400000"/>
+                </a:gradFill>
+                <a:effectLst/>
+                <a:uLnTx/>
+                <a:uFillTx/>
+                <a:latin typeface="Angsana New" pitchFamily="18" charset="-34"/>
+                <a:ea typeface="+mn-ea"/>
+                <a:cs typeface="Angsana New" pitchFamily="18" charset="-34"/>
+              </a:rPr>
+              <a:pPr marL="0" marR="0" lvl="0" indent="0" algn="r" defTabSz="914400" rtl="0" eaLnBrk="1" fontAlgn="auto" latinLnBrk="0" hangingPunct="1">
+                <a:lnSpc>
+                  <a:spcPct val="100000"/>
+                </a:lnSpc>
+                <a:spcBef>
+                  <a:spcPts val="0"/>
+                </a:spcBef>
+                <a:spcAft>
+                  <a:spcPts val="0"/>
+                </a:spcAft>
+                <a:buClrTx/>
+                <a:buSzTx/>
+                <a:buFontTx/>
+                <a:buNone/>
+                <a:tabLst/>
+                <a:defRPr/>
+              </a:pPr>
+              <a:t>16</a:t>
+            </a:fld>
+            <a:endParaRPr kumimoji="0" lang="en-US" sz="3200" b="1" i="0" u="none" strike="noStrike" kern="1200" cap="none" spc="0" normalizeH="0" baseline="0" noProof="0" dirty="0">
+              <a:ln w="10541" cmpd="sng">
+                <a:solidFill>
+                  <a:srgbClr val="7D7D7D">
+                    <a:tint val="100000"/>
+                    <a:shade val="100000"/>
+                    <a:satMod val="110000"/>
+                  </a:srgbClr>
+                </a:solidFill>
+                <a:prstDash val="solid"/>
+              </a:ln>
+              <a:gradFill>
+                <a:gsLst>
+                  <a:gs pos="0">
+                    <a:srgbClr val="FFFFFF">
+                      <a:tint val="40000"/>
+                      <a:satMod val="250000"/>
+                    </a:srgbClr>
+                  </a:gs>
+                  <a:gs pos="9000">
+                    <a:srgbClr val="FFFFFF">
+                      <a:tint val="52000"/>
+                      <a:satMod val="300000"/>
+                    </a:srgbClr>
+                  </a:gs>
+                  <a:gs pos="50000">
+                    <a:srgbClr val="FFFFFF">
+                      <a:shade val="20000"/>
+                      <a:satMod val="300000"/>
+                    </a:srgbClr>
+                  </a:gs>
+                  <a:gs pos="79000">
+                    <a:srgbClr val="FFFFFF">
+                      <a:tint val="52000"/>
+                      <a:satMod val="300000"/>
+                    </a:srgbClr>
+                  </a:gs>
+                  <a:gs pos="100000">
+                    <a:srgbClr val="FFFFFF">
+                      <a:tint val="40000"/>
+                      <a:satMod val="250000"/>
+                    </a:srgbClr>
+                  </a:gs>
+                </a:gsLst>
+                <a:lin ang="5400000"/>
+              </a:gradFill>
+              <a:effectLst/>
+              <a:uLnTx/>
+              <a:uFillTx/>
+              <a:latin typeface="Angsana New" pitchFamily="18" charset="-34"/>
+              <a:ea typeface="+mn-ea"/>
+              <a:cs typeface="Angsana New" pitchFamily="18" charset="-34"/>
+            </a:endParaRPr>
+          </a:p>
+        </p:txBody>
+      </p:sp>
     </p:spTree>
     <p:extLst>
       <p:ext uri="{BB962C8B-B14F-4D97-AF65-F5344CB8AC3E}">
-        <p14:creationId xmlns:p14="http://schemas.microsoft.com/office/powerpoint/2010/main" xmlns="" val="819896303"/>
+        <p14:creationId xmlns="" xmlns:p14="http://schemas.microsoft.com/office/powerpoint/2010/main" val="819896303"/>
       </p:ext>
     </p:extLst>
   </p:cSld>
@@ -9264,7 +11075,7 @@
 </p:sld>
 </file>
 
-<file path=ppt/slides/slide15.xml><?xml version="1.0" encoding="utf-8"?>
+<file path=ppt/slides/slide17.xml><?xml version="1.0" encoding="utf-8"?>
 <p:sld xmlns:a="http://schemas.openxmlformats.org/drawingml/2006/main" xmlns:r="http://schemas.openxmlformats.org/officeDocument/2006/relationships" xmlns:p="http://schemas.openxmlformats.org/presentationml/2006/main">
   <p:cSld>
     <p:bg>
@@ -9301,7 +11112,7 @@
           <a:blip r:embed="rId2" cstate="print">
             <a:extLst>
               <a:ext uri="{28A0092B-C50C-407E-A947-70E740481C1C}">
-                <a14:useLocalDpi xmlns:a14="http://schemas.microsoft.com/office/drawing/2010/main" xmlns="" val="0"/>
+                <a14:useLocalDpi xmlns="" xmlns:a14="http://schemas.microsoft.com/office/drawing/2010/main" val="0"/>
               </a:ext>
             </a:extLst>
           </a:blip>
@@ -9321,7 +11132,7 @@
           </a:ln>
           <a:extLst>
             <a:ext uri="{53640926-AAD7-44D8-BBD7-CCE9431645EC}">
-              <a14:shadowObscured xmlns:a14="http://schemas.microsoft.com/office/drawing/2010/main" xmlns=""/>
+              <a14:shadowObscured xmlns="" xmlns:a14="http://schemas.microsoft.com/office/drawing/2010/main"/>
             </a:ext>
           </a:extLst>
         </p:spPr>
@@ -9509,10 +11320,177 @@
           </a:p>
         </p:txBody>
       </p:sp>
+      <p:sp>
+        <p:nvSpPr>
+          <p:cNvPr id="12" name="ตัวยึดหมายเลขภาพนิ่ง 6"/>
+          <p:cNvSpPr txBox="1">
+            <a:spLocks/>
+          </p:cNvSpPr>
+          <p:nvPr/>
+        </p:nvSpPr>
+        <p:spPr>
+          <a:xfrm>
+            <a:off x="6553200" y="6324600"/>
+            <a:ext cx="2133600" cy="365125"/>
+          </a:xfrm>
+          <a:prstGeom prst="rect">
+            <a:avLst/>
+          </a:prstGeom>
+        </p:spPr>
+        <p:txBody>
+          <a:bodyPr vert="horz" lIns="91440" tIns="45720" rIns="91440" bIns="45720" rtlCol="0" anchor="ctr"/>
+          <a:lstStyle/>
+          <a:p>
+            <a:pPr marL="0" marR="0" lvl="0" indent="0" algn="r" defTabSz="914400" rtl="0" eaLnBrk="1" fontAlgn="auto" latinLnBrk="0" hangingPunct="1">
+              <a:lnSpc>
+                <a:spcPct val="100000"/>
+              </a:lnSpc>
+              <a:spcBef>
+                <a:spcPts val="0"/>
+              </a:spcBef>
+              <a:spcAft>
+                <a:spcPts val="0"/>
+              </a:spcAft>
+              <a:buClrTx/>
+              <a:buSzTx/>
+              <a:buFontTx/>
+              <a:buNone/>
+              <a:tabLst/>
+              <a:defRPr/>
+            </a:pPr>
+            <a:fld id="{5685757F-D3FC-4732-92F9-251EF6B3B90C}" type="slidenum">
+              <a:rPr kumimoji="0" lang="en-US" sz="3200" b="1" i="0" u="none" strike="noStrike" kern="1200" cap="none" spc="0" normalizeH="0" baseline="0" noProof="0" smtClean="0">
+                <a:ln w="10541" cmpd="sng">
+                  <a:solidFill>
+                    <a:srgbClr val="7D7D7D">
+                      <a:tint val="100000"/>
+                      <a:shade val="100000"/>
+                      <a:satMod val="110000"/>
+                    </a:srgbClr>
+                  </a:solidFill>
+                  <a:prstDash val="solid"/>
+                </a:ln>
+                <a:gradFill>
+                  <a:gsLst>
+                    <a:gs pos="0">
+                      <a:srgbClr val="FFFFFF">
+                        <a:tint val="40000"/>
+                        <a:satMod val="250000"/>
+                      </a:srgbClr>
+                    </a:gs>
+                    <a:gs pos="9000">
+                      <a:srgbClr val="FFFFFF">
+                        <a:tint val="52000"/>
+                        <a:satMod val="300000"/>
+                      </a:srgbClr>
+                    </a:gs>
+                    <a:gs pos="50000">
+                      <a:srgbClr val="FFFFFF">
+                        <a:shade val="20000"/>
+                        <a:satMod val="300000"/>
+                      </a:srgbClr>
+                    </a:gs>
+                    <a:gs pos="79000">
+                      <a:srgbClr val="FFFFFF">
+                        <a:tint val="52000"/>
+                        <a:satMod val="300000"/>
+                      </a:srgbClr>
+                    </a:gs>
+                    <a:gs pos="100000">
+                      <a:srgbClr val="FFFFFF">
+                        <a:tint val="40000"/>
+                        <a:satMod val="250000"/>
+                      </a:srgbClr>
+                    </a:gs>
+                  </a:gsLst>
+                  <a:lin ang="5400000"/>
+                </a:gradFill>
+                <a:effectLst/>
+                <a:uLnTx/>
+                <a:uFillTx/>
+                <a:latin typeface="Angsana New" pitchFamily="18" charset="-34"/>
+                <a:ea typeface="+mn-ea"/>
+                <a:cs typeface="Angsana New" pitchFamily="18" charset="-34"/>
+              </a:rPr>
+              <a:pPr marL="0" marR="0" lvl="0" indent="0" algn="r" defTabSz="914400" rtl="0" eaLnBrk="1" fontAlgn="auto" latinLnBrk="0" hangingPunct="1">
+                <a:lnSpc>
+                  <a:spcPct val="100000"/>
+                </a:lnSpc>
+                <a:spcBef>
+                  <a:spcPts val="0"/>
+                </a:spcBef>
+                <a:spcAft>
+                  <a:spcPts val="0"/>
+                </a:spcAft>
+                <a:buClrTx/>
+                <a:buSzTx/>
+                <a:buFontTx/>
+                <a:buNone/>
+                <a:tabLst/>
+                <a:defRPr/>
+              </a:pPr>
+              <a:t>17</a:t>
+            </a:fld>
+            <a:endParaRPr kumimoji="0" lang="en-US" sz="3200" b="1" i="0" u="none" strike="noStrike" kern="1200" cap="none" spc="0" normalizeH="0" baseline="0" noProof="0" dirty="0">
+              <a:ln w="10541" cmpd="sng">
+                <a:solidFill>
+                  <a:srgbClr val="7D7D7D">
+                    <a:tint val="100000"/>
+                    <a:shade val="100000"/>
+                    <a:satMod val="110000"/>
+                  </a:srgbClr>
+                </a:solidFill>
+                <a:prstDash val="solid"/>
+              </a:ln>
+              <a:gradFill>
+                <a:gsLst>
+                  <a:gs pos="0">
+                    <a:srgbClr val="FFFFFF">
+                      <a:tint val="40000"/>
+                      <a:satMod val="250000"/>
+                    </a:srgbClr>
+                  </a:gs>
+                  <a:gs pos="9000">
+                    <a:srgbClr val="FFFFFF">
+                      <a:tint val="52000"/>
+                      <a:satMod val="300000"/>
+                    </a:srgbClr>
+                  </a:gs>
+                  <a:gs pos="50000">
+                    <a:srgbClr val="FFFFFF">
+                      <a:shade val="20000"/>
+                      <a:satMod val="300000"/>
+                    </a:srgbClr>
+                  </a:gs>
+                  <a:gs pos="79000">
+                    <a:srgbClr val="FFFFFF">
+                      <a:tint val="52000"/>
+                      <a:satMod val="300000"/>
+                    </a:srgbClr>
+                  </a:gs>
+                  <a:gs pos="100000">
+                    <a:srgbClr val="FFFFFF">
+                      <a:tint val="40000"/>
+                      <a:satMod val="250000"/>
+                    </a:srgbClr>
+                  </a:gs>
+                </a:gsLst>
+                <a:lin ang="5400000"/>
+              </a:gradFill>
+              <a:effectLst/>
+              <a:uLnTx/>
+              <a:uFillTx/>
+              <a:latin typeface="Angsana New" pitchFamily="18" charset="-34"/>
+              <a:ea typeface="+mn-ea"/>
+              <a:cs typeface="Angsana New" pitchFamily="18" charset="-34"/>
+            </a:endParaRPr>
+          </a:p>
+        </p:txBody>
+      </p:sp>
     </p:spTree>
     <p:extLst>
       <p:ext uri="{BB962C8B-B14F-4D97-AF65-F5344CB8AC3E}">
-        <p14:creationId xmlns:p14="http://schemas.microsoft.com/office/powerpoint/2010/main" xmlns="" val="785686850"/>
+        <p14:creationId xmlns="" xmlns:p14="http://schemas.microsoft.com/office/powerpoint/2010/main" val="785686850"/>
       </p:ext>
     </p:extLst>
   </p:cSld>
@@ -9701,7 +11679,7 @@
 </p:sld>
 </file>
 
-<file path=ppt/slides/slide16.xml><?xml version="1.0" encoding="utf-8"?>
+<file path=ppt/slides/slide18.xml><?xml version="1.0" encoding="utf-8"?>
 <p:sld xmlns:a="http://schemas.openxmlformats.org/drawingml/2006/main" xmlns:r="http://schemas.openxmlformats.org/officeDocument/2006/relationships" xmlns:p="http://schemas.openxmlformats.org/presentationml/2006/main">
   <p:cSld>
     <p:bg>
@@ -9738,7 +11716,7 @@
           <a:blip r:embed="rId2" cstate="print">
             <a:extLst>
               <a:ext uri="{28A0092B-C50C-407E-A947-70E740481C1C}">
-                <a14:useLocalDpi xmlns:a14="http://schemas.microsoft.com/office/drawing/2010/main" xmlns="" val="0"/>
+                <a14:useLocalDpi xmlns="" xmlns:a14="http://schemas.microsoft.com/office/drawing/2010/main" val="0"/>
               </a:ext>
             </a:extLst>
           </a:blip>
@@ -9758,7 +11736,7 @@
           </a:ln>
           <a:extLst>
             <a:ext uri="{53640926-AAD7-44D8-BBD7-CCE9431645EC}">
-              <a14:shadowObscured xmlns:a14="http://schemas.microsoft.com/office/drawing/2010/main" xmlns=""/>
+              <a14:shadowObscured xmlns="" xmlns:a14="http://schemas.microsoft.com/office/drawing/2010/main"/>
             </a:ext>
           </a:extLst>
         </p:spPr>
@@ -9900,7 +11878,7 @@
             <a:blip r:embed="rId3" cstate="print">
               <a:extLst>
                 <a:ext uri="{28A0092B-C50C-407E-A947-70E740481C1C}">
-                  <a14:useLocalDpi xmlns:a14="http://schemas.microsoft.com/office/drawing/2010/main" xmlns="" val="0"/>
+                  <a14:useLocalDpi xmlns="" xmlns:a14="http://schemas.microsoft.com/office/drawing/2010/main" val="0"/>
                 </a:ext>
               </a:extLst>
             </a:blip>
@@ -10764,10 +12742,177 @@
           </p:txBody>
         </p:sp>
       </p:grpSp>
+      <p:sp>
+        <p:nvSpPr>
+          <p:cNvPr id="15" name="ตัวยึดหมายเลขภาพนิ่ง 6"/>
+          <p:cNvSpPr txBox="1">
+            <a:spLocks/>
+          </p:cNvSpPr>
+          <p:nvPr/>
+        </p:nvSpPr>
+        <p:spPr>
+          <a:xfrm>
+            <a:off x="6553200" y="6324600"/>
+            <a:ext cx="2133600" cy="365125"/>
+          </a:xfrm>
+          <a:prstGeom prst="rect">
+            <a:avLst/>
+          </a:prstGeom>
+        </p:spPr>
+        <p:txBody>
+          <a:bodyPr vert="horz" lIns="91440" tIns="45720" rIns="91440" bIns="45720" rtlCol="0" anchor="ctr"/>
+          <a:lstStyle/>
+          <a:p>
+            <a:pPr marL="0" marR="0" lvl="0" indent="0" algn="r" defTabSz="914400" rtl="0" eaLnBrk="1" fontAlgn="auto" latinLnBrk="0" hangingPunct="1">
+              <a:lnSpc>
+                <a:spcPct val="100000"/>
+              </a:lnSpc>
+              <a:spcBef>
+                <a:spcPts val="0"/>
+              </a:spcBef>
+              <a:spcAft>
+                <a:spcPts val="0"/>
+              </a:spcAft>
+              <a:buClrTx/>
+              <a:buSzTx/>
+              <a:buFontTx/>
+              <a:buNone/>
+              <a:tabLst/>
+              <a:defRPr/>
+            </a:pPr>
+            <a:fld id="{5685757F-D3FC-4732-92F9-251EF6B3B90C}" type="slidenum">
+              <a:rPr kumimoji="0" lang="en-US" sz="3200" b="1" i="0" u="none" strike="noStrike" kern="1200" cap="none" spc="0" normalizeH="0" baseline="0" noProof="0" smtClean="0">
+                <a:ln w="10541" cmpd="sng">
+                  <a:solidFill>
+                    <a:srgbClr val="7D7D7D">
+                      <a:tint val="100000"/>
+                      <a:shade val="100000"/>
+                      <a:satMod val="110000"/>
+                    </a:srgbClr>
+                  </a:solidFill>
+                  <a:prstDash val="solid"/>
+                </a:ln>
+                <a:gradFill>
+                  <a:gsLst>
+                    <a:gs pos="0">
+                      <a:srgbClr val="FFFFFF">
+                        <a:tint val="40000"/>
+                        <a:satMod val="250000"/>
+                      </a:srgbClr>
+                    </a:gs>
+                    <a:gs pos="9000">
+                      <a:srgbClr val="FFFFFF">
+                        <a:tint val="52000"/>
+                        <a:satMod val="300000"/>
+                      </a:srgbClr>
+                    </a:gs>
+                    <a:gs pos="50000">
+                      <a:srgbClr val="FFFFFF">
+                        <a:shade val="20000"/>
+                        <a:satMod val="300000"/>
+                      </a:srgbClr>
+                    </a:gs>
+                    <a:gs pos="79000">
+                      <a:srgbClr val="FFFFFF">
+                        <a:tint val="52000"/>
+                        <a:satMod val="300000"/>
+                      </a:srgbClr>
+                    </a:gs>
+                    <a:gs pos="100000">
+                      <a:srgbClr val="FFFFFF">
+                        <a:tint val="40000"/>
+                        <a:satMod val="250000"/>
+                      </a:srgbClr>
+                    </a:gs>
+                  </a:gsLst>
+                  <a:lin ang="5400000"/>
+                </a:gradFill>
+                <a:effectLst/>
+                <a:uLnTx/>
+                <a:uFillTx/>
+                <a:latin typeface="Angsana New" pitchFamily="18" charset="-34"/>
+                <a:ea typeface="+mn-ea"/>
+                <a:cs typeface="Angsana New" pitchFamily="18" charset="-34"/>
+              </a:rPr>
+              <a:pPr marL="0" marR="0" lvl="0" indent="0" algn="r" defTabSz="914400" rtl="0" eaLnBrk="1" fontAlgn="auto" latinLnBrk="0" hangingPunct="1">
+                <a:lnSpc>
+                  <a:spcPct val="100000"/>
+                </a:lnSpc>
+                <a:spcBef>
+                  <a:spcPts val="0"/>
+                </a:spcBef>
+                <a:spcAft>
+                  <a:spcPts val="0"/>
+                </a:spcAft>
+                <a:buClrTx/>
+                <a:buSzTx/>
+                <a:buFontTx/>
+                <a:buNone/>
+                <a:tabLst/>
+                <a:defRPr/>
+              </a:pPr>
+              <a:t>18</a:t>
+            </a:fld>
+            <a:endParaRPr kumimoji="0" lang="en-US" sz="3200" b="1" i="0" u="none" strike="noStrike" kern="1200" cap="none" spc="0" normalizeH="0" baseline="0" noProof="0" dirty="0">
+              <a:ln w="10541" cmpd="sng">
+                <a:solidFill>
+                  <a:srgbClr val="7D7D7D">
+                    <a:tint val="100000"/>
+                    <a:shade val="100000"/>
+                    <a:satMod val="110000"/>
+                  </a:srgbClr>
+                </a:solidFill>
+                <a:prstDash val="solid"/>
+              </a:ln>
+              <a:gradFill>
+                <a:gsLst>
+                  <a:gs pos="0">
+                    <a:srgbClr val="FFFFFF">
+                      <a:tint val="40000"/>
+                      <a:satMod val="250000"/>
+                    </a:srgbClr>
+                  </a:gs>
+                  <a:gs pos="9000">
+                    <a:srgbClr val="FFFFFF">
+                      <a:tint val="52000"/>
+                      <a:satMod val="300000"/>
+                    </a:srgbClr>
+                  </a:gs>
+                  <a:gs pos="50000">
+                    <a:srgbClr val="FFFFFF">
+                      <a:shade val="20000"/>
+                      <a:satMod val="300000"/>
+                    </a:srgbClr>
+                  </a:gs>
+                  <a:gs pos="79000">
+                    <a:srgbClr val="FFFFFF">
+                      <a:tint val="52000"/>
+                      <a:satMod val="300000"/>
+                    </a:srgbClr>
+                  </a:gs>
+                  <a:gs pos="100000">
+                    <a:srgbClr val="FFFFFF">
+                      <a:tint val="40000"/>
+                      <a:satMod val="250000"/>
+                    </a:srgbClr>
+                  </a:gs>
+                </a:gsLst>
+                <a:lin ang="5400000"/>
+              </a:gradFill>
+              <a:effectLst/>
+              <a:uLnTx/>
+              <a:uFillTx/>
+              <a:latin typeface="Angsana New" pitchFamily="18" charset="-34"/>
+              <a:ea typeface="+mn-ea"/>
+              <a:cs typeface="Angsana New" pitchFamily="18" charset="-34"/>
+            </a:endParaRPr>
+          </a:p>
+        </p:txBody>
+      </p:sp>
     </p:spTree>
     <p:extLst>
       <p:ext uri="{BB962C8B-B14F-4D97-AF65-F5344CB8AC3E}">
-        <p14:creationId xmlns:p14="http://schemas.microsoft.com/office/powerpoint/2010/main" xmlns="" val="215749748"/>
+        <p14:creationId xmlns="" xmlns:p14="http://schemas.microsoft.com/office/powerpoint/2010/main" val="215749748"/>
       </p:ext>
     </p:extLst>
   </p:cSld>
@@ -10955,7 +13100,7 @@
 </p:sld>
 </file>
 
-<file path=ppt/slides/slide17.xml><?xml version="1.0" encoding="utf-8"?>
+<file path=ppt/slides/slide19.xml><?xml version="1.0" encoding="utf-8"?>
 <p:sld xmlns:a="http://schemas.openxmlformats.org/drawingml/2006/main" xmlns:r="http://schemas.openxmlformats.org/officeDocument/2006/relationships" xmlns:p="http://schemas.openxmlformats.org/presentationml/2006/main">
   <p:cSld>
     <p:spTree>
@@ -10988,10 +13133,10 @@
           <a:lstStyle/>
           <a:p>
             <a:r>
-              <a:rPr lang="th-TH" dirty="0" smtClean="0"/>
+              <a:rPr lang="th-TH" b="1" dirty="0" smtClean="0"/>
               <a:t>คุณสมบัติที่อาจจะเพิ่มในภายหลัง</a:t>
             </a:r>
-            <a:endParaRPr lang="en-US" dirty="0"/>
+            <a:endParaRPr lang="en-US" b="1" dirty="0"/>
           </a:p>
         </p:txBody>
       </p:sp>
@@ -11047,10 +13192,117 @@
           </a:p>
         </p:txBody>
       </p:sp>
+      <p:sp>
+        <p:nvSpPr>
+          <p:cNvPr id="7" name="ตัวยึดหมายเลขภาพนิ่ง 6"/>
+          <p:cNvSpPr txBox="1">
+            <a:spLocks/>
+          </p:cNvSpPr>
+          <p:nvPr/>
+        </p:nvSpPr>
+        <p:spPr>
+          <a:xfrm>
+            <a:off x="6553200" y="6324600"/>
+            <a:ext cx="2133600" cy="365125"/>
+          </a:xfrm>
+          <a:prstGeom prst="rect">
+            <a:avLst/>
+          </a:prstGeom>
+        </p:spPr>
+        <p:txBody>
+          <a:bodyPr vert="horz" lIns="91440" tIns="45720" rIns="91440" bIns="45720" rtlCol="0" anchor="ctr"/>
+          <a:lstStyle/>
+          <a:p>
+            <a:pPr marL="0" marR="0" lvl="0" indent="0" algn="r" defTabSz="914400" rtl="0" eaLnBrk="1" fontAlgn="auto" latinLnBrk="0" hangingPunct="1">
+              <a:lnSpc>
+                <a:spcPct val="100000"/>
+              </a:lnSpc>
+              <a:spcBef>
+                <a:spcPts val="0"/>
+              </a:spcBef>
+              <a:spcAft>
+                <a:spcPts val="0"/>
+              </a:spcAft>
+              <a:buClrTx/>
+              <a:buSzTx/>
+              <a:buFontTx/>
+              <a:buNone/>
+              <a:tabLst/>
+              <a:defRPr/>
+            </a:pPr>
+            <a:fld id="{5685757F-D3FC-4732-92F9-251EF6B3B90C}" type="slidenum">
+              <a:rPr kumimoji="0" lang="en-US" sz="3200" i="0" u="none" strike="noStrike" kern="1200" normalizeH="0" baseline="0" noProof="0" smtClean="0">
+                <a:ln w="18415" cmpd="sng">
+                  <a:solidFill>
+                    <a:srgbClr val="FFFFFF"/>
+                  </a:solidFill>
+                  <a:prstDash val="solid"/>
+                </a:ln>
+                <a:solidFill>
+                  <a:srgbClr val="FFFFFF"/>
+                </a:solidFill>
+                <a:effectLst>
+                  <a:outerShdw blurRad="63500" dir="3600000" algn="tl" rotWithShape="0">
+                    <a:srgbClr val="000000">
+                      <a:alpha val="70000"/>
+                    </a:srgbClr>
+                  </a:outerShdw>
+                </a:effectLst>
+                <a:uLnTx/>
+                <a:uFillTx/>
+                <a:latin typeface="Angsana New" pitchFamily="18" charset="-34"/>
+                <a:ea typeface="+mn-ea"/>
+                <a:cs typeface="Angsana New" pitchFamily="18" charset="-34"/>
+              </a:rPr>
+              <a:pPr marL="0" marR="0" lvl="0" indent="0" algn="r" defTabSz="914400" rtl="0" eaLnBrk="1" fontAlgn="auto" latinLnBrk="0" hangingPunct="1">
+                <a:lnSpc>
+                  <a:spcPct val="100000"/>
+                </a:lnSpc>
+                <a:spcBef>
+                  <a:spcPts val="0"/>
+                </a:spcBef>
+                <a:spcAft>
+                  <a:spcPts val="0"/>
+                </a:spcAft>
+                <a:buClrTx/>
+                <a:buSzTx/>
+                <a:buFontTx/>
+                <a:buNone/>
+                <a:tabLst/>
+                <a:defRPr/>
+              </a:pPr>
+              <a:t>19</a:t>
+            </a:fld>
+            <a:endParaRPr kumimoji="0" lang="en-US" sz="3200" i="0" u="none" strike="noStrike" kern="1200" normalizeH="0" baseline="0" noProof="0" dirty="0">
+              <a:ln w="18415" cmpd="sng">
+                <a:solidFill>
+                  <a:srgbClr val="FFFFFF"/>
+                </a:solidFill>
+                <a:prstDash val="solid"/>
+              </a:ln>
+              <a:solidFill>
+                <a:srgbClr val="FFFFFF"/>
+              </a:solidFill>
+              <a:effectLst>
+                <a:outerShdw blurRad="63500" dir="3600000" algn="tl" rotWithShape="0">
+                  <a:srgbClr val="000000">
+                    <a:alpha val="70000"/>
+                  </a:srgbClr>
+                </a:outerShdw>
+              </a:effectLst>
+              <a:uLnTx/>
+              <a:uFillTx/>
+              <a:latin typeface="Angsana New" pitchFamily="18" charset="-34"/>
+              <a:ea typeface="+mn-ea"/>
+              <a:cs typeface="Angsana New" pitchFamily="18" charset="-34"/>
+            </a:endParaRPr>
+          </a:p>
+        </p:txBody>
+      </p:sp>
     </p:spTree>
     <p:extLst>
       <p:ext uri="{BB962C8B-B14F-4D97-AF65-F5344CB8AC3E}">
-        <p14:creationId xmlns:p14="http://schemas.microsoft.com/office/powerpoint/2010/main" xmlns="" val="4161143384"/>
+        <p14:creationId xmlns="" xmlns:p14="http://schemas.microsoft.com/office/powerpoint/2010/main" val="4161143384"/>
       </p:ext>
     </p:extLst>
   </p:cSld>
@@ -11061,6 +13313,334 @@
 </file>
 
 <file path=ppt/slides/slide2.xml><?xml version="1.0" encoding="utf-8"?>
+<p:sld xmlns:a="http://schemas.openxmlformats.org/drawingml/2006/main" xmlns:r="http://schemas.openxmlformats.org/officeDocument/2006/relationships" xmlns:p="http://schemas.openxmlformats.org/presentationml/2006/main">
+  <p:cSld>
+    <p:spTree>
+      <p:nvGrpSpPr>
+        <p:cNvPr id="1" name=""/>
+        <p:cNvGrpSpPr/>
+        <p:nvPr/>
+      </p:nvGrpSpPr>
+      <p:grpSpPr>
+        <a:xfrm>
+          <a:off x="0" y="0"/>
+          <a:ext cx="0" cy="0"/>
+          <a:chOff x="0" y="0"/>
+          <a:chExt cx="0" cy="0"/>
+        </a:xfrm>
+      </p:grpSpPr>
+      <p:sp>
+        <p:nvSpPr>
+          <p:cNvPr id="3" name="ตัวยึดเนื้อหา 2"/>
+          <p:cNvSpPr>
+            <a:spLocks noGrp="1"/>
+          </p:cNvSpPr>
+          <p:nvPr>
+            <p:ph idx="1"/>
+          </p:nvPr>
+        </p:nvSpPr>
+        <p:spPr>
+          <a:xfrm>
+            <a:off x="457200" y="1295400"/>
+            <a:ext cx="8229600" cy="4267199"/>
+          </a:xfrm>
+        </p:spPr>
+        <p:txBody>
+          <a:bodyPr/>
+          <a:lstStyle/>
+          <a:p>
+            <a:pPr algn="ctr">
+              <a:buNone/>
+            </a:pPr>
+            <a:r>
+              <a:rPr lang="th-TH" sz="4800" b="1" dirty="0" smtClean="0">
+                <a:latin typeface="Angsana New" pitchFamily="18" charset="-34"/>
+                <a:cs typeface="Angsana New" pitchFamily="18" charset="-34"/>
+              </a:rPr>
+              <a:t>โดย</a:t>
+            </a:r>
+          </a:p>
+          <a:p>
+            <a:pPr algn="ctr">
+              <a:buNone/>
+            </a:pPr>
+            <a:r>
+              <a:rPr lang="th-TH" b="1" dirty="0" smtClean="0">
+                <a:latin typeface="Angsana New" pitchFamily="18" charset="-34"/>
+                <a:cs typeface="Angsana New" pitchFamily="18" charset="-34"/>
+              </a:rPr>
+              <a:t>นายกิตติคุณ	ผึ่งบางแก้ว	รหัสนิสิต   </a:t>
+            </a:r>
+            <a:r>
+              <a:rPr lang="en-US" b="1" dirty="0" smtClean="0">
+                <a:latin typeface="Angsana New" pitchFamily="18" charset="-34"/>
+                <a:cs typeface="Angsana New" pitchFamily="18" charset="-34"/>
+              </a:rPr>
+              <a:t>51364651</a:t>
+            </a:r>
+            <a:endParaRPr lang="en-US" b="1" dirty="0" smtClean="0">
+              <a:latin typeface="Angsana New" pitchFamily="18" charset="-34"/>
+              <a:cs typeface="Angsana New" pitchFamily="18" charset="-34"/>
+            </a:endParaRPr>
+          </a:p>
+          <a:p>
+            <a:pPr algn="ctr">
+              <a:buNone/>
+            </a:pPr>
+            <a:r>
+              <a:rPr lang="th-TH" b="1" dirty="0" smtClean="0">
+                <a:latin typeface="Angsana New" pitchFamily="18" charset="-34"/>
+                <a:cs typeface="Angsana New" pitchFamily="18" charset="-34"/>
+              </a:rPr>
+              <a:t>นายวันเฉลิม	นิธิมณีรัตน์	รหัสนิสิต   </a:t>
+            </a:r>
+            <a:r>
+              <a:rPr lang="en-US" b="1" dirty="0" smtClean="0">
+                <a:latin typeface="Angsana New" pitchFamily="18" charset="-34"/>
+                <a:cs typeface="Angsana New" pitchFamily="18" charset="-34"/>
+              </a:rPr>
+              <a:t>51364941</a:t>
+            </a:r>
+          </a:p>
+          <a:p>
+            <a:pPr algn="ctr">
+              <a:buNone/>
+            </a:pPr>
+            <a:endParaRPr lang="en-US" b="1" dirty="0" smtClean="0">
+              <a:latin typeface="Angsana New" pitchFamily="18" charset="-34"/>
+              <a:cs typeface="Angsana New" pitchFamily="18" charset="-34"/>
+            </a:endParaRPr>
+          </a:p>
+          <a:p>
+            <a:pPr algn="ctr">
+              <a:buNone/>
+            </a:pPr>
+            <a:r>
+              <a:rPr lang="th-TH" sz="4800" b="1" dirty="0" smtClean="0">
+                <a:latin typeface="Angsana New" pitchFamily="18" charset="-34"/>
+                <a:cs typeface="Angsana New" pitchFamily="18" charset="-34"/>
+              </a:rPr>
+              <a:t>อาจารย์ที่ปรึกษาโครงงาน</a:t>
+            </a:r>
+          </a:p>
+          <a:p>
+            <a:pPr algn="ctr">
+              <a:buNone/>
+            </a:pPr>
+            <a:r>
+              <a:rPr lang="th-TH" b="1" dirty="0" smtClean="0">
+                <a:latin typeface="Angsana New" pitchFamily="18" charset="-34"/>
+                <a:cs typeface="Angsana New" pitchFamily="18" charset="-34"/>
+              </a:rPr>
+              <a:t>ดร. สุรเดช	จิตประไพกุลศาล</a:t>
+            </a:r>
+            <a:endParaRPr lang="th-TH" b="1" dirty="0">
+              <a:latin typeface="Angsana New" pitchFamily="18" charset="-34"/>
+              <a:cs typeface="Angsana New" pitchFamily="18" charset="-34"/>
+            </a:endParaRPr>
+          </a:p>
+        </p:txBody>
+      </p:sp>
+      <p:sp>
+        <p:nvSpPr>
+          <p:cNvPr id="7" name="ตัวยึดหมายเลขภาพนิ่ง 6"/>
+          <p:cNvSpPr>
+            <a:spLocks noGrp="1"/>
+          </p:cNvSpPr>
+          <p:nvPr>
+            <p:ph type="sldNum" sz="quarter" idx="12"/>
+          </p:nvPr>
+        </p:nvSpPr>
+        <p:spPr/>
+        <p:txBody>
+          <a:bodyPr/>
+          <a:lstStyle/>
+          <a:p>
+            <a:fld id="{5685757F-D3FC-4732-92F9-251EF6B3B90C}" type="slidenum">
+              <a:rPr lang="en-US" sz="3200" smtClean="0">
+                <a:ln w="18415" cmpd="sng">
+                  <a:solidFill>
+                    <a:srgbClr val="FFFFFF"/>
+                  </a:solidFill>
+                  <a:prstDash val="solid"/>
+                </a:ln>
+                <a:solidFill>
+                  <a:srgbClr val="FFFFFF"/>
+                </a:solidFill>
+                <a:effectLst>
+                  <a:outerShdw blurRad="63500" dir="3600000" algn="tl" rotWithShape="0">
+                    <a:srgbClr val="000000">
+                      <a:alpha val="70000"/>
+                    </a:srgbClr>
+                  </a:outerShdw>
+                </a:effectLst>
+                <a:latin typeface="Angsana New" pitchFamily="18" charset="-34"/>
+                <a:cs typeface="Angsana New" pitchFamily="18" charset="-34"/>
+              </a:rPr>
+              <a:pPr/>
+              <a:t>2</a:t>
+            </a:fld>
+            <a:endParaRPr lang="en-US" sz="3200" dirty="0">
+              <a:ln w="18415" cmpd="sng">
+                <a:solidFill>
+                  <a:srgbClr val="FFFFFF"/>
+                </a:solidFill>
+                <a:prstDash val="solid"/>
+              </a:ln>
+              <a:solidFill>
+                <a:srgbClr val="FFFFFF"/>
+              </a:solidFill>
+              <a:effectLst>
+                <a:outerShdw blurRad="63500" dir="3600000" algn="tl" rotWithShape="0">
+                  <a:srgbClr val="000000">
+                    <a:alpha val="70000"/>
+                  </a:srgbClr>
+                </a:outerShdw>
+              </a:effectLst>
+              <a:latin typeface="Angsana New" pitchFamily="18" charset="-34"/>
+              <a:cs typeface="Angsana New" pitchFamily="18" charset="-34"/>
+            </a:endParaRPr>
+          </a:p>
+        </p:txBody>
+      </p:sp>
+    </p:spTree>
+  </p:cSld>
+  <p:clrMapOvr>
+    <a:masterClrMapping/>
+  </p:clrMapOvr>
+</p:sld>
+</file>
+
+<file path=ppt/slides/slide3.xml><?xml version="1.0" encoding="utf-8"?>
+<p:sld xmlns:a="http://schemas.openxmlformats.org/drawingml/2006/main" xmlns:r="http://schemas.openxmlformats.org/officeDocument/2006/relationships" xmlns:p="http://schemas.openxmlformats.org/presentationml/2006/main">
+  <p:cSld>
+    <p:spTree>
+      <p:nvGrpSpPr>
+        <p:cNvPr id="1" name=""/>
+        <p:cNvGrpSpPr/>
+        <p:nvPr/>
+      </p:nvGrpSpPr>
+      <p:grpSpPr>
+        <a:xfrm>
+          <a:off x="0" y="0"/>
+          <a:ext cx="0" cy="0"/>
+          <a:chOff x="0" y="0"/>
+          <a:chExt cx="0" cy="0"/>
+        </a:xfrm>
+      </p:grpSpPr>
+      <p:sp>
+        <p:nvSpPr>
+          <p:cNvPr id="2" name="ชื่อเรื่อง 1"/>
+          <p:cNvSpPr>
+            <a:spLocks noGrp="1"/>
+          </p:cNvSpPr>
+          <p:nvPr>
+            <p:ph type="title"/>
+          </p:nvPr>
+        </p:nvSpPr>
+        <p:spPr/>
+        <p:txBody>
+          <a:bodyPr/>
+          <a:lstStyle/>
+          <a:p>
+            <a:r>
+              <a:rPr lang="th-TH" b="1" dirty="0" smtClean="0"/>
+              <a:t>ที่มาของโครงงาน</a:t>
+            </a:r>
+            <a:endParaRPr lang="th-TH" b="1" dirty="0"/>
+          </a:p>
+        </p:txBody>
+      </p:sp>
+      <p:sp>
+        <p:nvSpPr>
+          <p:cNvPr id="3" name="ตัวยึดเนื้อหา 2"/>
+          <p:cNvSpPr>
+            <a:spLocks noGrp="1"/>
+          </p:cNvSpPr>
+          <p:nvPr>
+            <p:ph idx="1"/>
+          </p:nvPr>
+        </p:nvSpPr>
+        <p:spPr/>
+        <p:txBody>
+          <a:bodyPr/>
+          <a:lstStyle/>
+          <a:p>
+            <a:endParaRPr lang="th-TH" dirty="0"/>
+          </a:p>
+        </p:txBody>
+      </p:sp>
+      <p:sp>
+        <p:nvSpPr>
+          <p:cNvPr id="6" name="ตัวยึดหมายเลขภาพนิ่ง 5"/>
+          <p:cNvSpPr>
+            <a:spLocks noGrp="1"/>
+          </p:cNvSpPr>
+          <p:nvPr>
+            <p:ph type="sldNum" sz="quarter" idx="12"/>
+          </p:nvPr>
+        </p:nvSpPr>
+        <p:spPr/>
+        <p:txBody>
+          <a:bodyPr/>
+          <a:lstStyle/>
+          <a:p>
+            <a:fld id="{5685757F-D3FC-4732-92F9-251EF6B3B90C}" type="slidenum">
+              <a:rPr lang="en-US" sz="3200" smtClean="0">
+                <a:ln w="18415" cmpd="sng">
+                  <a:solidFill>
+                    <a:srgbClr val="FFFFFF"/>
+                  </a:solidFill>
+                  <a:prstDash val="solid"/>
+                </a:ln>
+                <a:solidFill>
+                  <a:srgbClr val="FFFFFF"/>
+                </a:solidFill>
+                <a:effectLst>
+                  <a:outerShdw blurRad="63500" dir="3600000" algn="tl" rotWithShape="0">
+                    <a:srgbClr val="000000">
+                      <a:alpha val="70000"/>
+                    </a:srgbClr>
+                  </a:outerShdw>
+                </a:effectLst>
+                <a:latin typeface="Angsana New" pitchFamily="18" charset="-34"/>
+                <a:cs typeface="Angsana New" pitchFamily="18" charset="-34"/>
+              </a:rPr>
+              <a:pPr/>
+              <a:t>3</a:t>
+            </a:fld>
+            <a:endParaRPr lang="en-US" sz="3200" dirty="0">
+              <a:ln w="18415" cmpd="sng">
+                <a:solidFill>
+                  <a:srgbClr val="FFFFFF"/>
+                </a:solidFill>
+                <a:prstDash val="solid"/>
+              </a:ln>
+              <a:solidFill>
+                <a:srgbClr val="FFFFFF"/>
+              </a:solidFill>
+              <a:effectLst>
+                <a:outerShdw blurRad="63500" dir="3600000" algn="tl" rotWithShape="0">
+                  <a:srgbClr val="000000">
+                    <a:alpha val="70000"/>
+                  </a:srgbClr>
+                </a:outerShdw>
+              </a:effectLst>
+              <a:latin typeface="Angsana New" pitchFamily="18" charset="-34"/>
+              <a:cs typeface="Angsana New" pitchFamily="18" charset="-34"/>
+            </a:endParaRPr>
+          </a:p>
+        </p:txBody>
+      </p:sp>
+    </p:spTree>
+  </p:cSld>
+  <p:clrMapOvr>
+    <a:masterClrMapping/>
+  </p:clrMapOvr>
+</p:sld>
+</file>
+
+<file path=ppt/slides/slide4.xml><?xml version="1.0" encoding="utf-8"?>
 <p:sld xmlns:a="http://schemas.openxmlformats.org/drawingml/2006/main" xmlns:r="http://schemas.openxmlformats.org/officeDocument/2006/relationships" xmlns:p="http://schemas.openxmlformats.org/presentationml/2006/main">
   <p:cSld>
     <p:spTree>
@@ -11098,13 +13678,78 @@
           <a:lstStyle/>
           <a:p>
             <a:r>
-              <a:rPr lang="th-TH" dirty="0" smtClean="0">
+              <a:rPr lang="th-TH" b="1" dirty="0" smtClean="0">
                 <a:latin typeface="Angsana New" pitchFamily="18" charset="-34"/>
                 <a:cs typeface="Angsana New" pitchFamily="18" charset="-34"/>
               </a:rPr>
               <a:t>ทำไมจึงทำโครงงานนี้</a:t>
             </a:r>
-            <a:endParaRPr lang="en-US" dirty="0">
+            <a:endParaRPr lang="en-US" b="1" dirty="0">
+              <a:latin typeface="Angsana New" pitchFamily="18" charset="-34"/>
+              <a:cs typeface="Angsana New" pitchFamily="18" charset="-34"/>
+            </a:endParaRPr>
+          </a:p>
+        </p:txBody>
+      </p:sp>
+      <p:sp>
+        <p:nvSpPr>
+          <p:cNvPr id="2" name="Content Placeholder 1"/>
+          <p:cNvSpPr>
+            <a:spLocks noGrp="1"/>
+          </p:cNvSpPr>
+          <p:nvPr>
+            <p:ph idx="1"/>
+          </p:nvPr>
+        </p:nvSpPr>
+        <p:spPr/>
+        <p:txBody>
+          <a:bodyPr>
+            <a:normAutofit/>
+          </a:bodyPr>
+          <a:lstStyle/>
+          <a:p>
+            <a:r>
+              <a:rPr lang="th-TH" sz="4000" dirty="0" smtClean="0">
+                <a:latin typeface="Angsana New" pitchFamily="18" charset="-34"/>
+                <a:cs typeface="Angsana New" pitchFamily="18" charset="-34"/>
+              </a:rPr>
+              <a:t>สร้างโปรแกรมประยุกต์ที่แตกต่างบน </a:t>
+            </a:r>
+            <a:r>
+              <a:rPr lang="en-US" sz="4000" dirty="0" smtClean="0">
+                <a:latin typeface="Angsana New" pitchFamily="18" charset="-34"/>
+                <a:cs typeface="Angsana New" pitchFamily="18" charset="-34"/>
+              </a:rPr>
+              <a:t>Market </a:t>
+            </a:r>
+            <a:r>
+              <a:rPr lang="th-TH" sz="4000" dirty="0" smtClean="0">
+                <a:latin typeface="Angsana New" pitchFamily="18" charset="-34"/>
+                <a:cs typeface="Angsana New" pitchFamily="18" charset="-34"/>
+              </a:rPr>
+              <a:t>ของระบบปฏิบัติการ </a:t>
+            </a:r>
+            <a:r>
+              <a:rPr lang="en-US" sz="4000" dirty="0" smtClean="0">
+                <a:latin typeface="Angsana New" pitchFamily="18" charset="-34"/>
+                <a:cs typeface="Angsana New" pitchFamily="18" charset="-34"/>
+              </a:rPr>
+              <a:t>Android</a:t>
+            </a:r>
+            <a:endParaRPr lang="th-TH" sz="4000" dirty="0" smtClean="0">
+              <a:latin typeface="Angsana New" pitchFamily="18" charset="-34"/>
+              <a:cs typeface="Angsana New" pitchFamily="18" charset="-34"/>
+            </a:endParaRPr>
+          </a:p>
+          <a:p>
+            <a:r>
+              <a:rPr lang="th-TH" sz="4000" dirty="0" smtClean="0">
+                <a:latin typeface="Angsana New" pitchFamily="18" charset="-34"/>
+                <a:cs typeface="Angsana New" pitchFamily="18" charset="-34"/>
+              </a:rPr>
+              <a:t>เทคโนโลยีในปัจจุบันพัฒนาไปอย่างรวดเร็วและมีสิ่งอำนวยความสะดวกเพิ่มขึ้นจึงทำโปรแกรมประยุกต์ขึ้นมาเอง</a:t>
+            </a:r>
+            <a:endParaRPr lang="en-US" sz="4000" dirty="0">
               <a:latin typeface="Angsana New" pitchFamily="18" charset="-34"/>
               <a:cs typeface="Angsana New" pitchFamily="18" charset="-34"/>
             </a:endParaRPr>
@@ -11170,12 +13815,12 @@
       </p:sp>
       <p:sp>
         <p:nvSpPr>
-          <p:cNvPr id="2" name="Content Placeholder 1"/>
+          <p:cNvPr id="8" name="ตัวยึดหมายเลขภาพนิ่ง 7"/>
           <p:cNvSpPr>
             <a:spLocks noGrp="1"/>
           </p:cNvSpPr>
           <p:nvPr>
-            <p:ph idx="1"/>
+            <p:ph type="sldNum" sz="quarter" idx="12"/>
           </p:nvPr>
         </p:nvSpPr>
         <p:spPr/>
@@ -11183,69 +13828,47 @@
           <a:bodyPr/>
           <a:lstStyle/>
           <a:p>
-            <a:r>
-              <a:rPr lang="th-TH" dirty="0" smtClean="0">
+            <a:fld id="{5685757F-D3FC-4732-92F9-251EF6B3B90C}" type="slidenum">
+              <a:rPr lang="en-US" sz="3200" smtClean="0">
+                <a:ln w="18415" cmpd="sng">
+                  <a:solidFill>
+                    <a:srgbClr val="FFFFFF"/>
+                  </a:solidFill>
+                  <a:prstDash val="solid"/>
+                </a:ln>
+                <a:solidFill>
+                  <a:srgbClr val="FFFFFF"/>
+                </a:solidFill>
+                <a:effectLst>
+                  <a:outerShdw blurRad="63500" dir="3600000" algn="tl" rotWithShape="0">
+                    <a:srgbClr val="000000">
+                      <a:alpha val="70000"/>
+                    </a:srgbClr>
+                  </a:outerShdw>
+                </a:effectLst>
                 <a:latin typeface="Angsana New" pitchFamily="18" charset="-34"/>
                 <a:cs typeface="Angsana New" pitchFamily="18" charset="-34"/>
               </a:rPr>
-              <a:t>สร้าง</a:t>
-            </a:r>
-            <a:r>
-              <a:rPr lang="th-TH" dirty="0" smtClean="0">
-                <a:latin typeface="Angsana New" pitchFamily="18" charset="-34"/>
-                <a:cs typeface="Angsana New" pitchFamily="18" charset="-34"/>
-              </a:rPr>
-              <a:t>โปรแกรมประยุกต์ที่</a:t>
-            </a:r>
-            <a:r>
-              <a:rPr lang="th-TH" dirty="0" smtClean="0">
-                <a:latin typeface="Angsana New" pitchFamily="18" charset="-34"/>
-                <a:cs typeface="Angsana New" pitchFamily="18" charset="-34"/>
-              </a:rPr>
-              <a:t>แตกต่างบน </a:t>
-            </a:r>
-            <a:r>
-              <a:rPr lang="en-US" dirty="0" smtClean="0">
-                <a:latin typeface="Angsana New" pitchFamily="18" charset="-34"/>
-                <a:cs typeface="Angsana New" pitchFamily="18" charset="-34"/>
-              </a:rPr>
-              <a:t>Market </a:t>
-            </a:r>
-            <a:r>
-              <a:rPr lang="th-TH" dirty="0" smtClean="0">
-                <a:latin typeface="Angsana New" pitchFamily="18" charset="-34"/>
-                <a:cs typeface="Angsana New" pitchFamily="18" charset="-34"/>
-              </a:rPr>
-              <a:t>ของ</a:t>
-            </a:r>
-            <a:r>
-              <a:rPr lang="th-TH" dirty="0" smtClean="0">
-                <a:latin typeface="Angsana New" pitchFamily="18" charset="-34"/>
-                <a:cs typeface="Angsana New" pitchFamily="18" charset="-34"/>
-              </a:rPr>
-              <a:t>ระบบปฏิบัติการ </a:t>
-            </a:r>
-            <a:r>
-              <a:rPr lang="en-US" dirty="0" smtClean="0">
-                <a:latin typeface="Angsana New" pitchFamily="18" charset="-34"/>
-                <a:cs typeface="Angsana New" pitchFamily="18" charset="-34"/>
-              </a:rPr>
-              <a:t>Android</a:t>
-            </a:r>
-            <a:endParaRPr lang="th-TH" dirty="0" smtClean="0">
-              <a:latin typeface="Angsana New" pitchFamily="18" charset="-34"/>
-              <a:cs typeface="Angsana New" pitchFamily="18" charset="-34"/>
-            </a:endParaRPr>
-          </a:p>
-          <a:p>
-            <a:r>
-              <a:rPr lang="th-TH" dirty="0" smtClean="0">
-                <a:latin typeface="Angsana New" pitchFamily="18" charset="-34"/>
-                <a:cs typeface="Angsana New" pitchFamily="18" charset="-34"/>
-              </a:rPr>
-              <a:t>เทคโนโลยีในปัจจุบันพัฒนาไปอย่างรวดเร็วและมีสิ่งอำนวยความสะดวกเพิ่มขึ้นจึงทำโปรแกรมประยุกต์ขึ้นมาเอง</a:t>
-            </a:r>
-            <a:endParaRPr lang="en-US" dirty="0">
+              <a:pPr/>
+              <a:t>4</a:t>
+            </a:fld>
+            <a:endParaRPr lang="en-US" sz="3200">
+              <a:ln w="18415" cmpd="sng">
+                <a:solidFill>
+                  <a:srgbClr val="FFFFFF"/>
+                </a:solidFill>
+                <a:prstDash val="solid"/>
+              </a:ln>
+              <a:solidFill>
+                <a:srgbClr val="FFFFFF"/>
+              </a:solidFill>
+              <a:effectLst>
+                <a:outerShdw blurRad="63500" dir="3600000" algn="tl" rotWithShape="0">
+                  <a:srgbClr val="000000">
+                    <a:alpha val="70000"/>
+                  </a:srgbClr>
+                </a:outerShdw>
+              </a:effectLst>
               <a:latin typeface="Angsana New" pitchFamily="18" charset="-34"/>
               <a:cs typeface="Angsana New" pitchFamily="18" charset="-34"/>
             </a:endParaRPr>
@@ -11255,7 +13878,7 @@
     </p:spTree>
     <p:extLst>
       <p:ext uri="{BB962C8B-B14F-4D97-AF65-F5344CB8AC3E}">
-        <p14:creationId xmlns:p14="http://schemas.microsoft.com/office/powerpoint/2010/main" xmlns="" val="96058202"/>
+        <p14:creationId xmlns="" xmlns:p14="http://schemas.microsoft.com/office/powerpoint/2010/main" val="96058202"/>
       </p:ext>
     </p:extLst>
   </p:cSld>
@@ -11354,7 +13977,7 @@
 </p:sld>
 </file>
 
-<file path=ppt/slides/slide3.xml><?xml version="1.0" encoding="utf-8"?>
+<file path=ppt/slides/slide5.xml><?xml version="1.0" encoding="utf-8"?>
 <p:sld xmlns:a="http://schemas.openxmlformats.org/drawingml/2006/main" xmlns:r="http://schemas.openxmlformats.org/officeDocument/2006/relationships" xmlns:p="http://schemas.openxmlformats.org/presentationml/2006/main">
   <p:cSld>
     <p:spTree>
@@ -11390,27 +14013,27 @@
           <a:p>
             <a:pPr lvl="0"/>
             <a:r>
-              <a:rPr lang="th-TH" dirty="0">
+              <a:rPr lang="th-TH" b="1" dirty="0">
                 <a:latin typeface="Angsana New" pitchFamily="18" charset="-34"/>
                 <a:cs typeface="Angsana New" pitchFamily="18" charset="-34"/>
               </a:rPr>
               <a:t>ทำ</a:t>
             </a:r>
             <a:r>
-              <a:rPr lang="th-TH" dirty="0" smtClean="0">
+              <a:rPr lang="th-TH" b="1" dirty="0" smtClean="0">
                 <a:latin typeface="Angsana New" pitchFamily="18" charset="-34"/>
                 <a:cs typeface="Angsana New" pitchFamily="18" charset="-34"/>
               </a:rPr>
               <a:t>ไมจึงพัฒนาบนระบบปฏิบัติการ </a:t>
             </a:r>
             <a:r>
-              <a:rPr lang="en-US" dirty="0" smtClean="0">
+              <a:rPr lang="en-US" b="1" dirty="0" smtClean="0">
                 <a:latin typeface="Angsana New" pitchFamily="18" charset="-34"/>
                 <a:cs typeface="Angsana New" pitchFamily="18" charset="-34"/>
               </a:rPr>
               <a:t>Android</a:t>
             </a:r>
-            <a:endParaRPr lang="en-US" dirty="0"/>
+            <a:endParaRPr lang="en-US" b="1" dirty="0"/>
           </a:p>
         </p:txBody>
       </p:sp>
@@ -11426,11 +14049,13 @@
         </p:nvSpPr>
         <p:spPr/>
         <p:txBody>
-          <a:bodyPr/>
+          <a:bodyPr>
+            <a:normAutofit/>
+          </a:bodyPr>
           <a:lstStyle/>
           <a:p>
             <a:r>
-              <a:rPr lang="th-TH" dirty="0" smtClean="0">
+              <a:rPr lang="th-TH" sz="4000" dirty="0" smtClean="0">
                 <a:latin typeface="Angsana New" pitchFamily="18" charset="-34"/>
                 <a:cs typeface="Angsana New" pitchFamily="18" charset="-34"/>
               </a:rPr>
@@ -11439,45 +14064,122 @@
           </a:p>
           <a:p>
             <a:r>
-              <a:rPr lang="th-TH" dirty="0" smtClean="0">
+              <a:rPr lang="th-TH" sz="4000" dirty="0" smtClean="0">
                 <a:latin typeface="Angsana New" pitchFamily="18" charset="-34"/>
                 <a:cs typeface="Angsana New" pitchFamily="18" charset="-34"/>
               </a:rPr>
-              <a:t>นักพัฒนาสามารถพัฒนาโดยไม่เสียค่าใช้จ่ายใดๆทั้งสิ้นตั้งแต่ ชุดโปรแกรมที่ใช้พัฒนา ตลอดจนเผยแพร่โปรแกรมไปถึงผู้ใช้</a:t>
+              <a:t>เครื่องมือที่ใช้พัฒนาเป็น </a:t>
             </a:r>
-          </a:p>
-          <a:p>
             <a:r>
-              <a:rPr lang="th-TH" dirty="0" smtClean="0">
+              <a:rPr lang="en-US" sz="4000" dirty="0" smtClean="0">
                 <a:latin typeface="Angsana New" pitchFamily="18" charset="-34"/>
                 <a:cs typeface="Angsana New" pitchFamily="18" charset="-34"/>
               </a:rPr>
-              <a:t>สามารถศึกษาค้นคว้า ได้หลายแหล่ง เช่น ศึกษาจากอินเตอร์เน็ต หนังสือ ได้เอง</a:t>
+              <a:t>Open source</a:t>
             </a:r>
+            <a:endParaRPr lang="th-TH" sz="4000" dirty="0" smtClean="0">
+              <a:latin typeface="Angsana New" pitchFamily="18" charset="-34"/>
+              <a:cs typeface="Angsana New" pitchFamily="18" charset="-34"/>
+            </a:endParaRPr>
           </a:p>
           <a:p>
             <a:r>
-              <a:rPr lang="th-TH" dirty="0" smtClean="0">
+              <a:rPr lang="th-TH" sz="4000" dirty="0" smtClean="0">
+                <a:latin typeface="Angsana New" pitchFamily="18" charset="-34"/>
+                <a:cs typeface="Angsana New" pitchFamily="18" charset="-34"/>
+              </a:rPr>
+              <a:t>สามารถศึกษาค้นคว้า ได้หลาย</a:t>
+            </a:r>
+            <a:r>
+              <a:rPr lang="th-TH" sz="4000" dirty="0" smtClean="0">
+                <a:latin typeface="Angsana New" pitchFamily="18" charset="-34"/>
+                <a:cs typeface="Angsana New" pitchFamily="18" charset="-34"/>
+              </a:rPr>
+              <a:t>แหล่ง</a:t>
+            </a:r>
+            <a:endParaRPr lang="th-TH" sz="4000" dirty="0" smtClean="0">
+              <a:latin typeface="Angsana New" pitchFamily="18" charset="-34"/>
+              <a:cs typeface="Angsana New" pitchFamily="18" charset="-34"/>
+            </a:endParaRPr>
+          </a:p>
+          <a:p>
+            <a:r>
+              <a:rPr lang="th-TH" sz="4000" dirty="0" smtClean="0">
                 <a:latin typeface="Angsana New" pitchFamily="18" charset="-34"/>
                 <a:cs typeface="Angsana New" pitchFamily="18" charset="-34"/>
               </a:rPr>
               <a:t>ใช้ภาษา </a:t>
             </a:r>
             <a:r>
-              <a:rPr lang="en-US" dirty="0" smtClean="0">
+              <a:rPr lang="en-US" sz="4000" dirty="0" smtClean="0">
                 <a:latin typeface="Angsana New" pitchFamily="18" charset="-34"/>
                 <a:cs typeface="Angsana New" pitchFamily="18" charset="-34"/>
               </a:rPr>
-              <a:t>Java </a:t>
+              <a:t>Java</a:t>
             </a:r>
-            <a:r>
-              <a:rPr lang="th-TH" dirty="0" smtClean="0">
+            <a:endParaRPr lang="en-US" sz="4000" dirty="0">
+              <a:latin typeface="Angsana New" pitchFamily="18" charset="-34"/>
+              <a:cs typeface="Angsana New" pitchFamily="18" charset="-34"/>
+            </a:endParaRPr>
+          </a:p>
+        </p:txBody>
+      </p:sp>
+      <p:sp>
+        <p:nvSpPr>
+          <p:cNvPr id="6" name="ตัวยึดหมายเลขภาพนิ่ง 5"/>
+          <p:cNvSpPr>
+            <a:spLocks noGrp="1"/>
+          </p:cNvSpPr>
+          <p:nvPr>
+            <p:ph type="sldNum" sz="quarter" idx="12"/>
+          </p:nvPr>
+        </p:nvSpPr>
+        <p:spPr/>
+        <p:txBody>
+          <a:bodyPr/>
+          <a:lstStyle/>
+          <a:p>
+            <a:fld id="{5685757F-D3FC-4732-92F9-251EF6B3B90C}" type="slidenum">
+              <a:rPr lang="en-US" sz="3200" smtClean="0">
+                <a:ln w="18415" cmpd="sng">
+                  <a:solidFill>
+                    <a:srgbClr val="FFFFFF"/>
+                  </a:solidFill>
+                  <a:prstDash val="solid"/>
+                </a:ln>
+                <a:solidFill>
+                  <a:srgbClr val="FFFFFF"/>
+                </a:solidFill>
+                <a:effectLst>
+                  <a:outerShdw blurRad="63500" dir="3600000" algn="tl" rotWithShape="0">
+                    <a:srgbClr val="000000">
+                      <a:alpha val="70000"/>
+                    </a:srgbClr>
+                  </a:outerShdw>
+                </a:effectLst>
                 <a:latin typeface="Angsana New" pitchFamily="18" charset="-34"/>
                 <a:cs typeface="Angsana New" pitchFamily="18" charset="-34"/>
               </a:rPr>
-              <a:t>ซึ่งได้เรียนมาแล้ว</a:t>
-            </a:r>
-            <a:endParaRPr lang="en-US" dirty="0">
+              <a:pPr/>
+              <a:t>5</a:t>
+            </a:fld>
+            <a:endParaRPr lang="en-US" sz="3200" dirty="0">
+              <a:ln w="18415" cmpd="sng">
+                <a:solidFill>
+                  <a:srgbClr val="FFFFFF"/>
+                </a:solidFill>
+                <a:prstDash val="solid"/>
+              </a:ln>
+              <a:solidFill>
+                <a:srgbClr val="FFFFFF"/>
+              </a:solidFill>
+              <a:effectLst>
+                <a:outerShdw blurRad="63500" dir="3600000" algn="tl" rotWithShape="0">
+                  <a:srgbClr val="000000">
+                    <a:alpha val="70000"/>
+                  </a:srgbClr>
+                </a:outerShdw>
+              </a:effectLst>
               <a:latin typeface="Angsana New" pitchFamily="18" charset="-34"/>
               <a:cs typeface="Angsana New" pitchFamily="18" charset="-34"/>
             </a:endParaRPr>
@@ -11487,7 +14189,7 @@
     </p:spTree>
     <p:extLst>
       <p:ext uri="{BB962C8B-B14F-4D97-AF65-F5344CB8AC3E}">
-        <p14:creationId xmlns:p14="http://schemas.microsoft.com/office/powerpoint/2010/main" xmlns="" val="2837708425"/>
+        <p14:creationId xmlns="" xmlns:p14="http://schemas.microsoft.com/office/powerpoint/2010/main" val="2837708425"/>
       </p:ext>
     </p:extLst>
   </p:cSld>
@@ -11504,7 +14206,7 @@
 </p:sld>
 </file>
 
-<file path=ppt/slides/slide4.xml><?xml version="1.0" encoding="utf-8"?>
+<file path=ppt/slides/slide6.xml><?xml version="1.0" encoding="utf-8"?>
 <p:sld xmlns:a="http://schemas.openxmlformats.org/drawingml/2006/main" xmlns:r="http://schemas.openxmlformats.org/officeDocument/2006/relationships" xmlns:p="http://schemas.openxmlformats.org/presentationml/2006/main">
   <p:cSld>
     <p:bg>
@@ -11541,7 +14243,7 @@
           <a:blip r:embed="rId2" cstate="print">
             <a:extLst>
               <a:ext uri="{28A0092B-C50C-407E-A947-70E740481C1C}">
-                <a14:useLocalDpi xmlns:a14="http://schemas.microsoft.com/office/drawing/2010/main" xmlns="" val="0"/>
+                <a14:useLocalDpi xmlns="" xmlns:a14="http://schemas.microsoft.com/office/drawing/2010/main" val="0"/>
               </a:ext>
             </a:extLst>
           </a:blip>
@@ -11552,7 +14254,7 @@
         </p:blipFill>
         <p:spPr bwMode="auto">
           <a:xfrm>
-            <a:off x="0" y="1371600"/>
+            <a:off x="0" y="990600"/>
             <a:ext cx="9144000" cy="5291642"/>
           </a:xfrm>
           <a:prstGeom prst="rect">
@@ -11565,14 +14267,14 @@
           <a:effectLst/>
           <a:extLst>
             <a:ext uri="{909E8E84-426E-40DD-AFC4-6F175D3DCCD1}">
-              <a14:hiddenFill xmlns:a14="http://schemas.microsoft.com/office/drawing/2010/main" xmlns="">
+              <a14:hiddenFill xmlns="" xmlns:a14="http://schemas.microsoft.com/office/drawing/2010/main">
                 <a:solidFill>
                   <a:schemeClr val="accent1"/>
                 </a:solidFill>
               </a14:hiddenFill>
             </a:ext>
             <a:ext uri="{91240B29-F687-4F45-9708-019B960494DF}">
-              <a14:hiddenLine xmlns:a14="http://schemas.microsoft.com/office/drawing/2010/main" xmlns="" w="9525">
+              <a14:hiddenLine xmlns="" xmlns:a14="http://schemas.microsoft.com/office/drawing/2010/main" w="9525">
                 <a:solidFill>
                   <a:schemeClr val="tx1"/>
                 </a:solidFill>
@@ -11582,7 +14284,7 @@
               </a14:hiddenLine>
             </a:ext>
             <a:ext uri="{AF507438-7753-43E0-B8FC-AC1667EBCBE1}">
-              <a14:hiddenEffects xmlns:a14="http://schemas.microsoft.com/office/drawing/2010/main" xmlns="">
+              <a14:hiddenEffects xmlns="" xmlns:a14="http://schemas.microsoft.com/office/drawing/2010/main">
                 <a:effectLst>
                   <a:outerShdw dist="35921" dir="2700000" algn="ctr" rotWithShape="0">
                     <a:schemeClr val="bg2"/>
@@ -11605,7 +14307,7 @@
           <a:blip r:embed="rId3" cstate="print">
             <a:extLst>
               <a:ext uri="{28A0092B-C50C-407E-A947-70E740481C1C}">
-                <a14:useLocalDpi xmlns:a14="http://schemas.microsoft.com/office/drawing/2010/main" xmlns="" val="0"/>
+                <a14:useLocalDpi xmlns="" xmlns:a14="http://schemas.microsoft.com/office/drawing/2010/main" val="0"/>
               </a:ext>
             </a:extLst>
           </a:blip>
@@ -11629,14 +14331,14 @@
           <a:effectLst/>
           <a:extLst>
             <a:ext uri="{909E8E84-426E-40DD-AFC4-6F175D3DCCD1}">
-              <a14:hiddenFill xmlns:a14="http://schemas.microsoft.com/office/drawing/2010/main" xmlns="">
+              <a14:hiddenFill xmlns="" xmlns:a14="http://schemas.microsoft.com/office/drawing/2010/main">
                 <a:solidFill>
                   <a:schemeClr val="accent1"/>
                 </a:solidFill>
               </a14:hiddenFill>
             </a:ext>
             <a:ext uri="{91240B29-F687-4F45-9708-019B960494DF}">
-              <a14:hiddenLine xmlns:a14="http://schemas.microsoft.com/office/drawing/2010/main" xmlns="" w="9525">
+              <a14:hiddenLine xmlns="" xmlns:a14="http://schemas.microsoft.com/office/drawing/2010/main" w="9525">
                 <a:solidFill>
                   <a:schemeClr val="tx1"/>
                 </a:solidFill>
@@ -11646,7 +14348,7 @@
               </a14:hiddenLine>
             </a:ext>
             <a:ext uri="{AF507438-7753-43E0-B8FC-AC1667EBCBE1}">
-              <a14:hiddenEffects xmlns:a14="http://schemas.microsoft.com/office/drawing/2010/main" xmlns="">
+              <a14:hiddenEffects xmlns="" xmlns:a14="http://schemas.microsoft.com/office/drawing/2010/main">
                 <a:effectLst>
                   <a:outerShdw dist="35921" dir="2700000" algn="ctr" rotWithShape="0">
                     <a:schemeClr val="bg2"/>
@@ -11657,10 +14359,130 @@
           </a:extLst>
         </p:spPr>
       </p:pic>
+      <p:sp>
+        <p:nvSpPr>
+          <p:cNvPr id="6" name="ตัวยึดหมายเลขภาพนิ่ง 5"/>
+          <p:cNvSpPr>
+            <a:spLocks noGrp="1"/>
+          </p:cNvSpPr>
+          <p:nvPr>
+            <p:ph type="sldNum" sz="quarter" idx="12"/>
+          </p:nvPr>
+        </p:nvSpPr>
+        <p:spPr/>
+        <p:txBody>
+          <a:bodyPr/>
+          <a:lstStyle/>
+          <a:p>
+            <a:fld id="{5685757F-D3FC-4732-92F9-251EF6B3B90C}" type="slidenum">
+              <a:rPr lang="en-US" sz="3200" b="1" smtClean="0">
+                <a:ln w="10541" cmpd="sng">
+                  <a:solidFill>
+                    <a:srgbClr val="7D7D7D">
+                      <a:tint val="100000"/>
+                      <a:shade val="100000"/>
+                      <a:satMod val="110000"/>
+                    </a:srgbClr>
+                  </a:solidFill>
+                  <a:prstDash val="solid"/>
+                </a:ln>
+                <a:gradFill>
+                  <a:gsLst>
+                    <a:gs pos="0">
+                      <a:srgbClr val="FFFFFF">
+                        <a:tint val="40000"/>
+                        <a:satMod val="250000"/>
+                      </a:srgbClr>
+                    </a:gs>
+                    <a:gs pos="9000">
+                      <a:srgbClr val="FFFFFF">
+                        <a:tint val="52000"/>
+                        <a:satMod val="300000"/>
+                      </a:srgbClr>
+                    </a:gs>
+                    <a:gs pos="50000">
+                      <a:srgbClr val="FFFFFF">
+                        <a:shade val="20000"/>
+                        <a:satMod val="300000"/>
+                      </a:srgbClr>
+                    </a:gs>
+                    <a:gs pos="79000">
+                      <a:srgbClr val="FFFFFF">
+                        <a:tint val="52000"/>
+                        <a:satMod val="300000"/>
+                      </a:srgbClr>
+                    </a:gs>
+                    <a:gs pos="100000">
+                      <a:srgbClr val="FFFFFF">
+                        <a:tint val="40000"/>
+                        <a:satMod val="250000"/>
+                      </a:srgbClr>
+                    </a:gs>
+                  </a:gsLst>
+                  <a:lin ang="5400000"/>
+                </a:gradFill>
+                <a:latin typeface="Angsana New" pitchFamily="18" charset="-34"/>
+                <a:cs typeface="Angsana New" pitchFamily="18" charset="-34"/>
+              </a:rPr>
+              <a:pPr/>
+              <a:t>6</a:t>
+            </a:fld>
+            <a:endParaRPr lang="en-US" sz="3200" b="1" dirty="0">
+              <a:ln w="10541" cmpd="sng">
+                <a:solidFill>
+                  <a:srgbClr val="7D7D7D">
+                    <a:tint val="100000"/>
+                    <a:shade val="100000"/>
+                    <a:satMod val="110000"/>
+                  </a:srgbClr>
+                </a:solidFill>
+                <a:prstDash val="solid"/>
+              </a:ln>
+              <a:gradFill>
+                <a:gsLst>
+                  <a:gs pos="0">
+                    <a:srgbClr val="FFFFFF">
+                      <a:tint val="40000"/>
+                      <a:satMod val="250000"/>
+                    </a:srgbClr>
+                  </a:gs>
+                  <a:gs pos="9000">
+                    <a:srgbClr val="FFFFFF">
+                      <a:tint val="52000"/>
+                      <a:satMod val="300000"/>
+                    </a:srgbClr>
+                  </a:gs>
+                  <a:gs pos="50000">
+                    <a:srgbClr val="FFFFFF">
+                      <a:shade val="20000"/>
+                      <a:satMod val="300000"/>
+                    </a:srgbClr>
+                  </a:gs>
+                  <a:gs pos="79000">
+                    <a:srgbClr val="FFFFFF">
+                      <a:tint val="52000"/>
+                      <a:satMod val="300000"/>
+                    </a:srgbClr>
+                  </a:gs>
+                  <a:gs pos="100000">
+                    <a:srgbClr val="FFFFFF">
+                      <a:tint val="40000"/>
+                      <a:satMod val="250000"/>
+                    </a:srgbClr>
+                  </a:gs>
+                </a:gsLst>
+                <a:lin ang="5400000"/>
+              </a:gradFill>
+              <a:latin typeface="Angsana New" pitchFamily="18" charset="-34"/>
+              <a:cs typeface="Angsana New" pitchFamily="18" charset="-34"/>
+            </a:endParaRPr>
+          </a:p>
+        </p:txBody>
+      </p:sp>
     </p:spTree>
     <p:extLst>
       <p:ext uri="{BB962C8B-B14F-4D97-AF65-F5344CB8AC3E}">
-        <p14:creationId xmlns:p14="http://schemas.microsoft.com/office/powerpoint/2010/main" xmlns="" val="3576708039"/>
+        <p14:creationId xmlns="" xmlns:p14="http://schemas.microsoft.com/office/powerpoint/2010/main" val="3576708039"/>
       </p:ext>
     </p:extLst>
   </p:cSld>
@@ -11668,7 +14490,7 @@
     <a:masterClrMapping/>
   </p:clrMapOvr>
   <mc:AlternateContent xmlns:mc="http://schemas.openxmlformats.org/markup-compatibility/2006">
-    <mc:Choice xmlns:p14="http://schemas.microsoft.com/office/powerpoint/2010/main" xmlns="" Requires="p14">
+    <mc:Choice xmlns="" xmlns:p14="http://schemas.microsoft.com/office/powerpoint/2010/main" Requires="p14">
       <p:transition spd="slow" p14:dur="2000"/>
     </mc:Choice>
     <mc:Fallback>
@@ -11796,7 +14618,7 @@
 </p:sld>
 </file>
 
-<file path=ppt/slides/slide5.xml><?xml version="1.0" encoding="utf-8"?>
+<file path=ppt/slides/slide7.xml><?xml version="1.0" encoding="utf-8"?>
 <p:sld xmlns:a="http://schemas.openxmlformats.org/drawingml/2006/main" xmlns:r="http://schemas.openxmlformats.org/officeDocument/2006/relationships" xmlns:p="http://schemas.openxmlformats.org/presentationml/2006/main">
   <p:cSld>
     <p:spTree>
@@ -11836,10 +14658,10 @@
           <a:lstStyle/>
           <a:p>
             <a:r>
-              <a:rPr lang="th-TH" dirty="0" smtClean="0"/>
+              <a:rPr lang="th-TH" b="1" dirty="0" smtClean="0"/>
               <a:t>ข้อดี ข้อเสีย ของแต่ละระบบปฏิบัติการ</a:t>
             </a:r>
-            <a:endParaRPr lang="en-US" dirty="0"/>
+            <a:endParaRPr lang="en-US" b="1" dirty="0"/>
           </a:p>
         </p:txBody>
       </p:sp>
@@ -11853,7 +14675,7 @@
             <p:ph idx="1"/>
             <p:extLst>
               <p:ext uri="{D42A27DB-BD31-4B8C-83A1-F6EECF244321}">
-                <p14:modId xmlns:p14="http://schemas.microsoft.com/office/powerpoint/2010/main" xmlns="" val="3948974983"/>
+                <p14:modId xmlns="" xmlns:p14="http://schemas.microsoft.com/office/powerpoint/2010/main" val="3948974983"/>
               </p:ext>
             </p:extLst>
           </p:nvPr>
@@ -11917,7 +14739,7 @@
                     <a:p>
                       <a:pPr algn="ctr"/>
                       <a:r>
-                        <a:rPr lang="en-US" sz="2400" dirty="0" err="1" smtClean="0">
+                        <a:rPr lang="en-US" sz="2400" dirty="0" smtClean="0">
                           <a:latin typeface="Angsana New" pitchFamily="18" charset="-34"/>
                           <a:cs typeface="Angsana New" pitchFamily="18" charset="-34"/>
                         </a:rPr>
@@ -12072,7 +14894,7 @@
                           <a:latin typeface="Angsana New" pitchFamily="18" charset="-34"/>
                           <a:cs typeface="Angsana New" pitchFamily="18" charset="-34"/>
                         </a:rPr>
-                        <a:t>5000 </a:t>
+                        <a:t>3000 </a:t>
                       </a:r>
                       <a:r>
                         <a:rPr lang="th-TH" sz="2400" dirty="0" smtClean="0">
@@ -12228,7 +15050,7 @@
                           <a:latin typeface="Angsana New" pitchFamily="18" charset="-34"/>
                           <a:cs typeface="Angsana New" pitchFamily="18" charset="-34"/>
                         </a:rPr>
-                        <a:t>เสียค่าใช้จ่าย</a:t>
+                        <a:t>ฟรี</a:t>
                       </a:r>
                       <a:endParaRPr lang="en-US" sz="2400" dirty="0">
                         <a:latin typeface="Angsana New" pitchFamily="18" charset="-34"/>
@@ -12415,10 +15237,72 @@
           </a:graphicData>
         </a:graphic>
       </p:graphicFrame>
+      <p:sp>
+        <p:nvSpPr>
+          <p:cNvPr id="7" name="ตัวยึดหมายเลขภาพนิ่ง 6"/>
+          <p:cNvSpPr>
+            <a:spLocks noGrp="1"/>
+          </p:cNvSpPr>
+          <p:nvPr>
+            <p:ph type="sldNum" sz="quarter" idx="12"/>
+          </p:nvPr>
+        </p:nvSpPr>
+        <p:spPr/>
+        <p:txBody>
+          <a:bodyPr/>
+          <a:lstStyle/>
+          <a:p>
+            <a:fld id="{5685757F-D3FC-4732-92F9-251EF6B3B90C}" type="slidenum">
+              <a:rPr lang="en-US" sz="3200" smtClean="0">
+                <a:ln w="18415" cmpd="sng">
+                  <a:solidFill>
+                    <a:srgbClr val="FFFFFF"/>
+                  </a:solidFill>
+                  <a:prstDash val="solid"/>
+                </a:ln>
+                <a:solidFill>
+                  <a:srgbClr val="FFFFFF"/>
+                </a:solidFill>
+                <a:effectLst>
+                  <a:outerShdw blurRad="63500" dir="3600000" algn="tl" rotWithShape="0">
+                    <a:srgbClr val="000000">
+                      <a:alpha val="70000"/>
+                    </a:srgbClr>
+                  </a:outerShdw>
+                </a:effectLst>
+                <a:latin typeface="Angsana New" pitchFamily="18" charset="-34"/>
+                <a:cs typeface="Angsana New" pitchFamily="18" charset="-34"/>
+              </a:rPr>
+              <a:pPr/>
+              <a:t>7</a:t>
+            </a:fld>
+            <a:endParaRPr lang="en-US" sz="3200" dirty="0">
+              <a:ln w="18415" cmpd="sng">
+                <a:solidFill>
+                  <a:srgbClr val="FFFFFF"/>
+                </a:solidFill>
+                <a:prstDash val="solid"/>
+              </a:ln>
+              <a:solidFill>
+                <a:srgbClr val="FFFFFF"/>
+              </a:solidFill>
+              <a:effectLst>
+                <a:outerShdw blurRad="63500" dir="3600000" algn="tl" rotWithShape="0">
+                  <a:srgbClr val="000000">
+                    <a:alpha val="70000"/>
+                  </a:srgbClr>
+                </a:outerShdw>
+              </a:effectLst>
+              <a:latin typeface="Angsana New" pitchFamily="18" charset="-34"/>
+              <a:cs typeface="Angsana New" pitchFamily="18" charset="-34"/>
+            </a:endParaRPr>
+          </a:p>
+        </p:txBody>
+      </p:sp>
     </p:spTree>
     <p:extLst>
       <p:ext uri="{BB962C8B-B14F-4D97-AF65-F5344CB8AC3E}">
-        <p14:creationId xmlns:p14="http://schemas.microsoft.com/office/powerpoint/2010/main" xmlns="" val="653064840"/>
+        <p14:creationId xmlns="" xmlns:p14="http://schemas.microsoft.com/office/powerpoint/2010/main" val="653064840"/>
       </p:ext>
     </p:extLst>
   </p:cSld>
@@ -12435,7 +15319,7 @@
 </p:sld>
 </file>
 
-<file path=ppt/slides/slide6.xml><?xml version="1.0" encoding="utf-8"?>
+<file path=ppt/slides/slide8.xml><?xml version="1.0" encoding="utf-8"?>
 <p:sld xmlns:a="http://schemas.openxmlformats.org/drawingml/2006/main" xmlns:r="http://schemas.openxmlformats.org/officeDocument/2006/relationships" xmlns:p="http://schemas.openxmlformats.org/presentationml/2006/main">
   <p:cSld>
     <p:spTree>
@@ -12468,10 +15352,10 @@
           <a:lstStyle/>
           <a:p>
             <a:r>
-              <a:rPr lang="th-TH" dirty="0" smtClean="0"/>
+              <a:rPr lang="th-TH" b="1" dirty="0" smtClean="0"/>
               <a:t>วัตถุประสงค์ของโครงงาน</a:t>
             </a:r>
-            <a:endParaRPr lang="en-US" dirty="0"/>
+            <a:endParaRPr lang="en-US" b="1" dirty="0"/>
           </a:p>
         </p:txBody>
       </p:sp>
@@ -12544,10 +15428,72 @@
           </a:p>
         </p:txBody>
       </p:sp>
+      <p:sp>
+        <p:nvSpPr>
+          <p:cNvPr id="8" name="ตัวยึดหมายเลขภาพนิ่ง 7"/>
+          <p:cNvSpPr>
+            <a:spLocks noGrp="1"/>
+          </p:cNvSpPr>
+          <p:nvPr>
+            <p:ph type="sldNum" sz="quarter" idx="12"/>
+          </p:nvPr>
+        </p:nvSpPr>
+        <p:spPr/>
+        <p:txBody>
+          <a:bodyPr/>
+          <a:lstStyle/>
+          <a:p>
+            <a:fld id="{5685757F-D3FC-4732-92F9-251EF6B3B90C}" type="slidenum">
+              <a:rPr lang="en-US" sz="3200" smtClean="0">
+                <a:ln w="18415" cmpd="sng">
+                  <a:solidFill>
+                    <a:srgbClr val="FFFFFF"/>
+                  </a:solidFill>
+                  <a:prstDash val="solid"/>
+                </a:ln>
+                <a:solidFill>
+                  <a:srgbClr val="FFFFFF"/>
+                </a:solidFill>
+                <a:effectLst>
+                  <a:outerShdw blurRad="63500" dir="3600000" algn="tl" rotWithShape="0">
+                    <a:srgbClr val="000000">
+                      <a:alpha val="70000"/>
+                    </a:srgbClr>
+                  </a:outerShdw>
+                </a:effectLst>
+                <a:latin typeface="Angsana New" pitchFamily="18" charset="-34"/>
+                <a:cs typeface="Angsana New" pitchFamily="18" charset="-34"/>
+              </a:rPr>
+              <a:pPr/>
+              <a:t>8</a:t>
+            </a:fld>
+            <a:endParaRPr lang="en-US" sz="3200" dirty="0">
+              <a:ln w="18415" cmpd="sng">
+                <a:solidFill>
+                  <a:srgbClr val="FFFFFF"/>
+                </a:solidFill>
+                <a:prstDash val="solid"/>
+              </a:ln>
+              <a:solidFill>
+                <a:srgbClr val="FFFFFF"/>
+              </a:solidFill>
+              <a:effectLst>
+                <a:outerShdw blurRad="63500" dir="3600000" algn="tl" rotWithShape="0">
+                  <a:srgbClr val="000000">
+                    <a:alpha val="70000"/>
+                  </a:srgbClr>
+                </a:outerShdw>
+              </a:effectLst>
+              <a:latin typeface="Angsana New" pitchFamily="18" charset="-34"/>
+              <a:cs typeface="Angsana New" pitchFamily="18" charset="-34"/>
+            </a:endParaRPr>
+          </a:p>
+        </p:txBody>
+      </p:sp>
     </p:spTree>
     <p:extLst>
       <p:ext uri="{BB962C8B-B14F-4D97-AF65-F5344CB8AC3E}">
-        <p14:creationId xmlns:p14="http://schemas.microsoft.com/office/powerpoint/2010/main" xmlns="" val="1897534785"/>
+        <p14:creationId xmlns="" xmlns:p14="http://schemas.microsoft.com/office/powerpoint/2010/main" val="1897534785"/>
       </p:ext>
     </p:extLst>
   </p:cSld>
@@ -12646,648 +15592,6 @@
 </p:sld>
 </file>
 
-<file path=ppt/slides/slide7.xml><?xml version="1.0" encoding="utf-8"?>
-<p:sld xmlns:a="http://schemas.openxmlformats.org/drawingml/2006/main" xmlns:r="http://schemas.openxmlformats.org/officeDocument/2006/relationships" xmlns:p="http://schemas.openxmlformats.org/presentationml/2006/main">
-  <p:cSld>
-    <p:spTree>
-      <p:nvGrpSpPr>
-        <p:cNvPr id="1" name=""/>
-        <p:cNvGrpSpPr/>
-        <p:nvPr/>
-      </p:nvGrpSpPr>
-      <p:grpSpPr>
-        <a:xfrm>
-          <a:off x="0" y="0"/>
-          <a:ext cx="0" cy="0"/>
-          <a:chOff x="0" y="0"/>
-          <a:chExt cx="0" cy="0"/>
-        </a:xfrm>
-      </p:grpSpPr>
-      <p:sp>
-        <p:nvSpPr>
-          <p:cNvPr id="2" name="Title 1"/>
-          <p:cNvSpPr>
-            <a:spLocks noGrp="1"/>
-          </p:cNvSpPr>
-          <p:nvPr>
-            <p:ph type="title"/>
-          </p:nvPr>
-        </p:nvSpPr>
-        <p:spPr/>
-        <p:txBody>
-          <a:bodyPr/>
-          <a:lstStyle/>
-          <a:p>
-            <a:r>
-              <a:rPr lang="th-TH" dirty="0" smtClean="0"/>
-              <a:t>ขอบเขตของโครงงาน</a:t>
-            </a:r>
-            <a:endParaRPr lang="en-US" dirty="0"/>
-          </a:p>
-        </p:txBody>
-      </p:sp>
-      <p:sp>
-        <p:nvSpPr>
-          <p:cNvPr id="3" name="Content Placeholder 2"/>
-          <p:cNvSpPr>
-            <a:spLocks noGrp="1"/>
-          </p:cNvSpPr>
-          <p:nvPr>
-            <p:ph idx="1"/>
-          </p:nvPr>
-        </p:nvSpPr>
-        <p:spPr/>
-        <p:txBody>
-          <a:bodyPr/>
-          <a:lstStyle/>
-          <a:p>
-            <a:r>
-              <a:rPr lang="th-TH" dirty="0" smtClean="0">
-                <a:latin typeface="Angsana New" pitchFamily="18" charset="-34"/>
-                <a:cs typeface="Angsana New" pitchFamily="18" charset="-34"/>
-              </a:rPr>
-              <a:t>การที่จะรับพิกัดจากดาวเทียมนั้น สัญญาณจากดาวเทียม </a:t>
-            </a:r>
-            <a:r>
-              <a:rPr lang="en-US" dirty="0" smtClean="0">
-                <a:latin typeface="Angsana New" pitchFamily="18" charset="-34"/>
-                <a:cs typeface="Angsana New" pitchFamily="18" charset="-34"/>
-              </a:rPr>
-              <a:t>4</a:t>
-            </a:r>
-            <a:r>
-              <a:rPr lang="th-TH" dirty="0" smtClean="0">
-                <a:latin typeface="Angsana New" pitchFamily="18" charset="-34"/>
-                <a:cs typeface="Angsana New" pitchFamily="18" charset="-34"/>
-              </a:rPr>
-              <a:t> ดวงขึ้นไป</a:t>
-            </a:r>
-          </a:p>
-          <a:p>
-            <a:r>
-              <a:rPr lang="th-TH" dirty="0" smtClean="0">
-                <a:latin typeface="Angsana New" pitchFamily="18" charset="-34"/>
-                <a:cs typeface="Angsana New" pitchFamily="18" charset="-34"/>
-              </a:rPr>
-              <a:t>ก่อนที่จะนำพิกัดในฐานข้อมูล ไปลง </a:t>
-            </a:r>
-            <a:r>
-              <a:rPr lang="en-US" dirty="0" smtClean="0">
-                <a:latin typeface="Angsana New" pitchFamily="18" charset="-34"/>
-                <a:cs typeface="Angsana New" pitchFamily="18" charset="-34"/>
-              </a:rPr>
-              <a:t>Google Map </a:t>
-            </a:r>
-            <a:r>
-              <a:rPr lang="th-TH" dirty="0" smtClean="0">
-                <a:latin typeface="Angsana New" pitchFamily="18" charset="-34"/>
-                <a:cs typeface="Angsana New" pitchFamily="18" charset="-34"/>
-              </a:rPr>
-              <a:t>จะต้องมีสัญญาณอินเตอร์เน็ต</a:t>
-            </a:r>
-          </a:p>
-          <a:p>
-            <a:r>
-              <a:rPr lang="th-TH" dirty="0" smtClean="0">
-                <a:latin typeface="Angsana New" pitchFamily="18" charset="-34"/>
-                <a:cs typeface="Angsana New" pitchFamily="18" charset="-34"/>
-              </a:rPr>
-              <a:t>เมื่อหยุดการบันทึกพิกัดช่วงคราว เส้นทางในแผนที่ก็จะขาดช่วงไปเช่นกัน</a:t>
-            </a:r>
-            <a:endParaRPr lang="en-US" dirty="0">
-              <a:latin typeface="Angsana New" pitchFamily="18" charset="-34"/>
-              <a:cs typeface="Angsana New" pitchFamily="18" charset="-34"/>
-            </a:endParaRPr>
-          </a:p>
-        </p:txBody>
-      </p:sp>
-    </p:spTree>
-    <p:extLst>
-      <p:ext uri="{BB962C8B-B14F-4D97-AF65-F5344CB8AC3E}">
-        <p14:creationId xmlns:p14="http://schemas.microsoft.com/office/powerpoint/2010/main" xmlns="" val="3158405881"/>
-      </p:ext>
-    </p:extLst>
-  </p:cSld>
-  <p:clrMapOvr>
-    <a:masterClrMapping/>
-  </p:clrMapOvr>
-  <p:timing>
-    <p:tnLst>
-      <p:par>
-        <p:cTn id="1" dur="indefinite" restart="never" nodeType="tmRoot"/>
-      </p:par>
-    </p:tnLst>
-  </p:timing>
-</p:sld>
-</file>
-
-<file path=ppt/slides/slide8.xml><?xml version="1.0" encoding="utf-8"?>
-<p:sld xmlns:a="http://schemas.openxmlformats.org/drawingml/2006/main" xmlns:r="http://schemas.openxmlformats.org/officeDocument/2006/relationships" xmlns:p="http://schemas.openxmlformats.org/presentationml/2006/main">
-  <p:cSld>
-    <p:spTree>
-      <p:nvGrpSpPr>
-        <p:cNvPr id="1" name=""/>
-        <p:cNvGrpSpPr/>
-        <p:nvPr/>
-      </p:nvGrpSpPr>
-      <p:grpSpPr>
-        <a:xfrm>
-          <a:off x="0" y="0"/>
-          <a:ext cx="0" cy="0"/>
-          <a:chOff x="0" y="0"/>
-          <a:chExt cx="0" cy="0"/>
-        </a:xfrm>
-      </p:grpSpPr>
-      <p:sp>
-        <p:nvSpPr>
-          <p:cNvPr id="4" name="Title 3"/>
-          <p:cNvSpPr>
-            <a:spLocks noGrp="1"/>
-          </p:cNvSpPr>
-          <p:nvPr>
-            <p:ph type="title"/>
-          </p:nvPr>
-        </p:nvSpPr>
-        <p:spPr/>
-        <p:txBody>
-          <a:bodyPr/>
-          <a:lstStyle/>
-          <a:p>
-            <a:r>
-              <a:rPr lang="th-TH" dirty="0" smtClean="0"/>
-              <a:t>แตกต่างจากโปรแกรมอื่นๆอย่างไร</a:t>
-            </a:r>
-            <a:endParaRPr lang="en-US" dirty="0"/>
-          </a:p>
-        </p:txBody>
-      </p:sp>
-      <p:sp>
-        <p:nvSpPr>
-          <p:cNvPr id="5" name="Content Placeholder 4"/>
-          <p:cNvSpPr>
-            <a:spLocks noGrp="1"/>
-          </p:cNvSpPr>
-          <p:nvPr>
-            <p:ph idx="1"/>
-          </p:nvPr>
-        </p:nvSpPr>
-        <p:spPr/>
-        <p:txBody>
-          <a:bodyPr/>
-          <a:lstStyle/>
-          <a:p>
-            <a:pPr marL="0" indent="0">
-              <a:buNone/>
-            </a:pPr>
-            <a:endParaRPr lang="th-TH" dirty="0" smtClean="0"/>
-          </a:p>
-          <a:p>
-            <a:endParaRPr lang="en-US" dirty="0"/>
-          </a:p>
-        </p:txBody>
-      </p:sp>
-      <p:pic>
-        <p:nvPicPr>
-          <p:cNvPr id="1026" name="Picture 2" descr="C:\Users\JOeCole\Desktop\telenav-gps-navigator-on-android.jpg"/>
-          <p:cNvPicPr>
-            <a:picLocks noChangeAspect="1" noChangeArrowheads="1"/>
-          </p:cNvPicPr>
-          <p:nvPr/>
-        </p:nvPicPr>
-        <p:blipFill>
-          <a:blip r:embed="rId2" cstate="print">
-            <a:extLst>
-              <a:ext uri="{28A0092B-C50C-407E-A947-70E740481C1C}">
-                <a14:useLocalDpi xmlns:a14="http://schemas.microsoft.com/office/drawing/2010/main" xmlns="" val="0"/>
-              </a:ext>
-            </a:extLst>
-          </a:blip>
-          <a:srcRect/>
-          <a:stretch>
-            <a:fillRect/>
-          </a:stretch>
-        </p:blipFill>
-        <p:spPr bwMode="auto">
-          <a:xfrm>
-            <a:off x="2514600" y="1881613"/>
-            <a:ext cx="1324230" cy="2209800"/>
-          </a:xfrm>
-          <a:prstGeom prst="rect">
-            <a:avLst/>
-          </a:prstGeom>
-          <a:noFill/>
-          <a:extLst>
-            <a:ext uri="{909E8E84-426E-40DD-AFC4-6F175D3DCCD1}">
-              <a14:hiddenFill xmlns:a14="http://schemas.microsoft.com/office/drawing/2010/main" xmlns="">
-                <a:solidFill>
-                  <a:srgbClr val="FFFFFF"/>
-                </a:solidFill>
-              </a14:hiddenFill>
-            </a:ext>
-          </a:extLst>
-        </p:spPr>
-      </p:pic>
-      <p:pic>
-        <p:nvPicPr>
-          <p:cNvPr id="1027" name="Picture 3" descr="C:\Users\JOeCole\Desktop\image2.png"/>
-          <p:cNvPicPr>
-            <a:picLocks noChangeAspect="1" noChangeArrowheads="1"/>
-          </p:cNvPicPr>
-          <p:nvPr/>
-        </p:nvPicPr>
-        <p:blipFill>
-          <a:blip r:embed="rId3" cstate="print">
-            <a:extLst>
-              <a:ext uri="{28A0092B-C50C-407E-A947-70E740481C1C}">
-                <a14:useLocalDpi xmlns:a14="http://schemas.microsoft.com/office/drawing/2010/main" xmlns="" val="0"/>
-              </a:ext>
-            </a:extLst>
-          </a:blip>
-          <a:srcRect/>
-          <a:stretch>
-            <a:fillRect/>
-          </a:stretch>
-        </p:blipFill>
-        <p:spPr bwMode="auto">
-          <a:xfrm>
-            <a:off x="762000" y="3429000"/>
-            <a:ext cx="1331495" cy="2368952"/>
-          </a:xfrm>
-          <a:prstGeom prst="rect">
-            <a:avLst/>
-          </a:prstGeom>
-          <a:noFill/>
-          <a:extLst>
-            <a:ext uri="{909E8E84-426E-40DD-AFC4-6F175D3DCCD1}">
-              <a14:hiddenFill xmlns:a14="http://schemas.microsoft.com/office/drawing/2010/main" xmlns="">
-                <a:solidFill>
-                  <a:srgbClr val="FFFFFF"/>
-                </a:solidFill>
-              </a14:hiddenFill>
-            </a:ext>
-          </a:extLst>
-        </p:spPr>
-      </p:pic>
-      <p:pic>
-        <p:nvPicPr>
-          <p:cNvPr id="1029" name="Picture 5" descr="C:\Users\JOeCole\Desktop\TN-655531_NAVIGON_MobileNavigator_Android_MapView.png.jpg"/>
-          <p:cNvPicPr>
-            <a:picLocks noChangeAspect="1" noChangeArrowheads="1"/>
-          </p:cNvPicPr>
-          <p:nvPr/>
-        </p:nvPicPr>
-        <p:blipFill>
-          <a:blip r:embed="rId4" cstate="print">
-            <a:extLst>
-              <a:ext uri="{28A0092B-C50C-407E-A947-70E740481C1C}">
-                <a14:useLocalDpi xmlns:a14="http://schemas.microsoft.com/office/drawing/2010/main" xmlns="" val="0"/>
-              </a:ext>
-            </a:extLst>
-          </a:blip>
-          <a:srcRect/>
-          <a:stretch>
-            <a:fillRect/>
-          </a:stretch>
-        </p:blipFill>
-        <p:spPr bwMode="auto">
-          <a:xfrm>
-            <a:off x="7086600" y="2604198"/>
-            <a:ext cx="1447800" cy="2303318"/>
-          </a:xfrm>
-          <a:prstGeom prst="rect">
-            <a:avLst/>
-          </a:prstGeom>
-          <a:noFill/>
-          <a:extLst>
-            <a:ext uri="{909E8E84-426E-40DD-AFC4-6F175D3DCCD1}">
-              <a14:hiddenFill xmlns:a14="http://schemas.microsoft.com/office/drawing/2010/main" xmlns="">
-                <a:solidFill>
-                  <a:srgbClr val="FFFFFF"/>
-                </a:solidFill>
-              </a14:hiddenFill>
-            </a:ext>
-          </a:extLst>
-        </p:spPr>
-      </p:pic>
-      <p:pic>
-        <p:nvPicPr>
-          <p:cNvPr id="1030" name="Picture 6" descr="C:\Users\JOeCole\Desktop\telenav-gps-navigator-for-t-mobile-g1.jpg"/>
-          <p:cNvPicPr>
-            <a:picLocks noChangeAspect="1" noChangeArrowheads="1"/>
-          </p:cNvPicPr>
-          <p:nvPr/>
-        </p:nvPicPr>
-        <p:blipFill>
-          <a:blip r:embed="rId5" cstate="print">
-            <a:extLst>
-              <a:ext uri="{28A0092B-C50C-407E-A947-70E740481C1C}">
-                <a14:useLocalDpi xmlns:a14="http://schemas.microsoft.com/office/drawing/2010/main" xmlns="" val="0"/>
-              </a:ext>
-            </a:extLst>
-          </a:blip>
-          <a:srcRect/>
-          <a:stretch>
-            <a:fillRect/>
-          </a:stretch>
-        </p:blipFill>
-        <p:spPr bwMode="auto">
-          <a:xfrm>
-            <a:off x="4267200" y="2308692"/>
-            <a:ext cx="2222842" cy="3040063"/>
-          </a:xfrm>
-          <a:prstGeom prst="rect">
-            <a:avLst/>
-          </a:prstGeom>
-          <a:noFill/>
-          <a:extLst>
-            <a:ext uri="{909E8E84-426E-40DD-AFC4-6F175D3DCCD1}">
-              <a14:hiddenFill xmlns:a14="http://schemas.microsoft.com/office/drawing/2010/main" xmlns="">
-                <a:solidFill>
-                  <a:srgbClr val="FFFFFF"/>
-                </a:solidFill>
-              </a14:hiddenFill>
-            </a:ext>
-          </a:extLst>
-        </p:spPr>
-      </p:pic>
-    </p:spTree>
-    <p:extLst>
-      <p:ext uri="{BB962C8B-B14F-4D97-AF65-F5344CB8AC3E}">
-        <p14:creationId xmlns:p14="http://schemas.microsoft.com/office/powerpoint/2010/main" xmlns="" val="1312023503"/>
-      </p:ext>
-    </p:extLst>
-  </p:cSld>
-  <p:clrMapOvr>
-    <a:masterClrMapping/>
-  </p:clrMapOvr>
-  <p:timing>
-    <p:tnLst>
-      <p:par>
-        <p:cTn id="1" dur="indefinite" restart="never" nodeType="tmRoot">
-          <p:childTnLst>
-            <p:seq concurrent="1" nextAc="seek">
-              <p:cTn id="2" dur="indefinite" nodeType="mainSeq">
-                <p:childTnLst>
-                  <p:par>
-                    <p:cTn id="3" fill="hold">
-                      <p:stCondLst>
-                        <p:cond delay="indefinite"/>
-                        <p:cond evt="onBegin" delay="0">
-                          <p:tn val="2"/>
-                        </p:cond>
-                      </p:stCondLst>
-                      <p:childTnLst>
-                        <p:par>
-                          <p:cTn id="4" fill="hold">
-                            <p:stCondLst>
-                              <p:cond delay="0"/>
-                            </p:stCondLst>
-                            <p:childTnLst>
-                              <p:par>
-                                <p:cTn id="5" presetID="10" presetClass="entr" presetSubtype="0" fill="hold" grpId="0" nodeType="afterEffect">
-                                  <p:stCondLst>
-                                    <p:cond delay="0"/>
-                                  </p:stCondLst>
-                                  <p:childTnLst>
-                                    <p:set>
-                                      <p:cBhvr>
-                                        <p:cTn id="6" dur="1" fill="hold">
-                                          <p:stCondLst>
-                                            <p:cond delay="0"/>
-                                          </p:stCondLst>
-                                        </p:cTn>
-                                        <p:tgtEl>
-                                          <p:spTgt spid="4"/>
-                                        </p:tgtEl>
-                                        <p:attrNameLst>
-                                          <p:attrName>style.visibility</p:attrName>
-                                        </p:attrNameLst>
-                                      </p:cBhvr>
-                                      <p:to>
-                                        <p:strVal val="visible"/>
-                                      </p:to>
-                                    </p:set>
-                                    <p:animEffect transition="in" filter="fade">
-                                      <p:cBhvr>
-                                        <p:cTn id="7" dur="500"/>
-                                        <p:tgtEl>
-                                          <p:spTgt spid="4"/>
-                                        </p:tgtEl>
-                                      </p:cBhvr>
-                                    </p:animEffect>
-                                  </p:childTnLst>
-                                </p:cTn>
-                              </p:par>
-                            </p:childTnLst>
-                          </p:cTn>
-                        </p:par>
-                        <p:par>
-                          <p:cTn id="8" fill="hold">
-                            <p:stCondLst>
-                              <p:cond delay="500"/>
-                            </p:stCondLst>
-                            <p:childTnLst>
-                              <p:par>
-                                <p:cTn id="9" presetID="10" presetClass="entr" presetSubtype="0" fill="hold" nodeType="afterEffect">
-                                  <p:stCondLst>
-                                    <p:cond delay="0"/>
-                                  </p:stCondLst>
-                                  <p:childTnLst>
-                                    <p:set>
-                                      <p:cBhvr>
-                                        <p:cTn id="10" dur="1" fill="hold">
-                                          <p:stCondLst>
-                                            <p:cond delay="0"/>
-                                          </p:stCondLst>
-                                        </p:cTn>
-                                        <p:tgtEl>
-                                          <p:spTgt spid="1027"/>
-                                        </p:tgtEl>
-                                        <p:attrNameLst>
-                                          <p:attrName>style.visibility</p:attrName>
-                                        </p:attrNameLst>
-                                      </p:cBhvr>
-                                      <p:to>
-                                        <p:strVal val="visible"/>
-                                      </p:to>
-                                    </p:set>
-                                    <p:animEffect transition="in" filter="fade">
-                                      <p:cBhvr>
-                                        <p:cTn id="11" dur="500"/>
-                                        <p:tgtEl>
-                                          <p:spTgt spid="1027"/>
-                                        </p:tgtEl>
-                                      </p:cBhvr>
-                                    </p:animEffect>
-                                  </p:childTnLst>
-                                </p:cTn>
-                              </p:par>
-                            </p:childTnLst>
-                          </p:cTn>
-                        </p:par>
-                        <p:par>
-                          <p:cTn id="12" fill="hold">
-                            <p:stCondLst>
-                              <p:cond delay="1000"/>
-                            </p:stCondLst>
-                            <p:childTnLst>
-                              <p:par>
-                                <p:cTn id="13" presetID="10" presetClass="entr" presetSubtype="0" fill="hold" nodeType="afterEffect">
-                                  <p:stCondLst>
-                                    <p:cond delay="0"/>
-                                  </p:stCondLst>
-                                  <p:childTnLst>
-                                    <p:set>
-                                      <p:cBhvr>
-                                        <p:cTn id="14" dur="1" fill="hold">
-                                          <p:stCondLst>
-                                            <p:cond delay="0"/>
-                                          </p:stCondLst>
-                                        </p:cTn>
-                                        <p:tgtEl>
-                                          <p:spTgt spid="1026"/>
-                                        </p:tgtEl>
-                                        <p:attrNameLst>
-                                          <p:attrName>style.visibility</p:attrName>
-                                        </p:attrNameLst>
-                                      </p:cBhvr>
-                                      <p:to>
-                                        <p:strVal val="visible"/>
-                                      </p:to>
-                                    </p:set>
-                                    <p:animEffect transition="in" filter="fade">
-                                      <p:cBhvr>
-                                        <p:cTn id="15" dur="500"/>
-                                        <p:tgtEl>
-                                          <p:spTgt spid="1026"/>
-                                        </p:tgtEl>
-                                      </p:cBhvr>
-                                    </p:animEffect>
-                                  </p:childTnLst>
-                                </p:cTn>
-                              </p:par>
-                            </p:childTnLst>
-                          </p:cTn>
-                        </p:par>
-                        <p:par>
-                          <p:cTn id="16" fill="hold">
-                            <p:stCondLst>
-                              <p:cond delay="1500"/>
-                            </p:stCondLst>
-                            <p:childTnLst>
-                              <p:par>
-                                <p:cTn id="17" presetID="10" presetClass="entr" presetSubtype="0" fill="hold" nodeType="afterEffect">
-                                  <p:stCondLst>
-                                    <p:cond delay="0"/>
-                                  </p:stCondLst>
-                                  <p:childTnLst>
-                                    <p:set>
-                                      <p:cBhvr>
-                                        <p:cTn id="18" dur="1" fill="hold">
-                                          <p:stCondLst>
-                                            <p:cond delay="0"/>
-                                          </p:stCondLst>
-                                        </p:cTn>
-                                        <p:tgtEl>
-                                          <p:spTgt spid="1030"/>
-                                        </p:tgtEl>
-                                        <p:attrNameLst>
-                                          <p:attrName>style.visibility</p:attrName>
-                                        </p:attrNameLst>
-                                      </p:cBhvr>
-                                      <p:to>
-                                        <p:strVal val="visible"/>
-                                      </p:to>
-                                    </p:set>
-                                    <p:animEffect transition="in" filter="fade">
-                                      <p:cBhvr>
-                                        <p:cTn id="19" dur="500"/>
-                                        <p:tgtEl>
-                                          <p:spTgt spid="1030"/>
-                                        </p:tgtEl>
-                                      </p:cBhvr>
-                                    </p:animEffect>
-                                  </p:childTnLst>
-                                </p:cTn>
-                              </p:par>
-                            </p:childTnLst>
-                          </p:cTn>
-                        </p:par>
-                        <p:par>
-                          <p:cTn id="20" fill="hold">
-                            <p:stCondLst>
-                              <p:cond delay="2000"/>
-                            </p:stCondLst>
-                            <p:childTnLst>
-                              <p:par>
-                                <p:cTn id="21" presetID="10" presetClass="entr" presetSubtype="0" fill="hold" nodeType="afterEffect">
-                                  <p:stCondLst>
-                                    <p:cond delay="0"/>
-                                  </p:stCondLst>
-                                  <p:childTnLst>
-                                    <p:set>
-                                      <p:cBhvr>
-                                        <p:cTn id="22" dur="1" fill="hold">
-                                          <p:stCondLst>
-                                            <p:cond delay="0"/>
-                                          </p:stCondLst>
-                                        </p:cTn>
-                                        <p:tgtEl>
-                                          <p:spTgt spid="1029"/>
-                                        </p:tgtEl>
-                                        <p:attrNameLst>
-                                          <p:attrName>style.visibility</p:attrName>
-                                        </p:attrNameLst>
-                                      </p:cBhvr>
-                                      <p:to>
-                                        <p:strVal val="visible"/>
-                                      </p:to>
-                                    </p:set>
-                                    <p:animEffect transition="in" filter="fade">
-                                      <p:cBhvr>
-                                        <p:cTn id="23" dur="500"/>
-                                        <p:tgtEl>
-                                          <p:spTgt spid="1029"/>
-                                        </p:tgtEl>
-                                      </p:cBhvr>
-                                    </p:animEffect>
-                                  </p:childTnLst>
-                                </p:cTn>
-                              </p:par>
-                            </p:childTnLst>
-                          </p:cTn>
-                        </p:par>
-                      </p:childTnLst>
-                    </p:cTn>
-                  </p:par>
-                </p:childTnLst>
-              </p:cTn>
-              <p:prevCondLst>
-                <p:cond evt="onPrev" delay="0">
-                  <p:tgtEl>
-                    <p:sldTgt/>
-                  </p:tgtEl>
-                </p:cond>
-              </p:prevCondLst>
-              <p:nextCondLst>
-                <p:cond evt="onNext" delay="0">
-                  <p:tgtEl>
-                    <p:sldTgt/>
-                  </p:tgtEl>
-                </p:cond>
-              </p:nextCondLst>
-            </p:seq>
-          </p:childTnLst>
-        </p:cTn>
-      </p:par>
-    </p:tnLst>
-    <p:bldLst>
-      <p:bldP spid="4" grpId="0"/>
-    </p:bldLst>
-  </p:timing>
-</p:sld>
-</file>
-
 <file path=ppt/slides/slide9.xml><?xml version="1.0" encoding="utf-8"?>
 <p:sld xmlns:a="http://schemas.openxmlformats.org/drawingml/2006/main" xmlns:r="http://schemas.openxmlformats.org/officeDocument/2006/relationships" xmlns:p="http://schemas.openxmlformats.org/presentationml/2006/main">
   <p:cSld>
@@ -13321,755 +15625,167 @@
           <a:lstStyle/>
           <a:p>
             <a:r>
-              <a:rPr lang="th-TH" dirty="0"/>
-              <a:t>แตกต่างจากโปรแกรมอื่นๆอย่างไร</a:t>
+              <a:rPr lang="th-TH" b="1" dirty="0" smtClean="0"/>
+              <a:t>ขอบเขตของโครงงาน</a:t>
             </a:r>
-            <a:endParaRPr lang="en-US" dirty="0"/>
-          </a:p>
-        </p:txBody>
-      </p:sp>
-      <p:graphicFrame>
-        <p:nvGraphicFramePr>
-          <p:cNvPr id="6" name="Content Placeholder 5"/>
-          <p:cNvGraphicFramePr>
-            <a:graphicFrameLocks noGrp="1"/>
-          </p:cNvGraphicFramePr>
-          <p:nvPr>
-            <p:ph idx="1"/>
-            <p:extLst>
-              <p:ext uri="{D42A27DB-BD31-4B8C-83A1-F6EECF244321}">
-                <p14:modId xmlns:p14="http://schemas.microsoft.com/office/powerpoint/2010/main" xmlns="" val="1635963238"/>
-              </p:ext>
-            </p:extLst>
-          </p:nvPr>
-        </p:nvGraphicFramePr>
-        <p:xfrm>
-          <a:off x="457200" y="1600200"/>
-          <a:ext cx="8229600" cy="4724400"/>
-        </p:xfrm>
-        <a:graphic>
-          <a:graphicData uri="http://schemas.openxmlformats.org/drawingml/2006/table">
-            <a:tbl>
-              <a:tblPr firstRow="1" bandRow="1">
-                <a:tableStyleId>{5C22544A-7EE6-4342-B048-85BDC9FD1C3A}</a:tableStyleId>
-              </a:tblPr>
-              <a:tblGrid>
-                <a:gridCol w="3733800"/>
-                <a:gridCol w="2247900"/>
-                <a:gridCol w="2247900"/>
-              </a:tblGrid>
-              <a:tr h="944880">
-                <a:tc>
-                  <a:txBody>
-                    <a:bodyPr/>
-                    <a:lstStyle/>
-                    <a:p>
-                      <a:pPr algn="ctr"/>
-                      <a:endParaRPr lang="en-US" sz="2400" dirty="0">
-                        <a:latin typeface="Angsana New" pitchFamily="18" charset="-34"/>
-                        <a:cs typeface="Angsana New" pitchFamily="18" charset="-34"/>
-                      </a:endParaRPr>
-                    </a:p>
-                  </a:txBody>
-                  <a:tcPr anchor="ctr"/>
-                </a:tc>
-                <a:tc>
-                  <a:txBody>
-                    <a:bodyPr/>
-                    <a:lstStyle/>
-                    <a:p>
-                      <a:pPr algn="ctr"/>
-                      <a:r>
-                        <a:rPr lang="th-TH" sz="2400" dirty="0" smtClean="0">
-                          <a:latin typeface="Angsana New" pitchFamily="18" charset="-34"/>
-                          <a:cs typeface="Angsana New" pitchFamily="18" charset="-34"/>
-                        </a:rPr>
-                        <a:t>โครงงาน</a:t>
-                      </a:r>
-                      <a:endParaRPr lang="en-US" sz="2400" dirty="0">
-                        <a:latin typeface="Angsana New" pitchFamily="18" charset="-34"/>
-                        <a:cs typeface="Angsana New" pitchFamily="18" charset="-34"/>
-                      </a:endParaRPr>
-                    </a:p>
-                  </a:txBody>
-                  <a:tcPr anchor="ctr"/>
-                </a:tc>
-                <a:tc>
-                  <a:txBody>
-                    <a:bodyPr/>
-                    <a:lstStyle/>
-                    <a:p>
-                      <a:pPr algn="ctr"/>
-                      <a:r>
-                        <a:rPr lang="th-TH" sz="2400" dirty="0" smtClean="0">
-                          <a:latin typeface="Angsana New" pitchFamily="18" charset="-34"/>
-                          <a:cs typeface="Angsana New" pitchFamily="18" charset="-34"/>
-                        </a:rPr>
-                        <a:t>โปรแกรมอื่นๆ</a:t>
-                      </a:r>
-                      <a:endParaRPr lang="en-US" sz="2400" dirty="0">
-                        <a:latin typeface="Angsana New" pitchFamily="18" charset="-34"/>
-                        <a:cs typeface="Angsana New" pitchFamily="18" charset="-34"/>
-                      </a:endParaRPr>
-                    </a:p>
-                  </a:txBody>
-                  <a:tcPr anchor="ctr"/>
-                </a:tc>
-              </a:tr>
-              <a:tr h="944880">
-                <a:tc>
-                  <a:txBody>
-                    <a:bodyPr/>
-                    <a:lstStyle/>
-                    <a:p>
-                      <a:pPr algn="ctr"/>
-                      <a:r>
-                        <a:rPr lang="th-TH" sz="2400" dirty="0" smtClean="0">
-                          <a:latin typeface="Angsana New" pitchFamily="18" charset="-34"/>
-                          <a:cs typeface="Angsana New" pitchFamily="18" charset="-34"/>
-                        </a:rPr>
-                        <a:t>บันทึกพิกัด</a:t>
-                      </a:r>
-                      <a:endParaRPr lang="en-US" sz="2400" dirty="0">
-                        <a:latin typeface="Angsana New" pitchFamily="18" charset="-34"/>
-                        <a:cs typeface="Angsana New" pitchFamily="18" charset="-34"/>
-                      </a:endParaRPr>
-                    </a:p>
-                  </a:txBody>
-                  <a:tcPr anchor="ctr"/>
-                </a:tc>
-                <a:tc>
-                  <a:txBody>
-                    <a:bodyPr/>
-                    <a:lstStyle/>
-                    <a:p>
-                      <a:pPr algn="ctr"/>
-                      <a:endParaRPr lang="en-US" sz="2400" dirty="0">
-                        <a:latin typeface="Angsana New" pitchFamily="18" charset="-34"/>
-                        <a:cs typeface="Angsana New" pitchFamily="18" charset="-34"/>
-                      </a:endParaRPr>
-                    </a:p>
-                  </a:txBody>
-                  <a:tcPr anchor="ctr"/>
-                </a:tc>
-                <a:tc>
-                  <a:txBody>
-                    <a:bodyPr/>
-                    <a:lstStyle/>
-                    <a:p>
-                      <a:pPr algn="ctr"/>
-                      <a:r>
-                        <a:rPr lang="th-TH" sz="2400" dirty="0" smtClean="0">
-                          <a:latin typeface="Angsana New" pitchFamily="18" charset="-34"/>
-                          <a:cs typeface="Angsana New" pitchFamily="18" charset="-34"/>
-                        </a:rPr>
-                        <a:t>อาจมีบางโปรแกรม</a:t>
-                      </a:r>
-                      <a:endParaRPr lang="en-US" sz="2400" dirty="0">
-                        <a:latin typeface="Angsana New" pitchFamily="18" charset="-34"/>
-                        <a:cs typeface="Angsana New" pitchFamily="18" charset="-34"/>
-                      </a:endParaRPr>
-                    </a:p>
-                  </a:txBody>
-                  <a:tcPr anchor="ctr"/>
-                </a:tc>
-              </a:tr>
-              <a:tr h="944880">
-                <a:tc>
-                  <a:txBody>
-                    <a:bodyPr/>
-                    <a:lstStyle/>
-                    <a:p>
-                      <a:pPr algn="ctr"/>
-                      <a:r>
-                        <a:rPr lang="th-TH" sz="2400" dirty="0" smtClean="0">
-                          <a:latin typeface="Angsana New" pitchFamily="18" charset="-34"/>
-                          <a:cs typeface="Angsana New" pitchFamily="18" charset="-34"/>
-                        </a:rPr>
-                        <a:t>ติดป้ายชื่อให้กับพัดกัดนั้น</a:t>
-                      </a:r>
-                      <a:endParaRPr lang="en-US" sz="2400" dirty="0">
-                        <a:latin typeface="Angsana New" pitchFamily="18" charset="-34"/>
-                        <a:cs typeface="Angsana New" pitchFamily="18" charset="-34"/>
-                      </a:endParaRPr>
-                    </a:p>
-                  </a:txBody>
-                  <a:tcPr anchor="ctr"/>
-                </a:tc>
-                <a:tc>
-                  <a:txBody>
-                    <a:bodyPr/>
-                    <a:lstStyle/>
-                    <a:p>
-                      <a:pPr algn="ctr"/>
-                      <a:endParaRPr lang="en-US" sz="2400" dirty="0">
-                        <a:latin typeface="Angsana New" pitchFamily="18" charset="-34"/>
-                        <a:cs typeface="Angsana New" pitchFamily="18" charset="-34"/>
-                      </a:endParaRPr>
-                    </a:p>
-                  </a:txBody>
-                  <a:tcPr anchor="ctr"/>
-                </a:tc>
-                <a:tc>
-                  <a:txBody>
-                    <a:bodyPr/>
-                    <a:lstStyle/>
-                    <a:p>
-                      <a:pPr algn="ctr"/>
-                      <a:endParaRPr lang="en-US" sz="2400">
-                        <a:latin typeface="Angsana New" pitchFamily="18" charset="-34"/>
-                        <a:cs typeface="Angsana New" pitchFamily="18" charset="-34"/>
-                      </a:endParaRPr>
-                    </a:p>
-                  </a:txBody>
-                  <a:tcPr anchor="ctr"/>
-                </a:tc>
-              </a:tr>
-              <a:tr h="944880">
-                <a:tc>
-                  <a:txBody>
-                    <a:bodyPr/>
-                    <a:lstStyle/>
-                    <a:p>
-                      <a:pPr algn="ctr"/>
-                      <a:r>
-                        <a:rPr lang="th-TH" sz="2400" dirty="0" smtClean="0">
-                          <a:latin typeface="Angsana New" pitchFamily="18" charset="-34"/>
-                          <a:cs typeface="Angsana New" pitchFamily="18" charset="-34"/>
-                        </a:rPr>
-                        <a:t>บันทึกพิกัดแบบ </a:t>
-                      </a:r>
-                      <a:r>
-                        <a:rPr lang="en-US" sz="2400" dirty="0" smtClean="0">
-                          <a:latin typeface="Angsana New" pitchFamily="18" charset="-34"/>
-                          <a:cs typeface="Angsana New" pitchFamily="18" charset="-34"/>
-                        </a:rPr>
-                        <a:t>offline</a:t>
-                      </a:r>
-                      <a:endParaRPr lang="en-US" sz="2400" dirty="0">
-                        <a:latin typeface="Angsana New" pitchFamily="18" charset="-34"/>
-                        <a:cs typeface="Angsana New" pitchFamily="18" charset="-34"/>
-                      </a:endParaRPr>
-                    </a:p>
-                  </a:txBody>
-                  <a:tcPr anchor="ctr"/>
-                </a:tc>
-                <a:tc>
-                  <a:txBody>
-                    <a:bodyPr/>
-                    <a:lstStyle/>
-                    <a:p>
-                      <a:pPr algn="ctr"/>
-                      <a:endParaRPr lang="en-US" sz="2400" dirty="0">
-                        <a:latin typeface="Angsana New" pitchFamily="18" charset="-34"/>
-                        <a:cs typeface="Angsana New" pitchFamily="18" charset="-34"/>
-                      </a:endParaRPr>
-                    </a:p>
-                  </a:txBody>
-                  <a:tcPr anchor="ctr"/>
-                </a:tc>
-                <a:tc>
-                  <a:txBody>
-                    <a:bodyPr/>
-                    <a:lstStyle/>
-                    <a:p>
-                      <a:pPr algn="ctr"/>
-                      <a:endParaRPr lang="en-US" sz="2400">
-                        <a:latin typeface="Angsana New" pitchFamily="18" charset="-34"/>
-                        <a:cs typeface="Angsana New" pitchFamily="18" charset="-34"/>
-                      </a:endParaRPr>
-                    </a:p>
-                  </a:txBody>
-                  <a:tcPr anchor="ctr"/>
-                </a:tc>
-              </a:tr>
-              <a:tr h="944880">
-                <a:tc>
-                  <a:txBody>
-                    <a:bodyPr/>
-                    <a:lstStyle/>
-                    <a:p>
-                      <a:pPr algn="ctr"/>
-                      <a:r>
-                        <a:rPr lang="th-TH" sz="2400" smtClean="0">
-                          <a:latin typeface="Angsana New" pitchFamily="18" charset="-34"/>
-                          <a:cs typeface="Angsana New" pitchFamily="18" charset="-34"/>
-                        </a:rPr>
-                        <a:t>ดูภาพรวม</a:t>
-                      </a:r>
-                      <a:r>
-                        <a:rPr lang="th-TH" sz="2400" dirty="0" err="1" smtClean="0">
-                          <a:latin typeface="Angsana New" pitchFamily="18" charset="-34"/>
-                          <a:cs typeface="Angsana New" pitchFamily="18" charset="-34"/>
-                        </a:rPr>
-                        <a:t>ข</a:t>
-                      </a:r>
-                      <a:r>
-                        <a:rPr lang="th-TH" sz="2400" dirty="0" smtClean="0">
-                          <a:latin typeface="Angsana New" pitchFamily="18" charset="-34"/>
-                          <a:cs typeface="Angsana New" pitchFamily="18" charset="-34"/>
-                        </a:rPr>
-                        <a:t>องการเดินทาง</a:t>
-                      </a:r>
-                      <a:endParaRPr lang="en-US" sz="2400" dirty="0">
-                        <a:latin typeface="Angsana New" pitchFamily="18" charset="-34"/>
-                        <a:cs typeface="Angsana New" pitchFamily="18" charset="-34"/>
-                      </a:endParaRPr>
-                    </a:p>
-                  </a:txBody>
-                  <a:tcPr anchor="ctr"/>
-                </a:tc>
-                <a:tc>
-                  <a:txBody>
-                    <a:bodyPr/>
-                    <a:lstStyle/>
-                    <a:p>
-                      <a:pPr algn="ctr"/>
-                      <a:endParaRPr lang="en-US" sz="2400" dirty="0">
-                        <a:latin typeface="Angsana New" pitchFamily="18" charset="-34"/>
-                        <a:cs typeface="Angsana New" pitchFamily="18" charset="-34"/>
-                      </a:endParaRPr>
-                    </a:p>
-                  </a:txBody>
-                  <a:tcPr anchor="ctr"/>
-                </a:tc>
-                <a:tc>
-                  <a:txBody>
-                    <a:bodyPr/>
-                    <a:lstStyle/>
-                    <a:p>
-                      <a:pPr algn="ctr"/>
-                      <a:endParaRPr lang="en-US" sz="2400" dirty="0">
-                        <a:latin typeface="Angsana New" pitchFamily="18" charset="-34"/>
-                        <a:cs typeface="Angsana New" pitchFamily="18" charset="-34"/>
-                      </a:endParaRPr>
-                    </a:p>
-                  </a:txBody>
-                  <a:tcPr anchor="ctr"/>
-                </a:tc>
-              </a:tr>
-            </a:tbl>
-          </a:graphicData>
-        </a:graphic>
-      </p:graphicFrame>
-      <p:sp>
-        <p:nvSpPr>
-          <p:cNvPr id="7" name="Oval 6"/>
-          <p:cNvSpPr/>
-          <p:nvPr/>
-        </p:nvSpPr>
-        <p:spPr>
-          <a:xfrm>
-            <a:off x="5181600" y="2895600"/>
-            <a:ext cx="304800" cy="304800"/>
-          </a:xfrm>
-          <a:prstGeom prst="ellipse">
-            <a:avLst/>
-          </a:prstGeom>
-          <a:gradFill>
-            <a:gsLst>
-              <a:gs pos="0">
-                <a:srgbClr val="66FF66"/>
-              </a:gs>
-              <a:gs pos="100000">
-                <a:srgbClr val="84FF84"/>
-              </a:gs>
-              <a:gs pos="100000">
-                <a:srgbClr val="D0FFD0"/>
-              </a:gs>
-              <a:gs pos="100000">
-                <a:schemeClr val="bg1"/>
-              </a:gs>
-              <a:gs pos="100000">
-                <a:schemeClr val="bg1"/>
-              </a:gs>
-            </a:gsLst>
-          </a:gradFill>
-        </p:spPr>
-        <p:style>
-          <a:lnRef idx="0">
-            <a:schemeClr val="accent3"/>
-          </a:lnRef>
-          <a:fillRef idx="3">
-            <a:schemeClr val="accent3"/>
-          </a:fillRef>
-          <a:effectRef idx="3">
-            <a:schemeClr val="accent3"/>
-          </a:effectRef>
-          <a:fontRef idx="minor">
-            <a:schemeClr val="lt1"/>
-          </a:fontRef>
-        </p:style>
-        <p:txBody>
-          <a:bodyPr rtlCol="0" anchor="ctr"/>
-          <a:lstStyle/>
-          <a:p>
-            <a:pPr algn="ctr"/>
-            <a:endParaRPr lang="en-US"/>
+            <a:endParaRPr lang="en-US" b="1" dirty="0"/>
           </a:p>
         </p:txBody>
       </p:sp>
       <p:sp>
         <p:nvSpPr>
-          <p:cNvPr id="9" name="Oval 8"/>
-          <p:cNvSpPr/>
-          <p:nvPr/>
+          <p:cNvPr id="3" name="Content Placeholder 2"/>
+          <p:cNvSpPr>
+            <a:spLocks noGrp="1"/>
+          </p:cNvSpPr>
+          <p:nvPr>
+            <p:ph idx="1"/>
+          </p:nvPr>
         </p:nvSpPr>
-        <p:spPr>
-          <a:xfrm>
-            <a:off x="5181600" y="4724400"/>
-            <a:ext cx="304800" cy="304800"/>
-          </a:xfrm>
-          <a:prstGeom prst="ellipse">
-            <a:avLst/>
-          </a:prstGeom>
-          <a:gradFill>
-            <a:gsLst>
-              <a:gs pos="0">
-                <a:srgbClr val="66FF66"/>
-              </a:gs>
-              <a:gs pos="100000">
-                <a:srgbClr val="84FF84"/>
-              </a:gs>
-              <a:gs pos="100000">
-                <a:srgbClr val="D0FFD0"/>
-              </a:gs>
-              <a:gs pos="100000">
-                <a:schemeClr val="bg1"/>
-              </a:gs>
-              <a:gs pos="100000">
-                <a:schemeClr val="bg1"/>
-              </a:gs>
-            </a:gsLst>
-          </a:gradFill>
-        </p:spPr>
-        <p:style>
-          <a:lnRef idx="0">
-            <a:schemeClr val="accent3"/>
-          </a:lnRef>
-          <a:fillRef idx="3">
-            <a:schemeClr val="accent3"/>
-          </a:fillRef>
-          <a:effectRef idx="3">
-            <a:schemeClr val="accent3"/>
-          </a:effectRef>
-          <a:fontRef idx="minor">
-            <a:schemeClr val="lt1"/>
-          </a:fontRef>
-        </p:style>
+        <p:spPr/>
         <p:txBody>
-          <a:bodyPr rtlCol="0" anchor="ctr"/>
+          <a:bodyPr/>
           <a:lstStyle/>
           <a:p>
-            <a:pPr algn="ctr"/>
-            <a:endParaRPr lang="en-US"/>
+            <a:r>
+              <a:rPr lang="th-TH" dirty="0" smtClean="0">
+                <a:latin typeface="Angsana New" pitchFamily="18" charset="-34"/>
+                <a:cs typeface="Angsana New" pitchFamily="18" charset="-34"/>
+              </a:rPr>
+              <a:t>การที่จะรับพิกัดจากดาวเทียมนั้น สัญญาณจากดาวเทียม </a:t>
+            </a:r>
+            <a:r>
+              <a:rPr lang="en-US" dirty="0" smtClean="0">
+                <a:latin typeface="Angsana New" pitchFamily="18" charset="-34"/>
+                <a:cs typeface="Angsana New" pitchFamily="18" charset="-34"/>
+              </a:rPr>
+              <a:t>4</a:t>
+            </a:r>
+            <a:r>
+              <a:rPr lang="th-TH" dirty="0" smtClean="0">
+                <a:latin typeface="Angsana New" pitchFamily="18" charset="-34"/>
+                <a:cs typeface="Angsana New" pitchFamily="18" charset="-34"/>
+              </a:rPr>
+              <a:t> ดวงขึ้นไป</a:t>
+            </a:r>
+          </a:p>
+          <a:p>
+            <a:r>
+              <a:rPr lang="th-TH" dirty="0" smtClean="0">
+                <a:latin typeface="Angsana New" pitchFamily="18" charset="-34"/>
+                <a:cs typeface="Angsana New" pitchFamily="18" charset="-34"/>
+              </a:rPr>
+              <a:t>ก่อนที่จะนำพิกัดในฐานข้อมูล ไปลง </a:t>
+            </a:r>
+            <a:r>
+              <a:rPr lang="en-US" dirty="0" smtClean="0">
+                <a:latin typeface="Angsana New" pitchFamily="18" charset="-34"/>
+                <a:cs typeface="Angsana New" pitchFamily="18" charset="-34"/>
+              </a:rPr>
+              <a:t>Google Map </a:t>
+            </a:r>
+            <a:r>
+              <a:rPr lang="th-TH" dirty="0" smtClean="0">
+                <a:latin typeface="Angsana New" pitchFamily="18" charset="-34"/>
+                <a:cs typeface="Angsana New" pitchFamily="18" charset="-34"/>
+              </a:rPr>
+              <a:t>จะต้องมีสัญญาณอินเตอร์เน็ต</a:t>
+            </a:r>
+          </a:p>
+          <a:p>
+            <a:r>
+              <a:rPr lang="th-TH" dirty="0" smtClean="0">
+                <a:latin typeface="Angsana New" pitchFamily="18" charset="-34"/>
+                <a:cs typeface="Angsana New" pitchFamily="18" charset="-34"/>
+              </a:rPr>
+              <a:t>เมื่อหยุดการบันทึกพิกัดช่วงคราว เส้นทางในแผนที่ก็จะขาดช่วงไปเช่นกัน</a:t>
+            </a:r>
+            <a:endParaRPr lang="en-US" dirty="0">
+              <a:latin typeface="Angsana New" pitchFamily="18" charset="-34"/>
+              <a:cs typeface="Angsana New" pitchFamily="18" charset="-34"/>
+            </a:endParaRPr>
           </a:p>
         </p:txBody>
       </p:sp>
       <p:sp>
         <p:nvSpPr>
-          <p:cNvPr id="10" name="Oval 9"/>
-          <p:cNvSpPr/>
-          <p:nvPr/>
+          <p:cNvPr id="6" name="ตัวยึดหมายเลขภาพนิ่ง 5"/>
+          <p:cNvSpPr>
+            <a:spLocks noGrp="1"/>
+          </p:cNvSpPr>
+          <p:nvPr>
+            <p:ph type="sldNum" sz="quarter" idx="12"/>
+          </p:nvPr>
         </p:nvSpPr>
-        <p:spPr>
-          <a:xfrm>
-            <a:off x="5181600" y="3804062"/>
-            <a:ext cx="304800" cy="304800"/>
-          </a:xfrm>
-          <a:prstGeom prst="ellipse">
-            <a:avLst/>
-          </a:prstGeom>
-          <a:gradFill>
-            <a:gsLst>
-              <a:gs pos="0">
-                <a:srgbClr val="66FF66"/>
-              </a:gs>
-              <a:gs pos="100000">
-                <a:srgbClr val="84FF84"/>
-              </a:gs>
-              <a:gs pos="100000">
-                <a:srgbClr val="D0FFD0"/>
-              </a:gs>
-              <a:gs pos="100000">
-                <a:schemeClr val="bg1"/>
-              </a:gs>
-              <a:gs pos="100000">
-                <a:schemeClr val="bg1"/>
-              </a:gs>
-            </a:gsLst>
-          </a:gradFill>
-        </p:spPr>
-        <p:style>
-          <a:lnRef idx="0">
-            <a:schemeClr val="accent3"/>
-          </a:lnRef>
-          <a:fillRef idx="3">
-            <a:schemeClr val="accent3"/>
-          </a:fillRef>
-          <a:effectRef idx="3">
-            <a:schemeClr val="accent3"/>
-          </a:effectRef>
-          <a:fontRef idx="minor">
-            <a:schemeClr val="lt1"/>
-          </a:fontRef>
-        </p:style>
+        <p:spPr/>
         <p:txBody>
-          <a:bodyPr rtlCol="0" anchor="ctr"/>
+          <a:bodyPr/>
           <a:lstStyle/>
           <a:p>
-            <a:pPr algn="ctr"/>
-            <a:endParaRPr lang="en-US"/>
-          </a:p>
-        </p:txBody>
-      </p:sp>
-      <p:sp>
-        <p:nvSpPr>
-          <p:cNvPr id="11" name="Oval 10"/>
-          <p:cNvSpPr/>
-          <p:nvPr/>
-        </p:nvSpPr>
-        <p:spPr>
-          <a:xfrm>
-            <a:off x="5181600" y="5715000"/>
-            <a:ext cx="304800" cy="304800"/>
-          </a:xfrm>
-          <a:prstGeom prst="ellipse">
-            <a:avLst/>
-          </a:prstGeom>
-          <a:gradFill>
-            <a:gsLst>
-              <a:gs pos="0">
-                <a:srgbClr val="66FF66"/>
-              </a:gs>
-              <a:gs pos="100000">
-                <a:srgbClr val="84FF84"/>
-              </a:gs>
-              <a:gs pos="100000">
-                <a:srgbClr val="D0FFD0"/>
-              </a:gs>
-              <a:gs pos="100000">
-                <a:schemeClr val="bg1"/>
-              </a:gs>
-              <a:gs pos="100000">
-                <a:schemeClr val="bg1"/>
-              </a:gs>
-            </a:gsLst>
-          </a:gradFill>
-        </p:spPr>
-        <p:style>
-          <a:lnRef idx="0">
-            <a:schemeClr val="accent3"/>
-          </a:lnRef>
-          <a:fillRef idx="3">
-            <a:schemeClr val="accent3"/>
-          </a:fillRef>
-          <a:effectRef idx="3">
-            <a:schemeClr val="accent3"/>
-          </a:effectRef>
-          <a:fontRef idx="minor">
-            <a:schemeClr val="lt1"/>
-          </a:fontRef>
-        </p:style>
-        <p:txBody>
-          <a:bodyPr rtlCol="0" anchor="ctr"/>
-          <a:lstStyle/>
-          <a:p>
-            <a:pPr algn="ctr"/>
-            <a:endParaRPr lang="en-US"/>
-          </a:p>
-        </p:txBody>
-      </p:sp>
-      <p:sp>
-        <p:nvSpPr>
-          <p:cNvPr id="12" name="Oval 11"/>
-          <p:cNvSpPr/>
-          <p:nvPr/>
-        </p:nvSpPr>
-        <p:spPr>
-          <a:xfrm>
-            <a:off x="7391400" y="3804062"/>
-            <a:ext cx="304800" cy="304800"/>
-          </a:xfrm>
-          <a:prstGeom prst="ellipse">
-            <a:avLst/>
-          </a:prstGeom>
-          <a:gradFill>
-            <a:gsLst>
-              <a:gs pos="0">
-                <a:srgbClr val="FF0000"/>
-              </a:gs>
-              <a:gs pos="100000">
-                <a:srgbClr val="FF9696"/>
-              </a:gs>
-              <a:gs pos="100000">
-                <a:schemeClr val="bg1"/>
-              </a:gs>
-              <a:gs pos="100000">
-                <a:srgbClr val="D0FFD0"/>
-              </a:gs>
-              <a:gs pos="100000">
-                <a:schemeClr val="bg1"/>
-              </a:gs>
-              <a:gs pos="100000">
-                <a:schemeClr val="bg1"/>
-              </a:gs>
-            </a:gsLst>
-          </a:gradFill>
-        </p:spPr>
-        <p:style>
-          <a:lnRef idx="0">
-            <a:schemeClr val="accent3"/>
-          </a:lnRef>
-          <a:fillRef idx="3">
-            <a:schemeClr val="accent3"/>
-          </a:fillRef>
-          <a:effectRef idx="3">
-            <a:schemeClr val="accent3"/>
-          </a:effectRef>
-          <a:fontRef idx="minor">
-            <a:schemeClr val="lt1"/>
-          </a:fontRef>
-        </p:style>
-        <p:txBody>
-          <a:bodyPr rtlCol="0" anchor="ctr"/>
-          <a:lstStyle/>
-          <a:p>
-            <a:pPr algn="ctr"/>
-            <a:endParaRPr lang="en-US"/>
-          </a:p>
-        </p:txBody>
-      </p:sp>
-      <p:sp>
-        <p:nvSpPr>
-          <p:cNvPr id="13" name="Oval 12"/>
-          <p:cNvSpPr/>
-          <p:nvPr/>
-        </p:nvSpPr>
-        <p:spPr>
-          <a:xfrm>
-            <a:off x="7391400" y="5715000"/>
-            <a:ext cx="304800" cy="304800"/>
-          </a:xfrm>
-          <a:prstGeom prst="ellipse">
-            <a:avLst/>
-          </a:prstGeom>
-          <a:gradFill>
-            <a:gsLst>
-              <a:gs pos="0">
-                <a:srgbClr val="FF0000"/>
-              </a:gs>
-              <a:gs pos="100000">
-                <a:srgbClr val="FF9696"/>
-              </a:gs>
-              <a:gs pos="100000">
-                <a:schemeClr val="bg1"/>
-              </a:gs>
-              <a:gs pos="100000">
-                <a:srgbClr val="D0FFD0"/>
-              </a:gs>
-              <a:gs pos="100000">
-                <a:schemeClr val="bg1"/>
-              </a:gs>
-              <a:gs pos="100000">
-                <a:schemeClr val="bg1"/>
-              </a:gs>
-            </a:gsLst>
-          </a:gradFill>
-        </p:spPr>
-        <p:style>
-          <a:lnRef idx="0">
-            <a:schemeClr val="accent3"/>
-          </a:lnRef>
-          <a:fillRef idx="3">
-            <a:schemeClr val="accent3"/>
-          </a:fillRef>
-          <a:effectRef idx="3">
-            <a:schemeClr val="accent3"/>
-          </a:effectRef>
-          <a:fontRef idx="minor">
-            <a:schemeClr val="lt1"/>
-          </a:fontRef>
-        </p:style>
-        <p:txBody>
-          <a:bodyPr rtlCol="0" anchor="ctr"/>
-          <a:lstStyle/>
-          <a:p>
-            <a:pPr algn="ctr"/>
-            <a:endParaRPr lang="en-US"/>
-          </a:p>
-        </p:txBody>
-      </p:sp>
-      <p:sp>
-        <p:nvSpPr>
-          <p:cNvPr id="14" name="Oval 13"/>
-          <p:cNvSpPr/>
-          <p:nvPr/>
-        </p:nvSpPr>
-        <p:spPr>
-          <a:xfrm>
-            <a:off x="7391400" y="4724400"/>
-            <a:ext cx="304800" cy="304800"/>
-          </a:xfrm>
-          <a:prstGeom prst="ellipse">
-            <a:avLst/>
-          </a:prstGeom>
-          <a:gradFill>
-            <a:gsLst>
-              <a:gs pos="0">
-                <a:srgbClr val="FF0000"/>
-              </a:gs>
-              <a:gs pos="100000">
-                <a:srgbClr val="FF9696"/>
-              </a:gs>
-              <a:gs pos="100000">
-                <a:schemeClr val="bg1"/>
-              </a:gs>
-              <a:gs pos="100000">
-                <a:srgbClr val="D0FFD0"/>
-              </a:gs>
-              <a:gs pos="100000">
-                <a:schemeClr val="bg1"/>
-              </a:gs>
-              <a:gs pos="100000">
-                <a:schemeClr val="bg1"/>
-              </a:gs>
-            </a:gsLst>
-          </a:gradFill>
-        </p:spPr>
-        <p:style>
-          <a:lnRef idx="0">
-            <a:schemeClr val="accent3"/>
-          </a:lnRef>
-          <a:fillRef idx="3">
-            <a:schemeClr val="accent3"/>
-          </a:fillRef>
-          <a:effectRef idx="3">
-            <a:schemeClr val="accent3"/>
-          </a:effectRef>
-          <a:fontRef idx="minor">
-            <a:schemeClr val="lt1"/>
-          </a:fontRef>
-        </p:style>
-        <p:txBody>
-          <a:bodyPr rtlCol="0" anchor="ctr"/>
-          <a:lstStyle/>
-          <a:p>
-            <a:pPr algn="ctr"/>
-            <a:endParaRPr lang="en-US"/>
+            <a:fld id="{5685757F-D3FC-4732-92F9-251EF6B3B90C}" type="slidenum">
+              <a:rPr lang="en-US" sz="3200" smtClean="0">
+                <a:ln w="18415" cmpd="sng">
+                  <a:solidFill>
+                    <a:srgbClr val="FFFFFF"/>
+                  </a:solidFill>
+                  <a:prstDash val="solid"/>
+                </a:ln>
+                <a:solidFill>
+                  <a:srgbClr val="FFFFFF"/>
+                </a:solidFill>
+                <a:effectLst>
+                  <a:outerShdw blurRad="63500" dir="3600000" algn="tl" rotWithShape="0">
+                    <a:srgbClr val="000000">
+                      <a:alpha val="70000"/>
+                    </a:srgbClr>
+                  </a:outerShdw>
+                </a:effectLst>
+                <a:latin typeface="Angsana New" pitchFamily="18" charset="-34"/>
+                <a:cs typeface="Angsana New" pitchFamily="18" charset="-34"/>
+              </a:rPr>
+              <a:pPr/>
+              <a:t>9</a:t>
+            </a:fld>
+            <a:endParaRPr lang="en-US" sz="3200" dirty="0">
+              <a:ln w="18415" cmpd="sng">
+                <a:solidFill>
+                  <a:srgbClr val="FFFFFF"/>
+                </a:solidFill>
+                <a:prstDash val="solid"/>
+              </a:ln>
+              <a:solidFill>
+                <a:srgbClr val="FFFFFF"/>
+              </a:solidFill>
+              <a:effectLst>
+                <a:outerShdw blurRad="63500" dir="3600000" algn="tl" rotWithShape="0">
+                  <a:srgbClr val="000000">
+                    <a:alpha val="70000"/>
+                  </a:srgbClr>
+                </a:outerShdw>
+              </a:effectLst>
+              <a:latin typeface="Angsana New" pitchFamily="18" charset="-34"/>
+              <a:cs typeface="Angsana New" pitchFamily="18" charset="-34"/>
+            </a:endParaRPr>
           </a:p>
         </p:txBody>
       </p:sp>
     </p:spTree>
     <p:extLst>
       <p:ext uri="{BB962C8B-B14F-4D97-AF65-F5344CB8AC3E}">
-        <p14:creationId xmlns:p14="http://schemas.microsoft.com/office/powerpoint/2010/main" xmlns="" val="222104164"/>
+        <p14:creationId xmlns="" xmlns:p14="http://schemas.microsoft.com/office/powerpoint/2010/main" val="3158405881"/>
       </p:ext>
     </p:extLst>
   </p:cSld>
   <p:clrMapOvr>
     <a:masterClrMapping/>
   </p:clrMapOvr>
+  <p:timing>
+    <p:tnLst>
+      <p:par>
+        <p:cTn id="1" dur="indefinite" restart="never" nodeType="tmRoot"/>
+      </p:par>
+    </p:tnLst>
+  </p:timing>
 </p:sld>
 </file>
 
@@ -14641,4 +16357,287 @@
   <a:objectDefaults/>
   <a:extraClrSchemeLst/>
 </a:theme>
+</file>
+
+<file path=ppt/theme/theme3.xml><?xml version="1.0" encoding="utf-8"?>
+<a:theme xmlns:a="http://schemas.openxmlformats.org/drawingml/2006/main" name="ชุดรูปแบบของ Office">
+  <a:themeElements>
+    <a:clrScheme name="Office">
+      <a:dk1>
+        <a:sysClr val="windowText" lastClr="000000"/>
+      </a:dk1>
+      <a:lt1>
+        <a:sysClr val="window" lastClr="FFFFFF"/>
+      </a:lt1>
+      <a:dk2>
+        <a:srgbClr val="1F497D"/>
+      </a:dk2>
+      <a:lt2>
+        <a:srgbClr val="EEECE1"/>
+      </a:lt2>
+      <a:accent1>
+        <a:srgbClr val="4F81BD"/>
+      </a:accent1>
+      <a:accent2>
+        <a:srgbClr val="C0504D"/>
+      </a:accent2>
+      <a:accent3>
+        <a:srgbClr val="9BBB59"/>
+      </a:accent3>
+      <a:accent4>
+        <a:srgbClr val="8064A2"/>
+      </a:accent4>
+      <a:accent5>
+        <a:srgbClr val="4BACC6"/>
+      </a:accent5>
+      <a:accent6>
+        <a:srgbClr val="F79646"/>
+      </a:accent6>
+      <a:hlink>
+        <a:srgbClr val="0000FF"/>
+      </a:hlink>
+      <a:folHlink>
+        <a:srgbClr val="800080"/>
+      </a:folHlink>
+    </a:clrScheme>
+    <a:fontScheme name="Office">
+      <a:majorFont>
+        <a:latin typeface="Calibri"/>
+        <a:ea typeface=""/>
+        <a:cs typeface=""/>
+        <a:font script="Jpan" typeface="ＭＳ Ｐゴシック"/>
+        <a:font script="Hang" typeface="맑은 고딕"/>
+        <a:font script="Hans" typeface="宋体"/>
+        <a:font script="Hant" typeface="新細明體"/>
+        <a:font script="Arab" typeface="Times New Roman"/>
+        <a:font script="Hebr" typeface="Times New Roman"/>
+        <a:font script="Thai" typeface="Angsana New"/>
+        <a:font script="Ethi" typeface="Nyala"/>
+        <a:font script="Beng" typeface="Vrinda"/>
+        <a:font script="Gujr" typeface="Shruti"/>
+        <a:font script="Khmr" typeface="MoolBoran"/>
+        <a:font script="Knda" typeface="Tunga"/>
+        <a:font script="Guru" typeface="Raavi"/>
+        <a:font script="Cans" typeface="Euphemia"/>
+        <a:font script="Cher" typeface="Plantagenet Cherokee"/>
+        <a:font script="Yiii" typeface="Microsoft Yi Baiti"/>
+        <a:font script="Tibt" typeface="Microsoft Himalaya"/>
+        <a:font script="Thaa" typeface="MV Boli"/>
+        <a:font script="Deva" typeface="Mangal"/>
+        <a:font script="Telu" typeface="Gautami"/>
+        <a:font script="Taml" typeface="Latha"/>
+        <a:font script="Syrc" typeface="Estrangelo Edessa"/>
+        <a:font script="Orya" typeface="Kalinga"/>
+        <a:font script="Mlym" typeface="Kartika"/>
+        <a:font script="Laoo" typeface="DokChampa"/>
+        <a:font script="Sinh" typeface="Iskoola Pota"/>
+        <a:font script="Mong" typeface="Mongolian Baiti"/>
+        <a:font script="Viet" typeface="Times New Roman"/>
+        <a:font script="Uigh" typeface="Microsoft Uighur"/>
+      </a:majorFont>
+      <a:minorFont>
+        <a:latin typeface="Calibri"/>
+        <a:ea typeface=""/>
+        <a:cs typeface=""/>
+        <a:font script="Jpan" typeface="ＭＳ Ｐゴシック"/>
+        <a:font script="Hang" typeface="맑은 고딕"/>
+        <a:font script="Hans" typeface="宋体"/>
+        <a:font script="Hant" typeface="新細明體"/>
+        <a:font script="Arab" typeface="Arial"/>
+        <a:font script="Hebr" typeface="Arial"/>
+        <a:font script="Thai" typeface="Cordia New"/>
+        <a:font script="Ethi" typeface="Nyala"/>
+        <a:font script="Beng" typeface="Vrinda"/>
+        <a:font script="Gujr" typeface="Shruti"/>
+        <a:font script="Khmr" typeface="DaunPenh"/>
+        <a:font script="Knda" typeface="Tunga"/>
+        <a:font script="Guru" typeface="Raavi"/>
+        <a:font script="Cans" typeface="Euphemia"/>
+        <a:font script="Cher" typeface="Plantagenet Cherokee"/>
+        <a:font script="Yiii" typeface="Microsoft Yi Baiti"/>
+        <a:font script="Tibt" typeface="Microsoft Himalaya"/>
+        <a:font script="Thaa" typeface="MV Boli"/>
+        <a:font script="Deva" typeface="Mangal"/>
+        <a:font script="Telu" typeface="Gautami"/>
+        <a:font script="Taml" typeface="Latha"/>
+        <a:font script="Syrc" typeface="Estrangelo Edessa"/>
+        <a:font script="Orya" typeface="Kalinga"/>
+        <a:font script="Mlym" typeface="Kartika"/>
+        <a:font script="Laoo" typeface="DokChampa"/>
+        <a:font script="Sinh" typeface="Iskoola Pota"/>
+        <a:font script="Mong" typeface="Mongolian Baiti"/>
+        <a:font script="Viet" typeface="Arial"/>
+        <a:font script="Uigh" typeface="Microsoft Uighur"/>
+      </a:minorFont>
+    </a:fontScheme>
+    <a:fmtScheme name="Office">
+      <a:fillStyleLst>
+        <a:solidFill>
+          <a:schemeClr val="phClr"/>
+        </a:solidFill>
+        <a:gradFill rotWithShape="1">
+          <a:gsLst>
+            <a:gs pos="0">
+              <a:schemeClr val="phClr">
+                <a:tint val="50000"/>
+                <a:satMod val="300000"/>
+              </a:schemeClr>
+            </a:gs>
+            <a:gs pos="35000">
+              <a:schemeClr val="phClr">
+                <a:tint val="37000"/>
+                <a:satMod val="300000"/>
+              </a:schemeClr>
+            </a:gs>
+            <a:gs pos="100000">
+              <a:schemeClr val="phClr">
+                <a:tint val="15000"/>
+                <a:satMod val="350000"/>
+              </a:schemeClr>
+            </a:gs>
+          </a:gsLst>
+          <a:lin ang="16200000" scaled="1"/>
+        </a:gradFill>
+        <a:gradFill rotWithShape="1">
+          <a:gsLst>
+            <a:gs pos="0">
+              <a:schemeClr val="phClr">
+                <a:shade val="51000"/>
+                <a:satMod val="130000"/>
+              </a:schemeClr>
+            </a:gs>
+            <a:gs pos="80000">
+              <a:schemeClr val="phClr">
+                <a:shade val="93000"/>
+                <a:satMod val="130000"/>
+              </a:schemeClr>
+            </a:gs>
+            <a:gs pos="100000">
+              <a:schemeClr val="phClr">
+                <a:shade val="94000"/>
+                <a:satMod val="135000"/>
+              </a:schemeClr>
+            </a:gs>
+          </a:gsLst>
+          <a:lin ang="16200000" scaled="0"/>
+        </a:gradFill>
+      </a:fillStyleLst>
+      <a:lnStyleLst>
+        <a:ln w="9525" cap="flat" cmpd="sng" algn="ctr">
+          <a:solidFill>
+            <a:schemeClr val="phClr">
+              <a:shade val="95000"/>
+              <a:satMod val="105000"/>
+            </a:schemeClr>
+          </a:solidFill>
+          <a:prstDash val="solid"/>
+        </a:ln>
+        <a:ln w="25400" cap="flat" cmpd="sng" algn="ctr">
+          <a:solidFill>
+            <a:schemeClr val="phClr"/>
+          </a:solidFill>
+          <a:prstDash val="solid"/>
+        </a:ln>
+        <a:ln w="38100" cap="flat" cmpd="sng" algn="ctr">
+          <a:solidFill>
+            <a:schemeClr val="phClr"/>
+          </a:solidFill>
+          <a:prstDash val="solid"/>
+        </a:ln>
+      </a:lnStyleLst>
+      <a:effectStyleLst>
+        <a:effectStyle>
+          <a:effectLst>
+            <a:outerShdw blurRad="40000" dist="20000" dir="5400000" rotWithShape="0">
+              <a:srgbClr val="000000">
+                <a:alpha val="38000"/>
+              </a:srgbClr>
+            </a:outerShdw>
+          </a:effectLst>
+        </a:effectStyle>
+        <a:effectStyle>
+          <a:effectLst>
+            <a:outerShdw blurRad="40000" dist="23000" dir="5400000" rotWithShape="0">
+              <a:srgbClr val="000000">
+                <a:alpha val="35000"/>
+              </a:srgbClr>
+            </a:outerShdw>
+          </a:effectLst>
+        </a:effectStyle>
+        <a:effectStyle>
+          <a:effectLst>
+            <a:outerShdw blurRad="40000" dist="23000" dir="5400000" rotWithShape="0">
+              <a:srgbClr val="000000">
+                <a:alpha val="35000"/>
+              </a:srgbClr>
+            </a:outerShdw>
+          </a:effectLst>
+          <a:scene3d>
+            <a:camera prst="orthographicFront">
+              <a:rot lat="0" lon="0" rev="0"/>
+            </a:camera>
+            <a:lightRig rig="threePt" dir="t">
+              <a:rot lat="0" lon="0" rev="1200000"/>
+            </a:lightRig>
+          </a:scene3d>
+          <a:sp3d>
+            <a:bevelT w="63500" h="25400"/>
+          </a:sp3d>
+        </a:effectStyle>
+      </a:effectStyleLst>
+      <a:bgFillStyleLst>
+        <a:solidFill>
+          <a:schemeClr val="phClr"/>
+        </a:solidFill>
+        <a:gradFill rotWithShape="1">
+          <a:gsLst>
+            <a:gs pos="0">
+              <a:schemeClr val="phClr">
+                <a:tint val="40000"/>
+                <a:satMod val="350000"/>
+              </a:schemeClr>
+            </a:gs>
+            <a:gs pos="40000">
+              <a:schemeClr val="phClr">
+                <a:tint val="45000"/>
+                <a:shade val="99000"/>
+                <a:satMod val="350000"/>
+              </a:schemeClr>
+            </a:gs>
+            <a:gs pos="100000">
+              <a:schemeClr val="phClr">
+                <a:shade val="20000"/>
+                <a:satMod val="255000"/>
+              </a:schemeClr>
+            </a:gs>
+          </a:gsLst>
+          <a:path path="circle">
+            <a:fillToRect l="50000" t="-80000" r="50000" b="180000"/>
+          </a:path>
+        </a:gradFill>
+        <a:gradFill rotWithShape="1">
+          <a:gsLst>
+            <a:gs pos="0">
+              <a:schemeClr val="phClr">
+                <a:tint val="80000"/>
+                <a:satMod val="300000"/>
+              </a:schemeClr>
+            </a:gs>
+            <a:gs pos="100000">
+              <a:schemeClr val="phClr">
+                <a:shade val="30000"/>
+                <a:satMod val="200000"/>
+              </a:schemeClr>
+            </a:gs>
+          </a:gsLst>
+          <a:path path="circle">
+            <a:fillToRect l="50000" t="50000" r="50000" b="50000"/>
+          </a:path>
+        </a:gradFill>
+      </a:bgFillStyleLst>
+    </a:fmtScheme>
+  </a:themeElements>
+  <a:objectDefaults/>
+  <a:extraClrSchemeLst/>
+</a:theme>
 </file>
--- a/Doc/ProjectPresentation1.pptx
+++ b/Doc/ProjectPresentation1.pptx
@@ -1172,434 +1172,6 @@
       <dsp:cNvGrpSpPr/>
     </dsp:nvGrpSpPr>
     <dsp:grpSpPr/>
-    <dsp:sp modelId="{9CF2904A-95E3-426D-A0E7-D36C77D650C8}">
-      <dsp:nvSpPr>
-        <dsp:cNvPr id="0" name=""/>
-        <dsp:cNvSpPr/>
-      </dsp:nvSpPr>
-      <dsp:spPr>
-        <a:xfrm>
-          <a:off x="758298" y="137165"/>
-          <a:ext cx="3553446" cy="1407493"/>
-        </a:xfrm>
-        <a:prstGeom prst="ellipse">
-          <a:avLst/>
-        </a:prstGeom>
-        <a:solidFill>
-          <a:schemeClr val="accent1">
-            <a:tint val="50000"/>
-            <a:alpha val="40000"/>
-            <a:hueOff val="0"/>
-            <a:satOff val="0"/>
-            <a:lumOff val="0"/>
-            <a:alphaOff val="0"/>
-          </a:schemeClr>
-        </a:solidFill>
-        <a:ln>
-          <a:noFill/>
-        </a:ln>
-        <a:effectLst/>
-      </dsp:spPr>
-      <dsp:style>
-        <a:lnRef idx="0">
-          <a:scrgbClr r="0" g="0" b="0"/>
-        </a:lnRef>
-        <a:fillRef idx="1">
-          <a:scrgbClr r="0" g="0" b="0"/>
-        </a:fillRef>
-        <a:effectRef idx="0">
-          <a:scrgbClr r="0" g="0" b="0"/>
-        </a:effectRef>
-        <a:fontRef idx="minor"/>
-      </dsp:style>
-    </dsp:sp>
-    <dsp:sp modelId="{EA5B7450-7D1F-4252-A574-1CAA4E07FC8D}">
-      <dsp:nvSpPr>
-        <dsp:cNvPr id="0" name=""/>
-        <dsp:cNvSpPr/>
-      </dsp:nvSpPr>
-      <dsp:spPr>
-        <a:xfrm>
-          <a:off x="2216943" y="3288132"/>
-          <a:ext cx="633412" cy="405383"/>
-        </a:xfrm>
-        <a:prstGeom prst="downArrow">
-          <a:avLst/>
-        </a:prstGeom>
-        <a:solidFill>
-          <a:schemeClr val="accent1">
-            <a:tint val="60000"/>
-            <a:hueOff val="0"/>
-            <a:satOff val="0"/>
-            <a:lumOff val="0"/>
-            <a:alphaOff val="0"/>
-          </a:schemeClr>
-        </a:solidFill>
-        <a:ln w="25400" cap="flat" cmpd="sng" algn="ctr">
-          <a:solidFill>
-            <a:schemeClr val="lt1">
-              <a:hueOff val="0"/>
-              <a:satOff val="0"/>
-              <a:lumOff val="0"/>
-              <a:alphaOff val="0"/>
-            </a:schemeClr>
-          </a:solidFill>
-          <a:prstDash val="solid"/>
-        </a:ln>
-        <a:effectLst/>
-      </dsp:spPr>
-      <dsp:style>
-        <a:lnRef idx="2">
-          <a:scrgbClr r="0" g="0" b="0"/>
-        </a:lnRef>
-        <a:fillRef idx="1">
-          <a:scrgbClr r="0" g="0" b="0"/>
-        </a:fillRef>
-        <a:effectRef idx="0">
-          <a:scrgbClr r="0" g="0" b="0"/>
-        </a:effectRef>
-        <a:fontRef idx="minor"/>
-      </dsp:style>
-    </dsp:sp>
-    <dsp:sp modelId="{AED0CA65-6A91-4F55-B1D5-2C93C67A216C}">
-      <dsp:nvSpPr>
-        <dsp:cNvPr id="0" name=""/>
-        <dsp:cNvSpPr/>
-      </dsp:nvSpPr>
-      <dsp:spPr>
-        <a:xfrm>
-          <a:off x="1171088" y="3491097"/>
-          <a:ext cx="2753216" cy="852302"/>
-        </a:xfrm>
-        <a:prstGeom prst="rect">
-          <a:avLst/>
-        </a:prstGeom>
-        <a:noFill/>
-        <a:ln>
-          <a:noFill/>
-        </a:ln>
-        <a:effectLst/>
-      </dsp:spPr>
-      <dsp:style>
-        <a:lnRef idx="0">
-          <a:scrgbClr r="0" g="0" b="0"/>
-        </a:lnRef>
-        <a:fillRef idx="0">
-          <a:scrgbClr r="0" g="0" b="0"/>
-        </a:fillRef>
-        <a:effectRef idx="0">
-          <a:scrgbClr r="0" g="0" b="0"/>
-        </a:effectRef>
-        <a:fontRef idx="minor"/>
-      </dsp:style>
-      <dsp:txBody>
-        <a:bodyPr spcFirstLastPara="0" vert="horz" wrap="square" lIns="227584" tIns="227584" rIns="227584" bIns="227584" numCol="1" spcCol="1270" anchor="ctr" anchorCtr="0">
-          <a:noAutofit/>
-        </a:bodyPr>
-        <a:lstStyle/>
-        <a:p>
-          <a:pPr lvl="0" algn="ctr" defTabSz="1422400">
-            <a:lnSpc>
-              <a:spcPct val="90000"/>
-            </a:lnSpc>
-            <a:spcBef>
-              <a:spcPct val="0"/>
-            </a:spcBef>
-            <a:spcAft>
-              <a:spcPct val="35000"/>
-            </a:spcAft>
-          </a:pPr>
-          <a:r>
-            <a:rPr lang="en-US" sz="3200" kern="1200" dirty="0" smtClean="0"/>
-            <a:t>Database</a:t>
-          </a:r>
-          <a:endParaRPr lang="en-US" sz="1300" kern="1200" dirty="0"/>
-        </a:p>
-      </dsp:txBody>
-      <dsp:txXfrm>
-        <a:off x="1171088" y="3491097"/>
-        <a:ext cx="2753216" cy="852302"/>
-      </dsp:txXfrm>
-    </dsp:sp>
-    <dsp:sp modelId="{2D2081E2-93B7-4D82-B3DD-84A7043B4E30}">
-      <dsp:nvSpPr>
-        <dsp:cNvPr id="0" name=""/>
-        <dsp:cNvSpPr/>
-      </dsp:nvSpPr>
-      <dsp:spPr>
-        <a:xfrm>
-          <a:off x="2082660" y="1907858"/>
-          <a:ext cx="1140142" cy="1140142"/>
-        </a:xfrm>
-        <a:prstGeom prst="ellipse">
-          <a:avLst/>
-        </a:prstGeom>
-        <a:solidFill>
-          <a:schemeClr val="accent1">
-            <a:hueOff val="0"/>
-            <a:satOff val="0"/>
-            <a:lumOff val="0"/>
-            <a:alphaOff val="0"/>
-          </a:schemeClr>
-        </a:solidFill>
-        <a:ln w="25400" cap="flat" cmpd="sng" algn="ctr">
-          <a:solidFill>
-            <a:schemeClr val="lt1">
-              <a:hueOff val="0"/>
-              <a:satOff val="0"/>
-              <a:lumOff val="0"/>
-              <a:alphaOff val="0"/>
-            </a:schemeClr>
-          </a:solidFill>
-          <a:prstDash val="solid"/>
-        </a:ln>
-        <a:effectLst/>
-      </dsp:spPr>
-      <dsp:style>
-        <a:lnRef idx="2">
-          <a:scrgbClr r="0" g="0" b="0"/>
-        </a:lnRef>
-        <a:fillRef idx="1">
-          <a:scrgbClr r="0" g="0" b="0"/>
-        </a:fillRef>
-        <a:effectRef idx="0">
-          <a:scrgbClr r="0" g="0" b="0"/>
-        </a:effectRef>
-        <a:fontRef idx="minor">
-          <a:schemeClr val="lt1"/>
-        </a:fontRef>
-      </dsp:style>
-      <dsp:txBody>
-        <a:bodyPr spcFirstLastPara="0" vert="horz" wrap="square" lIns="30480" tIns="30480" rIns="30480" bIns="30480" numCol="1" spcCol="1270" anchor="ctr" anchorCtr="0">
-          <a:noAutofit/>
-        </a:bodyPr>
-        <a:lstStyle/>
-        <a:p>
-          <a:pPr lvl="0" algn="ctr" defTabSz="1066800">
-            <a:lnSpc>
-              <a:spcPct val="90000"/>
-            </a:lnSpc>
-            <a:spcBef>
-              <a:spcPct val="0"/>
-            </a:spcBef>
-            <a:spcAft>
-              <a:spcPct val="35000"/>
-            </a:spcAft>
-          </a:pPr>
-          <a:r>
-            <a:rPr lang="en-US" sz="2400" kern="1200" dirty="0" smtClean="0"/>
-            <a:t>Other</a:t>
-          </a:r>
-          <a:endParaRPr lang="en-US" sz="2400" kern="1200" dirty="0"/>
-        </a:p>
-      </dsp:txBody>
-      <dsp:txXfrm>
-        <a:off x="2082660" y="1907858"/>
-        <a:ext cx="1140142" cy="1140142"/>
-      </dsp:txXfrm>
-    </dsp:sp>
-    <dsp:sp modelId="{7A545E6C-0F8C-4132-B331-B7ECFC12E3A6}">
-      <dsp:nvSpPr>
-        <dsp:cNvPr id="0" name=""/>
-        <dsp:cNvSpPr/>
-      </dsp:nvSpPr>
-      <dsp:spPr>
-        <a:xfrm>
-          <a:off x="1050152" y="318714"/>
-          <a:ext cx="1902601" cy="1833942"/>
-        </a:xfrm>
-        <a:prstGeom prst="ellipse">
-          <a:avLst/>
-        </a:prstGeom>
-        <a:solidFill>
-          <a:schemeClr val="accent1">
-            <a:hueOff val="0"/>
-            <a:satOff val="0"/>
-            <a:lumOff val="0"/>
-            <a:alphaOff val="0"/>
-          </a:schemeClr>
-        </a:solidFill>
-        <a:ln w="25400" cap="flat" cmpd="sng" algn="ctr">
-          <a:solidFill>
-            <a:schemeClr val="lt1">
-              <a:hueOff val="0"/>
-              <a:satOff val="0"/>
-              <a:lumOff val="0"/>
-              <a:alphaOff val="0"/>
-            </a:schemeClr>
-          </a:solidFill>
-          <a:prstDash val="solid"/>
-        </a:ln>
-        <a:effectLst/>
-      </dsp:spPr>
-      <dsp:style>
-        <a:lnRef idx="2">
-          <a:scrgbClr r="0" g="0" b="0"/>
-        </a:lnRef>
-        <a:fillRef idx="1">
-          <a:scrgbClr r="0" g="0" b="0"/>
-        </a:fillRef>
-        <a:effectRef idx="0">
-          <a:scrgbClr r="0" g="0" b="0"/>
-        </a:effectRef>
-        <a:fontRef idx="minor">
-          <a:schemeClr val="lt1"/>
-        </a:fontRef>
-      </dsp:style>
-      <dsp:txBody>
-        <a:bodyPr spcFirstLastPara="0" vert="horz" wrap="square" lIns="30480" tIns="30480" rIns="30480" bIns="30480" numCol="1" spcCol="1270" anchor="ctr" anchorCtr="0">
-          <a:noAutofit/>
-        </a:bodyPr>
-        <a:lstStyle/>
-        <a:p>
-          <a:pPr lvl="0" algn="ctr" defTabSz="1066800">
-            <a:lnSpc>
-              <a:spcPct val="90000"/>
-            </a:lnSpc>
-            <a:spcBef>
-              <a:spcPct val="0"/>
-            </a:spcBef>
-            <a:spcAft>
-              <a:spcPct val="35000"/>
-            </a:spcAft>
-          </a:pPr>
-          <a:r>
-            <a:rPr lang="en-US" sz="2400" kern="1200" dirty="0" smtClean="0"/>
-            <a:t>Longitude</a:t>
-          </a:r>
-          <a:endParaRPr lang="en-US" sz="2400" kern="1200" dirty="0"/>
-        </a:p>
-      </dsp:txBody>
-      <dsp:txXfrm>
-        <a:off x="1050152" y="318714"/>
-        <a:ext cx="1902601" cy="1833942"/>
-      </dsp:txXfrm>
-    </dsp:sp>
-    <dsp:sp modelId="{C67984F5-77EA-43A6-9D02-299A9C887AB4}">
-      <dsp:nvSpPr>
-        <dsp:cNvPr id="0" name=""/>
-        <dsp:cNvSpPr/>
-      </dsp:nvSpPr>
-      <dsp:spPr>
-        <a:xfrm>
-          <a:off x="2613848" y="304573"/>
-          <a:ext cx="1539055" cy="1524222"/>
-        </a:xfrm>
-        <a:prstGeom prst="ellipse">
-          <a:avLst/>
-        </a:prstGeom>
-        <a:solidFill>
-          <a:schemeClr val="accent1">
-            <a:hueOff val="0"/>
-            <a:satOff val="0"/>
-            <a:lumOff val="0"/>
-            <a:alphaOff val="0"/>
-          </a:schemeClr>
-        </a:solidFill>
-        <a:ln w="25400" cap="flat" cmpd="sng" algn="ctr">
-          <a:solidFill>
-            <a:schemeClr val="lt1">
-              <a:hueOff val="0"/>
-              <a:satOff val="0"/>
-              <a:lumOff val="0"/>
-              <a:alphaOff val="0"/>
-            </a:schemeClr>
-          </a:solidFill>
-          <a:prstDash val="solid"/>
-        </a:ln>
-        <a:effectLst/>
-      </dsp:spPr>
-      <dsp:style>
-        <a:lnRef idx="2">
-          <a:scrgbClr r="0" g="0" b="0"/>
-        </a:lnRef>
-        <a:fillRef idx="1">
-          <a:scrgbClr r="0" g="0" b="0"/>
-        </a:fillRef>
-        <a:effectRef idx="0">
-          <a:scrgbClr r="0" g="0" b="0"/>
-        </a:effectRef>
-        <a:fontRef idx="minor">
-          <a:schemeClr val="lt1"/>
-        </a:fontRef>
-      </dsp:style>
-      <dsp:txBody>
-        <a:bodyPr spcFirstLastPara="0" vert="horz" wrap="square" lIns="30480" tIns="30480" rIns="30480" bIns="30480" numCol="1" spcCol="1270" anchor="ctr" anchorCtr="0">
-          <a:noAutofit/>
-        </a:bodyPr>
-        <a:lstStyle/>
-        <a:p>
-          <a:pPr lvl="0" algn="ctr" defTabSz="1066800">
-            <a:lnSpc>
-              <a:spcPct val="90000"/>
-            </a:lnSpc>
-            <a:spcBef>
-              <a:spcPct val="0"/>
-            </a:spcBef>
-            <a:spcAft>
-              <a:spcPct val="35000"/>
-            </a:spcAft>
-          </a:pPr>
-          <a:r>
-            <a:rPr lang="en-US" sz="2400" kern="1200" dirty="0" smtClean="0"/>
-            <a:t>Latitude</a:t>
-          </a:r>
-          <a:endParaRPr lang="en-US" sz="2400" kern="1200" dirty="0"/>
-        </a:p>
-      </dsp:txBody>
-      <dsp:txXfrm>
-        <a:off x="2613848" y="304573"/>
-        <a:ext cx="1539055" cy="1524222"/>
-      </dsp:txXfrm>
-    </dsp:sp>
-    <dsp:sp modelId="{C135540B-42C5-49CB-93AC-CD61871322B3}">
-      <dsp:nvSpPr>
-        <dsp:cNvPr id="0" name=""/>
-        <dsp:cNvSpPr/>
-      </dsp:nvSpPr>
-      <dsp:spPr>
-        <a:xfrm>
-          <a:off x="607604" y="0"/>
-          <a:ext cx="3850104" cy="3312518"/>
-        </a:xfrm>
-        <a:prstGeom prst="funnel">
-          <a:avLst/>
-        </a:prstGeom>
-        <a:solidFill>
-          <a:schemeClr val="lt1">
-            <a:alpha val="40000"/>
-            <a:hueOff val="0"/>
-            <a:satOff val="0"/>
-            <a:lumOff val="0"/>
-            <a:alphaOff val="0"/>
-          </a:schemeClr>
-        </a:solidFill>
-        <a:ln w="9525" cap="flat" cmpd="sng" algn="ctr">
-          <a:solidFill>
-            <a:schemeClr val="accent1">
-              <a:hueOff val="0"/>
-              <a:satOff val="0"/>
-              <a:lumOff val="0"/>
-              <a:alphaOff val="0"/>
-            </a:schemeClr>
-          </a:solidFill>
-          <a:prstDash val="solid"/>
-        </a:ln>
-        <a:effectLst/>
-      </dsp:spPr>
-      <dsp:style>
-        <a:lnRef idx="1">
-          <a:scrgbClr r="0" g="0" b="0"/>
-        </a:lnRef>
-        <a:fillRef idx="1">
-          <a:scrgbClr r="0" g="0" b="0"/>
-        </a:fillRef>
-        <a:effectRef idx="0">
-          <a:scrgbClr r="0" g="0" b="0"/>
-        </a:effectRef>
-        <a:fontRef idx="minor"/>
-      </dsp:style>
-    </dsp:sp>
   </dsp:spTree>
 </dsp:drawing>
 </file>
@@ -3038,6 +2610,7 @@
           <a:p>
             <a:fld id="{FC597110-14BA-478E-BD7D-E2DC62330425}" type="datetimeFigureOut">
               <a:rPr lang="th-TH" smtClean="0"/>
+              <a:pPr/>
               <a:t>06/09/54</a:t>
             </a:fld>
             <a:endParaRPr lang="th-TH"/>
@@ -3108,6 +2681,7 @@
           <a:p>
             <a:fld id="{F9F50428-D5D7-4D4F-9DF3-E51A5A24EA90}" type="slidenum">
               <a:rPr lang="th-TH" smtClean="0"/>
+              <a:pPr/>
               <a:t>‹#›</a:t>
             </a:fld>
             <a:endParaRPr lang="th-TH"/>
@@ -3377,7 +2951,7 @@
     </p:spTree>
     <p:extLst>
       <p:ext uri="{BB962C8B-B14F-4D97-AF65-F5344CB8AC3E}">
-        <p14:creationId xmlns="" xmlns:p14="http://schemas.microsoft.com/office/powerpoint/2010/main" val="1972029052"/>
+        <p14:creationId xmlns:p14="http://schemas.microsoft.com/office/powerpoint/2010/main" xmlns="" val="1972029052"/>
       </p:ext>
     </p:extLst>
   </p:cSld>
@@ -3587,7 +3161,7 @@
     </p:spTree>
     <p:extLst>
       <p:ext uri="{BB962C8B-B14F-4D97-AF65-F5344CB8AC3E}">
-        <p14:creationId xmlns="" xmlns:p14="http://schemas.microsoft.com/office/powerpoint/2010/main" val="3222338183"/>
+        <p14:creationId xmlns:p14="http://schemas.microsoft.com/office/powerpoint/2010/main" xmlns="" val="3222338183"/>
       </p:ext>
     </p:extLst>
   </p:cSld>
@@ -3648,7 +3222,7 @@
     </p:spTree>
     <p:extLst>
       <p:ext uri="{BB962C8B-B14F-4D97-AF65-F5344CB8AC3E}">
-        <p14:creationId xmlns="" xmlns:p14="http://schemas.microsoft.com/office/powerpoint/2010/main" val="3222338183"/>
+        <p14:creationId xmlns:p14="http://schemas.microsoft.com/office/powerpoint/2010/main" xmlns="" val="3222338183"/>
       </p:ext>
     </p:extLst>
   </p:cSld>
@@ -3839,6 +3413,7 @@
           <a:p>
             <a:fld id="{79D75484-867B-4E37-8BA4-1000EBC5D18A}" type="datetime1">
               <a:rPr lang="en-US" smtClean="0"/>
+              <a:pPr/>
               <a:t>9/6/2011</a:t>
             </a:fld>
             <a:endParaRPr lang="en-US"/>
@@ -3891,7 +3466,7 @@
     </p:spTree>
     <p:extLst>
       <p:ext uri="{BB962C8B-B14F-4D97-AF65-F5344CB8AC3E}">
-        <p14:creationId xmlns="" xmlns:p14="http://schemas.microsoft.com/office/powerpoint/2010/main" val="323588753"/>
+        <p14:creationId xmlns:p14="http://schemas.microsoft.com/office/powerpoint/2010/main" xmlns="" val="323588753"/>
       </p:ext>
     </p:extLst>
   </p:cSld>
@@ -4010,6 +3585,7 @@
           <a:p>
             <a:fld id="{763AA583-1178-4AF0-BCE1-963E0E22340A}" type="datetime1">
               <a:rPr lang="en-US" smtClean="0"/>
+              <a:pPr/>
               <a:t>9/6/2011</a:t>
             </a:fld>
             <a:endParaRPr lang="en-US"/>
@@ -4062,7 +3638,7 @@
     </p:spTree>
     <p:extLst>
       <p:ext uri="{BB962C8B-B14F-4D97-AF65-F5344CB8AC3E}">
-        <p14:creationId xmlns="" xmlns:p14="http://schemas.microsoft.com/office/powerpoint/2010/main" val="2921916018"/>
+        <p14:creationId xmlns:p14="http://schemas.microsoft.com/office/powerpoint/2010/main" xmlns="" val="2921916018"/>
       </p:ext>
     </p:extLst>
   </p:cSld>
@@ -4191,6 +3767,7 @@
           <a:p>
             <a:fld id="{B9252A58-3CE1-454D-A577-0767E3E53F90}" type="datetime1">
               <a:rPr lang="en-US" smtClean="0"/>
+              <a:pPr/>
               <a:t>9/6/2011</a:t>
             </a:fld>
             <a:endParaRPr lang="en-US"/>
@@ -4243,7 +3820,7 @@
     </p:spTree>
     <p:extLst>
       <p:ext uri="{BB962C8B-B14F-4D97-AF65-F5344CB8AC3E}">
-        <p14:creationId xmlns="" xmlns:p14="http://schemas.microsoft.com/office/powerpoint/2010/main" val="3760154480"/>
+        <p14:creationId xmlns:p14="http://schemas.microsoft.com/office/powerpoint/2010/main" xmlns="" val="3760154480"/>
       </p:ext>
     </p:extLst>
   </p:cSld>
@@ -4362,6 +3939,7 @@
           <a:p>
             <a:fld id="{6DCD20FE-B68E-4FD8-84AB-646BC7234C9B}" type="datetime1">
               <a:rPr lang="en-US" smtClean="0"/>
+              <a:pPr/>
               <a:t>9/6/2011</a:t>
             </a:fld>
             <a:endParaRPr lang="en-US"/>
@@ -4414,7 +3992,7 @@
     </p:spTree>
     <p:extLst>
       <p:ext uri="{BB962C8B-B14F-4D97-AF65-F5344CB8AC3E}">
-        <p14:creationId xmlns="" xmlns:p14="http://schemas.microsoft.com/office/powerpoint/2010/main" val="2253544174"/>
+        <p14:creationId xmlns:p14="http://schemas.microsoft.com/office/powerpoint/2010/main" xmlns="" val="2253544174"/>
       </p:ext>
     </p:extLst>
   </p:cSld>
@@ -4609,6 +4187,7 @@
           <a:p>
             <a:fld id="{31B3A666-95CF-4A9F-B45B-A7B0CF56EB97}" type="datetime1">
               <a:rPr lang="en-US" smtClean="0"/>
+              <a:pPr/>
               <a:t>9/6/2011</a:t>
             </a:fld>
             <a:endParaRPr lang="en-US"/>
@@ -4661,7 +4240,7 @@
     </p:spTree>
     <p:extLst>
       <p:ext uri="{BB962C8B-B14F-4D97-AF65-F5344CB8AC3E}">
-        <p14:creationId xmlns="" xmlns:p14="http://schemas.microsoft.com/office/powerpoint/2010/main" val="2280461358"/>
+        <p14:creationId xmlns:p14="http://schemas.microsoft.com/office/powerpoint/2010/main" xmlns="" val="2280461358"/>
       </p:ext>
     </p:extLst>
   </p:cSld>
@@ -4898,6 +4477,7 @@
           <a:p>
             <a:fld id="{6DAC5AFD-AE86-4D08-81AE-74804E6EC034}" type="datetime1">
               <a:rPr lang="en-US" smtClean="0"/>
+              <a:pPr/>
               <a:t>9/6/2011</a:t>
             </a:fld>
             <a:endParaRPr lang="en-US"/>
@@ -4950,7 +4530,7 @@
     </p:spTree>
     <p:extLst>
       <p:ext uri="{BB962C8B-B14F-4D97-AF65-F5344CB8AC3E}">
-        <p14:creationId xmlns="" xmlns:p14="http://schemas.microsoft.com/office/powerpoint/2010/main" val="2314838259"/>
+        <p14:creationId xmlns:p14="http://schemas.microsoft.com/office/powerpoint/2010/main" xmlns="" val="2314838259"/>
       </p:ext>
     </p:extLst>
   </p:cSld>
@@ -5321,6 +4901,7 @@
           <a:p>
             <a:fld id="{36555EC0-221F-44C4-A454-BDA0A9B5CA19}" type="datetime1">
               <a:rPr lang="en-US" smtClean="0"/>
+              <a:pPr/>
               <a:t>9/6/2011</a:t>
             </a:fld>
             <a:endParaRPr lang="en-US"/>
@@ -5373,7 +4954,7 @@
     </p:spTree>
     <p:extLst>
       <p:ext uri="{BB962C8B-B14F-4D97-AF65-F5344CB8AC3E}">
-        <p14:creationId xmlns="" xmlns:p14="http://schemas.microsoft.com/office/powerpoint/2010/main" val="825642813"/>
+        <p14:creationId xmlns:p14="http://schemas.microsoft.com/office/powerpoint/2010/main" xmlns="" val="825642813"/>
       </p:ext>
     </p:extLst>
   </p:cSld>
@@ -5440,6 +5021,7 @@
           <a:p>
             <a:fld id="{121D7E75-1A95-4F15-8F60-81474601E25E}" type="datetime1">
               <a:rPr lang="en-US" smtClean="0"/>
+              <a:pPr/>
               <a:t>9/6/2011</a:t>
             </a:fld>
             <a:endParaRPr lang="en-US"/>
@@ -5492,7 +5074,7 @@
     </p:spTree>
     <p:extLst>
       <p:ext uri="{BB962C8B-B14F-4D97-AF65-F5344CB8AC3E}">
-        <p14:creationId xmlns="" xmlns:p14="http://schemas.microsoft.com/office/powerpoint/2010/main" val="2594057694"/>
+        <p14:creationId xmlns:p14="http://schemas.microsoft.com/office/powerpoint/2010/main" xmlns="" val="2594057694"/>
       </p:ext>
     </p:extLst>
   </p:cSld>
@@ -5536,6 +5118,7 @@
           <a:p>
             <a:fld id="{CF053A9B-032A-4AFC-B30C-465807D77E79}" type="datetime1">
               <a:rPr lang="en-US" smtClean="0"/>
+              <a:pPr/>
               <a:t>9/6/2011</a:t>
             </a:fld>
             <a:endParaRPr lang="en-US"/>
@@ -5588,7 +5171,7 @@
     </p:spTree>
     <p:extLst>
       <p:ext uri="{BB962C8B-B14F-4D97-AF65-F5344CB8AC3E}">
-        <p14:creationId xmlns="" xmlns:p14="http://schemas.microsoft.com/office/powerpoint/2010/main" val="3349367938"/>
+        <p14:creationId xmlns:p14="http://schemas.microsoft.com/office/powerpoint/2010/main" xmlns="" val="3349367938"/>
       </p:ext>
     </p:extLst>
   </p:cSld>
@@ -5814,6 +5397,7 @@
           <a:p>
             <a:fld id="{C9FDAB9D-CC0E-49BB-8F16-14D707B10CDA}" type="datetime1">
               <a:rPr lang="en-US" smtClean="0"/>
+              <a:pPr/>
               <a:t>9/6/2011</a:t>
             </a:fld>
             <a:endParaRPr lang="en-US"/>
@@ -5866,7 +5450,7 @@
     </p:spTree>
     <p:extLst>
       <p:ext uri="{BB962C8B-B14F-4D97-AF65-F5344CB8AC3E}">
-        <p14:creationId xmlns="" xmlns:p14="http://schemas.microsoft.com/office/powerpoint/2010/main" val="2003841279"/>
+        <p14:creationId xmlns:p14="http://schemas.microsoft.com/office/powerpoint/2010/main" xmlns="" val="2003841279"/>
       </p:ext>
     </p:extLst>
   </p:cSld>
@@ -6068,6 +5652,7 @@
           <a:p>
             <a:fld id="{1E791148-3451-47EA-91EE-A44F573B997C}" type="datetime1">
               <a:rPr lang="en-US" smtClean="0"/>
+              <a:pPr/>
               <a:t>9/6/2011</a:t>
             </a:fld>
             <a:endParaRPr lang="en-US"/>
@@ -6120,7 +5705,7 @@
     </p:spTree>
     <p:extLst>
       <p:ext uri="{BB962C8B-B14F-4D97-AF65-F5344CB8AC3E}">
-        <p14:creationId xmlns="" xmlns:p14="http://schemas.microsoft.com/office/powerpoint/2010/main" val="2630436295"/>
+        <p14:creationId xmlns:p14="http://schemas.microsoft.com/office/powerpoint/2010/main" xmlns="" val="2630436295"/>
       </p:ext>
     </p:extLst>
   </p:cSld>
@@ -6308,6 +5893,7 @@
           <a:p>
             <a:fld id="{8ABE2864-D6A5-4A41-B672-84C66EC46C11}" type="datetime1">
               <a:rPr lang="en-US" smtClean="0"/>
+              <a:pPr/>
               <a:t>9/6/2011</a:t>
             </a:fld>
             <a:endParaRPr lang="en-US"/>
@@ -6396,7 +5982,7 @@
     </p:spTree>
     <p:extLst>
       <p:ext uri="{BB962C8B-B14F-4D97-AF65-F5344CB8AC3E}">
-        <p14:creationId xmlns="" xmlns:p14="http://schemas.microsoft.com/office/powerpoint/2010/main" val="775339368"/>
+        <p14:creationId xmlns:p14="http://schemas.microsoft.com/office/powerpoint/2010/main" xmlns="" val="775339368"/>
       </p:ext>
     </p:extLst>
   </p:cSld>
@@ -6859,7 +6445,7 @@
     </p:spTree>
     <p:extLst>
       <p:ext uri="{BB962C8B-B14F-4D97-AF65-F5344CB8AC3E}">
-        <p14:creationId xmlns="" xmlns:p14="http://schemas.microsoft.com/office/powerpoint/2010/main" val="3765382340"/>
+        <p14:creationId xmlns:p14="http://schemas.microsoft.com/office/powerpoint/2010/main" xmlns="" val="3765382340"/>
       </p:ext>
     </p:extLst>
   </p:cSld>
@@ -6867,7 +6453,7 @@
     <a:masterClrMapping/>
   </p:clrMapOvr>
   <mc:AlternateContent xmlns:mc="http://schemas.openxmlformats.org/markup-compatibility/2006">
-    <mc:Choice xmlns="" xmlns:p14="http://schemas.microsoft.com/office/powerpoint/2010/main" Requires="p14">
+    <mc:Choice xmlns:p14="http://schemas.microsoft.com/office/powerpoint/2010/main" xmlns="" Requires="p14">
       <p:transition spd="slow" p14:dur="2000"/>
     </mc:Choice>
     <mc:Fallback>
@@ -7040,7 +6626,7 @@
           <a:blip r:embed="rId2" cstate="print">
             <a:extLst>
               <a:ext uri="{28A0092B-C50C-407E-A947-70E740481C1C}">
-                <a14:useLocalDpi xmlns="" xmlns:a14="http://schemas.microsoft.com/office/drawing/2010/main" val="0"/>
+                <a14:useLocalDpi xmlns:a14="http://schemas.microsoft.com/office/drawing/2010/main" xmlns="" val="0"/>
               </a:ext>
             </a:extLst>
           </a:blip>
@@ -7060,7 +6646,7 @@
           <a:noFill/>
           <a:extLst>
             <a:ext uri="{909E8E84-426E-40DD-AFC4-6F175D3DCCD1}">
-              <a14:hiddenFill xmlns="" xmlns:a14="http://schemas.microsoft.com/office/drawing/2010/main">
+              <a14:hiddenFill xmlns:a14="http://schemas.microsoft.com/office/drawing/2010/main" xmlns="">
                 <a:solidFill>
                   <a:srgbClr val="FFFFFF"/>
                 </a:solidFill>
@@ -7081,7 +6667,7 @@
           <a:blip r:embed="rId3" cstate="print">
             <a:extLst>
               <a:ext uri="{28A0092B-C50C-407E-A947-70E740481C1C}">
-                <a14:useLocalDpi xmlns="" xmlns:a14="http://schemas.microsoft.com/office/drawing/2010/main" val="0"/>
+                <a14:useLocalDpi xmlns:a14="http://schemas.microsoft.com/office/drawing/2010/main" xmlns="" val="0"/>
               </a:ext>
             </a:extLst>
           </a:blip>
@@ -7101,7 +6687,7 @@
           <a:noFill/>
           <a:extLst>
             <a:ext uri="{909E8E84-426E-40DD-AFC4-6F175D3DCCD1}">
-              <a14:hiddenFill xmlns="" xmlns:a14="http://schemas.microsoft.com/office/drawing/2010/main">
+              <a14:hiddenFill xmlns:a14="http://schemas.microsoft.com/office/drawing/2010/main" xmlns="">
                 <a:solidFill>
                   <a:srgbClr val="FFFFFF"/>
                 </a:solidFill>
@@ -7270,7 +6856,7 @@
     </p:spTree>
     <p:extLst>
       <p:ext uri="{BB962C8B-B14F-4D97-AF65-F5344CB8AC3E}">
-        <p14:creationId xmlns="" xmlns:p14="http://schemas.microsoft.com/office/powerpoint/2010/main" val="1312023503"/>
+        <p14:creationId xmlns:p14="http://schemas.microsoft.com/office/powerpoint/2010/main" xmlns="" val="1312023503"/>
       </p:ext>
     </p:extLst>
   </p:cSld>
@@ -7507,7 +7093,7 @@
             <p:ph idx="1"/>
             <p:extLst>
               <p:ext uri="{D42A27DB-BD31-4B8C-83A1-F6EECF244321}">
-                <p14:modId xmlns="" xmlns:p14="http://schemas.microsoft.com/office/powerpoint/2010/main" val="1635963238"/>
+                <p14:modId xmlns:p14="http://schemas.microsoft.com/office/powerpoint/2010/main" xmlns="" val="1635963238"/>
               </p:ext>
             </p:extLst>
           </p:nvPr>
@@ -8054,7 +7640,7 @@
     </p:spTree>
     <p:extLst>
       <p:ext uri="{BB962C8B-B14F-4D97-AF65-F5344CB8AC3E}">
-        <p14:creationId xmlns="" xmlns:p14="http://schemas.microsoft.com/office/powerpoint/2010/main" val="222104164"/>
+        <p14:creationId xmlns:p14="http://schemas.microsoft.com/office/powerpoint/2010/main" xmlns="" val="222104164"/>
       </p:ext>
     </p:extLst>
   </p:cSld>
@@ -8227,7 +7813,7 @@
     </p:spTree>
     <p:extLst>
       <p:ext uri="{BB962C8B-B14F-4D97-AF65-F5344CB8AC3E}">
-        <p14:creationId xmlns="" xmlns:p14="http://schemas.microsoft.com/office/powerpoint/2010/main" val="1630400559"/>
+        <p14:creationId xmlns:p14="http://schemas.microsoft.com/office/powerpoint/2010/main" xmlns="" val="1630400559"/>
       </p:ext>
     </p:extLst>
   </p:cSld>
@@ -8587,7 +8173,7 @@
             <p:ph idx="1"/>
             <p:extLst>
               <p:ext uri="{D42A27DB-BD31-4B8C-83A1-F6EECF244321}">
-                <p14:modId xmlns="" xmlns:p14="http://schemas.microsoft.com/office/powerpoint/2010/main" val="772518842"/>
+                <p14:modId xmlns:p14="http://schemas.microsoft.com/office/powerpoint/2010/main" xmlns="" val="772518842"/>
               </p:ext>
             </p:extLst>
           </p:nvPr>
@@ -8614,7 +8200,7 @@
           <a:blip r:embed="rId7" cstate="print">
             <a:extLst>
               <a:ext uri="{28A0092B-C50C-407E-A947-70E740481C1C}">
-                <a14:useLocalDpi xmlns="" xmlns:a14="http://schemas.microsoft.com/office/drawing/2010/main" val="0"/>
+                <a14:useLocalDpi xmlns:a14="http://schemas.microsoft.com/office/drawing/2010/main" xmlns="" val="0"/>
               </a:ext>
             </a:extLst>
           </a:blip>
@@ -8644,7 +8230,7 @@
           <a:blip r:embed="rId8" cstate="print">
             <a:extLst>
               <a:ext uri="{28A0092B-C50C-407E-A947-70E740481C1C}">
-                <a14:useLocalDpi xmlns="" xmlns:a14="http://schemas.microsoft.com/office/drawing/2010/main" val="0"/>
+                <a14:useLocalDpi xmlns:a14="http://schemas.microsoft.com/office/drawing/2010/main" xmlns="" val="0"/>
               </a:ext>
             </a:extLst>
           </a:blip>
@@ -8664,7 +8250,7 @@
           <a:noFill/>
           <a:extLst>
             <a:ext uri="{909E8E84-426E-40DD-AFC4-6F175D3DCCD1}">
-              <a14:hiddenFill xmlns="" xmlns:a14="http://schemas.microsoft.com/office/drawing/2010/main">
+              <a14:hiddenFill xmlns:a14="http://schemas.microsoft.com/office/drawing/2010/main" xmlns="">
                 <a:solidFill>
                   <a:srgbClr val="FFFFFF"/>
                 </a:solidFill>
@@ -8771,7 +8357,7 @@
     </p:spTree>
     <p:extLst>
       <p:ext uri="{BB962C8B-B14F-4D97-AF65-F5344CB8AC3E}">
-        <p14:creationId xmlns="" xmlns:p14="http://schemas.microsoft.com/office/powerpoint/2010/main" val="1015130875"/>
+        <p14:creationId xmlns:p14="http://schemas.microsoft.com/office/powerpoint/2010/main" xmlns="" val="1015130875"/>
       </p:ext>
     </p:extLst>
   </p:cSld>
@@ -9408,7 +8994,7 @@
           <a:blip r:embed="rId3" cstate="print">
             <a:extLst>
               <a:ext uri="{28A0092B-C50C-407E-A947-70E740481C1C}">
-                <a14:useLocalDpi xmlns="" xmlns:a14="http://schemas.microsoft.com/office/drawing/2010/main" val="0"/>
+                <a14:useLocalDpi xmlns:a14="http://schemas.microsoft.com/office/drawing/2010/main" xmlns="" val="0"/>
               </a:ext>
             </a:extLst>
           </a:blip>
@@ -9428,7 +9014,7 @@
           </a:ln>
           <a:extLst>
             <a:ext uri="{53640926-AAD7-44D8-BBD7-CCE9431645EC}">
-              <a14:shadowObscured xmlns="" xmlns:a14="http://schemas.microsoft.com/office/drawing/2010/main"/>
+              <a14:shadowObscured xmlns:a14="http://schemas.microsoft.com/office/drawing/2010/main" xmlns=""/>
             </a:ext>
           </a:extLst>
         </p:spPr>
@@ -9725,7 +9311,7 @@
     </p:spTree>
     <p:extLst>
       <p:ext uri="{BB962C8B-B14F-4D97-AF65-F5344CB8AC3E}">
-        <p14:creationId xmlns="" xmlns:p14="http://schemas.microsoft.com/office/powerpoint/2010/main" val="315046874"/>
+        <p14:creationId xmlns:p14="http://schemas.microsoft.com/office/powerpoint/2010/main" xmlns="" val="315046874"/>
       </p:ext>
     </p:extLst>
   </p:cSld>
@@ -9906,7 +9492,7 @@
           <a:blip r:embed="rId3" cstate="print">
             <a:extLst>
               <a:ext uri="{28A0092B-C50C-407E-A947-70E740481C1C}">
-                <a14:useLocalDpi xmlns="" xmlns:a14="http://schemas.microsoft.com/office/drawing/2010/main" val="0"/>
+                <a14:useLocalDpi xmlns:a14="http://schemas.microsoft.com/office/drawing/2010/main" xmlns="" val="0"/>
               </a:ext>
             </a:extLst>
           </a:blip>
@@ -9926,7 +9512,7 @@
           </a:ln>
           <a:extLst>
             <a:ext uri="{53640926-AAD7-44D8-BBD7-CCE9431645EC}">
-              <a14:shadowObscured xmlns="" xmlns:a14="http://schemas.microsoft.com/office/drawing/2010/main"/>
+              <a14:shadowObscured xmlns:a14="http://schemas.microsoft.com/office/drawing/2010/main" xmlns=""/>
             </a:ext>
           </a:extLst>
         </p:spPr>
@@ -10291,7 +9877,7 @@
     </p:spTree>
     <p:extLst>
       <p:ext uri="{BB962C8B-B14F-4D97-AF65-F5344CB8AC3E}">
-        <p14:creationId xmlns="" xmlns:p14="http://schemas.microsoft.com/office/powerpoint/2010/main" val="1498823684"/>
+        <p14:creationId xmlns:p14="http://schemas.microsoft.com/office/powerpoint/2010/main" xmlns="" val="1498823684"/>
       </p:ext>
     </p:extLst>
   </p:cSld>
@@ -10517,7 +10103,7 @@
           <a:blip r:embed="rId2" cstate="print">
             <a:extLst>
               <a:ext uri="{28A0092B-C50C-407E-A947-70E740481C1C}">
-                <a14:useLocalDpi xmlns="" xmlns:a14="http://schemas.microsoft.com/office/drawing/2010/main" val="0"/>
+                <a14:useLocalDpi xmlns:a14="http://schemas.microsoft.com/office/drawing/2010/main" xmlns="" val="0"/>
               </a:ext>
             </a:extLst>
           </a:blip>
@@ -10537,7 +10123,7 @@
           </a:ln>
           <a:extLst>
             <a:ext uri="{53640926-AAD7-44D8-BBD7-CCE9431645EC}">
-              <a14:shadowObscured xmlns="" xmlns:a14="http://schemas.microsoft.com/office/drawing/2010/main"/>
+              <a14:shadowObscured xmlns:a14="http://schemas.microsoft.com/office/drawing/2010/main" xmlns=""/>
             </a:ext>
           </a:extLst>
         </p:spPr>
@@ -10886,7 +10472,7 @@
     </p:spTree>
     <p:extLst>
       <p:ext uri="{BB962C8B-B14F-4D97-AF65-F5344CB8AC3E}">
-        <p14:creationId xmlns="" xmlns:p14="http://schemas.microsoft.com/office/powerpoint/2010/main" val="819896303"/>
+        <p14:creationId xmlns:p14="http://schemas.microsoft.com/office/powerpoint/2010/main" xmlns="" val="819896303"/>
       </p:ext>
     </p:extLst>
   </p:cSld>
@@ -11112,7 +10698,7 @@
           <a:blip r:embed="rId2" cstate="print">
             <a:extLst>
               <a:ext uri="{28A0092B-C50C-407E-A947-70E740481C1C}">
-                <a14:useLocalDpi xmlns="" xmlns:a14="http://schemas.microsoft.com/office/drawing/2010/main" val="0"/>
+                <a14:useLocalDpi xmlns:a14="http://schemas.microsoft.com/office/drawing/2010/main" xmlns="" val="0"/>
               </a:ext>
             </a:extLst>
           </a:blip>
@@ -11132,7 +10718,7 @@
           </a:ln>
           <a:extLst>
             <a:ext uri="{53640926-AAD7-44D8-BBD7-CCE9431645EC}">
-              <a14:shadowObscured xmlns="" xmlns:a14="http://schemas.microsoft.com/office/drawing/2010/main"/>
+              <a14:shadowObscured xmlns:a14="http://schemas.microsoft.com/office/drawing/2010/main" xmlns=""/>
             </a:ext>
           </a:extLst>
         </p:spPr>
@@ -11490,7 +11076,7 @@
     </p:spTree>
     <p:extLst>
       <p:ext uri="{BB962C8B-B14F-4D97-AF65-F5344CB8AC3E}">
-        <p14:creationId xmlns="" xmlns:p14="http://schemas.microsoft.com/office/powerpoint/2010/main" val="785686850"/>
+        <p14:creationId xmlns:p14="http://schemas.microsoft.com/office/powerpoint/2010/main" xmlns="" val="785686850"/>
       </p:ext>
     </p:extLst>
   </p:cSld>
@@ -11716,7 +11302,7 @@
           <a:blip r:embed="rId2" cstate="print">
             <a:extLst>
               <a:ext uri="{28A0092B-C50C-407E-A947-70E740481C1C}">
-                <a14:useLocalDpi xmlns="" xmlns:a14="http://schemas.microsoft.com/office/drawing/2010/main" val="0"/>
+                <a14:useLocalDpi xmlns:a14="http://schemas.microsoft.com/office/drawing/2010/main" xmlns="" val="0"/>
               </a:ext>
             </a:extLst>
           </a:blip>
@@ -11736,7 +11322,7 @@
           </a:ln>
           <a:extLst>
             <a:ext uri="{53640926-AAD7-44D8-BBD7-CCE9431645EC}">
-              <a14:shadowObscured xmlns="" xmlns:a14="http://schemas.microsoft.com/office/drawing/2010/main"/>
+              <a14:shadowObscured xmlns:a14="http://schemas.microsoft.com/office/drawing/2010/main" xmlns=""/>
             </a:ext>
           </a:extLst>
         </p:spPr>
@@ -11878,7 +11464,7 @@
             <a:blip r:embed="rId3" cstate="print">
               <a:extLst>
                 <a:ext uri="{28A0092B-C50C-407E-A947-70E740481C1C}">
-                  <a14:useLocalDpi xmlns="" xmlns:a14="http://schemas.microsoft.com/office/drawing/2010/main" val="0"/>
+                  <a14:useLocalDpi xmlns:a14="http://schemas.microsoft.com/office/drawing/2010/main" xmlns="" val="0"/>
                 </a:ext>
               </a:extLst>
             </a:blip>
@@ -12912,7 +12498,7 @@
     </p:spTree>
     <p:extLst>
       <p:ext uri="{BB962C8B-B14F-4D97-AF65-F5344CB8AC3E}">
-        <p14:creationId xmlns="" xmlns:p14="http://schemas.microsoft.com/office/powerpoint/2010/main" val="215749748"/>
+        <p14:creationId xmlns:p14="http://schemas.microsoft.com/office/powerpoint/2010/main" xmlns="" val="215749748"/>
       </p:ext>
     </p:extLst>
   </p:cSld>
@@ -13302,7 +12888,7 @@
     </p:spTree>
     <p:extLst>
       <p:ext uri="{BB962C8B-B14F-4D97-AF65-F5344CB8AC3E}">
-        <p14:creationId xmlns="" xmlns:p14="http://schemas.microsoft.com/office/powerpoint/2010/main" val="4161143384"/>
+        <p14:creationId xmlns:p14="http://schemas.microsoft.com/office/powerpoint/2010/main" xmlns="" val="4161143384"/>
       </p:ext>
     </p:extLst>
   </p:cSld>
@@ -13378,10 +12964,6 @@
               </a:rPr>
               <a:t>51364651</a:t>
             </a:r>
-            <a:endParaRPr lang="en-US" b="1" dirty="0" smtClean="0">
-              <a:latin typeface="Angsana New" pitchFamily="18" charset="-34"/>
-              <a:cs typeface="Angsana New" pitchFamily="18" charset="-34"/>
-            </a:endParaRPr>
           </a:p>
           <a:p>
             <a:pPr algn="ctr">
@@ -13563,10 +13145,31 @@
         </p:nvSpPr>
         <p:spPr/>
         <p:txBody>
-          <a:bodyPr/>
+          <a:bodyPr>
+            <a:normAutofit/>
+          </a:bodyPr>
           <a:lstStyle/>
           <a:p>
-            <a:endParaRPr lang="th-TH" dirty="0"/>
+            <a:r>
+              <a:rPr lang="th-TH" sz="4000" dirty="0" smtClean="0">
+                <a:latin typeface="Angsana New" pitchFamily="18" charset="-34"/>
+                <a:cs typeface="Angsana New" pitchFamily="18" charset="-34"/>
+              </a:rPr>
+              <a:t>ความนิยมในตลาดของโทรศัพท์มือถือ</a:t>
+            </a:r>
+          </a:p>
+          <a:p>
+            <a:r>
+              <a:rPr lang="th-TH" sz="4000" dirty="0" smtClean="0">
+                <a:latin typeface="Angsana New" pitchFamily="18" charset="-34"/>
+                <a:cs typeface="Angsana New" pitchFamily="18" charset="-34"/>
+              </a:rPr>
+              <a:t>ความแปลกใหม่สำหรับโปรแกรมประยุกต์แบบติดต่อกับดาวเทียม</a:t>
+            </a:r>
+            <a:endParaRPr lang="th-TH" sz="4000" dirty="0">
+              <a:latin typeface="Angsana New" pitchFamily="18" charset="-34"/>
+              <a:cs typeface="Angsana New" pitchFamily="18" charset="-34"/>
+            </a:endParaRPr>
           </a:p>
         </p:txBody>
       </p:sp>
@@ -13878,7 +13481,7 @@
     </p:spTree>
     <p:extLst>
       <p:ext uri="{BB962C8B-B14F-4D97-AF65-F5344CB8AC3E}">
-        <p14:creationId xmlns="" xmlns:p14="http://schemas.microsoft.com/office/powerpoint/2010/main" val="96058202"/>
+        <p14:creationId xmlns:p14="http://schemas.microsoft.com/office/powerpoint/2010/main" xmlns="" val="96058202"/>
       </p:ext>
     </p:extLst>
   </p:cSld>
@@ -14088,19 +13691,8 @@
                 <a:latin typeface="Angsana New" pitchFamily="18" charset="-34"/>
                 <a:cs typeface="Angsana New" pitchFamily="18" charset="-34"/>
               </a:rPr>
-              <a:t>สามารถศึกษาค้นคว้า ได้หลาย</a:t>
+              <a:t>สามารถศึกษาค้นคว้า ได้หลายแหล่ง</a:t>
             </a:r>
-            <a:r>
-              <a:rPr lang="th-TH" sz="4000" dirty="0" smtClean="0">
-                <a:latin typeface="Angsana New" pitchFamily="18" charset="-34"/>
-                <a:cs typeface="Angsana New" pitchFamily="18" charset="-34"/>
-              </a:rPr>
-              <a:t>แหล่ง</a:t>
-            </a:r>
-            <a:endParaRPr lang="th-TH" sz="4000" dirty="0" smtClean="0">
-              <a:latin typeface="Angsana New" pitchFamily="18" charset="-34"/>
-              <a:cs typeface="Angsana New" pitchFamily="18" charset="-34"/>
-            </a:endParaRPr>
           </a:p>
           <a:p>
             <a:r>
@@ -14189,7 +13781,7 @@
     </p:spTree>
     <p:extLst>
       <p:ext uri="{BB962C8B-B14F-4D97-AF65-F5344CB8AC3E}">
-        <p14:creationId xmlns="" xmlns:p14="http://schemas.microsoft.com/office/powerpoint/2010/main" val="2837708425"/>
+        <p14:creationId xmlns:p14="http://schemas.microsoft.com/office/powerpoint/2010/main" xmlns="" val="2837708425"/>
       </p:ext>
     </p:extLst>
   </p:cSld>
@@ -14243,7 +13835,7 @@
           <a:blip r:embed="rId2" cstate="print">
             <a:extLst>
               <a:ext uri="{28A0092B-C50C-407E-A947-70E740481C1C}">
-                <a14:useLocalDpi xmlns="" xmlns:a14="http://schemas.microsoft.com/office/drawing/2010/main" val="0"/>
+                <a14:useLocalDpi xmlns:a14="http://schemas.microsoft.com/office/drawing/2010/main" xmlns="" val="0"/>
               </a:ext>
             </a:extLst>
           </a:blip>
@@ -14267,14 +13859,14 @@
           <a:effectLst/>
           <a:extLst>
             <a:ext uri="{909E8E84-426E-40DD-AFC4-6F175D3DCCD1}">
-              <a14:hiddenFill xmlns="" xmlns:a14="http://schemas.microsoft.com/office/drawing/2010/main">
+              <a14:hiddenFill xmlns:a14="http://schemas.microsoft.com/office/drawing/2010/main" xmlns="">
                 <a:solidFill>
                   <a:schemeClr val="accent1"/>
                 </a:solidFill>
               </a14:hiddenFill>
             </a:ext>
             <a:ext uri="{91240B29-F687-4F45-9708-019B960494DF}">
-              <a14:hiddenLine xmlns="" xmlns:a14="http://schemas.microsoft.com/office/drawing/2010/main" w="9525">
+              <a14:hiddenLine xmlns:a14="http://schemas.microsoft.com/office/drawing/2010/main" xmlns="" w="9525">
                 <a:solidFill>
                   <a:schemeClr val="tx1"/>
                 </a:solidFill>
@@ -14284,7 +13876,7 @@
               </a14:hiddenLine>
             </a:ext>
             <a:ext uri="{AF507438-7753-43E0-B8FC-AC1667EBCBE1}">
-              <a14:hiddenEffects xmlns="" xmlns:a14="http://schemas.microsoft.com/office/drawing/2010/main">
+              <a14:hiddenEffects xmlns:a14="http://schemas.microsoft.com/office/drawing/2010/main" xmlns="">
                 <a:effectLst>
                   <a:outerShdw dist="35921" dir="2700000" algn="ctr" rotWithShape="0">
                     <a:schemeClr val="bg2"/>
@@ -14307,7 +13899,7 @@
           <a:blip r:embed="rId3" cstate="print">
             <a:extLst>
               <a:ext uri="{28A0092B-C50C-407E-A947-70E740481C1C}">
-                <a14:useLocalDpi xmlns="" xmlns:a14="http://schemas.microsoft.com/office/drawing/2010/main" val="0"/>
+                <a14:useLocalDpi xmlns:a14="http://schemas.microsoft.com/office/drawing/2010/main" xmlns="" val="0"/>
               </a:ext>
             </a:extLst>
           </a:blip>
@@ -14331,14 +13923,14 @@
           <a:effectLst/>
           <a:extLst>
             <a:ext uri="{909E8E84-426E-40DD-AFC4-6F175D3DCCD1}">
-              <a14:hiddenFill xmlns="" xmlns:a14="http://schemas.microsoft.com/office/drawing/2010/main">
+              <a14:hiddenFill xmlns:a14="http://schemas.microsoft.com/office/drawing/2010/main" xmlns="">
                 <a:solidFill>
                   <a:schemeClr val="accent1"/>
                 </a:solidFill>
               </a14:hiddenFill>
             </a:ext>
             <a:ext uri="{91240B29-F687-4F45-9708-019B960494DF}">
-              <a14:hiddenLine xmlns="" xmlns:a14="http://schemas.microsoft.com/office/drawing/2010/main" w="9525">
+              <a14:hiddenLine xmlns:a14="http://schemas.microsoft.com/office/drawing/2010/main" xmlns="" w="9525">
                 <a:solidFill>
                   <a:schemeClr val="tx1"/>
                 </a:solidFill>
@@ -14348,7 +13940,7 @@
               </a14:hiddenLine>
             </a:ext>
             <a:ext uri="{AF507438-7753-43E0-B8FC-AC1667EBCBE1}">
-              <a14:hiddenEffects xmlns="" xmlns:a14="http://schemas.microsoft.com/office/drawing/2010/main">
+              <a14:hiddenEffects xmlns:a14="http://schemas.microsoft.com/office/drawing/2010/main" xmlns="">
                 <a:effectLst>
                   <a:outerShdw dist="35921" dir="2700000" algn="ctr" rotWithShape="0">
                     <a:schemeClr val="bg2"/>
@@ -14482,7 +14074,7 @@
     </p:spTree>
     <p:extLst>
       <p:ext uri="{BB962C8B-B14F-4D97-AF65-F5344CB8AC3E}">
-        <p14:creationId xmlns="" xmlns:p14="http://schemas.microsoft.com/office/powerpoint/2010/main" val="3576708039"/>
+        <p14:creationId xmlns:p14="http://schemas.microsoft.com/office/powerpoint/2010/main" xmlns="" val="3576708039"/>
       </p:ext>
     </p:extLst>
   </p:cSld>
@@ -14490,7 +14082,7 @@
     <a:masterClrMapping/>
   </p:clrMapOvr>
   <mc:AlternateContent xmlns:mc="http://schemas.openxmlformats.org/markup-compatibility/2006">
-    <mc:Choice xmlns="" xmlns:p14="http://schemas.microsoft.com/office/powerpoint/2010/main" Requires="p14">
+    <mc:Choice xmlns:p14="http://schemas.microsoft.com/office/powerpoint/2010/main" xmlns="" Requires="p14">
       <p:transition spd="slow" p14:dur="2000"/>
     </mc:Choice>
     <mc:Fallback>
@@ -14675,7 +14267,7 @@
             <p:ph idx="1"/>
             <p:extLst>
               <p:ext uri="{D42A27DB-BD31-4B8C-83A1-F6EECF244321}">
-                <p14:modId xmlns="" xmlns:p14="http://schemas.microsoft.com/office/powerpoint/2010/main" val="3948974983"/>
+                <p14:modId xmlns:p14="http://schemas.microsoft.com/office/powerpoint/2010/main" xmlns="" val="3948974983"/>
               </p:ext>
             </p:extLst>
           </p:nvPr>
@@ -15302,7 +14894,7 @@
     </p:spTree>
     <p:extLst>
       <p:ext uri="{BB962C8B-B14F-4D97-AF65-F5344CB8AC3E}">
-        <p14:creationId xmlns="" xmlns:p14="http://schemas.microsoft.com/office/powerpoint/2010/main" val="653064840"/>
+        <p14:creationId xmlns:p14="http://schemas.microsoft.com/office/powerpoint/2010/main" xmlns="" val="653064840"/>
       </p:ext>
     </p:extLst>
   </p:cSld>
@@ -15493,7 +15085,7 @@
     </p:spTree>
     <p:extLst>
       <p:ext uri="{BB962C8B-B14F-4D97-AF65-F5344CB8AC3E}">
-        <p14:creationId xmlns="" xmlns:p14="http://schemas.microsoft.com/office/powerpoint/2010/main" val="1897534785"/>
+        <p14:creationId xmlns:p14="http://schemas.microsoft.com/office/powerpoint/2010/main" xmlns="" val="1897534785"/>
       </p:ext>
     </p:extLst>
   </p:cSld>
@@ -15772,7 +15364,7 @@
     </p:spTree>
     <p:extLst>
       <p:ext uri="{BB962C8B-B14F-4D97-AF65-F5344CB8AC3E}">
-        <p14:creationId xmlns="" xmlns:p14="http://schemas.microsoft.com/office/powerpoint/2010/main" val="3158405881"/>
+        <p14:creationId xmlns:p14="http://schemas.microsoft.com/office/powerpoint/2010/main" xmlns="" val="3158405881"/>
       </p:ext>
     </p:extLst>
   </p:cSld>

--- a/Doc/ProjectPresentation1.pptx
+++ b/Doc/ProjectPresentation1.pptx
@@ -5,31 +5,29 @@
     <p:sldMasterId id="2147483648" r:id="rId1"/>
   </p:sldMasterIdLst>
   <p:notesMasterIdLst>
-    <p:notesMasterId r:id="rId21"/>
+    <p:notesMasterId r:id="rId19"/>
   </p:notesMasterIdLst>
   <p:handoutMasterIdLst>
-    <p:handoutMasterId r:id="rId22"/>
+    <p:handoutMasterId r:id="rId20"/>
   </p:handoutMasterIdLst>
   <p:sldIdLst>
     <p:sldId id="256" r:id="rId2"/>
     <p:sldId id="274" r:id="rId3"/>
     <p:sldId id="275" r:id="rId4"/>
-    <p:sldId id="257" r:id="rId5"/>
-    <p:sldId id="269" r:id="rId6"/>
-    <p:sldId id="268" r:id="rId7"/>
-    <p:sldId id="271" r:id="rId8"/>
-    <p:sldId id="265" r:id="rId9"/>
-    <p:sldId id="270" r:id="rId10"/>
-    <p:sldId id="266" r:id="rId11"/>
-    <p:sldId id="273" r:id="rId12"/>
-    <p:sldId id="267" r:id="rId13"/>
-    <p:sldId id="258" r:id="rId14"/>
-    <p:sldId id="260" r:id="rId15"/>
-    <p:sldId id="262" r:id="rId16"/>
-    <p:sldId id="261" r:id="rId17"/>
-    <p:sldId id="263" r:id="rId18"/>
-    <p:sldId id="264" r:id="rId19"/>
-    <p:sldId id="272" r:id="rId20"/>
+    <p:sldId id="268" r:id="rId5"/>
+    <p:sldId id="265" r:id="rId6"/>
+    <p:sldId id="271" r:id="rId7"/>
+    <p:sldId id="270" r:id="rId8"/>
+    <p:sldId id="266" r:id="rId9"/>
+    <p:sldId id="273" r:id="rId10"/>
+    <p:sldId id="267" r:id="rId11"/>
+    <p:sldId id="258" r:id="rId12"/>
+    <p:sldId id="260" r:id="rId13"/>
+    <p:sldId id="262" r:id="rId14"/>
+    <p:sldId id="261" r:id="rId15"/>
+    <p:sldId id="263" r:id="rId16"/>
+    <p:sldId id="264" r:id="rId17"/>
+    <p:sldId id="272" r:id="rId18"/>
   </p:sldIdLst>
   <p:sldSz cx="9144000" cy="6858000" type="screen4x3"/>
   <p:notesSz cx="6858000" cy="9144000"/>
@@ -1137,15 +1135,15 @@
     </dgm:pt>
   </dgm:ptLst>
   <dgm:cxnLst>
-    <dgm:cxn modelId="{1EC9FBEF-BD93-48BC-BB0C-E3D2D3DE23F2}" srcId="{7622D27D-1418-454B-8843-814A956FD9D1}" destId="{95DC65B9-BC1A-4760-A531-1FC856889EB4}" srcOrd="3" destOrd="0" parTransId="{A8B784AB-1A2C-4088-A443-824CDCB3F757}" sibTransId="{67741F9B-B633-44EF-99A4-44D843F45A36}"/>
+    <dgm:cxn modelId="{BCAE8D34-2DF0-4DF2-80F1-3CA31A184F70}" type="presOf" srcId="{B16CC3DF-6F09-447E-9CAB-0F26C694BF33}" destId="{C67984F5-77EA-43A6-9D02-299A9C887AB4}" srcOrd="0" destOrd="0" presId="urn:microsoft.com/office/officeart/2005/8/layout/funnel1"/>
+    <dgm:cxn modelId="{0BFA8BCD-64BD-4EFF-B899-C8719F8A0E55}" srcId="{7622D27D-1418-454B-8843-814A956FD9D1}" destId="{DC903487-BB82-4DFC-B625-BF85C817133E}" srcOrd="2" destOrd="0" parTransId="{FBB9706C-C441-4FAF-B21F-13CB8C42005C}" sibTransId="{3A0450F4-50FE-4FA7-B739-C1195D3FA9A7}"/>
+    <dgm:cxn modelId="{0147FC70-517A-49A2-A64B-D42D84E7CA6E}" type="presOf" srcId="{76944704-A16E-40A3-8D28-45750423D4AB}" destId="{7A545E6C-0F8C-4132-B331-B7ECFC12E3A6}" srcOrd="0" destOrd="0" presId="urn:microsoft.com/office/officeart/2005/8/layout/funnel1"/>
     <dgm:cxn modelId="{6265AE14-D555-4E97-B629-B39B867113A5}" type="presOf" srcId="{DC903487-BB82-4DFC-B625-BF85C817133E}" destId="{2D2081E2-93B7-4D82-B3DD-84A7043B4E30}" srcOrd="0" destOrd="0" presId="urn:microsoft.com/office/officeart/2005/8/layout/funnel1"/>
-    <dgm:cxn modelId="{BCAE8D34-2DF0-4DF2-80F1-3CA31A184F70}" type="presOf" srcId="{B16CC3DF-6F09-447E-9CAB-0F26C694BF33}" destId="{C67984F5-77EA-43A6-9D02-299A9C887AB4}" srcOrd="0" destOrd="0" presId="urn:microsoft.com/office/officeart/2005/8/layout/funnel1"/>
     <dgm:cxn modelId="{26A19BB3-2B5D-4A8B-9F43-CD9DC2115091}" type="presOf" srcId="{7622D27D-1418-454B-8843-814A956FD9D1}" destId="{7BD4EBA1-C18C-43A4-B814-C8137E3BBEB1}" srcOrd="0" destOrd="0" presId="urn:microsoft.com/office/officeart/2005/8/layout/funnel1"/>
     <dgm:cxn modelId="{C87A493C-5A32-4F48-B471-F15B3B632119}" srcId="{7622D27D-1418-454B-8843-814A956FD9D1}" destId="{B16CC3DF-6F09-447E-9CAB-0F26C694BF33}" srcOrd="0" destOrd="0" parTransId="{A2B03C21-AD22-4A41-B91A-EDBBF4A9E303}" sibTransId="{5B0884FF-B6FC-4D9E-826D-A274B44DC1C5}"/>
+    <dgm:cxn modelId="{C32F4944-87AD-440A-8446-BA7FDD34A189}" type="presOf" srcId="{95DC65B9-BC1A-4760-A531-1FC856889EB4}" destId="{AED0CA65-6A91-4F55-B1D5-2C93C67A216C}" srcOrd="0" destOrd="0" presId="urn:microsoft.com/office/officeart/2005/8/layout/funnel1"/>
+    <dgm:cxn modelId="{1EC9FBEF-BD93-48BC-BB0C-E3D2D3DE23F2}" srcId="{7622D27D-1418-454B-8843-814A956FD9D1}" destId="{95DC65B9-BC1A-4760-A531-1FC856889EB4}" srcOrd="3" destOrd="0" parTransId="{A8B784AB-1A2C-4088-A443-824CDCB3F757}" sibTransId="{67741F9B-B633-44EF-99A4-44D843F45A36}"/>
     <dgm:cxn modelId="{2114F41E-B164-4555-8679-582A2790C4D7}" srcId="{7622D27D-1418-454B-8843-814A956FD9D1}" destId="{76944704-A16E-40A3-8D28-45750423D4AB}" srcOrd="1" destOrd="0" parTransId="{4C9ED8B0-9A97-497C-B9E1-739F3EF399DD}" sibTransId="{EDA11C35-0ABC-482C-B1A8-EDECC8460B99}"/>
-    <dgm:cxn modelId="{0147FC70-517A-49A2-A64B-D42D84E7CA6E}" type="presOf" srcId="{76944704-A16E-40A3-8D28-45750423D4AB}" destId="{7A545E6C-0F8C-4132-B331-B7ECFC12E3A6}" srcOrd="0" destOrd="0" presId="urn:microsoft.com/office/officeart/2005/8/layout/funnel1"/>
-    <dgm:cxn modelId="{0BFA8BCD-64BD-4EFF-B899-C8719F8A0E55}" srcId="{7622D27D-1418-454B-8843-814A956FD9D1}" destId="{DC903487-BB82-4DFC-B625-BF85C817133E}" srcOrd="2" destOrd="0" parTransId="{FBB9706C-C441-4FAF-B21F-13CB8C42005C}" sibTransId="{3A0450F4-50FE-4FA7-B739-C1195D3FA9A7}"/>
-    <dgm:cxn modelId="{C32F4944-87AD-440A-8446-BA7FDD34A189}" type="presOf" srcId="{95DC65B9-BC1A-4760-A531-1FC856889EB4}" destId="{AED0CA65-6A91-4F55-B1D5-2C93C67A216C}" srcOrd="0" destOrd="0" presId="urn:microsoft.com/office/officeart/2005/8/layout/funnel1"/>
     <dgm:cxn modelId="{4C8EBBD5-3527-4D0E-A55C-9D5FC5B226C0}" type="presParOf" srcId="{7BD4EBA1-C18C-43A4-B814-C8137E3BBEB1}" destId="{9CF2904A-95E3-426D-A0E7-D36C77D650C8}" srcOrd="0" destOrd="0" presId="urn:microsoft.com/office/officeart/2005/8/layout/funnel1"/>
     <dgm:cxn modelId="{F73DA345-643B-4594-82F9-9CD6AB01601B}" type="presParOf" srcId="{7BD4EBA1-C18C-43A4-B814-C8137E3BBEB1}" destId="{EA5B7450-7D1F-4252-A574-1CAA4E07FC8D}" srcOrd="1" destOrd="0" presId="urn:microsoft.com/office/officeart/2005/8/layout/funnel1"/>
     <dgm:cxn modelId="{9D6A8A07-0890-4B25-BE1D-C677BDE37E75}" type="presParOf" srcId="{7BD4EBA1-C18C-43A4-B814-C8137E3BBEB1}" destId="{AED0CA65-6A91-4F55-B1D5-2C93C67A216C}" srcOrd="2" destOrd="0" presId="urn:microsoft.com/office/officeart/2005/8/layout/funnel1"/>
@@ -1158,14 +1156,14 @@
   <dgm:whole/>
   <dgm:extLst>
     <a:ext uri="http://schemas.microsoft.com/office/drawing/2008/diagram">
-      <dsp:dataModelExt xmlns:dsp="http://schemas.microsoft.com/office/drawing/2008/diagram" xmlns="" relId="rId6" minVer="http://schemas.openxmlformats.org/drawingml/2006/diagram"/>
+      <dsp:dataModelExt xmlns:dsp="http://schemas.microsoft.com/office/drawing/2008/diagram" relId="rId6" minVer="http://schemas.openxmlformats.org/drawingml/2006/diagram"/>
     </a:ext>
   </dgm:extLst>
 </dgm:dataModel>
 </file>
 
 <file path=ppt/diagrams/drawing1.xml><?xml version="1.0" encoding="utf-8"?>
-<dsp:drawing xmlns:dgm="http://schemas.openxmlformats.org/drawingml/2006/diagram" xmlns:a="http://schemas.openxmlformats.org/drawingml/2006/main" xmlns:dsp="http://schemas.microsoft.com/office/drawing/2008/diagram">
+<dsp:drawing xmlns:dgm="http://schemas.openxmlformats.org/drawingml/2006/diagram" xmlns:dsp="http://schemas.microsoft.com/office/drawing/2008/diagram" xmlns:a="http://schemas.openxmlformats.org/drawingml/2006/main">
   <dsp:spTree>
     <dsp:nvGrpSpPr>
       <dsp:cNvPr id="0" name=""/>
@@ -1394,8 +1392,8 @@
         </a:p>
       </dsp:txBody>
       <dsp:txXfrm>
-        <a:off x="2082660" y="1907858"/>
-        <a:ext cx="1140142" cy="1140142"/>
+        <a:off x="2249630" y="2074828"/>
+        <a:ext cx="806202" cy="806202"/>
       </dsp:txXfrm>
     </dsp:sp>
     <dsp:sp modelId="{7A545E6C-0F8C-4132-B331-B7ECFC12E3A6}">
@@ -1471,8 +1469,8 @@
         </a:p>
       </dsp:txBody>
       <dsp:txXfrm>
-        <a:off x="1050152" y="318714"/>
-        <a:ext cx="1902601" cy="1833942"/>
+        <a:off x="1328781" y="587289"/>
+        <a:ext cx="1345343" cy="1296792"/>
       </dsp:txXfrm>
     </dsp:sp>
     <dsp:sp modelId="{C67984F5-77EA-43A6-9D02-299A9C887AB4}">
@@ -1548,8 +1546,8 @@
         </a:p>
       </dsp:txBody>
       <dsp:txXfrm>
-        <a:off x="2613848" y="304573"/>
-        <a:ext cx="1539055" cy="1524222"/>
+        <a:off x="2839237" y="527790"/>
+        <a:ext cx="1088277" cy="1077788"/>
       </dsp:txXfrm>
     </dsp:sp>
     <dsp:sp modelId="{C135540B-42C5-49CB-93AC-CD61871322B3}">
@@ -3038,7 +3036,7 @@
           <a:p>
             <a:fld id="{FC597110-14BA-478E-BD7D-E2DC62330425}" type="datetimeFigureOut">
               <a:rPr lang="th-TH" smtClean="0"/>
-              <a:t>06/09/54</a:t>
+              <a:t>09/09/54</a:t>
             </a:fld>
             <a:endParaRPr lang="th-TH"/>
           </a:p>
@@ -3115,6 +3113,11 @@
         </p:txBody>
       </p:sp>
     </p:spTree>
+    <p:extLst>
+      <p:ext uri="{BB962C8B-B14F-4D97-AF65-F5344CB8AC3E}">
+        <p14:creationId xmlns:p14="http://schemas.microsoft.com/office/powerpoint/2010/main" val="599538280"/>
+      </p:ext>
+    </p:extLst>
   </p:cSld>
   <p:clrMap bg1="lt1" tx1="dk1" bg2="lt2" tx2="dk2" accent1="accent1" accent2="accent2" accent3="accent3" accent4="accent4" accent5="accent5" accent6="accent6" hlink="hlink" folHlink="folHlink"/>
   <p:hf sldNum="0" hdr="0" ftr="0" dt="0"/>
@@ -3204,7 +3207,7 @@
             <a:fld id="{8529C4BC-B2A5-4433-83F8-57753B4C3B20}" type="datetimeFigureOut">
               <a:rPr lang="en-US" smtClean="0"/>
               <a:pPr/>
-              <a:t>9/6/2011</a:t>
+              <a:t>9/9/2011</a:t>
             </a:fld>
             <a:endParaRPr lang="en-US"/>
           </a:p>
@@ -3377,7 +3380,7 @@
     </p:spTree>
     <p:extLst>
       <p:ext uri="{BB962C8B-B14F-4D97-AF65-F5344CB8AC3E}">
-        <p14:creationId xmlns="" xmlns:p14="http://schemas.microsoft.com/office/powerpoint/2010/main" val="1972029052"/>
+        <p14:creationId xmlns:p14="http://schemas.microsoft.com/office/powerpoint/2010/main" val="1972029052"/>
       </p:ext>
     </p:extLst>
   </p:cSld>
@@ -3587,7 +3590,7 @@
     </p:spTree>
     <p:extLst>
       <p:ext uri="{BB962C8B-B14F-4D97-AF65-F5344CB8AC3E}">
-        <p14:creationId xmlns="" xmlns:p14="http://schemas.microsoft.com/office/powerpoint/2010/main" val="3222338183"/>
+        <p14:creationId xmlns:p14="http://schemas.microsoft.com/office/powerpoint/2010/main" val="3222338183"/>
       </p:ext>
     </p:extLst>
   </p:cSld>
@@ -3648,7 +3651,7 @@
     </p:spTree>
     <p:extLst>
       <p:ext uri="{BB962C8B-B14F-4D97-AF65-F5344CB8AC3E}">
-        <p14:creationId xmlns="" xmlns:p14="http://schemas.microsoft.com/office/powerpoint/2010/main" val="3222338183"/>
+        <p14:creationId xmlns:p14="http://schemas.microsoft.com/office/powerpoint/2010/main" val="3222338183"/>
       </p:ext>
     </p:extLst>
   </p:cSld>
@@ -3839,7 +3842,7 @@
           <a:p>
             <a:fld id="{79D75484-867B-4E37-8BA4-1000EBC5D18A}" type="datetime1">
               <a:rPr lang="en-US" smtClean="0"/>
-              <a:t>9/6/2011</a:t>
+              <a:t>9/9/2011</a:t>
             </a:fld>
             <a:endParaRPr lang="en-US"/>
           </a:p>
@@ -3891,7 +3894,7 @@
     </p:spTree>
     <p:extLst>
       <p:ext uri="{BB962C8B-B14F-4D97-AF65-F5344CB8AC3E}">
-        <p14:creationId xmlns="" xmlns:p14="http://schemas.microsoft.com/office/powerpoint/2010/main" val="323588753"/>
+        <p14:creationId xmlns:p14="http://schemas.microsoft.com/office/powerpoint/2010/main" val="323588753"/>
       </p:ext>
     </p:extLst>
   </p:cSld>
@@ -4010,7 +4013,7 @@
           <a:p>
             <a:fld id="{763AA583-1178-4AF0-BCE1-963E0E22340A}" type="datetime1">
               <a:rPr lang="en-US" smtClean="0"/>
-              <a:t>9/6/2011</a:t>
+              <a:t>9/9/2011</a:t>
             </a:fld>
             <a:endParaRPr lang="en-US"/>
           </a:p>
@@ -4062,7 +4065,7 @@
     </p:spTree>
     <p:extLst>
       <p:ext uri="{BB962C8B-B14F-4D97-AF65-F5344CB8AC3E}">
-        <p14:creationId xmlns="" xmlns:p14="http://schemas.microsoft.com/office/powerpoint/2010/main" val="2921916018"/>
+        <p14:creationId xmlns:p14="http://schemas.microsoft.com/office/powerpoint/2010/main" val="2921916018"/>
       </p:ext>
     </p:extLst>
   </p:cSld>
@@ -4191,7 +4194,7 @@
           <a:p>
             <a:fld id="{B9252A58-3CE1-454D-A577-0767E3E53F90}" type="datetime1">
               <a:rPr lang="en-US" smtClean="0"/>
-              <a:t>9/6/2011</a:t>
+              <a:t>9/9/2011</a:t>
             </a:fld>
             <a:endParaRPr lang="en-US"/>
           </a:p>
@@ -4243,7 +4246,7 @@
     </p:spTree>
     <p:extLst>
       <p:ext uri="{BB962C8B-B14F-4D97-AF65-F5344CB8AC3E}">
-        <p14:creationId xmlns="" xmlns:p14="http://schemas.microsoft.com/office/powerpoint/2010/main" val="3760154480"/>
+        <p14:creationId xmlns:p14="http://schemas.microsoft.com/office/powerpoint/2010/main" val="3760154480"/>
       </p:ext>
     </p:extLst>
   </p:cSld>
@@ -4362,7 +4365,7 @@
           <a:p>
             <a:fld id="{6DCD20FE-B68E-4FD8-84AB-646BC7234C9B}" type="datetime1">
               <a:rPr lang="en-US" smtClean="0"/>
-              <a:t>9/6/2011</a:t>
+              <a:t>9/9/2011</a:t>
             </a:fld>
             <a:endParaRPr lang="en-US"/>
           </a:p>
@@ -4414,7 +4417,7 @@
     </p:spTree>
     <p:extLst>
       <p:ext uri="{BB962C8B-B14F-4D97-AF65-F5344CB8AC3E}">
-        <p14:creationId xmlns="" xmlns:p14="http://schemas.microsoft.com/office/powerpoint/2010/main" val="2253544174"/>
+        <p14:creationId xmlns:p14="http://schemas.microsoft.com/office/powerpoint/2010/main" val="2253544174"/>
       </p:ext>
     </p:extLst>
   </p:cSld>
@@ -4609,7 +4612,7 @@
           <a:p>
             <a:fld id="{31B3A666-95CF-4A9F-B45B-A7B0CF56EB97}" type="datetime1">
               <a:rPr lang="en-US" smtClean="0"/>
-              <a:t>9/6/2011</a:t>
+              <a:t>9/9/2011</a:t>
             </a:fld>
             <a:endParaRPr lang="en-US"/>
           </a:p>
@@ -4661,7 +4664,7 @@
     </p:spTree>
     <p:extLst>
       <p:ext uri="{BB962C8B-B14F-4D97-AF65-F5344CB8AC3E}">
-        <p14:creationId xmlns="" xmlns:p14="http://schemas.microsoft.com/office/powerpoint/2010/main" val="2280461358"/>
+        <p14:creationId xmlns:p14="http://schemas.microsoft.com/office/powerpoint/2010/main" val="2280461358"/>
       </p:ext>
     </p:extLst>
   </p:cSld>
@@ -4898,7 +4901,7 @@
           <a:p>
             <a:fld id="{6DAC5AFD-AE86-4D08-81AE-74804E6EC034}" type="datetime1">
               <a:rPr lang="en-US" smtClean="0"/>
-              <a:t>9/6/2011</a:t>
+              <a:t>9/9/2011</a:t>
             </a:fld>
             <a:endParaRPr lang="en-US"/>
           </a:p>
@@ -4950,7 +4953,7 @@
     </p:spTree>
     <p:extLst>
       <p:ext uri="{BB962C8B-B14F-4D97-AF65-F5344CB8AC3E}">
-        <p14:creationId xmlns="" xmlns:p14="http://schemas.microsoft.com/office/powerpoint/2010/main" val="2314838259"/>
+        <p14:creationId xmlns:p14="http://schemas.microsoft.com/office/powerpoint/2010/main" val="2314838259"/>
       </p:ext>
     </p:extLst>
   </p:cSld>
@@ -5321,7 +5324,7 @@
           <a:p>
             <a:fld id="{36555EC0-221F-44C4-A454-BDA0A9B5CA19}" type="datetime1">
               <a:rPr lang="en-US" smtClean="0"/>
-              <a:t>9/6/2011</a:t>
+              <a:t>9/9/2011</a:t>
             </a:fld>
             <a:endParaRPr lang="en-US"/>
           </a:p>
@@ -5373,7 +5376,7 @@
     </p:spTree>
     <p:extLst>
       <p:ext uri="{BB962C8B-B14F-4D97-AF65-F5344CB8AC3E}">
-        <p14:creationId xmlns="" xmlns:p14="http://schemas.microsoft.com/office/powerpoint/2010/main" val="825642813"/>
+        <p14:creationId xmlns:p14="http://schemas.microsoft.com/office/powerpoint/2010/main" val="825642813"/>
       </p:ext>
     </p:extLst>
   </p:cSld>
@@ -5440,7 +5443,7 @@
           <a:p>
             <a:fld id="{121D7E75-1A95-4F15-8F60-81474601E25E}" type="datetime1">
               <a:rPr lang="en-US" smtClean="0"/>
-              <a:t>9/6/2011</a:t>
+              <a:t>9/9/2011</a:t>
             </a:fld>
             <a:endParaRPr lang="en-US"/>
           </a:p>
@@ -5492,7 +5495,7 @@
     </p:spTree>
     <p:extLst>
       <p:ext uri="{BB962C8B-B14F-4D97-AF65-F5344CB8AC3E}">
-        <p14:creationId xmlns="" xmlns:p14="http://schemas.microsoft.com/office/powerpoint/2010/main" val="2594057694"/>
+        <p14:creationId xmlns:p14="http://schemas.microsoft.com/office/powerpoint/2010/main" val="2594057694"/>
       </p:ext>
     </p:extLst>
   </p:cSld>
@@ -5536,7 +5539,7 @@
           <a:p>
             <a:fld id="{CF053A9B-032A-4AFC-B30C-465807D77E79}" type="datetime1">
               <a:rPr lang="en-US" smtClean="0"/>
-              <a:t>9/6/2011</a:t>
+              <a:t>9/9/2011</a:t>
             </a:fld>
             <a:endParaRPr lang="en-US"/>
           </a:p>
@@ -5588,7 +5591,7 @@
     </p:spTree>
     <p:extLst>
       <p:ext uri="{BB962C8B-B14F-4D97-AF65-F5344CB8AC3E}">
-        <p14:creationId xmlns="" xmlns:p14="http://schemas.microsoft.com/office/powerpoint/2010/main" val="3349367938"/>
+        <p14:creationId xmlns:p14="http://schemas.microsoft.com/office/powerpoint/2010/main" val="3349367938"/>
       </p:ext>
     </p:extLst>
   </p:cSld>
@@ -5814,7 +5817,7 @@
           <a:p>
             <a:fld id="{C9FDAB9D-CC0E-49BB-8F16-14D707B10CDA}" type="datetime1">
               <a:rPr lang="en-US" smtClean="0"/>
-              <a:t>9/6/2011</a:t>
+              <a:t>9/9/2011</a:t>
             </a:fld>
             <a:endParaRPr lang="en-US"/>
           </a:p>
@@ -5866,7 +5869,7 @@
     </p:spTree>
     <p:extLst>
       <p:ext uri="{BB962C8B-B14F-4D97-AF65-F5344CB8AC3E}">
-        <p14:creationId xmlns="" xmlns:p14="http://schemas.microsoft.com/office/powerpoint/2010/main" val="2003841279"/>
+        <p14:creationId xmlns:p14="http://schemas.microsoft.com/office/powerpoint/2010/main" val="2003841279"/>
       </p:ext>
     </p:extLst>
   </p:cSld>
@@ -6068,7 +6071,7 @@
           <a:p>
             <a:fld id="{1E791148-3451-47EA-91EE-A44F573B997C}" type="datetime1">
               <a:rPr lang="en-US" smtClean="0"/>
-              <a:t>9/6/2011</a:t>
+              <a:t>9/9/2011</a:t>
             </a:fld>
             <a:endParaRPr lang="en-US"/>
           </a:p>
@@ -6120,7 +6123,7 @@
     </p:spTree>
     <p:extLst>
       <p:ext uri="{BB962C8B-B14F-4D97-AF65-F5344CB8AC3E}">
-        <p14:creationId xmlns="" xmlns:p14="http://schemas.microsoft.com/office/powerpoint/2010/main" val="2630436295"/>
+        <p14:creationId xmlns:p14="http://schemas.microsoft.com/office/powerpoint/2010/main" val="2630436295"/>
       </p:ext>
     </p:extLst>
   </p:cSld>
@@ -6308,7 +6311,7 @@
           <a:p>
             <a:fld id="{8ABE2864-D6A5-4A41-B672-84C66EC46C11}" type="datetime1">
               <a:rPr lang="en-US" smtClean="0"/>
-              <a:t>9/6/2011</a:t>
+              <a:t>9/9/2011</a:t>
             </a:fld>
             <a:endParaRPr lang="en-US"/>
           </a:p>
@@ -6396,7 +6399,7 @@
     </p:spTree>
     <p:extLst>
       <p:ext uri="{BB962C8B-B14F-4D97-AF65-F5344CB8AC3E}">
-        <p14:creationId xmlns="" xmlns:p14="http://schemas.microsoft.com/office/powerpoint/2010/main" val="775339368"/>
+        <p14:creationId xmlns:p14="http://schemas.microsoft.com/office/powerpoint/2010/main" val="775339368"/>
       </p:ext>
     </p:extLst>
   </p:cSld>
@@ -6674,12 +6677,12 @@
     <p:bg>
       <p:bgPr>
         <a:blipFill dpi="0" rotWithShape="1">
-          <a:blip r:embed="rId3" cstate="print">
+          <a:blip r:embed="rId3">
             <a:lum/>
           </a:blip>
           <a:srcRect/>
           <a:stretch>
-            <a:fillRect t="-50000" b="-50000"/>
+            <a:fillRect t="-3000" b="-3000"/>
           </a:stretch>
         </a:blipFill>
         <a:effectLst/>
@@ -6711,7 +6714,7 @@
         </p:nvSpPr>
         <p:spPr>
           <a:xfrm>
-            <a:off x="685800" y="-76200"/>
+            <a:off x="685800" y="685800"/>
             <a:ext cx="6553200" cy="2971800"/>
           </a:xfrm>
           <a:ln>
@@ -6743,7 +6746,7 @@
           <a:lstStyle/>
           <a:p>
             <a:r>
-              <a:rPr lang="th-TH" sz="6000" b="1" spc="50" smtClean="0">
+              <a:rPr lang="th-TH" sz="6000" b="1" spc="50" dirty="0" smtClean="0">
                 <a:ln w="13500">
                   <a:solidFill>
                     <a:schemeClr val="accent1">
@@ -6859,18 +6862,18 @@
     </p:spTree>
     <p:extLst>
       <p:ext uri="{BB962C8B-B14F-4D97-AF65-F5344CB8AC3E}">
-        <p14:creationId xmlns="" xmlns:p14="http://schemas.microsoft.com/office/powerpoint/2010/main" val="3765382340"/>
+        <p14:creationId xmlns:p14="http://schemas.microsoft.com/office/powerpoint/2010/main" val="3765382340"/>
       </p:ext>
     </p:extLst>
   </p:cSld>
   <p:clrMapOvr>
     <a:masterClrMapping/>
   </p:clrMapOvr>
-  <mc:AlternateContent xmlns:mc="http://schemas.openxmlformats.org/markup-compatibility/2006">
-    <mc:Choice xmlns="" xmlns:p14="http://schemas.microsoft.com/office/powerpoint/2010/main" Requires="p14">
+  <mc:AlternateContent xmlns:mc="http://schemas.openxmlformats.org/markup-compatibility/2006" xmlns:p14="http://schemas.microsoft.com/office/powerpoint/2010/main">
+    <mc:Choice Requires="p14">
       <p:transition spd="slow" p14:dur="2000"/>
     </mc:Choice>
-    <mc:Fallback>
+    <mc:Fallback xmlns="">
       <p:transition spd="slow"/>
     </mc:Fallback>
   </mc:AlternateContent>
@@ -6982,7 +6985,7 @@
       </p:grpSpPr>
       <p:sp>
         <p:nvSpPr>
-          <p:cNvPr id="4" name="Title 3"/>
+          <p:cNvPr id="2" name="Title 1"/>
           <p:cNvSpPr>
             <a:spLocks noGrp="1"/>
           </p:cNvSpPr>
@@ -6997,7 +7000,7 @@
           <a:p>
             <a:r>
               <a:rPr lang="th-TH" b="1" dirty="0" smtClean="0"/>
-              <a:t>แตกต่างจากโปรแกรมอื่นๆอย่างไร</a:t>
+              <a:t>ความสามารถของโปรแกรม</a:t>
             </a:r>
             <a:endParaRPr lang="en-US" b="1" dirty="0"/>
           </a:p>
@@ -7005,7 +7008,7 @@
       </p:sp>
       <p:sp>
         <p:nvSpPr>
-          <p:cNvPr id="5" name="Content Placeholder 4"/>
+          <p:cNvPr id="3" name="Content Placeholder 2"/>
           <p:cNvSpPr>
             <a:spLocks noGrp="1"/>
           </p:cNvSpPr>
@@ -7015,190 +7018,46 @@
         </p:nvSpPr>
         <p:spPr/>
         <p:txBody>
-          <a:bodyPr/>
-          <a:lstStyle/>
-          <a:p>
-            <a:pPr marL="0" indent="0">
-              <a:buNone/>
-            </a:pPr>
-            <a:endParaRPr lang="th-TH" dirty="0" smtClean="0"/>
-          </a:p>
-          <a:p>
-            <a:endParaRPr lang="en-US" dirty="0"/>
-          </a:p>
-        </p:txBody>
-      </p:sp>
-      <p:pic>
-        <p:nvPicPr>
-          <p:cNvPr id="1027" name="Picture 3" descr="C:\Users\JOeCole\Desktop\image2.png"/>
-          <p:cNvPicPr>
-            <a:picLocks noChangeAspect="1" noChangeArrowheads="1"/>
-          </p:cNvPicPr>
-          <p:nvPr/>
-        </p:nvPicPr>
-        <p:blipFill>
-          <a:blip r:embed="rId2" cstate="print">
-            <a:extLst>
-              <a:ext uri="{28A0092B-C50C-407E-A947-70E740481C1C}">
-                <a14:useLocalDpi xmlns="" xmlns:a14="http://schemas.microsoft.com/office/drawing/2010/main" val="0"/>
-              </a:ext>
-            </a:extLst>
-          </a:blip>
-          <a:srcRect/>
-          <a:stretch>
-            <a:fillRect/>
-          </a:stretch>
-        </p:blipFill>
-        <p:spPr bwMode="auto">
-          <a:xfrm>
-            <a:off x="685800" y="3276600"/>
-            <a:ext cx="1331495" cy="2368952"/>
-          </a:xfrm>
-          <a:prstGeom prst="rect">
-            <a:avLst/>
-          </a:prstGeom>
-          <a:noFill/>
-          <a:extLst>
-            <a:ext uri="{909E8E84-426E-40DD-AFC4-6F175D3DCCD1}">
-              <a14:hiddenFill xmlns="" xmlns:a14="http://schemas.microsoft.com/office/drawing/2010/main">
-                <a:solidFill>
-                  <a:srgbClr val="FFFFFF"/>
-                </a:solidFill>
-              </a14:hiddenFill>
-            </a:ext>
-          </a:extLst>
-        </p:spPr>
-      </p:pic>
-      <p:pic>
-        <p:nvPicPr>
-          <p:cNvPr id="1029" name="Picture 5" descr="C:\Users\JOeCole\Desktop\TN-655531_NAVIGON_MobileNavigator_Android_MapView.png.jpg"/>
-          <p:cNvPicPr>
-            <a:picLocks noChangeAspect="1" noChangeArrowheads="1"/>
-          </p:cNvPicPr>
-          <p:nvPr/>
-        </p:nvPicPr>
-        <p:blipFill>
-          <a:blip r:embed="rId3" cstate="print">
-            <a:extLst>
-              <a:ext uri="{28A0092B-C50C-407E-A947-70E740481C1C}">
-                <a14:useLocalDpi xmlns="" xmlns:a14="http://schemas.microsoft.com/office/drawing/2010/main" val="0"/>
-              </a:ext>
-            </a:extLst>
-          </a:blip>
-          <a:srcRect/>
-          <a:stretch>
-            <a:fillRect/>
-          </a:stretch>
-        </p:blipFill>
-        <p:spPr bwMode="auto">
-          <a:xfrm>
-            <a:off x="7086600" y="2604198"/>
-            <a:ext cx="1447800" cy="2303318"/>
-          </a:xfrm>
-          <a:prstGeom prst="rect">
-            <a:avLst/>
-          </a:prstGeom>
-          <a:noFill/>
-          <a:extLst>
-            <a:ext uri="{909E8E84-426E-40DD-AFC4-6F175D3DCCD1}">
-              <a14:hiddenFill xmlns="" xmlns:a14="http://schemas.microsoft.com/office/drawing/2010/main">
-                <a:solidFill>
-                  <a:srgbClr val="FFFFFF"/>
-                </a:solidFill>
-              </a14:hiddenFill>
-            </a:ext>
-          </a:extLst>
-        </p:spPr>
-      </p:pic>
-      <p:pic>
-        <p:nvPicPr>
-          <p:cNvPr id="2051" name="Picture 3" descr="C:\Documents and Settings\Administrator\Desktop\Untitled-2.png"/>
-          <p:cNvPicPr>
-            <a:picLocks noChangeAspect="1" noChangeArrowheads="1"/>
-          </p:cNvPicPr>
-          <p:nvPr/>
-        </p:nvPicPr>
-        <p:blipFill>
-          <a:blip r:embed="rId4" cstate="print"/>
-          <a:srcRect/>
-          <a:stretch>
-            <a:fillRect/>
-          </a:stretch>
-        </p:blipFill>
-        <p:spPr bwMode="auto">
-          <a:xfrm>
-            <a:off x="2514600" y="1600200"/>
-            <a:ext cx="1371600" cy="2946400"/>
-          </a:xfrm>
-          <a:prstGeom prst="rect">
-            <a:avLst/>
-          </a:prstGeom>
-          <a:noFill/>
-        </p:spPr>
-      </p:pic>
-      <p:pic>
-        <p:nvPicPr>
-          <p:cNvPr id="2052" name="Picture 4" descr="C:\Documents and Settings\Administrator\Desktop\Untitled-1.png"/>
-          <p:cNvPicPr>
-            <a:picLocks noChangeAspect="1" noChangeArrowheads="1"/>
-          </p:cNvPicPr>
-          <p:nvPr/>
-        </p:nvPicPr>
-        <p:blipFill>
-          <a:blip r:embed="rId5" cstate="print"/>
-          <a:srcRect/>
-          <a:stretch>
-            <a:fillRect/>
-          </a:stretch>
-        </p:blipFill>
-        <p:spPr bwMode="auto">
-          <a:xfrm>
-            <a:off x="4267200" y="2667000"/>
-            <a:ext cx="2550886" cy="2819400"/>
-          </a:xfrm>
-          <a:prstGeom prst="rect">
-            <a:avLst/>
-          </a:prstGeom>
-          <a:noFill/>
-        </p:spPr>
-      </p:pic>
-      <p:sp>
-        <p:nvSpPr>
-          <p:cNvPr id="11" name="TextBox 10"/>
-          <p:cNvSpPr txBox="1"/>
-          <p:nvPr/>
-        </p:nvSpPr>
-        <p:spPr>
-          <a:xfrm>
-            <a:off x="2590800" y="5867400"/>
-            <a:ext cx="4114800" cy="584775"/>
-          </a:xfrm>
-          <a:prstGeom prst="rect">
-            <a:avLst/>
-          </a:prstGeom>
-          <a:noFill/>
-        </p:spPr>
-        <p:txBody>
-          <a:bodyPr wrap="square" rtlCol="0">
-            <a:spAutoFit/>
+          <a:bodyPr>
+            <a:normAutofit/>
           </a:bodyPr>
           <a:lstStyle/>
           <a:p>
             <a:r>
-              <a:rPr lang="th-TH" sz="3200" dirty="0" smtClean="0">
+              <a:rPr lang="th-TH" sz="4000" dirty="0" smtClean="0">
                 <a:latin typeface="Angsana New" pitchFamily="18" charset="-34"/>
                 <a:cs typeface="Angsana New" pitchFamily="18" charset="-34"/>
               </a:rPr>
-              <a:t>ตัวอย่างโปรแกรมประยุกต์</a:t>
+              <a:t>จดจำเส้นทางที่ไปมาแล้วได้</a:t>
             </a:r>
+          </a:p>
+          <a:p>
             <a:r>
-              <a:rPr lang="en-US" sz="3200" dirty="0" smtClean="0">
+              <a:rPr lang="th-TH" sz="4000" dirty="0" smtClean="0">
                 <a:latin typeface="Angsana New" pitchFamily="18" charset="-34"/>
                 <a:cs typeface="Angsana New" pitchFamily="18" charset="-34"/>
               </a:rPr>
-              <a:t> Telenav</a:t>
+              <a:t>สามารถติดป้ายชื่อ พิกัดนั้นๆ ว่าเป็นสถานที่อะไรได้</a:t>
             </a:r>
-            <a:endParaRPr lang="th-TH" sz="3200" dirty="0">
+          </a:p>
+          <a:p>
+            <a:r>
+              <a:rPr lang="th-TH" sz="4000" dirty="0" smtClean="0">
+                <a:latin typeface="Angsana New" pitchFamily="18" charset="-34"/>
+                <a:cs typeface="Angsana New" pitchFamily="18" charset="-34"/>
+              </a:rPr>
+              <a:t>หยุดบันทึกชั่วคราว และกลับมาบันทึกต่อได้</a:t>
+            </a:r>
+          </a:p>
+          <a:p>
+            <a:r>
+              <a:rPr lang="th-TH" sz="4000" dirty="0" smtClean="0">
+                <a:latin typeface="Angsana New" pitchFamily="18" charset="-34"/>
+                <a:cs typeface="Angsana New" pitchFamily="18" charset="-34"/>
+              </a:rPr>
+              <a:t>สรุปข้อมูลการเดินทาง เวลาทั้งหมด ความเร็วเฉลี่ย</a:t>
+            </a:r>
+            <a:endParaRPr lang="en-US" sz="4000" dirty="0">
               <a:latin typeface="Angsana New" pitchFamily="18" charset="-34"/>
               <a:cs typeface="Angsana New" pitchFamily="18" charset="-34"/>
             </a:endParaRPr>
@@ -7207,7 +7066,7 @@
       </p:sp>
       <p:sp>
         <p:nvSpPr>
-          <p:cNvPr id="14" name="ตัวยึดหมายเลขภาพนิ่ง 13"/>
+          <p:cNvPr id="6" name="ตัวยึดหมายเลขภาพนิ่ง 5"/>
           <p:cNvSpPr>
             <a:spLocks noGrp="1"/>
           </p:cNvSpPr>
@@ -7270,964 +7129,7 @@
     </p:spTree>
     <p:extLst>
       <p:ext uri="{BB962C8B-B14F-4D97-AF65-F5344CB8AC3E}">
-        <p14:creationId xmlns="" xmlns:p14="http://schemas.microsoft.com/office/powerpoint/2010/main" val="1312023503"/>
-      </p:ext>
-    </p:extLst>
-  </p:cSld>
-  <p:clrMapOvr>
-    <a:masterClrMapping/>
-  </p:clrMapOvr>
-  <p:timing>
-    <p:tnLst>
-      <p:par>
-        <p:cTn id="1" dur="indefinite" restart="never" nodeType="tmRoot">
-          <p:childTnLst>
-            <p:seq concurrent="1" nextAc="seek">
-              <p:cTn id="2" dur="indefinite" nodeType="mainSeq">
-                <p:childTnLst>
-                  <p:par>
-                    <p:cTn id="3" fill="hold">
-                      <p:stCondLst>
-                        <p:cond delay="indefinite"/>
-                        <p:cond evt="onBegin" delay="0">
-                          <p:tn val="2"/>
-                        </p:cond>
-                      </p:stCondLst>
-                      <p:childTnLst>
-                        <p:par>
-                          <p:cTn id="4" fill="hold">
-                            <p:stCondLst>
-                              <p:cond delay="0"/>
-                            </p:stCondLst>
-                            <p:childTnLst>
-                              <p:par>
-                                <p:cTn id="5" presetID="10" presetClass="entr" presetSubtype="0" fill="hold" grpId="0" nodeType="afterEffect">
-                                  <p:stCondLst>
-                                    <p:cond delay="0"/>
-                                  </p:stCondLst>
-                                  <p:childTnLst>
-                                    <p:set>
-                                      <p:cBhvr>
-                                        <p:cTn id="6" dur="1" fill="hold">
-                                          <p:stCondLst>
-                                            <p:cond delay="0"/>
-                                          </p:stCondLst>
-                                        </p:cTn>
-                                        <p:tgtEl>
-                                          <p:spTgt spid="4"/>
-                                        </p:tgtEl>
-                                        <p:attrNameLst>
-                                          <p:attrName>style.visibility</p:attrName>
-                                        </p:attrNameLst>
-                                      </p:cBhvr>
-                                      <p:to>
-                                        <p:strVal val="visible"/>
-                                      </p:to>
-                                    </p:set>
-                                    <p:animEffect transition="in" filter="fade">
-                                      <p:cBhvr>
-                                        <p:cTn id="7" dur="500"/>
-                                        <p:tgtEl>
-                                          <p:spTgt spid="4"/>
-                                        </p:tgtEl>
-                                      </p:cBhvr>
-                                    </p:animEffect>
-                                  </p:childTnLst>
-                                </p:cTn>
-                              </p:par>
-                            </p:childTnLst>
-                          </p:cTn>
-                        </p:par>
-                        <p:par>
-                          <p:cTn id="8" fill="hold">
-                            <p:stCondLst>
-                              <p:cond delay="500"/>
-                            </p:stCondLst>
-                            <p:childTnLst>
-                              <p:par>
-                                <p:cTn id="9" presetID="10" presetClass="entr" presetSubtype="0" fill="hold" nodeType="afterEffect">
-                                  <p:stCondLst>
-                                    <p:cond delay="0"/>
-                                  </p:stCondLst>
-                                  <p:childTnLst>
-                                    <p:set>
-                                      <p:cBhvr>
-                                        <p:cTn id="10" dur="1" fill="hold">
-                                          <p:stCondLst>
-                                            <p:cond delay="0"/>
-                                          </p:stCondLst>
-                                        </p:cTn>
-                                        <p:tgtEl>
-                                          <p:spTgt spid="1027"/>
-                                        </p:tgtEl>
-                                        <p:attrNameLst>
-                                          <p:attrName>style.visibility</p:attrName>
-                                        </p:attrNameLst>
-                                      </p:cBhvr>
-                                      <p:to>
-                                        <p:strVal val="visible"/>
-                                      </p:to>
-                                    </p:set>
-                                    <p:animEffect transition="in" filter="fade">
-                                      <p:cBhvr>
-                                        <p:cTn id="11" dur="500"/>
-                                        <p:tgtEl>
-                                          <p:spTgt spid="1027"/>
-                                        </p:tgtEl>
-                                      </p:cBhvr>
-                                    </p:animEffect>
-                                  </p:childTnLst>
-                                </p:cTn>
-                              </p:par>
-                            </p:childTnLst>
-                          </p:cTn>
-                        </p:par>
-                        <p:par>
-                          <p:cTn id="12" fill="hold">
-                            <p:stCondLst>
-                              <p:cond delay="1000"/>
-                            </p:stCondLst>
-                            <p:childTnLst>
-                              <p:par>
-                                <p:cTn id="13" presetID="10" presetClass="entr" presetSubtype="0" fill="hold" nodeType="afterEffect">
-                                  <p:stCondLst>
-                                    <p:cond delay="0"/>
-                                  </p:stCondLst>
-                                  <p:childTnLst>
-                                    <p:set>
-                                      <p:cBhvr>
-                                        <p:cTn id="14" dur="1" fill="hold">
-                                          <p:stCondLst>
-                                            <p:cond delay="0"/>
-                                          </p:stCondLst>
-                                        </p:cTn>
-                                        <p:tgtEl>
-                                          <p:spTgt spid="1029"/>
-                                        </p:tgtEl>
-                                        <p:attrNameLst>
-                                          <p:attrName>style.visibility</p:attrName>
-                                        </p:attrNameLst>
-                                      </p:cBhvr>
-                                      <p:to>
-                                        <p:strVal val="visible"/>
-                                      </p:to>
-                                    </p:set>
-                                    <p:animEffect transition="in" filter="fade">
-                                      <p:cBhvr>
-                                        <p:cTn id="15" dur="500"/>
-                                        <p:tgtEl>
-                                          <p:spTgt spid="1029"/>
-                                        </p:tgtEl>
-                                      </p:cBhvr>
-                                    </p:animEffect>
-                                  </p:childTnLst>
-                                </p:cTn>
-                              </p:par>
-                            </p:childTnLst>
-                          </p:cTn>
-                        </p:par>
-                      </p:childTnLst>
-                    </p:cTn>
-                  </p:par>
-                </p:childTnLst>
-              </p:cTn>
-              <p:prevCondLst>
-                <p:cond evt="onPrev" delay="0">
-                  <p:tgtEl>
-                    <p:sldTgt/>
-                  </p:tgtEl>
-                </p:cond>
-              </p:prevCondLst>
-              <p:nextCondLst>
-                <p:cond evt="onNext" delay="0">
-                  <p:tgtEl>
-                    <p:sldTgt/>
-                  </p:tgtEl>
-                </p:cond>
-              </p:nextCondLst>
-            </p:seq>
-          </p:childTnLst>
-        </p:cTn>
-      </p:par>
-    </p:tnLst>
-    <p:bldLst>
-      <p:bldP spid="4" grpId="0"/>
-    </p:bldLst>
-  </p:timing>
-</p:sld>
-</file>
-
-<file path=ppt/slides/slide11.xml><?xml version="1.0" encoding="utf-8"?>
-<p:sld xmlns:a="http://schemas.openxmlformats.org/drawingml/2006/main" xmlns:r="http://schemas.openxmlformats.org/officeDocument/2006/relationships" xmlns:p="http://schemas.openxmlformats.org/presentationml/2006/main">
-  <p:cSld>
-    <p:spTree>
-      <p:nvGrpSpPr>
-        <p:cNvPr id="1" name=""/>
-        <p:cNvGrpSpPr/>
-        <p:nvPr/>
-      </p:nvGrpSpPr>
-      <p:grpSpPr>
-        <a:xfrm>
-          <a:off x="0" y="0"/>
-          <a:ext cx="0" cy="0"/>
-          <a:chOff x="0" y="0"/>
-          <a:chExt cx="0" cy="0"/>
-        </a:xfrm>
-      </p:grpSpPr>
-      <p:sp>
-        <p:nvSpPr>
-          <p:cNvPr id="2" name="Title 1"/>
-          <p:cNvSpPr>
-            <a:spLocks noGrp="1"/>
-          </p:cNvSpPr>
-          <p:nvPr>
-            <p:ph type="title"/>
-          </p:nvPr>
-        </p:nvSpPr>
-        <p:spPr/>
-        <p:txBody>
-          <a:bodyPr/>
-          <a:lstStyle/>
-          <a:p>
-            <a:r>
-              <a:rPr lang="th-TH" b="1" dirty="0"/>
-              <a:t>แตกต่างจากโปรแกรมอื่นๆอย่างไร</a:t>
-            </a:r>
-            <a:endParaRPr lang="en-US" b="1" dirty="0"/>
-          </a:p>
-        </p:txBody>
-      </p:sp>
-      <p:graphicFrame>
-        <p:nvGraphicFramePr>
-          <p:cNvPr id="6" name="Content Placeholder 5"/>
-          <p:cNvGraphicFramePr>
-            <a:graphicFrameLocks noGrp="1"/>
-          </p:cNvGraphicFramePr>
-          <p:nvPr>
-            <p:ph idx="1"/>
-            <p:extLst>
-              <p:ext uri="{D42A27DB-BD31-4B8C-83A1-F6EECF244321}">
-                <p14:modId xmlns="" xmlns:p14="http://schemas.microsoft.com/office/powerpoint/2010/main" val="1635963238"/>
-              </p:ext>
-            </p:extLst>
-          </p:nvPr>
-        </p:nvGraphicFramePr>
-        <p:xfrm>
-          <a:off x="457200" y="1600200"/>
-          <a:ext cx="8229600" cy="4724400"/>
-        </p:xfrm>
-        <a:graphic>
-          <a:graphicData uri="http://schemas.openxmlformats.org/drawingml/2006/table">
-            <a:tbl>
-              <a:tblPr firstRow="1" bandRow="1">
-                <a:tableStyleId>{5C22544A-7EE6-4342-B048-85BDC9FD1C3A}</a:tableStyleId>
-              </a:tblPr>
-              <a:tblGrid>
-                <a:gridCol w="3733800"/>
-                <a:gridCol w="2247900"/>
-                <a:gridCol w="2247900"/>
-              </a:tblGrid>
-              <a:tr h="944880">
-                <a:tc>
-                  <a:txBody>
-                    <a:bodyPr/>
-                    <a:lstStyle/>
-                    <a:p>
-                      <a:pPr algn="ctr"/>
-                      <a:endParaRPr lang="en-US" sz="2400" dirty="0">
-                        <a:latin typeface="Angsana New" pitchFamily="18" charset="-34"/>
-                        <a:cs typeface="Angsana New" pitchFamily="18" charset="-34"/>
-                      </a:endParaRPr>
-                    </a:p>
-                  </a:txBody>
-                  <a:tcPr anchor="ctr"/>
-                </a:tc>
-                <a:tc>
-                  <a:txBody>
-                    <a:bodyPr/>
-                    <a:lstStyle/>
-                    <a:p>
-                      <a:pPr algn="ctr"/>
-                      <a:r>
-                        <a:rPr lang="th-TH" sz="2400" dirty="0" smtClean="0">
-                          <a:latin typeface="Angsana New" pitchFamily="18" charset="-34"/>
-                          <a:cs typeface="Angsana New" pitchFamily="18" charset="-34"/>
-                        </a:rPr>
-                        <a:t>โครงงาน</a:t>
-                      </a:r>
-                      <a:endParaRPr lang="en-US" sz="2400" dirty="0">
-                        <a:latin typeface="Angsana New" pitchFamily="18" charset="-34"/>
-                        <a:cs typeface="Angsana New" pitchFamily="18" charset="-34"/>
-                      </a:endParaRPr>
-                    </a:p>
-                  </a:txBody>
-                  <a:tcPr anchor="ctr"/>
-                </a:tc>
-                <a:tc>
-                  <a:txBody>
-                    <a:bodyPr/>
-                    <a:lstStyle/>
-                    <a:p>
-                      <a:pPr algn="ctr"/>
-                      <a:r>
-                        <a:rPr lang="th-TH" sz="2400" dirty="0" smtClean="0">
-                          <a:latin typeface="Angsana New" pitchFamily="18" charset="-34"/>
-                          <a:cs typeface="Angsana New" pitchFamily="18" charset="-34"/>
-                        </a:rPr>
-                        <a:t>โปรแกรมอื่นๆ</a:t>
-                      </a:r>
-                      <a:endParaRPr lang="en-US" sz="2400" dirty="0">
-                        <a:latin typeface="Angsana New" pitchFamily="18" charset="-34"/>
-                        <a:cs typeface="Angsana New" pitchFamily="18" charset="-34"/>
-                      </a:endParaRPr>
-                    </a:p>
-                  </a:txBody>
-                  <a:tcPr anchor="ctr"/>
-                </a:tc>
-              </a:tr>
-              <a:tr h="944880">
-                <a:tc>
-                  <a:txBody>
-                    <a:bodyPr/>
-                    <a:lstStyle/>
-                    <a:p>
-                      <a:pPr algn="ctr"/>
-                      <a:r>
-                        <a:rPr lang="th-TH" sz="2400" dirty="0" smtClean="0">
-                          <a:latin typeface="Angsana New" pitchFamily="18" charset="-34"/>
-                          <a:cs typeface="Angsana New" pitchFamily="18" charset="-34"/>
-                        </a:rPr>
-                        <a:t>บันทึกพิกัด</a:t>
-                      </a:r>
-                      <a:endParaRPr lang="en-US" sz="2400" dirty="0">
-                        <a:latin typeface="Angsana New" pitchFamily="18" charset="-34"/>
-                        <a:cs typeface="Angsana New" pitchFamily="18" charset="-34"/>
-                      </a:endParaRPr>
-                    </a:p>
-                  </a:txBody>
-                  <a:tcPr anchor="ctr"/>
-                </a:tc>
-                <a:tc>
-                  <a:txBody>
-                    <a:bodyPr/>
-                    <a:lstStyle/>
-                    <a:p>
-                      <a:pPr algn="ctr"/>
-                      <a:endParaRPr lang="en-US" sz="2400" dirty="0">
-                        <a:latin typeface="Angsana New" pitchFamily="18" charset="-34"/>
-                        <a:cs typeface="Angsana New" pitchFamily="18" charset="-34"/>
-                      </a:endParaRPr>
-                    </a:p>
-                  </a:txBody>
-                  <a:tcPr anchor="ctr"/>
-                </a:tc>
-                <a:tc>
-                  <a:txBody>
-                    <a:bodyPr/>
-                    <a:lstStyle/>
-                    <a:p>
-                      <a:pPr algn="ctr"/>
-                      <a:r>
-                        <a:rPr lang="th-TH" sz="2400" dirty="0" smtClean="0">
-                          <a:latin typeface="Angsana New" pitchFamily="18" charset="-34"/>
-                          <a:cs typeface="Angsana New" pitchFamily="18" charset="-34"/>
-                        </a:rPr>
-                        <a:t>อาจมีบางโปรแกรม</a:t>
-                      </a:r>
-                      <a:endParaRPr lang="en-US" sz="2400" dirty="0">
-                        <a:latin typeface="Angsana New" pitchFamily="18" charset="-34"/>
-                        <a:cs typeface="Angsana New" pitchFamily="18" charset="-34"/>
-                      </a:endParaRPr>
-                    </a:p>
-                  </a:txBody>
-                  <a:tcPr anchor="ctr"/>
-                </a:tc>
-              </a:tr>
-              <a:tr h="944880">
-                <a:tc>
-                  <a:txBody>
-                    <a:bodyPr/>
-                    <a:lstStyle/>
-                    <a:p>
-                      <a:pPr algn="ctr"/>
-                      <a:r>
-                        <a:rPr lang="th-TH" sz="2400" dirty="0" smtClean="0">
-                          <a:latin typeface="Angsana New" pitchFamily="18" charset="-34"/>
-                          <a:cs typeface="Angsana New" pitchFamily="18" charset="-34"/>
-                        </a:rPr>
-                        <a:t>ติดป้ายชื่อให้กับพัดกัดนั้น</a:t>
-                      </a:r>
-                      <a:endParaRPr lang="en-US" sz="2400" dirty="0">
-                        <a:latin typeface="Angsana New" pitchFamily="18" charset="-34"/>
-                        <a:cs typeface="Angsana New" pitchFamily="18" charset="-34"/>
-                      </a:endParaRPr>
-                    </a:p>
-                  </a:txBody>
-                  <a:tcPr anchor="ctr"/>
-                </a:tc>
-                <a:tc>
-                  <a:txBody>
-                    <a:bodyPr/>
-                    <a:lstStyle/>
-                    <a:p>
-                      <a:pPr algn="ctr"/>
-                      <a:endParaRPr lang="en-US" sz="2400" dirty="0">
-                        <a:latin typeface="Angsana New" pitchFamily="18" charset="-34"/>
-                        <a:cs typeface="Angsana New" pitchFamily="18" charset="-34"/>
-                      </a:endParaRPr>
-                    </a:p>
-                  </a:txBody>
-                  <a:tcPr anchor="ctr"/>
-                </a:tc>
-                <a:tc>
-                  <a:txBody>
-                    <a:bodyPr/>
-                    <a:lstStyle/>
-                    <a:p>
-                      <a:pPr algn="ctr"/>
-                      <a:endParaRPr lang="en-US" sz="2400" dirty="0">
-                        <a:latin typeface="Angsana New" pitchFamily="18" charset="-34"/>
-                        <a:cs typeface="Angsana New" pitchFamily="18" charset="-34"/>
-                      </a:endParaRPr>
-                    </a:p>
-                  </a:txBody>
-                  <a:tcPr anchor="ctr"/>
-                </a:tc>
-              </a:tr>
-              <a:tr h="944880">
-                <a:tc>
-                  <a:txBody>
-                    <a:bodyPr/>
-                    <a:lstStyle/>
-                    <a:p>
-                      <a:pPr algn="ctr"/>
-                      <a:r>
-                        <a:rPr lang="th-TH" sz="2400" dirty="0" smtClean="0">
-                          <a:latin typeface="Angsana New" pitchFamily="18" charset="-34"/>
-                          <a:cs typeface="Angsana New" pitchFamily="18" charset="-34"/>
-                        </a:rPr>
-                        <a:t>บันทึกพิกัดแบบ </a:t>
-                      </a:r>
-                      <a:r>
-                        <a:rPr lang="en-US" sz="2400" dirty="0" smtClean="0">
-                          <a:latin typeface="Angsana New" pitchFamily="18" charset="-34"/>
-                          <a:cs typeface="Angsana New" pitchFamily="18" charset="-34"/>
-                        </a:rPr>
-                        <a:t>offline</a:t>
-                      </a:r>
-                      <a:endParaRPr lang="en-US" sz="2400" dirty="0">
-                        <a:latin typeface="Angsana New" pitchFamily="18" charset="-34"/>
-                        <a:cs typeface="Angsana New" pitchFamily="18" charset="-34"/>
-                      </a:endParaRPr>
-                    </a:p>
-                  </a:txBody>
-                  <a:tcPr anchor="ctr"/>
-                </a:tc>
-                <a:tc>
-                  <a:txBody>
-                    <a:bodyPr/>
-                    <a:lstStyle/>
-                    <a:p>
-                      <a:pPr algn="ctr"/>
-                      <a:endParaRPr lang="en-US" sz="2400" dirty="0">
-                        <a:latin typeface="Angsana New" pitchFamily="18" charset="-34"/>
-                        <a:cs typeface="Angsana New" pitchFamily="18" charset="-34"/>
-                      </a:endParaRPr>
-                    </a:p>
-                  </a:txBody>
-                  <a:tcPr anchor="ctr"/>
-                </a:tc>
-                <a:tc>
-                  <a:txBody>
-                    <a:bodyPr/>
-                    <a:lstStyle/>
-                    <a:p>
-                      <a:pPr algn="ctr"/>
-                      <a:endParaRPr lang="en-US" sz="2400" dirty="0">
-                        <a:latin typeface="Angsana New" pitchFamily="18" charset="-34"/>
-                        <a:cs typeface="Angsana New" pitchFamily="18" charset="-34"/>
-                      </a:endParaRPr>
-                    </a:p>
-                  </a:txBody>
-                  <a:tcPr anchor="ctr"/>
-                </a:tc>
-              </a:tr>
-              <a:tr h="944880">
-                <a:tc>
-                  <a:txBody>
-                    <a:bodyPr/>
-                    <a:lstStyle/>
-                    <a:p>
-                      <a:pPr algn="ctr"/>
-                      <a:r>
-                        <a:rPr lang="th-TH" sz="2400" dirty="0" smtClean="0">
-                          <a:latin typeface="Angsana New" pitchFamily="18" charset="-34"/>
-                          <a:cs typeface="Angsana New" pitchFamily="18" charset="-34"/>
-                        </a:rPr>
-                        <a:t>ดูภาพรวมของการเดินทาง</a:t>
-                      </a:r>
-                      <a:endParaRPr lang="en-US" sz="2400" dirty="0">
-                        <a:latin typeface="Angsana New" pitchFamily="18" charset="-34"/>
-                        <a:cs typeface="Angsana New" pitchFamily="18" charset="-34"/>
-                      </a:endParaRPr>
-                    </a:p>
-                  </a:txBody>
-                  <a:tcPr anchor="ctr"/>
-                </a:tc>
-                <a:tc>
-                  <a:txBody>
-                    <a:bodyPr/>
-                    <a:lstStyle/>
-                    <a:p>
-                      <a:pPr algn="ctr"/>
-                      <a:endParaRPr lang="en-US" sz="2400" dirty="0">
-                        <a:latin typeface="Angsana New" pitchFamily="18" charset="-34"/>
-                        <a:cs typeface="Angsana New" pitchFamily="18" charset="-34"/>
-                      </a:endParaRPr>
-                    </a:p>
-                  </a:txBody>
-                  <a:tcPr anchor="ctr"/>
-                </a:tc>
-                <a:tc>
-                  <a:txBody>
-                    <a:bodyPr/>
-                    <a:lstStyle/>
-                    <a:p>
-                      <a:pPr algn="ctr"/>
-                      <a:endParaRPr lang="en-US" sz="2400" dirty="0">
-                        <a:latin typeface="Angsana New" pitchFamily="18" charset="-34"/>
-                        <a:cs typeface="Angsana New" pitchFamily="18" charset="-34"/>
-                      </a:endParaRPr>
-                    </a:p>
-                  </a:txBody>
-                  <a:tcPr anchor="ctr"/>
-                </a:tc>
-              </a:tr>
-            </a:tbl>
-          </a:graphicData>
-        </a:graphic>
-      </p:graphicFrame>
-      <p:pic>
-        <p:nvPicPr>
-          <p:cNvPr id="1026" name="Picture 2" descr="C:\Documents and Settings\Administrator\Desktop\Untitled-3.png"/>
-          <p:cNvPicPr>
-            <a:picLocks noChangeAspect="1" noChangeArrowheads="1"/>
-          </p:cNvPicPr>
-          <p:nvPr/>
-        </p:nvPicPr>
-        <p:blipFill>
-          <a:blip r:embed="rId2" cstate="print"/>
-          <a:srcRect/>
-          <a:stretch>
-            <a:fillRect/>
-          </a:stretch>
-        </p:blipFill>
-        <p:spPr bwMode="auto">
-          <a:xfrm>
-            <a:off x="5105400" y="2819400"/>
-            <a:ext cx="388776" cy="381000"/>
-          </a:xfrm>
-          <a:prstGeom prst="rect">
-            <a:avLst/>
-          </a:prstGeom>
-          <a:noFill/>
-        </p:spPr>
-      </p:pic>
-      <p:pic>
-        <p:nvPicPr>
-          <p:cNvPr id="15" name="Picture 2" descr="C:\Documents and Settings\Administrator\Desktop\Untitled-3.png"/>
-          <p:cNvPicPr>
-            <a:picLocks noChangeAspect="1" noChangeArrowheads="1"/>
-          </p:cNvPicPr>
-          <p:nvPr/>
-        </p:nvPicPr>
-        <p:blipFill>
-          <a:blip r:embed="rId2" cstate="print"/>
-          <a:srcRect/>
-          <a:stretch>
-            <a:fillRect/>
-          </a:stretch>
-        </p:blipFill>
-        <p:spPr bwMode="auto">
-          <a:xfrm>
-            <a:off x="5105400" y="3733800"/>
-            <a:ext cx="388776" cy="381000"/>
-          </a:xfrm>
-          <a:prstGeom prst="rect">
-            <a:avLst/>
-          </a:prstGeom>
-          <a:noFill/>
-        </p:spPr>
-      </p:pic>
-      <p:pic>
-        <p:nvPicPr>
-          <p:cNvPr id="16" name="Picture 2" descr="C:\Documents and Settings\Administrator\Desktop\Untitled-3.png"/>
-          <p:cNvPicPr>
-            <a:picLocks noChangeAspect="1" noChangeArrowheads="1"/>
-          </p:cNvPicPr>
-          <p:nvPr/>
-        </p:nvPicPr>
-        <p:blipFill>
-          <a:blip r:embed="rId2" cstate="print"/>
-          <a:srcRect/>
-          <a:stretch>
-            <a:fillRect/>
-          </a:stretch>
-        </p:blipFill>
-        <p:spPr bwMode="auto">
-          <a:xfrm>
-            <a:off x="5105400" y="4724400"/>
-            <a:ext cx="388776" cy="381000"/>
-          </a:xfrm>
-          <a:prstGeom prst="rect">
-            <a:avLst/>
-          </a:prstGeom>
-          <a:noFill/>
-        </p:spPr>
-      </p:pic>
-      <p:pic>
-        <p:nvPicPr>
-          <p:cNvPr id="17" name="Picture 2" descr="C:\Documents and Settings\Administrator\Desktop\Untitled-3.png"/>
-          <p:cNvPicPr>
-            <a:picLocks noChangeAspect="1" noChangeArrowheads="1"/>
-          </p:cNvPicPr>
-          <p:nvPr/>
-        </p:nvPicPr>
-        <p:blipFill>
-          <a:blip r:embed="rId2" cstate="print"/>
-          <a:srcRect/>
-          <a:stretch>
-            <a:fillRect/>
-          </a:stretch>
-        </p:blipFill>
-        <p:spPr bwMode="auto">
-          <a:xfrm>
-            <a:off x="5105400" y="5638800"/>
-            <a:ext cx="388776" cy="381000"/>
-          </a:xfrm>
-          <a:prstGeom prst="rect">
-            <a:avLst/>
-          </a:prstGeom>
-          <a:noFill/>
-        </p:spPr>
-      </p:pic>
-      <p:pic>
-        <p:nvPicPr>
-          <p:cNvPr id="1027" name="Picture 3" descr="C:\Documents and Settings\Administrator\Desktop\Untitled-4.png"/>
-          <p:cNvPicPr>
-            <a:picLocks noChangeAspect="1" noChangeArrowheads="1"/>
-          </p:cNvPicPr>
-          <p:nvPr/>
-        </p:nvPicPr>
-        <p:blipFill>
-          <a:blip r:embed="rId3" cstate="print"/>
-          <a:srcRect/>
-          <a:stretch>
-            <a:fillRect/>
-          </a:stretch>
-        </p:blipFill>
-        <p:spPr bwMode="auto">
-          <a:xfrm>
-            <a:off x="7315200" y="3733800"/>
-            <a:ext cx="388775" cy="381000"/>
-          </a:xfrm>
-          <a:prstGeom prst="rect">
-            <a:avLst/>
-          </a:prstGeom>
-          <a:noFill/>
-        </p:spPr>
-      </p:pic>
-      <p:pic>
-        <p:nvPicPr>
-          <p:cNvPr id="18" name="Picture 3" descr="C:\Documents and Settings\Administrator\Desktop\Untitled-4.png"/>
-          <p:cNvPicPr>
-            <a:picLocks noChangeAspect="1" noChangeArrowheads="1"/>
-          </p:cNvPicPr>
-          <p:nvPr/>
-        </p:nvPicPr>
-        <p:blipFill>
-          <a:blip r:embed="rId3" cstate="print"/>
-          <a:srcRect/>
-          <a:stretch>
-            <a:fillRect/>
-          </a:stretch>
-        </p:blipFill>
-        <p:spPr bwMode="auto">
-          <a:xfrm>
-            <a:off x="7315200" y="4724400"/>
-            <a:ext cx="388775" cy="381000"/>
-          </a:xfrm>
-          <a:prstGeom prst="rect">
-            <a:avLst/>
-          </a:prstGeom>
-          <a:noFill/>
-        </p:spPr>
-      </p:pic>
-      <p:pic>
-        <p:nvPicPr>
-          <p:cNvPr id="19" name="Picture 3" descr="C:\Documents and Settings\Administrator\Desktop\Untitled-4.png"/>
-          <p:cNvPicPr>
-            <a:picLocks noChangeAspect="1" noChangeArrowheads="1"/>
-          </p:cNvPicPr>
-          <p:nvPr/>
-        </p:nvPicPr>
-        <p:blipFill>
-          <a:blip r:embed="rId3" cstate="print"/>
-          <a:srcRect/>
-          <a:stretch>
-            <a:fillRect/>
-          </a:stretch>
-        </p:blipFill>
-        <p:spPr bwMode="auto">
-          <a:xfrm>
-            <a:off x="7315200" y="5638800"/>
-            <a:ext cx="388775" cy="381000"/>
-          </a:xfrm>
-          <a:prstGeom prst="rect">
-            <a:avLst/>
-          </a:prstGeom>
-          <a:noFill/>
-        </p:spPr>
-      </p:pic>
-      <p:sp>
-        <p:nvSpPr>
-          <p:cNvPr id="22" name="ตัวยึดหมายเลขภาพนิ่ง 21"/>
-          <p:cNvSpPr>
-            <a:spLocks noGrp="1"/>
-          </p:cNvSpPr>
-          <p:nvPr>
-            <p:ph type="sldNum" sz="quarter" idx="12"/>
-          </p:nvPr>
-        </p:nvSpPr>
-        <p:spPr/>
-        <p:txBody>
-          <a:bodyPr/>
-          <a:lstStyle/>
-          <a:p>
-            <a:fld id="{5685757F-D3FC-4732-92F9-251EF6B3B90C}" type="slidenum">
-              <a:rPr lang="en-US" sz="3200" smtClean="0">
-                <a:ln w="18415" cmpd="sng">
-                  <a:solidFill>
-                    <a:srgbClr val="FFFFFF"/>
-                  </a:solidFill>
-                  <a:prstDash val="solid"/>
-                </a:ln>
-                <a:solidFill>
-                  <a:srgbClr val="FFFFFF"/>
-                </a:solidFill>
-                <a:effectLst>
-                  <a:outerShdw blurRad="63500" dir="3600000" algn="tl" rotWithShape="0">
-                    <a:srgbClr val="000000">
-                      <a:alpha val="70000"/>
-                    </a:srgbClr>
-                  </a:outerShdw>
-                </a:effectLst>
-                <a:latin typeface="Angsana New" pitchFamily="18" charset="-34"/>
-                <a:cs typeface="Angsana New" pitchFamily="18" charset="-34"/>
-              </a:rPr>
-              <a:pPr/>
-              <a:t>11</a:t>
-            </a:fld>
-            <a:endParaRPr lang="en-US" sz="3200" dirty="0">
-              <a:ln w="18415" cmpd="sng">
-                <a:solidFill>
-                  <a:srgbClr val="FFFFFF"/>
-                </a:solidFill>
-                <a:prstDash val="solid"/>
-              </a:ln>
-              <a:solidFill>
-                <a:srgbClr val="FFFFFF"/>
-              </a:solidFill>
-              <a:effectLst>
-                <a:outerShdw blurRad="63500" dir="3600000" algn="tl" rotWithShape="0">
-                  <a:srgbClr val="000000">
-                    <a:alpha val="70000"/>
-                  </a:srgbClr>
-                </a:outerShdw>
-              </a:effectLst>
-              <a:latin typeface="Angsana New" pitchFamily="18" charset="-34"/>
-              <a:cs typeface="Angsana New" pitchFamily="18" charset="-34"/>
-            </a:endParaRPr>
-          </a:p>
-        </p:txBody>
-      </p:sp>
-    </p:spTree>
-    <p:extLst>
-      <p:ext uri="{BB962C8B-B14F-4D97-AF65-F5344CB8AC3E}">
-        <p14:creationId xmlns="" xmlns:p14="http://schemas.microsoft.com/office/powerpoint/2010/main" val="222104164"/>
-      </p:ext>
-    </p:extLst>
-  </p:cSld>
-  <p:clrMapOvr>
-    <a:masterClrMapping/>
-  </p:clrMapOvr>
-</p:sld>
-</file>
-
-<file path=ppt/slides/slide12.xml><?xml version="1.0" encoding="utf-8"?>
-<p:sld xmlns:a="http://schemas.openxmlformats.org/drawingml/2006/main" xmlns:r="http://schemas.openxmlformats.org/officeDocument/2006/relationships" xmlns:p="http://schemas.openxmlformats.org/presentationml/2006/main">
-  <p:cSld>
-    <p:spTree>
-      <p:nvGrpSpPr>
-        <p:cNvPr id="1" name=""/>
-        <p:cNvGrpSpPr/>
-        <p:nvPr/>
-      </p:nvGrpSpPr>
-      <p:grpSpPr>
-        <a:xfrm>
-          <a:off x="0" y="0"/>
-          <a:ext cx="0" cy="0"/>
-          <a:chOff x="0" y="0"/>
-          <a:chExt cx="0" cy="0"/>
-        </a:xfrm>
-      </p:grpSpPr>
-      <p:sp>
-        <p:nvSpPr>
-          <p:cNvPr id="2" name="Title 1"/>
-          <p:cNvSpPr>
-            <a:spLocks noGrp="1"/>
-          </p:cNvSpPr>
-          <p:nvPr>
-            <p:ph type="title"/>
-          </p:nvPr>
-        </p:nvSpPr>
-        <p:spPr/>
-        <p:txBody>
-          <a:bodyPr/>
-          <a:lstStyle/>
-          <a:p>
-            <a:r>
-              <a:rPr lang="th-TH" b="1" dirty="0" smtClean="0"/>
-              <a:t>ความสามารถของโปรแกรม</a:t>
-            </a:r>
-            <a:endParaRPr lang="en-US" b="1" dirty="0"/>
-          </a:p>
-        </p:txBody>
-      </p:sp>
-      <p:sp>
-        <p:nvSpPr>
-          <p:cNvPr id="3" name="Content Placeholder 2"/>
-          <p:cNvSpPr>
-            <a:spLocks noGrp="1"/>
-          </p:cNvSpPr>
-          <p:nvPr>
-            <p:ph idx="1"/>
-          </p:nvPr>
-        </p:nvSpPr>
-        <p:spPr/>
-        <p:txBody>
-          <a:bodyPr>
-            <a:normAutofit/>
-          </a:bodyPr>
-          <a:lstStyle/>
-          <a:p>
-            <a:r>
-              <a:rPr lang="th-TH" sz="4000" dirty="0" smtClean="0">
-                <a:latin typeface="Angsana New" pitchFamily="18" charset="-34"/>
-                <a:cs typeface="Angsana New" pitchFamily="18" charset="-34"/>
-              </a:rPr>
-              <a:t>จดจำเส้นทางที่ไปมาแล้วได้</a:t>
-            </a:r>
-          </a:p>
-          <a:p>
-            <a:r>
-              <a:rPr lang="th-TH" sz="4000" dirty="0" smtClean="0">
-                <a:latin typeface="Angsana New" pitchFamily="18" charset="-34"/>
-                <a:cs typeface="Angsana New" pitchFamily="18" charset="-34"/>
-              </a:rPr>
-              <a:t>สามารถติดป้ายชื่อ พิกัดนั้นๆ ว่าเป็นสถานที่อะไรได้</a:t>
-            </a:r>
-          </a:p>
-          <a:p>
-            <a:r>
-              <a:rPr lang="th-TH" sz="4000" dirty="0" smtClean="0">
-                <a:latin typeface="Angsana New" pitchFamily="18" charset="-34"/>
-                <a:cs typeface="Angsana New" pitchFamily="18" charset="-34"/>
-              </a:rPr>
-              <a:t>หยุดบันทึกชั่วคราว และกลับมาบันทึกต่อได้</a:t>
-            </a:r>
-          </a:p>
-          <a:p>
-            <a:r>
-              <a:rPr lang="th-TH" sz="4000" dirty="0" smtClean="0">
-                <a:latin typeface="Angsana New" pitchFamily="18" charset="-34"/>
-                <a:cs typeface="Angsana New" pitchFamily="18" charset="-34"/>
-              </a:rPr>
-              <a:t>สรุปข้อมูลการเดินทาง เวลาทั้งหมด ความเร็วเฉลี่ย</a:t>
-            </a:r>
-            <a:endParaRPr lang="en-US" sz="4000" dirty="0">
-              <a:latin typeface="Angsana New" pitchFamily="18" charset="-34"/>
-              <a:cs typeface="Angsana New" pitchFamily="18" charset="-34"/>
-            </a:endParaRPr>
-          </a:p>
-        </p:txBody>
-      </p:sp>
-      <p:sp>
-        <p:nvSpPr>
-          <p:cNvPr id="6" name="ตัวยึดหมายเลขภาพนิ่ง 5"/>
-          <p:cNvSpPr>
-            <a:spLocks noGrp="1"/>
-          </p:cNvSpPr>
-          <p:nvPr>
-            <p:ph type="sldNum" sz="quarter" idx="12"/>
-          </p:nvPr>
-        </p:nvSpPr>
-        <p:spPr/>
-        <p:txBody>
-          <a:bodyPr/>
-          <a:lstStyle/>
-          <a:p>
-            <a:fld id="{5685757F-D3FC-4732-92F9-251EF6B3B90C}" type="slidenum">
-              <a:rPr lang="en-US" sz="3200" smtClean="0">
-                <a:ln w="18415" cmpd="sng">
-                  <a:solidFill>
-                    <a:srgbClr val="FFFFFF"/>
-                  </a:solidFill>
-                  <a:prstDash val="solid"/>
-                </a:ln>
-                <a:solidFill>
-                  <a:srgbClr val="FFFFFF"/>
-                </a:solidFill>
-                <a:effectLst>
-                  <a:outerShdw blurRad="63500" dir="3600000" algn="tl" rotWithShape="0">
-                    <a:srgbClr val="000000">
-                      <a:alpha val="70000"/>
-                    </a:srgbClr>
-                  </a:outerShdw>
-                </a:effectLst>
-                <a:latin typeface="Angsana New" pitchFamily="18" charset="-34"/>
-                <a:cs typeface="Angsana New" pitchFamily="18" charset="-34"/>
-              </a:rPr>
-              <a:pPr/>
-              <a:t>12</a:t>
-            </a:fld>
-            <a:endParaRPr lang="en-US" sz="3200" dirty="0">
-              <a:ln w="18415" cmpd="sng">
-                <a:solidFill>
-                  <a:srgbClr val="FFFFFF"/>
-                </a:solidFill>
-                <a:prstDash val="solid"/>
-              </a:ln>
-              <a:solidFill>
-                <a:srgbClr val="FFFFFF"/>
-              </a:solidFill>
-              <a:effectLst>
-                <a:outerShdw blurRad="63500" dir="3600000" algn="tl" rotWithShape="0">
-                  <a:srgbClr val="000000">
-                    <a:alpha val="70000"/>
-                  </a:srgbClr>
-                </a:outerShdw>
-              </a:effectLst>
-              <a:latin typeface="Angsana New" pitchFamily="18" charset="-34"/>
-              <a:cs typeface="Angsana New" pitchFamily="18" charset="-34"/>
-            </a:endParaRPr>
-          </a:p>
-        </p:txBody>
-      </p:sp>
-    </p:spTree>
-    <p:extLst>
-      <p:ext uri="{BB962C8B-B14F-4D97-AF65-F5344CB8AC3E}">
-        <p14:creationId xmlns="" xmlns:p14="http://schemas.microsoft.com/office/powerpoint/2010/main" val="1630400559"/>
+        <p14:creationId xmlns:p14="http://schemas.microsoft.com/office/powerpoint/2010/main" val="1630400559"/>
       </p:ext>
     </p:extLst>
   </p:cSld>
@@ -8535,7 +7437,7 @@
 </p:sld>
 </file>
 
-<file path=ppt/slides/slide13.xml><?xml version="1.0" encoding="utf-8"?>
+<file path=ppt/slides/slide11.xml><?xml version="1.0" encoding="utf-8"?>
 <p:sld xmlns:a="http://schemas.openxmlformats.org/drawingml/2006/main" xmlns:r="http://schemas.openxmlformats.org/officeDocument/2006/relationships" xmlns:p="http://schemas.openxmlformats.org/presentationml/2006/main">
   <p:cSld>
     <p:spTree>
@@ -8587,7 +7489,7 @@
             <p:ph idx="1"/>
             <p:extLst>
               <p:ext uri="{D42A27DB-BD31-4B8C-83A1-F6EECF244321}">
-                <p14:modId xmlns="" xmlns:p14="http://schemas.microsoft.com/office/powerpoint/2010/main" val="772518842"/>
+                <p14:modId xmlns:p14="http://schemas.microsoft.com/office/powerpoint/2010/main" val="772518842"/>
               </p:ext>
             </p:extLst>
           </p:nvPr>
@@ -8614,7 +7516,7 @@
           <a:blip r:embed="rId7" cstate="print">
             <a:extLst>
               <a:ext uri="{28A0092B-C50C-407E-A947-70E740481C1C}">
-                <a14:useLocalDpi xmlns="" xmlns:a14="http://schemas.microsoft.com/office/drawing/2010/main" val="0"/>
+                <a14:useLocalDpi xmlns:a14="http://schemas.microsoft.com/office/drawing/2010/main" val="0"/>
               </a:ext>
             </a:extLst>
           </a:blip>
@@ -8644,7 +7546,7 @@
           <a:blip r:embed="rId8" cstate="print">
             <a:extLst>
               <a:ext uri="{28A0092B-C50C-407E-A947-70E740481C1C}">
-                <a14:useLocalDpi xmlns="" xmlns:a14="http://schemas.microsoft.com/office/drawing/2010/main" val="0"/>
+                <a14:useLocalDpi xmlns:a14="http://schemas.microsoft.com/office/drawing/2010/main" val="0"/>
               </a:ext>
             </a:extLst>
           </a:blip>
@@ -8664,7 +7566,7 @@
           <a:noFill/>
           <a:extLst>
             <a:ext uri="{909E8E84-426E-40DD-AFC4-6F175D3DCCD1}">
-              <a14:hiddenFill xmlns="" xmlns:a14="http://schemas.microsoft.com/office/drawing/2010/main">
+              <a14:hiddenFill xmlns:a14="http://schemas.microsoft.com/office/drawing/2010/main">
                 <a:solidFill>
                   <a:srgbClr val="FFFFFF"/>
                 </a:solidFill>
@@ -8743,7 +7645,7 @@
                 <a:cs typeface="Angsana New" pitchFamily="18" charset="-34"/>
               </a:rPr>
               <a:pPr/>
-              <a:t>13</a:t>
+              <a:t>11</a:t>
             </a:fld>
             <a:endParaRPr lang="en-US" sz="3200" dirty="0">
               <a:ln w="18415" cmpd="sng">
@@ -8771,7 +7673,7 @@
     </p:spTree>
     <p:extLst>
       <p:ext uri="{BB962C8B-B14F-4D97-AF65-F5344CB8AC3E}">
-        <p14:creationId xmlns="" xmlns:p14="http://schemas.microsoft.com/office/powerpoint/2010/main" val="1015130875"/>
+        <p14:creationId xmlns:p14="http://schemas.microsoft.com/office/powerpoint/2010/main" val="1015130875"/>
       </p:ext>
     </p:extLst>
   </p:cSld>
@@ -9371,7 +8273,7 @@
 </p:sld>
 </file>
 
-<file path=ppt/slides/slide14.xml><?xml version="1.0" encoding="utf-8"?>
+<file path=ppt/slides/slide12.xml><?xml version="1.0" encoding="utf-8"?>
 <p:sld xmlns:a="http://schemas.openxmlformats.org/drawingml/2006/main" xmlns:r="http://schemas.openxmlformats.org/officeDocument/2006/relationships" xmlns:p="http://schemas.openxmlformats.org/presentationml/2006/main">
   <p:cSld>
     <p:bg>
@@ -9408,7 +8310,7 @@
           <a:blip r:embed="rId3" cstate="print">
             <a:extLst>
               <a:ext uri="{28A0092B-C50C-407E-A947-70E740481C1C}">
-                <a14:useLocalDpi xmlns="" xmlns:a14="http://schemas.microsoft.com/office/drawing/2010/main" val="0"/>
+                <a14:useLocalDpi xmlns:a14="http://schemas.microsoft.com/office/drawing/2010/main" val="0"/>
               </a:ext>
             </a:extLst>
           </a:blip>
@@ -9428,7 +8330,7 @@
           </a:ln>
           <a:extLst>
             <a:ext uri="{53640926-AAD7-44D8-BBD7-CCE9431645EC}">
-              <a14:shadowObscured xmlns="" xmlns:a14="http://schemas.microsoft.com/office/drawing/2010/main"/>
+              <a14:shadowObscured xmlns:a14="http://schemas.microsoft.com/office/drawing/2010/main"/>
             </a:ext>
           </a:extLst>
         </p:spPr>
@@ -9668,7 +8570,7 @@
                 <a:cs typeface="Angsana New" pitchFamily="18" charset="-34"/>
               </a:rPr>
               <a:pPr/>
-              <a:t>14</a:t>
+              <a:t>12</a:t>
             </a:fld>
             <a:endParaRPr lang="en-US" sz="3200" b="1" dirty="0">
               <a:ln w="10541" cmpd="sng">
@@ -9725,7 +8627,7 @@
     </p:spTree>
     <p:extLst>
       <p:ext uri="{BB962C8B-B14F-4D97-AF65-F5344CB8AC3E}">
-        <p14:creationId xmlns="" xmlns:p14="http://schemas.microsoft.com/office/powerpoint/2010/main" val="315046874"/>
+        <p14:creationId xmlns:p14="http://schemas.microsoft.com/office/powerpoint/2010/main" val="315046874"/>
       </p:ext>
     </p:extLst>
   </p:cSld>
@@ -9869,7 +8771,7 @@
 </p:sld>
 </file>
 
-<file path=ppt/slides/slide15.xml><?xml version="1.0" encoding="utf-8"?>
+<file path=ppt/slides/slide13.xml><?xml version="1.0" encoding="utf-8"?>
 <p:sld xmlns:a="http://schemas.openxmlformats.org/drawingml/2006/main" xmlns:r="http://schemas.openxmlformats.org/officeDocument/2006/relationships" xmlns:p="http://schemas.openxmlformats.org/presentationml/2006/main">
   <p:cSld>
     <p:bg>
@@ -9906,7 +8808,7 @@
           <a:blip r:embed="rId3" cstate="print">
             <a:extLst>
               <a:ext uri="{28A0092B-C50C-407E-A947-70E740481C1C}">
-                <a14:useLocalDpi xmlns="" xmlns:a14="http://schemas.microsoft.com/office/drawing/2010/main" val="0"/>
+                <a14:useLocalDpi xmlns:a14="http://schemas.microsoft.com/office/drawing/2010/main" val="0"/>
               </a:ext>
             </a:extLst>
           </a:blip>
@@ -9926,7 +8828,7 @@
           </a:ln>
           <a:extLst>
             <a:ext uri="{53640926-AAD7-44D8-BBD7-CCE9431645EC}">
-              <a14:shadowObscured xmlns="" xmlns:a14="http://schemas.microsoft.com/office/drawing/2010/main"/>
+              <a14:shadowObscured xmlns:a14="http://schemas.microsoft.com/office/drawing/2010/main"/>
             </a:ext>
           </a:extLst>
         </p:spPr>
@@ -10230,7 +9132,7 @@
                 <a:tabLst/>
                 <a:defRPr/>
               </a:pPr>
-              <a:t>15</a:t>
+              <a:t>13</a:t>
             </a:fld>
             <a:endParaRPr kumimoji="0" lang="en-US" sz="3200" b="1" i="0" u="none" strike="noStrike" kern="1200" cap="none" spc="0" normalizeH="0" baseline="0" noProof="0" dirty="0">
               <a:ln w="10541" cmpd="sng">
@@ -10291,7 +9193,7 @@
     </p:spTree>
     <p:extLst>
       <p:ext uri="{BB962C8B-B14F-4D97-AF65-F5344CB8AC3E}">
-        <p14:creationId xmlns="" xmlns:p14="http://schemas.microsoft.com/office/powerpoint/2010/main" val="1498823684"/>
+        <p14:creationId xmlns:p14="http://schemas.microsoft.com/office/powerpoint/2010/main" val="1498823684"/>
       </p:ext>
     </p:extLst>
   </p:cSld>
@@ -10480,7 +9382,7 @@
 </p:sld>
 </file>
 
-<file path=ppt/slides/slide16.xml><?xml version="1.0" encoding="utf-8"?>
+<file path=ppt/slides/slide14.xml><?xml version="1.0" encoding="utf-8"?>
 <p:sld xmlns:a="http://schemas.openxmlformats.org/drawingml/2006/main" xmlns:r="http://schemas.openxmlformats.org/officeDocument/2006/relationships" xmlns:p="http://schemas.openxmlformats.org/presentationml/2006/main">
   <p:cSld>
     <p:bg>
@@ -10517,7 +9419,7 @@
           <a:blip r:embed="rId2" cstate="print">
             <a:extLst>
               <a:ext uri="{28A0092B-C50C-407E-A947-70E740481C1C}">
-                <a14:useLocalDpi xmlns="" xmlns:a14="http://schemas.microsoft.com/office/drawing/2010/main" val="0"/>
+                <a14:useLocalDpi xmlns:a14="http://schemas.microsoft.com/office/drawing/2010/main" val="0"/>
               </a:ext>
             </a:extLst>
           </a:blip>
@@ -10537,7 +9439,7 @@
           </a:ln>
           <a:extLst>
             <a:ext uri="{53640926-AAD7-44D8-BBD7-CCE9431645EC}">
-              <a14:shadowObscured xmlns="" xmlns:a14="http://schemas.microsoft.com/office/drawing/2010/main"/>
+              <a14:shadowObscured xmlns:a14="http://schemas.microsoft.com/office/drawing/2010/main"/>
             </a:ext>
           </a:extLst>
         </p:spPr>
@@ -10825,7 +9727,7 @@
                 <a:tabLst/>
                 <a:defRPr/>
               </a:pPr>
-              <a:t>16</a:t>
+              <a:t>14</a:t>
             </a:fld>
             <a:endParaRPr kumimoji="0" lang="en-US" sz="3200" b="1" i="0" u="none" strike="noStrike" kern="1200" cap="none" spc="0" normalizeH="0" baseline="0" noProof="0" dirty="0">
               <a:ln w="10541" cmpd="sng">
@@ -10886,7 +9788,7 @@
     </p:spTree>
     <p:extLst>
       <p:ext uri="{BB962C8B-B14F-4D97-AF65-F5344CB8AC3E}">
-        <p14:creationId xmlns="" xmlns:p14="http://schemas.microsoft.com/office/powerpoint/2010/main" val="819896303"/>
+        <p14:creationId xmlns:p14="http://schemas.microsoft.com/office/powerpoint/2010/main" val="819896303"/>
       </p:ext>
     </p:extLst>
   </p:cSld>
@@ -11075,7 +9977,7 @@
 </p:sld>
 </file>
 
-<file path=ppt/slides/slide17.xml><?xml version="1.0" encoding="utf-8"?>
+<file path=ppt/slides/slide15.xml><?xml version="1.0" encoding="utf-8"?>
 <p:sld xmlns:a="http://schemas.openxmlformats.org/drawingml/2006/main" xmlns:r="http://schemas.openxmlformats.org/officeDocument/2006/relationships" xmlns:p="http://schemas.openxmlformats.org/presentationml/2006/main">
   <p:cSld>
     <p:bg>
@@ -11112,7 +10014,7 @@
           <a:blip r:embed="rId2" cstate="print">
             <a:extLst>
               <a:ext uri="{28A0092B-C50C-407E-A947-70E740481C1C}">
-                <a14:useLocalDpi xmlns="" xmlns:a14="http://schemas.microsoft.com/office/drawing/2010/main" val="0"/>
+                <a14:useLocalDpi xmlns:a14="http://schemas.microsoft.com/office/drawing/2010/main" val="0"/>
               </a:ext>
             </a:extLst>
           </a:blip>
@@ -11132,7 +10034,7 @@
           </a:ln>
           <a:extLst>
             <a:ext uri="{53640926-AAD7-44D8-BBD7-CCE9431645EC}">
-              <a14:shadowObscured xmlns="" xmlns:a14="http://schemas.microsoft.com/office/drawing/2010/main"/>
+              <a14:shadowObscured xmlns:a14="http://schemas.microsoft.com/office/drawing/2010/main"/>
             </a:ext>
           </a:extLst>
         </p:spPr>
@@ -11429,7 +10331,7 @@
                 <a:tabLst/>
                 <a:defRPr/>
               </a:pPr>
-              <a:t>17</a:t>
+              <a:t>15</a:t>
             </a:fld>
             <a:endParaRPr kumimoji="0" lang="en-US" sz="3200" b="1" i="0" u="none" strike="noStrike" kern="1200" cap="none" spc="0" normalizeH="0" baseline="0" noProof="0" dirty="0">
               <a:ln w="10541" cmpd="sng">
@@ -11490,7 +10392,7 @@
     </p:spTree>
     <p:extLst>
       <p:ext uri="{BB962C8B-B14F-4D97-AF65-F5344CB8AC3E}">
-        <p14:creationId xmlns="" xmlns:p14="http://schemas.microsoft.com/office/powerpoint/2010/main" val="785686850"/>
+        <p14:creationId xmlns:p14="http://schemas.microsoft.com/office/powerpoint/2010/main" val="785686850"/>
       </p:ext>
     </p:extLst>
   </p:cSld>
@@ -11679,7 +10581,7 @@
 </p:sld>
 </file>
 
-<file path=ppt/slides/slide18.xml><?xml version="1.0" encoding="utf-8"?>
+<file path=ppt/slides/slide16.xml><?xml version="1.0" encoding="utf-8"?>
 <p:sld xmlns:a="http://schemas.openxmlformats.org/drawingml/2006/main" xmlns:r="http://schemas.openxmlformats.org/officeDocument/2006/relationships" xmlns:p="http://schemas.openxmlformats.org/presentationml/2006/main">
   <p:cSld>
     <p:bg>
@@ -11704,43 +10606,6 @@
           <a:chExt cx="0" cy="0"/>
         </a:xfrm>
       </p:grpSpPr>
-      <p:pic>
-        <p:nvPicPr>
-          <p:cNvPr id="4" name="Picture 3"/>
-          <p:cNvPicPr>
-            <a:picLocks noChangeAspect="1"/>
-          </p:cNvPicPr>
-          <p:nvPr/>
-        </p:nvPicPr>
-        <p:blipFill rotWithShape="1">
-          <a:blip r:embed="rId2" cstate="print">
-            <a:extLst>
-              <a:ext uri="{28A0092B-C50C-407E-A947-70E740481C1C}">
-                <a14:useLocalDpi xmlns="" xmlns:a14="http://schemas.microsoft.com/office/drawing/2010/main" val="0"/>
-              </a:ext>
-            </a:extLst>
-          </a:blip>
-          <a:srcRect l="31468" t="5245" r="31818" b="5594"/>
-          <a:stretch/>
-        </p:blipFill>
-        <p:spPr bwMode="auto">
-          <a:xfrm>
-            <a:off x="5300579" y="1634808"/>
-            <a:ext cx="1786021" cy="3470592"/>
-          </a:xfrm>
-          <a:prstGeom prst="rect">
-            <a:avLst/>
-          </a:prstGeom>
-          <a:ln>
-            <a:noFill/>
-          </a:ln>
-          <a:extLst>
-            <a:ext uri="{53640926-AAD7-44D8-BBD7-CCE9431645EC}">
-              <a14:shadowObscured xmlns="" xmlns:a14="http://schemas.microsoft.com/office/drawing/2010/main"/>
-            </a:ext>
-          </a:extLst>
-        </p:spPr>
-      </p:pic>
       <p:sp>
         <p:nvSpPr>
           <p:cNvPr id="6" name="Pentagon 5"/>
@@ -11852,6 +10717,210 @@
           </a:p>
         </p:txBody>
       </p:sp>
+      <p:sp>
+        <p:nvSpPr>
+          <p:cNvPr id="15" name="ตัวยึดหมายเลขภาพนิ่ง 6"/>
+          <p:cNvSpPr txBox="1">
+            <a:spLocks/>
+          </p:cNvSpPr>
+          <p:nvPr/>
+        </p:nvSpPr>
+        <p:spPr>
+          <a:xfrm>
+            <a:off x="6553200" y="6324600"/>
+            <a:ext cx="2133600" cy="365125"/>
+          </a:xfrm>
+          <a:prstGeom prst="rect">
+            <a:avLst/>
+          </a:prstGeom>
+        </p:spPr>
+        <p:txBody>
+          <a:bodyPr vert="horz" lIns="91440" tIns="45720" rIns="91440" bIns="45720" rtlCol="0" anchor="ctr"/>
+          <a:lstStyle/>
+          <a:p>
+            <a:pPr marL="0" marR="0" lvl="0" indent="0" algn="r" defTabSz="914400" rtl="0" eaLnBrk="1" fontAlgn="auto" latinLnBrk="0" hangingPunct="1">
+              <a:lnSpc>
+                <a:spcPct val="100000"/>
+              </a:lnSpc>
+              <a:spcBef>
+                <a:spcPts val="0"/>
+              </a:spcBef>
+              <a:spcAft>
+                <a:spcPts val="0"/>
+              </a:spcAft>
+              <a:buClrTx/>
+              <a:buSzTx/>
+              <a:buFontTx/>
+              <a:buNone/>
+              <a:tabLst/>
+              <a:defRPr/>
+            </a:pPr>
+            <a:fld id="{5685757F-D3FC-4732-92F9-251EF6B3B90C}" type="slidenum">
+              <a:rPr kumimoji="0" lang="en-US" sz="3200" b="1" i="0" u="none" strike="noStrike" kern="1200" cap="none" spc="0" normalizeH="0" baseline="0" noProof="0" smtClean="0">
+                <a:ln w="10541" cmpd="sng">
+                  <a:solidFill>
+                    <a:srgbClr val="7D7D7D">
+                      <a:tint val="100000"/>
+                      <a:shade val="100000"/>
+                      <a:satMod val="110000"/>
+                    </a:srgbClr>
+                  </a:solidFill>
+                  <a:prstDash val="solid"/>
+                </a:ln>
+                <a:gradFill>
+                  <a:gsLst>
+                    <a:gs pos="0">
+                      <a:srgbClr val="FFFFFF">
+                        <a:tint val="40000"/>
+                        <a:satMod val="250000"/>
+                      </a:srgbClr>
+                    </a:gs>
+                    <a:gs pos="9000">
+                      <a:srgbClr val="FFFFFF">
+                        <a:tint val="52000"/>
+                        <a:satMod val="300000"/>
+                      </a:srgbClr>
+                    </a:gs>
+                    <a:gs pos="50000">
+                      <a:srgbClr val="FFFFFF">
+                        <a:shade val="20000"/>
+                        <a:satMod val="300000"/>
+                      </a:srgbClr>
+                    </a:gs>
+                    <a:gs pos="79000">
+                      <a:srgbClr val="FFFFFF">
+                        <a:tint val="52000"/>
+                        <a:satMod val="300000"/>
+                      </a:srgbClr>
+                    </a:gs>
+                    <a:gs pos="100000">
+                      <a:srgbClr val="FFFFFF">
+                        <a:tint val="40000"/>
+                        <a:satMod val="250000"/>
+                      </a:srgbClr>
+                    </a:gs>
+                  </a:gsLst>
+                  <a:lin ang="5400000"/>
+                </a:gradFill>
+                <a:effectLst/>
+                <a:uLnTx/>
+                <a:uFillTx/>
+                <a:latin typeface="Angsana New" pitchFamily="18" charset="-34"/>
+                <a:ea typeface="+mn-ea"/>
+                <a:cs typeface="Angsana New" pitchFamily="18" charset="-34"/>
+              </a:rPr>
+              <a:pPr marL="0" marR="0" lvl="0" indent="0" algn="r" defTabSz="914400" rtl="0" eaLnBrk="1" fontAlgn="auto" latinLnBrk="0" hangingPunct="1">
+                <a:lnSpc>
+                  <a:spcPct val="100000"/>
+                </a:lnSpc>
+                <a:spcBef>
+                  <a:spcPts val="0"/>
+                </a:spcBef>
+                <a:spcAft>
+                  <a:spcPts val="0"/>
+                </a:spcAft>
+                <a:buClrTx/>
+                <a:buSzTx/>
+                <a:buFontTx/>
+                <a:buNone/>
+                <a:tabLst/>
+                <a:defRPr/>
+              </a:pPr>
+              <a:t>16</a:t>
+            </a:fld>
+            <a:endParaRPr kumimoji="0" lang="en-US" sz="3200" b="1" i="0" u="none" strike="noStrike" kern="1200" cap="none" spc="0" normalizeH="0" baseline="0" noProof="0" dirty="0">
+              <a:ln w="10541" cmpd="sng">
+                <a:solidFill>
+                  <a:srgbClr val="7D7D7D">
+                    <a:tint val="100000"/>
+                    <a:shade val="100000"/>
+                    <a:satMod val="110000"/>
+                  </a:srgbClr>
+                </a:solidFill>
+                <a:prstDash val="solid"/>
+              </a:ln>
+              <a:gradFill>
+                <a:gsLst>
+                  <a:gs pos="0">
+                    <a:srgbClr val="FFFFFF">
+                      <a:tint val="40000"/>
+                      <a:satMod val="250000"/>
+                    </a:srgbClr>
+                  </a:gs>
+                  <a:gs pos="9000">
+                    <a:srgbClr val="FFFFFF">
+                      <a:tint val="52000"/>
+                      <a:satMod val="300000"/>
+                    </a:srgbClr>
+                  </a:gs>
+                  <a:gs pos="50000">
+                    <a:srgbClr val="FFFFFF">
+                      <a:shade val="20000"/>
+                      <a:satMod val="300000"/>
+                    </a:srgbClr>
+                  </a:gs>
+                  <a:gs pos="79000">
+                    <a:srgbClr val="FFFFFF">
+                      <a:tint val="52000"/>
+                      <a:satMod val="300000"/>
+                    </a:srgbClr>
+                  </a:gs>
+                  <a:gs pos="100000">
+                    <a:srgbClr val="FFFFFF">
+                      <a:tint val="40000"/>
+                      <a:satMod val="250000"/>
+                    </a:srgbClr>
+                  </a:gs>
+                </a:gsLst>
+                <a:lin ang="5400000"/>
+              </a:gradFill>
+              <a:effectLst/>
+              <a:uLnTx/>
+              <a:uFillTx/>
+              <a:latin typeface="Angsana New" pitchFamily="18" charset="-34"/>
+              <a:ea typeface="+mn-ea"/>
+              <a:cs typeface="Angsana New" pitchFamily="18" charset="-34"/>
+            </a:endParaRPr>
+          </a:p>
+        </p:txBody>
+      </p:sp>
+      <p:pic>
+        <p:nvPicPr>
+          <p:cNvPr id="4" name="Picture 3"/>
+          <p:cNvPicPr>
+            <a:picLocks noChangeAspect="1"/>
+          </p:cNvPicPr>
+          <p:nvPr/>
+        </p:nvPicPr>
+        <p:blipFill rotWithShape="1">
+          <a:blip r:embed="rId2" cstate="print">
+            <a:extLst>
+              <a:ext uri="{28A0092B-C50C-407E-A947-70E740481C1C}">
+                <a14:useLocalDpi xmlns:a14="http://schemas.microsoft.com/office/drawing/2010/main" val="0"/>
+              </a:ext>
+            </a:extLst>
+          </a:blip>
+          <a:srcRect l="31468" t="5245" r="31818" b="5594"/>
+          <a:stretch/>
+        </p:blipFill>
+        <p:spPr bwMode="auto">
+          <a:xfrm>
+            <a:off x="5376105" y="685800"/>
+            <a:ext cx="2774956" cy="5392288"/>
+          </a:xfrm>
+          <a:prstGeom prst="rect">
+            <a:avLst/>
+          </a:prstGeom>
+          <a:ln>
+            <a:noFill/>
+          </a:ln>
+          <a:extLst>
+            <a:ext uri="{53640926-AAD7-44D8-BBD7-CCE9431645EC}">
+              <a14:shadowObscured xmlns:a14="http://schemas.microsoft.com/office/drawing/2010/main"/>
+            </a:ext>
+          </a:extLst>
+        </p:spPr>
+      </p:pic>
       <p:grpSp>
         <p:nvGrpSpPr>
           <p:cNvPr id="9" name="Group 8"/>
@@ -11860,8 +10929,8 @@
         </p:nvGrpSpPr>
         <p:grpSpPr>
           <a:xfrm>
-            <a:off x="5474825" y="1957109"/>
-            <a:ext cx="1447800" cy="2421016"/>
+            <a:off x="5660066" y="1181100"/>
+            <a:ext cx="2243468" cy="3848100"/>
             <a:chOff x="0" y="0"/>
             <a:chExt cx="781050" cy="1219200"/>
           </a:xfrm>
@@ -11878,7 +10947,7 @@
             <a:blip r:embed="rId3" cstate="print">
               <a:extLst>
                 <a:ext uri="{28A0092B-C50C-407E-A947-70E740481C1C}">
-                  <a14:useLocalDpi xmlns="" xmlns:a14="http://schemas.microsoft.com/office/drawing/2010/main" val="0"/>
+                  <a14:useLocalDpi xmlns:a14="http://schemas.microsoft.com/office/drawing/2010/main" val="0"/>
                 </a:ext>
               </a:extLst>
             </a:blip>
@@ -11891,9 +10960,20 @@
               <a:off x="0" y="0"/>
               <a:ext cx="781050" cy="1219200"/>
             </a:xfrm>
-            <a:prstGeom prst="rect">
-              <a:avLst/>
+            <a:prstGeom prst="roundRect">
+              <a:avLst>
+                <a:gd name="adj" fmla="val 8594"/>
+              </a:avLst>
             </a:prstGeom>
+            <a:solidFill>
+              <a:srgbClr val="FFFFFF">
+                <a:shade val="85000"/>
+              </a:srgbClr>
+            </a:solidFill>
+            <a:ln>
+              <a:noFill/>
+            </a:ln>
+            <a:effectLst/>
           </p:spPr>
         </p:pic>
         <p:sp>
@@ -12744,166 +11824,164 @@
       </p:grpSp>
       <p:sp>
         <p:nvSpPr>
-          <p:cNvPr id="15" name="ตัวยึดหมายเลขภาพนิ่ง 6"/>
-          <p:cNvSpPr txBox="1">
-            <a:spLocks/>
-          </p:cNvSpPr>
+          <p:cNvPr id="2" name="Line Callout 2 1"/>
+          <p:cNvSpPr/>
           <p:nvPr/>
         </p:nvSpPr>
         <p:spPr>
           <a:xfrm>
-            <a:off x="6553200" y="6324600"/>
-            <a:ext cx="2133600" cy="365125"/>
+            <a:off x="6934200" y="1954794"/>
+            <a:ext cx="838200" cy="306324"/>
           </a:xfrm>
-          <a:prstGeom prst="rect">
-            <a:avLst/>
+          <a:prstGeom prst="borderCallout2">
+            <a:avLst>
+              <a:gd name="adj1" fmla="val 32634"/>
+              <a:gd name="adj2" fmla="val 969"/>
+              <a:gd name="adj3" fmla="val 32634"/>
+              <a:gd name="adj4" fmla="val -25969"/>
+              <a:gd name="adj5" fmla="val 6779"/>
+              <a:gd name="adj6" fmla="val -50834"/>
+            </a:avLst>
           </a:prstGeom>
         </p:spPr>
+        <p:style>
+          <a:lnRef idx="1">
+            <a:schemeClr val="dk1"/>
+          </a:lnRef>
+          <a:fillRef idx="2">
+            <a:schemeClr val="dk1"/>
+          </a:fillRef>
+          <a:effectRef idx="1">
+            <a:schemeClr val="dk1"/>
+          </a:effectRef>
+          <a:fontRef idx="minor">
+            <a:schemeClr val="dk1"/>
+          </a:fontRef>
+        </p:style>
         <p:txBody>
-          <a:bodyPr vert="horz" lIns="91440" tIns="45720" rIns="91440" bIns="45720" rtlCol="0" anchor="ctr"/>
+          <a:bodyPr rtlCol="0" anchor="ctr"/>
           <a:lstStyle/>
           <a:p>
-            <a:pPr marL="0" marR="0" lvl="0" indent="0" algn="r" defTabSz="914400" rtl="0" eaLnBrk="1" fontAlgn="auto" latinLnBrk="0" hangingPunct="1">
-              <a:lnSpc>
-                <a:spcPct val="100000"/>
-              </a:lnSpc>
-              <a:spcBef>
-                <a:spcPts val="0"/>
-              </a:spcBef>
-              <a:spcAft>
-                <a:spcPts val="0"/>
-              </a:spcAft>
-              <a:buClrTx/>
-              <a:buSzTx/>
-              <a:buFontTx/>
-              <a:buNone/>
-              <a:tabLst/>
-              <a:defRPr/>
-            </a:pPr>
-            <a:fld id="{5685757F-D3FC-4732-92F9-251EF6B3B90C}" type="slidenum">
-              <a:rPr kumimoji="0" lang="en-US" sz="3200" b="1" i="0" u="none" strike="noStrike" kern="1200" cap="none" spc="0" normalizeH="0" baseline="0" noProof="0" smtClean="0">
-                <a:ln w="10541" cmpd="sng">
-                  <a:solidFill>
-                    <a:srgbClr val="7D7D7D">
-                      <a:tint val="100000"/>
-                      <a:shade val="100000"/>
-                      <a:satMod val="110000"/>
-                    </a:srgbClr>
-                  </a:solidFill>
-                  <a:prstDash val="solid"/>
-                </a:ln>
-                <a:gradFill>
-                  <a:gsLst>
-                    <a:gs pos="0">
-                      <a:srgbClr val="FFFFFF">
-                        <a:tint val="40000"/>
-                        <a:satMod val="250000"/>
-                      </a:srgbClr>
-                    </a:gs>
-                    <a:gs pos="9000">
-                      <a:srgbClr val="FFFFFF">
-                        <a:tint val="52000"/>
-                        <a:satMod val="300000"/>
-                      </a:srgbClr>
-                    </a:gs>
-                    <a:gs pos="50000">
-                      <a:srgbClr val="FFFFFF">
-                        <a:shade val="20000"/>
-                        <a:satMod val="300000"/>
-                      </a:srgbClr>
-                    </a:gs>
-                    <a:gs pos="79000">
-                      <a:srgbClr val="FFFFFF">
-                        <a:tint val="52000"/>
-                        <a:satMod val="300000"/>
-                      </a:srgbClr>
-                    </a:gs>
-                    <a:gs pos="100000">
-                      <a:srgbClr val="FFFFFF">
-                        <a:tint val="40000"/>
-                        <a:satMod val="250000"/>
-                      </a:srgbClr>
-                    </a:gs>
-                  </a:gsLst>
-                  <a:lin ang="5400000"/>
-                </a:gradFill>
-                <a:effectLst/>
-                <a:uLnTx/>
-                <a:uFillTx/>
+            <a:pPr algn="ctr"/>
+            <a:r>
+              <a:rPr lang="th-TH" sz="1600" b="1" dirty="0" smtClean="0">
                 <a:latin typeface="Angsana New" pitchFamily="18" charset="-34"/>
-                <a:ea typeface="+mn-ea"/>
                 <a:cs typeface="Angsana New" pitchFamily="18" charset="-34"/>
               </a:rPr>
-              <a:pPr marL="0" marR="0" lvl="0" indent="0" algn="r" defTabSz="914400" rtl="0" eaLnBrk="1" fontAlgn="auto" latinLnBrk="0" hangingPunct="1">
-                <a:lnSpc>
-                  <a:spcPct val="100000"/>
-                </a:lnSpc>
-                <a:spcBef>
-                  <a:spcPts val="0"/>
-                </a:spcBef>
-                <a:spcAft>
-                  <a:spcPts val="0"/>
-                </a:spcAft>
-                <a:buClrTx/>
-                <a:buSzTx/>
-                <a:buFontTx/>
-                <a:buNone/>
-                <a:tabLst/>
-                <a:defRPr/>
-              </a:pPr>
-              <a:t>18</a:t>
-            </a:fld>
-            <a:endParaRPr kumimoji="0" lang="en-US" sz="3200" b="1" i="0" u="none" strike="noStrike" kern="1200" cap="none" spc="0" normalizeH="0" baseline="0" noProof="0" dirty="0">
-              <a:ln w="10541" cmpd="sng">
-                <a:solidFill>
-                  <a:srgbClr val="7D7D7D">
-                    <a:tint val="100000"/>
-                    <a:shade val="100000"/>
-                    <a:satMod val="110000"/>
-                  </a:srgbClr>
-                </a:solidFill>
-                <a:prstDash val="solid"/>
-              </a:ln>
-              <a:gradFill>
-                <a:gsLst>
-                  <a:gs pos="0">
-                    <a:srgbClr val="FFFFFF">
-                      <a:tint val="40000"/>
-                      <a:satMod val="250000"/>
-                    </a:srgbClr>
-                  </a:gs>
-                  <a:gs pos="9000">
-                    <a:srgbClr val="FFFFFF">
-                      <a:tint val="52000"/>
-                      <a:satMod val="300000"/>
-                    </a:srgbClr>
-                  </a:gs>
-                  <a:gs pos="50000">
-                    <a:srgbClr val="FFFFFF">
-                      <a:shade val="20000"/>
-                      <a:satMod val="300000"/>
-                    </a:srgbClr>
-                  </a:gs>
-                  <a:gs pos="79000">
-                    <a:srgbClr val="FFFFFF">
-                      <a:tint val="52000"/>
-                      <a:satMod val="300000"/>
-                    </a:srgbClr>
-                  </a:gs>
-                  <a:gs pos="100000">
-                    <a:srgbClr val="FFFFFF">
-                      <a:tint val="40000"/>
-                      <a:satMod val="250000"/>
-                    </a:srgbClr>
-                  </a:gs>
-                </a:gsLst>
-                <a:lin ang="5400000"/>
-              </a:gradFill>
-              <a:effectLst/>
-              <a:uLnTx/>
-              <a:uFillTx/>
+              <a:t>สะพานลอย</a:t>
+            </a:r>
+            <a:endParaRPr lang="en-US" sz="1600" b="1" dirty="0">
               <a:latin typeface="Angsana New" pitchFamily="18" charset="-34"/>
-              <a:ea typeface="+mn-ea"/>
+              <a:cs typeface="Angsana New" pitchFamily="18" charset="-34"/>
+            </a:endParaRPr>
+          </a:p>
+        </p:txBody>
+      </p:sp>
+      <p:sp>
+        <p:nvSpPr>
+          <p:cNvPr id="12" name="Line Callout 2 11"/>
+          <p:cNvSpPr/>
+          <p:nvPr/>
+        </p:nvSpPr>
+        <p:spPr>
+          <a:xfrm>
+            <a:off x="6247017" y="2456050"/>
+            <a:ext cx="665917" cy="306324"/>
+          </a:xfrm>
+          <a:prstGeom prst="borderCallout2">
+            <a:avLst>
+              <a:gd name="adj1" fmla="val 32634"/>
+              <a:gd name="adj2" fmla="val 969"/>
+              <a:gd name="adj3" fmla="val 32634"/>
+              <a:gd name="adj4" fmla="val -25969"/>
+              <a:gd name="adj5" fmla="val 76199"/>
+              <a:gd name="adj6" fmla="val -50834"/>
+            </a:avLst>
+          </a:prstGeom>
+        </p:spPr>
+        <p:style>
+          <a:lnRef idx="1">
+            <a:schemeClr val="accent3"/>
+          </a:lnRef>
+          <a:fillRef idx="2">
+            <a:schemeClr val="accent3"/>
+          </a:fillRef>
+          <a:effectRef idx="1">
+            <a:schemeClr val="accent3"/>
+          </a:effectRef>
+          <a:fontRef idx="minor">
+            <a:schemeClr val="dk1"/>
+          </a:fontRef>
+        </p:style>
+        <p:txBody>
+          <a:bodyPr rtlCol="0" anchor="ctr"/>
+          <a:lstStyle/>
+          <a:p>
+            <a:pPr algn="ctr"/>
+            <a:r>
+              <a:rPr lang="th-TH" sz="1600" b="1" dirty="0" smtClean="0">
+                <a:latin typeface="Angsana New" pitchFamily="18" charset="-34"/>
+                <a:cs typeface="Angsana New" pitchFamily="18" charset="-34"/>
+              </a:rPr>
+              <a:t>วงเวียน</a:t>
+            </a:r>
+            <a:endParaRPr lang="en-US" sz="1600" b="1" dirty="0">
+              <a:latin typeface="Angsana New" pitchFamily="18" charset="-34"/>
+              <a:cs typeface="Angsana New" pitchFamily="18" charset="-34"/>
+            </a:endParaRPr>
+          </a:p>
+        </p:txBody>
+      </p:sp>
+      <p:sp>
+        <p:nvSpPr>
+          <p:cNvPr id="13" name="Line Callout 2 12"/>
+          <p:cNvSpPr/>
+          <p:nvPr/>
+        </p:nvSpPr>
+        <p:spPr>
+          <a:xfrm>
+            <a:off x="5827917" y="3456343"/>
+            <a:ext cx="838200" cy="306324"/>
+          </a:xfrm>
+          <a:prstGeom prst="borderCallout2">
+            <a:avLst>
+              <a:gd name="adj1" fmla="val 46518"/>
+              <a:gd name="adj2" fmla="val 99912"/>
+              <a:gd name="adj3" fmla="val 46518"/>
+              <a:gd name="adj4" fmla="val 116103"/>
+              <a:gd name="adj5" fmla="val 13721"/>
+              <a:gd name="adj6" fmla="val 119145"/>
+            </a:avLst>
+          </a:prstGeom>
+        </p:spPr>
+        <p:style>
+          <a:lnRef idx="1">
+            <a:schemeClr val="accent1"/>
+          </a:lnRef>
+          <a:fillRef idx="2">
+            <a:schemeClr val="accent1"/>
+          </a:fillRef>
+          <a:effectRef idx="1">
+            <a:schemeClr val="accent1"/>
+          </a:effectRef>
+          <a:fontRef idx="minor">
+            <a:schemeClr val="dk1"/>
+          </a:fontRef>
+        </p:style>
+        <p:txBody>
+          <a:bodyPr rtlCol="0" anchor="ctr"/>
+          <a:lstStyle/>
+          <a:p>
+            <a:pPr algn="ctr"/>
+            <a:r>
+              <a:rPr lang="en-US" sz="1600" b="1" dirty="0" smtClean="0">
+                <a:latin typeface="Angsana New" pitchFamily="18" charset="-34"/>
+                <a:cs typeface="Angsana New" pitchFamily="18" charset="-34"/>
+              </a:rPr>
+              <a:t>7-Eleven</a:t>
+            </a:r>
+            <a:endParaRPr lang="en-US" sz="1600" b="1" dirty="0">
+              <a:latin typeface="Angsana New" pitchFamily="18" charset="-34"/>
               <a:cs typeface="Angsana New" pitchFamily="18" charset="-34"/>
             </a:endParaRPr>
           </a:p>
@@ -12912,7 +11990,7 @@
     </p:spTree>
     <p:extLst>
       <p:ext uri="{BB962C8B-B14F-4D97-AF65-F5344CB8AC3E}">
-        <p14:creationId xmlns="" xmlns:p14="http://schemas.microsoft.com/office/powerpoint/2010/main" val="215749748"/>
+        <p14:creationId xmlns:p14="http://schemas.microsoft.com/office/powerpoint/2010/main" val="215749748"/>
       </p:ext>
     </p:extLst>
   </p:cSld>
@@ -13044,7 +12122,7 @@
                                           </p:stCondLst>
                                         </p:cTn>
                                         <p:tgtEl>
-                                          <p:spTgt spid="9"/>
+                                          <p:spTgt spid="4"/>
                                         </p:tgtEl>
                                         <p:attrNameLst>
                                           <p:attrName>style.visibility</p:attrName>
@@ -13058,7 +12136,183 @@
                                       <p:cBhvr>
                                         <p:cTn id="15" dur="500"/>
                                         <p:tgtEl>
+                                          <p:spTgt spid="4"/>
+                                        </p:tgtEl>
+                                      </p:cBhvr>
+                                    </p:animEffect>
+                                  </p:childTnLst>
+                                </p:cTn>
+                              </p:par>
+                            </p:childTnLst>
+                          </p:cTn>
+                        </p:par>
+                        <p:par>
+                          <p:cTn id="16" fill="hold">
+                            <p:stCondLst>
+                              <p:cond delay="1500"/>
+                            </p:stCondLst>
+                            <p:childTnLst>
+                              <p:par>
+                                <p:cTn id="17" presetID="10" presetClass="entr" presetSubtype="0" fill="hold" nodeType="afterEffect">
+                                  <p:stCondLst>
+                                    <p:cond delay="0"/>
+                                  </p:stCondLst>
+                                  <p:childTnLst>
+                                    <p:set>
+                                      <p:cBhvr>
+                                        <p:cTn id="18" dur="1" fill="hold">
+                                          <p:stCondLst>
+                                            <p:cond delay="0"/>
+                                          </p:stCondLst>
+                                        </p:cTn>
+                                        <p:tgtEl>
                                           <p:spTgt spid="9"/>
+                                        </p:tgtEl>
+                                        <p:attrNameLst>
+                                          <p:attrName>style.visibility</p:attrName>
+                                        </p:attrNameLst>
+                                      </p:cBhvr>
+                                      <p:to>
+                                        <p:strVal val="visible"/>
+                                      </p:to>
+                                    </p:set>
+                                    <p:animEffect transition="in" filter="fade">
+                                      <p:cBhvr>
+                                        <p:cTn id="19" dur="500"/>
+                                        <p:tgtEl>
+                                          <p:spTgt spid="9"/>
+                                        </p:tgtEl>
+                                      </p:cBhvr>
+                                    </p:animEffect>
+                                  </p:childTnLst>
+                                </p:cTn>
+                              </p:par>
+                            </p:childTnLst>
+                          </p:cTn>
+                        </p:par>
+                        <p:par>
+                          <p:cTn id="20" fill="hold">
+                            <p:stCondLst>
+                              <p:cond delay="2000"/>
+                            </p:stCondLst>
+                            <p:childTnLst>
+                              <p:par>
+                                <p:cTn id="21" presetID="10" presetClass="entr" presetSubtype="0" fill="hold" grpId="0" nodeType="afterEffect">
+                                  <p:stCondLst>
+                                    <p:cond delay="0"/>
+                                  </p:stCondLst>
+                                  <p:childTnLst>
+                                    <p:set>
+                                      <p:cBhvr>
+                                        <p:cTn id="22" dur="1" fill="hold">
+                                          <p:stCondLst>
+                                            <p:cond delay="0"/>
+                                          </p:stCondLst>
+                                        </p:cTn>
+                                        <p:tgtEl>
+                                          <p:spTgt spid="2"/>
+                                        </p:tgtEl>
+                                        <p:attrNameLst>
+                                          <p:attrName>style.visibility</p:attrName>
+                                        </p:attrNameLst>
+                                      </p:cBhvr>
+                                      <p:to>
+                                        <p:strVal val="visible"/>
+                                      </p:to>
+                                    </p:set>
+                                    <p:animEffect transition="in" filter="fade">
+                                      <p:cBhvr>
+                                        <p:cTn id="23" dur="500"/>
+                                        <p:tgtEl>
+                                          <p:spTgt spid="2"/>
+                                        </p:tgtEl>
+                                      </p:cBhvr>
+                                    </p:animEffect>
+                                  </p:childTnLst>
+                                </p:cTn>
+                              </p:par>
+                            </p:childTnLst>
+                          </p:cTn>
+                        </p:par>
+                        <p:par>
+                          <p:cTn id="24" fill="hold">
+                            <p:stCondLst>
+                              <p:cond delay="2500"/>
+                            </p:stCondLst>
+                            <p:childTnLst>
+                              <p:par>
+                                <p:cTn id="25" presetID="10" presetClass="entr" presetSubtype="0" fill="hold" grpId="0" nodeType="afterEffect">
+                                  <p:stCondLst>
+                                    <p:cond delay="0"/>
+                                  </p:stCondLst>
+                                  <p:childTnLst>
+                                    <p:set>
+                                      <p:cBhvr>
+                                        <p:cTn id="26" dur="1" fill="hold">
+                                          <p:stCondLst>
+                                            <p:cond delay="0"/>
+                                          </p:stCondLst>
+                                        </p:cTn>
+                                        <p:tgtEl>
+                                          <p:spTgt spid="12"/>
+                                        </p:tgtEl>
+                                        <p:attrNameLst>
+                                          <p:attrName>style.visibility</p:attrName>
+                                        </p:attrNameLst>
+                                      </p:cBhvr>
+                                      <p:to>
+                                        <p:strVal val="visible"/>
+                                      </p:to>
+                                    </p:set>
+                                    <p:animEffect transition="in" filter="fade">
+                                      <p:cBhvr>
+                                        <p:cTn id="27" dur="500"/>
+                                        <p:tgtEl>
+                                          <p:spTgt spid="12"/>
+                                        </p:tgtEl>
+                                      </p:cBhvr>
+                                    </p:animEffect>
+                                  </p:childTnLst>
+                                </p:cTn>
+                              </p:par>
+                            </p:childTnLst>
+                          </p:cTn>
+                        </p:par>
+                        <p:par>
+                          <p:cTn id="28" fill="hold">
+                            <p:stCondLst>
+                              <p:cond delay="3000"/>
+                            </p:stCondLst>
+                            <p:childTnLst>
+                              <p:par>
+                                <p:cTn id="29" presetID="10" presetClass="entr" presetSubtype="0" fill="hold" grpId="0" nodeType="afterEffect">
+                                  <p:stCondLst>
+                                    <p:cond delay="0"/>
+                                  </p:stCondLst>
+                                  <p:childTnLst>
+                                    <p:set>
+                                      <p:cBhvr>
+                                        <p:cTn id="30" dur="1" fill="hold">
+                                          <p:stCondLst>
+                                            <p:cond delay="0"/>
+                                          </p:stCondLst>
+                                        </p:cTn>
+                                        <p:tgtEl>
+                                          <p:spTgt spid="13"/>
+                                        </p:tgtEl>
+                                        <p:attrNameLst>
+                                          <p:attrName>style.visibility</p:attrName>
+                                        </p:attrNameLst>
+                                      </p:cBhvr>
+                                      <p:to>
+                                        <p:strVal val="visible"/>
+                                      </p:to>
+                                    </p:set>
+                                    <p:animEffect transition="in" filter="fade">
+                                      <p:cBhvr>
+                                        <p:cTn id="31" dur="500"/>
+                                        <p:tgtEl>
+                                          <p:spTgt spid="13"/>
                                         </p:tgtEl>
                                       </p:cBhvr>
                                     </p:animEffect>
@@ -13095,12 +12349,15 @@
     <p:bldLst>
       <p:bldP spid="6" grpId="0" animBg="1"/>
       <p:bldP spid="8" grpId="0" animBg="1"/>
+      <p:bldP spid="2" grpId="0" animBg="1"/>
+      <p:bldP spid="12" grpId="0" animBg="1"/>
+      <p:bldP spid="13" grpId="0" animBg="1"/>
     </p:bldLst>
   </p:timing>
 </p:sld>
 </file>
 
-<file path=ppt/slides/slide19.xml><?xml version="1.0" encoding="utf-8"?>
+<file path=ppt/slides/slide17.xml><?xml version="1.0" encoding="utf-8"?>
 <p:sld xmlns:a="http://schemas.openxmlformats.org/drawingml/2006/main" xmlns:r="http://schemas.openxmlformats.org/officeDocument/2006/relationships" xmlns:p="http://schemas.openxmlformats.org/presentationml/2006/main">
   <p:cSld>
     <p:spTree>
@@ -13152,11 +12409,13 @@
         </p:nvSpPr>
         <p:spPr/>
         <p:txBody>
-          <a:bodyPr/>
+          <a:bodyPr>
+            <a:normAutofit/>
+          </a:bodyPr>
           <a:lstStyle/>
           <a:p>
             <a:r>
-              <a:rPr lang="th-TH" dirty="0" smtClean="0">
+              <a:rPr lang="th-TH" sz="4000" dirty="0" smtClean="0">
                 <a:latin typeface="Angsana New" pitchFamily="18" charset="-34"/>
                 <a:cs typeface="Angsana New" pitchFamily="18" charset="-34"/>
               </a:rPr>
@@ -13165,27 +12424,36 @@
           </a:p>
           <a:p>
             <a:r>
-              <a:rPr lang="th-TH" dirty="0" smtClean="0">
+              <a:rPr lang="th-TH" sz="4000" dirty="0" smtClean="0">
                 <a:latin typeface="Angsana New" pitchFamily="18" charset="-34"/>
                 <a:cs typeface="Angsana New" pitchFamily="18" charset="-34"/>
               </a:rPr>
               <a:t>ระยะทาง </a:t>
             </a:r>
+          </a:p>
+          <a:p>
             <a:r>
-              <a:rPr lang="th-TH" dirty="0">
+              <a:rPr lang="th-TH" sz="4000" dirty="0" smtClean="0">
                 <a:latin typeface="Angsana New" pitchFamily="18" charset="-34"/>
                 <a:cs typeface="Angsana New" pitchFamily="18" charset="-34"/>
               </a:rPr>
-              <a:t>ชื่อเส้นทางที่ผ่าน</a:t>
+              <a:t>ชื่อ</a:t>
             </a:r>
             <a:r>
-              <a:rPr lang="th-TH" dirty="0" smtClean="0">
+              <a:rPr lang="th-TH" sz="4000" dirty="0">
+                <a:latin typeface="Angsana New" pitchFamily="18" charset="-34"/>
+                <a:cs typeface="Angsana New" pitchFamily="18" charset="-34"/>
+              </a:rPr>
+              <a:t>เส้นทางที่ผ่าน</a:t>
+            </a:r>
+            <a:r>
+              <a:rPr lang="th-TH" sz="4000" dirty="0" smtClean="0">
                 <a:latin typeface="Angsana New" pitchFamily="18" charset="-34"/>
                 <a:cs typeface="Angsana New" pitchFamily="18" charset="-34"/>
               </a:rPr>
               <a:t>มา</a:t>
             </a:r>
-            <a:endParaRPr lang="en-US" dirty="0">
+            <a:endParaRPr lang="en-US" sz="4000" dirty="0">
               <a:latin typeface="Angsana New" pitchFamily="18" charset="-34"/>
               <a:cs typeface="Angsana New" pitchFamily="18" charset="-34"/>
             </a:endParaRPr>
@@ -13271,7 +12539,7 @@
                 <a:tabLst/>
                 <a:defRPr/>
               </a:pPr>
-              <a:t>19</a:t>
+              <a:t>17</a:t>
             </a:fld>
             <a:endParaRPr kumimoji="0" lang="en-US" sz="3200" i="0" u="none" strike="noStrike" kern="1200" normalizeH="0" baseline="0" noProof="0" dirty="0">
               <a:ln w="18415" cmpd="sng">
@@ -13302,13 +12570,259 @@
     </p:spTree>
     <p:extLst>
       <p:ext uri="{BB962C8B-B14F-4D97-AF65-F5344CB8AC3E}">
-        <p14:creationId xmlns="" xmlns:p14="http://schemas.microsoft.com/office/powerpoint/2010/main" val="4161143384"/>
+        <p14:creationId xmlns:p14="http://schemas.microsoft.com/office/powerpoint/2010/main" val="4161143384"/>
       </p:ext>
     </p:extLst>
   </p:cSld>
   <p:clrMapOvr>
     <a:masterClrMapping/>
   </p:clrMapOvr>
+  <p:timing>
+    <p:tnLst>
+      <p:par>
+        <p:cTn id="1" dur="indefinite" restart="never" nodeType="tmRoot">
+          <p:childTnLst>
+            <p:seq concurrent="1" nextAc="seek">
+              <p:cTn id="2" dur="indefinite" nodeType="mainSeq">
+                <p:childTnLst>
+                  <p:par>
+                    <p:cTn id="3" fill="hold">
+                      <p:stCondLst>
+                        <p:cond delay="indefinite"/>
+                        <p:cond evt="onBegin" delay="0">
+                          <p:tn val="2"/>
+                        </p:cond>
+                      </p:stCondLst>
+                      <p:childTnLst>
+                        <p:par>
+                          <p:cTn id="4" fill="hold">
+                            <p:stCondLst>
+                              <p:cond delay="0"/>
+                            </p:stCondLst>
+                            <p:childTnLst>
+                              <p:par>
+                                <p:cTn id="5" presetID="10" presetClass="entr" presetSubtype="0" fill="hold" grpId="0" nodeType="afterEffect">
+                                  <p:stCondLst>
+                                    <p:cond delay="0"/>
+                                  </p:stCondLst>
+                                  <p:childTnLst>
+                                    <p:set>
+                                      <p:cBhvr>
+                                        <p:cTn id="6" dur="1" fill="hold">
+                                          <p:stCondLst>
+                                            <p:cond delay="0"/>
+                                          </p:stCondLst>
+                                        </p:cTn>
+                                        <p:tgtEl>
+                                          <p:spTgt spid="2"/>
+                                        </p:tgtEl>
+                                        <p:attrNameLst>
+                                          <p:attrName>style.visibility</p:attrName>
+                                        </p:attrNameLst>
+                                      </p:cBhvr>
+                                      <p:to>
+                                        <p:strVal val="visible"/>
+                                      </p:to>
+                                    </p:set>
+                                    <p:animEffect transition="in" filter="fade">
+                                      <p:cBhvr>
+                                        <p:cTn id="7" dur="500"/>
+                                        <p:tgtEl>
+                                          <p:spTgt spid="2"/>
+                                        </p:tgtEl>
+                                      </p:cBhvr>
+                                    </p:animEffect>
+                                  </p:childTnLst>
+                                </p:cTn>
+                              </p:par>
+                            </p:childTnLst>
+                          </p:cTn>
+                        </p:par>
+                        <p:par>
+                          <p:cTn id="8" fill="hold">
+                            <p:stCondLst>
+                              <p:cond delay="500"/>
+                            </p:stCondLst>
+                            <p:childTnLst>
+                              <p:par>
+                                <p:cTn id="9" presetID="10" presetClass="entr" presetSubtype="0" fill="hold" grpId="0" nodeType="afterEffect">
+                                  <p:stCondLst>
+                                    <p:cond delay="0"/>
+                                  </p:stCondLst>
+                                  <p:childTnLst>
+                                    <p:set>
+                                      <p:cBhvr>
+                                        <p:cTn id="10" dur="1" fill="hold">
+                                          <p:stCondLst>
+                                            <p:cond delay="0"/>
+                                          </p:stCondLst>
+                                        </p:cTn>
+                                        <p:tgtEl>
+                                          <p:spTgt spid="3">
+                                            <p:txEl>
+                                              <p:pRg st="0" end="0"/>
+                                            </p:txEl>
+                                          </p:spTgt>
+                                        </p:tgtEl>
+                                        <p:attrNameLst>
+                                          <p:attrName>style.visibility</p:attrName>
+                                        </p:attrNameLst>
+                                      </p:cBhvr>
+                                      <p:to>
+                                        <p:strVal val="visible"/>
+                                      </p:to>
+                                    </p:set>
+                                    <p:animEffect transition="in" filter="fade">
+                                      <p:cBhvr>
+                                        <p:cTn id="11" dur="500"/>
+                                        <p:tgtEl>
+                                          <p:spTgt spid="3">
+                                            <p:txEl>
+                                              <p:pRg st="0" end="0"/>
+                                            </p:txEl>
+                                          </p:spTgt>
+                                        </p:tgtEl>
+                                      </p:cBhvr>
+                                    </p:animEffect>
+                                  </p:childTnLst>
+                                </p:cTn>
+                              </p:par>
+                            </p:childTnLst>
+                          </p:cTn>
+                        </p:par>
+                        <p:par>
+                          <p:cTn id="12" fill="hold">
+                            <p:stCondLst>
+                              <p:cond delay="1000"/>
+                            </p:stCondLst>
+                            <p:childTnLst>
+                              <p:par>
+                                <p:cTn id="13" presetID="10" presetClass="entr" presetSubtype="0" fill="hold" grpId="0" nodeType="afterEffect">
+                                  <p:stCondLst>
+                                    <p:cond delay="0"/>
+                                  </p:stCondLst>
+                                  <p:childTnLst>
+                                    <p:set>
+                                      <p:cBhvr>
+                                        <p:cTn id="14" dur="1" fill="hold">
+                                          <p:stCondLst>
+                                            <p:cond delay="0"/>
+                                          </p:stCondLst>
+                                        </p:cTn>
+                                        <p:tgtEl>
+                                          <p:spTgt spid="3">
+                                            <p:txEl>
+                                              <p:pRg st="1" end="1"/>
+                                            </p:txEl>
+                                          </p:spTgt>
+                                        </p:tgtEl>
+                                        <p:attrNameLst>
+                                          <p:attrName>style.visibility</p:attrName>
+                                        </p:attrNameLst>
+                                      </p:cBhvr>
+                                      <p:to>
+                                        <p:strVal val="visible"/>
+                                      </p:to>
+                                    </p:set>
+                                    <p:animEffect transition="in" filter="fade">
+                                      <p:cBhvr>
+                                        <p:cTn id="15" dur="500"/>
+                                        <p:tgtEl>
+                                          <p:spTgt spid="3">
+                                            <p:txEl>
+                                              <p:pRg st="1" end="1"/>
+                                            </p:txEl>
+                                          </p:spTgt>
+                                        </p:tgtEl>
+                                      </p:cBhvr>
+                                    </p:animEffect>
+                                  </p:childTnLst>
+                                </p:cTn>
+                              </p:par>
+                            </p:childTnLst>
+                          </p:cTn>
+                        </p:par>
+                        <p:par>
+                          <p:cTn id="16" fill="hold">
+                            <p:stCondLst>
+                              <p:cond delay="1500"/>
+                            </p:stCondLst>
+                            <p:childTnLst>
+                              <p:par>
+                                <p:cTn id="17" presetID="10" presetClass="entr" presetSubtype="0" fill="hold" grpId="0" nodeType="afterEffect">
+                                  <p:stCondLst>
+                                    <p:cond delay="0"/>
+                                  </p:stCondLst>
+                                  <p:childTnLst>
+                                    <p:set>
+                                      <p:cBhvr>
+                                        <p:cTn id="18" dur="1" fill="hold">
+                                          <p:stCondLst>
+                                            <p:cond delay="0"/>
+                                          </p:stCondLst>
+                                        </p:cTn>
+                                        <p:tgtEl>
+                                          <p:spTgt spid="3">
+                                            <p:txEl>
+                                              <p:pRg st="2" end="2"/>
+                                            </p:txEl>
+                                          </p:spTgt>
+                                        </p:tgtEl>
+                                        <p:attrNameLst>
+                                          <p:attrName>style.visibility</p:attrName>
+                                        </p:attrNameLst>
+                                      </p:cBhvr>
+                                      <p:to>
+                                        <p:strVal val="visible"/>
+                                      </p:to>
+                                    </p:set>
+                                    <p:animEffect transition="in" filter="fade">
+                                      <p:cBhvr>
+                                        <p:cTn id="19" dur="500"/>
+                                        <p:tgtEl>
+                                          <p:spTgt spid="3">
+                                            <p:txEl>
+                                              <p:pRg st="2" end="2"/>
+                                            </p:txEl>
+                                          </p:spTgt>
+                                        </p:tgtEl>
+                                      </p:cBhvr>
+                                    </p:animEffect>
+                                  </p:childTnLst>
+                                </p:cTn>
+                              </p:par>
+                            </p:childTnLst>
+                          </p:cTn>
+                        </p:par>
+                      </p:childTnLst>
+                    </p:cTn>
+                  </p:par>
+                </p:childTnLst>
+              </p:cTn>
+              <p:prevCondLst>
+                <p:cond evt="onPrev" delay="0">
+                  <p:tgtEl>
+                    <p:sldTgt/>
+                  </p:tgtEl>
+                </p:cond>
+              </p:prevCondLst>
+              <p:nextCondLst>
+                <p:cond evt="onNext" delay="0">
+                  <p:tgtEl>
+                    <p:sldTgt/>
+                  </p:tgtEl>
+                </p:cond>
+              </p:nextCondLst>
+            </p:seq>
+          </p:childTnLst>
+        </p:cTn>
+      </p:par>
+    </p:tnLst>
+    <p:bldLst>
+      <p:bldP spid="2" grpId="0"/>
+      <p:bldP spid="3" grpId="0" build="p"/>
+    </p:bldLst>
+  </p:timing>
 </p:sld>
 </file>
 
@@ -13378,10 +12892,6 @@
               </a:rPr>
               <a:t>51364651</a:t>
             </a:r>
-            <a:endParaRPr lang="en-US" b="1" dirty="0" smtClean="0">
-              <a:latin typeface="Angsana New" pitchFamily="18" charset="-34"/>
-              <a:cs typeface="Angsana New" pitchFamily="18" charset="-34"/>
-            </a:endParaRPr>
           </a:p>
           <a:p>
             <a:pPr algn="ctr">
@@ -13508,6 +13018,311 @@
   <p:clrMapOvr>
     <a:masterClrMapping/>
   </p:clrMapOvr>
+  <p:timing>
+    <p:tnLst>
+      <p:par>
+        <p:cTn id="1" dur="indefinite" restart="never" nodeType="tmRoot">
+          <p:childTnLst>
+            <p:seq concurrent="1" nextAc="seek">
+              <p:cTn id="2" dur="indefinite" nodeType="mainSeq">
+                <p:childTnLst>
+                  <p:par>
+                    <p:cTn id="3" fill="hold">
+                      <p:stCondLst>
+                        <p:cond delay="indefinite"/>
+                        <p:cond evt="onBegin" delay="0">
+                          <p:tn val="2"/>
+                        </p:cond>
+                      </p:stCondLst>
+                      <p:childTnLst>
+                        <p:par>
+                          <p:cTn id="4" fill="hold">
+                            <p:stCondLst>
+                              <p:cond delay="0"/>
+                            </p:stCondLst>
+                            <p:childTnLst>
+                              <p:par>
+                                <p:cTn id="5" presetID="10" presetClass="entr" presetSubtype="0" fill="hold" grpId="0" nodeType="afterEffect">
+                                  <p:stCondLst>
+                                    <p:cond delay="0"/>
+                                  </p:stCondLst>
+                                  <p:childTnLst>
+                                    <p:set>
+                                      <p:cBhvr>
+                                        <p:cTn id="6" dur="1" fill="hold">
+                                          <p:stCondLst>
+                                            <p:cond delay="0"/>
+                                          </p:stCondLst>
+                                        </p:cTn>
+                                        <p:tgtEl>
+                                          <p:spTgt spid="3">
+                                            <p:txEl>
+                                              <p:pRg st="0" end="0"/>
+                                            </p:txEl>
+                                          </p:spTgt>
+                                        </p:tgtEl>
+                                        <p:attrNameLst>
+                                          <p:attrName>style.visibility</p:attrName>
+                                        </p:attrNameLst>
+                                      </p:cBhvr>
+                                      <p:to>
+                                        <p:strVal val="visible"/>
+                                      </p:to>
+                                    </p:set>
+                                    <p:animEffect transition="in" filter="fade">
+                                      <p:cBhvr>
+                                        <p:cTn id="7" dur="500"/>
+                                        <p:tgtEl>
+                                          <p:spTgt spid="3">
+                                            <p:txEl>
+                                              <p:pRg st="0" end="0"/>
+                                            </p:txEl>
+                                          </p:spTgt>
+                                        </p:tgtEl>
+                                      </p:cBhvr>
+                                    </p:animEffect>
+                                  </p:childTnLst>
+                                </p:cTn>
+                              </p:par>
+                            </p:childTnLst>
+                          </p:cTn>
+                        </p:par>
+                        <p:par>
+                          <p:cTn id="8" fill="hold">
+                            <p:stCondLst>
+                              <p:cond delay="500"/>
+                            </p:stCondLst>
+                            <p:childTnLst>
+                              <p:par>
+                                <p:cTn id="9" presetID="10" presetClass="entr" presetSubtype="0" fill="hold" grpId="0" nodeType="afterEffect">
+                                  <p:stCondLst>
+                                    <p:cond delay="0"/>
+                                  </p:stCondLst>
+                                  <p:childTnLst>
+                                    <p:set>
+                                      <p:cBhvr>
+                                        <p:cTn id="10" dur="1" fill="hold">
+                                          <p:stCondLst>
+                                            <p:cond delay="0"/>
+                                          </p:stCondLst>
+                                        </p:cTn>
+                                        <p:tgtEl>
+                                          <p:spTgt spid="3">
+                                            <p:txEl>
+                                              <p:pRg st="1" end="1"/>
+                                            </p:txEl>
+                                          </p:spTgt>
+                                        </p:tgtEl>
+                                        <p:attrNameLst>
+                                          <p:attrName>style.visibility</p:attrName>
+                                        </p:attrNameLst>
+                                      </p:cBhvr>
+                                      <p:to>
+                                        <p:strVal val="visible"/>
+                                      </p:to>
+                                    </p:set>
+                                    <p:animEffect transition="in" filter="fade">
+                                      <p:cBhvr>
+                                        <p:cTn id="11" dur="500"/>
+                                        <p:tgtEl>
+                                          <p:spTgt spid="3">
+                                            <p:txEl>
+                                              <p:pRg st="1" end="1"/>
+                                            </p:txEl>
+                                          </p:spTgt>
+                                        </p:tgtEl>
+                                      </p:cBhvr>
+                                    </p:animEffect>
+                                  </p:childTnLst>
+                                </p:cTn>
+                              </p:par>
+                            </p:childTnLst>
+                          </p:cTn>
+                        </p:par>
+                        <p:par>
+                          <p:cTn id="12" fill="hold">
+                            <p:stCondLst>
+                              <p:cond delay="1000"/>
+                            </p:stCondLst>
+                            <p:childTnLst>
+                              <p:par>
+                                <p:cTn id="13" presetID="10" presetClass="entr" presetSubtype="0" fill="hold" grpId="0" nodeType="afterEffect">
+                                  <p:stCondLst>
+                                    <p:cond delay="0"/>
+                                  </p:stCondLst>
+                                  <p:childTnLst>
+                                    <p:set>
+                                      <p:cBhvr>
+                                        <p:cTn id="14" dur="1" fill="hold">
+                                          <p:stCondLst>
+                                            <p:cond delay="0"/>
+                                          </p:stCondLst>
+                                        </p:cTn>
+                                        <p:tgtEl>
+                                          <p:spTgt spid="3">
+                                            <p:txEl>
+                                              <p:pRg st="2" end="2"/>
+                                            </p:txEl>
+                                          </p:spTgt>
+                                        </p:tgtEl>
+                                        <p:attrNameLst>
+                                          <p:attrName>style.visibility</p:attrName>
+                                        </p:attrNameLst>
+                                      </p:cBhvr>
+                                      <p:to>
+                                        <p:strVal val="visible"/>
+                                      </p:to>
+                                    </p:set>
+                                    <p:animEffect transition="in" filter="fade">
+                                      <p:cBhvr>
+                                        <p:cTn id="15" dur="500"/>
+                                        <p:tgtEl>
+                                          <p:spTgt spid="3">
+                                            <p:txEl>
+                                              <p:pRg st="2" end="2"/>
+                                            </p:txEl>
+                                          </p:spTgt>
+                                        </p:tgtEl>
+                                      </p:cBhvr>
+                                    </p:animEffect>
+                                  </p:childTnLst>
+                                </p:cTn>
+                              </p:par>
+                            </p:childTnLst>
+                          </p:cTn>
+                        </p:par>
+                        <p:par>
+                          <p:cTn id="16" fill="hold">
+                            <p:stCondLst>
+                              <p:cond delay="1500"/>
+                            </p:stCondLst>
+                            <p:childTnLst>
+                              <p:par>
+                                <p:cTn id="17" presetID="10" presetClass="entr" presetSubtype="0" fill="hold" grpId="0" nodeType="afterEffect">
+                                  <p:stCondLst>
+                                    <p:cond delay="0"/>
+                                  </p:stCondLst>
+                                  <p:childTnLst>
+                                    <p:set>
+                                      <p:cBhvr>
+                                        <p:cTn id="18" dur="1" fill="hold">
+                                          <p:stCondLst>
+                                            <p:cond delay="0"/>
+                                          </p:stCondLst>
+                                        </p:cTn>
+                                        <p:tgtEl>
+                                          <p:spTgt spid="3">
+                                            <p:txEl>
+                                              <p:pRg st="4" end="4"/>
+                                            </p:txEl>
+                                          </p:spTgt>
+                                        </p:tgtEl>
+                                        <p:attrNameLst>
+                                          <p:attrName>style.visibility</p:attrName>
+                                        </p:attrNameLst>
+                                      </p:cBhvr>
+                                      <p:to>
+                                        <p:strVal val="visible"/>
+                                      </p:to>
+                                    </p:set>
+                                    <p:animEffect transition="in" filter="fade">
+                                      <p:cBhvr>
+                                        <p:cTn id="19" dur="500"/>
+                                        <p:tgtEl>
+                                          <p:spTgt spid="3">
+                                            <p:txEl>
+                                              <p:pRg st="4" end="4"/>
+                                            </p:txEl>
+                                          </p:spTgt>
+                                        </p:tgtEl>
+                                      </p:cBhvr>
+                                    </p:animEffect>
+                                  </p:childTnLst>
+                                </p:cTn>
+                              </p:par>
+                            </p:childTnLst>
+                          </p:cTn>
+                        </p:par>
+                        <p:par>
+                          <p:cTn id="20" fill="hold">
+                            <p:stCondLst>
+                              <p:cond delay="2000"/>
+                            </p:stCondLst>
+                            <p:childTnLst>
+                              <p:par>
+                                <p:cTn id="21" presetID="10" presetClass="entr" presetSubtype="0" fill="hold" grpId="0" nodeType="afterEffect">
+                                  <p:stCondLst>
+                                    <p:cond delay="0"/>
+                                  </p:stCondLst>
+                                  <p:childTnLst>
+                                    <p:set>
+                                      <p:cBhvr>
+                                        <p:cTn id="22" dur="1" fill="hold">
+                                          <p:stCondLst>
+                                            <p:cond delay="0"/>
+                                          </p:stCondLst>
+                                        </p:cTn>
+                                        <p:tgtEl>
+                                          <p:spTgt spid="3">
+                                            <p:txEl>
+                                              <p:pRg st="5" end="5"/>
+                                            </p:txEl>
+                                          </p:spTgt>
+                                        </p:tgtEl>
+                                        <p:attrNameLst>
+                                          <p:attrName>style.visibility</p:attrName>
+                                        </p:attrNameLst>
+                                      </p:cBhvr>
+                                      <p:to>
+                                        <p:strVal val="visible"/>
+                                      </p:to>
+                                    </p:set>
+                                    <p:animEffect transition="in" filter="fade">
+                                      <p:cBhvr>
+                                        <p:cTn id="23" dur="500"/>
+                                        <p:tgtEl>
+                                          <p:spTgt spid="3">
+                                            <p:txEl>
+                                              <p:pRg st="5" end="5"/>
+                                            </p:txEl>
+                                          </p:spTgt>
+                                        </p:tgtEl>
+                                      </p:cBhvr>
+                                    </p:animEffect>
+                                  </p:childTnLst>
+                                </p:cTn>
+                              </p:par>
+                            </p:childTnLst>
+                          </p:cTn>
+                        </p:par>
+                      </p:childTnLst>
+                    </p:cTn>
+                  </p:par>
+                </p:childTnLst>
+              </p:cTn>
+              <p:prevCondLst>
+                <p:cond evt="onPrev" delay="0">
+                  <p:tgtEl>
+                    <p:sldTgt/>
+                  </p:tgtEl>
+                </p:cond>
+              </p:prevCondLst>
+              <p:nextCondLst>
+                <p:cond evt="onNext" delay="0">
+                  <p:tgtEl>
+                    <p:sldTgt/>
+                  </p:tgtEl>
+                </p:cond>
+              </p:nextCondLst>
+            </p:seq>
+          </p:childTnLst>
+        </p:cTn>
+      </p:par>
+    </p:tnLst>
+    <p:bldLst>
+      <p:bldP spid="3" grpId="0" uiExpand="1" build="p"/>
+    </p:bldLst>
+  </p:timing>
 </p:sld>
 </file>
 
@@ -13545,7 +13360,7 @@
           <a:p>
             <a:r>
               <a:rPr lang="th-TH" b="1" dirty="0" smtClean="0"/>
-              <a:t>ที่มาของโครงงาน</a:t>
+              <a:t>ที่มาและความสำคัญของโครงงาน</a:t>
             </a:r>
             <a:endParaRPr lang="th-TH" b="1" dirty="0"/>
           </a:p>
@@ -13563,10 +13378,99 @@
         </p:nvSpPr>
         <p:spPr/>
         <p:txBody>
-          <a:bodyPr/>
+          <a:bodyPr>
+            <a:normAutofit/>
+          </a:bodyPr>
           <a:lstStyle/>
           <a:p>
-            <a:endParaRPr lang="th-TH" dirty="0"/>
+            <a:r>
+              <a:rPr lang="th-TH" sz="3600" dirty="0" smtClean="0">
+                <a:latin typeface="Angsana New" pitchFamily="18" charset="-34"/>
+                <a:cs typeface="Angsana New" pitchFamily="18" charset="-34"/>
+              </a:rPr>
+              <a:t>ปัจจุบัน </a:t>
+            </a:r>
+            <a:r>
+              <a:rPr lang="en-US" sz="3600" dirty="0" smtClean="0">
+                <a:latin typeface="Angsana New" pitchFamily="18" charset="-34"/>
+                <a:cs typeface="Angsana New" pitchFamily="18" charset="-34"/>
+              </a:rPr>
+              <a:t>Android </a:t>
+            </a:r>
+            <a:r>
+              <a:rPr lang="th-TH" sz="3600" dirty="0" smtClean="0">
+                <a:latin typeface="Angsana New" pitchFamily="18" charset="-34"/>
+                <a:cs typeface="Angsana New" pitchFamily="18" charset="-34"/>
+              </a:rPr>
+              <a:t>เป็นกระแสที่มาแรง</a:t>
+            </a:r>
+            <a:endParaRPr lang="th-TH" sz="3600" dirty="0">
+              <a:latin typeface="Angsana New" pitchFamily="18" charset="-34"/>
+              <a:cs typeface="Angsana New" pitchFamily="18" charset="-34"/>
+            </a:endParaRPr>
+          </a:p>
+          <a:p>
+            <a:r>
+              <a:rPr lang="th-TH" sz="3600" dirty="0">
+                <a:latin typeface="Angsana New" pitchFamily="18" charset="-34"/>
+                <a:cs typeface="Angsana New" pitchFamily="18" charset="-34"/>
+              </a:rPr>
+              <a:t>เครื่องมือที่ใช้พัฒนาเป็น </a:t>
+            </a:r>
+            <a:r>
+              <a:rPr lang="en-US" sz="3600" dirty="0">
+                <a:latin typeface="Angsana New" pitchFamily="18" charset="-34"/>
+                <a:cs typeface="Angsana New" pitchFamily="18" charset="-34"/>
+              </a:rPr>
+              <a:t>Open source</a:t>
+            </a:r>
+            <a:endParaRPr lang="th-TH" sz="3600" dirty="0">
+              <a:latin typeface="Angsana New" pitchFamily="18" charset="-34"/>
+              <a:cs typeface="Angsana New" pitchFamily="18" charset="-34"/>
+            </a:endParaRPr>
+          </a:p>
+          <a:p>
+            <a:r>
+              <a:rPr lang="th-TH" sz="3600" dirty="0">
+                <a:latin typeface="Angsana New" pitchFamily="18" charset="-34"/>
+                <a:cs typeface="Angsana New" pitchFamily="18" charset="-34"/>
+              </a:rPr>
+              <a:t>สามารถศึกษา</a:t>
+            </a:r>
+            <a:r>
+              <a:rPr lang="th-TH" sz="3600" dirty="0" smtClean="0">
+                <a:latin typeface="Angsana New" pitchFamily="18" charset="-34"/>
+                <a:cs typeface="Angsana New" pitchFamily="18" charset="-34"/>
+              </a:rPr>
+              <a:t>ค้นคว้าได้</a:t>
+            </a:r>
+            <a:r>
+              <a:rPr lang="th-TH" sz="3600" dirty="0">
+                <a:latin typeface="Angsana New" pitchFamily="18" charset="-34"/>
+                <a:cs typeface="Angsana New" pitchFamily="18" charset="-34"/>
+              </a:rPr>
+              <a:t>หลายแหล่ง</a:t>
+            </a:r>
+          </a:p>
+          <a:p>
+            <a:r>
+              <a:rPr lang="th-TH" sz="3600" dirty="0">
+                <a:latin typeface="Angsana New" pitchFamily="18" charset="-34"/>
+                <a:cs typeface="Angsana New" pitchFamily="18" charset="-34"/>
+              </a:rPr>
+              <a:t>ใช้ภาษา </a:t>
+            </a:r>
+            <a:r>
+              <a:rPr lang="en-US" sz="3600" dirty="0" smtClean="0">
+                <a:latin typeface="Angsana New" pitchFamily="18" charset="-34"/>
+                <a:cs typeface="Angsana New" pitchFamily="18" charset="-34"/>
+              </a:rPr>
+              <a:t>Java</a:t>
+            </a:r>
+            <a:endParaRPr lang="en-US" sz="3600" dirty="0">
+              <a:latin typeface="Angsana New" pitchFamily="18" charset="-34"/>
+              <a:cs typeface="Angsana New" pitchFamily="18" charset="-34"/>
+            </a:endParaRPr>
           </a:p>
         </p:txBody>
       </p:sp>
@@ -13637,254 +13541,6 @@
   <p:clrMapOvr>
     <a:masterClrMapping/>
   </p:clrMapOvr>
-</p:sld>
-</file>
-
-<file path=ppt/slides/slide4.xml><?xml version="1.0" encoding="utf-8"?>
-<p:sld xmlns:a="http://schemas.openxmlformats.org/drawingml/2006/main" xmlns:r="http://schemas.openxmlformats.org/officeDocument/2006/relationships" xmlns:p="http://schemas.openxmlformats.org/presentationml/2006/main">
-  <p:cSld>
-    <p:spTree>
-      <p:nvGrpSpPr>
-        <p:cNvPr id="1" name=""/>
-        <p:cNvGrpSpPr/>
-        <p:nvPr/>
-      </p:nvGrpSpPr>
-      <p:grpSpPr>
-        <a:xfrm>
-          <a:off x="0" y="0"/>
-          <a:ext cx="0" cy="0"/>
-          <a:chOff x="0" y="0"/>
-          <a:chExt cx="0" cy="0"/>
-        </a:xfrm>
-      </p:grpSpPr>
-      <p:sp>
-        <p:nvSpPr>
-          <p:cNvPr id="4" name="Title 3"/>
-          <p:cNvSpPr>
-            <a:spLocks noGrp="1"/>
-          </p:cNvSpPr>
-          <p:nvPr>
-            <p:ph type="title"/>
-          </p:nvPr>
-        </p:nvSpPr>
-        <p:spPr>
-          <a:xfrm>
-            <a:off x="457200" y="304800"/>
-            <a:ext cx="8229600" cy="1143000"/>
-          </a:xfrm>
-        </p:spPr>
-        <p:txBody>
-          <a:bodyPr/>
-          <a:lstStyle/>
-          <a:p>
-            <a:r>
-              <a:rPr lang="th-TH" b="1" dirty="0" smtClean="0">
-                <a:latin typeface="Angsana New" pitchFamily="18" charset="-34"/>
-                <a:cs typeface="Angsana New" pitchFamily="18" charset="-34"/>
-              </a:rPr>
-              <a:t>ทำไมจึงทำโครงงานนี้</a:t>
-            </a:r>
-            <a:endParaRPr lang="en-US" b="1" dirty="0">
-              <a:latin typeface="Angsana New" pitchFamily="18" charset="-34"/>
-              <a:cs typeface="Angsana New" pitchFamily="18" charset="-34"/>
-            </a:endParaRPr>
-          </a:p>
-        </p:txBody>
-      </p:sp>
-      <p:sp>
-        <p:nvSpPr>
-          <p:cNvPr id="2" name="Content Placeholder 1"/>
-          <p:cNvSpPr>
-            <a:spLocks noGrp="1"/>
-          </p:cNvSpPr>
-          <p:nvPr>
-            <p:ph idx="1"/>
-          </p:nvPr>
-        </p:nvSpPr>
-        <p:spPr/>
-        <p:txBody>
-          <a:bodyPr>
-            <a:normAutofit/>
-          </a:bodyPr>
-          <a:lstStyle/>
-          <a:p>
-            <a:r>
-              <a:rPr lang="th-TH" sz="4000" dirty="0" smtClean="0">
-                <a:latin typeface="Angsana New" pitchFamily="18" charset="-34"/>
-                <a:cs typeface="Angsana New" pitchFamily="18" charset="-34"/>
-              </a:rPr>
-              <a:t>สร้างโปรแกรมประยุกต์ที่แตกต่างบน </a:t>
-            </a:r>
-            <a:r>
-              <a:rPr lang="en-US" sz="4000" dirty="0" smtClean="0">
-                <a:latin typeface="Angsana New" pitchFamily="18" charset="-34"/>
-                <a:cs typeface="Angsana New" pitchFamily="18" charset="-34"/>
-              </a:rPr>
-              <a:t>Market </a:t>
-            </a:r>
-            <a:r>
-              <a:rPr lang="th-TH" sz="4000" dirty="0" smtClean="0">
-                <a:latin typeface="Angsana New" pitchFamily="18" charset="-34"/>
-                <a:cs typeface="Angsana New" pitchFamily="18" charset="-34"/>
-              </a:rPr>
-              <a:t>ของระบบปฏิบัติการ </a:t>
-            </a:r>
-            <a:r>
-              <a:rPr lang="en-US" sz="4000" dirty="0" smtClean="0">
-                <a:latin typeface="Angsana New" pitchFamily="18" charset="-34"/>
-                <a:cs typeface="Angsana New" pitchFamily="18" charset="-34"/>
-              </a:rPr>
-              <a:t>Android</a:t>
-            </a:r>
-            <a:endParaRPr lang="th-TH" sz="4000" dirty="0" smtClean="0">
-              <a:latin typeface="Angsana New" pitchFamily="18" charset="-34"/>
-              <a:cs typeface="Angsana New" pitchFamily="18" charset="-34"/>
-            </a:endParaRPr>
-          </a:p>
-          <a:p>
-            <a:r>
-              <a:rPr lang="th-TH" sz="4000" dirty="0" smtClean="0">
-                <a:latin typeface="Angsana New" pitchFamily="18" charset="-34"/>
-                <a:cs typeface="Angsana New" pitchFamily="18" charset="-34"/>
-              </a:rPr>
-              <a:t>เทคโนโลยีในปัจจุบันพัฒนาไปอย่างรวดเร็วและมีสิ่งอำนวยความสะดวกเพิ่มขึ้นจึงทำโปรแกรมประยุกต์ขึ้นมาเอง</a:t>
-            </a:r>
-            <a:endParaRPr lang="en-US" sz="4000" dirty="0">
-              <a:latin typeface="Angsana New" pitchFamily="18" charset="-34"/>
-              <a:cs typeface="Angsana New" pitchFamily="18" charset="-34"/>
-            </a:endParaRPr>
-          </a:p>
-        </p:txBody>
-      </p:sp>
-      <p:sp>
-        <p:nvSpPr>
-          <p:cNvPr id="7" name="Content Placeholder 4"/>
-          <p:cNvSpPr txBox="1">
-            <a:spLocks/>
-          </p:cNvSpPr>
-          <p:nvPr/>
-        </p:nvSpPr>
-        <p:spPr>
-          <a:xfrm>
-            <a:off x="533400" y="4572000"/>
-            <a:ext cx="8153400" cy="2286000"/>
-          </a:xfrm>
-          <a:prstGeom prst="rect">
-            <a:avLst/>
-          </a:prstGeom>
-        </p:spPr>
-        <p:txBody>
-          <a:bodyPr vert="horz" lIns="91440" tIns="45720" rIns="91440" bIns="45720" rtlCol="0">
-            <a:normAutofit/>
-          </a:bodyPr>
-          <a:lstStyle/>
-          <a:p>
-            <a:pPr marL="342900" marR="0" lvl="0" indent="-342900" algn="l" defTabSz="914400" rtl="0" eaLnBrk="1" fontAlgn="auto" latinLnBrk="0" hangingPunct="1">
-              <a:lnSpc>
-                <a:spcPct val="100000"/>
-              </a:lnSpc>
-              <a:spcBef>
-                <a:spcPct val="20000"/>
-              </a:spcBef>
-              <a:spcAft>
-                <a:spcPts val="0"/>
-              </a:spcAft>
-              <a:buClrTx/>
-              <a:buSzTx/>
-              <a:buFont typeface="Arial" pitchFamily="34" charset="0"/>
-              <a:buChar char="•"/>
-              <a:tabLst/>
-              <a:defRPr/>
-            </a:pPr>
-            <a:endParaRPr kumimoji="0" lang="th-TH" sz="3200" b="0" i="0" u="none" strike="noStrike" kern="1200" cap="none" spc="0" normalizeH="0" baseline="0" noProof="0" dirty="0" smtClean="0">
-              <a:ln>
-                <a:noFill/>
-              </a:ln>
-              <a:solidFill>
-                <a:schemeClr val="tx1"/>
-              </a:solidFill>
-              <a:effectLst/>
-              <a:uLnTx/>
-              <a:uFillTx/>
-              <a:latin typeface="+mn-lt"/>
-              <a:ea typeface="+mn-ea"/>
-              <a:cs typeface="+mn-cs"/>
-            </a:endParaRPr>
-          </a:p>
-        </p:txBody>
-      </p:sp>
-      <p:sp>
-        <p:nvSpPr>
-          <p:cNvPr id="8" name="ตัวยึดหมายเลขภาพนิ่ง 7"/>
-          <p:cNvSpPr>
-            <a:spLocks noGrp="1"/>
-          </p:cNvSpPr>
-          <p:nvPr>
-            <p:ph type="sldNum" sz="quarter" idx="12"/>
-          </p:nvPr>
-        </p:nvSpPr>
-        <p:spPr/>
-        <p:txBody>
-          <a:bodyPr/>
-          <a:lstStyle/>
-          <a:p>
-            <a:fld id="{5685757F-D3FC-4732-92F9-251EF6B3B90C}" type="slidenum">
-              <a:rPr lang="en-US" sz="3200" smtClean="0">
-                <a:ln w="18415" cmpd="sng">
-                  <a:solidFill>
-                    <a:srgbClr val="FFFFFF"/>
-                  </a:solidFill>
-                  <a:prstDash val="solid"/>
-                </a:ln>
-                <a:solidFill>
-                  <a:srgbClr val="FFFFFF"/>
-                </a:solidFill>
-                <a:effectLst>
-                  <a:outerShdw blurRad="63500" dir="3600000" algn="tl" rotWithShape="0">
-                    <a:srgbClr val="000000">
-                      <a:alpha val="70000"/>
-                    </a:srgbClr>
-                  </a:outerShdw>
-                </a:effectLst>
-                <a:latin typeface="Angsana New" pitchFamily="18" charset="-34"/>
-                <a:cs typeface="Angsana New" pitchFamily="18" charset="-34"/>
-              </a:rPr>
-              <a:pPr/>
-              <a:t>4</a:t>
-            </a:fld>
-            <a:endParaRPr lang="en-US" sz="3200">
-              <a:ln w="18415" cmpd="sng">
-                <a:solidFill>
-                  <a:srgbClr val="FFFFFF"/>
-                </a:solidFill>
-                <a:prstDash val="solid"/>
-              </a:ln>
-              <a:solidFill>
-                <a:srgbClr val="FFFFFF"/>
-              </a:solidFill>
-              <a:effectLst>
-                <a:outerShdw blurRad="63500" dir="3600000" algn="tl" rotWithShape="0">
-                  <a:srgbClr val="000000">
-                    <a:alpha val="70000"/>
-                  </a:srgbClr>
-                </a:outerShdw>
-              </a:effectLst>
-              <a:latin typeface="Angsana New" pitchFamily="18" charset="-34"/>
-              <a:cs typeface="Angsana New" pitchFamily="18" charset="-34"/>
-            </a:endParaRPr>
-          </a:p>
-        </p:txBody>
-      </p:sp>
-    </p:spTree>
-    <p:extLst>
-      <p:ext uri="{BB962C8B-B14F-4D97-AF65-F5344CB8AC3E}">
-        <p14:creationId xmlns="" xmlns:p14="http://schemas.microsoft.com/office/powerpoint/2010/main" val="96058202"/>
-      </p:ext>
-    </p:extLst>
-  </p:cSld>
-  <p:clrMapOvr>
-    <a:masterClrMapping/>
-  </p:clrMapOvr>
   <p:timing>
     <p:tnLst>
       <p:par>
@@ -13909,7 +13565,7 @@
                             </p:stCondLst>
                             <p:childTnLst>
                               <p:par>
-                                <p:cTn id="5" presetID="10" presetClass="entr" presetSubtype="0" fill="hold" grpId="0" nodeType="withEffect">
+                                <p:cTn id="5" presetID="10" presetClass="entr" presetSubtype="0" fill="hold" grpId="0" nodeType="afterEffect">
                                   <p:stCondLst>
                                     <p:cond delay="0"/>
                                   </p:stCondLst>
@@ -13922,7 +13578,7 @@
                                           </p:stCondLst>
                                         </p:cTn>
                                         <p:tgtEl>
-                                          <p:spTgt spid="4"/>
+                                          <p:spTgt spid="2"/>
                                         </p:tgtEl>
                                         <p:attrNameLst>
                                           <p:attrName>style.visibility</p:attrName>
@@ -13936,7 +13592,224 @@
                                       <p:cBhvr>
                                         <p:cTn id="7" dur="500"/>
                                         <p:tgtEl>
-                                          <p:spTgt spid="4"/>
+                                          <p:spTgt spid="2"/>
+                                        </p:tgtEl>
+                                      </p:cBhvr>
+                                    </p:animEffect>
+                                  </p:childTnLst>
+                                </p:cTn>
+                              </p:par>
+                            </p:childTnLst>
+                          </p:cTn>
+                        </p:par>
+                        <p:par>
+                          <p:cTn id="8" fill="hold">
+                            <p:stCondLst>
+                              <p:cond delay="500"/>
+                            </p:stCondLst>
+                            <p:childTnLst>
+                              <p:par>
+                                <p:cTn id="9" presetID="10" presetClass="entr" presetSubtype="0" fill="hold" grpId="0" nodeType="afterEffect">
+                                  <p:stCondLst>
+                                    <p:cond delay="0"/>
+                                  </p:stCondLst>
+                                  <p:childTnLst>
+                                    <p:set>
+                                      <p:cBhvr>
+                                        <p:cTn id="10" dur="1" fill="hold">
+                                          <p:stCondLst>
+                                            <p:cond delay="0"/>
+                                          </p:stCondLst>
+                                        </p:cTn>
+                                        <p:tgtEl>
+                                          <p:spTgt spid="3">
+                                            <p:txEl>
+                                              <p:pRg st="0" end="0"/>
+                                            </p:txEl>
+                                          </p:spTgt>
+                                        </p:tgtEl>
+                                        <p:attrNameLst>
+                                          <p:attrName>style.visibility</p:attrName>
+                                        </p:attrNameLst>
+                                      </p:cBhvr>
+                                      <p:to>
+                                        <p:strVal val="visible"/>
+                                      </p:to>
+                                    </p:set>
+                                    <p:animEffect transition="in" filter="fade">
+                                      <p:cBhvr>
+                                        <p:cTn id="11" dur="500"/>
+                                        <p:tgtEl>
+                                          <p:spTgt spid="3">
+                                            <p:txEl>
+                                              <p:pRg st="0" end="0"/>
+                                            </p:txEl>
+                                          </p:spTgt>
+                                        </p:tgtEl>
+                                      </p:cBhvr>
+                                    </p:animEffect>
+                                  </p:childTnLst>
+                                </p:cTn>
+                              </p:par>
+                            </p:childTnLst>
+                          </p:cTn>
+                        </p:par>
+                      </p:childTnLst>
+                    </p:cTn>
+                  </p:par>
+                  <p:par>
+                    <p:cTn id="12" fill="hold">
+                      <p:stCondLst>
+                        <p:cond delay="indefinite"/>
+                      </p:stCondLst>
+                      <p:childTnLst>
+                        <p:par>
+                          <p:cTn id="13" fill="hold">
+                            <p:stCondLst>
+                              <p:cond delay="0"/>
+                            </p:stCondLst>
+                            <p:childTnLst>
+                              <p:par>
+                                <p:cTn id="14" presetID="10" presetClass="entr" presetSubtype="0" fill="hold" grpId="0" nodeType="clickEffect">
+                                  <p:stCondLst>
+                                    <p:cond delay="0"/>
+                                  </p:stCondLst>
+                                  <p:childTnLst>
+                                    <p:set>
+                                      <p:cBhvr>
+                                        <p:cTn id="15" dur="1" fill="hold">
+                                          <p:stCondLst>
+                                            <p:cond delay="0"/>
+                                          </p:stCondLst>
+                                        </p:cTn>
+                                        <p:tgtEl>
+                                          <p:spTgt spid="3">
+                                            <p:txEl>
+                                              <p:pRg st="1" end="1"/>
+                                            </p:txEl>
+                                          </p:spTgt>
+                                        </p:tgtEl>
+                                        <p:attrNameLst>
+                                          <p:attrName>style.visibility</p:attrName>
+                                        </p:attrNameLst>
+                                      </p:cBhvr>
+                                      <p:to>
+                                        <p:strVal val="visible"/>
+                                      </p:to>
+                                    </p:set>
+                                    <p:animEffect transition="in" filter="fade">
+                                      <p:cBhvr>
+                                        <p:cTn id="16" dur="500"/>
+                                        <p:tgtEl>
+                                          <p:spTgt spid="3">
+                                            <p:txEl>
+                                              <p:pRg st="1" end="1"/>
+                                            </p:txEl>
+                                          </p:spTgt>
+                                        </p:tgtEl>
+                                      </p:cBhvr>
+                                    </p:animEffect>
+                                  </p:childTnLst>
+                                </p:cTn>
+                              </p:par>
+                            </p:childTnLst>
+                          </p:cTn>
+                        </p:par>
+                        <p:par>
+                          <p:cTn id="17" fill="hold">
+                            <p:stCondLst>
+                              <p:cond delay="500"/>
+                            </p:stCondLst>
+                            <p:childTnLst>
+                              <p:par>
+                                <p:cTn id="18" presetID="10" presetClass="entr" presetSubtype="0" fill="hold" grpId="0" nodeType="afterEffect">
+                                  <p:stCondLst>
+                                    <p:cond delay="0"/>
+                                  </p:stCondLst>
+                                  <p:childTnLst>
+                                    <p:set>
+                                      <p:cBhvr>
+                                        <p:cTn id="19" dur="1" fill="hold">
+                                          <p:stCondLst>
+                                            <p:cond delay="0"/>
+                                          </p:stCondLst>
+                                        </p:cTn>
+                                        <p:tgtEl>
+                                          <p:spTgt spid="3">
+                                            <p:txEl>
+                                              <p:pRg st="2" end="2"/>
+                                            </p:txEl>
+                                          </p:spTgt>
+                                        </p:tgtEl>
+                                        <p:attrNameLst>
+                                          <p:attrName>style.visibility</p:attrName>
+                                        </p:attrNameLst>
+                                      </p:cBhvr>
+                                      <p:to>
+                                        <p:strVal val="visible"/>
+                                      </p:to>
+                                    </p:set>
+                                    <p:animEffect transition="in" filter="fade">
+                                      <p:cBhvr>
+                                        <p:cTn id="20" dur="500"/>
+                                        <p:tgtEl>
+                                          <p:spTgt spid="3">
+                                            <p:txEl>
+                                              <p:pRg st="2" end="2"/>
+                                            </p:txEl>
+                                          </p:spTgt>
+                                        </p:tgtEl>
+                                      </p:cBhvr>
+                                    </p:animEffect>
+                                  </p:childTnLst>
+                                </p:cTn>
+                              </p:par>
+                            </p:childTnLst>
+                          </p:cTn>
+                        </p:par>
+                        <p:par>
+                          <p:cTn id="21" fill="hold">
+                            <p:stCondLst>
+                              <p:cond delay="1000"/>
+                            </p:stCondLst>
+                            <p:childTnLst>
+                              <p:par>
+                                <p:cTn id="22" presetID="10" presetClass="entr" presetSubtype="0" fill="hold" grpId="0" nodeType="afterEffect">
+                                  <p:stCondLst>
+                                    <p:cond delay="0"/>
+                                  </p:stCondLst>
+                                  <p:childTnLst>
+                                    <p:set>
+                                      <p:cBhvr>
+                                        <p:cTn id="23" dur="1" fill="hold">
+                                          <p:stCondLst>
+                                            <p:cond delay="0"/>
+                                          </p:stCondLst>
+                                        </p:cTn>
+                                        <p:tgtEl>
+                                          <p:spTgt spid="3">
+                                            <p:txEl>
+                                              <p:pRg st="3" end="3"/>
+                                            </p:txEl>
+                                          </p:spTgt>
+                                        </p:tgtEl>
+                                        <p:attrNameLst>
+                                          <p:attrName>style.visibility</p:attrName>
+                                        </p:attrNameLst>
+                                      </p:cBhvr>
+                                      <p:to>
+                                        <p:strVal val="visible"/>
+                                      </p:to>
+                                    </p:set>
+                                    <p:animEffect transition="in" filter="fade">
+                                      <p:cBhvr>
+                                        <p:cTn id="24" dur="500"/>
+                                        <p:tgtEl>
+                                          <p:spTgt spid="3">
+                                            <p:txEl>
+                                              <p:pRg st="3" end="3"/>
+                                            </p:txEl>
+                                          </p:spTgt>
                                         </p:tgtEl>
                                       </p:cBhvr>
                                     </p:animEffect>
@@ -13971,242 +13844,14 @@
       </p:par>
     </p:tnLst>
     <p:bldLst>
-      <p:bldP spid="4" grpId="0"/>
+      <p:bldP spid="2" grpId="0"/>
+      <p:bldP spid="3" grpId="0" uiExpand="1" build="p"/>
     </p:bldLst>
   </p:timing>
 </p:sld>
 </file>
 
-<file path=ppt/slides/slide5.xml><?xml version="1.0" encoding="utf-8"?>
-<p:sld xmlns:a="http://schemas.openxmlformats.org/drawingml/2006/main" xmlns:r="http://schemas.openxmlformats.org/officeDocument/2006/relationships" xmlns:p="http://schemas.openxmlformats.org/presentationml/2006/main">
-  <p:cSld>
-    <p:spTree>
-      <p:nvGrpSpPr>
-        <p:cNvPr id="1" name=""/>
-        <p:cNvGrpSpPr/>
-        <p:nvPr/>
-      </p:nvGrpSpPr>
-      <p:grpSpPr>
-        <a:xfrm>
-          <a:off x="0" y="0"/>
-          <a:ext cx="0" cy="0"/>
-          <a:chOff x="0" y="0"/>
-          <a:chExt cx="0" cy="0"/>
-        </a:xfrm>
-      </p:grpSpPr>
-      <p:sp>
-        <p:nvSpPr>
-          <p:cNvPr id="2" name="Title 1"/>
-          <p:cNvSpPr>
-            <a:spLocks noGrp="1"/>
-          </p:cNvSpPr>
-          <p:nvPr>
-            <p:ph type="title"/>
-          </p:nvPr>
-        </p:nvSpPr>
-        <p:spPr/>
-        <p:txBody>
-          <a:bodyPr>
-            <a:normAutofit/>
-          </a:bodyPr>
-          <a:lstStyle/>
-          <a:p>
-            <a:pPr lvl="0"/>
-            <a:r>
-              <a:rPr lang="th-TH" b="1" dirty="0">
-                <a:latin typeface="Angsana New" pitchFamily="18" charset="-34"/>
-                <a:cs typeface="Angsana New" pitchFamily="18" charset="-34"/>
-              </a:rPr>
-              <a:t>ทำ</a:t>
-            </a:r>
-            <a:r>
-              <a:rPr lang="th-TH" b="1" dirty="0" smtClean="0">
-                <a:latin typeface="Angsana New" pitchFamily="18" charset="-34"/>
-                <a:cs typeface="Angsana New" pitchFamily="18" charset="-34"/>
-              </a:rPr>
-              <a:t>ไมจึงพัฒนาบนระบบปฏิบัติการ </a:t>
-            </a:r>
-            <a:r>
-              <a:rPr lang="en-US" b="1" dirty="0" smtClean="0">
-                <a:latin typeface="Angsana New" pitchFamily="18" charset="-34"/>
-                <a:cs typeface="Angsana New" pitchFamily="18" charset="-34"/>
-              </a:rPr>
-              <a:t>Android</a:t>
-            </a:r>
-            <a:endParaRPr lang="en-US" b="1" dirty="0"/>
-          </a:p>
-        </p:txBody>
-      </p:sp>
-      <p:sp>
-        <p:nvSpPr>
-          <p:cNvPr id="3" name="Content Placeholder 2"/>
-          <p:cNvSpPr>
-            <a:spLocks noGrp="1"/>
-          </p:cNvSpPr>
-          <p:nvPr>
-            <p:ph idx="1"/>
-          </p:nvPr>
-        </p:nvSpPr>
-        <p:spPr/>
-        <p:txBody>
-          <a:bodyPr>
-            <a:normAutofit/>
-          </a:bodyPr>
-          <a:lstStyle/>
-          <a:p>
-            <a:r>
-              <a:rPr lang="th-TH" sz="4000" dirty="0" smtClean="0">
-                <a:latin typeface="Angsana New" pitchFamily="18" charset="-34"/>
-                <a:cs typeface="Angsana New" pitchFamily="18" charset="-34"/>
-              </a:rPr>
-              <a:t>เป็นกระแสที่มาแรงขึ้นเรื่อยๆ จึงเป็นที่น่าสนใจ</a:t>
-            </a:r>
-          </a:p>
-          <a:p>
-            <a:r>
-              <a:rPr lang="th-TH" sz="4000" dirty="0" smtClean="0">
-                <a:latin typeface="Angsana New" pitchFamily="18" charset="-34"/>
-                <a:cs typeface="Angsana New" pitchFamily="18" charset="-34"/>
-              </a:rPr>
-              <a:t>เครื่องมือที่ใช้พัฒนาเป็น </a:t>
-            </a:r>
-            <a:r>
-              <a:rPr lang="en-US" sz="4000" dirty="0" smtClean="0">
-                <a:latin typeface="Angsana New" pitchFamily="18" charset="-34"/>
-                <a:cs typeface="Angsana New" pitchFamily="18" charset="-34"/>
-              </a:rPr>
-              <a:t>Open source</a:t>
-            </a:r>
-            <a:endParaRPr lang="th-TH" sz="4000" dirty="0" smtClean="0">
-              <a:latin typeface="Angsana New" pitchFamily="18" charset="-34"/>
-              <a:cs typeface="Angsana New" pitchFamily="18" charset="-34"/>
-            </a:endParaRPr>
-          </a:p>
-          <a:p>
-            <a:r>
-              <a:rPr lang="th-TH" sz="4000" dirty="0" smtClean="0">
-                <a:latin typeface="Angsana New" pitchFamily="18" charset="-34"/>
-                <a:cs typeface="Angsana New" pitchFamily="18" charset="-34"/>
-              </a:rPr>
-              <a:t>สามารถศึกษาค้นคว้า ได้หลาย</a:t>
-            </a:r>
-            <a:r>
-              <a:rPr lang="th-TH" sz="4000" dirty="0" smtClean="0">
-                <a:latin typeface="Angsana New" pitchFamily="18" charset="-34"/>
-                <a:cs typeface="Angsana New" pitchFamily="18" charset="-34"/>
-              </a:rPr>
-              <a:t>แหล่ง</a:t>
-            </a:r>
-            <a:endParaRPr lang="th-TH" sz="4000" dirty="0" smtClean="0">
-              <a:latin typeface="Angsana New" pitchFamily="18" charset="-34"/>
-              <a:cs typeface="Angsana New" pitchFamily="18" charset="-34"/>
-            </a:endParaRPr>
-          </a:p>
-          <a:p>
-            <a:r>
-              <a:rPr lang="th-TH" sz="4000" dirty="0" smtClean="0">
-                <a:latin typeface="Angsana New" pitchFamily="18" charset="-34"/>
-                <a:cs typeface="Angsana New" pitchFamily="18" charset="-34"/>
-              </a:rPr>
-              <a:t>ใช้ภาษา </a:t>
-            </a:r>
-            <a:r>
-              <a:rPr lang="en-US" sz="4000" dirty="0" smtClean="0">
-                <a:latin typeface="Angsana New" pitchFamily="18" charset="-34"/>
-                <a:cs typeface="Angsana New" pitchFamily="18" charset="-34"/>
-              </a:rPr>
-              <a:t>Java</a:t>
-            </a:r>
-            <a:endParaRPr lang="en-US" sz="4000" dirty="0">
-              <a:latin typeface="Angsana New" pitchFamily="18" charset="-34"/>
-              <a:cs typeface="Angsana New" pitchFamily="18" charset="-34"/>
-            </a:endParaRPr>
-          </a:p>
-        </p:txBody>
-      </p:sp>
-      <p:sp>
-        <p:nvSpPr>
-          <p:cNvPr id="6" name="ตัวยึดหมายเลขภาพนิ่ง 5"/>
-          <p:cNvSpPr>
-            <a:spLocks noGrp="1"/>
-          </p:cNvSpPr>
-          <p:nvPr>
-            <p:ph type="sldNum" sz="quarter" idx="12"/>
-          </p:nvPr>
-        </p:nvSpPr>
-        <p:spPr/>
-        <p:txBody>
-          <a:bodyPr/>
-          <a:lstStyle/>
-          <a:p>
-            <a:fld id="{5685757F-D3FC-4732-92F9-251EF6B3B90C}" type="slidenum">
-              <a:rPr lang="en-US" sz="3200" smtClean="0">
-                <a:ln w="18415" cmpd="sng">
-                  <a:solidFill>
-                    <a:srgbClr val="FFFFFF"/>
-                  </a:solidFill>
-                  <a:prstDash val="solid"/>
-                </a:ln>
-                <a:solidFill>
-                  <a:srgbClr val="FFFFFF"/>
-                </a:solidFill>
-                <a:effectLst>
-                  <a:outerShdw blurRad="63500" dir="3600000" algn="tl" rotWithShape="0">
-                    <a:srgbClr val="000000">
-                      <a:alpha val="70000"/>
-                    </a:srgbClr>
-                  </a:outerShdw>
-                </a:effectLst>
-                <a:latin typeface="Angsana New" pitchFamily="18" charset="-34"/>
-                <a:cs typeface="Angsana New" pitchFamily="18" charset="-34"/>
-              </a:rPr>
-              <a:pPr/>
-              <a:t>5</a:t>
-            </a:fld>
-            <a:endParaRPr lang="en-US" sz="3200" dirty="0">
-              <a:ln w="18415" cmpd="sng">
-                <a:solidFill>
-                  <a:srgbClr val="FFFFFF"/>
-                </a:solidFill>
-                <a:prstDash val="solid"/>
-              </a:ln>
-              <a:solidFill>
-                <a:srgbClr val="FFFFFF"/>
-              </a:solidFill>
-              <a:effectLst>
-                <a:outerShdw blurRad="63500" dir="3600000" algn="tl" rotWithShape="0">
-                  <a:srgbClr val="000000">
-                    <a:alpha val="70000"/>
-                  </a:srgbClr>
-                </a:outerShdw>
-              </a:effectLst>
-              <a:latin typeface="Angsana New" pitchFamily="18" charset="-34"/>
-              <a:cs typeface="Angsana New" pitchFamily="18" charset="-34"/>
-            </a:endParaRPr>
-          </a:p>
-        </p:txBody>
-      </p:sp>
-    </p:spTree>
-    <p:extLst>
-      <p:ext uri="{BB962C8B-B14F-4D97-AF65-F5344CB8AC3E}">
-        <p14:creationId xmlns="" xmlns:p14="http://schemas.microsoft.com/office/powerpoint/2010/main" val="2837708425"/>
-      </p:ext>
-    </p:extLst>
-  </p:cSld>
-  <p:clrMapOvr>
-    <a:masterClrMapping/>
-  </p:clrMapOvr>
-  <p:timing>
-    <p:tnLst>
-      <p:par>
-        <p:cTn id="1" dur="indefinite" restart="never" nodeType="tmRoot"/>
-      </p:par>
-    </p:tnLst>
-  </p:timing>
-</p:sld>
-</file>
-
-<file path=ppt/slides/slide6.xml><?xml version="1.0" encoding="utf-8"?>
+<file path=ppt/slides/slide4.xml><?xml version="1.0" encoding="utf-8"?>
 <p:sld xmlns:a="http://schemas.openxmlformats.org/drawingml/2006/main" xmlns:r="http://schemas.openxmlformats.org/officeDocument/2006/relationships" xmlns:p="http://schemas.openxmlformats.org/presentationml/2006/main">
   <p:cSld>
     <p:bg>
@@ -14243,7 +13888,7 @@
           <a:blip r:embed="rId2" cstate="print">
             <a:extLst>
               <a:ext uri="{28A0092B-C50C-407E-A947-70E740481C1C}">
-                <a14:useLocalDpi xmlns="" xmlns:a14="http://schemas.microsoft.com/office/drawing/2010/main" val="0"/>
+                <a14:useLocalDpi xmlns:a14="http://schemas.microsoft.com/office/drawing/2010/main" val="0"/>
               </a:ext>
             </a:extLst>
           </a:blip>
@@ -14267,14 +13912,14 @@
           <a:effectLst/>
           <a:extLst>
             <a:ext uri="{909E8E84-426E-40DD-AFC4-6F175D3DCCD1}">
-              <a14:hiddenFill xmlns="" xmlns:a14="http://schemas.microsoft.com/office/drawing/2010/main">
+              <a14:hiddenFill xmlns:a14="http://schemas.microsoft.com/office/drawing/2010/main">
                 <a:solidFill>
                   <a:schemeClr val="accent1"/>
                 </a:solidFill>
               </a14:hiddenFill>
             </a:ext>
             <a:ext uri="{91240B29-F687-4F45-9708-019B960494DF}">
-              <a14:hiddenLine xmlns="" xmlns:a14="http://schemas.microsoft.com/office/drawing/2010/main" w="9525">
+              <a14:hiddenLine xmlns:a14="http://schemas.microsoft.com/office/drawing/2010/main" w="9525">
                 <a:solidFill>
                   <a:schemeClr val="tx1"/>
                 </a:solidFill>
@@ -14284,7 +13929,7 @@
               </a14:hiddenLine>
             </a:ext>
             <a:ext uri="{AF507438-7753-43E0-B8FC-AC1667EBCBE1}">
-              <a14:hiddenEffects xmlns="" xmlns:a14="http://schemas.microsoft.com/office/drawing/2010/main">
+              <a14:hiddenEffects xmlns:a14="http://schemas.microsoft.com/office/drawing/2010/main">
                 <a:effectLst>
                   <a:outerShdw dist="35921" dir="2700000" algn="ctr" rotWithShape="0">
                     <a:schemeClr val="bg2"/>
@@ -14307,7 +13952,7 @@
           <a:blip r:embed="rId3" cstate="print">
             <a:extLst>
               <a:ext uri="{28A0092B-C50C-407E-A947-70E740481C1C}">
-                <a14:useLocalDpi xmlns="" xmlns:a14="http://schemas.microsoft.com/office/drawing/2010/main" val="0"/>
+                <a14:useLocalDpi xmlns:a14="http://schemas.microsoft.com/office/drawing/2010/main" val="0"/>
               </a:ext>
             </a:extLst>
           </a:blip>
@@ -14331,14 +13976,14 @@
           <a:effectLst/>
           <a:extLst>
             <a:ext uri="{909E8E84-426E-40DD-AFC4-6F175D3DCCD1}">
-              <a14:hiddenFill xmlns="" xmlns:a14="http://schemas.microsoft.com/office/drawing/2010/main">
+              <a14:hiddenFill xmlns:a14="http://schemas.microsoft.com/office/drawing/2010/main">
                 <a:solidFill>
                   <a:schemeClr val="accent1"/>
                 </a:solidFill>
               </a14:hiddenFill>
             </a:ext>
             <a:ext uri="{91240B29-F687-4F45-9708-019B960494DF}">
-              <a14:hiddenLine xmlns="" xmlns:a14="http://schemas.microsoft.com/office/drawing/2010/main" w="9525">
+              <a14:hiddenLine xmlns:a14="http://schemas.microsoft.com/office/drawing/2010/main" w="9525">
                 <a:solidFill>
                   <a:schemeClr val="tx1"/>
                 </a:solidFill>
@@ -14348,7 +13993,7 @@
               </a14:hiddenLine>
             </a:ext>
             <a:ext uri="{AF507438-7753-43E0-B8FC-AC1667EBCBE1}">
-              <a14:hiddenEffects xmlns="" xmlns:a14="http://schemas.microsoft.com/office/drawing/2010/main">
+              <a14:hiddenEffects xmlns:a14="http://schemas.microsoft.com/office/drawing/2010/main">
                 <a:effectLst>
                   <a:outerShdw dist="35921" dir="2700000" algn="ctr" rotWithShape="0">
                     <a:schemeClr val="bg2"/>
@@ -14425,7 +14070,7 @@
                 <a:cs typeface="Angsana New" pitchFamily="18" charset="-34"/>
               </a:rPr>
               <a:pPr/>
-              <a:t>6</a:t>
+              <a:t>4</a:t>
             </a:fld>
             <a:endParaRPr lang="en-US" sz="3200" b="1" dirty="0">
               <a:ln w="10541" cmpd="sng">
@@ -14482,18 +14127,18 @@
     </p:spTree>
     <p:extLst>
       <p:ext uri="{BB962C8B-B14F-4D97-AF65-F5344CB8AC3E}">
-        <p14:creationId xmlns="" xmlns:p14="http://schemas.microsoft.com/office/powerpoint/2010/main" val="3576708039"/>
+        <p14:creationId xmlns:p14="http://schemas.microsoft.com/office/powerpoint/2010/main" val="3576708039"/>
       </p:ext>
     </p:extLst>
   </p:cSld>
   <p:clrMapOvr>
     <a:masterClrMapping/>
   </p:clrMapOvr>
-  <mc:AlternateContent xmlns:mc="http://schemas.openxmlformats.org/markup-compatibility/2006">
-    <mc:Choice xmlns="" xmlns:p14="http://schemas.microsoft.com/office/powerpoint/2010/main" Requires="p14">
+  <mc:AlternateContent xmlns:mc="http://schemas.openxmlformats.org/markup-compatibility/2006" xmlns:p14="http://schemas.microsoft.com/office/powerpoint/2010/main">
+    <mc:Choice Requires="p14">
       <p:transition spd="slow" p14:dur="2000"/>
     </mc:Choice>
-    <mc:Fallback>
+    <mc:Fallback xmlns="">
       <p:transition spd="slow"/>
     </mc:Fallback>
   </mc:AlternateContent>
@@ -14509,6 +14154,9 @@
                     <p:cTn id="3" fill="hold">
                       <p:stCondLst>
                         <p:cond delay="indefinite"/>
+                        <p:cond evt="onBegin" delay="0">
+                          <p:tn val="2"/>
+                        </p:cond>
                       </p:stCondLst>
                       <p:childTnLst>
                         <p:par>
@@ -14518,7 +14166,7 @@
                             </p:stCondLst>
                             <p:childTnLst>
                               <p:par>
-                                <p:cTn id="5" presetID="10" presetClass="entr" presetSubtype="0" fill="hold" nodeType="clickEffect">
+                                <p:cTn id="5" presetID="10" presetClass="entr" presetSubtype="0" fill="hold" nodeType="afterEffect">
                                   <p:stCondLst>
                                     <p:cond delay="0"/>
                                   </p:stCondLst>
@@ -14552,15 +14200,24 @@
                                   </p:childTnLst>
                                 </p:cTn>
                               </p:par>
+                            </p:childTnLst>
+                          </p:cTn>
+                        </p:par>
+                        <p:par>
+                          <p:cTn id="8" fill="hold">
+                            <p:stCondLst>
+                              <p:cond delay="500"/>
+                            </p:stCondLst>
+                            <p:childTnLst>
                               <p:par>
-                                <p:cTn id="8" presetID="10" presetClass="entr" presetSubtype="0" fill="hold" nodeType="withEffect">
+                                <p:cTn id="9" presetID="10" presetClass="entr" presetSubtype="0" fill="hold" nodeType="afterEffect">
                                   <p:stCondLst>
                                     <p:cond delay="0"/>
                                   </p:stCondLst>
                                   <p:childTnLst>
                                     <p:set>
                                       <p:cBhvr>
-                                        <p:cTn id="9" dur="1" fill="hold">
+                                        <p:cTn id="10" dur="1" fill="hold">
                                           <p:stCondLst>
                                             <p:cond delay="0"/>
                                           </p:stCondLst>
@@ -14578,7 +14235,7 @@
                                     </p:set>
                                     <p:animEffect transition="in" filter="fade">
                                       <p:cBhvr>
-                                        <p:cTn id="10" dur="500"/>
+                                        <p:cTn id="11" dur="500"/>
                                         <p:tgtEl>
                                           <p:spTgt spid="1029"/>
                                         </p:tgtEl>
@@ -14618,7 +14275,511 @@
 </p:sld>
 </file>
 
-<file path=ppt/slides/slide7.xml><?xml version="1.0" encoding="utf-8"?>
+<file path=ppt/slides/slide5.xml><?xml version="1.0" encoding="utf-8"?>
+<p:sld xmlns:a="http://schemas.openxmlformats.org/drawingml/2006/main" xmlns:r="http://schemas.openxmlformats.org/officeDocument/2006/relationships" xmlns:p="http://schemas.openxmlformats.org/presentationml/2006/main">
+  <p:cSld>
+    <p:spTree>
+      <p:nvGrpSpPr>
+        <p:cNvPr id="1" name=""/>
+        <p:cNvGrpSpPr/>
+        <p:nvPr/>
+      </p:nvGrpSpPr>
+      <p:grpSpPr>
+        <a:xfrm>
+          <a:off x="0" y="0"/>
+          <a:ext cx="0" cy="0"/>
+          <a:chOff x="0" y="0"/>
+          <a:chExt cx="0" cy="0"/>
+        </a:xfrm>
+      </p:grpSpPr>
+      <p:sp>
+        <p:nvSpPr>
+          <p:cNvPr id="4" name="Title 3"/>
+          <p:cNvSpPr>
+            <a:spLocks noGrp="1"/>
+          </p:cNvSpPr>
+          <p:nvPr>
+            <p:ph type="title"/>
+          </p:nvPr>
+        </p:nvSpPr>
+        <p:spPr/>
+        <p:txBody>
+          <a:bodyPr/>
+          <a:lstStyle/>
+          <a:p>
+            <a:r>
+              <a:rPr lang="th-TH" b="1" dirty="0" smtClean="0"/>
+              <a:t>วัตถุประสงค์ของโครงงาน</a:t>
+            </a:r>
+            <a:endParaRPr lang="en-US" b="1" dirty="0"/>
+          </a:p>
+        </p:txBody>
+      </p:sp>
+      <p:sp>
+        <p:nvSpPr>
+          <p:cNvPr id="5" name="Content Placeholder 4"/>
+          <p:cNvSpPr>
+            <a:spLocks noGrp="1"/>
+          </p:cNvSpPr>
+          <p:nvPr>
+            <p:ph idx="1"/>
+          </p:nvPr>
+        </p:nvSpPr>
+        <p:spPr/>
+        <p:txBody>
+          <a:bodyPr/>
+          <a:lstStyle/>
+          <a:p>
+            <a:r>
+              <a:rPr lang="th-TH" dirty="0" smtClean="0">
+                <a:latin typeface="Angsana New" pitchFamily="18" charset="-34"/>
+                <a:cs typeface="Angsana New" pitchFamily="18" charset="-34"/>
+              </a:rPr>
+              <a:t>เพื่อสร้างโปรแกรมบันทึกพิกัดที่ไปมาแล้ว</a:t>
+            </a:r>
+            <a:endParaRPr lang="en-US" dirty="0">
+              <a:latin typeface="Angsana New" pitchFamily="18" charset="-34"/>
+              <a:cs typeface="Angsana New" pitchFamily="18" charset="-34"/>
+            </a:endParaRPr>
+          </a:p>
+          <a:p>
+            <a:r>
+              <a:rPr lang="th-TH" dirty="0" smtClean="0">
+                <a:latin typeface="Angsana New" pitchFamily="18" charset="-34"/>
+                <a:cs typeface="Angsana New" pitchFamily="18" charset="-34"/>
+              </a:rPr>
+              <a:t>เพื่อศึกษาการติดต่อกับดาวเทียมเพื่อขอพิกัดและใช้งาน </a:t>
+            </a:r>
+            <a:r>
+              <a:rPr lang="en-US" dirty="0" smtClean="0">
+                <a:latin typeface="Angsana New" pitchFamily="18" charset="-34"/>
+                <a:cs typeface="Angsana New" pitchFamily="18" charset="-34"/>
+              </a:rPr>
+              <a:t>GPS</a:t>
+            </a:r>
+            <a:endParaRPr lang="th-TH" dirty="0" smtClean="0">
+              <a:latin typeface="Angsana New" pitchFamily="18" charset="-34"/>
+              <a:cs typeface="Angsana New" pitchFamily="18" charset="-34"/>
+            </a:endParaRPr>
+          </a:p>
+          <a:p>
+            <a:r>
+              <a:rPr lang="th-TH" dirty="0" smtClean="0">
+                <a:latin typeface="Angsana New" pitchFamily="18" charset="-34"/>
+                <a:cs typeface="Angsana New" pitchFamily="18" charset="-34"/>
+              </a:rPr>
+              <a:t>เพื่อให้ผู้ใช้สามารถประมาณเวลาที่ใช้ในการเดินทางเส้นทางเดิม</a:t>
+            </a:r>
+            <a:endParaRPr lang="th-TH" dirty="0" smtClean="0">
+              <a:latin typeface="Angsana New" pitchFamily="18" charset="-34"/>
+              <a:cs typeface="Angsana New" pitchFamily="18" charset="-34"/>
+            </a:endParaRPr>
+          </a:p>
+          <a:p>
+            <a:r>
+              <a:rPr lang="th-TH" dirty="0">
+                <a:latin typeface="Angsana New" pitchFamily="18" charset="-34"/>
+                <a:cs typeface="Angsana New" pitchFamily="18" charset="-34"/>
+              </a:rPr>
+              <a:t>โทรศัพท์มือถือปัจจุบัน </a:t>
+            </a:r>
+            <a:r>
+              <a:rPr lang="th-TH" dirty="0" smtClean="0">
+                <a:latin typeface="Angsana New" pitchFamily="18" charset="-34"/>
+                <a:cs typeface="Angsana New" pitchFamily="18" charset="-34"/>
+              </a:rPr>
+              <a:t>มีความสามารถมากขึ้น</a:t>
+            </a:r>
+            <a:endParaRPr lang="en-US" dirty="0">
+              <a:latin typeface="Angsana New" pitchFamily="18" charset="-34"/>
+              <a:cs typeface="Angsana New" pitchFamily="18" charset="-34"/>
+            </a:endParaRPr>
+          </a:p>
+        </p:txBody>
+      </p:sp>
+      <p:sp>
+        <p:nvSpPr>
+          <p:cNvPr id="8" name="ตัวยึดหมายเลขภาพนิ่ง 7"/>
+          <p:cNvSpPr>
+            <a:spLocks noGrp="1"/>
+          </p:cNvSpPr>
+          <p:nvPr>
+            <p:ph type="sldNum" sz="quarter" idx="12"/>
+          </p:nvPr>
+        </p:nvSpPr>
+        <p:spPr/>
+        <p:txBody>
+          <a:bodyPr/>
+          <a:lstStyle/>
+          <a:p>
+            <a:fld id="{5685757F-D3FC-4732-92F9-251EF6B3B90C}" type="slidenum">
+              <a:rPr lang="en-US" sz="3200" smtClean="0">
+                <a:ln w="18415" cmpd="sng">
+                  <a:solidFill>
+                    <a:srgbClr val="FFFFFF"/>
+                  </a:solidFill>
+                  <a:prstDash val="solid"/>
+                </a:ln>
+                <a:solidFill>
+                  <a:srgbClr val="FFFFFF"/>
+                </a:solidFill>
+                <a:effectLst>
+                  <a:outerShdw blurRad="63500" dir="3600000" algn="tl" rotWithShape="0">
+                    <a:srgbClr val="000000">
+                      <a:alpha val="70000"/>
+                    </a:srgbClr>
+                  </a:outerShdw>
+                </a:effectLst>
+                <a:latin typeface="Angsana New" pitchFamily="18" charset="-34"/>
+                <a:cs typeface="Angsana New" pitchFamily="18" charset="-34"/>
+              </a:rPr>
+              <a:pPr/>
+              <a:t>5</a:t>
+            </a:fld>
+            <a:endParaRPr lang="en-US" sz="3200" dirty="0">
+              <a:ln w="18415" cmpd="sng">
+                <a:solidFill>
+                  <a:srgbClr val="FFFFFF"/>
+                </a:solidFill>
+                <a:prstDash val="solid"/>
+              </a:ln>
+              <a:solidFill>
+                <a:srgbClr val="FFFFFF"/>
+              </a:solidFill>
+              <a:effectLst>
+                <a:outerShdw blurRad="63500" dir="3600000" algn="tl" rotWithShape="0">
+                  <a:srgbClr val="000000">
+                    <a:alpha val="70000"/>
+                  </a:srgbClr>
+                </a:outerShdw>
+              </a:effectLst>
+              <a:latin typeface="Angsana New" pitchFamily="18" charset="-34"/>
+              <a:cs typeface="Angsana New" pitchFamily="18" charset="-34"/>
+            </a:endParaRPr>
+          </a:p>
+        </p:txBody>
+      </p:sp>
+    </p:spTree>
+    <p:extLst>
+      <p:ext uri="{BB962C8B-B14F-4D97-AF65-F5344CB8AC3E}">
+        <p14:creationId xmlns:p14="http://schemas.microsoft.com/office/powerpoint/2010/main" val="1897534785"/>
+      </p:ext>
+    </p:extLst>
+  </p:cSld>
+  <p:clrMapOvr>
+    <a:masterClrMapping/>
+  </p:clrMapOvr>
+  <p:timing>
+    <p:tnLst>
+      <p:par>
+        <p:cTn id="1" dur="indefinite" restart="never" nodeType="tmRoot">
+          <p:childTnLst>
+            <p:seq concurrent="1" nextAc="seek">
+              <p:cTn id="2" dur="indefinite" nodeType="mainSeq">
+                <p:childTnLst>
+                  <p:par>
+                    <p:cTn id="3" fill="hold">
+                      <p:stCondLst>
+                        <p:cond delay="indefinite"/>
+                        <p:cond evt="onBegin" delay="0">
+                          <p:tn val="2"/>
+                        </p:cond>
+                      </p:stCondLst>
+                      <p:childTnLst>
+                        <p:par>
+                          <p:cTn id="4" fill="hold">
+                            <p:stCondLst>
+                              <p:cond delay="0"/>
+                            </p:stCondLst>
+                            <p:childTnLst>
+                              <p:par>
+                                <p:cTn id="5" presetID="10" presetClass="entr" presetSubtype="0" fill="hold" grpId="0" nodeType="afterEffect">
+                                  <p:stCondLst>
+                                    <p:cond delay="0"/>
+                                  </p:stCondLst>
+                                  <p:childTnLst>
+                                    <p:set>
+                                      <p:cBhvr>
+                                        <p:cTn id="6" dur="1" fill="hold">
+                                          <p:stCondLst>
+                                            <p:cond delay="0"/>
+                                          </p:stCondLst>
+                                        </p:cTn>
+                                        <p:tgtEl>
+                                          <p:spTgt spid="4"/>
+                                        </p:tgtEl>
+                                        <p:attrNameLst>
+                                          <p:attrName>style.visibility</p:attrName>
+                                        </p:attrNameLst>
+                                      </p:cBhvr>
+                                      <p:to>
+                                        <p:strVal val="visible"/>
+                                      </p:to>
+                                    </p:set>
+                                    <p:animEffect transition="in" filter="fade">
+                                      <p:cBhvr>
+                                        <p:cTn id="7" dur="500"/>
+                                        <p:tgtEl>
+                                          <p:spTgt spid="4"/>
+                                        </p:tgtEl>
+                                      </p:cBhvr>
+                                    </p:animEffect>
+                                  </p:childTnLst>
+                                </p:cTn>
+                              </p:par>
+                            </p:childTnLst>
+                          </p:cTn>
+                        </p:par>
+                        <p:par>
+                          <p:cTn id="8" fill="hold">
+                            <p:stCondLst>
+                              <p:cond delay="500"/>
+                            </p:stCondLst>
+                            <p:childTnLst>
+                              <p:par>
+                                <p:cTn id="9" presetID="10" presetClass="entr" presetSubtype="0" fill="hold" grpId="0" nodeType="afterEffect">
+                                  <p:stCondLst>
+                                    <p:cond delay="0"/>
+                                  </p:stCondLst>
+                                  <p:childTnLst>
+                                    <p:set>
+                                      <p:cBhvr>
+                                        <p:cTn id="10" dur="1" fill="hold">
+                                          <p:stCondLst>
+                                            <p:cond delay="0"/>
+                                          </p:stCondLst>
+                                        </p:cTn>
+                                        <p:tgtEl>
+                                          <p:spTgt spid="5">
+                                            <p:txEl>
+                                              <p:pRg st="0" end="0"/>
+                                            </p:txEl>
+                                          </p:spTgt>
+                                        </p:tgtEl>
+                                        <p:attrNameLst>
+                                          <p:attrName>style.visibility</p:attrName>
+                                        </p:attrNameLst>
+                                      </p:cBhvr>
+                                      <p:to>
+                                        <p:strVal val="visible"/>
+                                      </p:to>
+                                    </p:set>
+                                    <p:animEffect transition="in" filter="fade">
+                                      <p:cBhvr>
+                                        <p:cTn id="11" dur="500"/>
+                                        <p:tgtEl>
+                                          <p:spTgt spid="5">
+                                            <p:txEl>
+                                              <p:pRg st="0" end="0"/>
+                                            </p:txEl>
+                                          </p:spTgt>
+                                        </p:tgtEl>
+                                      </p:cBhvr>
+                                    </p:animEffect>
+                                  </p:childTnLst>
+                                </p:cTn>
+                              </p:par>
+                            </p:childTnLst>
+                          </p:cTn>
+                        </p:par>
+                        <p:par>
+                          <p:cTn id="12" fill="hold">
+                            <p:stCondLst>
+                              <p:cond delay="1000"/>
+                            </p:stCondLst>
+                            <p:childTnLst>
+                              <p:par>
+                                <p:cTn id="13" presetID="10" presetClass="entr" presetSubtype="0" fill="hold" grpId="0" nodeType="afterEffect">
+                                  <p:stCondLst>
+                                    <p:cond delay="0"/>
+                                  </p:stCondLst>
+                                  <p:childTnLst>
+                                    <p:set>
+                                      <p:cBhvr>
+                                        <p:cTn id="14" dur="1" fill="hold">
+                                          <p:stCondLst>
+                                            <p:cond delay="0"/>
+                                          </p:stCondLst>
+                                        </p:cTn>
+                                        <p:tgtEl>
+                                          <p:spTgt spid="5">
+                                            <p:txEl>
+                                              <p:pRg st="1" end="1"/>
+                                            </p:txEl>
+                                          </p:spTgt>
+                                        </p:tgtEl>
+                                        <p:attrNameLst>
+                                          <p:attrName>style.visibility</p:attrName>
+                                        </p:attrNameLst>
+                                      </p:cBhvr>
+                                      <p:to>
+                                        <p:strVal val="visible"/>
+                                      </p:to>
+                                    </p:set>
+                                    <p:animEffect transition="in" filter="fade">
+                                      <p:cBhvr>
+                                        <p:cTn id="15" dur="500"/>
+                                        <p:tgtEl>
+                                          <p:spTgt spid="5">
+                                            <p:txEl>
+                                              <p:pRg st="1" end="1"/>
+                                            </p:txEl>
+                                          </p:spTgt>
+                                        </p:tgtEl>
+                                      </p:cBhvr>
+                                    </p:animEffect>
+                                  </p:childTnLst>
+                                </p:cTn>
+                              </p:par>
+                            </p:childTnLst>
+                          </p:cTn>
+                        </p:par>
+                      </p:childTnLst>
+                    </p:cTn>
+                  </p:par>
+                  <p:par>
+                    <p:cTn id="16" fill="hold">
+                      <p:stCondLst>
+                        <p:cond delay="indefinite"/>
+                      </p:stCondLst>
+                      <p:childTnLst>
+                        <p:par>
+                          <p:cTn id="17" fill="hold">
+                            <p:stCondLst>
+                              <p:cond delay="0"/>
+                            </p:stCondLst>
+                            <p:childTnLst>
+                              <p:par>
+                                <p:cTn id="18" presetID="10" presetClass="entr" presetSubtype="0" fill="hold" grpId="0" nodeType="clickEffect">
+                                  <p:stCondLst>
+                                    <p:cond delay="0"/>
+                                  </p:stCondLst>
+                                  <p:childTnLst>
+                                    <p:set>
+                                      <p:cBhvr>
+                                        <p:cTn id="19" dur="1" fill="hold">
+                                          <p:stCondLst>
+                                            <p:cond delay="0"/>
+                                          </p:stCondLst>
+                                        </p:cTn>
+                                        <p:tgtEl>
+                                          <p:spTgt spid="5">
+                                            <p:txEl>
+                                              <p:pRg st="2" end="2"/>
+                                            </p:txEl>
+                                          </p:spTgt>
+                                        </p:tgtEl>
+                                        <p:attrNameLst>
+                                          <p:attrName>style.visibility</p:attrName>
+                                        </p:attrNameLst>
+                                      </p:cBhvr>
+                                      <p:to>
+                                        <p:strVal val="visible"/>
+                                      </p:to>
+                                    </p:set>
+                                    <p:animEffect transition="in" filter="fade">
+                                      <p:cBhvr>
+                                        <p:cTn id="20" dur="500"/>
+                                        <p:tgtEl>
+                                          <p:spTgt spid="5">
+                                            <p:txEl>
+                                              <p:pRg st="2" end="2"/>
+                                            </p:txEl>
+                                          </p:spTgt>
+                                        </p:tgtEl>
+                                      </p:cBhvr>
+                                    </p:animEffect>
+                                  </p:childTnLst>
+                                </p:cTn>
+                              </p:par>
+                            </p:childTnLst>
+                          </p:cTn>
+                        </p:par>
+                        <p:par>
+                          <p:cTn id="21" fill="hold">
+                            <p:stCondLst>
+                              <p:cond delay="500"/>
+                            </p:stCondLst>
+                            <p:childTnLst>
+                              <p:par>
+                                <p:cTn id="22" presetID="10" presetClass="entr" presetSubtype="0" fill="hold" grpId="0" nodeType="afterEffect">
+                                  <p:stCondLst>
+                                    <p:cond delay="0"/>
+                                  </p:stCondLst>
+                                  <p:childTnLst>
+                                    <p:set>
+                                      <p:cBhvr>
+                                        <p:cTn id="23" dur="1" fill="hold">
+                                          <p:stCondLst>
+                                            <p:cond delay="0"/>
+                                          </p:stCondLst>
+                                        </p:cTn>
+                                        <p:tgtEl>
+                                          <p:spTgt spid="5">
+                                            <p:txEl>
+                                              <p:pRg st="3" end="3"/>
+                                            </p:txEl>
+                                          </p:spTgt>
+                                        </p:tgtEl>
+                                        <p:attrNameLst>
+                                          <p:attrName>style.visibility</p:attrName>
+                                        </p:attrNameLst>
+                                      </p:cBhvr>
+                                      <p:to>
+                                        <p:strVal val="visible"/>
+                                      </p:to>
+                                    </p:set>
+                                    <p:animEffect transition="in" filter="fade">
+                                      <p:cBhvr>
+                                        <p:cTn id="24" dur="500"/>
+                                        <p:tgtEl>
+                                          <p:spTgt spid="5">
+                                            <p:txEl>
+                                              <p:pRg st="3" end="3"/>
+                                            </p:txEl>
+                                          </p:spTgt>
+                                        </p:tgtEl>
+                                      </p:cBhvr>
+                                    </p:animEffect>
+                                  </p:childTnLst>
+                                </p:cTn>
+                              </p:par>
+                            </p:childTnLst>
+                          </p:cTn>
+                        </p:par>
+                      </p:childTnLst>
+                    </p:cTn>
+                  </p:par>
+                </p:childTnLst>
+              </p:cTn>
+              <p:prevCondLst>
+                <p:cond evt="onPrev" delay="0">
+                  <p:tgtEl>
+                    <p:sldTgt/>
+                  </p:tgtEl>
+                </p:cond>
+              </p:prevCondLst>
+              <p:nextCondLst>
+                <p:cond evt="onNext" delay="0">
+                  <p:tgtEl>
+                    <p:sldTgt/>
+                  </p:tgtEl>
+                </p:cond>
+              </p:nextCondLst>
+            </p:seq>
+          </p:childTnLst>
+        </p:cTn>
+      </p:par>
+    </p:tnLst>
+    <p:bldLst>
+      <p:bldP spid="4" grpId="0"/>
+      <p:bldP spid="5" grpId="0" build="p"/>
+    </p:bldLst>
+  </p:timing>
+</p:sld>
+</file>
+
+<file path=ppt/slides/slide6.xml><?xml version="1.0" encoding="utf-8"?>
 <p:sld xmlns:a="http://schemas.openxmlformats.org/drawingml/2006/main" xmlns:r="http://schemas.openxmlformats.org/officeDocument/2006/relationships" xmlns:p="http://schemas.openxmlformats.org/presentationml/2006/main">
   <p:cSld>
     <p:spTree>
@@ -14675,7 +14836,7 @@
             <p:ph idx="1"/>
             <p:extLst>
               <p:ext uri="{D42A27DB-BD31-4B8C-83A1-F6EECF244321}">
-                <p14:modId xmlns="" xmlns:p14="http://schemas.microsoft.com/office/powerpoint/2010/main" val="3948974983"/>
+                <p14:modId xmlns:p14="http://schemas.microsoft.com/office/powerpoint/2010/main" val="3948974983"/>
               </p:ext>
             </p:extLst>
           </p:nvPr>
@@ -15274,6 +15435,359 @@
                 <a:cs typeface="Angsana New" pitchFamily="18" charset="-34"/>
               </a:rPr>
               <a:pPr/>
+              <a:t>6</a:t>
+            </a:fld>
+            <a:endParaRPr lang="en-US" sz="3200" dirty="0">
+              <a:ln w="18415" cmpd="sng">
+                <a:solidFill>
+                  <a:srgbClr val="FFFFFF"/>
+                </a:solidFill>
+                <a:prstDash val="solid"/>
+              </a:ln>
+              <a:solidFill>
+                <a:srgbClr val="FFFFFF"/>
+              </a:solidFill>
+              <a:effectLst>
+                <a:outerShdw blurRad="63500" dir="3600000" algn="tl" rotWithShape="0">
+                  <a:srgbClr val="000000">
+                    <a:alpha val="70000"/>
+                  </a:srgbClr>
+                </a:outerShdw>
+              </a:effectLst>
+              <a:latin typeface="Angsana New" pitchFamily="18" charset="-34"/>
+              <a:cs typeface="Angsana New" pitchFamily="18" charset="-34"/>
+            </a:endParaRPr>
+          </a:p>
+        </p:txBody>
+      </p:sp>
+    </p:spTree>
+    <p:extLst>
+      <p:ext uri="{BB962C8B-B14F-4D97-AF65-F5344CB8AC3E}">
+        <p14:creationId xmlns:p14="http://schemas.microsoft.com/office/powerpoint/2010/main" val="653064840"/>
+      </p:ext>
+    </p:extLst>
+  </p:cSld>
+  <p:clrMapOvr>
+    <a:masterClrMapping/>
+  </p:clrMapOvr>
+  <p:timing>
+    <p:tnLst>
+      <p:par>
+        <p:cTn id="1" dur="indefinite" restart="never" nodeType="tmRoot">
+          <p:childTnLst>
+            <p:seq concurrent="1" nextAc="seek">
+              <p:cTn id="2" dur="indefinite" nodeType="mainSeq">
+                <p:childTnLst>
+                  <p:par>
+                    <p:cTn id="3" fill="hold">
+                      <p:stCondLst>
+                        <p:cond delay="indefinite"/>
+                        <p:cond evt="onBegin" delay="0">
+                          <p:tn val="2"/>
+                        </p:cond>
+                      </p:stCondLst>
+                      <p:childTnLst>
+                        <p:par>
+                          <p:cTn id="4" fill="hold">
+                            <p:stCondLst>
+                              <p:cond delay="0"/>
+                            </p:stCondLst>
+                            <p:childTnLst>
+                              <p:par>
+                                <p:cTn id="5" presetID="10" presetClass="entr" presetSubtype="0" fill="hold" grpId="0" nodeType="afterEffect">
+                                  <p:stCondLst>
+                                    <p:cond delay="0"/>
+                                  </p:stCondLst>
+                                  <p:childTnLst>
+                                    <p:set>
+                                      <p:cBhvr>
+                                        <p:cTn id="6" dur="1" fill="hold">
+                                          <p:stCondLst>
+                                            <p:cond delay="0"/>
+                                          </p:stCondLst>
+                                        </p:cTn>
+                                        <p:tgtEl>
+                                          <p:spTgt spid="2"/>
+                                        </p:tgtEl>
+                                        <p:attrNameLst>
+                                          <p:attrName>style.visibility</p:attrName>
+                                        </p:attrNameLst>
+                                      </p:cBhvr>
+                                      <p:to>
+                                        <p:strVal val="visible"/>
+                                      </p:to>
+                                    </p:set>
+                                    <p:animEffect transition="in" filter="fade">
+                                      <p:cBhvr>
+                                        <p:cTn id="7" dur="500"/>
+                                        <p:tgtEl>
+                                          <p:spTgt spid="2"/>
+                                        </p:tgtEl>
+                                      </p:cBhvr>
+                                    </p:animEffect>
+                                  </p:childTnLst>
+                                </p:cTn>
+                              </p:par>
+                            </p:childTnLst>
+                          </p:cTn>
+                        </p:par>
+                        <p:par>
+                          <p:cTn id="8" fill="hold">
+                            <p:stCondLst>
+                              <p:cond delay="500"/>
+                            </p:stCondLst>
+                            <p:childTnLst>
+                              <p:par>
+                                <p:cTn id="9" presetID="10" presetClass="entr" presetSubtype="0" fill="hold" nodeType="afterEffect">
+                                  <p:stCondLst>
+                                    <p:cond delay="0"/>
+                                  </p:stCondLst>
+                                  <p:childTnLst>
+                                    <p:set>
+                                      <p:cBhvr>
+                                        <p:cTn id="10" dur="1" fill="hold">
+                                          <p:stCondLst>
+                                            <p:cond delay="0"/>
+                                          </p:stCondLst>
+                                        </p:cTn>
+                                        <p:tgtEl>
+                                          <p:spTgt spid="4"/>
+                                        </p:tgtEl>
+                                        <p:attrNameLst>
+                                          <p:attrName>style.visibility</p:attrName>
+                                        </p:attrNameLst>
+                                      </p:cBhvr>
+                                      <p:to>
+                                        <p:strVal val="visible"/>
+                                      </p:to>
+                                    </p:set>
+                                    <p:animEffect transition="in" filter="fade">
+                                      <p:cBhvr>
+                                        <p:cTn id="11" dur="500"/>
+                                        <p:tgtEl>
+                                          <p:spTgt spid="4"/>
+                                        </p:tgtEl>
+                                      </p:cBhvr>
+                                    </p:animEffect>
+                                  </p:childTnLst>
+                                </p:cTn>
+                              </p:par>
+                            </p:childTnLst>
+                          </p:cTn>
+                        </p:par>
+                      </p:childTnLst>
+                    </p:cTn>
+                  </p:par>
+                </p:childTnLst>
+              </p:cTn>
+              <p:prevCondLst>
+                <p:cond evt="onPrev" delay="0">
+                  <p:tgtEl>
+                    <p:sldTgt/>
+                  </p:tgtEl>
+                </p:cond>
+              </p:prevCondLst>
+              <p:nextCondLst>
+                <p:cond evt="onNext" delay="0">
+                  <p:tgtEl>
+                    <p:sldTgt/>
+                  </p:tgtEl>
+                </p:cond>
+              </p:nextCondLst>
+            </p:seq>
+          </p:childTnLst>
+        </p:cTn>
+      </p:par>
+    </p:tnLst>
+    <p:bldLst>
+      <p:bldP spid="2" grpId="0"/>
+    </p:bldLst>
+  </p:timing>
+</p:sld>
+</file>
+
+<file path=ppt/slides/slide7.xml><?xml version="1.0" encoding="utf-8"?>
+<p:sld xmlns:a="http://schemas.openxmlformats.org/drawingml/2006/main" xmlns:r="http://schemas.openxmlformats.org/officeDocument/2006/relationships" xmlns:p="http://schemas.openxmlformats.org/presentationml/2006/main">
+  <p:cSld>
+    <p:spTree>
+      <p:nvGrpSpPr>
+        <p:cNvPr id="1" name=""/>
+        <p:cNvGrpSpPr/>
+        <p:nvPr/>
+      </p:nvGrpSpPr>
+      <p:grpSpPr>
+        <a:xfrm>
+          <a:off x="0" y="0"/>
+          <a:ext cx="0" cy="0"/>
+          <a:chOff x="0" y="0"/>
+          <a:chExt cx="0" cy="0"/>
+        </a:xfrm>
+      </p:grpSpPr>
+      <p:sp>
+        <p:nvSpPr>
+          <p:cNvPr id="2" name="Title 1"/>
+          <p:cNvSpPr>
+            <a:spLocks noGrp="1"/>
+          </p:cNvSpPr>
+          <p:nvPr>
+            <p:ph type="title"/>
+          </p:nvPr>
+        </p:nvSpPr>
+        <p:spPr/>
+        <p:txBody>
+          <a:bodyPr/>
+          <a:lstStyle/>
+          <a:p>
+            <a:r>
+              <a:rPr lang="th-TH" b="1" dirty="0" smtClean="0"/>
+              <a:t>ขอบเขตของโครงงาน</a:t>
+            </a:r>
+            <a:endParaRPr lang="en-US" b="1" dirty="0"/>
+          </a:p>
+        </p:txBody>
+      </p:sp>
+      <p:sp>
+        <p:nvSpPr>
+          <p:cNvPr id="3" name="Content Placeholder 2"/>
+          <p:cNvSpPr>
+            <a:spLocks noGrp="1"/>
+          </p:cNvSpPr>
+          <p:nvPr>
+            <p:ph idx="1"/>
+          </p:nvPr>
+        </p:nvSpPr>
+        <p:spPr/>
+        <p:txBody>
+          <a:bodyPr/>
+          <a:lstStyle/>
+          <a:p>
+            <a:r>
+              <a:rPr lang="th-TH" dirty="0" smtClean="0">
+                <a:latin typeface="Angsana New" pitchFamily="18" charset="-34"/>
+                <a:cs typeface="Angsana New" pitchFamily="18" charset="-34"/>
+              </a:rPr>
+              <a:t>จะต้องรับ</a:t>
+            </a:r>
+            <a:r>
+              <a:rPr lang="th-TH" dirty="0" smtClean="0">
+                <a:latin typeface="Angsana New" pitchFamily="18" charset="-34"/>
+                <a:cs typeface="Angsana New" pitchFamily="18" charset="-34"/>
+              </a:rPr>
+              <a:t>สัญญาณ</a:t>
+            </a:r>
+            <a:r>
+              <a:rPr lang="th-TH" dirty="0" smtClean="0">
+                <a:latin typeface="Angsana New" pitchFamily="18" charset="-34"/>
+                <a:cs typeface="Angsana New" pitchFamily="18" charset="-34"/>
+              </a:rPr>
+              <a:t>จากดาวเทียม </a:t>
+            </a:r>
+            <a:r>
+              <a:rPr lang="en-US" dirty="0" smtClean="0">
+                <a:latin typeface="Angsana New" pitchFamily="18" charset="-34"/>
+                <a:cs typeface="Angsana New" pitchFamily="18" charset="-34"/>
+              </a:rPr>
+              <a:t>4</a:t>
+            </a:r>
+            <a:r>
+              <a:rPr lang="th-TH" dirty="0" smtClean="0">
+                <a:latin typeface="Angsana New" pitchFamily="18" charset="-34"/>
+                <a:cs typeface="Angsana New" pitchFamily="18" charset="-34"/>
+              </a:rPr>
+              <a:t> ดวงขึ้นไป</a:t>
+            </a:r>
+          </a:p>
+          <a:p>
+            <a:r>
+              <a:rPr lang="th-TH" dirty="0" smtClean="0">
+                <a:latin typeface="Angsana New" pitchFamily="18" charset="-34"/>
+                <a:cs typeface="Angsana New" pitchFamily="18" charset="-34"/>
+              </a:rPr>
+              <a:t>ก่อนที่จะนำพิกัดในฐานข้อมูล ไปลง </a:t>
+            </a:r>
+            <a:r>
+              <a:rPr lang="en-US" dirty="0" smtClean="0">
+                <a:latin typeface="Angsana New" pitchFamily="18" charset="-34"/>
+                <a:cs typeface="Angsana New" pitchFamily="18" charset="-34"/>
+              </a:rPr>
+              <a:t>Google Map </a:t>
+            </a:r>
+            <a:r>
+              <a:rPr lang="th-TH" dirty="0" smtClean="0">
+                <a:latin typeface="Angsana New" pitchFamily="18" charset="-34"/>
+                <a:cs typeface="Angsana New" pitchFamily="18" charset="-34"/>
+              </a:rPr>
+              <a:t>จะต้องมีสัญญาณอินเตอร์เน็ต</a:t>
+            </a:r>
+          </a:p>
+          <a:p>
+            <a:r>
+              <a:rPr lang="th-TH" dirty="0" smtClean="0">
+                <a:latin typeface="Angsana New" pitchFamily="18" charset="-34"/>
+                <a:cs typeface="Angsana New" pitchFamily="18" charset="-34"/>
+              </a:rPr>
+              <a:t>เมื่อหยุดการบันทึกพิกัดช่วงคราว เส้นทางในแผนที่ก็จะขาดช่วงไป</a:t>
+            </a:r>
+            <a:r>
+              <a:rPr lang="th-TH" dirty="0" smtClean="0">
+                <a:latin typeface="Angsana New" pitchFamily="18" charset="-34"/>
+                <a:cs typeface="Angsana New" pitchFamily="18" charset="-34"/>
+              </a:rPr>
+              <a:t>เช่นกัน</a:t>
+            </a:r>
+          </a:p>
+          <a:p>
+            <a:r>
+              <a:rPr lang="th-TH" dirty="0" smtClean="0">
+                <a:latin typeface="Angsana New" pitchFamily="18" charset="-34"/>
+                <a:cs typeface="Angsana New" pitchFamily="18" charset="-34"/>
+              </a:rPr>
+              <a:t>พิกัดที่ได้มาอาจมีความคลาดเคลื่อน</a:t>
+            </a:r>
+            <a:endParaRPr lang="en-US" dirty="0">
+              <a:latin typeface="Angsana New" pitchFamily="18" charset="-34"/>
+              <a:cs typeface="Angsana New" pitchFamily="18" charset="-34"/>
+            </a:endParaRPr>
+          </a:p>
+        </p:txBody>
+      </p:sp>
+      <p:sp>
+        <p:nvSpPr>
+          <p:cNvPr id="6" name="ตัวยึดหมายเลขภาพนิ่ง 5"/>
+          <p:cNvSpPr>
+            <a:spLocks noGrp="1"/>
+          </p:cNvSpPr>
+          <p:nvPr>
+            <p:ph type="sldNum" sz="quarter" idx="12"/>
+          </p:nvPr>
+        </p:nvSpPr>
+        <p:spPr/>
+        <p:txBody>
+          <a:bodyPr/>
+          <a:lstStyle/>
+          <a:p>
+            <a:fld id="{5685757F-D3FC-4732-92F9-251EF6B3B90C}" type="slidenum">
+              <a:rPr lang="en-US" sz="3200" smtClean="0">
+                <a:ln w="18415" cmpd="sng">
+                  <a:solidFill>
+                    <a:srgbClr val="FFFFFF"/>
+                  </a:solidFill>
+                  <a:prstDash val="solid"/>
+                </a:ln>
+                <a:solidFill>
+                  <a:srgbClr val="FFFFFF"/>
+                </a:solidFill>
+                <a:effectLst>
+                  <a:outerShdw blurRad="63500" dir="3600000" algn="tl" rotWithShape="0">
+                    <a:srgbClr val="000000">
+                      <a:alpha val="70000"/>
+                    </a:srgbClr>
+                  </a:outerShdw>
+                </a:effectLst>
+                <a:latin typeface="Angsana New" pitchFamily="18" charset="-34"/>
+                <a:cs typeface="Angsana New" pitchFamily="18" charset="-34"/>
+              </a:rPr>
+              <a:pPr/>
               <a:t>7</a:t>
             </a:fld>
             <a:endParaRPr lang="en-US" sz="3200" dirty="0">
@@ -15302,7 +15816,7 @@
     </p:spTree>
     <p:extLst>
       <p:ext uri="{BB962C8B-B14F-4D97-AF65-F5344CB8AC3E}">
-        <p14:creationId xmlns="" xmlns:p14="http://schemas.microsoft.com/office/powerpoint/2010/main" val="653064840"/>
+        <p14:creationId xmlns:p14="http://schemas.microsoft.com/office/powerpoint/2010/main" val="3158405881"/>
       </p:ext>
     </p:extLst>
   </p:cSld>
@@ -15312,9 +15826,309 @@
   <p:timing>
     <p:tnLst>
       <p:par>
-        <p:cTn id="1" dur="indefinite" restart="never" nodeType="tmRoot"/>
+        <p:cTn id="1" dur="indefinite" restart="never" nodeType="tmRoot">
+          <p:childTnLst>
+            <p:seq concurrent="1" nextAc="seek">
+              <p:cTn id="2" dur="indefinite" nodeType="mainSeq">
+                <p:childTnLst>
+                  <p:par>
+                    <p:cTn id="3" fill="hold">
+                      <p:stCondLst>
+                        <p:cond delay="indefinite"/>
+                        <p:cond evt="onBegin" delay="0">
+                          <p:tn val="2"/>
+                        </p:cond>
+                      </p:stCondLst>
+                      <p:childTnLst>
+                        <p:par>
+                          <p:cTn id="4" fill="hold">
+                            <p:stCondLst>
+                              <p:cond delay="0"/>
+                            </p:stCondLst>
+                            <p:childTnLst>
+                              <p:par>
+                                <p:cTn id="5" presetID="10" presetClass="entr" presetSubtype="0" fill="hold" grpId="0" nodeType="afterEffect">
+                                  <p:stCondLst>
+                                    <p:cond delay="0"/>
+                                  </p:stCondLst>
+                                  <p:childTnLst>
+                                    <p:set>
+                                      <p:cBhvr>
+                                        <p:cTn id="6" dur="1" fill="hold">
+                                          <p:stCondLst>
+                                            <p:cond delay="0"/>
+                                          </p:stCondLst>
+                                        </p:cTn>
+                                        <p:tgtEl>
+                                          <p:spTgt spid="2"/>
+                                        </p:tgtEl>
+                                        <p:attrNameLst>
+                                          <p:attrName>style.visibility</p:attrName>
+                                        </p:attrNameLst>
+                                      </p:cBhvr>
+                                      <p:to>
+                                        <p:strVal val="visible"/>
+                                      </p:to>
+                                    </p:set>
+                                    <p:animEffect transition="in" filter="fade">
+                                      <p:cBhvr>
+                                        <p:cTn id="7" dur="500"/>
+                                        <p:tgtEl>
+                                          <p:spTgt spid="2"/>
+                                        </p:tgtEl>
+                                      </p:cBhvr>
+                                    </p:animEffect>
+                                  </p:childTnLst>
+                                </p:cTn>
+                              </p:par>
+                            </p:childTnLst>
+                          </p:cTn>
+                        </p:par>
+                        <p:par>
+                          <p:cTn id="8" fill="hold">
+                            <p:stCondLst>
+                              <p:cond delay="500"/>
+                            </p:stCondLst>
+                            <p:childTnLst>
+                              <p:par>
+                                <p:cTn id="9" presetID="10" presetClass="entr" presetSubtype="0" fill="hold" grpId="0" nodeType="afterEffect">
+                                  <p:stCondLst>
+                                    <p:cond delay="0"/>
+                                  </p:stCondLst>
+                                  <p:childTnLst>
+                                    <p:set>
+                                      <p:cBhvr>
+                                        <p:cTn id="10" dur="1" fill="hold">
+                                          <p:stCondLst>
+                                            <p:cond delay="0"/>
+                                          </p:stCondLst>
+                                        </p:cTn>
+                                        <p:tgtEl>
+                                          <p:spTgt spid="3">
+                                            <p:txEl>
+                                              <p:pRg st="0" end="0"/>
+                                            </p:txEl>
+                                          </p:spTgt>
+                                        </p:tgtEl>
+                                        <p:attrNameLst>
+                                          <p:attrName>style.visibility</p:attrName>
+                                        </p:attrNameLst>
+                                      </p:cBhvr>
+                                      <p:to>
+                                        <p:strVal val="visible"/>
+                                      </p:to>
+                                    </p:set>
+                                    <p:animEffect transition="in" filter="fade">
+                                      <p:cBhvr>
+                                        <p:cTn id="11" dur="500"/>
+                                        <p:tgtEl>
+                                          <p:spTgt spid="3">
+                                            <p:txEl>
+                                              <p:pRg st="0" end="0"/>
+                                            </p:txEl>
+                                          </p:spTgt>
+                                        </p:tgtEl>
+                                      </p:cBhvr>
+                                    </p:animEffect>
+                                  </p:childTnLst>
+                                </p:cTn>
+                              </p:par>
+                            </p:childTnLst>
+                          </p:cTn>
+                        </p:par>
+                        <p:par>
+                          <p:cTn id="12" fill="hold">
+                            <p:stCondLst>
+                              <p:cond delay="1000"/>
+                            </p:stCondLst>
+                            <p:childTnLst>
+                              <p:par>
+                                <p:cTn id="13" presetID="10" presetClass="entr" presetSubtype="0" fill="hold" grpId="0" nodeType="afterEffect">
+                                  <p:stCondLst>
+                                    <p:cond delay="0"/>
+                                  </p:stCondLst>
+                                  <p:childTnLst>
+                                    <p:set>
+                                      <p:cBhvr>
+                                        <p:cTn id="14" dur="1" fill="hold">
+                                          <p:stCondLst>
+                                            <p:cond delay="0"/>
+                                          </p:stCondLst>
+                                        </p:cTn>
+                                        <p:tgtEl>
+                                          <p:spTgt spid="3">
+                                            <p:txEl>
+                                              <p:pRg st="1" end="1"/>
+                                            </p:txEl>
+                                          </p:spTgt>
+                                        </p:tgtEl>
+                                        <p:attrNameLst>
+                                          <p:attrName>style.visibility</p:attrName>
+                                        </p:attrNameLst>
+                                      </p:cBhvr>
+                                      <p:to>
+                                        <p:strVal val="visible"/>
+                                      </p:to>
+                                    </p:set>
+                                    <p:animEffect transition="in" filter="fade">
+                                      <p:cBhvr>
+                                        <p:cTn id="15" dur="500"/>
+                                        <p:tgtEl>
+                                          <p:spTgt spid="3">
+                                            <p:txEl>
+                                              <p:pRg st="1" end="1"/>
+                                            </p:txEl>
+                                          </p:spTgt>
+                                        </p:tgtEl>
+                                      </p:cBhvr>
+                                    </p:animEffect>
+                                  </p:childTnLst>
+                                </p:cTn>
+                              </p:par>
+                            </p:childTnLst>
+                          </p:cTn>
+                        </p:par>
+                        <p:par>
+                          <p:cTn id="16" fill="hold">
+                            <p:stCondLst>
+                              <p:cond delay="1500"/>
+                            </p:stCondLst>
+                            <p:childTnLst>
+                              <p:par>
+                                <p:cTn id="17" presetID="10" presetClass="entr" presetSubtype="0" fill="hold" grpId="0" nodeType="afterEffect">
+                                  <p:stCondLst>
+                                    <p:cond delay="0"/>
+                                  </p:stCondLst>
+                                  <p:childTnLst>
+                                    <p:set>
+                                      <p:cBhvr>
+                                        <p:cTn id="18" dur="1" fill="hold">
+                                          <p:stCondLst>
+                                            <p:cond delay="0"/>
+                                          </p:stCondLst>
+                                        </p:cTn>
+                                        <p:tgtEl>
+                                          <p:spTgt spid="3">
+                                            <p:txEl>
+                                              <p:pRg st="2" end="2"/>
+                                            </p:txEl>
+                                          </p:spTgt>
+                                        </p:tgtEl>
+                                        <p:attrNameLst>
+                                          <p:attrName>style.visibility</p:attrName>
+                                        </p:attrNameLst>
+                                      </p:cBhvr>
+                                      <p:to>
+                                        <p:strVal val="visible"/>
+                                      </p:to>
+                                    </p:set>
+                                    <p:animEffect transition="in" filter="fade">
+                                      <p:cBhvr>
+                                        <p:cTn id="19" dur="500"/>
+                                        <p:tgtEl>
+                                          <p:spTgt spid="3">
+                                            <p:txEl>
+                                              <p:pRg st="2" end="2"/>
+                                            </p:txEl>
+                                          </p:spTgt>
+                                        </p:tgtEl>
+                                      </p:cBhvr>
+                                    </p:animEffect>
+                                  </p:childTnLst>
+                                </p:cTn>
+                              </p:par>
+                            </p:childTnLst>
+                          </p:cTn>
+                        </p:par>
+                      </p:childTnLst>
+                    </p:cTn>
+                  </p:par>
+                  <p:par>
+                    <p:cTn id="20" fill="hold">
+                      <p:stCondLst>
+                        <p:cond delay="indefinite"/>
+                      </p:stCondLst>
+                      <p:childTnLst>
+                        <p:par>
+                          <p:cTn id="21" fill="hold">
+                            <p:stCondLst>
+                              <p:cond delay="0"/>
+                            </p:stCondLst>
+                            <p:childTnLst>
+                              <p:par>
+                                <p:cTn id="22" presetID="10" presetClass="entr" presetSubtype="0" fill="hold" grpId="0" nodeType="clickEffect">
+                                  <p:stCondLst>
+                                    <p:cond delay="0"/>
+                                  </p:stCondLst>
+                                  <p:childTnLst>
+                                    <p:set>
+                                      <p:cBhvr>
+                                        <p:cTn id="23" dur="1" fill="hold">
+                                          <p:stCondLst>
+                                            <p:cond delay="0"/>
+                                          </p:stCondLst>
+                                        </p:cTn>
+                                        <p:tgtEl>
+                                          <p:spTgt spid="3">
+                                            <p:txEl>
+                                              <p:pRg st="3" end="3"/>
+                                            </p:txEl>
+                                          </p:spTgt>
+                                        </p:tgtEl>
+                                        <p:attrNameLst>
+                                          <p:attrName>style.visibility</p:attrName>
+                                        </p:attrNameLst>
+                                      </p:cBhvr>
+                                      <p:to>
+                                        <p:strVal val="visible"/>
+                                      </p:to>
+                                    </p:set>
+                                    <p:animEffect transition="in" filter="fade">
+                                      <p:cBhvr>
+                                        <p:cTn id="24" dur="500"/>
+                                        <p:tgtEl>
+                                          <p:spTgt spid="3">
+                                            <p:txEl>
+                                              <p:pRg st="3" end="3"/>
+                                            </p:txEl>
+                                          </p:spTgt>
+                                        </p:tgtEl>
+                                      </p:cBhvr>
+                                    </p:animEffect>
+                                  </p:childTnLst>
+                                </p:cTn>
+                              </p:par>
+                            </p:childTnLst>
+                          </p:cTn>
+                        </p:par>
+                      </p:childTnLst>
+                    </p:cTn>
+                  </p:par>
+                </p:childTnLst>
+              </p:cTn>
+              <p:prevCondLst>
+                <p:cond evt="onPrev" delay="0">
+                  <p:tgtEl>
+                    <p:sldTgt/>
+                  </p:tgtEl>
+                </p:cond>
+              </p:prevCondLst>
+              <p:nextCondLst>
+                <p:cond evt="onNext" delay="0">
+                  <p:tgtEl>
+                    <p:sldTgt/>
+                  </p:tgtEl>
+                </p:cond>
+              </p:nextCondLst>
+            </p:seq>
+          </p:childTnLst>
+        </p:cTn>
       </p:par>
     </p:tnLst>
+    <p:bldLst>
+      <p:bldP spid="2" grpId="0"/>
+      <p:bldP spid="3" grpId="0" uiExpand="1" build="p"/>
+    </p:bldLst>
   </p:timing>
 </p:sld>
 </file>
@@ -15353,7 +16167,7 @@
           <a:p>
             <a:r>
               <a:rPr lang="th-TH" b="1" dirty="0" smtClean="0"/>
-              <a:t>วัตถุประสงค์ของโครงงาน</a:t>
+              <a:t>แตกต่างจากโปรแกรมอื่นๆอย่างไร</a:t>
             </a:r>
             <a:endParaRPr lang="en-US" b="1" dirty="0"/>
           </a:p>
@@ -15374,54 +16188,187 @@
           <a:bodyPr/>
           <a:lstStyle/>
           <a:p>
+            <a:pPr marL="0" indent="0">
+              <a:buNone/>
+            </a:pPr>
+            <a:endParaRPr lang="th-TH" dirty="0" smtClean="0"/>
+          </a:p>
+          <a:p>
+            <a:endParaRPr lang="en-US" dirty="0"/>
+          </a:p>
+        </p:txBody>
+      </p:sp>
+      <p:pic>
+        <p:nvPicPr>
+          <p:cNvPr id="1027" name="Picture 3" descr="C:\Users\JOeCole\Desktop\image2.png"/>
+          <p:cNvPicPr>
+            <a:picLocks noChangeAspect="1" noChangeArrowheads="1"/>
+          </p:cNvPicPr>
+          <p:nvPr/>
+        </p:nvPicPr>
+        <p:blipFill>
+          <a:blip r:embed="rId2" cstate="print">
+            <a:extLst>
+              <a:ext uri="{28A0092B-C50C-407E-A947-70E740481C1C}">
+                <a14:useLocalDpi xmlns:a14="http://schemas.microsoft.com/office/drawing/2010/main" val="0"/>
+              </a:ext>
+            </a:extLst>
+          </a:blip>
+          <a:srcRect/>
+          <a:stretch>
+            <a:fillRect/>
+          </a:stretch>
+        </p:blipFill>
+        <p:spPr bwMode="auto">
+          <a:xfrm>
+            <a:off x="685800" y="3276600"/>
+            <a:ext cx="1331495" cy="2368952"/>
+          </a:xfrm>
+          <a:prstGeom prst="rect">
+            <a:avLst/>
+          </a:prstGeom>
+          <a:noFill/>
+          <a:extLst>
+            <a:ext uri="{909E8E84-426E-40DD-AFC4-6F175D3DCCD1}">
+              <a14:hiddenFill xmlns:a14="http://schemas.microsoft.com/office/drawing/2010/main">
+                <a:solidFill>
+                  <a:srgbClr val="FFFFFF"/>
+                </a:solidFill>
+              </a14:hiddenFill>
+            </a:ext>
+          </a:extLst>
+        </p:spPr>
+      </p:pic>
+      <p:pic>
+        <p:nvPicPr>
+          <p:cNvPr id="1029" name="Picture 5" descr="C:\Users\JOeCole\Desktop\TN-655531_NAVIGON_MobileNavigator_Android_MapView.png.jpg"/>
+          <p:cNvPicPr>
+            <a:picLocks noChangeAspect="1" noChangeArrowheads="1"/>
+          </p:cNvPicPr>
+          <p:nvPr/>
+        </p:nvPicPr>
+        <p:blipFill>
+          <a:blip r:embed="rId3" cstate="print">
+            <a:extLst>
+              <a:ext uri="{28A0092B-C50C-407E-A947-70E740481C1C}">
+                <a14:useLocalDpi xmlns:a14="http://schemas.microsoft.com/office/drawing/2010/main" val="0"/>
+              </a:ext>
+            </a:extLst>
+          </a:blip>
+          <a:srcRect/>
+          <a:stretch>
+            <a:fillRect/>
+          </a:stretch>
+        </p:blipFill>
+        <p:spPr bwMode="auto">
+          <a:xfrm>
+            <a:off x="7086600" y="2604198"/>
+            <a:ext cx="1447800" cy="2303318"/>
+          </a:xfrm>
+          <a:prstGeom prst="rect">
+            <a:avLst/>
+          </a:prstGeom>
+          <a:noFill/>
+          <a:extLst>
+            <a:ext uri="{909E8E84-426E-40DD-AFC4-6F175D3DCCD1}">
+              <a14:hiddenFill xmlns:a14="http://schemas.microsoft.com/office/drawing/2010/main">
+                <a:solidFill>
+                  <a:srgbClr val="FFFFFF"/>
+                </a:solidFill>
+              </a14:hiddenFill>
+            </a:ext>
+          </a:extLst>
+        </p:spPr>
+      </p:pic>
+      <p:pic>
+        <p:nvPicPr>
+          <p:cNvPr id="2051" name="Picture 3" descr="C:\Documents and Settings\Administrator\Desktop\Untitled-2.png"/>
+          <p:cNvPicPr>
+            <a:picLocks noChangeAspect="1" noChangeArrowheads="1"/>
+          </p:cNvPicPr>
+          <p:nvPr/>
+        </p:nvPicPr>
+        <p:blipFill>
+          <a:blip r:embed="rId4" cstate="print"/>
+          <a:srcRect/>
+          <a:stretch>
+            <a:fillRect/>
+          </a:stretch>
+        </p:blipFill>
+        <p:spPr bwMode="auto">
+          <a:xfrm>
+            <a:off x="2514600" y="1600200"/>
+            <a:ext cx="1371600" cy="2946400"/>
+          </a:xfrm>
+          <a:prstGeom prst="rect">
+            <a:avLst/>
+          </a:prstGeom>
+          <a:noFill/>
+        </p:spPr>
+      </p:pic>
+      <p:pic>
+        <p:nvPicPr>
+          <p:cNvPr id="2052" name="Picture 4" descr="C:\Documents and Settings\Administrator\Desktop\Untitled-1.png"/>
+          <p:cNvPicPr>
+            <a:picLocks noChangeAspect="1" noChangeArrowheads="1"/>
+          </p:cNvPicPr>
+          <p:nvPr/>
+        </p:nvPicPr>
+        <p:blipFill>
+          <a:blip r:embed="rId5" cstate="print"/>
+          <a:srcRect/>
+          <a:stretch>
+            <a:fillRect/>
+          </a:stretch>
+        </p:blipFill>
+        <p:spPr bwMode="auto">
+          <a:xfrm>
+            <a:off x="4267200" y="2667000"/>
+            <a:ext cx="2550886" cy="2819400"/>
+          </a:xfrm>
+          <a:prstGeom prst="rect">
+            <a:avLst/>
+          </a:prstGeom>
+          <a:noFill/>
+        </p:spPr>
+      </p:pic>
+      <p:sp>
+        <p:nvSpPr>
+          <p:cNvPr id="11" name="TextBox 10"/>
+          <p:cNvSpPr txBox="1"/>
+          <p:nvPr/>
+        </p:nvSpPr>
+        <p:spPr>
+          <a:xfrm>
+            <a:off x="2590800" y="5867400"/>
+            <a:ext cx="4114800" cy="584775"/>
+          </a:xfrm>
+          <a:prstGeom prst="rect">
+            <a:avLst/>
+          </a:prstGeom>
+          <a:noFill/>
+        </p:spPr>
+        <p:txBody>
+          <a:bodyPr wrap="square" rtlCol="0">
+            <a:spAutoFit/>
+          </a:bodyPr>
+          <a:lstStyle/>
+          <a:p>
             <a:r>
-              <a:rPr lang="th-TH" dirty="0" smtClean="0">
+              <a:rPr lang="th-TH" sz="3200" dirty="0" smtClean="0">
                 <a:latin typeface="Angsana New" pitchFamily="18" charset="-34"/>
                 <a:cs typeface="Angsana New" pitchFamily="18" charset="-34"/>
               </a:rPr>
-              <a:t>เพื่อสร้างโปรแกรมประยุกต์ใช้</a:t>
+              <a:t>ตัวอย่างโปรแกรมประยุกต์</a:t>
             </a:r>
             <a:r>
-              <a:rPr lang="th-TH" dirty="0">
+              <a:rPr lang="en-US" sz="3200" dirty="0" smtClean="0">
                 <a:latin typeface="Angsana New" pitchFamily="18" charset="-34"/>
                 <a:cs typeface="Angsana New" pitchFamily="18" charset="-34"/>
               </a:rPr>
-              <a:t>ในระบบปฏิบัติการแอนดรอยด์</a:t>
+              <a:t> Telenav</a:t>
             </a:r>
-            <a:endParaRPr lang="en-US" dirty="0">
-              <a:latin typeface="Angsana New" pitchFamily="18" charset="-34"/>
-              <a:cs typeface="Angsana New" pitchFamily="18" charset="-34"/>
-            </a:endParaRPr>
-          </a:p>
-          <a:p>
-            <a:r>
-              <a:rPr lang="th-TH" dirty="0" smtClean="0">
-                <a:latin typeface="Angsana New" pitchFamily="18" charset="-34"/>
-                <a:cs typeface="Angsana New" pitchFamily="18" charset="-34"/>
-              </a:rPr>
-              <a:t>เพื่อศึกษาการติดต่อกับดาวเทียมเพื่อขอพิกัดและใช้งาน </a:t>
-            </a:r>
-            <a:r>
-              <a:rPr lang="en-US" dirty="0" smtClean="0">
-                <a:latin typeface="Angsana New" pitchFamily="18" charset="-34"/>
-                <a:cs typeface="Angsana New" pitchFamily="18" charset="-34"/>
-              </a:rPr>
-              <a:t>GPS</a:t>
-            </a:r>
-            <a:endParaRPr lang="th-TH" dirty="0" smtClean="0">
-              <a:latin typeface="Angsana New" pitchFamily="18" charset="-34"/>
-              <a:cs typeface="Angsana New" pitchFamily="18" charset="-34"/>
-            </a:endParaRPr>
-          </a:p>
-          <a:p>
-            <a:r>
-              <a:rPr lang="th-TH" dirty="0" smtClean="0">
-                <a:latin typeface="Angsana New" pitchFamily="18" charset="-34"/>
-                <a:cs typeface="Angsana New" pitchFamily="18" charset="-34"/>
-              </a:rPr>
-              <a:t>เพื่อนำความรู้ที่เรียนมาใช้ให้เกิดประโยชน์สูงสุด</a:t>
-            </a:r>
-            <a:endParaRPr lang="en-US" dirty="0">
+            <a:endParaRPr lang="th-TH" sz="3200" dirty="0">
               <a:latin typeface="Angsana New" pitchFamily="18" charset="-34"/>
               <a:cs typeface="Angsana New" pitchFamily="18" charset="-34"/>
             </a:endParaRPr>
@@ -15430,7 +16377,7 @@
       </p:sp>
       <p:sp>
         <p:nvSpPr>
-          <p:cNvPr id="8" name="ตัวยึดหมายเลขภาพนิ่ง 7"/>
+          <p:cNvPr id="14" name="ตัวยึดหมายเลขภาพนิ่ง 13"/>
           <p:cNvSpPr>
             <a:spLocks noGrp="1"/>
           </p:cNvSpPr>
@@ -15493,7 +16440,7 @@
     </p:spTree>
     <p:extLst>
       <p:ext uri="{BB962C8B-B14F-4D97-AF65-F5344CB8AC3E}">
-        <p14:creationId xmlns="" xmlns:p14="http://schemas.microsoft.com/office/powerpoint/2010/main" val="1897534785"/>
+        <p14:creationId xmlns:p14="http://schemas.microsoft.com/office/powerpoint/2010/main" val="1312023503"/>
       </p:ext>
     </p:extLst>
   </p:cSld>
@@ -15552,6 +16499,94 @@
                                         <p:cTn id="7" dur="500"/>
                                         <p:tgtEl>
                                           <p:spTgt spid="4"/>
+                                        </p:tgtEl>
+                                      </p:cBhvr>
+                                    </p:animEffect>
+                                  </p:childTnLst>
+                                </p:cTn>
+                              </p:par>
+                            </p:childTnLst>
+                          </p:cTn>
+                        </p:par>
+                        <p:par>
+                          <p:cTn id="8" fill="hold">
+                            <p:stCondLst>
+                              <p:cond delay="500"/>
+                            </p:stCondLst>
+                            <p:childTnLst>
+                              <p:par>
+                                <p:cTn id="9" presetID="10" presetClass="entr" presetSubtype="0" fill="hold" nodeType="afterEffect">
+                                  <p:stCondLst>
+                                    <p:cond delay="0"/>
+                                  </p:stCondLst>
+                                  <p:childTnLst>
+                                    <p:set>
+                                      <p:cBhvr>
+                                        <p:cTn id="10" dur="1" fill="hold">
+                                          <p:stCondLst>
+                                            <p:cond delay="0"/>
+                                          </p:stCondLst>
+                                        </p:cTn>
+                                        <p:tgtEl>
+                                          <p:spTgt spid="1027"/>
+                                        </p:tgtEl>
+                                        <p:attrNameLst>
+                                          <p:attrName>style.visibility</p:attrName>
+                                        </p:attrNameLst>
+                                      </p:cBhvr>
+                                      <p:to>
+                                        <p:strVal val="visible"/>
+                                      </p:to>
+                                    </p:set>
+                                    <p:animEffect transition="in" filter="fade">
+                                      <p:cBhvr>
+                                        <p:cTn id="11" dur="500"/>
+                                        <p:tgtEl>
+                                          <p:spTgt spid="1027"/>
+                                        </p:tgtEl>
+                                      </p:cBhvr>
+                                    </p:animEffect>
+                                  </p:childTnLst>
+                                </p:cTn>
+                              </p:par>
+                            </p:childTnLst>
+                          </p:cTn>
+                        </p:par>
+                        <p:par>
+                          <p:cTn id="12" fill="hold">
+                            <p:stCondLst>
+                              <p:cond delay="1000"/>
+                            </p:stCondLst>
+                            <p:childTnLst>
+                              <p:par>
+                                <p:cTn id="13" presetID="10" presetClass="entr" presetSubtype="0" fill="hold" nodeType="afterEffect">
+                                  <p:stCondLst>
+                                    <p:cond delay="0"/>
+                                  </p:stCondLst>
+                                  <p:childTnLst>
+                                    <p:set>
+                                      <p:cBhvr>
+                                        <p:cTn id="14" dur="1" fill="hold">
+                                          <p:stCondLst>
+                                            <p:cond delay="0"/>
+                                          </p:stCondLst>
+                                        </p:cTn>
+                                        <p:tgtEl>
+                                          <p:spTgt spid="1029"/>
+                                        </p:tgtEl>
+                                        <p:attrNameLst>
+                                          <p:attrName>style.visibility</p:attrName>
+                                        </p:attrNameLst>
+                                      </p:cBhvr>
+                                      <p:to>
+                                        <p:strVal val="visible"/>
+                                      </p:to>
+                                    </p:set>
+                                    <p:animEffect transition="in" filter="fade">
+                                      <p:cBhvr>
+                                        <p:cTn id="15" dur="500"/>
+                                        <p:tgtEl>
+                                          <p:spTgt spid="1029"/>
                                         </p:tgtEl>
                                       </p:cBhvr>
                                     </p:animEffect>
@@ -15625,91 +16660,312 @@
           <a:lstStyle/>
           <a:p>
             <a:r>
-              <a:rPr lang="th-TH" b="1" dirty="0" smtClean="0"/>
-              <a:t>ขอบเขตของโครงงาน</a:t>
+              <a:rPr lang="th-TH" b="1" dirty="0"/>
+              <a:t>แตกต่างจากโปรแกรมอื่นๆอย่างไร</a:t>
             </a:r>
             <a:endParaRPr lang="en-US" b="1" dirty="0"/>
           </a:p>
         </p:txBody>
       </p:sp>
+      <p:graphicFrame>
+        <p:nvGraphicFramePr>
+          <p:cNvPr id="6" name="Content Placeholder 5"/>
+          <p:cNvGraphicFramePr>
+            <a:graphicFrameLocks noGrp="1"/>
+          </p:cNvGraphicFramePr>
+          <p:nvPr>
+            <p:ph idx="1"/>
+            <p:extLst>
+              <p:ext uri="{D42A27DB-BD31-4B8C-83A1-F6EECF244321}">
+                <p14:modId xmlns:p14="http://schemas.microsoft.com/office/powerpoint/2010/main" val="1490202401"/>
+              </p:ext>
+            </p:extLst>
+          </p:nvPr>
+        </p:nvGraphicFramePr>
+        <p:xfrm>
+          <a:off x="457200" y="1600200"/>
+          <a:ext cx="8229600" cy="4724400"/>
+        </p:xfrm>
+        <a:graphic>
+          <a:graphicData uri="http://schemas.openxmlformats.org/drawingml/2006/table">
+            <a:tbl>
+              <a:tblPr firstRow="1" bandRow="1">
+                <a:tableStyleId>{5C22544A-7EE6-4342-B048-85BDC9FD1C3A}</a:tableStyleId>
+              </a:tblPr>
+              <a:tblGrid>
+                <a:gridCol w="3733800"/>
+                <a:gridCol w="2247900"/>
+                <a:gridCol w="2247900"/>
+              </a:tblGrid>
+              <a:tr h="944880">
+                <a:tc>
+                  <a:txBody>
+                    <a:bodyPr/>
+                    <a:lstStyle/>
+                    <a:p>
+                      <a:pPr algn="ctr"/>
+                      <a:endParaRPr lang="en-US" sz="2400" dirty="0">
+                        <a:latin typeface="Angsana New" pitchFamily="18" charset="-34"/>
+                        <a:cs typeface="Angsana New" pitchFamily="18" charset="-34"/>
+                      </a:endParaRPr>
+                    </a:p>
+                  </a:txBody>
+                  <a:tcPr anchor="ctr"/>
+                </a:tc>
+                <a:tc>
+                  <a:txBody>
+                    <a:bodyPr/>
+                    <a:lstStyle/>
+                    <a:p>
+                      <a:pPr algn="ctr"/>
+                      <a:r>
+                        <a:rPr lang="th-TH" sz="2400" dirty="0" smtClean="0">
+                          <a:latin typeface="Angsana New" pitchFamily="18" charset="-34"/>
+                          <a:cs typeface="Angsana New" pitchFamily="18" charset="-34"/>
+                        </a:rPr>
+                        <a:t>โครงงาน</a:t>
+                      </a:r>
+                      <a:endParaRPr lang="en-US" sz="2400" dirty="0">
+                        <a:latin typeface="Angsana New" pitchFamily="18" charset="-34"/>
+                        <a:cs typeface="Angsana New" pitchFamily="18" charset="-34"/>
+                      </a:endParaRPr>
+                    </a:p>
+                  </a:txBody>
+                  <a:tcPr anchor="ctr"/>
+                </a:tc>
+                <a:tc>
+                  <a:txBody>
+                    <a:bodyPr/>
+                    <a:lstStyle/>
+                    <a:p>
+                      <a:pPr algn="ctr"/>
+                      <a:r>
+                        <a:rPr lang="th-TH" sz="2400" dirty="0" smtClean="0">
+                          <a:latin typeface="Angsana New" pitchFamily="18" charset="-34"/>
+                          <a:cs typeface="Angsana New" pitchFamily="18" charset="-34"/>
+                        </a:rPr>
+                        <a:t>โปรแกรมอื่นๆ</a:t>
+                      </a:r>
+                      <a:endParaRPr lang="en-US" sz="2400" dirty="0">
+                        <a:latin typeface="Angsana New" pitchFamily="18" charset="-34"/>
+                        <a:cs typeface="Angsana New" pitchFamily="18" charset="-34"/>
+                      </a:endParaRPr>
+                    </a:p>
+                  </a:txBody>
+                  <a:tcPr anchor="ctr"/>
+                </a:tc>
+              </a:tr>
+              <a:tr h="944880">
+                <a:tc>
+                  <a:txBody>
+                    <a:bodyPr/>
+                    <a:lstStyle/>
+                    <a:p>
+                      <a:pPr algn="ctr"/>
+                      <a:r>
+                        <a:rPr lang="th-TH" sz="2400" dirty="0" smtClean="0">
+                          <a:latin typeface="Angsana New" pitchFamily="18" charset="-34"/>
+                          <a:cs typeface="Angsana New" pitchFamily="18" charset="-34"/>
+                        </a:rPr>
+                        <a:t>บันทึกพิกัด</a:t>
+                      </a:r>
+                      <a:endParaRPr lang="en-US" sz="2400" dirty="0">
+                        <a:latin typeface="Angsana New" pitchFamily="18" charset="-34"/>
+                        <a:cs typeface="Angsana New" pitchFamily="18" charset="-34"/>
+                      </a:endParaRPr>
+                    </a:p>
+                  </a:txBody>
+                  <a:tcPr anchor="ctr"/>
+                </a:tc>
+                <a:tc>
+                  <a:txBody>
+                    <a:bodyPr/>
+                    <a:lstStyle/>
+                    <a:p>
+                      <a:pPr algn="ctr"/>
+                      <a:endParaRPr lang="en-US" sz="2400" dirty="0">
+                        <a:latin typeface="Angsana New" pitchFamily="18" charset="-34"/>
+                        <a:cs typeface="Angsana New" pitchFamily="18" charset="-34"/>
+                      </a:endParaRPr>
+                    </a:p>
+                  </a:txBody>
+                  <a:tcPr anchor="ctr"/>
+                </a:tc>
+                <a:tc>
+                  <a:txBody>
+                    <a:bodyPr/>
+                    <a:lstStyle/>
+                    <a:p>
+                      <a:pPr algn="ctr"/>
+                      <a:endParaRPr lang="en-US" sz="2400" dirty="0">
+                        <a:latin typeface="Angsana New" pitchFamily="18" charset="-34"/>
+                        <a:cs typeface="Angsana New" pitchFamily="18" charset="-34"/>
+                      </a:endParaRPr>
+                    </a:p>
+                  </a:txBody>
+                  <a:tcPr anchor="ctr"/>
+                </a:tc>
+              </a:tr>
+              <a:tr h="944880">
+                <a:tc>
+                  <a:txBody>
+                    <a:bodyPr/>
+                    <a:lstStyle/>
+                    <a:p>
+                      <a:pPr algn="ctr"/>
+                      <a:r>
+                        <a:rPr lang="th-TH" sz="2400" dirty="0" smtClean="0">
+                          <a:latin typeface="Angsana New" pitchFamily="18" charset="-34"/>
+                          <a:cs typeface="Angsana New" pitchFamily="18" charset="-34"/>
+                        </a:rPr>
+                        <a:t>ติดป้ายชื่อให้กับพิกัดนั้น</a:t>
+                      </a:r>
+                      <a:endParaRPr lang="en-US" sz="2400" dirty="0">
+                        <a:latin typeface="Angsana New" pitchFamily="18" charset="-34"/>
+                        <a:cs typeface="Angsana New" pitchFamily="18" charset="-34"/>
+                      </a:endParaRPr>
+                    </a:p>
+                  </a:txBody>
+                  <a:tcPr anchor="ctr"/>
+                </a:tc>
+                <a:tc>
+                  <a:txBody>
+                    <a:bodyPr/>
+                    <a:lstStyle/>
+                    <a:p>
+                      <a:pPr algn="ctr"/>
+                      <a:endParaRPr lang="en-US" sz="2400" dirty="0">
+                        <a:latin typeface="Angsana New" pitchFamily="18" charset="-34"/>
+                        <a:cs typeface="Angsana New" pitchFamily="18" charset="-34"/>
+                      </a:endParaRPr>
+                    </a:p>
+                  </a:txBody>
+                  <a:tcPr anchor="ctr"/>
+                </a:tc>
+                <a:tc>
+                  <a:txBody>
+                    <a:bodyPr/>
+                    <a:lstStyle/>
+                    <a:p>
+                      <a:pPr algn="ctr"/>
+                      <a:endParaRPr lang="en-US" sz="2400" dirty="0">
+                        <a:latin typeface="Angsana New" pitchFamily="18" charset="-34"/>
+                        <a:cs typeface="Angsana New" pitchFamily="18" charset="-34"/>
+                      </a:endParaRPr>
+                    </a:p>
+                  </a:txBody>
+                  <a:tcPr anchor="ctr"/>
+                </a:tc>
+              </a:tr>
+              <a:tr h="944880">
+                <a:tc>
+                  <a:txBody>
+                    <a:bodyPr/>
+                    <a:lstStyle/>
+                    <a:p>
+                      <a:pPr algn="ctr"/>
+                      <a:r>
+                        <a:rPr lang="th-TH" sz="2400" dirty="0" smtClean="0">
+                          <a:latin typeface="Angsana New" pitchFamily="18" charset="-34"/>
+                          <a:cs typeface="Angsana New" pitchFamily="18" charset="-34"/>
+                        </a:rPr>
+                        <a:t>ไม่ต้องใช้คอมพิวเตอร์ในการดูแผนที่</a:t>
+                      </a:r>
+                      <a:endParaRPr lang="en-US" sz="2400" dirty="0">
+                        <a:latin typeface="Angsana New" pitchFamily="18" charset="-34"/>
+                        <a:cs typeface="Angsana New" pitchFamily="18" charset="-34"/>
+                      </a:endParaRPr>
+                    </a:p>
+                  </a:txBody>
+                  <a:tcPr anchor="ctr"/>
+                </a:tc>
+                <a:tc>
+                  <a:txBody>
+                    <a:bodyPr/>
+                    <a:lstStyle/>
+                    <a:p>
+                      <a:pPr algn="ctr"/>
+                      <a:endParaRPr lang="en-US" sz="2400" dirty="0">
+                        <a:latin typeface="Angsana New" pitchFamily="18" charset="-34"/>
+                        <a:cs typeface="Angsana New" pitchFamily="18" charset="-34"/>
+                      </a:endParaRPr>
+                    </a:p>
+                  </a:txBody>
+                  <a:tcPr anchor="ctr"/>
+                </a:tc>
+                <a:tc>
+                  <a:txBody>
+                    <a:bodyPr/>
+                    <a:lstStyle/>
+                    <a:p>
+                      <a:pPr algn="ctr"/>
+                      <a:endParaRPr lang="en-US" sz="2400" dirty="0">
+                        <a:latin typeface="Angsana New" pitchFamily="18" charset="-34"/>
+                        <a:cs typeface="Angsana New" pitchFamily="18" charset="-34"/>
+                      </a:endParaRPr>
+                    </a:p>
+                  </a:txBody>
+                  <a:tcPr anchor="ctr"/>
+                </a:tc>
+              </a:tr>
+              <a:tr h="944880">
+                <a:tc>
+                  <a:txBody>
+                    <a:bodyPr/>
+                    <a:lstStyle/>
+                    <a:p>
+                      <a:pPr algn="ctr"/>
+                      <a:r>
+                        <a:rPr lang="th-TH" sz="2400" dirty="0" smtClean="0">
+                          <a:latin typeface="Angsana New" pitchFamily="18" charset="-34"/>
+                          <a:cs typeface="Angsana New" pitchFamily="18" charset="-34"/>
+                        </a:rPr>
+                        <a:t>ดูภาพรวมของการเดินทาง</a:t>
+                      </a:r>
+                      <a:endParaRPr lang="en-US" sz="2400" dirty="0">
+                        <a:latin typeface="Angsana New" pitchFamily="18" charset="-34"/>
+                        <a:cs typeface="Angsana New" pitchFamily="18" charset="-34"/>
+                      </a:endParaRPr>
+                    </a:p>
+                  </a:txBody>
+                  <a:tcPr anchor="ctr"/>
+                </a:tc>
+                <a:tc>
+                  <a:txBody>
+                    <a:bodyPr/>
+                    <a:lstStyle/>
+                    <a:p>
+                      <a:pPr algn="ctr"/>
+                      <a:endParaRPr lang="en-US" sz="2400" dirty="0">
+                        <a:latin typeface="Angsana New" pitchFamily="18" charset="-34"/>
+                        <a:cs typeface="Angsana New" pitchFamily="18" charset="-34"/>
+                      </a:endParaRPr>
+                    </a:p>
+                  </a:txBody>
+                  <a:tcPr anchor="ctr"/>
+                </a:tc>
+                <a:tc>
+                  <a:txBody>
+                    <a:bodyPr/>
+                    <a:lstStyle/>
+                    <a:p>
+                      <a:pPr algn="ctr"/>
+                      <a:endParaRPr lang="en-US" sz="2400" dirty="0">
+                        <a:latin typeface="Angsana New" pitchFamily="18" charset="-34"/>
+                        <a:cs typeface="Angsana New" pitchFamily="18" charset="-34"/>
+                      </a:endParaRPr>
+                    </a:p>
+                  </a:txBody>
+                  <a:tcPr anchor="ctr"/>
+                </a:tc>
+              </a:tr>
+            </a:tbl>
+          </a:graphicData>
+        </a:graphic>
+      </p:graphicFrame>
       <p:sp>
         <p:nvSpPr>
-          <p:cNvPr id="3" name="Content Placeholder 2"/>
-          <p:cNvSpPr>
-            <a:spLocks noGrp="1"/>
-          </p:cNvSpPr>
-          <p:nvPr>
-            <p:ph idx="1"/>
-          </p:nvPr>
-        </p:nvSpPr>
-        <p:spPr/>
-        <p:txBody>
-          <a:bodyPr/>
-          <a:lstStyle/>
-          <a:p>
-            <a:r>
-              <a:rPr lang="th-TH" dirty="0" smtClean="0">
-                <a:latin typeface="Angsana New" pitchFamily="18" charset="-34"/>
-                <a:cs typeface="Angsana New" pitchFamily="18" charset="-34"/>
-              </a:rPr>
-              <a:t>การที่จะรับพิกัดจากดาวเทียมนั้น สัญญาณจากดาวเทียม </a:t>
-            </a:r>
-            <a:r>
-              <a:rPr lang="en-US" dirty="0" smtClean="0">
-                <a:latin typeface="Angsana New" pitchFamily="18" charset="-34"/>
-                <a:cs typeface="Angsana New" pitchFamily="18" charset="-34"/>
-              </a:rPr>
-              <a:t>4</a:t>
-            </a:r>
-            <a:r>
-              <a:rPr lang="th-TH" dirty="0" smtClean="0">
-                <a:latin typeface="Angsana New" pitchFamily="18" charset="-34"/>
-                <a:cs typeface="Angsana New" pitchFamily="18" charset="-34"/>
-              </a:rPr>
-              <a:t> ดวงขึ้นไป</a:t>
-            </a:r>
-          </a:p>
-          <a:p>
-            <a:r>
-              <a:rPr lang="th-TH" dirty="0" smtClean="0">
-                <a:latin typeface="Angsana New" pitchFamily="18" charset="-34"/>
-                <a:cs typeface="Angsana New" pitchFamily="18" charset="-34"/>
-              </a:rPr>
-              <a:t>ก่อนที่จะนำพิกัดในฐานข้อมูล ไปลง </a:t>
-            </a:r>
-            <a:r>
-              <a:rPr lang="en-US" dirty="0" smtClean="0">
-                <a:latin typeface="Angsana New" pitchFamily="18" charset="-34"/>
-                <a:cs typeface="Angsana New" pitchFamily="18" charset="-34"/>
-              </a:rPr>
-              <a:t>Google Map </a:t>
-            </a:r>
-            <a:r>
-              <a:rPr lang="th-TH" dirty="0" smtClean="0">
-                <a:latin typeface="Angsana New" pitchFamily="18" charset="-34"/>
-                <a:cs typeface="Angsana New" pitchFamily="18" charset="-34"/>
-              </a:rPr>
-              <a:t>จะต้องมีสัญญาณอินเตอร์เน็ต</a:t>
-            </a:r>
-          </a:p>
-          <a:p>
-            <a:r>
-              <a:rPr lang="th-TH" dirty="0" smtClean="0">
-                <a:latin typeface="Angsana New" pitchFamily="18" charset="-34"/>
-                <a:cs typeface="Angsana New" pitchFamily="18" charset="-34"/>
-              </a:rPr>
-              <a:t>เมื่อหยุดการบันทึกพิกัดช่วงคราว เส้นทางในแผนที่ก็จะขาดช่วงไปเช่นกัน</a:t>
-            </a:r>
-            <a:endParaRPr lang="en-US" dirty="0">
-              <a:latin typeface="Angsana New" pitchFamily="18" charset="-34"/>
-              <a:cs typeface="Angsana New" pitchFamily="18" charset="-34"/>
-            </a:endParaRPr>
-          </a:p>
-        </p:txBody>
-      </p:sp>
-      <p:sp>
-        <p:nvSpPr>
-          <p:cNvPr id="6" name="ตัวยึดหมายเลขภาพนิ่ง 5"/>
+          <p:cNvPr id="22" name="ตัวยึดหมายเลขภาพนิ่ง 21"/>
           <p:cNvSpPr>
             <a:spLocks noGrp="1"/>
           </p:cNvSpPr>
@@ -15769,10 +17025,233 @@
           </a:p>
         </p:txBody>
       </p:sp>
+      <p:grpSp>
+        <p:nvGrpSpPr>
+          <p:cNvPr id="4" name="Group 3"/>
+          <p:cNvGrpSpPr/>
+          <p:nvPr/>
+        </p:nvGrpSpPr>
+        <p:grpSpPr>
+          <a:xfrm>
+            <a:off x="5105400" y="2819400"/>
+            <a:ext cx="2598576" cy="3200400"/>
+            <a:chOff x="5105400" y="2819400"/>
+            <a:chExt cx="2598576" cy="3200400"/>
+          </a:xfrm>
+        </p:grpSpPr>
+        <p:pic>
+          <p:nvPicPr>
+            <p:cNvPr id="1026" name="Picture 2" descr="C:\Documents and Settings\Administrator\Desktop\Untitled-3.png"/>
+            <p:cNvPicPr>
+              <a:picLocks noChangeAspect="1" noChangeArrowheads="1"/>
+            </p:cNvPicPr>
+            <p:nvPr/>
+          </p:nvPicPr>
+          <p:blipFill>
+            <a:blip r:embed="rId2" cstate="print"/>
+            <a:srcRect/>
+            <a:stretch>
+              <a:fillRect/>
+            </a:stretch>
+          </p:blipFill>
+          <p:spPr bwMode="auto">
+            <a:xfrm>
+              <a:off x="5105400" y="2819400"/>
+              <a:ext cx="388776" cy="381000"/>
+            </a:xfrm>
+            <a:prstGeom prst="rect">
+              <a:avLst/>
+            </a:prstGeom>
+            <a:noFill/>
+          </p:spPr>
+        </p:pic>
+        <p:pic>
+          <p:nvPicPr>
+            <p:cNvPr id="15" name="Picture 2" descr="C:\Documents and Settings\Administrator\Desktop\Untitled-3.png"/>
+            <p:cNvPicPr>
+              <a:picLocks noChangeAspect="1" noChangeArrowheads="1"/>
+            </p:cNvPicPr>
+            <p:nvPr/>
+          </p:nvPicPr>
+          <p:blipFill>
+            <a:blip r:embed="rId2" cstate="print"/>
+            <a:srcRect/>
+            <a:stretch>
+              <a:fillRect/>
+            </a:stretch>
+          </p:blipFill>
+          <p:spPr bwMode="auto">
+            <a:xfrm>
+              <a:off x="5105400" y="3733800"/>
+              <a:ext cx="388776" cy="381000"/>
+            </a:xfrm>
+            <a:prstGeom prst="rect">
+              <a:avLst/>
+            </a:prstGeom>
+            <a:noFill/>
+          </p:spPr>
+        </p:pic>
+        <p:pic>
+          <p:nvPicPr>
+            <p:cNvPr id="16" name="Picture 2" descr="C:\Documents and Settings\Administrator\Desktop\Untitled-3.png"/>
+            <p:cNvPicPr>
+              <a:picLocks noChangeAspect="1" noChangeArrowheads="1"/>
+            </p:cNvPicPr>
+            <p:nvPr/>
+          </p:nvPicPr>
+          <p:blipFill>
+            <a:blip r:embed="rId2" cstate="print"/>
+            <a:srcRect/>
+            <a:stretch>
+              <a:fillRect/>
+            </a:stretch>
+          </p:blipFill>
+          <p:spPr bwMode="auto">
+            <a:xfrm>
+              <a:off x="5105400" y="4724400"/>
+              <a:ext cx="388776" cy="381000"/>
+            </a:xfrm>
+            <a:prstGeom prst="rect">
+              <a:avLst/>
+            </a:prstGeom>
+            <a:noFill/>
+          </p:spPr>
+        </p:pic>
+        <p:pic>
+          <p:nvPicPr>
+            <p:cNvPr id="17" name="Picture 2" descr="C:\Documents and Settings\Administrator\Desktop\Untitled-3.png"/>
+            <p:cNvPicPr>
+              <a:picLocks noChangeAspect="1" noChangeArrowheads="1"/>
+            </p:cNvPicPr>
+            <p:nvPr/>
+          </p:nvPicPr>
+          <p:blipFill>
+            <a:blip r:embed="rId2" cstate="print"/>
+            <a:srcRect/>
+            <a:stretch>
+              <a:fillRect/>
+            </a:stretch>
+          </p:blipFill>
+          <p:spPr bwMode="auto">
+            <a:xfrm>
+              <a:off x="5105400" y="5638800"/>
+              <a:ext cx="388776" cy="381000"/>
+            </a:xfrm>
+            <a:prstGeom prst="rect">
+              <a:avLst/>
+            </a:prstGeom>
+            <a:noFill/>
+          </p:spPr>
+        </p:pic>
+        <p:pic>
+          <p:nvPicPr>
+            <p:cNvPr id="1027" name="Picture 3" descr="C:\Documents and Settings\Administrator\Desktop\Untitled-4.png"/>
+            <p:cNvPicPr>
+              <a:picLocks noChangeAspect="1" noChangeArrowheads="1"/>
+            </p:cNvPicPr>
+            <p:nvPr/>
+          </p:nvPicPr>
+          <p:blipFill>
+            <a:blip r:embed="rId3" cstate="print"/>
+            <a:srcRect/>
+            <a:stretch>
+              <a:fillRect/>
+            </a:stretch>
+          </p:blipFill>
+          <p:spPr bwMode="auto">
+            <a:xfrm>
+              <a:off x="7315200" y="3733800"/>
+              <a:ext cx="388775" cy="381000"/>
+            </a:xfrm>
+            <a:prstGeom prst="rect">
+              <a:avLst/>
+            </a:prstGeom>
+            <a:noFill/>
+          </p:spPr>
+        </p:pic>
+        <p:pic>
+          <p:nvPicPr>
+            <p:cNvPr id="18" name="Picture 3" descr="C:\Documents and Settings\Administrator\Desktop\Untitled-4.png"/>
+            <p:cNvPicPr>
+              <a:picLocks noChangeAspect="1" noChangeArrowheads="1"/>
+            </p:cNvPicPr>
+            <p:nvPr/>
+          </p:nvPicPr>
+          <p:blipFill>
+            <a:blip r:embed="rId3" cstate="print"/>
+            <a:srcRect/>
+            <a:stretch>
+              <a:fillRect/>
+            </a:stretch>
+          </p:blipFill>
+          <p:spPr bwMode="auto">
+            <a:xfrm>
+              <a:off x="7315200" y="4724400"/>
+              <a:ext cx="388775" cy="381000"/>
+            </a:xfrm>
+            <a:prstGeom prst="rect">
+              <a:avLst/>
+            </a:prstGeom>
+            <a:noFill/>
+          </p:spPr>
+        </p:pic>
+        <p:pic>
+          <p:nvPicPr>
+            <p:cNvPr id="19" name="Picture 3" descr="C:\Documents and Settings\Administrator\Desktop\Untitled-4.png"/>
+            <p:cNvPicPr>
+              <a:picLocks noChangeAspect="1" noChangeArrowheads="1"/>
+            </p:cNvPicPr>
+            <p:nvPr/>
+          </p:nvPicPr>
+          <p:blipFill>
+            <a:blip r:embed="rId3" cstate="print"/>
+            <a:srcRect/>
+            <a:stretch>
+              <a:fillRect/>
+            </a:stretch>
+          </p:blipFill>
+          <p:spPr bwMode="auto">
+            <a:xfrm>
+              <a:off x="7315200" y="5638800"/>
+              <a:ext cx="388775" cy="381000"/>
+            </a:xfrm>
+            <a:prstGeom prst="rect">
+              <a:avLst/>
+            </a:prstGeom>
+            <a:noFill/>
+          </p:spPr>
+        </p:pic>
+        <p:pic>
+          <p:nvPicPr>
+            <p:cNvPr id="13" name="Picture 2" descr="C:\Documents and Settings\Administrator\Desktop\Untitled-3.png"/>
+            <p:cNvPicPr>
+              <a:picLocks noChangeAspect="1" noChangeArrowheads="1"/>
+            </p:cNvPicPr>
+            <p:nvPr/>
+          </p:nvPicPr>
+          <p:blipFill>
+            <a:blip r:embed="rId2" cstate="print"/>
+            <a:srcRect/>
+            <a:stretch>
+              <a:fillRect/>
+            </a:stretch>
+          </p:blipFill>
+          <p:spPr bwMode="auto">
+            <a:xfrm>
+              <a:off x="7315200" y="2819400"/>
+              <a:ext cx="388776" cy="381000"/>
+            </a:xfrm>
+            <a:prstGeom prst="rect">
+              <a:avLst/>
+            </a:prstGeom>
+            <a:noFill/>
+          </p:spPr>
+        </p:pic>
+      </p:grpSp>
     </p:spTree>
     <p:extLst>
       <p:ext uri="{BB962C8B-B14F-4D97-AF65-F5344CB8AC3E}">
-        <p14:creationId xmlns="" xmlns:p14="http://schemas.microsoft.com/office/powerpoint/2010/main" val="3158405881"/>
+        <p14:creationId xmlns:p14="http://schemas.microsoft.com/office/powerpoint/2010/main" val="222104164"/>
       </p:ext>
     </p:extLst>
   </p:cSld>
@@ -15782,9 +17261,135 @@
   <p:timing>
     <p:tnLst>
       <p:par>
-        <p:cTn id="1" dur="indefinite" restart="never" nodeType="tmRoot"/>
+        <p:cTn id="1" dur="indefinite" restart="never" nodeType="tmRoot">
+          <p:childTnLst>
+            <p:seq concurrent="1" nextAc="seek">
+              <p:cTn id="2" dur="indefinite" nodeType="mainSeq">
+                <p:childTnLst>
+                  <p:par>
+                    <p:cTn id="3" fill="hold">
+                      <p:stCondLst>
+                        <p:cond delay="indefinite"/>
+                        <p:cond evt="onBegin" delay="0">
+                          <p:tn val="2"/>
+                        </p:cond>
+                      </p:stCondLst>
+                      <p:childTnLst>
+                        <p:par>
+                          <p:cTn id="4" fill="hold">
+                            <p:stCondLst>
+                              <p:cond delay="0"/>
+                            </p:stCondLst>
+                            <p:childTnLst>
+                              <p:par>
+                                <p:cTn id="5" presetID="10" presetClass="entr" presetSubtype="0" fill="hold" grpId="0" nodeType="afterEffect">
+                                  <p:stCondLst>
+                                    <p:cond delay="0"/>
+                                  </p:stCondLst>
+                                  <p:childTnLst>
+                                    <p:set>
+                                      <p:cBhvr>
+                                        <p:cTn id="6" dur="1" fill="hold">
+                                          <p:stCondLst>
+                                            <p:cond delay="0"/>
+                                          </p:stCondLst>
+                                        </p:cTn>
+                                        <p:tgtEl>
+                                          <p:spTgt spid="2"/>
+                                        </p:tgtEl>
+                                        <p:attrNameLst>
+                                          <p:attrName>style.visibility</p:attrName>
+                                        </p:attrNameLst>
+                                      </p:cBhvr>
+                                      <p:to>
+                                        <p:strVal val="visible"/>
+                                      </p:to>
+                                    </p:set>
+                                    <p:animEffect transition="in" filter="fade">
+                                      <p:cBhvr>
+                                        <p:cTn id="7" dur="500"/>
+                                        <p:tgtEl>
+                                          <p:spTgt spid="2"/>
+                                        </p:tgtEl>
+                                      </p:cBhvr>
+                                    </p:animEffect>
+                                  </p:childTnLst>
+                                </p:cTn>
+                              </p:par>
+                            </p:childTnLst>
+                          </p:cTn>
+                        </p:par>
+                        <p:par>
+                          <p:cTn id="8" fill="hold">
+                            <p:stCondLst>
+                              <p:cond delay="500"/>
+                            </p:stCondLst>
+                            <p:childTnLst>
+                              <p:par>
+                                <p:cTn id="9" presetID="10" presetClass="entr" presetSubtype="0" fill="hold" nodeType="afterEffect">
+                                  <p:stCondLst>
+                                    <p:cond delay="0"/>
+                                  </p:stCondLst>
+                                  <p:childTnLst>
+                                    <p:set>
+                                      <p:cBhvr>
+                                        <p:cTn id="10" dur="1" fill="hold">
+                                          <p:stCondLst>
+                                            <p:cond delay="0"/>
+                                          </p:stCondLst>
+                                        </p:cTn>
+                                        <p:tgtEl>
+                                          <p:spTgt spid="6"/>
+                                        </p:tgtEl>
+                                        <p:attrNameLst>
+                                          <p:attrName>style.visibility</p:attrName>
+                                        </p:attrNameLst>
+                                      </p:cBhvr>
+                                      <p:to>
+                                        <p:strVal val="visible"/>
+                                      </p:to>
+                                    </p:set>
+                                    <p:animEffect transition="in" filter="fade">
+                                      <p:cBhvr>
+                                        <p:cTn id="11" dur="500"/>
+                                        <p:tgtEl>
+                                          <p:spTgt spid="6"/>
+                                        </p:tgtEl>
+                                      </p:cBhvr>
+                                    </p:animEffect>
+                                  </p:childTnLst>
+                                </p:cTn>
+                              </p:par>
+                            </p:childTnLst>
+                          </p:cTn>
+                        </p:par>
+                      </p:childTnLst>
+                    </p:cTn>
+                  </p:par>
+                </p:childTnLst>
+              </p:cTn>
+              <p:prevCondLst>
+                <p:cond evt="onPrev" delay="0">
+                  <p:tgtEl>
+                    <p:sldTgt/>
+                  </p:tgtEl>
+                </p:cond>
+              </p:prevCondLst>
+              <p:nextCondLst>
+                <p:cond evt="onNext" delay="0">
+                  <p:tgtEl>
+                    <p:sldTgt/>
+                  </p:tgtEl>
+                </p:cond>
+              </p:nextCondLst>
+            </p:seq>
+          </p:childTnLst>
+        </p:cTn>
       </p:par>
     </p:tnLst>
+    <p:bldLst>
+      <p:bldP spid="2" grpId="0"/>
+    </p:bldLst>
   </p:timing>
 </p:sld>
 </file>
